--- a/tortoise-and-hare/tortoise-and-hare.pptx
+++ b/tortoise-and-hare/tortoise-and-hare.pptx
@@ -4,8 +4,40 @@
   <p:sldMasterIdLst>
     <p:sldMasterId id="2147483648" r:id="rId1"/>
   </p:sldMasterIdLst>
+  <p:notesMasterIdLst>
+    <p:notesMasterId r:id="rId32"/>
+  </p:notesMasterIdLst>
   <p:sldIdLst>
     <p:sldId id="256" r:id="rId2"/>
+    <p:sldId id="257" r:id="rId3"/>
+    <p:sldId id="258" r:id="rId4"/>
+    <p:sldId id="259" r:id="rId5"/>
+    <p:sldId id="260" r:id="rId6"/>
+    <p:sldId id="261" r:id="rId7"/>
+    <p:sldId id="262" r:id="rId8"/>
+    <p:sldId id="263" r:id="rId9"/>
+    <p:sldId id="264" r:id="rId10"/>
+    <p:sldId id="269" r:id="rId11"/>
+    <p:sldId id="265" r:id="rId12"/>
+    <p:sldId id="266" r:id="rId13"/>
+    <p:sldId id="267" r:id="rId14"/>
+    <p:sldId id="268" r:id="rId15"/>
+    <p:sldId id="271" r:id="rId16"/>
+    <p:sldId id="272" r:id="rId17"/>
+    <p:sldId id="275" r:id="rId18"/>
+    <p:sldId id="276" r:id="rId19"/>
+    <p:sldId id="273" r:id="rId20"/>
+    <p:sldId id="274" r:id="rId21"/>
+    <p:sldId id="277" r:id="rId22"/>
+    <p:sldId id="278" r:id="rId23"/>
+    <p:sldId id="279" r:id="rId24"/>
+    <p:sldId id="280" r:id="rId25"/>
+    <p:sldId id="281" r:id="rId26"/>
+    <p:sldId id="282" r:id="rId27"/>
+    <p:sldId id="283" r:id="rId28"/>
+    <p:sldId id="284" r:id="rId29"/>
+    <p:sldId id="285" r:id="rId30"/>
+    <p:sldId id="286" r:id="rId31"/>
   </p:sldIdLst>
   <p:sldSz cx="12192000" cy="6858000"/>
   <p:notesSz cx="6858000" cy="9144000"/>
@@ -112,12 +144,20 @@
 </p:presentation>
 </file>
 
+<file path=ppt/revisionInfo.xml><?xml version="1.0" encoding="utf-8"?>
+<p1510:revInfo xmlns:a="http://schemas.openxmlformats.org/drawingml/2006/main" xmlns:r="http://schemas.openxmlformats.org/officeDocument/2006/relationships" xmlns:p1510="http://schemas.microsoft.com/office/powerpoint/2015/10/main">
+  <p1510:revLst>
+    <p1510:client id="{0161F929-ADA8-4ED7-B188-5FA59EAD01EE}" v="23" dt="2021-11-07T01:56:03.440"/>
+  </p1510:revLst>
+</p1510:revInfo>
+</file>
+
 <file path=ppt/changesInfos/changesInfo1.xml><?xml version="1.0" encoding="utf-8"?>
 <pc:chgInfo xmlns:a="http://schemas.openxmlformats.org/drawingml/2006/main" xmlns:r="http://schemas.openxmlformats.org/officeDocument/2006/relationships" xmlns:ac="http://schemas.microsoft.com/office/drawing/2013/main/command" xmlns:pc="http://schemas.microsoft.com/office/powerpoint/2013/main/command">
   <pc:docChgLst>
     <pc:chgData name="Jason Knight" userId="03bbb8e5a6d6338b" providerId="LiveId" clId="{0161F929-ADA8-4ED7-B188-5FA59EAD01EE}"/>
-    <pc:docChg chg="modSld">
-      <pc:chgData name="Jason Knight" userId="03bbb8e5a6d6338b" providerId="LiveId" clId="{0161F929-ADA8-4ED7-B188-5FA59EAD01EE}" dt="2021-11-07T01:03:55.028" v="117" actId="20577"/>
+    <pc:docChg chg="undo redo custSel addSld delSld modSld">
+      <pc:chgData name="Jason Knight" userId="03bbb8e5a6d6338b" providerId="LiveId" clId="{0161F929-ADA8-4ED7-B188-5FA59EAD01EE}" dt="2021-11-07T02:01:32.073" v="932" actId="20577"/>
       <pc:docMkLst>
         <pc:docMk/>
       </pc:docMkLst>
@@ -144,9 +184,3517 @@
           </ac:spMkLst>
         </pc:spChg>
       </pc:sldChg>
+      <pc:sldChg chg="addSp delSp modSp new mod modNotesTx">
+        <pc:chgData name="Jason Knight" userId="03bbb8e5a6d6338b" providerId="LiveId" clId="{0161F929-ADA8-4ED7-B188-5FA59EAD01EE}" dt="2021-11-07T01:15:51.692" v="190" actId="20577"/>
+        <pc:sldMkLst>
+          <pc:docMk/>
+          <pc:sldMk cId="2559899093" sldId="257"/>
+        </pc:sldMkLst>
+        <pc:spChg chg="mod ord">
+          <ac:chgData name="Jason Knight" userId="03bbb8e5a6d6338b" providerId="LiveId" clId="{0161F929-ADA8-4ED7-B188-5FA59EAD01EE}" dt="2021-11-07T01:15:51.692" v="190" actId="20577"/>
+          <ac:spMkLst>
+            <pc:docMk/>
+            <pc:sldMk cId="2559899093" sldId="257"/>
+            <ac:spMk id="2" creationId="{1B35FFBF-9371-4AE0-A054-A7F840D5B9B3}"/>
+          </ac:spMkLst>
+        </pc:spChg>
+        <pc:picChg chg="add del mod">
+          <ac:chgData name="Jason Knight" userId="03bbb8e5a6d6338b" providerId="LiveId" clId="{0161F929-ADA8-4ED7-B188-5FA59EAD01EE}" dt="2021-11-07T01:10:24.385" v="131" actId="478"/>
+          <ac:picMkLst>
+            <pc:docMk/>
+            <pc:sldMk cId="2559899093" sldId="257"/>
+            <ac:picMk id="1026" creationId="{0642F773-D8BD-4674-9BE2-588EBB3F4009}"/>
+          </ac:picMkLst>
+        </pc:picChg>
+        <pc:picChg chg="add mod">
+          <ac:chgData name="Jason Knight" userId="03bbb8e5a6d6338b" providerId="LiveId" clId="{0161F929-ADA8-4ED7-B188-5FA59EAD01EE}" dt="2021-11-07T01:10:47.691" v="136" actId="1076"/>
+          <ac:picMkLst>
+            <pc:docMk/>
+            <pc:sldMk cId="2559899093" sldId="257"/>
+            <ac:picMk id="1028" creationId="{C7554835-1D0E-4A2F-9299-759697EF5C55}"/>
+          </ac:picMkLst>
+        </pc:picChg>
+      </pc:sldChg>
+      <pc:sldChg chg="modSp add mod modNotesTx">
+        <pc:chgData name="Jason Knight" userId="03bbb8e5a6d6338b" providerId="LiveId" clId="{0161F929-ADA8-4ED7-B188-5FA59EAD01EE}" dt="2021-11-07T01:15:25.221" v="185" actId="1076"/>
+        <pc:sldMkLst>
+          <pc:docMk/>
+          <pc:sldMk cId="952410151" sldId="258"/>
+        </pc:sldMkLst>
+        <pc:spChg chg="mod">
+          <ac:chgData name="Jason Knight" userId="03bbb8e5a6d6338b" providerId="LiveId" clId="{0161F929-ADA8-4ED7-B188-5FA59EAD01EE}" dt="2021-11-07T01:11:52.271" v="158" actId="20577"/>
+          <ac:spMkLst>
+            <pc:docMk/>
+            <pc:sldMk cId="952410151" sldId="258"/>
+            <ac:spMk id="2" creationId="{1B35FFBF-9371-4AE0-A054-A7F840D5B9B3}"/>
+          </ac:spMkLst>
+        </pc:spChg>
+        <pc:picChg chg="mod">
+          <ac:chgData name="Jason Knight" userId="03bbb8e5a6d6338b" providerId="LiveId" clId="{0161F929-ADA8-4ED7-B188-5FA59EAD01EE}" dt="2021-11-07T01:15:25.221" v="185" actId="1076"/>
+          <ac:picMkLst>
+            <pc:docMk/>
+            <pc:sldMk cId="952410151" sldId="258"/>
+            <ac:picMk id="1028" creationId="{C7554835-1D0E-4A2F-9299-759697EF5C55}"/>
+          </ac:picMkLst>
+        </pc:picChg>
+      </pc:sldChg>
+      <pc:sldChg chg="new del">
+        <pc:chgData name="Jason Knight" userId="03bbb8e5a6d6338b" providerId="LiveId" clId="{0161F929-ADA8-4ED7-B188-5FA59EAD01EE}" dt="2021-11-07T01:11:38.231" v="138" actId="47"/>
+        <pc:sldMkLst>
+          <pc:docMk/>
+          <pc:sldMk cId="1601732071" sldId="258"/>
+        </pc:sldMkLst>
+      </pc:sldChg>
+      <pc:sldChg chg="modSp add mod modNotesTx">
+        <pc:chgData name="Jason Knight" userId="03bbb8e5a6d6338b" providerId="LiveId" clId="{0161F929-ADA8-4ED7-B188-5FA59EAD01EE}" dt="2021-11-07T01:22:03.346" v="232"/>
+        <pc:sldMkLst>
+          <pc:docMk/>
+          <pc:sldMk cId="1445182825" sldId="259"/>
+        </pc:sldMkLst>
+        <pc:spChg chg="mod">
+          <ac:chgData name="Jason Knight" userId="03bbb8e5a6d6338b" providerId="LiveId" clId="{0161F929-ADA8-4ED7-B188-5FA59EAD01EE}" dt="2021-11-07T01:14:59.570" v="183" actId="20577"/>
+          <ac:spMkLst>
+            <pc:docMk/>
+            <pc:sldMk cId="1445182825" sldId="259"/>
+            <ac:spMk id="2" creationId="{1B35FFBF-9371-4AE0-A054-A7F840D5B9B3}"/>
+          </ac:spMkLst>
+        </pc:spChg>
+        <pc:picChg chg="mod">
+          <ac:chgData name="Jason Knight" userId="03bbb8e5a6d6338b" providerId="LiveId" clId="{0161F929-ADA8-4ED7-B188-5FA59EAD01EE}" dt="2021-11-07T01:15:09.152" v="184" actId="1076"/>
+          <ac:picMkLst>
+            <pc:docMk/>
+            <pc:sldMk cId="1445182825" sldId="259"/>
+            <ac:picMk id="1028" creationId="{C7554835-1D0E-4A2F-9299-759697EF5C55}"/>
+          </ac:picMkLst>
+        </pc:picChg>
+      </pc:sldChg>
+      <pc:sldChg chg="new del">
+        <pc:chgData name="Jason Knight" userId="03bbb8e5a6d6338b" providerId="LiveId" clId="{0161F929-ADA8-4ED7-B188-5FA59EAD01EE}" dt="2021-11-07T01:14:20.717" v="161" actId="47"/>
+        <pc:sldMkLst>
+          <pc:docMk/>
+          <pc:sldMk cId="3790725131" sldId="259"/>
+        </pc:sldMkLst>
+      </pc:sldChg>
+      <pc:sldChg chg="addSp delSp modSp new mod modNotesTx">
+        <pc:chgData name="Jason Knight" userId="03bbb8e5a6d6338b" providerId="LiveId" clId="{0161F929-ADA8-4ED7-B188-5FA59EAD01EE}" dt="2021-11-07T01:22:58.370" v="236" actId="20577"/>
+        <pc:sldMkLst>
+          <pc:docMk/>
+          <pc:sldMk cId="239544077" sldId="260"/>
+        </pc:sldMkLst>
+        <pc:spChg chg="mod">
+          <ac:chgData name="Jason Knight" userId="03bbb8e5a6d6338b" providerId="LiveId" clId="{0161F929-ADA8-4ED7-B188-5FA59EAD01EE}" dt="2021-11-07T01:21:16.639" v="230" actId="20577"/>
+          <ac:spMkLst>
+            <pc:docMk/>
+            <pc:sldMk cId="239544077" sldId="260"/>
+            <ac:spMk id="2" creationId="{1EC25B8A-D1AD-416E-9090-1B76FC7DCBCC}"/>
+          </ac:spMkLst>
+        </pc:spChg>
+        <pc:picChg chg="add del mod">
+          <ac:chgData name="Jason Knight" userId="03bbb8e5a6d6338b" providerId="LiveId" clId="{0161F929-ADA8-4ED7-B188-5FA59EAD01EE}" dt="2021-11-07T01:21:02.311" v="196" actId="478"/>
+          <ac:picMkLst>
+            <pc:docMk/>
+            <pc:sldMk cId="239544077" sldId="260"/>
+            <ac:picMk id="2050" creationId="{D18C17F5-4E51-4289-82DA-918012FCA371}"/>
+          </ac:picMkLst>
+        </pc:picChg>
+      </pc:sldChg>
+      <pc:sldChg chg="modSp new mod modNotesTx">
+        <pc:chgData name="Jason Knight" userId="03bbb8e5a6d6338b" providerId="LiveId" clId="{0161F929-ADA8-4ED7-B188-5FA59EAD01EE}" dt="2021-11-07T01:25:18.370" v="265" actId="20577"/>
+        <pc:sldMkLst>
+          <pc:docMk/>
+          <pc:sldMk cId="367878953" sldId="261"/>
+        </pc:sldMkLst>
+        <pc:spChg chg="mod">
+          <ac:chgData name="Jason Knight" userId="03bbb8e5a6d6338b" providerId="LiveId" clId="{0161F929-ADA8-4ED7-B188-5FA59EAD01EE}" dt="2021-11-07T01:25:18.370" v="265" actId="20577"/>
+          <ac:spMkLst>
+            <pc:docMk/>
+            <pc:sldMk cId="367878953" sldId="261"/>
+            <ac:spMk id="2" creationId="{ED789446-BFA5-4E3D-B25A-E6D5066BB24B}"/>
+          </ac:spMkLst>
+        </pc:spChg>
+      </pc:sldChg>
+      <pc:sldChg chg="modSp new mod modNotesTx">
+        <pc:chgData name="Jason Knight" userId="03bbb8e5a6d6338b" providerId="LiveId" clId="{0161F929-ADA8-4ED7-B188-5FA59EAD01EE}" dt="2021-11-07T01:39:17.299" v="287" actId="20577"/>
+        <pc:sldMkLst>
+          <pc:docMk/>
+          <pc:sldMk cId="674298669" sldId="262"/>
+        </pc:sldMkLst>
+        <pc:spChg chg="mod">
+          <ac:chgData name="Jason Knight" userId="03bbb8e5a6d6338b" providerId="LiveId" clId="{0161F929-ADA8-4ED7-B188-5FA59EAD01EE}" dt="2021-11-07T01:38:29.358" v="282" actId="20577"/>
+          <ac:spMkLst>
+            <pc:docMk/>
+            <pc:sldMk cId="674298669" sldId="262"/>
+            <ac:spMk id="2" creationId="{90B37DA7-F8DE-4138-B92F-553255C1C020}"/>
+          </ac:spMkLst>
+        </pc:spChg>
+      </pc:sldChg>
+      <pc:sldChg chg="modSp new mod modNotesTx">
+        <pc:chgData name="Jason Knight" userId="03bbb8e5a6d6338b" providerId="LiveId" clId="{0161F929-ADA8-4ED7-B188-5FA59EAD01EE}" dt="2021-11-07T01:39:49.837" v="312" actId="20577"/>
+        <pc:sldMkLst>
+          <pc:docMk/>
+          <pc:sldMk cId="3678627880" sldId="263"/>
+        </pc:sldMkLst>
+        <pc:spChg chg="mod">
+          <ac:chgData name="Jason Knight" userId="03bbb8e5a6d6338b" providerId="LiveId" clId="{0161F929-ADA8-4ED7-B188-5FA59EAD01EE}" dt="2021-11-07T01:39:49.837" v="312" actId="20577"/>
+          <ac:spMkLst>
+            <pc:docMk/>
+            <pc:sldMk cId="3678627880" sldId="263"/>
+            <ac:spMk id="2" creationId="{A1A1965A-1CFC-4885-9EB6-29E8027F6AE0}"/>
+          </ac:spMkLst>
+        </pc:spChg>
+      </pc:sldChg>
+      <pc:sldChg chg="modSp new mod modNotesTx">
+        <pc:chgData name="Jason Knight" userId="03bbb8e5a6d6338b" providerId="LiveId" clId="{0161F929-ADA8-4ED7-B188-5FA59EAD01EE}" dt="2021-11-07T01:40:11.907" v="337" actId="20577"/>
+        <pc:sldMkLst>
+          <pc:docMk/>
+          <pc:sldMk cId="1410166042" sldId="264"/>
+        </pc:sldMkLst>
+        <pc:spChg chg="mod">
+          <ac:chgData name="Jason Knight" userId="03bbb8e5a6d6338b" providerId="LiveId" clId="{0161F929-ADA8-4ED7-B188-5FA59EAD01EE}" dt="2021-11-07T01:40:11.907" v="337" actId="20577"/>
+          <ac:spMkLst>
+            <pc:docMk/>
+            <pc:sldMk cId="1410166042" sldId="264"/>
+            <ac:spMk id="2" creationId="{0E8F038E-29BE-4EB7-AC03-C253DC4D99D6}"/>
+          </ac:spMkLst>
+        </pc:spChg>
+      </pc:sldChg>
+      <pc:sldChg chg="modSp new mod modNotesTx">
+        <pc:chgData name="Jason Knight" userId="03bbb8e5a6d6338b" providerId="LiveId" clId="{0161F929-ADA8-4ED7-B188-5FA59EAD01EE}" dt="2021-11-07T01:51:35.959" v="403" actId="20577"/>
+        <pc:sldMkLst>
+          <pc:docMk/>
+          <pc:sldMk cId="2817966517" sldId="265"/>
+        </pc:sldMkLst>
+        <pc:spChg chg="mod">
+          <ac:chgData name="Jason Knight" userId="03bbb8e5a6d6338b" providerId="LiveId" clId="{0161F929-ADA8-4ED7-B188-5FA59EAD01EE}" dt="2021-11-07T01:40:53.902" v="349" actId="20577"/>
+          <ac:spMkLst>
+            <pc:docMk/>
+            <pc:sldMk cId="2817966517" sldId="265"/>
+            <ac:spMk id="2" creationId="{BA4CC527-F4C6-44BA-8F79-45B887EE34EE}"/>
+          </ac:spMkLst>
+        </pc:spChg>
+      </pc:sldChg>
+      <pc:sldChg chg="modSp new mod modNotesTx">
+        <pc:chgData name="Jason Knight" userId="03bbb8e5a6d6338b" providerId="LiveId" clId="{0161F929-ADA8-4ED7-B188-5FA59EAD01EE}" dt="2021-11-07T01:48:55.060" v="380" actId="20577"/>
+        <pc:sldMkLst>
+          <pc:docMk/>
+          <pc:sldMk cId="3679784936" sldId="266"/>
+        </pc:sldMkLst>
+        <pc:spChg chg="mod">
+          <ac:chgData name="Jason Knight" userId="03bbb8e5a6d6338b" providerId="LiveId" clId="{0161F929-ADA8-4ED7-B188-5FA59EAD01EE}" dt="2021-11-07T01:48:08.210" v="376" actId="20577"/>
+          <ac:spMkLst>
+            <pc:docMk/>
+            <pc:sldMk cId="3679784936" sldId="266"/>
+            <ac:spMk id="2" creationId="{7A40CD58-ED4C-4828-AC05-FCA3D3949DC3}"/>
+          </ac:spMkLst>
+        </pc:spChg>
+      </pc:sldChg>
+      <pc:sldChg chg="modSp new mod">
+        <pc:chgData name="Jason Knight" userId="03bbb8e5a6d6338b" providerId="LiveId" clId="{0161F929-ADA8-4ED7-B188-5FA59EAD01EE}" dt="2021-11-07T01:49:21.773" v="387"/>
+        <pc:sldMkLst>
+          <pc:docMk/>
+          <pc:sldMk cId="1526563647" sldId="267"/>
+        </pc:sldMkLst>
+        <pc:spChg chg="mod">
+          <ac:chgData name="Jason Knight" userId="03bbb8e5a6d6338b" providerId="LiveId" clId="{0161F929-ADA8-4ED7-B188-5FA59EAD01EE}" dt="2021-11-07T01:49:21.773" v="387"/>
+          <ac:spMkLst>
+            <pc:docMk/>
+            <pc:sldMk cId="1526563647" sldId="267"/>
+            <ac:spMk id="2" creationId="{EC90927B-4EDB-4175-8EA7-539AA0FFB263}"/>
+          </ac:spMkLst>
+        </pc:spChg>
+      </pc:sldChg>
+      <pc:sldChg chg="modSp new mod">
+        <pc:chgData name="Jason Knight" userId="03bbb8e5a6d6338b" providerId="LiveId" clId="{0161F929-ADA8-4ED7-B188-5FA59EAD01EE}" dt="2021-11-07T01:50:35.515" v="399"/>
+        <pc:sldMkLst>
+          <pc:docMk/>
+          <pc:sldMk cId="1836076496" sldId="268"/>
+        </pc:sldMkLst>
+        <pc:spChg chg="mod">
+          <ac:chgData name="Jason Knight" userId="03bbb8e5a6d6338b" providerId="LiveId" clId="{0161F929-ADA8-4ED7-B188-5FA59EAD01EE}" dt="2021-11-07T01:50:35.515" v="399"/>
+          <ac:spMkLst>
+            <pc:docMk/>
+            <pc:sldMk cId="1836076496" sldId="268"/>
+            <ac:spMk id="2" creationId="{5A15A61E-B69F-42E1-B006-CCDDC996A498}"/>
+          </ac:spMkLst>
+        </pc:spChg>
+      </pc:sldChg>
+      <pc:sldChg chg="addSp delSp modSp new mod modNotesTx">
+        <pc:chgData name="Jason Knight" userId="03bbb8e5a6d6338b" providerId="LiveId" clId="{0161F929-ADA8-4ED7-B188-5FA59EAD01EE}" dt="2021-11-07T01:52:40.149" v="450" actId="478"/>
+        <pc:sldMkLst>
+          <pc:docMk/>
+          <pc:sldMk cId="374609089" sldId="269"/>
+        </pc:sldMkLst>
+        <pc:spChg chg="mod">
+          <ac:chgData name="Jason Knight" userId="03bbb8e5a6d6338b" providerId="LiveId" clId="{0161F929-ADA8-4ED7-B188-5FA59EAD01EE}" dt="2021-11-07T01:51:52.152" v="446" actId="20577"/>
+          <ac:spMkLst>
+            <pc:docMk/>
+            <pc:sldMk cId="374609089" sldId="269"/>
+            <ac:spMk id="2" creationId="{85133EE9-EA9D-465B-8FFE-164AB6226976}"/>
+          </ac:spMkLst>
+        </pc:spChg>
+        <pc:picChg chg="add del">
+          <ac:chgData name="Jason Knight" userId="03bbb8e5a6d6338b" providerId="LiveId" clId="{0161F929-ADA8-4ED7-B188-5FA59EAD01EE}" dt="2021-11-07T01:52:40.149" v="450" actId="478"/>
+          <ac:picMkLst>
+            <pc:docMk/>
+            <pc:sldMk cId="374609089" sldId="269"/>
+            <ac:picMk id="1026" creationId="{1DE82B09-8597-4ED1-97CC-01ED7984C7C3}"/>
+          </ac:picMkLst>
+        </pc:picChg>
+      </pc:sldChg>
+      <pc:sldChg chg="modSp new del mod modNotesTx">
+        <pc:chgData name="Jason Knight" userId="03bbb8e5a6d6338b" providerId="LiveId" clId="{0161F929-ADA8-4ED7-B188-5FA59EAD01EE}" dt="2021-11-07T01:57:09.422" v="669" actId="47"/>
+        <pc:sldMkLst>
+          <pc:docMk/>
+          <pc:sldMk cId="3255930900" sldId="270"/>
+        </pc:sldMkLst>
+        <pc:spChg chg="mod">
+          <ac:chgData name="Jason Knight" userId="03bbb8e5a6d6338b" providerId="LiveId" clId="{0161F929-ADA8-4ED7-B188-5FA59EAD01EE}" dt="2021-11-07T01:53:26.211" v="463" actId="20577"/>
+          <ac:spMkLst>
+            <pc:docMk/>
+            <pc:sldMk cId="3255930900" sldId="270"/>
+            <ac:spMk id="2" creationId="{45138CBF-A054-4338-A558-AFD57060AAD0}"/>
+          </ac:spMkLst>
+        </pc:spChg>
+      </pc:sldChg>
+      <pc:sldChg chg="modSp new mod">
+        <pc:chgData name="Jason Knight" userId="03bbb8e5a6d6338b" providerId="LiveId" clId="{0161F929-ADA8-4ED7-B188-5FA59EAD01EE}" dt="2021-11-07T01:54:00.160" v="474" actId="20577"/>
+        <pc:sldMkLst>
+          <pc:docMk/>
+          <pc:sldMk cId="1996544786" sldId="271"/>
+        </pc:sldMkLst>
+        <pc:spChg chg="mod">
+          <ac:chgData name="Jason Knight" userId="03bbb8e5a6d6338b" providerId="LiveId" clId="{0161F929-ADA8-4ED7-B188-5FA59EAD01EE}" dt="2021-11-07T01:54:00.160" v="474" actId="20577"/>
+          <ac:spMkLst>
+            <pc:docMk/>
+            <pc:sldMk cId="1996544786" sldId="271"/>
+            <ac:spMk id="2" creationId="{6092C9F0-8BB3-4539-84AC-04B18039AF7F}"/>
+          </ac:spMkLst>
+        </pc:spChg>
+      </pc:sldChg>
+      <pc:sldChg chg="modSp new mod">
+        <pc:chgData name="Jason Knight" userId="03bbb8e5a6d6338b" providerId="LiveId" clId="{0161F929-ADA8-4ED7-B188-5FA59EAD01EE}" dt="2021-11-07T01:54:13.745" v="488" actId="20577"/>
+        <pc:sldMkLst>
+          <pc:docMk/>
+          <pc:sldMk cId="2894867661" sldId="272"/>
+        </pc:sldMkLst>
+        <pc:spChg chg="mod">
+          <ac:chgData name="Jason Knight" userId="03bbb8e5a6d6338b" providerId="LiveId" clId="{0161F929-ADA8-4ED7-B188-5FA59EAD01EE}" dt="2021-11-07T01:54:13.745" v="488" actId="20577"/>
+          <ac:spMkLst>
+            <pc:docMk/>
+            <pc:sldMk cId="2894867661" sldId="272"/>
+            <ac:spMk id="2" creationId="{30C1EE62-D29F-4329-A908-8C8E743CC0CC}"/>
+          </ac:spMkLst>
+        </pc:spChg>
+      </pc:sldChg>
+      <pc:sldChg chg="modSp new mod modNotesTx">
+        <pc:chgData name="Jason Knight" userId="03bbb8e5a6d6338b" providerId="LiveId" clId="{0161F929-ADA8-4ED7-B188-5FA59EAD01EE}" dt="2021-11-07T01:55:32.963" v="545"/>
+        <pc:sldMkLst>
+          <pc:docMk/>
+          <pc:sldMk cId="2444472896" sldId="273"/>
+        </pc:sldMkLst>
+        <pc:spChg chg="mod">
+          <ac:chgData name="Jason Knight" userId="03bbb8e5a6d6338b" providerId="LiveId" clId="{0161F929-ADA8-4ED7-B188-5FA59EAD01EE}" dt="2021-11-07T01:54:34.942" v="502" actId="20577"/>
+          <ac:spMkLst>
+            <pc:docMk/>
+            <pc:sldMk cId="2444472896" sldId="273"/>
+            <ac:spMk id="2" creationId="{B0BC4A47-C849-4C8B-B27B-C80B41636D96}"/>
+          </ac:spMkLst>
+        </pc:spChg>
+        <pc:spChg chg="mod">
+          <ac:chgData name="Jason Knight" userId="03bbb8e5a6d6338b" providerId="LiveId" clId="{0161F929-ADA8-4ED7-B188-5FA59EAD01EE}" dt="2021-11-07T01:55:05.877" v="516" actId="20577"/>
+          <ac:spMkLst>
+            <pc:docMk/>
+            <pc:sldMk cId="2444472896" sldId="273"/>
+            <ac:spMk id="3" creationId="{A7220E79-F373-46C9-9ACB-5799C58794E2}"/>
+          </ac:spMkLst>
+        </pc:spChg>
+      </pc:sldChg>
+      <pc:sldChg chg="modSp add mod">
+        <pc:chgData name="Jason Knight" userId="03bbb8e5a6d6338b" providerId="LiveId" clId="{0161F929-ADA8-4ED7-B188-5FA59EAD01EE}" dt="2021-11-07T01:55:22.212" v="544" actId="20577"/>
+        <pc:sldMkLst>
+          <pc:docMk/>
+          <pc:sldMk cId="3586345893" sldId="274"/>
+        </pc:sldMkLst>
+        <pc:spChg chg="mod">
+          <ac:chgData name="Jason Knight" userId="03bbb8e5a6d6338b" providerId="LiveId" clId="{0161F929-ADA8-4ED7-B188-5FA59EAD01EE}" dt="2021-11-07T01:55:22.212" v="544" actId="20577"/>
+          <ac:spMkLst>
+            <pc:docMk/>
+            <pc:sldMk cId="3586345893" sldId="274"/>
+            <ac:spMk id="3" creationId="{A7220E79-F373-46C9-9ACB-5799C58794E2}"/>
+          </ac:spMkLst>
+        </pc:spChg>
+      </pc:sldChg>
+      <pc:sldChg chg="modSp add mod">
+        <pc:chgData name="Jason Knight" userId="03bbb8e5a6d6338b" providerId="LiveId" clId="{0161F929-ADA8-4ED7-B188-5FA59EAD01EE}" dt="2021-11-07T01:56:18.325" v="573" actId="20577"/>
+        <pc:sldMkLst>
+          <pc:docMk/>
+          <pc:sldMk cId="2165813908" sldId="275"/>
+        </pc:sldMkLst>
+        <pc:spChg chg="mod">
+          <ac:chgData name="Jason Knight" userId="03bbb8e5a6d6338b" providerId="LiveId" clId="{0161F929-ADA8-4ED7-B188-5FA59EAD01EE}" dt="2021-11-07T01:56:18.325" v="573" actId="20577"/>
+          <ac:spMkLst>
+            <pc:docMk/>
+            <pc:sldMk cId="2165813908" sldId="275"/>
+            <ac:spMk id="3" creationId="{DA1905AA-3677-43A9-BD73-9460B5DC329C}"/>
+          </ac:spMkLst>
+        </pc:spChg>
+      </pc:sldChg>
+      <pc:sldChg chg="modSp add mod">
+        <pc:chgData name="Jason Knight" userId="03bbb8e5a6d6338b" providerId="LiveId" clId="{0161F929-ADA8-4ED7-B188-5FA59EAD01EE}" dt="2021-11-07T01:56:58.745" v="668" actId="20577"/>
+        <pc:sldMkLst>
+          <pc:docMk/>
+          <pc:sldMk cId="88608026" sldId="276"/>
+        </pc:sldMkLst>
+        <pc:spChg chg="mod">
+          <ac:chgData name="Jason Knight" userId="03bbb8e5a6d6338b" providerId="LiveId" clId="{0161F929-ADA8-4ED7-B188-5FA59EAD01EE}" dt="2021-11-07T01:56:58.745" v="668" actId="20577"/>
+          <ac:spMkLst>
+            <pc:docMk/>
+            <pc:sldMk cId="88608026" sldId="276"/>
+            <ac:spMk id="3" creationId="{DA1905AA-3677-43A9-BD73-9460B5DC329C}"/>
+          </ac:spMkLst>
+        </pc:spChg>
+      </pc:sldChg>
+      <pc:sldChg chg="modSp new mod">
+        <pc:chgData name="Jason Knight" userId="03bbb8e5a6d6338b" providerId="LiveId" clId="{0161F929-ADA8-4ED7-B188-5FA59EAD01EE}" dt="2021-11-07T01:57:34.329" v="721" actId="20577"/>
+        <pc:sldMkLst>
+          <pc:docMk/>
+          <pc:sldMk cId="4029258476" sldId="277"/>
+        </pc:sldMkLst>
+        <pc:spChg chg="mod">
+          <ac:chgData name="Jason Knight" userId="03bbb8e5a6d6338b" providerId="LiveId" clId="{0161F929-ADA8-4ED7-B188-5FA59EAD01EE}" dt="2021-11-07T01:57:34.329" v="721" actId="20577"/>
+          <ac:spMkLst>
+            <pc:docMk/>
+            <pc:sldMk cId="4029258476" sldId="277"/>
+            <ac:spMk id="2" creationId="{8F72B997-817F-45F5-9010-DEC6407DF21E}"/>
+          </ac:spMkLst>
+        </pc:spChg>
+      </pc:sldChg>
+      <pc:sldChg chg="modSp new mod">
+        <pc:chgData name="Jason Knight" userId="03bbb8e5a6d6338b" providerId="LiveId" clId="{0161F929-ADA8-4ED7-B188-5FA59EAD01EE}" dt="2021-11-07T01:57:59.644" v="726"/>
+        <pc:sldMkLst>
+          <pc:docMk/>
+          <pc:sldMk cId="70175331" sldId="278"/>
+        </pc:sldMkLst>
+        <pc:spChg chg="mod">
+          <ac:chgData name="Jason Knight" userId="03bbb8e5a6d6338b" providerId="LiveId" clId="{0161F929-ADA8-4ED7-B188-5FA59EAD01EE}" dt="2021-11-07T01:57:59.644" v="726"/>
+          <ac:spMkLst>
+            <pc:docMk/>
+            <pc:sldMk cId="70175331" sldId="278"/>
+            <ac:spMk id="2" creationId="{62332D38-A18F-468B-96EF-CC64D1BEB640}"/>
+          </ac:spMkLst>
+        </pc:spChg>
+      </pc:sldChg>
+      <pc:sldChg chg="modSp new mod">
+        <pc:chgData name="Jason Knight" userId="03bbb8e5a6d6338b" providerId="LiveId" clId="{0161F929-ADA8-4ED7-B188-5FA59EAD01EE}" dt="2021-11-07T01:58:09.694" v="730"/>
+        <pc:sldMkLst>
+          <pc:docMk/>
+          <pc:sldMk cId="67912059" sldId="279"/>
+        </pc:sldMkLst>
+        <pc:spChg chg="mod">
+          <ac:chgData name="Jason Knight" userId="03bbb8e5a6d6338b" providerId="LiveId" clId="{0161F929-ADA8-4ED7-B188-5FA59EAD01EE}" dt="2021-11-07T01:58:09.694" v="730"/>
+          <ac:spMkLst>
+            <pc:docMk/>
+            <pc:sldMk cId="67912059" sldId="279"/>
+            <ac:spMk id="2" creationId="{F580BCA4-E198-4B19-93D4-418964B64B91}"/>
+          </ac:spMkLst>
+        </pc:spChg>
+      </pc:sldChg>
+      <pc:sldChg chg="modSp new mod">
+        <pc:chgData name="Jason Knight" userId="03bbb8e5a6d6338b" providerId="LiveId" clId="{0161F929-ADA8-4ED7-B188-5FA59EAD01EE}" dt="2021-11-07T01:58:21.159" v="734"/>
+        <pc:sldMkLst>
+          <pc:docMk/>
+          <pc:sldMk cId="996669767" sldId="280"/>
+        </pc:sldMkLst>
+        <pc:spChg chg="mod">
+          <ac:chgData name="Jason Knight" userId="03bbb8e5a6d6338b" providerId="LiveId" clId="{0161F929-ADA8-4ED7-B188-5FA59EAD01EE}" dt="2021-11-07T01:58:21.159" v="734"/>
+          <ac:spMkLst>
+            <pc:docMk/>
+            <pc:sldMk cId="996669767" sldId="280"/>
+            <ac:spMk id="2" creationId="{47416CB0-E44B-4B52-861C-80A13A2E598E}"/>
+          </ac:spMkLst>
+        </pc:spChg>
+      </pc:sldChg>
+      <pc:sldChg chg="modSp new mod">
+        <pc:chgData name="Jason Knight" userId="03bbb8e5a6d6338b" providerId="LiveId" clId="{0161F929-ADA8-4ED7-B188-5FA59EAD01EE}" dt="2021-11-07T01:58:32.815" v="738"/>
+        <pc:sldMkLst>
+          <pc:docMk/>
+          <pc:sldMk cId="636599258" sldId="281"/>
+        </pc:sldMkLst>
+        <pc:spChg chg="mod">
+          <ac:chgData name="Jason Knight" userId="03bbb8e5a6d6338b" providerId="LiveId" clId="{0161F929-ADA8-4ED7-B188-5FA59EAD01EE}" dt="2021-11-07T01:58:32.815" v="738"/>
+          <ac:spMkLst>
+            <pc:docMk/>
+            <pc:sldMk cId="636599258" sldId="281"/>
+            <ac:spMk id="2" creationId="{0A57EE75-E80A-44CA-8C6A-22ADEC1D2887}"/>
+          </ac:spMkLst>
+        </pc:spChg>
+      </pc:sldChg>
+      <pc:sldChg chg="modSp new mod">
+        <pc:chgData name="Jason Knight" userId="03bbb8e5a6d6338b" providerId="LiveId" clId="{0161F929-ADA8-4ED7-B188-5FA59EAD01EE}" dt="2021-11-07T01:59:31.627" v="778" actId="20577"/>
+        <pc:sldMkLst>
+          <pc:docMk/>
+          <pc:sldMk cId="3751012982" sldId="282"/>
+        </pc:sldMkLst>
+        <pc:spChg chg="mod">
+          <ac:chgData name="Jason Knight" userId="03bbb8e5a6d6338b" providerId="LiveId" clId="{0161F929-ADA8-4ED7-B188-5FA59EAD01EE}" dt="2021-11-07T01:58:44.938" v="742"/>
+          <ac:spMkLst>
+            <pc:docMk/>
+            <pc:sldMk cId="3751012982" sldId="282"/>
+            <ac:spMk id="2" creationId="{4ED4D8D2-C8FA-4DFC-9845-6E4DC5584F88}"/>
+          </ac:spMkLst>
+        </pc:spChg>
+        <pc:spChg chg="mod">
+          <ac:chgData name="Jason Knight" userId="03bbb8e5a6d6338b" providerId="LiveId" clId="{0161F929-ADA8-4ED7-B188-5FA59EAD01EE}" dt="2021-11-07T01:59:31.627" v="778" actId="20577"/>
+          <ac:spMkLst>
+            <pc:docMk/>
+            <pc:sldMk cId="3751012982" sldId="282"/>
+            <ac:spMk id="3" creationId="{13EF36A2-356E-40CC-BDD1-DADF18D43EED}"/>
+          </ac:spMkLst>
+        </pc:spChg>
+      </pc:sldChg>
+      <pc:sldChg chg="modSp new mod">
+        <pc:chgData name="Jason Knight" userId="03bbb8e5a6d6338b" providerId="LiveId" clId="{0161F929-ADA8-4ED7-B188-5FA59EAD01EE}" dt="2021-11-07T02:00:07.641" v="840" actId="20577"/>
+        <pc:sldMkLst>
+          <pc:docMk/>
+          <pc:sldMk cId="3527141092" sldId="283"/>
+        </pc:sldMkLst>
+        <pc:spChg chg="mod">
+          <ac:chgData name="Jason Knight" userId="03bbb8e5a6d6338b" providerId="LiveId" clId="{0161F929-ADA8-4ED7-B188-5FA59EAD01EE}" dt="2021-11-07T01:59:43.651" v="795" actId="20577"/>
+          <ac:spMkLst>
+            <pc:docMk/>
+            <pc:sldMk cId="3527141092" sldId="283"/>
+            <ac:spMk id="2" creationId="{23DDD5C5-6798-4152-BFA8-A232CF38EDFA}"/>
+          </ac:spMkLst>
+        </pc:spChg>
+        <pc:spChg chg="mod">
+          <ac:chgData name="Jason Knight" userId="03bbb8e5a6d6338b" providerId="LiveId" clId="{0161F929-ADA8-4ED7-B188-5FA59EAD01EE}" dt="2021-11-07T02:00:07.641" v="840" actId="20577"/>
+          <ac:spMkLst>
+            <pc:docMk/>
+            <pc:sldMk cId="3527141092" sldId="283"/>
+            <ac:spMk id="3" creationId="{FAFA1990-5C5F-4BE0-8836-98D259FD8BC1}"/>
+          </ac:spMkLst>
+        </pc:spChg>
+      </pc:sldChg>
+      <pc:sldChg chg="modSp new mod">
+        <pc:chgData name="Jason Knight" userId="03bbb8e5a6d6338b" providerId="LiveId" clId="{0161F929-ADA8-4ED7-B188-5FA59EAD01EE}" dt="2021-11-07T02:01:00.454" v="890" actId="20577"/>
+        <pc:sldMkLst>
+          <pc:docMk/>
+          <pc:sldMk cId="2771060602" sldId="284"/>
+        </pc:sldMkLst>
+        <pc:spChg chg="mod">
+          <ac:chgData name="Jason Knight" userId="03bbb8e5a6d6338b" providerId="LiveId" clId="{0161F929-ADA8-4ED7-B188-5FA59EAD01EE}" dt="2021-11-07T02:00:46.672" v="844"/>
+          <ac:spMkLst>
+            <pc:docMk/>
+            <pc:sldMk cId="2771060602" sldId="284"/>
+            <ac:spMk id="2" creationId="{96302A04-13CC-4768-AFD0-10582FF6E27A}"/>
+          </ac:spMkLst>
+        </pc:spChg>
+        <pc:spChg chg="mod">
+          <ac:chgData name="Jason Knight" userId="03bbb8e5a6d6338b" providerId="LiveId" clId="{0161F929-ADA8-4ED7-B188-5FA59EAD01EE}" dt="2021-11-07T02:01:00.454" v="890" actId="20577"/>
+          <ac:spMkLst>
+            <pc:docMk/>
+            <pc:sldMk cId="2771060602" sldId="284"/>
+            <ac:spMk id="3" creationId="{7476D450-E93F-4C96-A908-186048B4C693}"/>
+          </ac:spMkLst>
+        </pc:spChg>
+      </pc:sldChg>
+      <pc:sldChg chg="modSp new mod">
+        <pc:chgData name="Jason Knight" userId="03bbb8e5a6d6338b" providerId="LiveId" clId="{0161F929-ADA8-4ED7-B188-5FA59EAD01EE}" dt="2021-11-07T02:01:19.901" v="902" actId="20577"/>
+        <pc:sldMkLst>
+          <pc:docMk/>
+          <pc:sldMk cId="485086875" sldId="285"/>
+        </pc:sldMkLst>
+        <pc:spChg chg="mod">
+          <ac:chgData name="Jason Knight" userId="03bbb8e5a6d6338b" providerId="LiveId" clId="{0161F929-ADA8-4ED7-B188-5FA59EAD01EE}" dt="2021-11-07T02:01:19.901" v="902" actId="20577"/>
+          <ac:spMkLst>
+            <pc:docMk/>
+            <pc:sldMk cId="485086875" sldId="285"/>
+            <ac:spMk id="2" creationId="{D4EBF7CE-CE54-4B0A-A4F3-F18CEBD3D0C6}"/>
+          </ac:spMkLst>
+        </pc:spChg>
+      </pc:sldChg>
+      <pc:sldChg chg="modSp new mod">
+        <pc:chgData name="Jason Knight" userId="03bbb8e5a6d6338b" providerId="LiveId" clId="{0161F929-ADA8-4ED7-B188-5FA59EAD01EE}" dt="2021-11-07T02:01:32.073" v="932" actId="20577"/>
+        <pc:sldMkLst>
+          <pc:docMk/>
+          <pc:sldMk cId="4114920322" sldId="286"/>
+        </pc:sldMkLst>
+        <pc:spChg chg="mod">
+          <ac:chgData name="Jason Knight" userId="03bbb8e5a6d6338b" providerId="LiveId" clId="{0161F929-ADA8-4ED7-B188-5FA59EAD01EE}" dt="2021-11-07T02:01:32.073" v="932" actId="20577"/>
+          <ac:spMkLst>
+            <pc:docMk/>
+            <pc:sldMk cId="4114920322" sldId="286"/>
+            <ac:spMk id="2" creationId="{12E17E8A-DA4F-4088-814A-A62D8B65D2CD}"/>
+          </ac:spMkLst>
+        </pc:spChg>
+      </pc:sldChg>
     </pc:docChg>
   </pc:docChgLst>
 </pc:chgInfo>
+</file>
+
+<file path=ppt/notesMasters/notesMaster1.xml><?xml version="1.0" encoding="utf-8"?>
+<p:notesMaster xmlns:a="http://schemas.openxmlformats.org/drawingml/2006/main" xmlns:r="http://schemas.openxmlformats.org/officeDocument/2006/relationships" xmlns:p="http://schemas.openxmlformats.org/presentationml/2006/main">
+  <p:cSld>
+    <p:bg>
+      <p:bgRef idx="1001">
+        <a:schemeClr val="bg1"/>
+      </p:bgRef>
+    </p:bg>
+    <p:spTree>
+      <p:nvGrpSpPr>
+        <p:cNvPr id="1" name=""/>
+        <p:cNvGrpSpPr/>
+        <p:nvPr/>
+      </p:nvGrpSpPr>
+      <p:grpSpPr>
+        <a:xfrm>
+          <a:off x="0" y="0"/>
+          <a:ext cx="0" cy="0"/>
+          <a:chOff x="0" y="0"/>
+          <a:chExt cx="0" cy="0"/>
+        </a:xfrm>
+      </p:grpSpPr>
+      <p:sp>
+        <p:nvSpPr>
+          <p:cNvPr id="2" name="Header Placeholder 1"/>
+          <p:cNvSpPr>
+            <a:spLocks noGrp="1"/>
+          </p:cNvSpPr>
+          <p:nvPr>
+            <p:ph type="hdr" sz="quarter"/>
+          </p:nvPr>
+        </p:nvSpPr>
+        <p:spPr>
+          <a:xfrm>
+            <a:off x="0" y="0"/>
+            <a:ext cx="2971800" cy="458788"/>
+          </a:xfrm>
+          <a:prstGeom prst="rect">
+            <a:avLst/>
+          </a:prstGeom>
+        </p:spPr>
+        <p:txBody>
+          <a:bodyPr vert="horz" lIns="91440" tIns="45720" rIns="91440" bIns="45720" rtlCol="0"/>
+          <a:lstStyle>
+            <a:lvl1pPr algn="l">
+              <a:defRPr sz="1200"/>
+            </a:lvl1pPr>
+          </a:lstStyle>
+          <a:p>
+            <a:endParaRPr lang="en-US"/>
+          </a:p>
+        </p:txBody>
+      </p:sp>
+      <p:sp>
+        <p:nvSpPr>
+          <p:cNvPr id="3" name="Date Placeholder 2"/>
+          <p:cNvSpPr>
+            <a:spLocks noGrp="1"/>
+          </p:cNvSpPr>
+          <p:nvPr>
+            <p:ph type="dt" idx="1"/>
+          </p:nvPr>
+        </p:nvSpPr>
+        <p:spPr>
+          <a:xfrm>
+            <a:off x="3884613" y="0"/>
+            <a:ext cx="2971800" cy="458788"/>
+          </a:xfrm>
+          <a:prstGeom prst="rect">
+            <a:avLst/>
+          </a:prstGeom>
+        </p:spPr>
+        <p:txBody>
+          <a:bodyPr vert="horz" lIns="91440" tIns="45720" rIns="91440" bIns="45720" rtlCol="0"/>
+          <a:lstStyle>
+            <a:lvl1pPr algn="r">
+              <a:defRPr sz="1200"/>
+            </a:lvl1pPr>
+          </a:lstStyle>
+          <a:p>
+            <a:fld id="{C0E8421C-D79E-404A-8756-EFE444359DB6}" type="datetimeFigureOut">
+              <a:rPr lang="en-US" smtClean="0"/>
+              <a:t>11/6/2021</a:t>
+            </a:fld>
+            <a:endParaRPr lang="en-US"/>
+          </a:p>
+        </p:txBody>
+      </p:sp>
+      <p:sp>
+        <p:nvSpPr>
+          <p:cNvPr id="4" name="Slide Image Placeholder 3"/>
+          <p:cNvSpPr>
+            <a:spLocks noGrp="1" noRot="1" noChangeAspect="1"/>
+          </p:cNvSpPr>
+          <p:nvPr>
+            <p:ph type="sldImg" idx="2"/>
+          </p:nvPr>
+        </p:nvSpPr>
+        <p:spPr>
+          <a:xfrm>
+            <a:off x="685800" y="1143000"/>
+            <a:ext cx="5486400" cy="3086100"/>
+          </a:xfrm>
+          <a:prstGeom prst="rect">
+            <a:avLst/>
+          </a:prstGeom>
+          <a:noFill/>
+          <a:ln w="12700">
+            <a:solidFill>
+              <a:prstClr val="black"/>
+            </a:solidFill>
+          </a:ln>
+        </p:spPr>
+        <p:txBody>
+          <a:bodyPr vert="horz" lIns="91440" tIns="45720" rIns="91440" bIns="45720" rtlCol="0" anchor="ctr"/>
+          <a:lstStyle/>
+          <a:p>
+            <a:endParaRPr lang="en-US"/>
+          </a:p>
+        </p:txBody>
+      </p:sp>
+      <p:sp>
+        <p:nvSpPr>
+          <p:cNvPr id="5" name="Notes Placeholder 4"/>
+          <p:cNvSpPr>
+            <a:spLocks noGrp="1"/>
+          </p:cNvSpPr>
+          <p:nvPr>
+            <p:ph type="body" sz="quarter" idx="3"/>
+          </p:nvPr>
+        </p:nvSpPr>
+        <p:spPr>
+          <a:xfrm>
+            <a:off x="685800" y="4400550"/>
+            <a:ext cx="5486400" cy="3600450"/>
+          </a:xfrm>
+          <a:prstGeom prst="rect">
+            <a:avLst/>
+          </a:prstGeom>
+        </p:spPr>
+        <p:txBody>
+          <a:bodyPr vert="horz" lIns="91440" tIns="45720" rIns="91440" bIns="45720" rtlCol="0"/>
+          <a:lstStyle/>
+          <a:p>
+            <a:pPr lvl="0"/>
+            <a:r>
+              <a:rPr lang="en-US"/>
+              <a:t>Click to edit Master text styles</a:t>
+            </a:r>
+          </a:p>
+          <a:p>
+            <a:pPr lvl="1"/>
+            <a:r>
+              <a:rPr lang="en-US"/>
+              <a:t>Second level</a:t>
+            </a:r>
+          </a:p>
+          <a:p>
+            <a:pPr lvl="2"/>
+            <a:r>
+              <a:rPr lang="en-US"/>
+              <a:t>Third level</a:t>
+            </a:r>
+          </a:p>
+          <a:p>
+            <a:pPr lvl="3"/>
+            <a:r>
+              <a:rPr lang="en-US"/>
+              <a:t>Fourth level</a:t>
+            </a:r>
+          </a:p>
+          <a:p>
+            <a:pPr lvl="4"/>
+            <a:r>
+              <a:rPr lang="en-US"/>
+              <a:t>Fifth level</a:t>
+            </a:r>
+          </a:p>
+        </p:txBody>
+      </p:sp>
+      <p:sp>
+        <p:nvSpPr>
+          <p:cNvPr id="6" name="Footer Placeholder 5"/>
+          <p:cNvSpPr>
+            <a:spLocks noGrp="1"/>
+          </p:cNvSpPr>
+          <p:nvPr>
+            <p:ph type="ftr" sz="quarter" idx="4"/>
+          </p:nvPr>
+        </p:nvSpPr>
+        <p:spPr>
+          <a:xfrm>
+            <a:off x="0" y="8685213"/>
+            <a:ext cx="2971800" cy="458787"/>
+          </a:xfrm>
+          <a:prstGeom prst="rect">
+            <a:avLst/>
+          </a:prstGeom>
+        </p:spPr>
+        <p:txBody>
+          <a:bodyPr vert="horz" lIns="91440" tIns="45720" rIns="91440" bIns="45720" rtlCol="0" anchor="b"/>
+          <a:lstStyle>
+            <a:lvl1pPr algn="l">
+              <a:defRPr sz="1200"/>
+            </a:lvl1pPr>
+          </a:lstStyle>
+          <a:p>
+            <a:endParaRPr lang="en-US"/>
+          </a:p>
+        </p:txBody>
+      </p:sp>
+      <p:sp>
+        <p:nvSpPr>
+          <p:cNvPr id="7" name="Slide Number Placeholder 6"/>
+          <p:cNvSpPr>
+            <a:spLocks noGrp="1"/>
+          </p:cNvSpPr>
+          <p:nvPr>
+            <p:ph type="sldNum" sz="quarter" idx="5"/>
+          </p:nvPr>
+        </p:nvSpPr>
+        <p:spPr>
+          <a:xfrm>
+            <a:off x="3884613" y="8685213"/>
+            <a:ext cx="2971800" cy="458787"/>
+          </a:xfrm>
+          <a:prstGeom prst="rect">
+            <a:avLst/>
+          </a:prstGeom>
+        </p:spPr>
+        <p:txBody>
+          <a:bodyPr vert="horz" lIns="91440" tIns="45720" rIns="91440" bIns="45720" rtlCol="0" anchor="b"/>
+          <a:lstStyle>
+            <a:lvl1pPr algn="r">
+              <a:defRPr sz="1200"/>
+            </a:lvl1pPr>
+          </a:lstStyle>
+          <a:p>
+            <a:fld id="{68AD085A-CE2C-4AF4-96B5-9AB734DA641A}" type="slidenum">
+              <a:rPr lang="en-US" smtClean="0"/>
+              <a:t>‹#›</a:t>
+            </a:fld>
+            <a:endParaRPr lang="en-US"/>
+          </a:p>
+        </p:txBody>
+      </p:sp>
+    </p:spTree>
+    <p:extLst>
+      <p:ext uri="{BB962C8B-B14F-4D97-AF65-F5344CB8AC3E}">
+        <p14:creationId xmlns:p14="http://schemas.microsoft.com/office/powerpoint/2010/main" val="2756690998"/>
+      </p:ext>
+    </p:extLst>
+  </p:cSld>
+  <p:clrMap bg1="lt1" tx1="dk1" bg2="lt2" tx2="dk2" accent1="accent1" accent2="accent2" accent3="accent3" accent4="accent4" accent5="accent5" accent6="accent6" hlink="hlink" folHlink="folHlink"/>
+  <p:notesStyle>
+    <a:lvl1pPr marL="0" algn="l" defTabSz="914400" rtl="0" eaLnBrk="1" latinLnBrk="0" hangingPunct="1">
+      <a:defRPr sz="1200" kern="1200">
+        <a:solidFill>
+          <a:schemeClr val="tx1"/>
+        </a:solidFill>
+        <a:latin typeface="+mn-lt"/>
+        <a:ea typeface="+mn-ea"/>
+        <a:cs typeface="+mn-cs"/>
+      </a:defRPr>
+    </a:lvl1pPr>
+    <a:lvl2pPr marL="457200" algn="l" defTabSz="914400" rtl="0" eaLnBrk="1" latinLnBrk="0" hangingPunct="1">
+      <a:defRPr sz="1200" kern="1200">
+        <a:solidFill>
+          <a:schemeClr val="tx1"/>
+        </a:solidFill>
+        <a:latin typeface="+mn-lt"/>
+        <a:ea typeface="+mn-ea"/>
+        <a:cs typeface="+mn-cs"/>
+      </a:defRPr>
+    </a:lvl2pPr>
+    <a:lvl3pPr marL="914400" algn="l" defTabSz="914400" rtl="0" eaLnBrk="1" latinLnBrk="0" hangingPunct="1">
+      <a:defRPr sz="1200" kern="1200">
+        <a:solidFill>
+          <a:schemeClr val="tx1"/>
+        </a:solidFill>
+        <a:latin typeface="+mn-lt"/>
+        <a:ea typeface="+mn-ea"/>
+        <a:cs typeface="+mn-cs"/>
+      </a:defRPr>
+    </a:lvl3pPr>
+    <a:lvl4pPr marL="1371600" algn="l" defTabSz="914400" rtl="0" eaLnBrk="1" latinLnBrk="0" hangingPunct="1">
+      <a:defRPr sz="1200" kern="1200">
+        <a:solidFill>
+          <a:schemeClr val="tx1"/>
+        </a:solidFill>
+        <a:latin typeface="+mn-lt"/>
+        <a:ea typeface="+mn-ea"/>
+        <a:cs typeface="+mn-cs"/>
+      </a:defRPr>
+    </a:lvl4pPr>
+    <a:lvl5pPr marL="1828800" algn="l" defTabSz="914400" rtl="0" eaLnBrk="1" latinLnBrk="0" hangingPunct="1">
+      <a:defRPr sz="1200" kern="1200">
+        <a:solidFill>
+          <a:schemeClr val="tx1"/>
+        </a:solidFill>
+        <a:latin typeface="+mn-lt"/>
+        <a:ea typeface="+mn-ea"/>
+        <a:cs typeface="+mn-cs"/>
+      </a:defRPr>
+    </a:lvl5pPr>
+    <a:lvl6pPr marL="2286000" algn="l" defTabSz="914400" rtl="0" eaLnBrk="1" latinLnBrk="0" hangingPunct="1">
+      <a:defRPr sz="1200" kern="1200">
+        <a:solidFill>
+          <a:schemeClr val="tx1"/>
+        </a:solidFill>
+        <a:latin typeface="+mn-lt"/>
+        <a:ea typeface="+mn-ea"/>
+        <a:cs typeface="+mn-cs"/>
+      </a:defRPr>
+    </a:lvl6pPr>
+    <a:lvl7pPr marL="2743200" algn="l" defTabSz="914400" rtl="0" eaLnBrk="1" latinLnBrk="0" hangingPunct="1">
+      <a:defRPr sz="1200" kern="1200">
+        <a:solidFill>
+          <a:schemeClr val="tx1"/>
+        </a:solidFill>
+        <a:latin typeface="+mn-lt"/>
+        <a:ea typeface="+mn-ea"/>
+        <a:cs typeface="+mn-cs"/>
+      </a:defRPr>
+    </a:lvl7pPr>
+    <a:lvl8pPr marL="3200400" algn="l" defTabSz="914400" rtl="0" eaLnBrk="1" latinLnBrk="0" hangingPunct="1">
+      <a:defRPr sz="1200" kern="1200">
+        <a:solidFill>
+          <a:schemeClr val="tx1"/>
+        </a:solidFill>
+        <a:latin typeface="+mn-lt"/>
+        <a:ea typeface="+mn-ea"/>
+        <a:cs typeface="+mn-cs"/>
+      </a:defRPr>
+    </a:lvl8pPr>
+    <a:lvl9pPr marL="3657600" algn="l" defTabSz="914400" rtl="0" eaLnBrk="1" latinLnBrk="0" hangingPunct="1">
+      <a:defRPr sz="1200" kern="1200">
+        <a:solidFill>
+          <a:schemeClr val="tx1"/>
+        </a:solidFill>
+        <a:latin typeface="+mn-lt"/>
+        <a:ea typeface="+mn-ea"/>
+        <a:cs typeface="+mn-cs"/>
+      </a:defRPr>
+    </a:lvl9pPr>
+  </p:notesStyle>
+</p:notesMaster>
+</file>
+
+<file path=ppt/notesSlides/notesSlide1.xml><?xml version="1.0" encoding="utf-8"?>
+<p:notes xmlns:a="http://schemas.openxmlformats.org/drawingml/2006/main" xmlns:r="http://schemas.openxmlformats.org/officeDocument/2006/relationships" xmlns:p="http://schemas.openxmlformats.org/presentationml/2006/main">
+  <p:cSld>
+    <p:spTree>
+      <p:nvGrpSpPr>
+        <p:cNvPr id="1" name=""/>
+        <p:cNvGrpSpPr/>
+        <p:nvPr/>
+      </p:nvGrpSpPr>
+      <p:grpSpPr>
+        <a:xfrm>
+          <a:off x="0" y="0"/>
+          <a:ext cx="0" cy="0"/>
+          <a:chOff x="0" y="0"/>
+          <a:chExt cx="0" cy="0"/>
+        </a:xfrm>
+      </p:grpSpPr>
+      <p:sp>
+        <p:nvSpPr>
+          <p:cNvPr id="2" name="Slide Image Placeholder 1"/>
+          <p:cNvSpPr>
+            <a:spLocks noGrp="1" noRot="1" noChangeAspect="1"/>
+          </p:cNvSpPr>
+          <p:nvPr>
+            <p:ph type="sldImg"/>
+          </p:nvPr>
+        </p:nvSpPr>
+        <p:spPr/>
+      </p:sp>
+      <p:sp>
+        <p:nvSpPr>
+          <p:cNvPr id="3" name="Notes Placeholder 2"/>
+          <p:cNvSpPr>
+            <a:spLocks noGrp="1"/>
+          </p:cNvSpPr>
+          <p:nvPr>
+            <p:ph type="body" idx="1"/>
+          </p:nvPr>
+        </p:nvSpPr>
+        <p:spPr/>
+        <p:txBody>
+          <a:bodyPr/>
+          <a:lstStyle/>
+          <a:p>
+            <a:r>
+              <a:rPr lang="en-US" b="0" dirty="0">
+                <a:solidFill>
+                  <a:srgbClr val="D4D4D4"/>
+                </a:solidFill>
+                <a:effectLst/>
+                <a:latin typeface="Consolas" panose="020B0609020204030204" pitchFamily="49" charset="0"/>
+              </a:rPr>
+              <a:t>There's an old story that many of you have heard before. </a:t>
+            </a:r>
+          </a:p>
+          <a:p>
+            <a:br>
+              <a:rPr lang="en-US" b="0" dirty="0">
+                <a:solidFill>
+                  <a:srgbClr val="D4D4D4"/>
+                </a:solidFill>
+                <a:effectLst/>
+                <a:latin typeface="Consolas" panose="020B0609020204030204" pitchFamily="49" charset="0"/>
+              </a:rPr>
+            </a:br>
+            <a:r>
+              <a:rPr lang="en-US" b="0" dirty="0">
+                <a:solidFill>
+                  <a:srgbClr val="D4D4D4"/>
+                </a:solidFill>
+                <a:effectLst/>
+                <a:latin typeface="Consolas" panose="020B0609020204030204" pitchFamily="49" charset="0"/>
+              </a:rPr>
+              <a:t>A Hare was making fun of the Tortoise one day for being so slow.</a:t>
+            </a:r>
+          </a:p>
+          <a:p>
+            <a:br>
+              <a:rPr lang="en-US" b="0" dirty="0">
+                <a:solidFill>
+                  <a:srgbClr val="D4D4D4"/>
+                </a:solidFill>
+                <a:effectLst/>
+                <a:latin typeface="Consolas" panose="020B0609020204030204" pitchFamily="49" charset="0"/>
+              </a:rPr>
+            </a:br>
+            <a:r>
+              <a:rPr lang="en-US" b="0" dirty="0">
+                <a:solidFill>
+                  <a:srgbClr val="D4D4D4"/>
+                </a:solidFill>
+                <a:effectLst/>
+                <a:latin typeface="Consolas" panose="020B0609020204030204" pitchFamily="49" charset="0"/>
+              </a:rPr>
+              <a:t>"Do you ever get anywhere?" he asked with a mocking laugh.</a:t>
+            </a:r>
+          </a:p>
+          <a:p>
+            <a:br>
+              <a:rPr lang="en-US" b="0" dirty="0">
+                <a:solidFill>
+                  <a:srgbClr val="D4D4D4"/>
+                </a:solidFill>
+                <a:effectLst/>
+                <a:latin typeface="Consolas" panose="020B0609020204030204" pitchFamily="49" charset="0"/>
+              </a:rPr>
+            </a:br>
+            <a:r>
+              <a:rPr lang="en-US" b="0" dirty="0">
+                <a:solidFill>
+                  <a:srgbClr val="D4D4D4"/>
+                </a:solidFill>
+                <a:effectLst/>
+                <a:latin typeface="Consolas" panose="020B0609020204030204" pitchFamily="49" charset="0"/>
+              </a:rPr>
+              <a:t>"Yes," replied the Tortoise, "and I get there sooner than you think. I'll run you a race and prove it."</a:t>
+            </a:r>
+          </a:p>
+          <a:p>
+            <a:br>
+              <a:rPr lang="en-US" b="0" dirty="0">
+                <a:solidFill>
+                  <a:srgbClr val="D4D4D4"/>
+                </a:solidFill>
+                <a:effectLst/>
+                <a:latin typeface="Consolas" panose="020B0609020204030204" pitchFamily="49" charset="0"/>
+              </a:rPr>
+            </a:br>
+            <a:r>
+              <a:rPr lang="en-US" b="0" dirty="0">
+                <a:solidFill>
+                  <a:srgbClr val="D4D4D4"/>
+                </a:solidFill>
+                <a:effectLst/>
+                <a:latin typeface="Consolas" panose="020B0609020204030204" pitchFamily="49" charset="0"/>
+              </a:rPr>
+              <a:t>The Hare was much amused at the idea of running a race with the Tortoise, but for the fun of the thing he agreed. So the Fox, who had consented to act as judge, marked the distance and started the runners off.</a:t>
+            </a:r>
+          </a:p>
+          <a:p>
+            <a:br>
+              <a:rPr lang="en-US" b="0" dirty="0">
+                <a:solidFill>
+                  <a:srgbClr val="D4D4D4"/>
+                </a:solidFill>
+                <a:effectLst/>
+                <a:latin typeface="Consolas" panose="020B0609020204030204" pitchFamily="49" charset="0"/>
+              </a:rPr>
+            </a:br>
+            <a:r>
+              <a:rPr lang="en-US" b="0" dirty="0">
+                <a:solidFill>
+                  <a:srgbClr val="D4D4D4"/>
+                </a:solidFill>
+                <a:effectLst/>
+                <a:latin typeface="Consolas" panose="020B0609020204030204" pitchFamily="49" charset="0"/>
+              </a:rPr>
+              <a:t>The Hare was soon far out of sight, and to make the Tortoise feel very deeply how ridiculous it was for him to try a race with a Hare, he lay down beside the course to take a nap until the Tortoise should catch up.</a:t>
+            </a:r>
+          </a:p>
+          <a:p>
+            <a:br>
+              <a:rPr lang="en-US" b="0" dirty="0">
+                <a:solidFill>
+                  <a:srgbClr val="D4D4D4"/>
+                </a:solidFill>
+                <a:effectLst/>
+                <a:latin typeface="Consolas" panose="020B0609020204030204" pitchFamily="49" charset="0"/>
+              </a:rPr>
+            </a:br>
+            <a:r>
+              <a:rPr lang="en-US" b="0" dirty="0">
+                <a:solidFill>
+                  <a:srgbClr val="D4D4D4"/>
+                </a:solidFill>
+                <a:effectLst/>
+                <a:latin typeface="Consolas" panose="020B0609020204030204" pitchFamily="49" charset="0"/>
+              </a:rPr>
+              <a:t>The Tortoise meanwhile kept going slowly but steadily, and, after a time, passed the place where the Hare was sleeping. But the Hare slept on very peacefully; and when at last he did wake up, the Tortoise was near the goal. The Hare now ran his swiftest, but he could not overtake the Tortoise in time.</a:t>
+            </a:r>
+          </a:p>
+          <a:p>
+            <a:endParaRPr lang="en-US" dirty="0"/>
+          </a:p>
+        </p:txBody>
+      </p:sp>
+      <p:sp>
+        <p:nvSpPr>
+          <p:cNvPr id="4" name="Slide Number Placeholder 3"/>
+          <p:cNvSpPr>
+            <a:spLocks noGrp="1"/>
+          </p:cNvSpPr>
+          <p:nvPr>
+            <p:ph type="sldNum" sz="quarter" idx="5"/>
+          </p:nvPr>
+        </p:nvSpPr>
+        <p:spPr/>
+        <p:txBody>
+          <a:bodyPr/>
+          <a:lstStyle/>
+          <a:p>
+            <a:fld id="{68AD085A-CE2C-4AF4-96B5-9AB734DA641A}" type="slidenum">
+              <a:rPr lang="en-US" smtClean="0"/>
+              <a:t>2</a:t>
+            </a:fld>
+            <a:endParaRPr lang="en-US"/>
+          </a:p>
+        </p:txBody>
+      </p:sp>
+    </p:spTree>
+    <p:extLst>
+      <p:ext uri="{BB962C8B-B14F-4D97-AF65-F5344CB8AC3E}">
+        <p14:creationId xmlns:p14="http://schemas.microsoft.com/office/powerpoint/2010/main" val="179270571"/>
+      </p:ext>
+    </p:extLst>
+  </p:cSld>
+  <p:clrMapOvr>
+    <a:masterClrMapping/>
+  </p:clrMapOvr>
+</p:notes>
+</file>
+
+<file path=ppt/notesSlides/notesSlide10.xml><?xml version="1.0" encoding="utf-8"?>
+<p:notes xmlns:a="http://schemas.openxmlformats.org/drawingml/2006/main" xmlns:r="http://schemas.openxmlformats.org/officeDocument/2006/relationships" xmlns:p="http://schemas.openxmlformats.org/presentationml/2006/main">
+  <p:cSld>
+    <p:spTree>
+      <p:nvGrpSpPr>
+        <p:cNvPr id="1" name=""/>
+        <p:cNvGrpSpPr/>
+        <p:nvPr/>
+      </p:nvGrpSpPr>
+      <p:grpSpPr>
+        <a:xfrm>
+          <a:off x="0" y="0"/>
+          <a:ext cx="0" cy="0"/>
+          <a:chOff x="0" y="0"/>
+          <a:chExt cx="0" cy="0"/>
+        </a:xfrm>
+      </p:grpSpPr>
+      <p:sp>
+        <p:nvSpPr>
+          <p:cNvPr id="2" name="Slide Image Placeholder 1"/>
+          <p:cNvSpPr>
+            <a:spLocks noGrp="1" noRot="1" noChangeAspect="1"/>
+          </p:cNvSpPr>
+          <p:nvPr>
+            <p:ph type="sldImg"/>
+          </p:nvPr>
+        </p:nvSpPr>
+        <p:spPr/>
+      </p:sp>
+      <p:sp>
+        <p:nvSpPr>
+          <p:cNvPr id="3" name="Notes Placeholder 2"/>
+          <p:cNvSpPr>
+            <a:spLocks noGrp="1"/>
+          </p:cNvSpPr>
+          <p:nvPr>
+            <p:ph type="body" idx="1"/>
+          </p:nvPr>
+        </p:nvSpPr>
+        <p:spPr/>
+        <p:txBody>
+          <a:bodyPr/>
+          <a:lstStyle/>
+          <a:p>
+            <a:r>
+              <a:rPr lang="en-US" b="0" dirty="0">
+                <a:solidFill>
+                  <a:srgbClr val="D4D4D4"/>
+                </a:solidFill>
+                <a:effectLst/>
+                <a:latin typeface="Consolas" panose="020B0609020204030204" pitchFamily="49" charset="0"/>
+              </a:rPr>
+              <a:t>The Scrum practitioner community is fond of using three terms to describe the tradeoffs made in a software development project. They are:</a:t>
+            </a:r>
+          </a:p>
+          <a:p>
+            <a:br>
+              <a:rPr lang="en-US" b="0" dirty="0">
+                <a:solidFill>
+                  <a:srgbClr val="D4D4D4"/>
+                </a:solidFill>
+                <a:effectLst/>
+                <a:latin typeface="Consolas" panose="020B0609020204030204" pitchFamily="49" charset="0"/>
+              </a:rPr>
+            </a:br>
+            <a:r>
+              <a:rPr lang="en-US" b="0" dirty="0">
+                <a:solidFill>
+                  <a:srgbClr val="6796E6"/>
+                </a:solidFill>
+                <a:effectLst/>
+                <a:latin typeface="Consolas" panose="020B0609020204030204" pitchFamily="49" charset="0"/>
+              </a:rPr>
+              <a:t>-</a:t>
+            </a:r>
+            <a:r>
+              <a:rPr lang="en-US" b="0" dirty="0">
+                <a:solidFill>
+                  <a:srgbClr val="D4D4D4"/>
+                </a:solidFill>
+                <a:effectLst/>
+                <a:latin typeface="Consolas" panose="020B0609020204030204" pitchFamily="49" charset="0"/>
+              </a:rPr>
+              <a:t> Scope</a:t>
+            </a:r>
+          </a:p>
+          <a:p>
+            <a:r>
+              <a:rPr lang="en-US" b="0" dirty="0">
+                <a:solidFill>
+                  <a:srgbClr val="6796E6"/>
+                </a:solidFill>
+                <a:effectLst/>
+                <a:latin typeface="Consolas" panose="020B0609020204030204" pitchFamily="49" charset="0"/>
+              </a:rPr>
+              <a:t>-</a:t>
+            </a:r>
+            <a:r>
+              <a:rPr lang="en-US" b="0" dirty="0">
+                <a:solidFill>
+                  <a:srgbClr val="D4D4D4"/>
+                </a:solidFill>
+                <a:effectLst/>
+                <a:latin typeface="Consolas" panose="020B0609020204030204" pitchFamily="49" charset="0"/>
+              </a:rPr>
+              <a:t> Quality</a:t>
+            </a:r>
+          </a:p>
+          <a:p>
+            <a:r>
+              <a:rPr lang="en-US" b="0" dirty="0">
+                <a:solidFill>
+                  <a:srgbClr val="6796E6"/>
+                </a:solidFill>
+                <a:effectLst/>
+                <a:latin typeface="Consolas" panose="020B0609020204030204" pitchFamily="49" charset="0"/>
+              </a:rPr>
+              <a:t>-</a:t>
+            </a:r>
+            <a:r>
+              <a:rPr lang="en-US" b="0" dirty="0">
+                <a:solidFill>
+                  <a:srgbClr val="D4D4D4"/>
+                </a:solidFill>
+                <a:effectLst/>
+                <a:latin typeface="Consolas" panose="020B0609020204030204" pitchFamily="49" charset="0"/>
+              </a:rPr>
+              <a:t> Time</a:t>
+            </a:r>
+          </a:p>
+          <a:p>
+            <a:r>
+              <a:rPr lang="en-US" b="0" dirty="0">
+                <a:solidFill>
+                  <a:srgbClr val="D4D4D4"/>
+                </a:solidFill>
+                <a:effectLst/>
+                <a:latin typeface="Consolas" panose="020B0609020204030204" pitchFamily="49" charset="0"/>
+              </a:rPr>
+              <a:t>What if your craft is not software development but organizational change?</a:t>
+            </a:r>
+          </a:p>
+        </p:txBody>
+      </p:sp>
+      <p:sp>
+        <p:nvSpPr>
+          <p:cNvPr id="4" name="Slide Number Placeholder 3"/>
+          <p:cNvSpPr>
+            <a:spLocks noGrp="1"/>
+          </p:cNvSpPr>
+          <p:nvPr>
+            <p:ph type="sldNum" sz="quarter" idx="5"/>
+          </p:nvPr>
+        </p:nvSpPr>
+        <p:spPr/>
+        <p:txBody>
+          <a:bodyPr/>
+          <a:lstStyle/>
+          <a:p>
+            <a:fld id="{68AD085A-CE2C-4AF4-96B5-9AB734DA641A}" type="slidenum">
+              <a:rPr lang="en-US" smtClean="0"/>
+              <a:t>11</a:t>
+            </a:fld>
+            <a:endParaRPr lang="en-US"/>
+          </a:p>
+        </p:txBody>
+      </p:sp>
+    </p:spTree>
+    <p:extLst>
+      <p:ext uri="{BB962C8B-B14F-4D97-AF65-F5344CB8AC3E}">
+        <p14:creationId xmlns:p14="http://schemas.microsoft.com/office/powerpoint/2010/main" val="2751983272"/>
+      </p:ext>
+    </p:extLst>
+  </p:cSld>
+  <p:clrMapOvr>
+    <a:masterClrMapping/>
+  </p:clrMapOvr>
+</p:notes>
+</file>
+
+<file path=ppt/notesSlides/notesSlide11.xml><?xml version="1.0" encoding="utf-8"?>
+<p:notes xmlns:a="http://schemas.openxmlformats.org/drawingml/2006/main" xmlns:r="http://schemas.openxmlformats.org/officeDocument/2006/relationships" xmlns:p="http://schemas.openxmlformats.org/presentationml/2006/main">
+  <p:cSld>
+    <p:spTree>
+      <p:nvGrpSpPr>
+        <p:cNvPr id="1" name=""/>
+        <p:cNvGrpSpPr/>
+        <p:nvPr/>
+      </p:nvGrpSpPr>
+      <p:grpSpPr>
+        <a:xfrm>
+          <a:off x="0" y="0"/>
+          <a:ext cx="0" cy="0"/>
+          <a:chOff x="0" y="0"/>
+          <a:chExt cx="0" cy="0"/>
+        </a:xfrm>
+      </p:grpSpPr>
+      <p:sp>
+        <p:nvSpPr>
+          <p:cNvPr id="2" name="Slide Image Placeholder 1"/>
+          <p:cNvSpPr>
+            <a:spLocks noGrp="1" noRot="1" noChangeAspect="1"/>
+          </p:cNvSpPr>
+          <p:nvPr>
+            <p:ph type="sldImg"/>
+          </p:nvPr>
+        </p:nvSpPr>
+        <p:spPr/>
+      </p:sp>
+      <p:sp>
+        <p:nvSpPr>
+          <p:cNvPr id="3" name="Notes Placeholder 2"/>
+          <p:cNvSpPr>
+            <a:spLocks noGrp="1"/>
+          </p:cNvSpPr>
+          <p:nvPr>
+            <p:ph type="body" idx="1"/>
+          </p:nvPr>
+        </p:nvSpPr>
+        <p:spPr/>
+        <p:txBody>
+          <a:bodyPr/>
+          <a:lstStyle/>
+          <a:p>
+            <a:r>
+              <a:rPr lang="en-US" b="1" dirty="0">
+                <a:solidFill>
+                  <a:srgbClr val="569CD6"/>
+                </a:solidFill>
+                <a:effectLst/>
+                <a:latin typeface="Consolas" panose="020B0609020204030204" pitchFamily="49" charset="0"/>
+              </a:rPr>
+              <a:t>#### Breadth</a:t>
+            </a:r>
+            <a:endParaRPr lang="en-US" b="0" dirty="0">
+              <a:solidFill>
+                <a:srgbClr val="D4D4D4"/>
+              </a:solidFill>
+              <a:effectLst/>
+              <a:latin typeface="Consolas" panose="020B0609020204030204" pitchFamily="49" charset="0"/>
+            </a:endParaRPr>
+          </a:p>
+          <a:p>
+            <a:r>
+              <a:rPr lang="en-US" b="0" dirty="0">
+                <a:solidFill>
+                  <a:srgbClr val="D4D4D4"/>
+                </a:solidFill>
+                <a:effectLst/>
+                <a:latin typeface="Consolas" panose="020B0609020204030204" pitchFamily="49" charset="0"/>
+              </a:rPr>
+              <a:t>This is the scope of the organizational change. I would define it as a function of number of people affected, how each affected person’s work must change, and how the affected person’s mindset must be changed. </a:t>
+            </a:r>
+          </a:p>
+          <a:p>
+            <a:br>
+              <a:rPr lang="en-US" b="0" dirty="0">
+                <a:solidFill>
+                  <a:srgbClr val="D4D4D4"/>
+                </a:solidFill>
+                <a:effectLst/>
+                <a:latin typeface="Consolas" panose="020B0609020204030204" pitchFamily="49" charset="0"/>
+              </a:rPr>
+            </a:br>
+            <a:r>
+              <a:rPr lang="en-US" b="1" dirty="0">
+                <a:solidFill>
+                  <a:srgbClr val="569CD6"/>
+                </a:solidFill>
+                <a:effectLst/>
+                <a:latin typeface="Consolas" panose="020B0609020204030204" pitchFamily="49" charset="0"/>
+              </a:rPr>
+              <a:t>#### Urgency</a:t>
+            </a:r>
+            <a:endParaRPr lang="en-US" b="0" dirty="0">
+              <a:solidFill>
+                <a:srgbClr val="D4D4D4"/>
+              </a:solidFill>
+              <a:effectLst/>
+              <a:latin typeface="Consolas" panose="020B0609020204030204" pitchFamily="49" charset="0"/>
+            </a:endParaRPr>
+          </a:p>
+          <a:p>
+            <a:r>
+              <a:rPr lang="en-US" b="0" dirty="0">
+                <a:solidFill>
+                  <a:srgbClr val="D4D4D4"/>
+                </a:solidFill>
+                <a:effectLst/>
+                <a:latin typeface="Consolas" panose="020B0609020204030204" pitchFamily="49" charset="0"/>
+              </a:rPr>
+              <a:t>This is the time constraint of the organizational change. We need to get Agile by the end of the year. We need to re-organize all our teams to be co-located this quarter. Effective immediately, everyone needs to use the new TPS report cover sheets.</a:t>
+            </a:r>
+          </a:p>
+          <a:p>
+            <a:br>
+              <a:rPr lang="en-US" b="0" dirty="0">
+                <a:solidFill>
+                  <a:srgbClr val="D4D4D4"/>
+                </a:solidFill>
+                <a:effectLst/>
+                <a:latin typeface="Consolas" panose="020B0609020204030204" pitchFamily="49" charset="0"/>
+              </a:rPr>
+            </a:br>
+            <a:r>
+              <a:rPr lang="en-US" b="1" dirty="0">
+                <a:solidFill>
+                  <a:srgbClr val="569CD6"/>
+                </a:solidFill>
+                <a:effectLst/>
+                <a:latin typeface="Consolas" panose="020B0609020204030204" pitchFamily="49" charset="0"/>
+              </a:rPr>
+              <a:t>#### Commitment</a:t>
+            </a:r>
+            <a:endParaRPr lang="en-US" b="0" dirty="0">
+              <a:solidFill>
+                <a:srgbClr val="D4D4D4"/>
+              </a:solidFill>
+              <a:effectLst/>
+              <a:latin typeface="Consolas" panose="020B0609020204030204" pitchFamily="49" charset="0"/>
+            </a:endParaRPr>
+          </a:p>
+          <a:p>
+            <a:r>
+              <a:rPr lang="en-US" b="0" dirty="0">
+                <a:solidFill>
+                  <a:srgbClr val="D4D4D4"/>
+                </a:solidFill>
+                <a:effectLst/>
+                <a:latin typeface="Consolas" panose="020B0609020204030204" pitchFamily="49" charset="0"/>
+              </a:rPr>
+              <a:t>This the quality of the organizational change. People resist being coerced to change as a natural instinct. An organizational change that is forced may garner compliance but it will rarely accomplish commitment. Commitment implies workers agree and would do it even if they were not required.</a:t>
+            </a:r>
+          </a:p>
+          <a:p>
+            <a:endParaRPr lang="en-US" dirty="0"/>
+          </a:p>
+        </p:txBody>
+      </p:sp>
+      <p:sp>
+        <p:nvSpPr>
+          <p:cNvPr id="4" name="Slide Number Placeholder 3"/>
+          <p:cNvSpPr>
+            <a:spLocks noGrp="1"/>
+          </p:cNvSpPr>
+          <p:nvPr>
+            <p:ph type="sldNum" sz="quarter" idx="5"/>
+          </p:nvPr>
+        </p:nvSpPr>
+        <p:spPr/>
+        <p:txBody>
+          <a:bodyPr/>
+          <a:lstStyle/>
+          <a:p>
+            <a:fld id="{68AD085A-CE2C-4AF4-96B5-9AB734DA641A}" type="slidenum">
+              <a:rPr lang="en-US" smtClean="0"/>
+              <a:t>12</a:t>
+            </a:fld>
+            <a:endParaRPr lang="en-US"/>
+          </a:p>
+        </p:txBody>
+      </p:sp>
+    </p:spTree>
+    <p:extLst>
+      <p:ext uri="{BB962C8B-B14F-4D97-AF65-F5344CB8AC3E}">
+        <p14:creationId xmlns:p14="http://schemas.microsoft.com/office/powerpoint/2010/main" val="2320503366"/>
+      </p:ext>
+    </p:extLst>
+  </p:cSld>
+  <p:clrMapOvr>
+    <a:masterClrMapping/>
+  </p:clrMapOvr>
+</p:notes>
+</file>
+
+<file path=ppt/notesSlides/notesSlide12.xml><?xml version="1.0" encoding="utf-8"?>
+<p:notes xmlns:a="http://schemas.openxmlformats.org/drawingml/2006/main" xmlns:r="http://schemas.openxmlformats.org/officeDocument/2006/relationships" xmlns:p="http://schemas.openxmlformats.org/presentationml/2006/main">
+  <p:cSld>
+    <p:spTree>
+      <p:nvGrpSpPr>
+        <p:cNvPr id="1" name=""/>
+        <p:cNvGrpSpPr/>
+        <p:nvPr/>
+      </p:nvGrpSpPr>
+      <p:grpSpPr>
+        <a:xfrm>
+          <a:off x="0" y="0"/>
+          <a:ext cx="0" cy="0"/>
+          <a:chOff x="0" y="0"/>
+          <a:chExt cx="0" cy="0"/>
+        </a:xfrm>
+      </p:grpSpPr>
+      <p:sp>
+        <p:nvSpPr>
+          <p:cNvPr id="2" name="Slide Image Placeholder 1"/>
+          <p:cNvSpPr>
+            <a:spLocks noGrp="1" noRot="1" noChangeAspect="1"/>
+          </p:cNvSpPr>
+          <p:nvPr>
+            <p:ph type="sldImg"/>
+          </p:nvPr>
+        </p:nvSpPr>
+        <p:spPr/>
+      </p:sp>
+      <p:sp>
+        <p:nvSpPr>
+          <p:cNvPr id="3" name="Notes Placeholder 2"/>
+          <p:cNvSpPr>
+            <a:spLocks noGrp="1"/>
+          </p:cNvSpPr>
+          <p:nvPr>
+            <p:ph type="body" idx="1"/>
+          </p:nvPr>
+        </p:nvSpPr>
+        <p:spPr/>
+        <p:txBody>
+          <a:bodyPr/>
+          <a:lstStyle/>
+          <a:p>
+            <a:endParaRPr lang="en-US" dirty="0"/>
+          </a:p>
+        </p:txBody>
+      </p:sp>
+      <p:sp>
+        <p:nvSpPr>
+          <p:cNvPr id="4" name="Slide Number Placeholder 3"/>
+          <p:cNvSpPr>
+            <a:spLocks noGrp="1"/>
+          </p:cNvSpPr>
+          <p:nvPr>
+            <p:ph type="sldNum" sz="quarter" idx="5"/>
+          </p:nvPr>
+        </p:nvSpPr>
+        <p:spPr/>
+        <p:txBody>
+          <a:bodyPr/>
+          <a:lstStyle/>
+          <a:p>
+            <a:fld id="{68AD085A-CE2C-4AF4-96B5-9AB734DA641A}" type="slidenum">
+              <a:rPr lang="en-US" smtClean="0"/>
+              <a:t>14</a:t>
+            </a:fld>
+            <a:endParaRPr lang="en-US"/>
+          </a:p>
+        </p:txBody>
+      </p:sp>
+    </p:spTree>
+    <p:extLst>
+      <p:ext uri="{BB962C8B-B14F-4D97-AF65-F5344CB8AC3E}">
+        <p14:creationId xmlns:p14="http://schemas.microsoft.com/office/powerpoint/2010/main" val="1147306799"/>
+      </p:ext>
+    </p:extLst>
+  </p:cSld>
+  <p:clrMapOvr>
+    <a:masterClrMapping/>
+  </p:clrMapOvr>
+</p:notes>
+</file>
+
+<file path=ppt/notesSlides/notesSlide13.xml><?xml version="1.0" encoding="utf-8"?>
+<p:notes xmlns:a="http://schemas.openxmlformats.org/drawingml/2006/main" xmlns:r="http://schemas.openxmlformats.org/officeDocument/2006/relationships" xmlns:p="http://schemas.openxmlformats.org/presentationml/2006/main">
+  <p:cSld>
+    <p:spTree>
+      <p:nvGrpSpPr>
+        <p:cNvPr id="1" name=""/>
+        <p:cNvGrpSpPr/>
+        <p:nvPr/>
+      </p:nvGrpSpPr>
+      <p:grpSpPr>
+        <a:xfrm>
+          <a:off x="0" y="0"/>
+          <a:ext cx="0" cy="0"/>
+          <a:chOff x="0" y="0"/>
+          <a:chExt cx="0" cy="0"/>
+        </a:xfrm>
+      </p:grpSpPr>
+      <p:sp>
+        <p:nvSpPr>
+          <p:cNvPr id="2" name="Slide Image Placeholder 1"/>
+          <p:cNvSpPr>
+            <a:spLocks noGrp="1" noRot="1" noChangeAspect="1"/>
+          </p:cNvSpPr>
+          <p:nvPr>
+            <p:ph type="sldImg"/>
+          </p:nvPr>
+        </p:nvSpPr>
+        <p:spPr/>
+      </p:sp>
+      <p:sp>
+        <p:nvSpPr>
+          <p:cNvPr id="3" name="Notes Placeholder 2"/>
+          <p:cNvSpPr>
+            <a:spLocks noGrp="1"/>
+          </p:cNvSpPr>
+          <p:nvPr>
+            <p:ph type="body" idx="1"/>
+          </p:nvPr>
+        </p:nvSpPr>
+        <p:spPr/>
+        <p:txBody>
+          <a:bodyPr/>
+          <a:lstStyle/>
+          <a:p>
+            <a:r>
+              <a:rPr lang="en-US" b="1" dirty="0">
+                <a:solidFill>
+                  <a:srgbClr val="569CD6"/>
+                </a:solidFill>
+                <a:effectLst/>
+                <a:latin typeface="Consolas" panose="020B0609020204030204" pitchFamily="49" charset="0"/>
+              </a:rPr>
+              <a:t>### Little Quits</a:t>
+            </a:r>
+            <a:endParaRPr lang="en-US" b="0" dirty="0">
+              <a:solidFill>
+                <a:srgbClr val="D4D4D4"/>
+              </a:solidFill>
+              <a:effectLst/>
+              <a:latin typeface="Consolas" panose="020B0609020204030204" pitchFamily="49" charset="0"/>
+            </a:endParaRPr>
+          </a:p>
+          <a:p>
+            <a:r>
+              <a:rPr lang="en-US" b="0" dirty="0">
+                <a:solidFill>
+                  <a:srgbClr val="D4D4D4"/>
+                </a:solidFill>
+                <a:effectLst/>
+                <a:latin typeface="Consolas" panose="020B0609020204030204" pitchFamily="49" charset="0"/>
+              </a:rPr>
+              <a:t>It’s rare that one quits something big without first quitting many times on something small.</a:t>
+            </a:r>
+          </a:p>
+          <a:p>
+            <a:br>
+              <a:rPr lang="en-US" b="0" dirty="0">
+                <a:solidFill>
+                  <a:srgbClr val="D4D4D4"/>
+                </a:solidFill>
+                <a:effectLst/>
+                <a:latin typeface="Consolas" panose="020B0609020204030204" pitchFamily="49" charset="0"/>
+              </a:rPr>
+            </a:br>
+            <a:r>
+              <a:rPr lang="en-US" b="0" dirty="0">
+                <a:solidFill>
+                  <a:srgbClr val="D4D4D4"/>
+                </a:solidFill>
+                <a:effectLst/>
+                <a:latin typeface="Consolas" panose="020B0609020204030204" pitchFamily="49" charset="0"/>
+              </a:rPr>
+              <a:t>Do you remember that essay project in school? It seemed so imposing until you wrote the first draft then got someone to give you feedback on it? Maybe it was something different, like quitting a habit. it seemed impossible until you saw a plan to ween yourself from a behavior and got someone to check up on your progress?</a:t>
+            </a:r>
+          </a:p>
+          <a:p>
+            <a:br>
+              <a:rPr lang="en-US" b="0" dirty="0">
+                <a:solidFill>
+                  <a:srgbClr val="D4D4D4"/>
+                </a:solidFill>
+                <a:effectLst/>
+                <a:latin typeface="Consolas" panose="020B0609020204030204" pitchFamily="49" charset="0"/>
+              </a:rPr>
+            </a:br>
+            <a:r>
+              <a:rPr lang="en-US" b="0" dirty="0">
+                <a:solidFill>
+                  <a:srgbClr val="D4D4D4"/>
+                </a:solidFill>
+                <a:effectLst/>
+                <a:latin typeface="Consolas" panose="020B0609020204030204" pitchFamily="49" charset="0"/>
+              </a:rPr>
+              <a:t>If you’re like me, there are many little things that lead up to big things. Too often, I’m thwarted in the little things because I’m thinking of the big thing. The small thing is really not that hard but the big thing looms large and seems impossible. In these cases, I find myself quitting little and failing big.</a:t>
+            </a:r>
+          </a:p>
+          <a:p>
+            <a:br>
+              <a:rPr lang="en-US" b="0" dirty="0">
+                <a:solidFill>
+                  <a:srgbClr val="D4D4D4"/>
+                </a:solidFill>
+                <a:effectLst/>
+                <a:latin typeface="Consolas" panose="020B0609020204030204" pitchFamily="49" charset="0"/>
+              </a:rPr>
+            </a:br>
+            <a:r>
+              <a:rPr lang="en-US" b="0" dirty="0">
+                <a:solidFill>
+                  <a:srgbClr val="D4D4D4"/>
+                </a:solidFill>
+                <a:effectLst/>
+                <a:latin typeface="Consolas" panose="020B0609020204030204" pitchFamily="49" charset="0"/>
+              </a:rPr>
+              <a:t>I propose that when I fail big it’s because I quit little; little quits led to a big quit. I didn’t believe in the big triumph and therefore couldn’t believe in the success of the little.</a:t>
+            </a:r>
+          </a:p>
+          <a:p>
+            <a:br>
+              <a:rPr lang="en-US" b="0" dirty="0">
+                <a:solidFill>
+                  <a:srgbClr val="D4D4D4"/>
+                </a:solidFill>
+                <a:effectLst/>
+                <a:latin typeface="Consolas" panose="020B0609020204030204" pitchFamily="49" charset="0"/>
+              </a:rPr>
+            </a:br>
+            <a:r>
+              <a:rPr lang="en-US" b="0" dirty="0">
+                <a:solidFill>
+                  <a:srgbClr val="D4D4D4"/>
+                </a:solidFill>
+                <a:effectLst/>
+                <a:latin typeface="Consolas" panose="020B0609020204030204" pitchFamily="49" charset="0"/>
+              </a:rPr>
+              <a:t>What if we reversed it? What if we start believing in the importance of the little things that seem possible rather than the big things that feel out of reach? We may find we succeed more and more in the little things and end up succeeding more and more in the </a:t>
+            </a:r>
+            <a:r>
+              <a:rPr lang="en-US" b="0" dirty="0" err="1">
+                <a:solidFill>
+                  <a:srgbClr val="D4D4D4"/>
+                </a:solidFill>
+                <a:effectLst/>
+                <a:latin typeface="Consolas" panose="020B0609020204030204" pitchFamily="49" charset="0"/>
+              </a:rPr>
+              <a:t>bigs</a:t>
+            </a:r>
+            <a:r>
+              <a:rPr lang="en-US" b="0" dirty="0">
+                <a:solidFill>
+                  <a:srgbClr val="D4D4D4"/>
+                </a:solidFill>
+                <a:effectLst/>
+                <a:latin typeface="Consolas" panose="020B0609020204030204" pitchFamily="49" charset="0"/>
+              </a:rPr>
+              <a:t>.</a:t>
+            </a:r>
+          </a:p>
+          <a:p>
+            <a:br>
+              <a:rPr lang="en-US" b="0" dirty="0">
+                <a:solidFill>
+                  <a:srgbClr val="D4D4D4"/>
+                </a:solidFill>
+                <a:effectLst/>
+                <a:latin typeface="Consolas" panose="020B0609020204030204" pitchFamily="49" charset="0"/>
+              </a:rPr>
+            </a:br>
+            <a:r>
+              <a:rPr lang="en-US" b="0" dirty="0">
+                <a:solidFill>
+                  <a:srgbClr val="D4D4D4"/>
+                </a:solidFill>
+                <a:effectLst/>
+                <a:latin typeface="Consolas" panose="020B0609020204030204" pitchFamily="49" charset="0"/>
+              </a:rPr>
+              <a:t>Start saying no to the little quits, and you start saying yes to the big successes.</a:t>
+            </a:r>
+          </a:p>
+          <a:p>
+            <a:br>
+              <a:rPr lang="en-US" b="0" dirty="0">
+                <a:solidFill>
+                  <a:srgbClr val="D4D4D4"/>
+                </a:solidFill>
+                <a:effectLst/>
+                <a:latin typeface="Consolas" panose="020B0609020204030204" pitchFamily="49" charset="0"/>
+              </a:rPr>
+            </a:br>
+            <a:r>
+              <a:rPr lang="en-US" b="0" dirty="0">
+                <a:solidFill>
+                  <a:srgbClr val="D4D4D4"/>
+                </a:solidFill>
+                <a:effectLst/>
+                <a:latin typeface="Consolas" panose="020B0609020204030204" pitchFamily="49" charset="0"/>
+              </a:rPr>
+              <a:t>What are your little quits?</a:t>
+            </a:r>
+          </a:p>
+          <a:p>
+            <a:endParaRPr lang="en-US" dirty="0"/>
+          </a:p>
+          <a:p>
+            <a:endParaRPr lang="en-US" dirty="0"/>
+          </a:p>
+        </p:txBody>
+      </p:sp>
+      <p:sp>
+        <p:nvSpPr>
+          <p:cNvPr id="4" name="Slide Number Placeholder 3"/>
+          <p:cNvSpPr>
+            <a:spLocks noGrp="1"/>
+          </p:cNvSpPr>
+          <p:nvPr>
+            <p:ph type="sldNum" sz="quarter" idx="5"/>
+          </p:nvPr>
+        </p:nvSpPr>
+        <p:spPr/>
+        <p:txBody>
+          <a:bodyPr/>
+          <a:lstStyle/>
+          <a:p>
+            <a:fld id="{68AD085A-CE2C-4AF4-96B5-9AB734DA641A}" type="slidenum">
+              <a:rPr lang="en-US" smtClean="0"/>
+              <a:t>19</a:t>
+            </a:fld>
+            <a:endParaRPr lang="en-US"/>
+          </a:p>
+        </p:txBody>
+      </p:sp>
+    </p:spTree>
+    <p:extLst>
+      <p:ext uri="{BB962C8B-B14F-4D97-AF65-F5344CB8AC3E}">
+        <p14:creationId xmlns:p14="http://schemas.microsoft.com/office/powerpoint/2010/main" val="2563164741"/>
+      </p:ext>
+    </p:extLst>
+  </p:cSld>
+  <p:clrMapOvr>
+    <a:masterClrMapping/>
+  </p:clrMapOvr>
+</p:notes>
+</file>
+
+<file path=ppt/notesSlides/notesSlide2.xml><?xml version="1.0" encoding="utf-8"?>
+<p:notes xmlns:a="http://schemas.openxmlformats.org/drawingml/2006/main" xmlns:r="http://schemas.openxmlformats.org/officeDocument/2006/relationships" xmlns:p="http://schemas.openxmlformats.org/presentationml/2006/main">
+  <p:cSld>
+    <p:spTree>
+      <p:nvGrpSpPr>
+        <p:cNvPr id="1" name=""/>
+        <p:cNvGrpSpPr/>
+        <p:nvPr/>
+      </p:nvGrpSpPr>
+      <p:grpSpPr>
+        <a:xfrm>
+          <a:off x="0" y="0"/>
+          <a:ext cx="0" cy="0"/>
+          <a:chOff x="0" y="0"/>
+          <a:chExt cx="0" cy="0"/>
+        </a:xfrm>
+      </p:grpSpPr>
+      <p:sp>
+        <p:nvSpPr>
+          <p:cNvPr id="2" name="Slide Image Placeholder 1"/>
+          <p:cNvSpPr>
+            <a:spLocks noGrp="1" noRot="1" noChangeAspect="1"/>
+          </p:cNvSpPr>
+          <p:nvPr>
+            <p:ph type="sldImg"/>
+          </p:nvPr>
+        </p:nvSpPr>
+        <p:spPr/>
+      </p:sp>
+      <p:sp>
+        <p:nvSpPr>
+          <p:cNvPr id="3" name="Notes Placeholder 2"/>
+          <p:cNvSpPr>
+            <a:spLocks noGrp="1"/>
+          </p:cNvSpPr>
+          <p:nvPr>
+            <p:ph type="body" idx="1"/>
+          </p:nvPr>
+        </p:nvSpPr>
+        <p:spPr/>
+        <p:txBody>
+          <a:bodyPr/>
+          <a:lstStyle/>
+          <a:p>
+            <a:r>
+              <a:rPr lang="en-US" b="0" dirty="0">
+                <a:solidFill>
+                  <a:srgbClr val="D4D4D4"/>
+                </a:solidFill>
+                <a:effectLst/>
+                <a:latin typeface="Consolas" panose="020B0609020204030204" pitchFamily="49" charset="0"/>
+              </a:rPr>
+              <a:t>Reality defies simple explanation. It's easy to think of agility as a hare. Quick, nimble, energetic, explosive, tight corners, </a:t>
+            </a:r>
+            <a:r>
+              <a:rPr lang="en-US" b="0" dirty="0" err="1">
+                <a:solidFill>
+                  <a:srgbClr val="D4D4D4"/>
+                </a:solidFill>
+                <a:effectLst/>
+                <a:latin typeface="Consolas" panose="020B0609020204030204" pitchFamily="49" charset="0"/>
+              </a:rPr>
+              <a:t>etc</a:t>
+            </a:r>
+            <a:r>
+              <a:rPr lang="en-US" b="0" dirty="0">
+                <a:solidFill>
+                  <a:srgbClr val="D4D4D4"/>
+                </a:solidFill>
+                <a:effectLst/>
+                <a:latin typeface="Consolas" panose="020B0609020204030204" pitchFamily="49" charset="0"/>
+              </a:rPr>
+              <a:t>, etc. It's easy to think of big, stilted organizations as the tortoise. Slow, heavy, 0-60 maybe. Yet this story presents a paradoxical truth: that focus and determination can produce can produce remarkable results.</a:t>
+            </a:r>
+          </a:p>
+          <a:p>
+            <a:br>
+              <a:rPr lang="en-US" b="0" dirty="0">
+                <a:solidFill>
+                  <a:srgbClr val="D4D4D4"/>
+                </a:solidFill>
+                <a:effectLst/>
+                <a:latin typeface="Consolas" panose="020B0609020204030204" pitchFamily="49" charset="0"/>
+              </a:rPr>
+            </a:br>
+            <a:r>
+              <a:rPr lang="en-US" b="0" dirty="0">
+                <a:solidFill>
+                  <a:srgbClr val="D4D4D4"/>
+                </a:solidFill>
+                <a:effectLst/>
+                <a:latin typeface="Consolas" panose="020B0609020204030204" pitchFamily="49" charset="0"/>
+              </a:rPr>
+              <a:t>The </a:t>
+            </a:r>
+            <a:r>
+              <a:rPr lang="en-US" b="0" dirty="0" err="1">
+                <a:solidFill>
+                  <a:srgbClr val="D4D4D4"/>
+                </a:solidFill>
+                <a:effectLst/>
+                <a:latin typeface="Consolas" panose="020B0609020204030204" pitchFamily="49" charset="0"/>
+              </a:rPr>
+              <a:t>sotry</a:t>
+            </a:r>
+            <a:r>
+              <a:rPr lang="en-US" b="0" dirty="0">
+                <a:solidFill>
+                  <a:srgbClr val="D4D4D4"/>
+                </a:solidFill>
+                <a:effectLst/>
+                <a:latin typeface="Consolas" panose="020B0609020204030204" pitchFamily="49" charset="0"/>
+              </a:rPr>
+              <a:t> of my time at BOKF is a bit like the tortoise. There's no hare in my story like there was in the fable. We market position was and remains seemingly stable. But that's what makes our progress even more remarkable. Who keeps pushing constantly? The team that feels under threat by a rival competitor, not the insulated team with a successful product inside a company that's </a:t>
+            </a:r>
+            <a:r>
+              <a:rPr lang="en-US" b="0" dirty="0" err="1">
+                <a:solidFill>
+                  <a:srgbClr val="D4D4D4"/>
+                </a:solidFill>
+                <a:effectLst/>
+                <a:latin typeface="Consolas" panose="020B0609020204030204" pitchFamily="49" charset="0"/>
+              </a:rPr>
+              <a:t>surved</a:t>
+            </a:r>
+            <a:r>
+              <a:rPr lang="en-US" b="0" dirty="0">
+                <a:solidFill>
+                  <a:srgbClr val="D4D4D4"/>
+                </a:solidFill>
+                <a:effectLst/>
+                <a:latin typeface="Consolas" panose="020B0609020204030204" pitchFamily="49" charset="0"/>
+              </a:rPr>
+              <a:t> over a hundred years. We have every reason to take it easy. Why bother? Leave well enough along. IF IT AIN'T BROKE, DON'T FIX IT!</a:t>
+            </a:r>
+          </a:p>
+          <a:p>
+            <a:br>
+              <a:rPr lang="en-US" b="0" dirty="0">
+                <a:solidFill>
+                  <a:srgbClr val="D4D4D4"/>
+                </a:solidFill>
+                <a:effectLst/>
+                <a:latin typeface="Consolas" panose="020B0609020204030204" pitchFamily="49" charset="0"/>
+              </a:rPr>
+            </a:br>
+            <a:r>
+              <a:rPr lang="en-US" b="0" dirty="0">
+                <a:solidFill>
+                  <a:srgbClr val="D4D4D4"/>
+                </a:solidFill>
+                <a:effectLst/>
+                <a:latin typeface="Consolas" panose="020B0609020204030204" pitchFamily="49" charset="0"/>
+              </a:rPr>
+              <a:t>For those of you know who me, you know the passion I have for calling people forth to improve and change things for the better. Faced with many seemingly intractable problems, my frustrations can get the better of me causing me to disengage. With this team however, what seem like intractable problems at first glance, proved to be anything but. Almost as bad as "If it </a:t>
+            </a:r>
+            <a:r>
+              <a:rPr lang="en-US" b="0" dirty="0" err="1">
+                <a:solidFill>
+                  <a:srgbClr val="D4D4D4"/>
+                </a:solidFill>
+                <a:effectLst/>
+                <a:latin typeface="Consolas" panose="020B0609020204030204" pitchFamily="49" charset="0"/>
+              </a:rPr>
+              <a:t>ain't</a:t>
+            </a:r>
+            <a:r>
+              <a:rPr lang="en-US" b="0" dirty="0">
+                <a:solidFill>
+                  <a:srgbClr val="D4D4D4"/>
+                </a:solidFill>
+                <a:effectLst/>
+                <a:latin typeface="Consolas" panose="020B0609020204030204" pitchFamily="49" charset="0"/>
+              </a:rPr>
+              <a:t> broke, don't fix it" is the sentiment I've encountered often, "It'll never change." Both act to sap the motivation. One denies a problem, the other denies hope. My job, as it turns out was to illustrate problems and jealously guard hope.</a:t>
+            </a:r>
+          </a:p>
+          <a:p>
+            <a:endParaRPr lang="en-US" dirty="0"/>
+          </a:p>
+        </p:txBody>
+      </p:sp>
+      <p:sp>
+        <p:nvSpPr>
+          <p:cNvPr id="4" name="Slide Number Placeholder 3"/>
+          <p:cNvSpPr>
+            <a:spLocks noGrp="1"/>
+          </p:cNvSpPr>
+          <p:nvPr>
+            <p:ph type="sldNum" sz="quarter" idx="5"/>
+          </p:nvPr>
+        </p:nvSpPr>
+        <p:spPr/>
+        <p:txBody>
+          <a:bodyPr/>
+          <a:lstStyle/>
+          <a:p>
+            <a:fld id="{68AD085A-CE2C-4AF4-96B5-9AB734DA641A}" type="slidenum">
+              <a:rPr lang="en-US" smtClean="0"/>
+              <a:t>3</a:t>
+            </a:fld>
+            <a:endParaRPr lang="en-US"/>
+          </a:p>
+        </p:txBody>
+      </p:sp>
+    </p:spTree>
+    <p:extLst>
+      <p:ext uri="{BB962C8B-B14F-4D97-AF65-F5344CB8AC3E}">
+        <p14:creationId xmlns:p14="http://schemas.microsoft.com/office/powerpoint/2010/main" val="1534710382"/>
+      </p:ext>
+    </p:extLst>
+  </p:cSld>
+  <p:clrMapOvr>
+    <a:masterClrMapping/>
+  </p:clrMapOvr>
+</p:notes>
+</file>
+
+<file path=ppt/notesSlides/notesSlide3.xml><?xml version="1.0" encoding="utf-8"?>
+<p:notes xmlns:a="http://schemas.openxmlformats.org/drawingml/2006/main" xmlns:r="http://schemas.openxmlformats.org/officeDocument/2006/relationships" xmlns:p="http://schemas.openxmlformats.org/presentationml/2006/main">
+  <p:cSld>
+    <p:spTree>
+      <p:nvGrpSpPr>
+        <p:cNvPr id="1" name=""/>
+        <p:cNvGrpSpPr/>
+        <p:nvPr/>
+      </p:nvGrpSpPr>
+      <p:grpSpPr>
+        <a:xfrm>
+          <a:off x="0" y="0"/>
+          <a:ext cx="0" cy="0"/>
+          <a:chOff x="0" y="0"/>
+          <a:chExt cx="0" cy="0"/>
+        </a:xfrm>
+      </p:grpSpPr>
+      <p:sp>
+        <p:nvSpPr>
+          <p:cNvPr id="2" name="Slide Image Placeholder 1"/>
+          <p:cNvSpPr>
+            <a:spLocks noGrp="1" noRot="1" noChangeAspect="1"/>
+          </p:cNvSpPr>
+          <p:nvPr>
+            <p:ph type="sldImg"/>
+          </p:nvPr>
+        </p:nvSpPr>
+        <p:spPr/>
+      </p:sp>
+      <p:sp>
+        <p:nvSpPr>
+          <p:cNvPr id="3" name="Notes Placeholder 2"/>
+          <p:cNvSpPr>
+            <a:spLocks noGrp="1"/>
+          </p:cNvSpPr>
+          <p:nvPr>
+            <p:ph type="body" idx="1"/>
+          </p:nvPr>
+        </p:nvSpPr>
+        <p:spPr/>
+        <p:txBody>
+          <a:bodyPr/>
+          <a:lstStyle/>
+          <a:p>
+            <a:r>
+              <a:rPr lang="en-US" b="0" dirty="0">
+                <a:solidFill>
+                  <a:srgbClr val="D4D4D4"/>
+                </a:solidFill>
+                <a:effectLst/>
+                <a:latin typeface="Consolas" panose="020B0609020204030204" pitchFamily="49" charset="0"/>
+              </a:rPr>
+              <a:t>When I started, the first things I saw were difficulties:</a:t>
+            </a:r>
+          </a:p>
+          <a:p>
+            <a:r>
+              <a:rPr lang="en-US" b="0" dirty="0">
+                <a:solidFill>
+                  <a:srgbClr val="6796E6"/>
+                </a:solidFill>
+                <a:effectLst/>
+                <a:latin typeface="Consolas" panose="020B0609020204030204" pitchFamily="49" charset="0"/>
+              </a:rPr>
+              <a:t>-</a:t>
+            </a:r>
+            <a:r>
+              <a:rPr lang="en-US" b="0" dirty="0">
+                <a:solidFill>
+                  <a:srgbClr val="D4D4D4"/>
+                </a:solidFill>
+                <a:effectLst/>
+                <a:latin typeface="Consolas" panose="020B0609020204030204" pitchFamily="49" charset="0"/>
+              </a:rPr>
+              <a:t> clunky, slow processes. I actually was sent home my first day because my user hadn't been completely added to our Active Directory system.</a:t>
+            </a:r>
+          </a:p>
+          <a:p>
+            <a:r>
+              <a:rPr lang="en-US" b="0" dirty="0">
+                <a:solidFill>
+                  <a:srgbClr val="6796E6"/>
+                </a:solidFill>
+                <a:effectLst/>
+                <a:latin typeface="Consolas" panose="020B0609020204030204" pitchFamily="49" charset="0"/>
+              </a:rPr>
+              <a:t>-</a:t>
+            </a:r>
+            <a:r>
+              <a:rPr lang="en-US" b="0" dirty="0">
+                <a:solidFill>
+                  <a:srgbClr val="D4D4D4"/>
+                </a:solidFill>
+                <a:effectLst/>
+                <a:latin typeface="Consolas" panose="020B0609020204030204" pitchFamily="49" charset="0"/>
+              </a:rPr>
+              <a:t> Fledgling understanding of Scrum and agility</a:t>
+            </a:r>
+          </a:p>
+          <a:p>
+            <a:r>
+              <a:rPr lang="en-US" b="0" dirty="0">
+                <a:solidFill>
+                  <a:srgbClr val="6796E6"/>
+                </a:solidFill>
+                <a:effectLst/>
+                <a:latin typeface="Consolas" panose="020B0609020204030204" pitchFamily="49" charset="0"/>
+              </a:rPr>
+              <a:t>-</a:t>
+            </a:r>
+            <a:r>
+              <a:rPr lang="en-US" b="0" dirty="0">
+                <a:solidFill>
+                  <a:srgbClr val="D4D4D4"/>
+                </a:solidFill>
+                <a:effectLst/>
+                <a:latin typeface="Consolas" panose="020B0609020204030204" pitchFamily="49" charset="0"/>
+              </a:rPr>
+              <a:t> Scrum wasn't producing potentially shippable product</a:t>
+            </a:r>
+          </a:p>
+          <a:p>
+            <a:r>
+              <a:rPr lang="en-US" b="0" dirty="0">
+                <a:solidFill>
+                  <a:srgbClr val="D4D4D4"/>
+                </a:solidFill>
+                <a:effectLst/>
+                <a:latin typeface="Consolas" panose="020B0609020204030204" pitchFamily="49" charset="0"/>
+              </a:rPr>
+              <a:t>   </a:t>
+            </a:r>
+            <a:r>
+              <a:rPr lang="en-US" b="0" dirty="0">
+                <a:solidFill>
+                  <a:srgbClr val="6796E6"/>
+                </a:solidFill>
+                <a:effectLst/>
+                <a:latin typeface="Consolas" panose="020B0609020204030204" pitchFamily="49" charset="0"/>
+              </a:rPr>
+              <a:t>-</a:t>
+            </a:r>
+            <a:r>
+              <a:rPr lang="en-US" b="0" dirty="0">
+                <a:solidFill>
+                  <a:srgbClr val="D4D4D4"/>
+                </a:solidFill>
+                <a:effectLst/>
+                <a:latin typeface="Consolas" panose="020B0609020204030204" pitchFamily="49" charset="0"/>
+              </a:rPr>
+              <a:t> 2 teams, neither was cross-functional</a:t>
+            </a:r>
+          </a:p>
+          <a:p>
+            <a:r>
+              <a:rPr lang="en-US" b="0" dirty="0">
+                <a:solidFill>
+                  <a:srgbClr val="D4D4D4"/>
+                </a:solidFill>
+                <a:effectLst/>
+                <a:latin typeface="Consolas" panose="020B0609020204030204" pitchFamily="49" charset="0"/>
+              </a:rPr>
+              <a:t>   </a:t>
+            </a:r>
+            <a:r>
+              <a:rPr lang="en-US" b="0" dirty="0">
+                <a:solidFill>
+                  <a:srgbClr val="6796E6"/>
+                </a:solidFill>
+                <a:effectLst/>
+                <a:latin typeface="Consolas" panose="020B0609020204030204" pitchFamily="49" charset="0"/>
+              </a:rPr>
+              <a:t>-</a:t>
+            </a:r>
+            <a:r>
+              <a:rPr lang="en-US" b="0" dirty="0">
+                <a:solidFill>
+                  <a:srgbClr val="D4D4D4"/>
+                </a:solidFill>
+                <a:effectLst/>
+                <a:latin typeface="Consolas" panose="020B0609020204030204" pitchFamily="49" charset="0"/>
+              </a:rPr>
+              <a:t> no definition of "Done" to speak of</a:t>
+            </a:r>
+          </a:p>
+          <a:p>
+            <a:r>
+              <a:rPr lang="en-US" b="0" dirty="0">
+                <a:solidFill>
+                  <a:srgbClr val="D4D4D4"/>
+                </a:solidFill>
+                <a:effectLst/>
+                <a:latin typeface="Consolas" panose="020B0609020204030204" pitchFamily="49" charset="0"/>
+              </a:rPr>
+              <a:t>   </a:t>
+            </a:r>
+            <a:r>
+              <a:rPr lang="en-US" b="0" dirty="0">
+                <a:solidFill>
+                  <a:srgbClr val="6796E6"/>
+                </a:solidFill>
+                <a:effectLst/>
+                <a:latin typeface="Consolas" panose="020B0609020204030204" pitchFamily="49" charset="0"/>
+              </a:rPr>
+              <a:t>-</a:t>
+            </a:r>
+            <a:r>
+              <a:rPr lang="en-US" b="0" dirty="0">
+                <a:solidFill>
+                  <a:srgbClr val="D4D4D4"/>
+                </a:solidFill>
+                <a:effectLst/>
+                <a:latin typeface="Consolas" panose="020B0609020204030204" pitchFamily="49" charset="0"/>
+              </a:rPr>
+              <a:t> out of about 12 Developers, only 2 had significant programming experience. The rest were BA's.</a:t>
+            </a:r>
+          </a:p>
+          <a:p>
+            <a:r>
+              <a:rPr lang="en-US" b="0" dirty="0">
+                <a:solidFill>
+                  <a:srgbClr val="6796E6"/>
+                </a:solidFill>
+                <a:effectLst/>
+                <a:latin typeface="Consolas" panose="020B0609020204030204" pitchFamily="49" charset="0"/>
+              </a:rPr>
+              <a:t>-</a:t>
+            </a:r>
+            <a:r>
+              <a:rPr lang="en-US" b="0" dirty="0">
+                <a:solidFill>
+                  <a:srgbClr val="D4D4D4"/>
+                </a:solidFill>
+                <a:effectLst/>
+                <a:latin typeface="Consolas" panose="020B0609020204030204" pitchFamily="49" charset="0"/>
+              </a:rPr>
+              <a:t> long, costly manual regression. No automated tests or skill in writing automated tests</a:t>
+            </a:r>
+          </a:p>
+          <a:p>
+            <a:r>
+              <a:rPr lang="en-US" b="0" dirty="0">
+                <a:solidFill>
+                  <a:srgbClr val="6796E6"/>
+                </a:solidFill>
+                <a:effectLst/>
+                <a:latin typeface="Consolas" panose="020B0609020204030204" pitchFamily="49" charset="0"/>
+              </a:rPr>
+              <a:t>-</a:t>
+            </a:r>
+            <a:r>
+              <a:rPr lang="en-US" b="0" dirty="0">
+                <a:solidFill>
+                  <a:srgbClr val="D4D4D4"/>
+                </a:solidFill>
+                <a:effectLst/>
+                <a:latin typeface="Consolas" panose="020B0609020204030204" pitchFamily="49" charset="0"/>
+              </a:rPr>
+              <a:t> The software we were developing was from a vendor; limited control and significant problems in the relationship.</a:t>
+            </a:r>
+          </a:p>
+          <a:p>
+            <a:r>
+              <a:rPr lang="en-US" b="0" dirty="0">
+                <a:solidFill>
+                  <a:srgbClr val="6796E6"/>
+                </a:solidFill>
+                <a:effectLst/>
+                <a:latin typeface="Consolas" panose="020B0609020204030204" pitchFamily="49" charset="0"/>
+              </a:rPr>
+              <a:t>-</a:t>
+            </a:r>
+            <a:r>
+              <a:rPr lang="en-US" b="0" dirty="0">
+                <a:solidFill>
+                  <a:srgbClr val="D4D4D4"/>
+                </a:solidFill>
+                <a:effectLst/>
+                <a:latin typeface="Consolas" panose="020B0609020204030204" pitchFamily="49" charset="0"/>
+              </a:rPr>
+              <a:t> deployment to DEV and QA process was manual: 3 "slots" for manual deployments each day. Had to manually copy changed files, including instructions. Error prone, frustrating, costly in terms of time</a:t>
+            </a:r>
+          </a:p>
+          <a:p>
+            <a:endParaRPr lang="en-US" dirty="0"/>
+          </a:p>
+          <a:p>
+            <a:r>
+              <a:rPr lang="en-US" b="0" dirty="0">
+                <a:solidFill>
+                  <a:srgbClr val="D4D4D4"/>
+                </a:solidFill>
+                <a:effectLst/>
+                <a:latin typeface="Consolas" panose="020B0609020204030204" pitchFamily="49" charset="0"/>
+              </a:rPr>
+              <a:t>What is your favorite game to play?</a:t>
+            </a:r>
+          </a:p>
+          <a:p>
+            <a:r>
+              <a:rPr lang="en-US" b="0" dirty="0">
+                <a:solidFill>
+                  <a:srgbClr val="D4D4D4"/>
+                </a:solidFill>
+                <a:effectLst/>
+                <a:latin typeface="Consolas" panose="020B0609020204030204" pitchFamily="49" charset="0"/>
+              </a:rPr>
+              <a:t>When you're invited to play and not made to play</a:t>
+            </a:r>
+          </a:p>
+          <a:p>
+            <a:r>
+              <a:rPr lang="en-US" b="0" dirty="0">
+                <a:solidFill>
+                  <a:srgbClr val="D4D4D4"/>
+                </a:solidFill>
+                <a:effectLst/>
+                <a:latin typeface="Consolas" panose="020B0609020204030204" pitchFamily="49" charset="0"/>
+              </a:rPr>
+              <a:t>That I want to play, and that I can win</a:t>
+            </a:r>
+          </a:p>
+          <a:p>
+            <a:r>
+              <a:rPr lang="en-US" b="0" dirty="0">
+                <a:solidFill>
+                  <a:srgbClr val="D4D4D4"/>
+                </a:solidFill>
+                <a:effectLst/>
+                <a:latin typeface="Consolas" panose="020B0609020204030204" pitchFamily="49" charset="0"/>
+              </a:rPr>
+              <a:t>One that, after a while, I realize I actually do love instead of dislike.</a:t>
+            </a:r>
+          </a:p>
+          <a:p>
+            <a:br>
+              <a:rPr lang="en-US" b="0" dirty="0">
+                <a:solidFill>
+                  <a:srgbClr val="D4D4D4"/>
+                </a:solidFill>
+                <a:effectLst/>
+                <a:latin typeface="Consolas" panose="020B0609020204030204" pitchFamily="49" charset="0"/>
+              </a:rPr>
+            </a:br>
+            <a:r>
+              <a:rPr lang="en-US" b="0" dirty="0">
+                <a:solidFill>
+                  <a:srgbClr val="D4D4D4"/>
+                </a:solidFill>
+                <a:effectLst/>
+                <a:latin typeface="Consolas" panose="020B0609020204030204" pitchFamily="49" charset="0"/>
+              </a:rPr>
+              <a:t>Humor is very important, perhaps the 6th scrum value?</a:t>
+            </a:r>
+          </a:p>
+          <a:p>
+            <a:br>
+              <a:rPr lang="en-US" b="0" dirty="0">
+                <a:solidFill>
+                  <a:srgbClr val="D4D4D4"/>
+                </a:solidFill>
+                <a:effectLst/>
+                <a:latin typeface="Consolas" panose="020B0609020204030204" pitchFamily="49" charset="0"/>
+              </a:rPr>
+            </a:br>
+            <a:r>
+              <a:rPr lang="en-US" b="0" dirty="0">
+                <a:solidFill>
+                  <a:srgbClr val="D4D4D4"/>
+                </a:solidFill>
+                <a:effectLst/>
+                <a:latin typeface="Consolas" panose="020B0609020204030204" pitchFamily="49" charset="0"/>
+              </a:rPr>
+              <a:t>I worried if this talk would be compelling, give it a simplicity and lack of novelty. Then I remembered how influential it was when I learned that the most successful scrum adoptions take about 5 years</a:t>
+            </a:r>
+          </a:p>
+          <a:p>
+            <a:br>
+              <a:rPr lang="en-US" b="0" dirty="0">
+                <a:solidFill>
+                  <a:srgbClr val="D4D4D4"/>
+                </a:solidFill>
+                <a:effectLst/>
+                <a:latin typeface="Consolas" panose="020B0609020204030204" pitchFamily="49" charset="0"/>
+              </a:rPr>
+            </a:br>
+            <a:r>
+              <a:rPr lang="en-US" b="0" dirty="0">
+                <a:solidFill>
+                  <a:srgbClr val="D4D4D4"/>
+                </a:solidFill>
+                <a:effectLst/>
+                <a:latin typeface="Consolas" panose="020B0609020204030204" pitchFamily="49" charset="0"/>
+              </a:rPr>
+              <a:t>Learn to trust the team all over again.</a:t>
+            </a:r>
+          </a:p>
+          <a:p>
+            <a:r>
+              <a:rPr lang="en-US" b="0" dirty="0">
+                <a:solidFill>
+                  <a:srgbClr val="D4D4D4"/>
+                </a:solidFill>
+                <a:effectLst/>
+                <a:latin typeface="Consolas" panose="020B0609020204030204" pitchFamily="49" charset="0"/>
+              </a:rPr>
+              <a:t>My resting state is something like active not caring. This is my happy place, where I ignore conflict and experience the Peace of blissful apathy.</a:t>
+            </a:r>
+          </a:p>
+          <a:p>
+            <a:r>
+              <a:rPr lang="en-US" b="0" dirty="0">
+                <a:solidFill>
+                  <a:srgbClr val="D4D4D4"/>
+                </a:solidFill>
+                <a:effectLst/>
+                <a:latin typeface="Consolas" panose="020B0609020204030204" pitchFamily="49" charset="0"/>
+              </a:rPr>
+              <a:t>When I care about something a lot, I moved to act and seek results. This can very easily turn into worry, coddling, anxiety, and command and control.</a:t>
+            </a:r>
+          </a:p>
+          <a:p>
+            <a:br>
+              <a:rPr lang="en-US" b="0" dirty="0">
+                <a:solidFill>
+                  <a:srgbClr val="D4D4D4"/>
+                </a:solidFill>
+                <a:effectLst/>
+                <a:latin typeface="Consolas" panose="020B0609020204030204" pitchFamily="49" charset="0"/>
+              </a:rPr>
+            </a:br>
+            <a:r>
+              <a:rPr lang="en-US" b="0" dirty="0">
+                <a:solidFill>
+                  <a:srgbClr val="D4D4D4"/>
+                </a:solidFill>
+                <a:effectLst/>
+                <a:latin typeface="Consolas" panose="020B0609020204030204" pitchFamily="49" charset="0"/>
+              </a:rPr>
+              <a:t>Trusting the team means you believe and act as if you believe that they can manage themselves and self-organize to accomplish the goals they set for themselves.</a:t>
+            </a:r>
+          </a:p>
+          <a:p>
+            <a:br>
+              <a:rPr lang="en-US" b="0" dirty="0">
+                <a:solidFill>
+                  <a:srgbClr val="D4D4D4"/>
+                </a:solidFill>
+                <a:effectLst/>
+                <a:latin typeface="Consolas" panose="020B0609020204030204" pitchFamily="49" charset="0"/>
+              </a:rPr>
+            </a:br>
+            <a:r>
+              <a:rPr lang="en-US" b="0" dirty="0">
+                <a:solidFill>
+                  <a:srgbClr val="D4D4D4"/>
+                </a:solidFill>
+                <a:effectLst/>
+                <a:latin typeface="Consolas" panose="020B0609020204030204" pitchFamily="49" charset="0"/>
+              </a:rPr>
+              <a:t>But, let's be real. An individual or a team isn't always trustworthy. They could lack the competence, clarity, and personal integrity to warrant that trust.</a:t>
+            </a:r>
+          </a:p>
+          <a:p>
+            <a:endParaRPr lang="en-US" dirty="0"/>
+          </a:p>
+        </p:txBody>
+      </p:sp>
+      <p:sp>
+        <p:nvSpPr>
+          <p:cNvPr id="4" name="Slide Number Placeholder 3"/>
+          <p:cNvSpPr>
+            <a:spLocks noGrp="1"/>
+          </p:cNvSpPr>
+          <p:nvPr>
+            <p:ph type="sldNum" sz="quarter" idx="5"/>
+          </p:nvPr>
+        </p:nvSpPr>
+        <p:spPr/>
+        <p:txBody>
+          <a:bodyPr/>
+          <a:lstStyle/>
+          <a:p>
+            <a:fld id="{68AD085A-CE2C-4AF4-96B5-9AB734DA641A}" type="slidenum">
+              <a:rPr lang="en-US" smtClean="0"/>
+              <a:t>4</a:t>
+            </a:fld>
+            <a:endParaRPr lang="en-US"/>
+          </a:p>
+        </p:txBody>
+      </p:sp>
+    </p:spTree>
+    <p:extLst>
+      <p:ext uri="{BB962C8B-B14F-4D97-AF65-F5344CB8AC3E}">
+        <p14:creationId xmlns:p14="http://schemas.microsoft.com/office/powerpoint/2010/main" val="4185621726"/>
+      </p:ext>
+    </p:extLst>
+  </p:cSld>
+  <p:clrMapOvr>
+    <a:masterClrMapping/>
+  </p:clrMapOvr>
+</p:notes>
+</file>
+
+<file path=ppt/notesSlides/notesSlide4.xml><?xml version="1.0" encoding="utf-8"?>
+<p:notes xmlns:a="http://schemas.openxmlformats.org/drawingml/2006/main" xmlns:r="http://schemas.openxmlformats.org/officeDocument/2006/relationships" xmlns:p="http://schemas.openxmlformats.org/presentationml/2006/main">
+  <p:cSld>
+    <p:spTree>
+      <p:nvGrpSpPr>
+        <p:cNvPr id="1" name=""/>
+        <p:cNvGrpSpPr/>
+        <p:nvPr/>
+      </p:nvGrpSpPr>
+      <p:grpSpPr>
+        <a:xfrm>
+          <a:off x="0" y="0"/>
+          <a:ext cx="0" cy="0"/>
+          <a:chOff x="0" y="0"/>
+          <a:chExt cx="0" cy="0"/>
+        </a:xfrm>
+      </p:grpSpPr>
+      <p:sp>
+        <p:nvSpPr>
+          <p:cNvPr id="2" name="Slide Image Placeholder 1"/>
+          <p:cNvSpPr>
+            <a:spLocks noGrp="1" noRot="1" noChangeAspect="1"/>
+          </p:cNvSpPr>
+          <p:nvPr>
+            <p:ph type="sldImg"/>
+          </p:nvPr>
+        </p:nvSpPr>
+        <p:spPr/>
+      </p:sp>
+      <p:sp>
+        <p:nvSpPr>
+          <p:cNvPr id="3" name="Notes Placeholder 2"/>
+          <p:cNvSpPr>
+            <a:spLocks noGrp="1"/>
+          </p:cNvSpPr>
+          <p:nvPr>
+            <p:ph type="body" idx="1"/>
+          </p:nvPr>
+        </p:nvSpPr>
+        <p:spPr/>
+        <p:txBody>
+          <a:bodyPr/>
+          <a:lstStyle/>
+          <a:p>
+            <a:r>
+              <a:rPr lang="en-US" b="0" dirty="0">
+                <a:solidFill>
+                  <a:srgbClr val="D4D4D4"/>
+                </a:solidFill>
+                <a:effectLst/>
+                <a:latin typeface="Consolas" panose="020B0609020204030204" pitchFamily="49" charset="0"/>
+              </a:rPr>
+              <a:t>My grandma started walking a mile a day when she was 45. She's 84 now and we have no idea where she is!!</a:t>
+            </a:r>
+          </a:p>
+          <a:p>
+            <a:br>
+              <a:rPr lang="en-US" b="0" dirty="0">
+                <a:solidFill>
+                  <a:srgbClr val="D4D4D4"/>
+                </a:solidFill>
+                <a:effectLst/>
+                <a:latin typeface="Consolas" panose="020B0609020204030204" pitchFamily="49" charset="0"/>
+              </a:rPr>
+            </a:br>
+            <a:r>
+              <a:rPr lang="en-US" b="0" dirty="0">
+                <a:solidFill>
+                  <a:srgbClr val="D4D4D4"/>
+                </a:solidFill>
+                <a:effectLst/>
+                <a:latin typeface="Consolas" panose="020B0609020204030204" pitchFamily="49" charset="0"/>
+              </a:rPr>
+              <a:t>small improvements add up over time...if you don't quit. small improvements are </a:t>
+            </a:r>
+            <a:r>
+              <a:rPr lang="en-US" b="0" dirty="0" err="1">
+                <a:solidFill>
+                  <a:srgbClr val="D4D4D4"/>
+                </a:solidFill>
+                <a:effectLst/>
+                <a:latin typeface="Consolas" panose="020B0609020204030204" pitchFamily="49" charset="0"/>
+              </a:rPr>
+              <a:t>are</a:t>
+            </a:r>
+            <a:r>
+              <a:rPr lang="en-US" b="0" dirty="0">
+                <a:solidFill>
+                  <a:srgbClr val="D4D4D4"/>
+                </a:solidFill>
+                <a:effectLst/>
+                <a:latin typeface="Consolas" panose="020B0609020204030204" pitchFamily="49" charset="0"/>
+              </a:rPr>
+              <a:t> not very exciting and generally don't make for good talks IMHO. Big improvements are exciting, revolutionary, and make for great presentations</a:t>
+            </a:r>
+          </a:p>
+          <a:p>
+            <a:br>
+              <a:rPr lang="en-US" b="0" dirty="0">
+                <a:solidFill>
+                  <a:srgbClr val="D4D4D4"/>
+                </a:solidFill>
+                <a:effectLst/>
+                <a:latin typeface="Consolas" panose="020B0609020204030204" pitchFamily="49" charset="0"/>
+              </a:rPr>
+            </a:br>
+            <a:r>
+              <a:rPr lang="en-US" b="0" dirty="0">
+                <a:solidFill>
+                  <a:srgbClr val="D4D4D4"/>
+                </a:solidFill>
+                <a:effectLst/>
+                <a:latin typeface="Consolas" panose="020B0609020204030204" pitchFamily="49" charset="0"/>
+              </a:rPr>
+              <a:t>What happens when you add time as a factor in the equation? Well, how long can you sustain revolutionary change? Big changes make wow and sizzle for short periods. When they become status quo, that steady state becomes the next launching point for a new revolution. Big changes are dramatic, chaotic, exciting, tiring, troublesome, draining, and unsustainable IMHO. After a time of status quo, a new revolution may come around after a good long while.</a:t>
+            </a:r>
+          </a:p>
+          <a:p>
+            <a:br>
+              <a:rPr lang="en-US" b="0" dirty="0">
+                <a:solidFill>
+                  <a:srgbClr val="D4D4D4"/>
+                </a:solidFill>
+                <a:effectLst/>
+                <a:latin typeface="Consolas" panose="020B0609020204030204" pitchFamily="49" charset="0"/>
+              </a:rPr>
+            </a:br>
+            <a:r>
+              <a:rPr lang="en-US" b="0" dirty="0">
+                <a:solidFill>
+                  <a:srgbClr val="D4D4D4"/>
+                </a:solidFill>
+                <a:effectLst/>
+                <a:latin typeface="Consolas" panose="020B0609020204030204" pitchFamily="49" charset="0"/>
+              </a:rPr>
+              <a:t>Small changes are much less difficult, can be more orderly, a bit boring, less troublesome, energizing and much more sustainable. Over time, like with grandma, those changes can add up to extraordinary progress.</a:t>
+            </a:r>
+          </a:p>
+          <a:p>
+            <a:br>
+              <a:rPr lang="en-US" b="0" dirty="0">
+                <a:solidFill>
+                  <a:srgbClr val="D4D4D4"/>
+                </a:solidFill>
+                <a:effectLst/>
+                <a:latin typeface="Consolas" panose="020B0609020204030204" pitchFamily="49" charset="0"/>
+              </a:rPr>
+            </a:br>
+            <a:r>
+              <a:rPr lang="en-US" b="0" dirty="0">
+                <a:solidFill>
+                  <a:srgbClr val="D4D4D4"/>
+                </a:solidFill>
+                <a:effectLst/>
+                <a:latin typeface="Consolas" panose="020B0609020204030204" pitchFamily="49" charset="0"/>
+              </a:rPr>
+              <a:t>But...is this agile? I would say so.</a:t>
+            </a:r>
+          </a:p>
+        </p:txBody>
+      </p:sp>
+      <p:sp>
+        <p:nvSpPr>
+          <p:cNvPr id="4" name="Slide Number Placeholder 3"/>
+          <p:cNvSpPr>
+            <a:spLocks noGrp="1"/>
+          </p:cNvSpPr>
+          <p:nvPr>
+            <p:ph type="sldNum" sz="quarter" idx="5"/>
+          </p:nvPr>
+        </p:nvSpPr>
+        <p:spPr/>
+        <p:txBody>
+          <a:bodyPr/>
+          <a:lstStyle/>
+          <a:p>
+            <a:fld id="{68AD085A-CE2C-4AF4-96B5-9AB734DA641A}" type="slidenum">
+              <a:rPr lang="en-US" smtClean="0"/>
+              <a:t>5</a:t>
+            </a:fld>
+            <a:endParaRPr lang="en-US"/>
+          </a:p>
+        </p:txBody>
+      </p:sp>
+    </p:spTree>
+    <p:extLst>
+      <p:ext uri="{BB962C8B-B14F-4D97-AF65-F5344CB8AC3E}">
+        <p14:creationId xmlns:p14="http://schemas.microsoft.com/office/powerpoint/2010/main" val="3131728311"/>
+      </p:ext>
+    </p:extLst>
+  </p:cSld>
+  <p:clrMapOvr>
+    <a:masterClrMapping/>
+  </p:clrMapOvr>
+</p:notes>
+</file>
+
+<file path=ppt/notesSlides/notesSlide5.xml><?xml version="1.0" encoding="utf-8"?>
+<p:notes xmlns:a="http://schemas.openxmlformats.org/drawingml/2006/main" xmlns:r="http://schemas.openxmlformats.org/officeDocument/2006/relationships" xmlns:p="http://schemas.openxmlformats.org/presentationml/2006/main">
+  <p:cSld>
+    <p:spTree>
+      <p:nvGrpSpPr>
+        <p:cNvPr id="1" name=""/>
+        <p:cNvGrpSpPr/>
+        <p:nvPr/>
+      </p:nvGrpSpPr>
+      <p:grpSpPr>
+        <a:xfrm>
+          <a:off x="0" y="0"/>
+          <a:ext cx="0" cy="0"/>
+          <a:chOff x="0" y="0"/>
+          <a:chExt cx="0" cy="0"/>
+        </a:xfrm>
+      </p:grpSpPr>
+      <p:sp>
+        <p:nvSpPr>
+          <p:cNvPr id="2" name="Slide Image Placeholder 1"/>
+          <p:cNvSpPr>
+            <a:spLocks noGrp="1" noRot="1" noChangeAspect="1"/>
+          </p:cNvSpPr>
+          <p:nvPr>
+            <p:ph type="sldImg"/>
+          </p:nvPr>
+        </p:nvSpPr>
+        <p:spPr/>
+      </p:sp>
+      <p:sp>
+        <p:nvSpPr>
+          <p:cNvPr id="3" name="Notes Placeholder 2"/>
+          <p:cNvSpPr>
+            <a:spLocks noGrp="1"/>
+          </p:cNvSpPr>
+          <p:nvPr>
+            <p:ph type="body" idx="1"/>
+          </p:nvPr>
+        </p:nvSpPr>
+        <p:spPr/>
+        <p:txBody>
+          <a:bodyPr/>
+          <a:lstStyle/>
+          <a:p>
+            <a:r>
+              <a:rPr lang="en-US" b="0" dirty="0">
+                <a:solidFill>
+                  <a:srgbClr val="6A9955"/>
+                </a:solidFill>
+                <a:effectLst/>
+                <a:latin typeface="Consolas" panose="020B0609020204030204" pitchFamily="49" charset="0"/>
+              </a:rPr>
+              <a:t>&gt;</a:t>
+            </a:r>
+            <a:r>
+              <a:rPr lang="en-US" b="0" dirty="0">
+                <a:solidFill>
+                  <a:srgbClr val="D4D4D4"/>
+                </a:solidFill>
+                <a:effectLst/>
+                <a:latin typeface="Consolas" panose="020B0609020204030204" pitchFamily="49" charset="0"/>
+              </a:rPr>
+              <a:t>Agile processes promote sustainable development. The sponsors, developers, and users should be able to maintain a constant pace indefinitely.</a:t>
+            </a:r>
+          </a:p>
+          <a:p>
+            <a:br>
+              <a:rPr lang="en-US" b="0" dirty="0">
+                <a:solidFill>
+                  <a:srgbClr val="D4D4D4"/>
+                </a:solidFill>
+                <a:effectLst/>
+                <a:latin typeface="Consolas" panose="020B0609020204030204" pitchFamily="49" charset="0"/>
+              </a:rPr>
+            </a:br>
+            <a:r>
+              <a:rPr lang="en-US" b="0" dirty="0">
+                <a:solidFill>
+                  <a:srgbClr val="D4D4D4"/>
+                </a:solidFill>
+                <a:effectLst/>
+                <a:latin typeface="Consolas" panose="020B0609020204030204" pitchFamily="49" charset="0"/>
+              </a:rPr>
+              <a:t>I've told why I think small changes are more sustainable. Organizations need to balance the risk of their activities. Big risks can lead to big failures. Small risks lead to small </a:t>
+            </a:r>
+            <a:r>
+              <a:rPr lang="en-US" b="0" dirty="0" err="1">
+                <a:solidFill>
+                  <a:srgbClr val="D4D4D4"/>
+                </a:solidFill>
+                <a:effectLst/>
+                <a:latin typeface="Consolas" panose="020B0609020204030204" pitchFamily="49" charset="0"/>
+              </a:rPr>
+              <a:t>failuers</a:t>
+            </a:r>
+            <a:r>
+              <a:rPr lang="en-US" b="0" dirty="0">
+                <a:solidFill>
+                  <a:srgbClr val="D4D4D4"/>
+                </a:solidFill>
+                <a:effectLst/>
+                <a:latin typeface="Consolas" panose="020B0609020204030204" pitchFamily="49" charset="0"/>
+              </a:rPr>
+              <a:t> that are more palatable as learning experiences. The bigger the bet, the fewer you're inclined to take and the more unbalanced your approach. Eggs in one basket, and all that. Smaller bets means more bets, more "better" failures balanced with success. More baskets, fewer broken eggs. Still agile.</a:t>
+            </a:r>
+          </a:p>
+          <a:p>
+            <a:endParaRPr lang="en-US" dirty="0"/>
+          </a:p>
+        </p:txBody>
+      </p:sp>
+      <p:sp>
+        <p:nvSpPr>
+          <p:cNvPr id="4" name="Slide Number Placeholder 3"/>
+          <p:cNvSpPr>
+            <a:spLocks noGrp="1"/>
+          </p:cNvSpPr>
+          <p:nvPr>
+            <p:ph type="sldNum" sz="quarter" idx="5"/>
+          </p:nvPr>
+        </p:nvSpPr>
+        <p:spPr/>
+        <p:txBody>
+          <a:bodyPr/>
+          <a:lstStyle/>
+          <a:p>
+            <a:fld id="{68AD085A-CE2C-4AF4-96B5-9AB734DA641A}" type="slidenum">
+              <a:rPr lang="en-US" smtClean="0"/>
+              <a:t>6</a:t>
+            </a:fld>
+            <a:endParaRPr lang="en-US"/>
+          </a:p>
+        </p:txBody>
+      </p:sp>
+    </p:spTree>
+    <p:extLst>
+      <p:ext uri="{BB962C8B-B14F-4D97-AF65-F5344CB8AC3E}">
+        <p14:creationId xmlns:p14="http://schemas.microsoft.com/office/powerpoint/2010/main" val="2198459381"/>
+      </p:ext>
+    </p:extLst>
+  </p:cSld>
+  <p:clrMapOvr>
+    <a:masterClrMapping/>
+  </p:clrMapOvr>
+</p:notes>
+</file>
+
+<file path=ppt/notesSlides/notesSlide6.xml><?xml version="1.0" encoding="utf-8"?>
+<p:notes xmlns:a="http://schemas.openxmlformats.org/drawingml/2006/main" xmlns:r="http://schemas.openxmlformats.org/officeDocument/2006/relationships" xmlns:p="http://schemas.openxmlformats.org/presentationml/2006/main">
+  <p:cSld>
+    <p:spTree>
+      <p:nvGrpSpPr>
+        <p:cNvPr id="1" name=""/>
+        <p:cNvGrpSpPr/>
+        <p:nvPr/>
+      </p:nvGrpSpPr>
+      <p:grpSpPr>
+        <a:xfrm>
+          <a:off x="0" y="0"/>
+          <a:ext cx="0" cy="0"/>
+          <a:chOff x="0" y="0"/>
+          <a:chExt cx="0" cy="0"/>
+        </a:xfrm>
+      </p:grpSpPr>
+      <p:sp>
+        <p:nvSpPr>
+          <p:cNvPr id="2" name="Slide Image Placeholder 1"/>
+          <p:cNvSpPr>
+            <a:spLocks noGrp="1" noRot="1" noChangeAspect="1"/>
+          </p:cNvSpPr>
+          <p:nvPr>
+            <p:ph type="sldImg"/>
+          </p:nvPr>
+        </p:nvSpPr>
+        <p:spPr/>
+      </p:sp>
+      <p:sp>
+        <p:nvSpPr>
+          <p:cNvPr id="3" name="Notes Placeholder 2"/>
+          <p:cNvSpPr>
+            <a:spLocks noGrp="1"/>
+          </p:cNvSpPr>
+          <p:nvPr>
+            <p:ph type="body" idx="1"/>
+          </p:nvPr>
+        </p:nvSpPr>
+        <p:spPr/>
+        <p:txBody>
+          <a:bodyPr/>
+          <a:lstStyle/>
+          <a:p>
+            <a:r>
+              <a:rPr lang="en-US" b="0" dirty="0">
+                <a:solidFill>
+                  <a:srgbClr val="6A9955"/>
+                </a:solidFill>
+                <a:effectLst/>
+                <a:latin typeface="Consolas" panose="020B0609020204030204" pitchFamily="49" charset="0"/>
+              </a:rPr>
+              <a:t>&gt;</a:t>
+            </a:r>
+            <a:r>
+              <a:rPr lang="en-US" b="0" dirty="0">
+                <a:solidFill>
+                  <a:srgbClr val="D4D4D4"/>
+                </a:solidFill>
+                <a:effectLst/>
+                <a:latin typeface="Consolas" panose="020B0609020204030204" pitchFamily="49" charset="0"/>
+              </a:rPr>
+              <a:t>Continuous attention to technical excellence and good design enhances agility.</a:t>
+            </a:r>
+          </a:p>
+          <a:p>
+            <a:br>
+              <a:rPr lang="en-US" b="0" dirty="0">
+                <a:solidFill>
+                  <a:srgbClr val="D4D4D4"/>
+                </a:solidFill>
+                <a:effectLst/>
+                <a:latin typeface="Consolas" panose="020B0609020204030204" pitchFamily="49" charset="0"/>
+              </a:rPr>
+            </a:br>
+            <a:r>
+              <a:rPr lang="en-US" b="0" dirty="0">
+                <a:solidFill>
+                  <a:srgbClr val="D4D4D4"/>
+                </a:solidFill>
+                <a:effectLst/>
+                <a:latin typeface="Consolas" panose="020B0609020204030204" pitchFamily="49" charset="0"/>
+              </a:rPr>
+              <a:t>Continuous, not just during times of revolutionary improvement. Not all technical improvements are small, but many are. Small improvements like introducing your first unit tests and getting those tests into a build and release pipeline are fairly small, if you have a build and release pipeline. the Pipeline can be big. Uncle Bob's "Boy Scout Rule" in code is an example to continuous attention to technical excellence. Learning for 30 minutes each week adds up over time. Still agile.</a:t>
+            </a:r>
+          </a:p>
+        </p:txBody>
+      </p:sp>
+      <p:sp>
+        <p:nvSpPr>
+          <p:cNvPr id="4" name="Slide Number Placeholder 3"/>
+          <p:cNvSpPr>
+            <a:spLocks noGrp="1"/>
+          </p:cNvSpPr>
+          <p:nvPr>
+            <p:ph type="sldNum" sz="quarter" idx="5"/>
+          </p:nvPr>
+        </p:nvSpPr>
+        <p:spPr/>
+        <p:txBody>
+          <a:bodyPr/>
+          <a:lstStyle/>
+          <a:p>
+            <a:fld id="{68AD085A-CE2C-4AF4-96B5-9AB734DA641A}" type="slidenum">
+              <a:rPr lang="en-US" smtClean="0"/>
+              <a:t>7</a:t>
+            </a:fld>
+            <a:endParaRPr lang="en-US"/>
+          </a:p>
+        </p:txBody>
+      </p:sp>
+    </p:spTree>
+    <p:extLst>
+      <p:ext uri="{BB962C8B-B14F-4D97-AF65-F5344CB8AC3E}">
+        <p14:creationId xmlns:p14="http://schemas.microsoft.com/office/powerpoint/2010/main" val="1382642431"/>
+      </p:ext>
+    </p:extLst>
+  </p:cSld>
+  <p:clrMapOvr>
+    <a:masterClrMapping/>
+  </p:clrMapOvr>
+</p:notes>
+</file>
+
+<file path=ppt/notesSlides/notesSlide7.xml><?xml version="1.0" encoding="utf-8"?>
+<p:notes xmlns:a="http://schemas.openxmlformats.org/drawingml/2006/main" xmlns:r="http://schemas.openxmlformats.org/officeDocument/2006/relationships" xmlns:p="http://schemas.openxmlformats.org/presentationml/2006/main">
+  <p:cSld>
+    <p:spTree>
+      <p:nvGrpSpPr>
+        <p:cNvPr id="1" name=""/>
+        <p:cNvGrpSpPr/>
+        <p:nvPr/>
+      </p:nvGrpSpPr>
+      <p:grpSpPr>
+        <a:xfrm>
+          <a:off x="0" y="0"/>
+          <a:ext cx="0" cy="0"/>
+          <a:chOff x="0" y="0"/>
+          <a:chExt cx="0" cy="0"/>
+        </a:xfrm>
+      </p:grpSpPr>
+      <p:sp>
+        <p:nvSpPr>
+          <p:cNvPr id="2" name="Slide Image Placeholder 1"/>
+          <p:cNvSpPr>
+            <a:spLocks noGrp="1" noRot="1" noChangeAspect="1"/>
+          </p:cNvSpPr>
+          <p:nvPr>
+            <p:ph type="sldImg"/>
+          </p:nvPr>
+        </p:nvSpPr>
+        <p:spPr/>
+      </p:sp>
+      <p:sp>
+        <p:nvSpPr>
+          <p:cNvPr id="3" name="Notes Placeholder 2"/>
+          <p:cNvSpPr>
+            <a:spLocks noGrp="1"/>
+          </p:cNvSpPr>
+          <p:nvPr>
+            <p:ph type="body" idx="1"/>
+          </p:nvPr>
+        </p:nvSpPr>
+        <p:spPr/>
+        <p:txBody>
+          <a:bodyPr/>
+          <a:lstStyle/>
+          <a:p>
+            <a:r>
+              <a:rPr lang="en-US" b="0" dirty="0">
+                <a:solidFill>
+                  <a:srgbClr val="6A9955"/>
+                </a:solidFill>
+                <a:effectLst/>
+                <a:latin typeface="Consolas" panose="020B0609020204030204" pitchFamily="49" charset="0"/>
+              </a:rPr>
+              <a:t>&gt;</a:t>
+            </a:r>
+            <a:r>
+              <a:rPr lang="en-US" b="0" dirty="0">
+                <a:solidFill>
+                  <a:srgbClr val="D4D4D4"/>
+                </a:solidFill>
+                <a:effectLst/>
+                <a:latin typeface="Consolas" panose="020B0609020204030204" pitchFamily="49" charset="0"/>
+              </a:rPr>
+              <a:t>Simplicity--the art of maximizing the </a:t>
+            </a:r>
+            <a:r>
+              <a:rPr lang="en-US" b="0" dirty="0" err="1">
+                <a:solidFill>
+                  <a:srgbClr val="D4D4D4"/>
+                </a:solidFill>
+                <a:effectLst/>
+                <a:latin typeface="Consolas" panose="020B0609020204030204" pitchFamily="49" charset="0"/>
+              </a:rPr>
+              <a:t>amountof</a:t>
+            </a:r>
+            <a:r>
+              <a:rPr lang="en-US" b="0" dirty="0">
+                <a:solidFill>
+                  <a:srgbClr val="D4D4D4"/>
+                </a:solidFill>
+                <a:effectLst/>
+                <a:latin typeface="Consolas" panose="020B0609020204030204" pitchFamily="49" charset="0"/>
+              </a:rPr>
+              <a:t> work not done--is essential.</a:t>
+            </a:r>
+          </a:p>
+          <a:p>
+            <a:br>
+              <a:rPr lang="en-US" b="0" dirty="0">
+                <a:solidFill>
+                  <a:srgbClr val="D4D4D4"/>
+                </a:solidFill>
+                <a:effectLst/>
+                <a:latin typeface="Consolas" panose="020B0609020204030204" pitchFamily="49" charset="0"/>
+              </a:rPr>
+            </a:br>
+            <a:r>
+              <a:rPr lang="en-US" b="0" dirty="0">
+                <a:solidFill>
+                  <a:srgbClr val="D4D4D4"/>
+                </a:solidFill>
+                <a:effectLst/>
+                <a:latin typeface="Consolas" panose="020B0609020204030204" pitchFamily="49" charset="0"/>
+              </a:rPr>
+              <a:t>Big change quickly risks all kinds of mistakes. Buy-in, oversights, unintended consequences, etc. Recovering from and reworking problems inherent in big-bang change is wasteful. All that time spent reworking, rearchitecting, and even rehiring is time and energy you could be spending on valuable work. If you have the time to spare, make the small, step by step improvements you need towards achieving the big goal over time. Still agile.</a:t>
+            </a:r>
+          </a:p>
+          <a:p>
+            <a:endParaRPr lang="en-US" dirty="0"/>
+          </a:p>
+        </p:txBody>
+      </p:sp>
+      <p:sp>
+        <p:nvSpPr>
+          <p:cNvPr id="4" name="Slide Number Placeholder 3"/>
+          <p:cNvSpPr>
+            <a:spLocks noGrp="1"/>
+          </p:cNvSpPr>
+          <p:nvPr>
+            <p:ph type="sldNum" sz="quarter" idx="5"/>
+          </p:nvPr>
+        </p:nvSpPr>
+        <p:spPr/>
+        <p:txBody>
+          <a:bodyPr/>
+          <a:lstStyle/>
+          <a:p>
+            <a:fld id="{68AD085A-CE2C-4AF4-96B5-9AB734DA641A}" type="slidenum">
+              <a:rPr lang="en-US" smtClean="0"/>
+              <a:t>8</a:t>
+            </a:fld>
+            <a:endParaRPr lang="en-US"/>
+          </a:p>
+        </p:txBody>
+      </p:sp>
+    </p:spTree>
+    <p:extLst>
+      <p:ext uri="{BB962C8B-B14F-4D97-AF65-F5344CB8AC3E}">
+        <p14:creationId xmlns:p14="http://schemas.microsoft.com/office/powerpoint/2010/main" val="1220281334"/>
+      </p:ext>
+    </p:extLst>
+  </p:cSld>
+  <p:clrMapOvr>
+    <a:masterClrMapping/>
+  </p:clrMapOvr>
+</p:notes>
+</file>
+
+<file path=ppt/notesSlides/notesSlide8.xml><?xml version="1.0" encoding="utf-8"?>
+<p:notes xmlns:a="http://schemas.openxmlformats.org/drawingml/2006/main" xmlns:r="http://schemas.openxmlformats.org/officeDocument/2006/relationships" xmlns:p="http://schemas.openxmlformats.org/presentationml/2006/main">
+  <p:cSld>
+    <p:spTree>
+      <p:nvGrpSpPr>
+        <p:cNvPr id="1" name=""/>
+        <p:cNvGrpSpPr/>
+        <p:nvPr/>
+      </p:nvGrpSpPr>
+      <p:grpSpPr>
+        <a:xfrm>
+          <a:off x="0" y="0"/>
+          <a:ext cx="0" cy="0"/>
+          <a:chOff x="0" y="0"/>
+          <a:chExt cx="0" cy="0"/>
+        </a:xfrm>
+      </p:grpSpPr>
+      <p:sp>
+        <p:nvSpPr>
+          <p:cNvPr id="2" name="Slide Image Placeholder 1"/>
+          <p:cNvSpPr>
+            <a:spLocks noGrp="1" noRot="1" noChangeAspect="1"/>
+          </p:cNvSpPr>
+          <p:nvPr>
+            <p:ph type="sldImg"/>
+          </p:nvPr>
+        </p:nvSpPr>
+        <p:spPr/>
+      </p:sp>
+      <p:sp>
+        <p:nvSpPr>
+          <p:cNvPr id="3" name="Notes Placeholder 2"/>
+          <p:cNvSpPr>
+            <a:spLocks noGrp="1"/>
+          </p:cNvSpPr>
+          <p:nvPr>
+            <p:ph type="body" idx="1"/>
+          </p:nvPr>
+        </p:nvSpPr>
+        <p:spPr/>
+        <p:txBody>
+          <a:bodyPr/>
+          <a:lstStyle/>
+          <a:p>
+            <a:r>
+              <a:rPr lang="en-US" b="0" dirty="0">
+                <a:solidFill>
+                  <a:srgbClr val="6A9955"/>
+                </a:solidFill>
+                <a:effectLst/>
+                <a:latin typeface="Consolas" panose="020B0609020204030204" pitchFamily="49" charset="0"/>
+              </a:rPr>
+              <a:t>&gt;</a:t>
+            </a:r>
+            <a:r>
+              <a:rPr lang="en-US" b="0" dirty="0">
+                <a:solidFill>
+                  <a:srgbClr val="D4D4D4"/>
+                </a:solidFill>
+                <a:effectLst/>
+                <a:latin typeface="Consolas" panose="020B0609020204030204" pitchFamily="49" charset="0"/>
+              </a:rPr>
+              <a:t>At regular intervals, the team reflects on </a:t>
+            </a:r>
+            <a:r>
+              <a:rPr lang="en-US" b="0" dirty="0" err="1">
+                <a:solidFill>
+                  <a:srgbClr val="D4D4D4"/>
+                </a:solidFill>
+                <a:effectLst/>
+                <a:latin typeface="Consolas" panose="020B0609020204030204" pitchFamily="49" charset="0"/>
+              </a:rPr>
+              <a:t>howto</a:t>
+            </a:r>
+            <a:r>
+              <a:rPr lang="en-US" b="0" dirty="0">
+                <a:solidFill>
+                  <a:srgbClr val="D4D4D4"/>
+                </a:solidFill>
+                <a:effectLst/>
+                <a:latin typeface="Consolas" panose="020B0609020204030204" pitchFamily="49" charset="0"/>
+              </a:rPr>
+              <a:t> become more effective, then tunes and adjusts</a:t>
+            </a:r>
+          </a:p>
+          <a:p>
+            <a:r>
+              <a:rPr lang="en-US" b="0" dirty="0">
+                <a:solidFill>
+                  <a:srgbClr val="D4D4D4"/>
+                </a:solidFill>
+                <a:effectLst/>
+                <a:latin typeface="Consolas" panose="020B0609020204030204" pitchFamily="49" charset="0"/>
+              </a:rPr>
+              <a:t>its behavior accordingly.</a:t>
+            </a:r>
+          </a:p>
+          <a:p>
+            <a:br>
+              <a:rPr lang="en-US" b="0" dirty="0">
+                <a:solidFill>
+                  <a:srgbClr val="D4D4D4"/>
+                </a:solidFill>
+                <a:effectLst/>
+                <a:latin typeface="Consolas" panose="020B0609020204030204" pitchFamily="49" charset="0"/>
+              </a:rPr>
+            </a:br>
+            <a:r>
+              <a:rPr lang="en-US" b="0" dirty="0">
+                <a:solidFill>
+                  <a:srgbClr val="D4D4D4"/>
+                </a:solidFill>
+                <a:effectLst/>
+                <a:latin typeface="Consolas" panose="020B0609020204030204" pitchFamily="49" charset="0"/>
+              </a:rPr>
+              <a:t>Small improvements occasionally are not sufficient to solve big, pervasive problems. Revolutionary change occasionally might (remember the risk). Small </a:t>
+            </a:r>
+            <a:r>
+              <a:rPr lang="en-US" b="0" dirty="0" err="1">
+                <a:solidFill>
+                  <a:srgbClr val="D4D4D4"/>
+                </a:solidFill>
+                <a:effectLst/>
+                <a:latin typeface="Consolas" panose="020B0609020204030204" pitchFamily="49" charset="0"/>
+              </a:rPr>
+              <a:t>improvemets</a:t>
+            </a:r>
+            <a:r>
+              <a:rPr lang="en-US" b="0" dirty="0">
+                <a:solidFill>
+                  <a:srgbClr val="D4D4D4"/>
+                </a:solidFill>
+                <a:effectLst/>
+                <a:latin typeface="Consolas" panose="020B0609020204030204" pitchFamily="49" charset="0"/>
+              </a:rPr>
+              <a:t> continuously can solve big, pervasive problems. Still agile.</a:t>
+            </a:r>
+          </a:p>
+          <a:p>
+            <a:endParaRPr lang="en-US" dirty="0"/>
+          </a:p>
+        </p:txBody>
+      </p:sp>
+      <p:sp>
+        <p:nvSpPr>
+          <p:cNvPr id="4" name="Slide Number Placeholder 3"/>
+          <p:cNvSpPr>
+            <a:spLocks noGrp="1"/>
+          </p:cNvSpPr>
+          <p:nvPr>
+            <p:ph type="sldNum" sz="quarter" idx="5"/>
+          </p:nvPr>
+        </p:nvSpPr>
+        <p:spPr/>
+        <p:txBody>
+          <a:bodyPr/>
+          <a:lstStyle/>
+          <a:p>
+            <a:fld id="{68AD085A-CE2C-4AF4-96B5-9AB734DA641A}" type="slidenum">
+              <a:rPr lang="en-US" smtClean="0"/>
+              <a:t>9</a:t>
+            </a:fld>
+            <a:endParaRPr lang="en-US"/>
+          </a:p>
+        </p:txBody>
+      </p:sp>
+    </p:spTree>
+    <p:extLst>
+      <p:ext uri="{BB962C8B-B14F-4D97-AF65-F5344CB8AC3E}">
+        <p14:creationId xmlns:p14="http://schemas.microsoft.com/office/powerpoint/2010/main" val="3849813691"/>
+      </p:ext>
+    </p:extLst>
+  </p:cSld>
+  <p:clrMapOvr>
+    <a:masterClrMapping/>
+  </p:clrMapOvr>
+</p:notes>
+</file>
+
+<file path=ppt/notesSlides/notesSlide9.xml><?xml version="1.0" encoding="utf-8"?>
+<p:notes xmlns:a="http://schemas.openxmlformats.org/drawingml/2006/main" xmlns:r="http://schemas.openxmlformats.org/officeDocument/2006/relationships" xmlns:p="http://schemas.openxmlformats.org/presentationml/2006/main">
+  <p:cSld>
+    <p:spTree>
+      <p:nvGrpSpPr>
+        <p:cNvPr id="1" name=""/>
+        <p:cNvGrpSpPr/>
+        <p:nvPr/>
+      </p:nvGrpSpPr>
+      <p:grpSpPr>
+        <a:xfrm>
+          <a:off x="0" y="0"/>
+          <a:ext cx="0" cy="0"/>
+          <a:chOff x="0" y="0"/>
+          <a:chExt cx="0" cy="0"/>
+        </a:xfrm>
+      </p:grpSpPr>
+      <p:sp>
+        <p:nvSpPr>
+          <p:cNvPr id="2" name="Slide Image Placeholder 1"/>
+          <p:cNvSpPr>
+            <a:spLocks noGrp="1" noRot="1" noChangeAspect="1"/>
+          </p:cNvSpPr>
+          <p:nvPr>
+            <p:ph type="sldImg"/>
+          </p:nvPr>
+        </p:nvSpPr>
+        <p:spPr/>
+      </p:sp>
+      <p:sp>
+        <p:nvSpPr>
+          <p:cNvPr id="3" name="Notes Placeholder 2"/>
+          <p:cNvSpPr>
+            <a:spLocks noGrp="1"/>
+          </p:cNvSpPr>
+          <p:nvPr>
+            <p:ph type="body" idx="1"/>
+          </p:nvPr>
+        </p:nvSpPr>
+        <p:spPr/>
+        <p:txBody>
+          <a:bodyPr/>
+          <a:lstStyle/>
+          <a:p>
+            <a:r>
+              <a:rPr lang="en-US" b="0" dirty="0">
+                <a:solidFill>
+                  <a:srgbClr val="D4D4D4"/>
+                </a:solidFill>
+                <a:effectLst/>
+                <a:latin typeface="Consolas" panose="020B0609020204030204" pitchFamily="49" charset="0"/>
+              </a:rPr>
+              <a:t>small improvements over time establish trust and track record. Hard to argue with consistent success. Trust makes everything faster and cheaper. The next change becomes easier because of the solid foundation added to by previous, incremental changes.</a:t>
+            </a:r>
+          </a:p>
+          <a:p>
+            <a:br>
+              <a:rPr lang="en-US" b="0" dirty="0">
+                <a:solidFill>
+                  <a:srgbClr val="D4D4D4"/>
+                </a:solidFill>
+                <a:effectLst/>
+                <a:latin typeface="Consolas" panose="020B0609020204030204" pitchFamily="49" charset="0"/>
+              </a:rPr>
+            </a:br>
+            <a:r>
+              <a:rPr lang="en-US" b="0" dirty="0">
+                <a:solidFill>
+                  <a:srgbClr val="D4D4D4"/>
+                </a:solidFill>
+                <a:effectLst/>
+                <a:latin typeface="Consolas" panose="020B0609020204030204" pitchFamily="49" charset="0"/>
+              </a:rPr>
+              <a:t>[</a:t>
+            </a:r>
+            <a:r>
+              <a:rPr lang="en-US" b="0" dirty="0">
+                <a:solidFill>
+                  <a:srgbClr val="CE9178"/>
+                </a:solidFill>
+                <a:effectLst/>
+                <a:latin typeface="Consolas" panose="020B0609020204030204" pitchFamily="49" charset="0"/>
+              </a:rPr>
+              <a:t>picture of pearl</a:t>
+            </a:r>
+            <a:r>
+              <a:rPr lang="en-US" b="0" dirty="0">
+                <a:solidFill>
+                  <a:srgbClr val="D4D4D4"/>
+                </a:solidFill>
+                <a:effectLst/>
+                <a:latin typeface="Consolas" panose="020B0609020204030204" pitchFamily="49" charset="0"/>
+              </a:rPr>
+              <a:t>](</a:t>
+            </a:r>
+            <a:r>
+              <a:rPr lang="en-US" b="0" u="sng" dirty="0">
+                <a:solidFill>
+                  <a:srgbClr val="D4D4D4"/>
+                </a:solidFill>
+                <a:effectLst/>
+                <a:latin typeface="Consolas" panose="020B0609020204030204" pitchFamily="49" charset="0"/>
+              </a:rPr>
+              <a:t>https://s26162.pcdn.co/wp-content/uploads/2021/08/close-up-of-pearl-in-oyster-shell-82136435-59cab4cbaf5d3a0011308d9e.jpeg</a:t>
+            </a:r>
+            <a:r>
+              <a:rPr lang="en-US" b="0" dirty="0">
+                <a:solidFill>
+                  <a:srgbClr val="D4D4D4"/>
+                </a:solidFill>
+                <a:effectLst/>
+                <a:latin typeface="Consolas" panose="020B0609020204030204" pitchFamily="49" charset="0"/>
+              </a:rPr>
+              <a:t>)</a:t>
+            </a:r>
+          </a:p>
+        </p:txBody>
+      </p:sp>
+      <p:sp>
+        <p:nvSpPr>
+          <p:cNvPr id="4" name="Slide Number Placeholder 3"/>
+          <p:cNvSpPr>
+            <a:spLocks noGrp="1"/>
+          </p:cNvSpPr>
+          <p:nvPr>
+            <p:ph type="sldNum" sz="quarter" idx="5"/>
+          </p:nvPr>
+        </p:nvSpPr>
+        <p:spPr/>
+        <p:txBody>
+          <a:bodyPr/>
+          <a:lstStyle/>
+          <a:p>
+            <a:fld id="{68AD085A-CE2C-4AF4-96B5-9AB734DA641A}" type="slidenum">
+              <a:rPr lang="en-US" smtClean="0"/>
+              <a:t>10</a:t>
+            </a:fld>
+            <a:endParaRPr lang="en-US"/>
+          </a:p>
+        </p:txBody>
+      </p:sp>
+    </p:spTree>
+    <p:extLst>
+      <p:ext uri="{BB962C8B-B14F-4D97-AF65-F5344CB8AC3E}">
+        <p14:creationId xmlns:p14="http://schemas.microsoft.com/office/powerpoint/2010/main" val="273288173"/>
+      </p:ext>
+    </p:extLst>
+  </p:cSld>
+  <p:clrMapOvr>
+    <a:masterClrMapping/>
+  </p:clrMapOvr>
+</p:notes>
 </file>
 
 <file path=ppt/slideLayouts/slideLayout1.xml><?xml version="1.0" encoding="utf-8"?>
@@ -3432,6 +6980,2641 @@
 </p:sld>
 </file>
 
+<file path=ppt/slides/slide10.xml><?xml version="1.0" encoding="utf-8"?>
+<p:sld xmlns:a="http://schemas.openxmlformats.org/drawingml/2006/main" xmlns:r="http://schemas.openxmlformats.org/officeDocument/2006/relationships" xmlns:p="http://schemas.openxmlformats.org/presentationml/2006/main">
+  <p:cSld>
+    <p:spTree>
+      <p:nvGrpSpPr>
+        <p:cNvPr id="1" name=""/>
+        <p:cNvGrpSpPr/>
+        <p:nvPr/>
+      </p:nvGrpSpPr>
+      <p:grpSpPr>
+        <a:xfrm>
+          <a:off x="0" y="0"/>
+          <a:ext cx="0" cy="0"/>
+          <a:chOff x="0" y="0"/>
+          <a:chExt cx="0" cy="0"/>
+        </a:xfrm>
+      </p:grpSpPr>
+      <p:sp>
+        <p:nvSpPr>
+          <p:cNvPr id="2" name="Title 1">
+            <a:extLst>
+              <a:ext uri="{FF2B5EF4-FFF2-40B4-BE49-F238E27FC236}">
+                <a16:creationId xmlns:a16="http://schemas.microsoft.com/office/drawing/2014/main" id="{85133EE9-EA9D-465B-8FFE-164AB6226976}"/>
+              </a:ext>
+            </a:extLst>
+          </p:cNvPr>
+          <p:cNvSpPr>
+            <a:spLocks noGrp="1"/>
+          </p:cNvSpPr>
+          <p:nvPr>
+            <p:ph type="title"/>
+          </p:nvPr>
+        </p:nvSpPr>
+        <p:spPr/>
+        <p:txBody>
+          <a:bodyPr/>
+          <a:lstStyle/>
+          <a:p>
+            <a:r>
+              <a:rPr lang="en-US" dirty="0"/>
+              <a:t>The Tradeoffs of Organizational Change</a:t>
+            </a:r>
+          </a:p>
+        </p:txBody>
+      </p:sp>
+      <p:sp>
+        <p:nvSpPr>
+          <p:cNvPr id="3" name="Content Placeholder 2">
+            <a:extLst>
+              <a:ext uri="{FF2B5EF4-FFF2-40B4-BE49-F238E27FC236}">
+                <a16:creationId xmlns:a16="http://schemas.microsoft.com/office/drawing/2014/main" id="{596678E3-6EDE-4A4C-9229-A143AF11A77B}"/>
+              </a:ext>
+            </a:extLst>
+          </p:cNvPr>
+          <p:cNvSpPr>
+            <a:spLocks noGrp="1"/>
+          </p:cNvSpPr>
+          <p:nvPr>
+            <p:ph idx="1"/>
+          </p:nvPr>
+        </p:nvSpPr>
+        <p:spPr/>
+        <p:txBody>
+          <a:bodyPr/>
+          <a:lstStyle/>
+          <a:p>
+            <a:endParaRPr lang="en-US"/>
+          </a:p>
+        </p:txBody>
+      </p:sp>
+    </p:spTree>
+    <p:extLst>
+      <p:ext uri="{BB962C8B-B14F-4D97-AF65-F5344CB8AC3E}">
+        <p14:creationId xmlns:p14="http://schemas.microsoft.com/office/powerpoint/2010/main" val="374609089"/>
+      </p:ext>
+    </p:extLst>
+  </p:cSld>
+  <p:clrMapOvr>
+    <a:masterClrMapping/>
+  </p:clrMapOvr>
+</p:sld>
+</file>
+
+<file path=ppt/slides/slide11.xml><?xml version="1.0" encoding="utf-8"?>
+<p:sld xmlns:a="http://schemas.openxmlformats.org/drawingml/2006/main" xmlns:r="http://schemas.openxmlformats.org/officeDocument/2006/relationships" xmlns:p="http://schemas.openxmlformats.org/presentationml/2006/main">
+  <p:cSld>
+    <p:spTree>
+      <p:nvGrpSpPr>
+        <p:cNvPr id="1" name=""/>
+        <p:cNvGrpSpPr/>
+        <p:nvPr/>
+      </p:nvGrpSpPr>
+      <p:grpSpPr>
+        <a:xfrm>
+          <a:off x="0" y="0"/>
+          <a:ext cx="0" cy="0"/>
+          <a:chOff x="0" y="0"/>
+          <a:chExt cx="0" cy="0"/>
+        </a:xfrm>
+      </p:grpSpPr>
+      <p:sp>
+        <p:nvSpPr>
+          <p:cNvPr id="2" name="Title 1">
+            <a:extLst>
+              <a:ext uri="{FF2B5EF4-FFF2-40B4-BE49-F238E27FC236}">
+                <a16:creationId xmlns:a16="http://schemas.microsoft.com/office/drawing/2014/main" id="{BA4CC527-F4C6-44BA-8F79-45B887EE34EE}"/>
+              </a:ext>
+            </a:extLst>
+          </p:cNvPr>
+          <p:cNvSpPr>
+            <a:spLocks noGrp="1"/>
+          </p:cNvSpPr>
+          <p:nvPr>
+            <p:ph type="title"/>
+          </p:nvPr>
+        </p:nvSpPr>
+        <p:spPr/>
+        <p:txBody>
+          <a:bodyPr/>
+          <a:lstStyle/>
+          <a:p>
+            <a:r>
+              <a:rPr lang="en-US" dirty="0"/>
+              <a:t>Flex on Scope and Time, Not on Quality</a:t>
+            </a:r>
+          </a:p>
+        </p:txBody>
+      </p:sp>
+      <p:sp>
+        <p:nvSpPr>
+          <p:cNvPr id="3" name="Content Placeholder 2">
+            <a:extLst>
+              <a:ext uri="{FF2B5EF4-FFF2-40B4-BE49-F238E27FC236}">
+                <a16:creationId xmlns:a16="http://schemas.microsoft.com/office/drawing/2014/main" id="{02F4D649-6E1D-41DA-9997-B6F0B5158927}"/>
+              </a:ext>
+            </a:extLst>
+          </p:cNvPr>
+          <p:cNvSpPr>
+            <a:spLocks noGrp="1"/>
+          </p:cNvSpPr>
+          <p:nvPr>
+            <p:ph idx="1"/>
+          </p:nvPr>
+        </p:nvSpPr>
+        <p:spPr/>
+        <p:txBody>
+          <a:bodyPr/>
+          <a:lstStyle/>
+          <a:p>
+            <a:endParaRPr lang="en-US"/>
+          </a:p>
+        </p:txBody>
+      </p:sp>
+    </p:spTree>
+    <p:extLst>
+      <p:ext uri="{BB962C8B-B14F-4D97-AF65-F5344CB8AC3E}">
+        <p14:creationId xmlns:p14="http://schemas.microsoft.com/office/powerpoint/2010/main" val="2817966517"/>
+      </p:ext>
+    </p:extLst>
+  </p:cSld>
+  <p:clrMapOvr>
+    <a:masterClrMapping/>
+  </p:clrMapOvr>
+</p:sld>
+</file>
+
+<file path=ppt/slides/slide12.xml><?xml version="1.0" encoding="utf-8"?>
+<p:sld xmlns:a="http://schemas.openxmlformats.org/drawingml/2006/main" xmlns:r="http://schemas.openxmlformats.org/officeDocument/2006/relationships" xmlns:p="http://schemas.openxmlformats.org/presentationml/2006/main">
+  <p:cSld>
+    <p:spTree>
+      <p:nvGrpSpPr>
+        <p:cNvPr id="1" name=""/>
+        <p:cNvGrpSpPr/>
+        <p:nvPr/>
+      </p:nvGrpSpPr>
+      <p:grpSpPr>
+        <a:xfrm>
+          <a:off x="0" y="0"/>
+          <a:ext cx="0" cy="0"/>
+          <a:chOff x="0" y="0"/>
+          <a:chExt cx="0" cy="0"/>
+        </a:xfrm>
+      </p:grpSpPr>
+      <p:sp>
+        <p:nvSpPr>
+          <p:cNvPr id="2" name="Title 1">
+            <a:extLst>
+              <a:ext uri="{FF2B5EF4-FFF2-40B4-BE49-F238E27FC236}">
+                <a16:creationId xmlns:a16="http://schemas.microsoft.com/office/drawing/2014/main" id="{7A40CD58-ED4C-4828-AC05-FCA3D3949DC3}"/>
+              </a:ext>
+            </a:extLst>
+          </p:cNvPr>
+          <p:cNvSpPr>
+            <a:spLocks noGrp="1"/>
+          </p:cNvSpPr>
+          <p:nvPr>
+            <p:ph type="title"/>
+          </p:nvPr>
+        </p:nvSpPr>
+        <p:spPr/>
+        <p:txBody>
+          <a:bodyPr/>
+          <a:lstStyle/>
+          <a:p>
+            <a:r>
+              <a:rPr lang="en-US" dirty="0"/>
+              <a:t>The Org Change Triangle</a:t>
+            </a:r>
+          </a:p>
+        </p:txBody>
+      </p:sp>
+      <p:sp>
+        <p:nvSpPr>
+          <p:cNvPr id="3" name="Content Placeholder 2">
+            <a:extLst>
+              <a:ext uri="{FF2B5EF4-FFF2-40B4-BE49-F238E27FC236}">
+                <a16:creationId xmlns:a16="http://schemas.microsoft.com/office/drawing/2014/main" id="{785669A4-04E0-4563-8031-54ED5FAB0F0F}"/>
+              </a:ext>
+            </a:extLst>
+          </p:cNvPr>
+          <p:cNvSpPr>
+            <a:spLocks noGrp="1"/>
+          </p:cNvSpPr>
+          <p:nvPr>
+            <p:ph idx="1"/>
+          </p:nvPr>
+        </p:nvSpPr>
+        <p:spPr/>
+        <p:txBody>
+          <a:bodyPr/>
+          <a:lstStyle/>
+          <a:p>
+            <a:endParaRPr lang="en-US"/>
+          </a:p>
+        </p:txBody>
+      </p:sp>
+    </p:spTree>
+    <p:extLst>
+      <p:ext uri="{BB962C8B-B14F-4D97-AF65-F5344CB8AC3E}">
+        <p14:creationId xmlns:p14="http://schemas.microsoft.com/office/powerpoint/2010/main" val="3679784936"/>
+      </p:ext>
+    </p:extLst>
+  </p:cSld>
+  <p:clrMapOvr>
+    <a:masterClrMapping/>
+  </p:clrMapOvr>
+</p:sld>
+</file>
+
+<file path=ppt/slides/slide13.xml><?xml version="1.0" encoding="utf-8"?>
+<p:sld xmlns:a="http://schemas.openxmlformats.org/drawingml/2006/main" xmlns:r="http://schemas.openxmlformats.org/officeDocument/2006/relationships" xmlns:p="http://schemas.openxmlformats.org/presentationml/2006/main">
+  <p:cSld>
+    <p:spTree>
+      <p:nvGrpSpPr>
+        <p:cNvPr id="1" name=""/>
+        <p:cNvGrpSpPr/>
+        <p:nvPr/>
+      </p:nvGrpSpPr>
+      <p:grpSpPr>
+        <a:xfrm>
+          <a:off x="0" y="0"/>
+          <a:ext cx="0" cy="0"/>
+          <a:chOff x="0" y="0"/>
+          <a:chExt cx="0" cy="0"/>
+        </a:xfrm>
+      </p:grpSpPr>
+      <p:sp>
+        <p:nvSpPr>
+          <p:cNvPr id="2" name="Title 1">
+            <a:extLst>
+              <a:ext uri="{FF2B5EF4-FFF2-40B4-BE49-F238E27FC236}">
+                <a16:creationId xmlns:a16="http://schemas.microsoft.com/office/drawing/2014/main" id="{EC90927B-4EDB-4175-8EA7-539AA0FFB263}"/>
+              </a:ext>
+            </a:extLst>
+          </p:cNvPr>
+          <p:cNvSpPr>
+            <a:spLocks noGrp="1"/>
+          </p:cNvSpPr>
+          <p:nvPr>
+            <p:ph type="title"/>
+          </p:nvPr>
+        </p:nvSpPr>
+        <p:spPr/>
+        <p:txBody>
+          <a:bodyPr/>
+          <a:lstStyle/>
+          <a:p>
+            <a:r>
+              <a:rPr lang="en-US" dirty="0"/>
+              <a:t>Flex on breadth and urgency, not on commitment</a:t>
+            </a:r>
+          </a:p>
+        </p:txBody>
+      </p:sp>
+      <p:sp>
+        <p:nvSpPr>
+          <p:cNvPr id="3" name="Content Placeholder 2">
+            <a:extLst>
+              <a:ext uri="{FF2B5EF4-FFF2-40B4-BE49-F238E27FC236}">
+                <a16:creationId xmlns:a16="http://schemas.microsoft.com/office/drawing/2014/main" id="{05447A17-4BAE-472A-A42C-53CDA69FF747}"/>
+              </a:ext>
+            </a:extLst>
+          </p:cNvPr>
+          <p:cNvSpPr>
+            <a:spLocks noGrp="1"/>
+          </p:cNvSpPr>
+          <p:nvPr>
+            <p:ph idx="1"/>
+          </p:nvPr>
+        </p:nvSpPr>
+        <p:spPr/>
+        <p:txBody>
+          <a:bodyPr/>
+          <a:lstStyle/>
+          <a:p>
+            <a:endParaRPr lang="en-US"/>
+          </a:p>
+        </p:txBody>
+      </p:sp>
+    </p:spTree>
+    <p:extLst>
+      <p:ext uri="{BB962C8B-B14F-4D97-AF65-F5344CB8AC3E}">
+        <p14:creationId xmlns:p14="http://schemas.microsoft.com/office/powerpoint/2010/main" val="1526563647"/>
+      </p:ext>
+    </p:extLst>
+  </p:cSld>
+  <p:clrMapOvr>
+    <a:masterClrMapping/>
+  </p:clrMapOvr>
+</p:sld>
+</file>
+
+<file path=ppt/slides/slide14.xml><?xml version="1.0" encoding="utf-8"?>
+<p:sld xmlns:a="http://schemas.openxmlformats.org/drawingml/2006/main" xmlns:r="http://schemas.openxmlformats.org/officeDocument/2006/relationships" xmlns:p="http://schemas.openxmlformats.org/presentationml/2006/main">
+  <p:cSld>
+    <p:spTree>
+      <p:nvGrpSpPr>
+        <p:cNvPr id="1" name=""/>
+        <p:cNvGrpSpPr/>
+        <p:nvPr/>
+      </p:nvGrpSpPr>
+      <p:grpSpPr>
+        <a:xfrm>
+          <a:off x="0" y="0"/>
+          <a:ext cx="0" cy="0"/>
+          <a:chOff x="0" y="0"/>
+          <a:chExt cx="0" cy="0"/>
+        </a:xfrm>
+      </p:grpSpPr>
+      <p:sp>
+        <p:nvSpPr>
+          <p:cNvPr id="2" name="Title 1">
+            <a:extLst>
+              <a:ext uri="{FF2B5EF4-FFF2-40B4-BE49-F238E27FC236}">
+                <a16:creationId xmlns:a16="http://schemas.microsoft.com/office/drawing/2014/main" id="{5A15A61E-B69F-42E1-B006-CCDDC996A498}"/>
+              </a:ext>
+            </a:extLst>
+          </p:cNvPr>
+          <p:cNvSpPr>
+            <a:spLocks noGrp="1"/>
+          </p:cNvSpPr>
+          <p:nvPr>
+            <p:ph type="title"/>
+          </p:nvPr>
+        </p:nvSpPr>
+        <p:spPr/>
+        <p:txBody>
+          <a:bodyPr/>
+          <a:lstStyle/>
+          <a:p>
+            <a:r>
+              <a:rPr lang="en-US" dirty="0"/>
+              <a:t>The Killing of Continuous Improvement</a:t>
+            </a:r>
+          </a:p>
+        </p:txBody>
+      </p:sp>
+      <p:sp>
+        <p:nvSpPr>
+          <p:cNvPr id="3" name="Content Placeholder 2">
+            <a:extLst>
+              <a:ext uri="{FF2B5EF4-FFF2-40B4-BE49-F238E27FC236}">
+                <a16:creationId xmlns:a16="http://schemas.microsoft.com/office/drawing/2014/main" id="{264EB770-DEBA-4968-8816-84C9026B5CA1}"/>
+              </a:ext>
+            </a:extLst>
+          </p:cNvPr>
+          <p:cNvSpPr>
+            <a:spLocks noGrp="1"/>
+          </p:cNvSpPr>
+          <p:nvPr>
+            <p:ph idx="1"/>
+          </p:nvPr>
+        </p:nvSpPr>
+        <p:spPr/>
+        <p:txBody>
+          <a:bodyPr/>
+          <a:lstStyle/>
+          <a:p>
+            <a:endParaRPr lang="en-US"/>
+          </a:p>
+        </p:txBody>
+      </p:sp>
+    </p:spTree>
+    <p:extLst>
+      <p:ext uri="{BB962C8B-B14F-4D97-AF65-F5344CB8AC3E}">
+        <p14:creationId xmlns:p14="http://schemas.microsoft.com/office/powerpoint/2010/main" val="1836076496"/>
+      </p:ext>
+    </p:extLst>
+  </p:cSld>
+  <p:clrMapOvr>
+    <a:masterClrMapping/>
+  </p:clrMapOvr>
+</p:sld>
+</file>
+
+<file path=ppt/slides/slide15.xml><?xml version="1.0" encoding="utf-8"?>
+<p:sld xmlns:a="http://schemas.openxmlformats.org/drawingml/2006/main" xmlns:r="http://schemas.openxmlformats.org/officeDocument/2006/relationships" xmlns:p="http://schemas.openxmlformats.org/presentationml/2006/main">
+  <p:cSld>
+    <p:spTree>
+      <p:nvGrpSpPr>
+        <p:cNvPr id="1" name=""/>
+        <p:cNvGrpSpPr/>
+        <p:nvPr/>
+      </p:nvGrpSpPr>
+      <p:grpSpPr>
+        <a:xfrm>
+          <a:off x="0" y="0"/>
+          <a:ext cx="0" cy="0"/>
+          <a:chOff x="0" y="0"/>
+          <a:chExt cx="0" cy="0"/>
+        </a:xfrm>
+      </p:grpSpPr>
+      <p:sp>
+        <p:nvSpPr>
+          <p:cNvPr id="2" name="Title 1">
+            <a:extLst>
+              <a:ext uri="{FF2B5EF4-FFF2-40B4-BE49-F238E27FC236}">
+                <a16:creationId xmlns:a16="http://schemas.microsoft.com/office/drawing/2014/main" id="{6092C9F0-8BB3-4539-84AC-04B18039AF7F}"/>
+              </a:ext>
+            </a:extLst>
+          </p:cNvPr>
+          <p:cNvSpPr>
+            <a:spLocks noGrp="1"/>
+          </p:cNvSpPr>
+          <p:nvPr>
+            <p:ph type="title"/>
+          </p:nvPr>
+        </p:nvSpPr>
+        <p:spPr/>
+        <p:txBody>
+          <a:bodyPr/>
+          <a:lstStyle/>
+          <a:p>
+            <a:r>
+              <a:rPr lang="en-US" dirty="0"/>
+              <a:t>No Vision</a:t>
+            </a:r>
+          </a:p>
+        </p:txBody>
+      </p:sp>
+      <p:sp>
+        <p:nvSpPr>
+          <p:cNvPr id="3" name="Content Placeholder 2">
+            <a:extLst>
+              <a:ext uri="{FF2B5EF4-FFF2-40B4-BE49-F238E27FC236}">
+                <a16:creationId xmlns:a16="http://schemas.microsoft.com/office/drawing/2014/main" id="{0D6C4C45-CD67-4980-8465-A60C57F3F433}"/>
+              </a:ext>
+            </a:extLst>
+          </p:cNvPr>
+          <p:cNvSpPr>
+            <a:spLocks noGrp="1"/>
+          </p:cNvSpPr>
+          <p:nvPr>
+            <p:ph idx="1"/>
+          </p:nvPr>
+        </p:nvSpPr>
+        <p:spPr/>
+        <p:txBody>
+          <a:bodyPr/>
+          <a:lstStyle/>
+          <a:p>
+            <a:endParaRPr lang="en-US"/>
+          </a:p>
+        </p:txBody>
+      </p:sp>
+    </p:spTree>
+    <p:extLst>
+      <p:ext uri="{BB962C8B-B14F-4D97-AF65-F5344CB8AC3E}">
+        <p14:creationId xmlns:p14="http://schemas.microsoft.com/office/powerpoint/2010/main" val="1996544786"/>
+      </p:ext>
+    </p:extLst>
+  </p:cSld>
+  <p:clrMapOvr>
+    <a:masterClrMapping/>
+  </p:clrMapOvr>
+</p:sld>
+</file>
+
+<file path=ppt/slides/slide16.xml><?xml version="1.0" encoding="utf-8"?>
+<p:sld xmlns:a="http://schemas.openxmlformats.org/drawingml/2006/main" xmlns:r="http://schemas.openxmlformats.org/officeDocument/2006/relationships" xmlns:p="http://schemas.openxmlformats.org/presentationml/2006/main">
+  <p:cSld>
+    <p:spTree>
+      <p:nvGrpSpPr>
+        <p:cNvPr id="1" name=""/>
+        <p:cNvGrpSpPr/>
+        <p:nvPr/>
+      </p:nvGrpSpPr>
+      <p:grpSpPr>
+        <a:xfrm>
+          <a:off x="0" y="0"/>
+          <a:ext cx="0" cy="0"/>
+          <a:chOff x="0" y="0"/>
+          <a:chExt cx="0" cy="0"/>
+        </a:xfrm>
+      </p:grpSpPr>
+      <p:sp>
+        <p:nvSpPr>
+          <p:cNvPr id="2" name="Title 1">
+            <a:extLst>
+              <a:ext uri="{FF2B5EF4-FFF2-40B4-BE49-F238E27FC236}">
+                <a16:creationId xmlns:a16="http://schemas.microsoft.com/office/drawing/2014/main" id="{30C1EE62-D29F-4329-A908-8C8E743CC0CC}"/>
+              </a:ext>
+            </a:extLst>
+          </p:cNvPr>
+          <p:cNvSpPr>
+            <a:spLocks noGrp="1"/>
+          </p:cNvSpPr>
+          <p:nvPr>
+            <p:ph type="title"/>
+          </p:nvPr>
+        </p:nvSpPr>
+        <p:spPr/>
+        <p:txBody>
+          <a:bodyPr/>
+          <a:lstStyle/>
+          <a:p>
+            <a:r>
+              <a:rPr lang="en-US" dirty="0"/>
+              <a:t>No Leadership</a:t>
+            </a:r>
+          </a:p>
+        </p:txBody>
+      </p:sp>
+      <p:sp>
+        <p:nvSpPr>
+          <p:cNvPr id="3" name="Content Placeholder 2">
+            <a:extLst>
+              <a:ext uri="{FF2B5EF4-FFF2-40B4-BE49-F238E27FC236}">
+                <a16:creationId xmlns:a16="http://schemas.microsoft.com/office/drawing/2014/main" id="{DA1905AA-3677-43A9-BD73-9460B5DC329C}"/>
+              </a:ext>
+            </a:extLst>
+          </p:cNvPr>
+          <p:cNvSpPr>
+            <a:spLocks noGrp="1"/>
+          </p:cNvSpPr>
+          <p:nvPr>
+            <p:ph idx="1"/>
+          </p:nvPr>
+        </p:nvSpPr>
+        <p:spPr/>
+        <p:txBody>
+          <a:bodyPr/>
+          <a:lstStyle/>
+          <a:p>
+            <a:endParaRPr lang="en-US"/>
+          </a:p>
+        </p:txBody>
+      </p:sp>
+    </p:spTree>
+    <p:extLst>
+      <p:ext uri="{BB962C8B-B14F-4D97-AF65-F5344CB8AC3E}">
+        <p14:creationId xmlns:p14="http://schemas.microsoft.com/office/powerpoint/2010/main" val="2894867661"/>
+      </p:ext>
+    </p:extLst>
+  </p:cSld>
+  <p:clrMapOvr>
+    <a:masterClrMapping/>
+  </p:clrMapOvr>
+</p:sld>
+</file>
+
+<file path=ppt/slides/slide17.xml><?xml version="1.0" encoding="utf-8"?>
+<p:sld xmlns:a="http://schemas.openxmlformats.org/drawingml/2006/main" xmlns:r="http://schemas.openxmlformats.org/officeDocument/2006/relationships" xmlns:p="http://schemas.openxmlformats.org/presentationml/2006/main">
+  <p:cSld>
+    <p:spTree>
+      <p:nvGrpSpPr>
+        <p:cNvPr id="1" name=""/>
+        <p:cNvGrpSpPr/>
+        <p:nvPr/>
+      </p:nvGrpSpPr>
+      <p:grpSpPr>
+        <a:xfrm>
+          <a:off x="0" y="0"/>
+          <a:ext cx="0" cy="0"/>
+          <a:chOff x="0" y="0"/>
+          <a:chExt cx="0" cy="0"/>
+        </a:xfrm>
+      </p:grpSpPr>
+      <p:sp>
+        <p:nvSpPr>
+          <p:cNvPr id="2" name="Title 1">
+            <a:extLst>
+              <a:ext uri="{FF2B5EF4-FFF2-40B4-BE49-F238E27FC236}">
+                <a16:creationId xmlns:a16="http://schemas.microsoft.com/office/drawing/2014/main" id="{30C1EE62-D29F-4329-A908-8C8E743CC0CC}"/>
+              </a:ext>
+            </a:extLst>
+          </p:cNvPr>
+          <p:cNvSpPr>
+            <a:spLocks noGrp="1"/>
+          </p:cNvSpPr>
+          <p:nvPr>
+            <p:ph type="title"/>
+          </p:nvPr>
+        </p:nvSpPr>
+        <p:spPr/>
+        <p:txBody>
+          <a:bodyPr/>
+          <a:lstStyle/>
+          <a:p>
+            <a:r>
+              <a:rPr lang="en-US" dirty="0"/>
+              <a:t>No Leadership</a:t>
+            </a:r>
+          </a:p>
+        </p:txBody>
+      </p:sp>
+      <p:sp>
+        <p:nvSpPr>
+          <p:cNvPr id="3" name="Content Placeholder 2">
+            <a:extLst>
+              <a:ext uri="{FF2B5EF4-FFF2-40B4-BE49-F238E27FC236}">
+                <a16:creationId xmlns:a16="http://schemas.microsoft.com/office/drawing/2014/main" id="{DA1905AA-3677-43A9-BD73-9460B5DC329C}"/>
+              </a:ext>
+            </a:extLst>
+          </p:cNvPr>
+          <p:cNvSpPr>
+            <a:spLocks noGrp="1"/>
+          </p:cNvSpPr>
+          <p:nvPr>
+            <p:ph idx="1"/>
+          </p:nvPr>
+        </p:nvSpPr>
+        <p:spPr/>
+        <p:txBody>
+          <a:bodyPr/>
+          <a:lstStyle/>
+          <a:p>
+            <a:r>
+              <a:rPr lang="en-US" dirty="0"/>
+              <a:t>Leadership without service</a:t>
+            </a:r>
+          </a:p>
+        </p:txBody>
+      </p:sp>
+    </p:spTree>
+    <p:extLst>
+      <p:ext uri="{BB962C8B-B14F-4D97-AF65-F5344CB8AC3E}">
+        <p14:creationId xmlns:p14="http://schemas.microsoft.com/office/powerpoint/2010/main" val="2165813908"/>
+      </p:ext>
+    </p:extLst>
+  </p:cSld>
+  <p:clrMapOvr>
+    <a:masterClrMapping/>
+  </p:clrMapOvr>
+</p:sld>
+</file>
+
+<file path=ppt/slides/slide18.xml><?xml version="1.0" encoding="utf-8"?>
+<p:sld xmlns:a="http://schemas.openxmlformats.org/drawingml/2006/main" xmlns:r="http://schemas.openxmlformats.org/officeDocument/2006/relationships" xmlns:p="http://schemas.openxmlformats.org/presentationml/2006/main">
+  <p:cSld>
+    <p:spTree>
+      <p:nvGrpSpPr>
+        <p:cNvPr id="1" name=""/>
+        <p:cNvGrpSpPr/>
+        <p:nvPr/>
+      </p:nvGrpSpPr>
+      <p:grpSpPr>
+        <a:xfrm>
+          <a:off x="0" y="0"/>
+          <a:ext cx="0" cy="0"/>
+          <a:chOff x="0" y="0"/>
+          <a:chExt cx="0" cy="0"/>
+        </a:xfrm>
+      </p:grpSpPr>
+      <p:sp>
+        <p:nvSpPr>
+          <p:cNvPr id="2" name="Title 1">
+            <a:extLst>
+              <a:ext uri="{FF2B5EF4-FFF2-40B4-BE49-F238E27FC236}">
+                <a16:creationId xmlns:a16="http://schemas.microsoft.com/office/drawing/2014/main" id="{30C1EE62-D29F-4329-A908-8C8E743CC0CC}"/>
+              </a:ext>
+            </a:extLst>
+          </p:cNvPr>
+          <p:cNvSpPr>
+            <a:spLocks noGrp="1"/>
+          </p:cNvSpPr>
+          <p:nvPr>
+            <p:ph type="title"/>
+          </p:nvPr>
+        </p:nvSpPr>
+        <p:spPr/>
+        <p:txBody>
+          <a:bodyPr/>
+          <a:lstStyle/>
+          <a:p>
+            <a:r>
+              <a:rPr lang="en-US" dirty="0"/>
+              <a:t>No Leadership</a:t>
+            </a:r>
+          </a:p>
+        </p:txBody>
+      </p:sp>
+      <p:sp>
+        <p:nvSpPr>
+          <p:cNvPr id="3" name="Content Placeholder 2">
+            <a:extLst>
+              <a:ext uri="{FF2B5EF4-FFF2-40B4-BE49-F238E27FC236}">
+                <a16:creationId xmlns:a16="http://schemas.microsoft.com/office/drawing/2014/main" id="{DA1905AA-3677-43A9-BD73-9460B5DC329C}"/>
+              </a:ext>
+            </a:extLst>
+          </p:cNvPr>
+          <p:cNvSpPr>
+            <a:spLocks noGrp="1"/>
+          </p:cNvSpPr>
+          <p:nvPr>
+            <p:ph idx="1"/>
+          </p:nvPr>
+        </p:nvSpPr>
+        <p:spPr/>
+        <p:txBody>
+          <a:bodyPr/>
+          <a:lstStyle/>
+          <a:p>
+            <a:r>
+              <a:rPr lang="en-US" dirty="0"/>
+              <a:t>Abuse of power</a:t>
+            </a:r>
+          </a:p>
+          <a:p>
+            <a:pPr lvl="1"/>
+            <a:r>
+              <a:rPr lang="en-US" dirty="0"/>
+              <a:t>Forgetting that power is given</a:t>
+            </a:r>
+          </a:p>
+          <a:p>
+            <a:pPr lvl="1"/>
+            <a:r>
+              <a:rPr lang="en-US" dirty="0"/>
+              <a:t>Bringing expertise to an expertise fight</a:t>
+            </a:r>
+          </a:p>
+        </p:txBody>
+      </p:sp>
+    </p:spTree>
+    <p:extLst>
+      <p:ext uri="{BB962C8B-B14F-4D97-AF65-F5344CB8AC3E}">
+        <p14:creationId xmlns:p14="http://schemas.microsoft.com/office/powerpoint/2010/main" val="88608026"/>
+      </p:ext>
+    </p:extLst>
+  </p:cSld>
+  <p:clrMapOvr>
+    <a:masterClrMapping/>
+  </p:clrMapOvr>
+</p:sld>
+</file>
+
+<file path=ppt/slides/slide19.xml><?xml version="1.0" encoding="utf-8"?>
+<p:sld xmlns:a="http://schemas.openxmlformats.org/drawingml/2006/main" xmlns:r="http://schemas.openxmlformats.org/officeDocument/2006/relationships" xmlns:p="http://schemas.openxmlformats.org/presentationml/2006/main">
+  <p:cSld>
+    <p:spTree>
+      <p:nvGrpSpPr>
+        <p:cNvPr id="1" name=""/>
+        <p:cNvGrpSpPr/>
+        <p:nvPr/>
+      </p:nvGrpSpPr>
+      <p:grpSpPr>
+        <a:xfrm>
+          <a:off x="0" y="0"/>
+          <a:ext cx="0" cy="0"/>
+          <a:chOff x="0" y="0"/>
+          <a:chExt cx="0" cy="0"/>
+        </a:xfrm>
+      </p:grpSpPr>
+      <p:sp>
+        <p:nvSpPr>
+          <p:cNvPr id="2" name="Title 1">
+            <a:extLst>
+              <a:ext uri="{FF2B5EF4-FFF2-40B4-BE49-F238E27FC236}">
+                <a16:creationId xmlns:a16="http://schemas.microsoft.com/office/drawing/2014/main" id="{B0BC4A47-C849-4C8B-B27B-C80B41636D96}"/>
+              </a:ext>
+            </a:extLst>
+          </p:cNvPr>
+          <p:cNvSpPr>
+            <a:spLocks noGrp="1"/>
+          </p:cNvSpPr>
+          <p:nvPr>
+            <p:ph type="title"/>
+          </p:nvPr>
+        </p:nvSpPr>
+        <p:spPr/>
+        <p:txBody>
+          <a:bodyPr/>
+          <a:lstStyle/>
+          <a:p>
+            <a:r>
+              <a:rPr lang="en-US" dirty="0"/>
+              <a:t>No Commitment</a:t>
+            </a:r>
+          </a:p>
+        </p:txBody>
+      </p:sp>
+      <p:sp>
+        <p:nvSpPr>
+          <p:cNvPr id="3" name="Content Placeholder 2">
+            <a:extLst>
+              <a:ext uri="{FF2B5EF4-FFF2-40B4-BE49-F238E27FC236}">
+                <a16:creationId xmlns:a16="http://schemas.microsoft.com/office/drawing/2014/main" id="{A7220E79-F373-46C9-9ACB-5799C58794E2}"/>
+              </a:ext>
+            </a:extLst>
+          </p:cNvPr>
+          <p:cNvSpPr>
+            <a:spLocks noGrp="1"/>
+          </p:cNvSpPr>
+          <p:nvPr>
+            <p:ph idx="1"/>
+          </p:nvPr>
+        </p:nvSpPr>
+        <p:spPr/>
+        <p:txBody>
+          <a:bodyPr/>
+          <a:lstStyle/>
+          <a:p>
+            <a:r>
+              <a:rPr lang="en-US" dirty="0"/>
+              <a:t>Little Quits</a:t>
+            </a:r>
+          </a:p>
+        </p:txBody>
+      </p:sp>
+    </p:spTree>
+    <p:extLst>
+      <p:ext uri="{BB962C8B-B14F-4D97-AF65-F5344CB8AC3E}">
+        <p14:creationId xmlns:p14="http://schemas.microsoft.com/office/powerpoint/2010/main" val="2444472896"/>
+      </p:ext>
+    </p:extLst>
+  </p:cSld>
+  <p:clrMapOvr>
+    <a:masterClrMapping/>
+  </p:clrMapOvr>
+</p:sld>
+</file>
+
+<file path=ppt/slides/slide2.xml><?xml version="1.0" encoding="utf-8"?>
+<p:sld xmlns:a="http://schemas.openxmlformats.org/drawingml/2006/main" xmlns:r="http://schemas.openxmlformats.org/officeDocument/2006/relationships" xmlns:p="http://schemas.openxmlformats.org/presentationml/2006/main">
+  <p:cSld>
+    <p:spTree>
+      <p:nvGrpSpPr>
+        <p:cNvPr id="1" name=""/>
+        <p:cNvGrpSpPr/>
+        <p:nvPr/>
+      </p:nvGrpSpPr>
+      <p:grpSpPr>
+        <a:xfrm>
+          <a:off x="0" y="0"/>
+          <a:ext cx="0" cy="0"/>
+          <a:chOff x="0" y="0"/>
+          <a:chExt cx="0" cy="0"/>
+        </a:xfrm>
+      </p:grpSpPr>
+      <p:sp>
+        <p:nvSpPr>
+          <p:cNvPr id="3" name="Content Placeholder 2">
+            <a:extLst>
+              <a:ext uri="{FF2B5EF4-FFF2-40B4-BE49-F238E27FC236}">
+                <a16:creationId xmlns:a16="http://schemas.microsoft.com/office/drawing/2014/main" id="{9EBE03E1-1F38-4F72-A01D-64F986FE5B7E}"/>
+              </a:ext>
+            </a:extLst>
+          </p:cNvPr>
+          <p:cNvSpPr>
+            <a:spLocks noGrp="1"/>
+          </p:cNvSpPr>
+          <p:nvPr>
+            <p:ph idx="1"/>
+          </p:nvPr>
+        </p:nvSpPr>
+        <p:spPr/>
+        <p:txBody>
+          <a:bodyPr/>
+          <a:lstStyle/>
+          <a:p>
+            <a:endParaRPr lang="en-US" dirty="0"/>
+          </a:p>
+        </p:txBody>
+      </p:sp>
+      <p:pic>
+        <p:nvPicPr>
+          <p:cNvPr id="1028" name="Picture 4">
+            <a:extLst>
+              <a:ext uri="{FF2B5EF4-FFF2-40B4-BE49-F238E27FC236}">
+                <a16:creationId xmlns:a16="http://schemas.microsoft.com/office/drawing/2014/main" id="{C7554835-1D0E-4A2F-9299-759697EF5C55}"/>
+              </a:ext>
+            </a:extLst>
+          </p:cNvPr>
+          <p:cNvPicPr>
+            <a:picLocks noChangeAspect="1" noChangeArrowheads="1"/>
+          </p:cNvPicPr>
+          <p:nvPr/>
+        </p:nvPicPr>
+        <p:blipFill>
+          <a:blip r:embed="rId3">
+            <a:extLst>
+              <a:ext uri="{28A0092B-C50C-407E-A947-70E740481C1C}">
+                <a14:useLocalDpi xmlns:a14="http://schemas.microsoft.com/office/drawing/2010/main" val="0"/>
+              </a:ext>
+            </a:extLst>
+          </a:blip>
+          <a:srcRect/>
+          <a:stretch>
+            <a:fillRect/>
+          </a:stretch>
+        </p:blipFill>
+        <p:spPr bwMode="auto">
+          <a:xfrm>
+            <a:off x="838200" y="0"/>
+            <a:ext cx="10515600" cy="6820930"/>
+          </a:xfrm>
+          <a:prstGeom prst="rect">
+            <a:avLst/>
+          </a:prstGeom>
+          <a:noFill/>
+          <a:extLst>
+            <a:ext uri="{909E8E84-426E-40DD-AFC4-6F175D3DCCD1}">
+              <a14:hiddenFill xmlns:a14="http://schemas.microsoft.com/office/drawing/2010/main">
+                <a:solidFill>
+                  <a:srgbClr val="FFFFFF"/>
+                </a:solidFill>
+              </a14:hiddenFill>
+            </a:ext>
+          </a:extLst>
+        </p:spPr>
+      </p:pic>
+      <p:sp>
+        <p:nvSpPr>
+          <p:cNvPr id="2" name="Title 1">
+            <a:extLst>
+              <a:ext uri="{FF2B5EF4-FFF2-40B4-BE49-F238E27FC236}">
+                <a16:creationId xmlns:a16="http://schemas.microsoft.com/office/drawing/2014/main" id="{1B35FFBF-9371-4AE0-A054-A7F840D5B9B3}"/>
+              </a:ext>
+            </a:extLst>
+          </p:cNvPr>
+          <p:cNvSpPr>
+            <a:spLocks noGrp="1"/>
+          </p:cNvSpPr>
+          <p:nvPr>
+            <p:ph type="title"/>
+          </p:nvPr>
+        </p:nvSpPr>
+        <p:spPr/>
+        <p:txBody>
+          <a:bodyPr/>
+          <a:lstStyle/>
+          <a:p>
+            <a:r>
+              <a:rPr lang="en-US" dirty="0"/>
+              <a:t>The Fable</a:t>
+            </a:r>
+          </a:p>
+        </p:txBody>
+      </p:sp>
+    </p:spTree>
+    <p:extLst>
+      <p:ext uri="{BB962C8B-B14F-4D97-AF65-F5344CB8AC3E}">
+        <p14:creationId xmlns:p14="http://schemas.microsoft.com/office/powerpoint/2010/main" val="2559899093"/>
+      </p:ext>
+    </p:extLst>
+  </p:cSld>
+  <p:clrMapOvr>
+    <a:masterClrMapping/>
+  </p:clrMapOvr>
+</p:sld>
+</file>
+
+<file path=ppt/slides/slide20.xml><?xml version="1.0" encoding="utf-8"?>
+<p:sld xmlns:a="http://schemas.openxmlformats.org/drawingml/2006/main" xmlns:r="http://schemas.openxmlformats.org/officeDocument/2006/relationships" xmlns:p="http://schemas.openxmlformats.org/presentationml/2006/main">
+  <p:cSld>
+    <p:spTree>
+      <p:nvGrpSpPr>
+        <p:cNvPr id="1" name=""/>
+        <p:cNvGrpSpPr/>
+        <p:nvPr/>
+      </p:nvGrpSpPr>
+      <p:grpSpPr>
+        <a:xfrm>
+          <a:off x="0" y="0"/>
+          <a:ext cx="0" cy="0"/>
+          <a:chOff x="0" y="0"/>
+          <a:chExt cx="0" cy="0"/>
+        </a:xfrm>
+      </p:grpSpPr>
+      <p:sp>
+        <p:nvSpPr>
+          <p:cNvPr id="2" name="Title 1">
+            <a:extLst>
+              <a:ext uri="{FF2B5EF4-FFF2-40B4-BE49-F238E27FC236}">
+                <a16:creationId xmlns:a16="http://schemas.microsoft.com/office/drawing/2014/main" id="{B0BC4A47-C849-4C8B-B27B-C80B41636D96}"/>
+              </a:ext>
+            </a:extLst>
+          </p:cNvPr>
+          <p:cNvSpPr>
+            <a:spLocks noGrp="1"/>
+          </p:cNvSpPr>
+          <p:nvPr>
+            <p:ph type="title"/>
+          </p:nvPr>
+        </p:nvSpPr>
+        <p:spPr/>
+        <p:txBody>
+          <a:bodyPr/>
+          <a:lstStyle/>
+          <a:p>
+            <a:r>
+              <a:rPr lang="en-US" dirty="0"/>
+              <a:t>No Commitment</a:t>
+            </a:r>
+          </a:p>
+        </p:txBody>
+      </p:sp>
+      <p:sp>
+        <p:nvSpPr>
+          <p:cNvPr id="3" name="Content Placeholder 2">
+            <a:extLst>
+              <a:ext uri="{FF2B5EF4-FFF2-40B4-BE49-F238E27FC236}">
+                <a16:creationId xmlns:a16="http://schemas.microsoft.com/office/drawing/2014/main" id="{A7220E79-F373-46C9-9ACB-5799C58794E2}"/>
+              </a:ext>
+            </a:extLst>
+          </p:cNvPr>
+          <p:cNvSpPr>
+            <a:spLocks noGrp="1"/>
+          </p:cNvSpPr>
+          <p:nvPr>
+            <p:ph idx="1"/>
+          </p:nvPr>
+        </p:nvSpPr>
+        <p:spPr/>
+        <p:txBody>
+          <a:bodyPr/>
+          <a:lstStyle/>
+          <a:p>
+            <a:r>
+              <a:rPr lang="en-US" dirty="0"/>
+              <a:t>The Incentives that Bind Us</a:t>
+            </a:r>
+          </a:p>
+        </p:txBody>
+      </p:sp>
+    </p:spTree>
+    <p:extLst>
+      <p:ext uri="{BB962C8B-B14F-4D97-AF65-F5344CB8AC3E}">
+        <p14:creationId xmlns:p14="http://schemas.microsoft.com/office/powerpoint/2010/main" val="3586345893"/>
+      </p:ext>
+    </p:extLst>
+  </p:cSld>
+  <p:clrMapOvr>
+    <a:masterClrMapping/>
+  </p:clrMapOvr>
+</p:sld>
+</file>
+
+<file path=ppt/slides/slide21.xml><?xml version="1.0" encoding="utf-8"?>
+<p:sld xmlns:a="http://schemas.openxmlformats.org/drawingml/2006/main" xmlns:r="http://schemas.openxmlformats.org/officeDocument/2006/relationships" xmlns:p="http://schemas.openxmlformats.org/presentationml/2006/main">
+  <p:cSld>
+    <p:spTree>
+      <p:nvGrpSpPr>
+        <p:cNvPr id="1" name=""/>
+        <p:cNvGrpSpPr/>
+        <p:nvPr/>
+      </p:nvGrpSpPr>
+      <p:grpSpPr>
+        <a:xfrm>
+          <a:off x="0" y="0"/>
+          <a:ext cx="0" cy="0"/>
+          <a:chOff x="0" y="0"/>
+          <a:chExt cx="0" cy="0"/>
+        </a:xfrm>
+      </p:grpSpPr>
+      <p:sp>
+        <p:nvSpPr>
+          <p:cNvPr id="2" name="Title 1">
+            <a:extLst>
+              <a:ext uri="{FF2B5EF4-FFF2-40B4-BE49-F238E27FC236}">
+                <a16:creationId xmlns:a16="http://schemas.microsoft.com/office/drawing/2014/main" id="{8F72B997-817F-45F5-9010-DEC6407DF21E}"/>
+              </a:ext>
+            </a:extLst>
+          </p:cNvPr>
+          <p:cNvSpPr>
+            <a:spLocks noGrp="1"/>
+          </p:cNvSpPr>
+          <p:nvPr>
+            <p:ph type="title"/>
+          </p:nvPr>
+        </p:nvSpPr>
+        <p:spPr/>
+        <p:txBody>
+          <a:bodyPr/>
+          <a:lstStyle/>
+          <a:p>
+            <a:r>
+              <a:rPr lang="en-US" dirty="0"/>
+              <a:t>The Sustaining of Continuous Improvement</a:t>
+            </a:r>
+          </a:p>
+        </p:txBody>
+      </p:sp>
+      <p:sp>
+        <p:nvSpPr>
+          <p:cNvPr id="3" name="Content Placeholder 2">
+            <a:extLst>
+              <a:ext uri="{FF2B5EF4-FFF2-40B4-BE49-F238E27FC236}">
+                <a16:creationId xmlns:a16="http://schemas.microsoft.com/office/drawing/2014/main" id="{02357D12-5517-4C60-A2A3-1A8E670CC96D}"/>
+              </a:ext>
+            </a:extLst>
+          </p:cNvPr>
+          <p:cNvSpPr>
+            <a:spLocks noGrp="1"/>
+          </p:cNvSpPr>
+          <p:nvPr>
+            <p:ph idx="1"/>
+          </p:nvPr>
+        </p:nvSpPr>
+        <p:spPr/>
+        <p:txBody>
+          <a:bodyPr/>
+          <a:lstStyle/>
+          <a:p>
+            <a:endParaRPr lang="en-US"/>
+          </a:p>
+        </p:txBody>
+      </p:sp>
+    </p:spTree>
+    <p:extLst>
+      <p:ext uri="{BB962C8B-B14F-4D97-AF65-F5344CB8AC3E}">
+        <p14:creationId xmlns:p14="http://schemas.microsoft.com/office/powerpoint/2010/main" val="4029258476"/>
+      </p:ext>
+    </p:extLst>
+  </p:cSld>
+  <p:clrMapOvr>
+    <a:masterClrMapping/>
+  </p:clrMapOvr>
+</p:sld>
+</file>
+
+<file path=ppt/slides/slide22.xml><?xml version="1.0" encoding="utf-8"?>
+<p:sld xmlns:a="http://schemas.openxmlformats.org/drawingml/2006/main" xmlns:r="http://schemas.openxmlformats.org/officeDocument/2006/relationships" xmlns:p="http://schemas.openxmlformats.org/presentationml/2006/main">
+  <p:cSld>
+    <p:spTree>
+      <p:nvGrpSpPr>
+        <p:cNvPr id="1" name=""/>
+        <p:cNvGrpSpPr/>
+        <p:nvPr/>
+      </p:nvGrpSpPr>
+      <p:grpSpPr>
+        <a:xfrm>
+          <a:off x="0" y="0"/>
+          <a:ext cx="0" cy="0"/>
+          <a:chOff x="0" y="0"/>
+          <a:chExt cx="0" cy="0"/>
+        </a:xfrm>
+      </p:grpSpPr>
+      <p:sp>
+        <p:nvSpPr>
+          <p:cNvPr id="2" name="Title 1">
+            <a:extLst>
+              <a:ext uri="{FF2B5EF4-FFF2-40B4-BE49-F238E27FC236}">
+                <a16:creationId xmlns:a16="http://schemas.microsoft.com/office/drawing/2014/main" id="{62332D38-A18F-468B-96EF-CC64D1BEB640}"/>
+              </a:ext>
+            </a:extLst>
+          </p:cNvPr>
+          <p:cNvSpPr>
+            <a:spLocks noGrp="1"/>
+          </p:cNvSpPr>
+          <p:nvPr>
+            <p:ph type="title"/>
+          </p:nvPr>
+        </p:nvSpPr>
+        <p:spPr/>
+        <p:txBody>
+          <a:bodyPr/>
+          <a:lstStyle/>
+          <a:p>
+            <a:r>
+              <a:rPr lang="en-US" dirty="0"/>
+              <a:t>Gently </a:t>
+            </a:r>
+            <a:r>
+              <a:rPr lang="en-US" dirty="0" err="1"/>
+              <a:t>weilding</a:t>
+            </a:r>
+            <a:r>
+              <a:rPr lang="en-US" dirty="0"/>
+              <a:t> the power entrusted to us</a:t>
+            </a:r>
+          </a:p>
+        </p:txBody>
+      </p:sp>
+      <p:sp>
+        <p:nvSpPr>
+          <p:cNvPr id="3" name="Content Placeholder 2">
+            <a:extLst>
+              <a:ext uri="{FF2B5EF4-FFF2-40B4-BE49-F238E27FC236}">
+                <a16:creationId xmlns:a16="http://schemas.microsoft.com/office/drawing/2014/main" id="{123EFC7A-E9D0-4488-A03B-F4E255A92CAF}"/>
+              </a:ext>
+            </a:extLst>
+          </p:cNvPr>
+          <p:cNvSpPr>
+            <a:spLocks noGrp="1"/>
+          </p:cNvSpPr>
+          <p:nvPr>
+            <p:ph idx="1"/>
+          </p:nvPr>
+        </p:nvSpPr>
+        <p:spPr/>
+        <p:txBody>
+          <a:bodyPr/>
+          <a:lstStyle/>
+          <a:p>
+            <a:endParaRPr lang="en-US"/>
+          </a:p>
+        </p:txBody>
+      </p:sp>
+    </p:spTree>
+    <p:extLst>
+      <p:ext uri="{BB962C8B-B14F-4D97-AF65-F5344CB8AC3E}">
+        <p14:creationId xmlns:p14="http://schemas.microsoft.com/office/powerpoint/2010/main" val="70175331"/>
+      </p:ext>
+    </p:extLst>
+  </p:cSld>
+  <p:clrMapOvr>
+    <a:masterClrMapping/>
+  </p:clrMapOvr>
+</p:sld>
+</file>
+
+<file path=ppt/slides/slide23.xml><?xml version="1.0" encoding="utf-8"?>
+<p:sld xmlns:a="http://schemas.openxmlformats.org/drawingml/2006/main" xmlns:r="http://schemas.openxmlformats.org/officeDocument/2006/relationships" xmlns:p="http://schemas.openxmlformats.org/presentationml/2006/main">
+  <p:cSld>
+    <p:spTree>
+      <p:nvGrpSpPr>
+        <p:cNvPr id="1" name=""/>
+        <p:cNvGrpSpPr/>
+        <p:nvPr/>
+      </p:nvGrpSpPr>
+      <p:grpSpPr>
+        <a:xfrm>
+          <a:off x="0" y="0"/>
+          <a:ext cx="0" cy="0"/>
+          <a:chOff x="0" y="0"/>
+          <a:chExt cx="0" cy="0"/>
+        </a:xfrm>
+      </p:grpSpPr>
+      <p:sp>
+        <p:nvSpPr>
+          <p:cNvPr id="2" name="Title 1">
+            <a:extLst>
+              <a:ext uri="{FF2B5EF4-FFF2-40B4-BE49-F238E27FC236}">
+                <a16:creationId xmlns:a16="http://schemas.microsoft.com/office/drawing/2014/main" id="{F580BCA4-E198-4B19-93D4-418964B64B91}"/>
+              </a:ext>
+            </a:extLst>
+          </p:cNvPr>
+          <p:cNvSpPr>
+            <a:spLocks noGrp="1"/>
+          </p:cNvSpPr>
+          <p:nvPr>
+            <p:ph type="title"/>
+          </p:nvPr>
+        </p:nvSpPr>
+        <p:spPr/>
+        <p:txBody>
+          <a:bodyPr/>
+          <a:lstStyle/>
+          <a:p>
+            <a:r>
+              <a:rPr lang="en-US" dirty="0"/>
+              <a:t>"</a:t>
+            </a:r>
+            <a:r>
+              <a:rPr lang="en-US" dirty="0" err="1"/>
+              <a:t>Drive"ing</a:t>
+            </a:r>
+            <a:r>
+              <a:rPr lang="en-US" dirty="0"/>
+              <a:t> results</a:t>
+            </a:r>
+          </a:p>
+        </p:txBody>
+      </p:sp>
+      <p:sp>
+        <p:nvSpPr>
+          <p:cNvPr id="3" name="Content Placeholder 2">
+            <a:extLst>
+              <a:ext uri="{FF2B5EF4-FFF2-40B4-BE49-F238E27FC236}">
+                <a16:creationId xmlns:a16="http://schemas.microsoft.com/office/drawing/2014/main" id="{DA49432B-C2E3-48C1-96DE-B778188D43DC}"/>
+              </a:ext>
+            </a:extLst>
+          </p:cNvPr>
+          <p:cNvSpPr>
+            <a:spLocks noGrp="1"/>
+          </p:cNvSpPr>
+          <p:nvPr>
+            <p:ph idx="1"/>
+          </p:nvPr>
+        </p:nvSpPr>
+        <p:spPr/>
+        <p:txBody>
+          <a:bodyPr/>
+          <a:lstStyle/>
+          <a:p>
+            <a:endParaRPr lang="en-US"/>
+          </a:p>
+        </p:txBody>
+      </p:sp>
+    </p:spTree>
+    <p:extLst>
+      <p:ext uri="{BB962C8B-B14F-4D97-AF65-F5344CB8AC3E}">
+        <p14:creationId xmlns:p14="http://schemas.microsoft.com/office/powerpoint/2010/main" val="67912059"/>
+      </p:ext>
+    </p:extLst>
+  </p:cSld>
+  <p:clrMapOvr>
+    <a:masterClrMapping/>
+  </p:clrMapOvr>
+</p:sld>
+</file>
+
+<file path=ppt/slides/slide24.xml><?xml version="1.0" encoding="utf-8"?>
+<p:sld xmlns:a="http://schemas.openxmlformats.org/drawingml/2006/main" xmlns:r="http://schemas.openxmlformats.org/officeDocument/2006/relationships" xmlns:p="http://schemas.openxmlformats.org/presentationml/2006/main">
+  <p:cSld>
+    <p:spTree>
+      <p:nvGrpSpPr>
+        <p:cNvPr id="1" name=""/>
+        <p:cNvGrpSpPr/>
+        <p:nvPr/>
+      </p:nvGrpSpPr>
+      <p:grpSpPr>
+        <a:xfrm>
+          <a:off x="0" y="0"/>
+          <a:ext cx="0" cy="0"/>
+          <a:chOff x="0" y="0"/>
+          <a:chExt cx="0" cy="0"/>
+        </a:xfrm>
+      </p:grpSpPr>
+      <p:sp>
+        <p:nvSpPr>
+          <p:cNvPr id="2" name="Title 1">
+            <a:extLst>
+              <a:ext uri="{FF2B5EF4-FFF2-40B4-BE49-F238E27FC236}">
+                <a16:creationId xmlns:a16="http://schemas.microsoft.com/office/drawing/2014/main" id="{47416CB0-E44B-4B52-861C-80A13A2E598E}"/>
+              </a:ext>
+            </a:extLst>
+          </p:cNvPr>
+          <p:cNvSpPr>
+            <a:spLocks noGrp="1"/>
+          </p:cNvSpPr>
+          <p:nvPr>
+            <p:ph type="title"/>
+          </p:nvPr>
+        </p:nvSpPr>
+        <p:spPr/>
+        <p:txBody>
+          <a:bodyPr/>
+          <a:lstStyle/>
+          <a:p>
+            <a:r>
+              <a:rPr lang="en-US" dirty="0"/>
+              <a:t>Jealously guarding hope</a:t>
+            </a:r>
+          </a:p>
+        </p:txBody>
+      </p:sp>
+      <p:sp>
+        <p:nvSpPr>
+          <p:cNvPr id="3" name="Content Placeholder 2">
+            <a:extLst>
+              <a:ext uri="{FF2B5EF4-FFF2-40B4-BE49-F238E27FC236}">
+                <a16:creationId xmlns:a16="http://schemas.microsoft.com/office/drawing/2014/main" id="{F8B7C5E8-94F6-4A3F-A3FA-B78ACBC8A613}"/>
+              </a:ext>
+            </a:extLst>
+          </p:cNvPr>
+          <p:cNvSpPr>
+            <a:spLocks noGrp="1"/>
+          </p:cNvSpPr>
+          <p:nvPr>
+            <p:ph idx="1"/>
+          </p:nvPr>
+        </p:nvSpPr>
+        <p:spPr/>
+        <p:txBody>
+          <a:bodyPr/>
+          <a:lstStyle/>
+          <a:p>
+            <a:endParaRPr lang="en-US"/>
+          </a:p>
+        </p:txBody>
+      </p:sp>
+    </p:spTree>
+    <p:extLst>
+      <p:ext uri="{BB962C8B-B14F-4D97-AF65-F5344CB8AC3E}">
+        <p14:creationId xmlns:p14="http://schemas.microsoft.com/office/powerpoint/2010/main" val="996669767"/>
+      </p:ext>
+    </p:extLst>
+  </p:cSld>
+  <p:clrMapOvr>
+    <a:masterClrMapping/>
+  </p:clrMapOvr>
+</p:sld>
+</file>
+
+<file path=ppt/slides/slide25.xml><?xml version="1.0" encoding="utf-8"?>
+<p:sld xmlns:a="http://schemas.openxmlformats.org/drawingml/2006/main" xmlns:r="http://schemas.openxmlformats.org/officeDocument/2006/relationships" xmlns:p="http://schemas.openxmlformats.org/presentationml/2006/main">
+  <p:cSld>
+    <p:spTree>
+      <p:nvGrpSpPr>
+        <p:cNvPr id="1" name=""/>
+        <p:cNvGrpSpPr/>
+        <p:nvPr/>
+      </p:nvGrpSpPr>
+      <p:grpSpPr>
+        <a:xfrm>
+          <a:off x="0" y="0"/>
+          <a:ext cx="0" cy="0"/>
+          <a:chOff x="0" y="0"/>
+          <a:chExt cx="0" cy="0"/>
+        </a:xfrm>
+      </p:grpSpPr>
+      <p:sp>
+        <p:nvSpPr>
+          <p:cNvPr id="2" name="Title 1">
+            <a:extLst>
+              <a:ext uri="{FF2B5EF4-FFF2-40B4-BE49-F238E27FC236}">
+                <a16:creationId xmlns:a16="http://schemas.microsoft.com/office/drawing/2014/main" id="{0A57EE75-E80A-44CA-8C6A-22ADEC1D2887}"/>
+              </a:ext>
+            </a:extLst>
+          </p:cNvPr>
+          <p:cNvSpPr>
+            <a:spLocks noGrp="1"/>
+          </p:cNvSpPr>
+          <p:nvPr>
+            <p:ph type="title"/>
+          </p:nvPr>
+        </p:nvSpPr>
+        <p:spPr/>
+        <p:txBody>
+          <a:bodyPr/>
+          <a:lstStyle/>
+          <a:p>
+            <a:r>
+              <a:rPr lang="en-US" dirty="0"/>
+              <a:t>The Winning of the Race</a:t>
+            </a:r>
+          </a:p>
+        </p:txBody>
+      </p:sp>
+      <p:sp>
+        <p:nvSpPr>
+          <p:cNvPr id="3" name="Content Placeholder 2">
+            <a:extLst>
+              <a:ext uri="{FF2B5EF4-FFF2-40B4-BE49-F238E27FC236}">
+                <a16:creationId xmlns:a16="http://schemas.microsoft.com/office/drawing/2014/main" id="{D2D44ED5-8426-4577-A9FC-017937CA490B}"/>
+              </a:ext>
+            </a:extLst>
+          </p:cNvPr>
+          <p:cNvSpPr>
+            <a:spLocks noGrp="1"/>
+          </p:cNvSpPr>
+          <p:nvPr>
+            <p:ph idx="1"/>
+          </p:nvPr>
+        </p:nvSpPr>
+        <p:spPr/>
+        <p:txBody>
+          <a:bodyPr/>
+          <a:lstStyle/>
+          <a:p>
+            <a:endParaRPr lang="en-US"/>
+          </a:p>
+        </p:txBody>
+      </p:sp>
+    </p:spTree>
+    <p:extLst>
+      <p:ext uri="{BB962C8B-B14F-4D97-AF65-F5344CB8AC3E}">
+        <p14:creationId xmlns:p14="http://schemas.microsoft.com/office/powerpoint/2010/main" val="636599258"/>
+      </p:ext>
+    </p:extLst>
+  </p:cSld>
+  <p:clrMapOvr>
+    <a:masterClrMapping/>
+  </p:clrMapOvr>
+</p:sld>
+</file>
+
+<file path=ppt/slides/slide26.xml><?xml version="1.0" encoding="utf-8"?>
+<p:sld xmlns:a="http://schemas.openxmlformats.org/drawingml/2006/main" xmlns:r="http://schemas.openxmlformats.org/officeDocument/2006/relationships" xmlns:p="http://schemas.openxmlformats.org/presentationml/2006/main">
+  <p:cSld>
+    <p:spTree>
+      <p:nvGrpSpPr>
+        <p:cNvPr id="1" name=""/>
+        <p:cNvGrpSpPr/>
+        <p:nvPr/>
+      </p:nvGrpSpPr>
+      <p:grpSpPr>
+        <a:xfrm>
+          <a:off x="0" y="0"/>
+          <a:ext cx="0" cy="0"/>
+          <a:chOff x="0" y="0"/>
+          <a:chExt cx="0" cy="0"/>
+        </a:xfrm>
+      </p:grpSpPr>
+      <p:sp>
+        <p:nvSpPr>
+          <p:cNvPr id="2" name="Title 1">
+            <a:extLst>
+              <a:ext uri="{FF2B5EF4-FFF2-40B4-BE49-F238E27FC236}">
+                <a16:creationId xmlns:a16="http://schemas.microsoft.com/office/drawing/2014/main" id="{4ED4D8D2-C8FA-4DFC-9845-6E4DC5584F88}"/>
+              </a:ext>
+            </a:extLst>
+          </p:cNvPr>
+          <p:cNvSpPr>
+            <a:spLocks noGrp="1"/>
+          </p:cNvSpPr>
+          <p:nvPr>
+            <p:ph type="title"/>
+          </p:nvPr>
+        </p:nvSpPr>
+        <p:spPr/>
+        <p:txBody>
+          <a:bodyPr/>
+          <a:lstStyle/>
+          <a:p>
+            <a:r>
+              <a:rPr lang="en-US" dirty="0"/>
+              <a:t>The race as marathon</a:t>
+            </a:r>
+          </a:p>
+        </p:txBody>
+      </p:sp>
+      <p:sp>
+        <p:nvSpPr>
+          <p:cNvPr id="3" name="Content Placeholder 2">
+            <a:extLst>
+              <a:ext uri="{FF2B5EF4-FFF2-40B4-BE49-F238E27FC236}">
+                <a16:creationId xmlns:a16="http://schemas.microsoft.com/office/drawing/2014/main" id="{13EF36A2-356E-40CC-BDD1-DADF18D43EED}"/>
+              </a:ext>
+            </a:extLst>
+          </p:cNvPr>
+          <p:cNvSpPr>
+            <a:spLocks noGrp="1"/>
+          </p:cNvSpPr>
+          <p:nvPr>
+            <p:ph idx="1"/>
+          </p:nvPr>
+        </p:nvSpPr>
+        <p:spPr/>
+        <p:txBody>
+          <a:bodyPr/>
+          <a:lstStyle/>
+          <a:p>
+            <a:pPr marL="514350" indent="-514350">
+              <a:buFont typeface="+mj-lt"/>
+              <a:buAutoNum type="arabicPeriod"/>
+            </a:pPr>
+            <a:r>
+              <a:rPr lang="en-US" dirty="0"/>
+              <a:t>Infinite game</a:t>
+            </a:r>
+          </a:p>
+          <a:p>
+            <a:pPr marL="514350" indent="-514350">
+              <a:buFont typeface="+mj-lt"/>
+              <a:buAutoNum type="arabicPeriod"/>
+            </a:pPr>
+            <a:r>
+              <a:rPr lang="en-US" dirty="0"/>
+              <a:t>Insist on commitment</a:t>
+            </a:r>
+          </a:p>
+          <a:p>
+            <a:pPr marL="514350" indent="-514350">
+              <a:buFont typeface="+mj-lt"/>
+              <a:buAutoNum type="arabicPeriod"/>
+            </a:pPr>
+            <a:r>
+              <a:rPr lang="en-US" dirty="0"/>
+              <a:t>Be agile like tortoise</a:t>
+            </a:r>
+          </a:p>
+        </p:txBody>
+      </p:sp>
+    </p:spTree>
+    <p:extLst>
+      <p:ext uri="{BB962C8B-B14F-4D97-AF65-F5344CB8AC3E}">
+        <p14:creationId xmlns:p14="http://schemas.microsoft.com/office/powerpoint/2010/main" val="3751012982"/>
+      </p:ext>
+    </p:extLst>
+  </p:cSld>
+  <p:clrMapOvr>
+    <a:masterClrMapping/>
+  </p:clrMapOvr>
+</p:sld>
+</file>
+
+<file path=ppt/slides/slide27.xml><?xml version="1.0" encoding="utf-8"?>
+<p:sld xmlns:a="http://schemas.openxmlformats.org/drawingml/2006/main" xmlns:r="http://schemas.openxmlformats.org/officeDocument/2006/relationships" xmlns:p="http://schemas.openxmlformats.org/presentationml/2006/main">
+  <p:cSld>
+    <p:spTree>
+      <p:nvGrpSpPr>
+        <p:cNvPr id="1" name=""/>
+        <p:cNvGrpSpPr/>
+        <p:nvPr/>
+      </p:nvGrpSpPr>
+      <p:grpSpPr>
+        <a:xfrm>
+          <a:off x="0" y="0"/>
+          <a:ext cx="0" cy="0"/>
+          <a:chOff x="0" y="0"/>
+          <a:chExt cx="0" cy="0"/>
+        </a:xfrm>
+      </p:grpSpPr>
+      <p:sp>
+        <p:nvSpPr>
+          <p:cNvPr id="2" name="Title 1">
+            <a:extLst>
+              <a:ext uri="{FF2B5EF4-FFF2-40B4-BE49-F238E27FC236}">
+                <a16:creationId xmlns:a16="http://schemas.microsoft.com/office/drawing/2014/main" id="{23DDD5C5-6798-4152-BFA8-A232CF38EDFA}"/>
+              </a:ext>
+            </a:extLst>
+          </p:cNvPr>
+          <p:cNvSpPr>
+            <a:spLocks noGrp="1"/>
+          </p:cNvSpPr>
+          <p:nvPr>
+            <p:ph type="title"/>
+          </p:nvPr>
+        </p:nvSpPr>
+        <p:spPr/>
+        <p:txBody>
+          <a:bodyPr/>
+          <a:lstStyle/>
+          <a:p>
+            <a:r>
+              <a:rPr lang="en-US" dirty="0"/>
+              <a:t>The Race as Life</a:t>
+            </a:r>
+          </a:p>
+        </p:txBody>
+      </p:sp>
+      <p:sp>
+        <p:nvSpPr>
+          <p:cNvPr id="3" name="Content Placeholder 2">
+            <a:extLst>
+              <a:ext uri="{FF2B5EF4-FFF2-40B4-BE49-F238E27FC236}">
+                <a16:creationId xmlns:a16="http://schemas.microsoft.com/office/drawing/2014/main" id="{FAFA1990-5C5F-4BE0-8836-98D259FD8BC1}"/>
+              </a:ext>
+            </a:extLst>
+          </p:cNvPr>
+          <p:cNvSpPr>
+            <a:spLocks noGrp="1"/>
+          </p:cNvSpPr>
+          <p:nvPr>
+            <p:ph idx="1"/>
+          </p:nvPr>
+        </p:nvSpPr>
+        <p:spPr/>
+        <p:txBody>
+          <a:bodyPr/>
+          <a:lstStyle/>
+          <a:p>
+            <a:r>
+              <a:rPr lang="en-US" dirty="0"/>
+              <a:t>Honor what is ending</a:t>
+            </a:r>
+          </a:p>
+          <a:p>
+            <a:r>
+              <a:rPr lang="en-US" dirty="0"/>
+              <a:t>Nurture what is emerging</a:t>
+            </a:r>
+          </a:p>
+        </p:txBody>
+      </p:sp>
+    </p:spTree>
+    <p:extLst>
+      <p:ext uri="{BB962C8B-B14F-4D97-AF65-F5344CB8AC3E}">
+        <p14:creationId xmlns:p14="http://schemas.microsoft.com/office/powerpoint/2010/main" val="3527141092"/>
+      </p:ext>
+    </p:extLst>
+  </p:cSld>
+  <p:clrMapOvr>
+    <a:masterClrMapping/>
+  </p:clrMapOvr>
+</p:sld>
+</file>
+
+<file path=ppt/slides/slide28.xml><?xml version="1.0" encoding="utf-8"?>
+<p:sld xmlns:a="http://schemas.openxmlformats.org/drawingml/2006/main" xmlns:r="http://schemas.openxmlformats.org/officeDocument/2006/relationships" xmlns:p="http://schemas.openxmlformats.org/presentationml/2006/main">
+  <p:cSld>
+    <p:spTree>
+      <p:nvGrpSpPr>
+        <p:cNvPr id="1" name=""/>
+        <p:cNvGrpSpPr/>
+        <p:nvPr/>
+      </p:nvGrpSpPr>
+      <p:grpSpPr>
+        <a:xfrm>
+          <a:off x="0" y="0"/>
+          <a:ext cx="0" cy="0"/>
+          <a:chOff x="0" y="0"/>
+          <a:chExt cx="0" cy="0"/>
+        </a:xfrm>
+      </p:grpSpPr>
+      <p:sp>
+        <p:nvSpPr>
+          <p:cNvPr id="2" name="Title 1">
+            <a:extLst>
+              <a:ext uri="{FF2B5EF4-FFF2-40B4-BE49-F238E27FC236}">
+                <a16:creationId xmlns:a16="http://schemas.microsoft.com/office/drawing/2014/main" id="{96302A04-13CC-4768-AFD0-10582FF6E27A}"/>
+              </a:ext>
+            </a:extLst>
+          </p:cNvPr>
+          <p:cNvSpPr>
+            <a:spLocks noGrp="1"/>
+          </p:cNvSpPr>
+          <p:nvPr>
+            <p:ph type="title"/>
+          </p:nvPr>
+        </p:nvSpPr>
+        <p:spPr/>
+        <p:txBody>
+          <a:bodyPr/>
+          <a:lstStyle/>
+          <a:p>
+            <a:r>
+              <a:rPr lang="en-US" dirty="0"/>
+              <a:t>The race we're running (at BOKF)</a:t>
+            </a:r>
+          </a:p>
+        </p:txBody>
+      </p:sp>
+      <p:sp>
+        <p:nvSpPr>
+          <p:cNvPr id="3" name="Content Placeholder 2">
+            <a:extLst>
+              <a:ext uri="{FF2B5EF4-FFF2-40B4-BE49-F238E27FC236}">
+                <a16:creationId xmlns:a16="http://schemas.microsoft.com/office/drawing/2014/main" id="{7476D450-E93F-4C96-A908-186048B4C693}"/>
+              </a:ext>
+            </a:extLst>
+          </p:cNvPr>
+          <p:cNvSpPr>
+            <a:spLocks noGrp="1"/>
+          </p:cNvSpPr>
+          <p:nvPr>
+            <p:ph idx="1"/>
+          </p:nvPr>
+        </p:nvSpPr>
+        <p:spPr/>
+        <p:txBody>
+          <a:bodyPr/>
+          <a:lstStyle/>
+          <a:p>
+            <a:r>
+              <a:rPr lang="en-US" dirty="0"/>
+              <a:t>We’re playing the game we want</a:t>
+            </a:r>
+          </a:p>
+          <a:p>
+            <a:r>
+              <a:rPr lang="en-US" dirty="0"/>
+              <a:t>We’re winning</a:t>
+            </a:r>
+          </a:p>
+        </p:txBody>
+      </p:sp>
+    </p:spTree>
+    <p:extLst>
+      <p:ext uri="{BB962C8B-B14F-4D97-AF65-F5344CB8AC3E}">
+        <p14:creationId xmlns:p14="http://schemas.microsoft.com/office/powerpoint/2010/main" val="2771060602"/>
+      </p:ext>
+    </p:extLst>
+  </p:cSld>
+  <p:clrMapOvr>
+    <a:masterClrMapping/>
+  </p:clrMapOvr>
+</p:sld>
+</file>
+
+<file path=ppt/slides/slide29.xml><?xml version="1.0" encoding="utf-8"?>
+<p:sld xmlns:a="http://schemas.openxmlformats.org/drawingml/2006/main" xmlns:r="http://schemas.openxmlformats.org/officeDocument/2006/relationships" xmlns:p="http://schemas.openxmlformats.org/presentationml/2006/main">
+  <p:cSld>
+    <p:spTree>
+      <p:nvGrpSpPr>
+        <p:cNvPr id="1" name=""/>
+        <p:cNvGrpSpPr/>
+        <p:nvPr/>
+      </p:nvGrpSpPr>
+      <p:grpSpPr>
+        <a:xfrm>
+          <a:off x="0" y="0"/>
+          <a:ext cx="0" cy="0"/>
+          <a:chOff x="0" y="0"/>
+          <a:chExt cx="0" cy="0"/>
+        </a:xfrm>
+      </p:grpSpPr>
+      <p:sp>
+        <p:nvSpPr>
+          <p:cNvPr id="2" name="Title 1">
+            <a:extLst>
+              <a:ext uri="{FF2B5EF4-FFF2-40B4-BE49-F238E27FC236}">
+                <a16:creationId xmlns:a16="http://schemas.microsoft.com/office/drawing/2014/main" id="{D4EBF7CE-CE54-4B0A-A4F3-F18CEBD3D0C6}"/>
+              </a:ext>
+            </a:extLst>
+          </p:cNvPr>
+          <p:cNvSpPr>
+            <a:spLocks noGrp="1"/>
+          </p:cNvSpPr>
+          <p:nvPr>
+            <p:ph type="title"/>
+          </p:nvPr>
+        </p:nvSpPr>
+        <p:spPr/>
+        <p:txBody>
+          <a:bodyPr/>
+          <a:lstStyle/>
+          <a:p>
+            <a:r>
+              <a:rPr lang="en-US" dirty="0"/>
+              <a:t>Thank you</a:t>
+            </a:r>
+          </a:p>
+        </p:txBody>
+      </p:sp>
+      <p:sp>
+        <p:nvSpPr>
+          <p:cNvPr id="3" name="Content Placeholder 2">
+            <a:extLst>
+              <a:ext uri="{FF2B5EF4-FFF2-40B4-BE49-F238E27FC236}">
+                <a16:creationId xmlns:a16="http://schemas.microsoft.com/office/drawing/2014/main" id="{B2C3C84A-E8AD-4353-8EA9-DD3ADEC627AF}"/>
+              </a:ext>
+            </a:extLst>
+          </p:cNvPr>
+          <p:cNvSpPr>
+            <a:spLocks noGrp="1"/>
+          </p:cNvSpPr>
+          <p:nvPr>
+            <p:ph idx="1"/>
+          </p:nvPr>
+        </p:nvSpPr>
+        <p:spPr/>
+        <p:txBody>
+          <a:bodyPr/>
+          <a:lstStyle/>
+          <a:p>
+            <a:endParaRPr lang="en-US"/>
+          </a:p>
+        </p:txBody>
+      </p:sp>
+    </p:spTree>
+    <p:extLst>
+      <p:ext uri="{BB962C8B-B14F-4D97-AF65-F5344CB8AC3E}">
+        <p14:creationId xmlns:p14="http://schemas.microsoft.com/office/powerpoint/2010/main" val="485086875"/>
+      </p:ext>
+    </p:extLst>
+  </p:cSld>
+  <p:clrMapOvr>
+    <a:masterClrMapping/>
+  </p:clrMapOvr>
+</p:sld>
+</file>
+
+<file path=ppt/slides/slide3.xml><?xml version="1.0" encoding="utf-8"?>
+<p:sld xmlns:a="http://schemas.openxmlformats.org/drawingml/2006/main" xmlns:r="http://schemas.openxmlformats.org/officeDocument/2006/relationships" xmlns:p="http://schemas.openxmlformats.org/presentationml/2006/main">
+  <p:cSld>
+    <p:spTree>
+      <p:nvGrpSpPr>
+        <p:cNvPr id="1" name=""/>
+        <p:cNvGrpSpPr/>
+        <p:nvPr/>
+      </p:nvGrpSpPr>
+      <p:grpSpPr>
+        <a:xfrm>
+          <a:off x="0" y="0"/>
+          <a:ext cx="0" cy="0"/>
+          <a:chOff x="0" y="0"/>
+          <a:chExt cx="0" cy="0"/>
+        </a:xfrm>
+      </p:grpSpPr>
+      <p:sp>
+        <p:nvSpPr>
+          <p:cNvPr id="3" name="Content Placeholder 2">
+            <a:extLst>
+              <a:ext uri="{FF2B5EF4-FFF2-40B4-BE49-F238E27FC236}">
+                <a16:creationId xmlns:a16="http://schemas.microsoft.com/office/drawing/2014/main" id="{9EBE03E1-1F38-4F72-A01D-64F986FE5B7E}"/>
+              </a:ext>
+            </a:extLst>
+          </p:cNvPr>
+          <p:cNvSpPr>
+            <a:spLocks noGrp="1"/>
+          </p:cNvSpPr>
+          <p:nvPr>
+            <p:ph idx="1"/>
+          </p:nvPr>
+        </p:nvSpPr>
+        <p:spPr/>
+        <p:txBody>
+          <a:bodyPr/>
+          <a:lstStyle/>
+          <a:p>
+            <a:endParaRPr lang="en-US" dirty="0"/>
+          </a:p>
+        </p:txBody>
+      </p:sp>
+      <p:pic>
+        <p:nvPicPr>
+          <p:cNvPr id="1028" name="Picture 4">
+            <a:extLst>
+              <a:ext uri="{FF2B5EF4-FFF2-40B4-BE49-F238E27FC236}">
+                <a16:creationId xmlns:a16="http://schemas.microsoft.com/office/drawing/2014/main" id="{C7554835-1D0E-4A2F-9299-759697EF5C55}"/>
+              </a:ext>
+            </a:extLst>
+          </p:cNvPr>
+          <p:cNvPicPr>
+            <a:picLocks noChangeAspect="1" noChangeArrowheads="1"/>
+          </p:cNvPicPr>
+          <p:nvPr/>
+        </p:nvPicPr>
+        <p:blipFill>
+          <a:blip r:embed="rId3">
+            <a:extLst>
+              <a:ext uri="{28A0092B-C50C-407E-A947-70E740481C1C}">
+                <a14:useLocalDpi xmlns:a14="http://schemas.microsoft.com/office/drawing/2010/main" val="0"/>
+              </a:ext>
+            </a:extLst>
+          </a:blip>
+          <a:srcRect/>
+          <a:stretch>
+            <a:fillRect/>
+          </a:stretch>
+        </p:blipFill>
+        <p:spPr bwMode="auto">
+          <a:xfrm>
+            <a:off x="838200" y="18535"/>
+            <a:ext cx="10515600" cy="6820930"/>
+          </a:xfrm>
+          <a:prstGeom prst="rect">
+            <a:avLst/>
+          </a:prstGeom>
+          <a:noFill/>
+          <a:extLst>
+            <a:ext uri="{909E8E84-426E-40DD-AFC4-6F175D3DCCD1}">
+              <a14:hiddenFill xmlns:a14="http://schemas.microsoft.com/office/drawing/2010/main">
+                <a:solidFill>
+                  <a:srgbClr val="FFFFFF"/>
+                </a:solidFill>
+              </a14:hiddenFill>
+            </a:ext>
+          </a:extLst>
+        </p:spPr>
+      </p:pic>
+      <p:sp>
+        <p:nvSpPr>
+          <p:cNvPr id="2" name="Title 1">
+            <a:extLst>
+              <a:ext uri="{FF2B5EF4-FFF2-40B4-BE49-F238E27FC236}">
+                <a16:creationId xmlns:a16="http://schemas.microsoft.com/office/drawing/2014/main" id="{1B35FFBF-9371-4AE0-A054-A7F840D5B9B3}"/>
+              </a:ext>
+            </a:extLst>
+          </p:cNvPr>
+          <p:cNvSpPr>
+            <a:spLocks noGrp="1"/>
+          </p:cNvSpPr>
+          <p:nvPr>
+            <p:ph type="title"/>
+          </p:nvPr>
+        </p:nvSpPr>
+        <p:spPr/>
+        <p:txBody>
+          <a:bodyPr/>
+          <a:lstStyle/>
+          <a:p>
+            <a:r>
+              <a:rPr lang="en-US" dirty="0"/>
+              <a:t>The BOKF Tortoise</a:t>
+            </a:r>
+          </a:p>
+        </p:txBody>
+      </p:sp>
+    </p:spTree>
+    <p:extLst>
+      <p:ext uri="{BB962C8B-B14F-4D97-AF65-F5344CB8AC3E}">
+        <p14:creationId xmlns:p14="http://schemas.microsoft.com/office/powerpoint/2010/main" val="952410151"/>
+      </p:ext>
+    </p:extLst>
+  </p:cSld>
+  <p:clrMapOvr>
+    <a:masterClrMapping/>
+  </p:clrMapOvr>
+</p:sld>
+</file>
+
+<file path=ppt/slides/slide30.xml><?xml version="1.0" encoding="utf-8"?>
+<p:sld xmlns:a="http://schemas.openxmlformats.org/drawingml/2006/main" xmlns:r="http://schemas.openxmlformats.org/officeDocument/2006/relationships" xmlns:p="http://schemas.openxmlformats.org/presentationml/2006/main">
+  <p:cSld>
+    <p:spTree>
+      <p:nvGrpSpPr>
+        <p:cNvPr id="1" name=""/>
+        <p:cNvGrpSpPr/>
+        <p:nvPr/>
+      </p:nvGrpSpPr>
+      <p:grpSpPr>
+        <a:xfrm>
+          <a:off x="0" y="0"/>
+          <a:ext cx="0" cy="0"/>
+          <a:chOff x="0" y="0"/>
+          <a:chExt cx="0" cy="0"/>
+        </a:xfrm>
+      </p:grpSpPr>
+      <p:sp>
+        <p:nvSpPr>
+          <p:cNvPr id="2" name="Title 1">
+            <a:extLst>
+              <a:ext uri="{FF2B5EF4-FFF2-40B4-BE49-F238E27FC236}">
+                <a16:creationId xmlns:a16="http://schemas.microsoft.com/office/drawing/2014/main" id="{12E17E8A-DA4F-4088-814A-A62D8B65D2CD}"/>
+              </a:ext>
+            </a:extLst>
+          </p:cNvPr>
+          <p:cNvSpPr>
+            <a:spLocks noGrp="1"/>
+          </p:cNvSpPr>
+          <p:nvPr>
+            <p:ph type="title"/>
+          </p:nvPr>
+        </p:nvSpPr>
+        <p:spPr/>
+        <p:txBody>
+          <a:bodyPr/>
+          <a:lstStyle/>
+          <a:p>
+            <a:r>
+              <a:rPr lang="en-US" dirty="0"/>
+              <a:t>Credits and More Learning</a:t>
+            </a:r>
+          </a:p>
+        </p:txBody>
+      </p:sp>
+      <p:sp>
+        <p:nvSpPr>
+          <p:cNvPr id="3" name="Content Placeholder 2">
+            <a:extLst>
+              <a:ext uri="{FF2B5EF4-FFF2-40B4-BE49-F238E27FC236}">
+                <a16:creationId xmlns:a16="http://schemas.microsoft.com/office/drawing/2014/main" id="{D2625171-2631-4B7D-BB27-433621E6D1BF}"/>
+              </a:ext>
+            </a:extLst>
+          </p:cNvPr>
+          <p:cNvSpPr>
+            <a:spLocks noGrp="1"/>
+          </p:cNvSpPr>
+          <p:nvPr>
+            <p:ph idx="1"/>
+          </p:nvPr>
+        </p:nvSpPr>
+        <p:spPr/>
+        <p:txBody>
+          <a:bodyPr/>
+          <a:lstStyle/>
+          <a:p>
+            <a:endParaRPr lang="en-US"/>
+          </a:p>
+        </p:txBody>
+      </p:sp>
+    </p:spTree>
+    <p:extLst>
+      <p:ext uri="{BB962C8B-B14F-4D97-AF65-F5344CB8AC3E}">
+        <p14:creationId xmlns:p14="http://schemas.microsoft.com/office/powerpoint/2010/main" val="4114920322"/>
+      </p:ext>
+    </p:extLst>
+  </p:cSld>
+  <p:clrMapOvr>
+    <a:masterClrMapping/>
+  </p:clrMapOvr>
+</p:sld>
+</file>
+
+<file path=ppt/slides/slide4.xml><?xml version="1.0" encoding="utf-8"?>
+<p:sld xmlns:a="http://schemas.openxmlformats.org/drawingml/2006/main" xmlns:r="http://schemas.openxmlformats.org/officeDocument/2006/relationships" xmlns:p="http://schemas.openxmlformats.org/presentationml/2006/main">
+  <p:cSld>
+    <p:spTree>
+      <p:nvGrpSpPr>
+        <p:cNvPr id="1" name=""/>
+        <p:cNvGrpSpPr/>
+        <p:nvPr/>
+      </p:nvGrpSpPr>
+      <p:grpSpPr>
+        <a:xfrm>
+          <a:off x="0" y="0"/>
+          <a:ext cx="0" cy="0"/>
+          <a:chOff x="0" y="0"/>
+          <a:chExt cx="0" cy="0"/>
+        </a:xfrm>
+      </p:grpSpPr>
+      <p:sp>
+        <p:nvSpPr>
+          <p:cNvPr id="3" name="Content Placeholder 2">
+            <a:extLst>
+              <a:ext uri="{FF2B5EF4-FFF2-40B4-BE49-F238E27FC236}">
+                <a16:creationId xmlns:a16="http://schemas.microsoft.com/office/drawing/2014/main" id="{9EBE03E1-1F38-4F72-A01D-64F986FE5B7E}"/>
+              </a:ext>
+            </a:extLst>
+          </p:cNvPr>
+          <p:cNvSpPr>
+            <a:spLocks noGrp="1"/>
+          </p:cNvSpPr>
+          <p:nvPr>
+            <p:ph idx="1"/>
+          </p:nvPr>
+        </p:nvSpPr>
+        <p:spPr/>
+        <p:txBody>
+          <a:bodyPr/>
+          <a:lstStyle/>
+          <a:p>
+            <a:endParaRPr lang="en-US" dirty="0"/>
+          </a:p>
+        </p:txBody>
+      </p:sp>
+      <p:pic>
+        <p:nvPicPr>
+          <p:cNvPr id="1028" name="Picture 4">
+            <a:extLst>
+              <a:ext uri="{FF2B5EF4-FFF2-40B4-BE49-F238E27FC236}">
+                <a16:creationId xmlns:a16="http://schemas.microsoft.com/office/drawing/2014/main" id="{C7554835-1D0E-4A2F-9299-759697EF5C55}"/>
+              </a:ext>
+            </a:extLst>
+          </p:cNvPr>
+          <p:cNvPicPr>
+            <a:picLocks noChangeAspect="1" noChangeArrowheads="1"/>
+          </p:cNvPicPr>
+          <p:nvPr/>
+        </p:nvPicPr>
+        <p:blipFill>
+          <a:blip r:embed="rId3">
+            <a:extLst>
+              <a:ext uri="{28A0092B-C50C-407E-A947-70E740481C1C}">
+                <a14:useLocalDpi xmlns:a14="http://schemas.microsoft.com/office/drawing/2010/main" val="0"/>
+              </a:ext>
+            </a:extLst>
+          </a:blip>
+          <a:srcRect/>
+          <a:stretch>
+            <a:fillRect/>
+          </a:stretch>
+        </p:blipFill>
+        <p:spPr bwMode="auto">
+          <a:xfrm>
+            <a:off x="838200" y="18535"/>
+            <a:ext cx="10515600" cy="6820930"/>
+          </a:xfrm>
+          <a:prstGeom prst="rect">
+            <a:avLst/>
+          </a:prstGeom>
+          <a:noFill/>
+          <a:extLst>
+            <a:ext uri="{909E8E84-426E-40DD-AFC4-6F175D3DCCD1}">
+              <a14:hiddenFill xmlns:a14="http://schemas.microsoft.com/office/drawing/2010/main">
+                <a:solidFill>
+                  <a:srgbClr val="FFFFFF"/>
+                </a:solidFill>
+              </a14:hiddenFill>
+            </a:ext>
+          </a:extLst>
+        </p:spPr>
+      </p:pic>
+      <p:sp>
+        <p:nvSpPr>
+          <p:cNvPr id="2" name="Title 1">
+            <a:extLst>
+              <a:ext uri="{FF2B5EF4-FFF2-40B4-BE49-F238E27FC236}">
+                <a16:creationId xmlns:a16="http://schemas.microsoft.com/office/drawing/2014/main" id="{1B35FFBF-9371-4AE0-A054-A7F840D5B9B3}"/>
+              </a:ext>
+            </a:extLst>
+          </p:cNvPr>
+          <p:cNvSpPr>
+            <a:spLocks noGrp="1"/>
+          </p:cNvSpPr>
+          <p:nvPr>
+            <p:ph type="title"/>
+          </p:nvPr>
+        </p:nvSpPr>
+        <p:spPr/>
+        <p:txBody>
+          <a:bodyPr/>
+          <a:lstStyle/>
+          <a:p>
+            <a:r>
+              <a:rPr lang="en-US" dirty="0"/>
+              <a:t>The Race We Started</a:t>
+            </a:r>
+          </a:p>
+        </p:txBody>
+      </p:sp>
+    </p:spTree>
+    <p:extLst>
+      <p:ext uri="{BB962C8B-B14F-4D97-AF65-F5344CB8AC3E}">
+        <p14:creationId xmlns:p14="http://schemas.microsoft.com/office/powerpoint/2010/main" val="1445182825"/>
+      </p:ext>
+    </p:extLst>
+  </p:cSld>
+  <p:clrMapOvr>
+    <a:masterClrMapping/>
+  </p:clrMapOvr>
+</p:sld>
+</file>
+
+<file path=ppt/slides/slide5.xml><?xml version="1.0" encoding="utf-8"?>
+<p:sld xmlns:a="http://schemas.openxmlformats.org/drawingml/2006/main" xmlns:r="http://schemas.openxmlformats.org/officeDocument/2006/relationships" xmlns:p="http://schemas.openxmlformats.org/presentationml/2006/main">
+  <p:cSld>
+    <p:spTree>
+      <p:nvGrpSpPr>
+        <p:cNvPr id="1" name=""/>
+        <p:cNvGrpSpPr/>
+        <p:nvPr/>
+      </p:nvGrpSpPr>
+      <p:grpSpPr>
+        <a:xfrm>
+          <a:off x="0" y="0"/>
+          <a:ext cx="0" cy="0"/>
+          <a:chOff x="0" y="0"/>
+          <a:chExt cx="0" cy="0"/>
+        </a:xfrm>
+      </p:grpSpPr>
+      <p:sp>
+        <p:nvSpPr>
+          <p:cNvPr id="2" name="Title 1">
+            <a:extLst>
+              <a:ext uri="{FF2B5EF4-FFF2-40B4-BE49-F238E27FC236}">
+                <a16:creationId xmlns:a16="http://schemas.microsoft.com/office/drawing/2014/main" id="{1EC25B8A-D1AD-416E-9090-1B76FC7DCBCC}"/>
+              </a:ext>
+            </a:extLst>
+          </p:cNvPr>
+          <p:cNvSpPr>
+            <a:spLocks noGrp="1"/>
+          </p:cNvSpPr>
+          <p:nvPr>
+            <p:ph type="title"/>
+          </p:nvPr>
+        </p:nvSpPr>
+        <p:spPr/>
+        <p:txBody>
+          <a:bodyPr/>
+          <a:lstStyle/>
+          <a:p>
+            <a:r>
+              <a:rPr lang="en-US" dirty="0"/>
+              <a:t>Conflating Agility with Revolution</a:t>
+            </a:r>
+          </a:p>
+        </p:txBody>
+      </p:sp>
+      <p:sp>
+        <p:nvSpPr>
+          <p:cNvPr id="3" name="Content Placeholder 2">
+            <a:extLst>
+              <a:ext uri="{FF2B5EF4-FFF2-40B4-BE49-F238E27FC236}">
+                <a16:creationId xmlns:a16="http://schemas.microsoft.com/office/drawing/2014/main" id="{3C032CC6-F818-4B53-B3D1-9B06C25B951C}"/>
+              </a:ext>
+            </a:extLst>
+          </p:cNvPr>
+          <p:cNvSpPr>
+            <a:spLocks noGrp="1"/>
+          </p:cNvSpPr>
+          <p:nvPr>
+            <p:ph idx="1"/>
+          </p:nvPr>
+        </p:nvSpPr>
+        <p:spPr/>
+        <p:txBody>
+          <a:bodyPr/>
+          <a:lstStyle/>
+          <a:p>
+            <a:endParaRPr lang="en-US"/>
+          </a:p>
+        </p:txBody>
+      </p:sp>
+    </p:spTree>
+    <p:extLst>
+      <p:ext uri="{BB962C8B-B14F-4D97-AF65-F5344CB8AC3E}">
+        <p14:creationId xmlns:p14="http://schemas.microsoft.com/office/powerpoint/2010/main" val="239544077"/>
+      </p:ext>
+    </p:extLst>
+  </p:cSld>
+  <p:clrMapOvr>
+    <a:masterClrMapping/>
+  </p:clrMapOvr>
+</p:sld>
+</file>
+
+<file path=ppt/slides/slide6.xml><?xml version="1.0" encoding="utf-8"?>
+<p:sld xmlns:a="http://schemas.openxmlformats.org/drawingml/2006/main" xmlns:r="http://schemas.openxmlformats.org/officeDocument/2006/relationships" xmlns:p="http://schemas.openxmlformats.org/presentationml/2006/main">
+  <p:cSld>
+    <p:spTree>
+      <p:nvGrpSpPr>
+        <p:cNvPr id="1" name=""/>
+        <p:cNvGrpSpPr/>
+        <p:nvPr/>
+      </p:nvGrpSpPr>
+      <p:grpSpPr>
+        <a:xfrm>
+          <a:off x="0" y="0"/>
+          <a:ext cx="0" cy="0"/>
+          <a:chOff x="0" y="0"/>
+          <a:chExt cx="0" cy="0"/>
+        </a:xfrm>
+      </p:grpSpPr>
+      <p:sp>
+        <p:nvSpPr>
+          <p:cNvPr id="2" name="Title 1">
+            <a:extLst>
+              <a:ext uri="{FF2B5EF4-FFF2-40B4-BE49-F238E27FC236}">
+                <a16:creationId xmlns:a16="http://schemas.microsoft.com/office/drawing/2014/main" id="{ED789446-BFA5-4E3D-B25A-E6D5066BB24B}"/>
+              </a:ext>
+            </a:extLst>
+          </p:cNvPr>
+          <p:cNvSpPr>
+            <a:spLocks noGrp="1"/>
+          </p:cNvSpPr>
+          <p:nvPr>
+            <p:ph type="title"/>
+          </p:nvPr>
+        </p:nvSpPr>
+        <p:spPr/>
+        <p:txBody>
+          <a:bodyPr/>
+          <a:lstStyle/>
+          <a:p>
+            <a:r>
+              <a:rPr lang="en-US" dirty="0"/>
+              <a:t>The Sustainable Tortoise</a:t>
+            </a:r>
+          </a:p>
+        </p:txBody>
+      </p:sp>
+      <p:sp>
+        <p:nvSpPr>
+          <p:cNvPr id="3" name="Content Placeholder 2">
+            <a:extLst>
+              <a:ext uri="{FF2B5EF4-FFF2-40B4-BE49-F238E27FC236}">
+                <a16:creationId xmlns:a16="http://schemas.microsoft.com/office/drawing/2014/main" id="{AC9BD19E-C0DF-4400-ACA4-BD5FAC83B8CB}"/>
+              </a:ext>
+            </a:extLst>
+          </p:cNvPr>
+          <p:cNvSpPr>
+            <a:spLocks noGrp="1"/>
+          </p:cNvSpPr>
+          <p:nvPr>
+            <p:ph idx="1"/>
+          </p:nvPr>
+        </p:nvSpPr>
+        <p:spPr/>
+        <p:txBody>
+          <a:bodyPr/>
+          <a:lstStyle/>
+          <a:p>
+            <a:endParaRPr lang="en-US"/>
+          </a:p>
+        </p:txBody>
+      </p:sp>
+    </p:spTree>
+    <p:extLst>
+      <p:ext uri="{BB962C8B-B14F-4D97-AF65-F5344CB8AC3E}">
+        <p14:creationId xmlns:p14="http://schemas.microsoft.com/office/powerpoint/2010/main" val="367878953"/>
+      </p:ext>
+    </p:extLst>
+  </p:cSld>
+  <p:clrMapOvr>
+    <a:masterClrMapping/>
+  </p:clrMapOvr>
+</p:sld>
+</file>
+
+<file path=ppt/slides/slide7.xml><?xml version="1.0" encoding="utf-8"?>
+<p:sld xmlns:a="http://schemas.openxmlformats.org/drawingml/2006/main" xmlns:r="http://schemas.openxmlformats.org/officeDocument/2006/relationships" xmlns:p="http://schemas.openxmlformats.org/presentationml/2006/main">
+  <p:cSld>
+    <p:spTree>
+      <p:nvGrpSpPr>
+        <p:cNvPr id="1" name=""/>
+        <p:cNvGrpSpPr/>
+        <p:nvPr/>
+      </p:nvGrpSpPr>
+      <p:grpSpPr>
+        <a:xfrm>
+          <a:off x="0" y="0"/>
+          <a:ext cx="0" cy="0"/>
+          <a:chOff x="0" y="0"/>
+          <a:chExt cx="0" cy="0"/>
+        </a:xfrm>
+      </p:grpSpPr>
+      <p:sp>
+        <p:nvSpPr>
+          <p:cNvPr id="2" name="Title 1">
+            <a:extLst>
+              <a:ext uri="{FF2B5EF4-FFF2-40B4-BE49-F238E27FC236}">
+                <a16:creationId xmlns:a16="http://schemas.microsoft.com/office/drawing/2014/main" id="{90B37DA7-F8DE-4138-B92F-553255C1C020}"/>
+              </a:ext>
+            </a:extLst>
+          </p:cNvPr>
+          <p:cNvSpPr>
+            <a:spLocks noGrp="1"/>
+          </p:cNvSpPr>
+          <p:nvPr>
+            <p:ph type="title"/>
+          </p:nvPr>
+        </p:nvSpPr>
+        <p:spPr/>
+        <p:txBody>
+          <a:bodyPr/>
+          <a:lstStyle/>
+          <a:p>
+            <a:r>
+              <a:rPr lang="en-US" dirty="0"/>
+              <a:t>The Technically Excellent Tortoise</a:t>
+            </a:r>
+          </a:p>
+        </p:txBody>
+      </p:sp>
+      <p:sp>
+        <p:nvSpPr>
+          <p:cNvPr id="3" name="Content Placeholder 2">
+            <a:extLst>
+              <a:ext uri="{FF2B5EF4-FFF2-40B4-BE49-F238E27FC236}">
+                <a16:creationId xmlns:a16="http://schemas.microsoft.com/office/drawing/2014/main" id="{35954247-03F3-44F1-953F-C3D835AAFFFB}"/>
+              </a:ext>
+            </a:extLst>
+          </p:cNvPr>
+          <p:cNvSpPr>
+            <a:spLocks noGrp="1"/>
+          </p:cNvSpPr>
+          <p:nvPr>
+            <p:ph idx="1"/>
+          </p:nvPr>
+        </p:nvSpPr>
+        <p:spPr/>
+        <p:txBody>
+          <a:bodyPr/>
+          <a:lstStyle/>
+          <a:p>
+            <a:endParaRPr lang="en-US"/>
+          </a:p>
+        </p:txBody>
+      </p:sp>
+    </p:spTree>
+    <p:extLst>
+      <p:ext uri="{BB962C8B-B14F-4D97-AF65-F5344CB8AC3E}">
+        <p14:creationId xmlns:p14="http://schemas.microsoft.com/office/powerpoint/2010/main" val="674298669"/>
+      </p:ext>
+    </p:extLst>
+  </p:cSld>
+  <p:clrMapOvr>
+    <a:masterClrMapping/>
+  </p:clrMapOvr>
+</p:sld>
+</file>
+
+<file path=ppt/slides/slide8.xml><?xml version="1.0" encoding="utf-8"?>
+<p:sld xmlns:a="http://schemas.openxmlformats.org/drawingml/2006/main" xmlns:r="http://schemas.openxmlformats.org/officeDocument/2006/relationships" xmlns:p="http://schemas.openxmlformats.org/presentationml/2006/main">
+  <p:cSld>
+    <p:spTree>
+      <p:nvGrpSpPr>
+        <p:cNvPr id="1" name=""/>
+        <p:cNvGrpSpPr/>
+        <p:nvPr/>
+      </p:nvGrpSpPr>
+      <p:grpSpPr>
+        <a:xfrm>
+          <a:off x="0" y="0"/>
+          <a:ext cx="0" cy="0"/>
+          <a:chOff x="0" y="0"/>
+          <a:chExt cx="0" cy="0"/>
+        </a:xfrm>
+      </p:grpSpPr>
+      <p:sp>
+        <p:nvSpPr>
+          <p:cNvPr id="2" name="Title 1">
+            <a:extLst>
+              <a:ext uri="{FF2B5EF4-FFF2-40B4-BE49-F238E27FC236}">
+                <a16:creationId xmlns:a16="http://schemas.microsoft.com/office/drawing/2014/main" id="{A1A1965A-1CFC-4885-9EB6-29E8027F6AE0}"/>
+              </a:ext>
+            </a:extLst>
+          </p:cNvPr>
+          <p:cNvSpPr>
+            <a:spLocks noGrp="1"/>
+          </p:cNvSpPr>
+          <p:nvPr>
+            <p:ph type="title"/>
+          </p:nvPr>
+        </p:nvSpPr>
+        <p:spPr/>
+        <p:txBody>
+          <a:bodyPr/>
+          <a:lstStyle/>
+          <a:p>
+            <a:r>
+              <a:rPr lang="en-US" dirty="0"/>
+              <a:t>The Simple Tortoise</a:t>
+            </a:r>
+          </a:p>
+        </p:txBody>
+      </p:sp>
+      <p:sp>
+        <p:nvSpPr>
+          <p:cNvPr id="3" name="Content Placeholder 2">
+            <a:extLst>
+              <a:ext uri="{FF2B5EF4-FFF2-40B4-BE49-F238E27FC236}">
+                <a16:creationId xmlns:a16="http://schemas.microsoft.com/office/drawing/2014/main" id="{1D895C6F-3DB8-4A3E-8F69-C01B53AA5877}"/>
+              </a:ext>
+            </a:extLst>
+          </p:cNvPr>
+          <p:cNvSpPr>
+            <a:spLocks noGrp="1"/>
+          </p:cNvSpPr>
+          <p:nvPr>
+            <p:ph idx="1"/>
+          </p:nvPr>
+        </p:nvSpPr>
+        <p:spPr/>
+        <p:txBody>
+          <a:bodyPr/>
+          <a:lstStyle/>
+          <a:p>
+            <a:endParaRPr lang="en-US"/>
+          </a:p>
+        </p:txBody>
+      </p:sp>
+    </p:spTree>
+    <p:extLst>
+      <p:ext uri="{BB962C8B-B14F-4D97-AF65-F5344CB8AC3E}">
+        <p14:creationId xmlns:p14="http://schemas.microsoft.com/office/powerpoint/2010/main" val="3678627880"/>
+      </p:ext>
+    </p:extLst>
+  </p:cSld>
+  <p:clrMapOvr>
+    <a:masterClrMapping/>
+  </p:clrMapOvr>
+</p:sld>
+</file>
+
+<file path=ppt/slides/slide9.xml><?xml version="1.0" encoding="utf-8"?>
+<p:sld xmlns:a="http://schemas.openxmlformats.org/drawingml/2006/main" xmlns:r="http://schemas.openxmlformats.org/officeDocument/2006/relationships" xmlns:p="http://schemas.openxmlformats.org/presentationml/2006/main">
+  <p:cSld>
+    <p:spTree>
+      <p:nvGrpSpPr>
+        <p:cNvPr id="1" name=""/>
+        <p:cNvGrpSpPr/>
+        <p:nvPr/>
+      </p:nvGrpSpPr>
+      <p:grpSpPr>
+        <a:xfrm>
+          <a:off x="0" y="0"/>
+          <a:ext cx="0" cy="0"/>
+          <a:chOff x="0" y="0"/>
+          <a:chExt cx="0" cy="0"/>
+        </a:xfrm>
+      </p:grpSpPr>
+      <p:sp>
+        <p:nvSpPr>
+          <p:cNvPr id="2" name="Title 1">
+            <a:extLst>
+              <a:ext uri="{FF2B5EF4-FFF2-40B4-BE49-F238E27FC236}">
+                <a16:creationId xmlns:a16="http://schemas.microsoft.com/office/drawing/2014/main" id="{0E8F038E-29BE-4EB7-AC03-C253DC4D99D6}"/>
+              </a:ext>
+            </a:extLst>
+          </p:cNvPr>
+          <p:cNvSpPr>
+            <a:spLocks noGrp="1"/>
+          </p:cNvSpPr>
+          <p:nvPr>
+            <p:ph type="title"/>
+          </p:nvPr>
+        </p:nvSpPr>
+        <p:spPr/>
+        <p:txBody>
+          <a:bodyPr/>
+          <a:lstStyle/>
+          <a:p>
+            <a:r>
+              <a:rPr lang="en-US" dirty="0"/>
+              <a:t>The Reflective Tortoise</a:t>
+            </a:r>
+          </a:p>
+        </p:txBody>
+      </p:sp>
+      <p:sp>
+        <p:nvSpPr>
+          <p:cNvPr id="3" name="Content Placeholder 2">
+            <a:extLst>
+              <a:ext uri="{FF2B5EF4-FFF2-40B4-BE49-F238E27FC236}">
+                <a16:creationId xmlns:a16="http://schemas.microsoft.com/office/drawing/2014/main" id="{BA708444-DABD-44C0-85A2-C9503F52395E}"/>
+              </a:ext>
+            </a:extLst>
+          </p:cNvPr>
+          <p:cNvSpPr>
+            <a:spLocks noGrp="1"/>
+          </p:cNvSpPr>
+          <p:nvPr>
+            <p:ph idx="1"/>
+          </p:nvPr>
+        </p:nvSpPr>
+        <p:spPr/>
+        <p:txBody>
+          <a:bodyPr/>
+          <a:lstStyle/>
+          <a:p>
+            <a:endParaRPr lang="en-US"/>
+          </a:p>
+        </p:txBody>
+      </p:sp>
+    </p:spTree>
+    <p:extLst>
+      <p:ext uri="{BB962C8B-B14F-4D97-AF65-F5344CB8AC3E}">
+        <p14:creationId xmlns:p14="http://schemas.microsoft.com/office/powerpoint/2010/main" val="1410166042"/>
+      </p:ext>
+    </p:extLst>
+  </p:cSld>
+  <p:clrMapOvr>
+    <a:masterClrMapping/>
+  </p:clrMapOvr>
+</p:sld>
+</file>
+
 <file path=ppt/theme/theme1.xml><?xml version="1.0" encoding="utf-8"?>
 <a:theme xmlns:a="http://schemas.openxmlformats.org/drawingml/2006/main" name="Office Theme">
   <a:themeElements>
@@ -3725,4 +9908,299 @@
     </a:ext>
   </a:extLst>
 </a:theme>
+</file>
+
+<file path=ppt/theme/theme2.xml><?xml version="1.0" encoding="utf-8"?>
+<a:theme xmlns:a="http://schemas.openxmlformats.org/drawingml/2006/main" name="Office Theme">
+  <a:themeElements>
+    <a:clrScheme name="Office">
+      <a:dk1>
+        <a:sysClr val="windowText" lastClr="000000"/>
+      </a:dk1>
+      <a:lt1>
+        <a:sysClr val="window" lastClr="FFFFFF"/>
+      </a:lt1>
+      <a:dk2>
+        <a:srgbClr val="44546A"/>
+      </a:dk2>
+      <a:lt2>
+        <a:srgbClr val="E7E6E6"/>
+      </a:lt2>
+      <a:accent1>
+        <a:srgbClr val="4472C4"/>
+      </a:accent1>
+      <a:accent2>
+        <a:srgbClr val="ED7D31"/>
+      </a:accent2>
+      <a:accent3>
+        <a:srgbClr val="A5A5A5"/>
+      </a:accent3>
+      <a:accent4>
+        <a:srgbClr val="FFC000"/>
+      </a:accent4>
+      <a:accent5>
+        <a:srgbClr val="5B9BD5"/>
+      </a:accent5>
+      <a:accent6>
+        <a:srgbClr val="70AD47"/>
+      </a:accent6>
+      <a:hlink>
+        <a:srgbClr val="0563C1"/>
+      </a:hlink>
+      <a:folHlink>
+        <a:srgbClr val="954F72"/>
+      </a:folHlink>
+    </a:clrScheme>
+    <a:fontScheme name="Office">
+      <a:majorFont>
+        <a:latin typeface="Calibri Light" panose="020F0302020204030204"/>
+        <a:ea typeface=""/>
+        <a:cs typeface=""/>
+        <a:font script="Jpan" typeface="游ゴシック Light"/>
+        <a:font script="Hang" typeface="맑은 고딕"/>
+        <a:font script="Hans" typeface="等线 Light"/>
+        <a:font script="Hant" typeface="新細明體"/>
+        <a:font script="Arab" typeface="Times New Roman"/>
+        <a:font script="Hebr" typeface="Times New Roman"/>
+        <a:font script="Thai" typeface="Angsana New"/>
+        <a:font script="Ethi" typeface="Nyala"/>
+        <a:font script="Beng" typeface="Vrinda"/>
+        <a:font script="Gujr" typeface="Shruti"/>
+        <a:font script="Khmr" typeface="MoolBoran"/>
+        <a:font script="Knda" typeface="Tunga"/>
+        <a:font script="Guru" typeface="Raavi"/>
+        <a:font script="Cans" typeface="Euphemia"/>
+        <a:font script="Cher" typeface="Plantagenet Cherokee"/>
+        <a:font script="Yiii" typeface="Microsoft Yi Baiti"/>
+        <a:font script="Tibt" typeface="Microsoft Himalaya"/>
+        <a:font script="Thaa" typeface="MV Boli"/>
+        <a:font script="Deva" typeface="Mangal"/>
+        <a:font script="Telu" typeface="Gautami"/>
+        <a:font script="Taml" typeface="Latha"/>
+        <a:font script="Syrc" typeface="Estrangelo Edessa"/>
+        <a:font script="Orya" typeface="Kalinga"/>
+        <a:font script="Mlym" typeface="Kartika"/>
+        <a:font script="Laoo" typeface="DokChampa"/>
+        <a:font script="Sinh" typeface="Iskoola Pota"/>
+        <a:font script="Mong" typeface="Mongolian Baiti"/>
+        <a:font script="Viet" typeface="Times New Roman"/>
+        <a:font script="Uigh" typeface="Microsoft Uighur"/>
+        <a:font script="Geor" typeface="Sylfaen"/>
+        <a:font script="Armn" typeface="Arial"/>
+        <a:font script="Bugi" typeface="Leelawadee UI"/>
+        <a:font script="Bopo" typeface="Microsoft JhengHei"/>
+        <a:font script="Java" typeface="Javanese Text"/>
+        <a:font script="Lisu" typeface="Segoe UI"/>
+        <a:font script="Mymr" typeface="Myanmar Text"/>
+        <a:font script="Nkoo" typeface="Ebrima"/>
+        <a:font script="Olck" typeface="Nirmala UI"/>
+        <a:font script="Osma" typeface="Ebrima"/>
+        <a:font script="Phag" typeface="Phagspa"/>
+        <a:font script="Syrn" typeface="Estrangelo Edessa"/>
+        <a:font script="Syrj" typeface="Estrangelo Edessa"/>
+        <a:font script="Syre" typeface="Estrangelo Edessa"/>
+        <a:font script="Sora" typeface="Nirmala UI"/>
+        <a:font script="Tale" typeface="Microsoft Tai Le"/>
+        <a:font script="Talu" typeface="Microsoft New Tai Lue"/>
+        <a:font script="Tfng" typeface="Ebrima"/>
+      </a:majorFont>
+      <a:minorFont>
+        <a:latin typeface="Calibri" panose="020F0502020204030204"/>
+        <a:ea typeface=""/>
+        <a:cs typeface=""/>
+        <a:font script="Jpan" typeface="游ゴシック"/>
+        <a:font script="Hang" typeface="맑은 고딕"/>
+        <a:font script="Hans" typeface="等线"/>
+        <a:font script="Hant" typeface="新細明體"/>
+        <a:font script="Arab" typeface="Arial"/>
+        <a:font script="Hebr" typeface="Arial"/>
+        <a:font script="Thai" typeface="Cordia New"/>
+        <a:font script="Ethi" typeface="Nyala"/>
+        <a:font script="Beng" typeface="Vrinda"/>
+        <a:font script="Gujr" typeface="Shruti"/>
+        <a:font script="Khmr" typeface="DaunPenh"/>
+        <a:font script="Knda" typeface="Tunga"/>
+        <a:font script="Guru" typeface="Raavi"/>
+        <a:font script="Cans" typeface="Euphemia"/>
+        <a:font script="Cher" typeface="Plantagenet Cherokee"/>
+        <a:font script="Yiii" typeface="Microsoft Yi Baiti"/>
+        <a:font script="Tibt" typeface="Microsoft Himalaya"/>
+        <a:font script="Thaa" typeface="MV Boli"/>
+        <a:font script="Deva" typeface="Mangal"/>
+        <a:font script="Telu" typeface="Gautami"/>
+        <a:font script="Taml" typeface="Latha"/>
+        <a:font script="Syrc" typeface="Estrangelo Edessa"/>
+        <a:font script="Orya" typeface="Kalinga"/>
+        <a:font script="Mlym" typeface="Kartika"/>
+        <a:font script="Laoo" typeface="DokChampa"/>
+        <a:font script="Sinh" typeface="Iskoola Pota"/>
+        <a:font script="Mong" typeface="Mongolian Baiti"/>
+        <a:font script="Viet" typeface="Arial"/>
+        <a:font script="Uigh" typeface="Microsoft Uighur"/>
+        <a:font script="Geor" typeface="Sylfaen"/>
+        <a:font script="Armn" typeface="Arial"/>
+        <a:font script="Bugi" typeface="Leelawadee UI"/>
+        <a:font script="Bopo" typeface="Microsoft JhengHei"/>
+        <a:font script="Java" typeface="Javanese Text"/>
+        <a:font script="Lisu" typeface="Segoe UI"/>
+        <a:font script="Mymr" typeface="Myanmar Text"/>
+        <a:font script="Nkoo" typeface="Ebrima"/>
+        <a:font script="Olck" typeface="Nirmala UI"/>
+        <a:font script="Osma" typeface="Ebrima"/>
+        <a:font script="Phag" typeface="Phagspa"/>
+        <a:font script="Syrn" typeface="Estrangelo Edessa"/>
+        <a:font script="Syrj" typeface="Estrangelo Edessa"/>
+        <a:font script="Syre" typeface="Estrangelo Edessa"/>
+        <a:font script="Sora" typeface="Nirmala UI"/>
+        <a:font script="Tale" typeface="Microsoft Tai Le"/>
+        <a:font script="Talu" typeface="Microsoft New Tai Lue"/>
+        <a:font script="Tfng" typeface="Ebrima"/>
+      </a:minorFont>
+    </a:fontScheme>
+    <a:fmtScheme name="Office">
+      <a:fillStyleLst>
+        <a:solidFill>
+          <a:schemeClr val="phClr"/>
+        </a:solidFill>
+        <a:gradFill rotWithShape="1">
+          <a:gsLst>
+            <a:gs pos="0">
+              <a:schemeClr val="phClr">
+                <a:lumMod val="110000"/>
+                <a:satMod val="105000"/>
+                <a:tint val="67000"/>
+              </a:schemeClr>
+            </a:gs>
+            <a:gs pos="50000">
+              <a:schemeClr val="phClr">
+                <a:lumMod val="105000"/>
+                <a:satMod val="103000"/>
+                <a:tint val="73000"/>
+              </a:schemeClr>
+            </a:gs>
+            <a:gs pos="100000">
+              <a:schemeClr val="phClr">
+                <a:lumMod val="105000"/>
+                <a:satMod val="109000"/>
+                <a:tint val="81000"/>
+              </a:schemeClr>
+            </a:gs>
+          </a:gsLst>
+          <a:lin ang="5400000" scaled="0"/>
+        </a:gradFill>
+        <a:gradFill rotWithShape="1">
+          <a:gsLst>
+            <a:gs pos="0">
+              <a:schemeClr val="phClr">
+                <a:satMod val="103000"/>
+                <a:lumMod val="102000"/>
+                <a:tint val="94000"/>
+              </a:schemeClr>
+            </a:gs>
+            <a:gs pos="50000">
+              <a:schemeClr val="phClr">
+                <a:satMod val="110000"/>
+                <a:lumMod val="100000"/>
+                <a:shade val="100000"/>
+              </a:schemeClr>
+            </a:gs>
+            <a:gs pos="100000">
+              <a:schemeClr val="phClr">
+                <a:lumMod val="99000"/>
+                <a:satMod val="120000"/>
+                <a:shade val="78000"/>
+              </a:schemeClr>
+            </a:gs>
+          </a:gsLst>
+          <a:lin ang="5400000" scaled="0"/>
+        </a:gradFill>
+      </a:fillStyleLst>
+      <a:lnStyleLst>
+        <a:ln w="6350" cap="flat" cmpd="sng" algn="ctr">
+          <a:solidFill>
+            <a:schemeClr val="phClr"/>
+          </a:solidFill>
+          <a:prstDash val="solid"/>
+          <a:miter lim="800000"/>
+        </a:ln>
+        <a:ln w="12700" cap="flat" cmpd="sng" algn="ctr">
+          <a:solidFill>
+            <a:schemeClr val="phClr"/>
+          </a:solidFill>
+          <a:prstDash val="solid"/>
+          <a:miter lim="800000"/>
+        </a:ln>
+        <a:ln w="19050" cap="flat" cmpd="sng" algn="ctr">
+          <a:solidFill>
+            <a:schemeClr val="phClr"/>
+          </a:solidFill>
+          <a:prstDash val="solid"/>
+          <a:miter lim="800000"/>
+        </a:ln>
+      </a:lnStyleLst>
+      <a:effectStyleLst>
+        <a:effectStyle>
+          <a:effectLst/>
+        </a:effectStyle>
+        <a:effectStyle>
+          <a:effectLst/>
+        </a:effectStyle>
+        <a:effectStyle>
+          <a:effectLst>
+            <a:outerShdw blurRad="57150" dist="19050" dir="5400000" algn="ctr" rotWithShape="0">
+              <a:srgbClr val="000000">
+                <a:alpha val="63000"/>
+              </a:srgbClr>
+            </a:outerShdw>
+          </a:effectLst>
+        </a:effectStyle>
+      </a:effectStyleLst>
+      <a:bgFillStyleLst>
+        <a:solidFill>
+          <a:schemeClr val="phClr"/>
+        </a:solidFill>
+        <a:solidFill>
+          <a:schemeClr val="phClr">
+            <a:tint val="95000"/>
+            <a:satMod val="170000"/>
+          </a:schemeClr>
+        </a:solidFill>
+        <a:gradFill rotWithShape="1">
+          <a:gsLst>
+            <a:gs pos="0">
+              <a:schemeClr val="phClr">
+                <a:tint val="93000"/>
+                <a:satMod val="150000"/>
+                <a:shade val="98000"/>
+                <a:lumMod val="102000"/>
+              </a:schemeClr>
+            </a:gs>
+            <a:gs pos="50000">
+              <a:schemeClr val="phClr">
+                <a:tint val="98000"/>
+                <a:satMod val="130000"/>
+                <a:shade val="90000"/>
+                <a:lumMod val="103000"/>
+              </a:schemeClr>
+            </a:gs>
+            <a:gs pos="100000">
+              <a:schemeClr val="phClr">
+                <a:shade val="63000"/>
+                <a:satMod val="120000"/>
+              </a:schemeClr>
+            </a:gs>
+          </a:gsLst>
+          <a:lin ang="5400000" scaled="0"/>
+        </a:gradFill>
+      </a:bgFillStyleLst>
+    </a:fmtScheme>
+  </a:themeElements>
+  <a:objectDefaults/>
+  <a:extraClrSchemeLst/>
+  <a:extLst>
+    <a:ext uri="{05A4C25C-085E-4340-85A3-A5531E510DB2}">
+      <thm15:themeFamily xmlns:thm15="http://schemas.microsoft.com/office/thememl/2012/main" name="Office Theme" id="{62F939B6-93AF-4DB8-9C6B-D6C7DFDC589F}" vid="{4A3C46E8-61CC-4603-A589-7422A47A8E4A}"/>
+    </a:ext>
+  </a:extLst>
+</a:theme>
 </file>
--- a/tortoise-and-hare/tortoise-and-hare.pptx
+++ b/tortoise-and-hare/tortoise-and-hare.pptx
@@ -5,7 +5,7 @@
     <p:sldMasterId id="2147483648" r:id="rId1"/>
   </p:sldMasterIdLst>
   <p:notesMasterIdLst>
-    <p:notesMasterId r:id="rId32"/>
+    <p:notesMasterId r:id="rId31"/>
   </p:notesMasterIdLst>
   <p:sldIdLst>
     <p:sldId id="256" r:id="rId2"/>
@@ -23,21 +23,20 @@
     <p:sldId id="267" r:id="rId14"/>
     <p:sldId id="268" r:id="rId15"/>
     <p:sldId id="271" r:id="rId16"/>
-    <p:sldId id="272" r:id="rId17"/>
-    <p:sldId id="275" r:id="rId18"/>
-    <p:sldId id="276" r:id="rId19"/>
-    <p:sldId id="273" r:id="rId20"/>
-    <p:sldId id="274" r:id="rId21"/>
-    <p:sldId id="277" r:id="rId22"/>
-    <p:sldId id="278" r:id="rId23"/>
-    <p:sldId id="279" r:id="rId24"/>
-    <p:sldId id="280" r:id="rId25"/>
-    <p:sldId id="281" r:id="rId26"/>
-    <p:sldId id="282" r:id="rId27"/>
-    <p:sldId id="283" r:id="rId28"/>
-    <p:sldId id="284" r:id="rId29"/>
-    <p:sldId id="285" r:id="rId30"/>
-    <p:sldId id="286" r:id="rId31"/>
+    <p:sldId id="275" r:id="rId17"/>
+    <p:sldId id="276" r:id="rId18"/>
+    <p:sldId id="273" r:id="rId19"/>
+    <p:sldId id="274" r:id="rId20"/>
+    <p:sldId id="277" r:id="rId21"/>
+    <p:sldId id="278" r:id="rId22"/>
+    <p:sldId id="279" r:id="rId23"/>
+    <p:sldId id="280" r:id="rId24"/>
+    <p:sldId id="281" r:id="rId25"/>
+    <p:sldId id="282" r:id="rId26"/>
+    <p:sldId id="283" r:id="rId27"/>
+    <p:sldId id="284" r:id="rId28"/>
+    <p:sldId id="285" r:id="rId29"/>
+    <p:sldId id="286" r:id="rId30"/>
   </p:sldIdLst>
   <p:sldSz cx="12192000" cy="6858000"/>
   <p:notesSz cx="6858000" cy="9144000"/>
@@ -157,7 +156,7 @@
   <pc:docChgLst>
     <pc:chgData name="Jason Knight" userId="03bbb8e5a6d6338b" providerId="LiveId" clId="{0161F929-ADA8-4ED7-B188-5FA59EAD01EE}"/>
     <pc:docChg chg="undo redo custSel addSld delSld modSld">
-      <pc:chgData name="Jason Knight" userId="03bbb8e5a6d6338b" providerId="LiveId" clId="{0161F929-ADA8-4ED7-B188-5FA59EAD01EE}" dt="2021-11-07T02:01:32.073" v="932" actId="20577"/>
+      <pc:chgData name="Jason Knight" userId="03bbb8e5a6d6338b" providerId="LiveId" clId="{0161F929-ADA8-4ED7-B188-5FA59EAD01EE}" dt="2021-11-07T03:04:02.478" v="8066" actId="20577"/>
       <pc:docMkLst>
         <pc:docMk/>
       </pc:docMkLst>
@@ -388,8 +387,8 @@
           </ac:spMkLst>
         </pc:spChg>
       </pc:sldChg>
-      <pc:sldChg chg="modSp new mod">
-        <pc:chgData name="Jason Knight" userId="03bbb8e5a6d6338b" providerId="LiveId" clId="{0161F929-ADA8-4ED7-B188-5FA59EAD01EE}" dt="2021-11-07T01:49:21.773" v="387"/>
+      <pc:sldChg chg="modSp new mod modNotesTx">
+        <pc:chgData name="Jason Knight" userId="03bbb8e5a6d6338b" providerId="LiveId" clId="{0161F929-ADA8-4ED7-B188-5FA59EAD01EE}" dt="2021-11-07T02:12:17.258" v="933"/>
         <pc:sldMkLst>
           <pc:docMk/>
           <pc:sldMk cId="1526563647" sldId="267"/>
@@ -456,8 +455,8 @@
           </ac:spMkLst>
         </pc:spChg>
       </pc:sldChg>
-      <pc:sldChg chg="modSp new mod">
-        <pc:chgData name="Jason Knight" userId="03bbb8e5a6d6338b" providerId="LiveId" clId="{0161F929-ADA8-4ED7-B188-5FA59EAD01EE}" dt="2021-11-07T01:54:00.160" v="474" actId="20577"/>
+      <pc:sldChg chg="modSp new mod modNotesTx">
+        <pc:chgData name="Jason Knight" userId="03bbb8e5a6d6338b" providerId="LiveId" clId="{0161F929-ADA8-4ED7-B188-5FA59EAD01EE}" dt="2021-11-07T02:16:55.833" v="939"/>
         <pc:sldMkLst>
           <pc:docMk/>
           <pc:sldMk cId="1996544786" sldId="271"/>
@@ -471,8 +470,8 @@
           </ac:spMkLst>
         </pc:spChg>
       </pc:sldChg>
-      <pc:sldChg chg="modSp new mod">
-        <pc:chgData name="Jason Knight" userId="03bbb8e5a6d6338b" providerId="LiveId" clId="{0161F929-ADA8-4ED7-B188-5FA59EAD01EE}" dt="2021-11-07T01:54:13.745" v="488" actId="20577"/>
+      <pc:sldChg chg="modSp new del mod">
+        <pc:chgData name="Jason Knight" userId="03bbb8e5a6d6338b" providerId="LiveId" clId="{0161F929-ADA8-4ED7-B188-5FA59EAD01EE}" dt="2021-11-07T02:14:50.529" v="935" actId="47"/>
         <pc:sldMkLst>
           <pc:docMk/>
           <pc:sldMk cId="2894867661" sldId="272"/>
@@ -509,8 +508,8 @@
           </ac:spMkLst>
         </pc:spChg>
       </pc:sldChg>
-      <pc:sldChg chg="modSp add mod">
-        <pc:chgData name="Jason Knight" userId="03bbb8e5a6d6338b" providerId="LiveId" clId="{0161F929-ADA8-4ED7-B188-5FA59EAD01EE}" dt="2021-11-07T01:55:22.212" v="544" actId="20577"/>
+      <pc:sldChg chg="modSp add mod modNotesTx">
+        <pc:chgData name="Jason Knight" userId="03bbb8e5a6d6338b" providerId="LiveId" clId="{0161F929-ADA8-4ED7-B188-5FA59EAD01EE}" dt="2021-11-07T02:15:37.836" v="936"/>
         <pc:sldMkLst>
           <pc:docMk/>
           <pc:sldMk cId="3586345893" sldId="274"/>
@@ -524,8 +523,8 @@
           </ac:spMkLst>
         </pc:spChg>
       </pc:sldChg>
-      <pc:sldChg chg="modSp add mod">
-        <pc:chgData name="Jason Knight" userId="03bbb8e5a6d6338b" providerId="LiveId" clId="{0161F929-ADA8-4ED7-B188-5FA59EAD01EE}" dt="2021-11-07T01:56:18.325" v="573" actId="20577"/>
+      <pc:sldChg chg="modSp add mod modNotesTx">
+        <pc:chgData name="Jason Knight" userId="03bbb8e5a6d6338b" providerId="LiveId" clId="{0161F929-ADA8-4ED7-B188-5FA59EAD01EE}" dt="2021-11-07T02:16:26.154" v="937"/>
         <pc:sldMkLst>
           <pc:docMk/>
           <pc:sldMk cId="2165813908" sldId="275"/>
@@ -539,8 +538,8 @@
           </ac:spMkLst>
         </pc:spChg>
       </pc:sldChg>
-      <pc:sldChg chg="modSp add mod">
-        <pc:chgData name="Jason Knight" userId="03bbb8e5a6d6338b" providerId="LiveId" clId="{0161F929-ADA8-4ED7-B188-5FA59EAD01EE}" dt="2021-11-07T01:56:58.745" v="668" actId="20577"/>
+      <pc:sldChg chg="modSp add mod modNotesTx">
+        <pc:chgData name="Jason Knight" userId="03bbb8e5a6d6338b" providerId="LiveId" clId="{0161F929-ADA8-4ED7-B188-5FA59EAD01EE}" dt="2021-11-07T02:17:57.399" v="940"/>
         <pc:sldMkLst>
           <pc:docMk/>
           <pc:sldMk cId="88608026" sldId="276"/>
@@ -554,8 +553,8 @@
           </ac:spMkLst>
         </pc:spChg>
       </pc:sldChg>
-      <pc:sldChg chg="modSp new mod">
-        <pc:chgData name="Jason Knight" userId="03bbb8e5a6d6338b" providerId="LiveId" clId="{0161F929-ADA8-4ED7-B188-5FA59EAD01EE}" dt="2021-11-07T01:57:34.329" v="721" actId="20577"/>
+      <pc:sldChg chg="modSp new mod modNotesTx">
+        <pc:chgData name="Jason Knight" userId="03bbb8e5a6d6338b" providerId="LiveId" clId="{0161F929-ADA8-4ED7-B188-5FA59EAD01EE}" dt="2021-11-07T02:21:41.983" v="1200" actId="20577"/>
         <pc:sldMkLst>
           <pc:docMk/>
           <pc:sldMk cId="4029258476" sldId="277"/>
@@ -569,14 +568,14 @@
           </ac:spMkLst>
         </pc:spChg>
       </pc:sldChg>
-      <pc:sldChg chg="modSp new mod">
-        <pc:chgData name="Jason Knight" userId="03bbb8e5a6d6338b" providerId="LiveId" clId="{0161F929-ADA8-4ED7-B188-5FA59EAD01EE}" dt="2021-11-07T01:57:59.644" v="726"/>
+      <pc:sldChg chg="modSp new mod modNotesTx">
+        <pc:chgData name="Jason Knight" userId="03bbb8e5a6d6338b" providerId="LiveId" clId="{0161F929-ADA8-4ED7-B188-5FA59EAD01EE}" dt="2021-11-07T02:28:35.679" v="2382" actId="20577"/>
         <pc:sldMkLst>
           <pc:docMk/>
           <pc:sldMk cId="70175331" sldId="278"/>
         </pc:sldMkLst>
         <pc:spChg chg="mod">
-          <ac:chgData name="Jason Knight" userId="03bbb8e5a6d6338b" providerId="LiveId" clId="{0161F929-ADA8-4ED7-B188-5FA59EAD01EE}" dt="2021-11-07T01:57:59.644" v="726"/>
+          <ac:chgData name="Jason Knight" userId="03bbb8e5a6d6338b" providerId="LiveId" clId="{0161F929-ADA8-4ED7-B188-5FA59EAD01EE}" dt="2021-11-07T02:19:26.859" v="941" actId="313"/>
           <ac:spMkLst>
             <pc:docMk/>
             <pc:sldMk cId="70175331" sldId="278"/>
@@ -584,8 +583,8 @@
           </ac:spMkLst>
         </pc:spChg>
       </pc:sldChg>
-      <pc:sldChg chg="modSp new mod">
-        <pc:chgData name="Jason Knight" userId="03bbb8e5a6d6338b" providerId="LiveId" clId="{0161F929-ADA8-4ED7-B188-5FA59EAD01EE}" dt="2021-11-07T01:58:09.694" v="730"/>
+      <pc:sldChg chg="modSp new mod modNotesTx">
+        <pc:chgData name="Jason Knight" userId="03bbb8e5a6d6338b" providerId="LiveId" clId="{0161F929-ADA8-4ED7-B188-5FA59EAD01EE}" dt="2021-11-07T02:39:02.346" v="4337" actId="20577"/>
         <pc:sldMkLst>
           <pc:docMk/>
           <pc:sldMk cId="67912059" sldId="279"/>
@@ -599,8 +598,8 @@
           </ac:spMkLst>
         </pc:spChg>
       </pc:sldChg>
-      <pc:sldChg chg="modSp new mod">
-        <pc:chgData name="Jason Knight" userId="03bbb8e5a6d6338b" providerId="LiveId" clId="{0161F929-ADA8-4ED7-B188-5FA59EAD01EE}" dt="2021-11-07T01:58:21.159" v="734"/>
+      <pc:sldChg chg="modSp new mod modNotesTx">
+        <pc:chgData name="Jason Knight" userId="03bbb8e5a6d6338b" providerId="LiveId" clId="{0161F929-ADA8-4ED7-B188-5FA59EAD01EE}" dt="2021-11-07T02:43:57.932" v="5061" actId="5793"/>
         <pc:sldMkLst>
           <pc:docMk/>
           <pc:sldMk cId="996669767" sldId="280"/>
@@ -614,8 +613,8 @@
           </ac:spMkLst>
         </pc:spChg>
       </pc:sldChg>
-      <pc:sldChg chg="modSp new mod">
-        <pc:chgData name="Jason Knight" userId="03bbb8e5a6d6338b" providerId="LiveId" clId="{0161F929-ADA8-4ED7-B188-5FA59EAD01EE}" dt="2021-11-07T01:58:32.815" v="738"/>
+      <pc:sldChg chg="modSp new mod modNotesTx">
+        <pc:chgData name="Jason Knight" userId="03bbb8e5a6d6338b" providerId="LiveId" clId="{0161F929-ADA8-4ED7-B188-5FA59EAD01EE}" dt="2021-11-07T02:44:32.628" v="5111" actId="20577"/>
         <pc:sldMkLst>
           <pc:docMk/>
           <pc:sldMk cId="636599258" sldId="281"/>
@@ -629,8 +628,8 @@
           </ac:spMkLst>
         </pc:spChg>
       </pc:sldChg>
-      <pc:sldChg chg="modSp new mod">
-        <pc:chgData name="Jason Knight" userId="03bbb8e5a6d6338b" providerId="LiveId" clId="{0161F929-ADA8-4ED7-B188-5FA59EAD01EE}" dt="2021-11-07T01:59:31.627" v="778" actId="20577"/>
+      <pc:sldChg chg="modSp new mod modNotesTx">
+        <pc:chgData name="Jason Knight" userId="03bbb8e5a6d6338b" providerId="LiveId" clId="{0161F929-ADA8-4ED7-B188-5FA59EAD01EE}" dt="2021-11-07T02:49:57.430" v="5824" actId="20577"/>
         <pc:sldMkLst>
           <pc:docMk/>
           <pc:sldMk cId="3751012982" sldId="282"/>
@@ -652,8 +651,8 @@
           </ac:spMkLst>
         </pc:spChg>
       </pc:sldChg>
-      <pc:sldChg chg="modSp new mod">
-        <pc:chgData name="Jason Knight" userId="03bbb8e5a6d6338b" providerId="LiveId" clId="{0161F929-ADA8-4ED7-B188-5FA59EAD01EE}" dt="2021-11-07T02:00:07.641" v="840" actId="20577"/>
+      <pc:sldChg chg="modSp new mod modNotesTx">
+        <pc:chgData name="Jason Knight" userId="03bbb8e5a6d6338b" providerId="LiveId" clId="{0161F929-ADA8-4ED7-B188-5FA59EAD01EE}" dt="2021-11-07T02:54:44.001" v="6553" actId="313"/>
         <pc:sldMkLst>
           <pc:docMk/>
           <pc:sldMk cId="3527141092" sldId="283"/>
@@ -675,8 +674,8 @@
           </ac:spMkLst>
         </pc:spChg>
       </pc:sldChg>
-      <pc:sldChg chg="modSp new mod">
-        <pc:chgData name="Jason Knight" userId="03bbb8e5a6d6338b" providerId="LiveId" clId="{0161F929-ADA8-4ED7-B188-5FA59EAD01EE}" dt="2021-11-07T02:01:00.454" v="890" actId="20577"/>
+      <pc:sldChg chg="modSp new mod modNotesTx">
+        <pc:chgData name="Jason Knight" userId="03bbb8e5a6d6338b" providerId="LiveId" clId="{0161F929-ADA8-4ED7-B188-5FA59EAD01EE}" dt="2021-11-07T03:04:02.478" v="8066" actId="20577"/>
         <pc:sldMkLst>
           <pc:docMk/>
           <pc:sldMk cId="2771060602" sldId="284"/>
@@ -1723,6 +1722,80 @@
           <a:bodyPr/>
           <a:lstStyle/>
           <a:p>
+            <a:r>
+              <a:rPr lang="en-US" b="0" dirty="0">
+                <a:solidFill>
+                  <a:srgbClr val="D4D4D4"/>
+                </a:solidFill>
+                <a:effectLst/>
+                <a:latin typeface="Consolas" panose="020B0609020204030204" pitchFamily="49" charset="0"/>
+              </a:rPr>
+              <a:t>Professional Scrum Development holds to a consistently high, even uncompromising level of quality leaving the Scrum Team to flex on either scope or time. Committing to high quality guards a project and a codebase against the calcification that a build up of broken software and technical debt inevitably brings. Additionally, a strict adherence to craftsmanship ensures workers are encouraged, even forced to expand their personal mastery of necessary skills and aptitudes. Moreover, those workers receive the pride of their workmanship and are afforded the time needed.</a:t>
+            </a:r>
+          </a:p>
+          <a:p>
+            <a:br>
+              <a:rPr lang="en-US" b="0" dirty="0">
+                <a:solidFill>
+                  <a:srgbClr val="D4D4D4"/>
+                </a:solidFill>
+                <a:effectLst/>
+                <a:latin typeface="Consolas" panose="020B0609020204030204" pitchFamily="49" charset="0"/>
+              </a:rPr>
+            </a:br>
+            <a:r>
+              <a:rPr lang="en-US" b="0" dirty="0">
+                <a:solidFill>
+                  <a:srgbClr val="D4D4D4"/>
+                </a:solidFill>
+                <a:effectLst/>
+                <a:latin typeface="Consolas" panose="020B0609020204030204" pitchFamily="49" charset="0"/>
+              </a:rPr>
+              <a:t>Organizational change agents should hold to a consistently high, even uncompromising level of commitment leaving the those desiring change to flex on breadth and urgency. Waiting on genuine commitment from workers guards an organization from the false change, dishonesty and the division organizational debt inevitably brings. Additionally, a strict requirement for genuine leadership ensures managers are encouraged, even forced to expand their personal mastery of necessary skills and aptitudes. Moreover, those managers receive the pride of their workmanship and are afforded the time needed.</a:t>
+            </a:r>
+          </a:p>
+          <a:p>
+            <a:br>
+              <a:rPr lang="en-US" b="0" dirty="0">
+                <a:solidFill>
+                  <a:srgbClr val="D4D4D4"/>
+                </a:solidFill>
+                <a:effectLst/>
+                <a:latin typeface="Consolas" panose="020B0609020204030204" pitchFamily="49" charset="0"/>
+              </a:rPr>
+            </a:br>
+            <a:r>
+              <a:rPr lang="en-US" b="0" dirty="0">
+                <a:solidFill>
+                  <a:srgbClr val="D4D4D4"/>
+                </a:solidFill>
+                <a:effectLst/>
+                <a:latin typeface="Consolas" panose="020B0609020204030204" pitchFamily="49" charset="0"/>
+              </a:rPr>
+              <a:t>The next time you, as a manager, force your underlings to just, “Do what I say” consider it the equivalent of an irresponsible, untested hack made </a:t>
+            </a:r>
+            <a:r>
+              <a:rPr lang="en-US" b="0" dirty="0" err="1">
+                <a:solidFill>
+                  <a:srgbClr val="D4D4D4"/>
+                </a:solidFill>
+                <a:effectLst/>
+                <a:latin typeface="Consolas" panose="020B0609020204030204" pitchFamily="49" charset="0"/>
+              </a:rPr>
+              <a:t>made</a:t>
+            </a:r>
+            <a:r>
+              <a:rPr lang="en-US" b="0" dirty="0">
+                <a:solidFill>
+                  <a:srgbClr val="D4D4D4"/>
+                </a:solidFill>
+                <a:effectLst/>
+                <a:latin typeface="Consolas" panose="020B0609020204030204" pitchFamily="49" charset="0"/>
+              </a:rPr>
+              <a:t> in production code that will probably cause more defects than it fixes.</a:t>
+            </a:r>
+          </a:p>
+          <a:p>
             <a:endParaRPr lang="en-US" dirty="0"/>
           </a:p>
         </p:txBody>
@@ -1744,7 +1817,7 @@
           <a:p>
             <a:fld id="{68AD085A-CE2C-4AF4-96B5-9AB734DA641A}" type="slidenum">
               <a:rPr lang="en-US" smtClean="0"/>
-              <a:t>14</a:t>
+              <a:t>13</a:t>
             </a:fld>
             <a:endParaRPr lang="en-US"/>
           </a:p>
@@ -1753,7 +1826,7 @@
     </p:spTree>
     <p:extLst>
       <p:ext uri="{BB962C8B-B14F-4D97-AF65-F5344CB8AC3E}">
-        <p14:creationId xmlns:p14="http://schemas.microsoft.com/office/powerpoint/2010/main" val="1147306799"/>
+        <p14:creationId xmlns:p14="http://schemas.microsoft.com/office/powerpoint/2010/main" val="744376203"/>
       </p:ext>
     </p:extLst>
   </p:cSld>
@@ -1807,6 +1880,458 @@
           <a:bodyPr/>
           <a:lstStyle/>
           <a:p>
+            <a:endParaRPr lang="en-US" dirty="0"/>
+          </a:p>
+        </p:txBody>
+      </p:sp>
+      <p:sp>
+        <p:nvSpPr>
+          <p:cNvPr id="4" name="Slide Number Placeholder 3"/>
+          <p:cNvSpPr>
+            <a:spLocks noGrp="1"/>
+          </p:cNvSpPr>
+          <p:nvPr>
+            <p:ph type="sldNum" sz="quarter" idx="5"/>
+          </p:nvPr>
+        </p:nvSpPr>
+        <p:spPr/>
+        <p:txBody>
+          <a:bodyPr/>
+          <a:lstStyle/>
+          <a:p>
+            <a:fld id="{68AD085A-CE2C-4AF4-96B5-9AB734DA641A}" type="slidenum">
+              <a:rPr lang="en-US" smtClean="0"/>
+              <a:t>14</a:t>
+            </a:fld>
+            <a:endParaRPr lang="en-US"/>
+          </a:p>
+        </p:txBody>
+      </p:sp>
+    </p:spTree>
+    <p:extLst>
+      <p:ext uri="{BB962C8B-B14F-4D97-AF65-F5344CB8AC3E}">
+        <p14:creationId xmlns:p14="http://schemas.microsoft.com/office/powerpoint/2010/main" val="1147306799"/>
+      </p:ext>
+    </p:extLst>
+  </p:cSld>
+  <p:clrMapOvr>
+    <a:masterClrMapping/>
+  </p:clrMapOvr>
+</p:notes>
+</file>
+
+<file path=ppt/notesSlides/notesSlide14.xml><?xml version="1.0" encoding="utf-8"?>
+<p:notes xmlns:a="http://schemas.openxmlformats.org/drawingml/2006/main" xmlns:r="http://schemas.openxmlformats.org/officeDocument/2006/relationships" xmlns:p="http://schemas.openxmlformats.org/presentationml/2006/main">
+  <p:cSld>
+    <p:spTree>
+      <p:nvGrpSpPr>
+        <p:cNvPr id="1" name=""/>
+        <p:cNvGrpSpPr/>
+        <p:nvPr/>
+      </p:nvGrpSpPr>
+      <p:grpSpPr>
+        <a:xfrm>
+          <a:off x="0" y="0"/>
+          <a:ext cx="0" cy="0"/>
+          <a:chOff x="0" y="0"/>
+          <a:chExt cx="0" cy="0"/>
+        </a:xfrm>
+      </p:grpSpPr>
+      <p:sp>
+        <p:nvSpPr>
+          <p:cNvPr id="2" name="Slide Image Placeholder 1"/>
+          <p:cNvSpPr>
+            <a:spLocks noGrp="1" noRot="1" noChangeAspect="1"/>
+          </p:cNvSpPr>
+          <p:nvPr>
+            <p:ph type="sldImg"/>
+          </p:nvPr>
+        </p:nvSpPr>
+        <p:spPr/>
+      </p:sp>
+      <p:sp>
+        <p:nvSpPr>
+          <p:cNvPr id="3" name="Notes Placeholder 2"/>
+          <p:cNvSpPr>
+            <a:spLocks noGrp="1"/>
+          </p:cNvSpPr>
+          <p:nvPr>
+            <p:ph type="body" idx="1"/>
+          </p:nvPr>
+        </p:nvSpPr>
+        <p:spPr/>
+        <p:txBody>
+          <a:bodyPr/>
+          <a:lstStyle/>
+          <a:p>
+            <a:pPr marL="0" marR="0" lvl="0" indent="0" algn="l" defTabSz="914400" rtl="0" eaLnBrk="1" fontAlgn="auto" latinLnBrk="0" hangingPunct="1">
+              <a:lnSpc>
+                <a:spcPct val="100000"/>
+              </a:lnSpc>
+              <a:spcBef>
+                <a:spcPts val="0"/>
+              </a:spcBef>
+              <a:spcAft>
+                <a:spcPts val="0"/>
+              </a:spcAft>
+              <a:buClrTx/>
+              <a:buSzTx/>
+              <a:buFontTx/>
+              <a:buNone/>
+              <a:tabLst/>
+              <a:defRPr/>
+            </a:pPr>
+            <a:r>
+              <a:rPr lang="en-US" b="0" dirty="0">
+                <a:solidFill>
+                  <a:srgbClr val="D4D4D4"/>
+                </a:solidFill>
+                <a:effectLst/>
+                <a:latin typeface="Consolas" panose="020B0609020204030204" pitchFamily="49" charset="0"/>
+              </a:rPr>
+              <a:t>If it </a:t>
+            </a:r>
+            <a:r>
+              <a:rPr lang="en-US" b="0" dirty="0" err="1">
+                <a:solidFill>
+                  <a:srgbClr val="D4D4D4"/>
+                </a:solidFill>
+                <a:effectLst/>
+                <a:latin typeface="Consolas" panose="020B0609020204030204" pitchFamily="49" charset="0"/>
+              </a:rPr>
+              <a:t>ain't</a:t>
+            </a:r>
+            <a:r>
+              <a:rPr lang="en-US" b="0" dirty="0">
+                <a:solidFill>
+                  <a:srgbClr val="D4D4D4"/>
+                </a:solidFill>
+                <a:effectLst/>
+                <a:latin typeface="Consolas" panose="020B0609020204030204" pitchFamily="49" charset="0"/>
+              </a:rPr>
+              <a:t> broke, don't fix it. Leave well enough alone. Inattention to results. Complacency. Lack of courage and commitment. No vision means we focus on our feet rather than the horizon. Imagine trying to sail a ship that way!</a:t>
+            </a:r>
+          </a:p>
+          <a:p>
+            <a:endParaRPr lang="en-US" dirty="0"/>
+          </a:p>
+          <a:p>
+            <a:r>
+              <a:rPr lang="en-US" b="0" dirty="0">
+                <a:solidFill>
+                  <a:srgbClr val="D4D4D4"/>
+                </a:solidFill>
+                <a:effectLst/>
+                <a:latin typeface="Consolas" panose="020B0609020204030204" pitchFamily="49" charset="0"/>
+              </a:rPr>
+              <a:t>There must be a reason to do the hard thing. Why suffer? Why not take it easy, be apathetic and comfortable? Well, you may only be able to be apathetic and comfortable for a while </a:t>
+            </a:r>
+            <a:r>
+              <a:rPr lang="en-US" b="0" dirty="0" err="1">
+                <a:solidFill>
+                  <a:srgbClr val="D4D4D4"/>
+                </a:solidFill>
+                <a:effectLst/>
+                <a:latin typeface="Consolas" panose="020B0609020204030204" pitchFamily="49" charset="0"/>
+              </a:rPr>
+              <a:t>practially</a:t>
+            </a:r>
+            <a:r>
+              <a:rPr lang="en-US" b="0" dirty="0">
+                <a:solidFill>
+                  <a:srgbClr val="D4D4D4"/>
+                </a:solidFill>
+                <a:effectLst/>
+                <a:latin typeface="Consolas" panose="020B0609020204030204" pitchFamily="49" charset="0"/>
+              </a:rPr>
+              <a:t> speaking. </a:t>
+            </a:r>
+          </a:p>
+          <a:p>
+            <a:br>
+              <a:rPr lang="en-US" b="0" dirty="0">
+                <a:solidFill>
+                  <a:srgbClr val="D4D4D4"/>
+                </a:solidFill>
+                <a:effectLst/>
+                <a:latin typeface="Consolas" panose="020B0609020204030204" pitchFamily="49" charset="0"/>
+              </a:rPr>
+            </a:br>
+            <a:r>
+              <a:rPr lang="en-US" b="0" dirty="0">
+                <a:solidFill>
+                  <a:srgbClr val="6A9955"/>
+                </a:solidFill>
+                <a:effectLst/>
+                <a:latin typeface="Consolas" panose="020B0609020204030204" pitchFamily="49" charset="0"/>
+              </a:rPr>
+              <a:t>&gt;</a:t>
+            </a:r>
+            <a:r>
+              <a:rPr lang="en-US" b="0" dirty="0">
+                <a:solidFill>
+                  <a:srgbClr val="D4D4D4"/>
+                </a:solidFill>
+                <a:effectLst/>
+                <a:latin typeface="Consolas" panose="020B0609020204030204" pitchFamily="49" charset="0"/>
+              </a:rPr>
+              <a:t> 10 A little sleep, a little slumber, a little folding of the hands to rest, 11 and poverty will come upon you like a robber, and want like an armed man. - Proverbs 6:10-11</a:t>
+            </a:r>
+          </a:p>
+          <a:p>
+            <a:endParaRPr lang="en-US" dirty="0"/>
+          </a:p>
+        </p:txBody>
+      </p:sp>
+      <p:sp>
+        <p:nvSpPr>
+          <p:cNvPr id="4" name="Slide Number Placeholder 3"/>
+          <p:cNvSpPr>
+            <a:spLocks noGrp="1"/>
+          </p:cNvSpPr>
+          <p:nvPr>
+            <p:ph type="sldNum" sz="quarter" idx="5"/>
+          </p:nvPr>
+        </p:nvSpPr>
+        <p:spPr/>
+        <p:txBody>
+          <a:bodyPr/>
+          <a:lstStyle/>
+          <a:p>
+            <a:fld id="{68AD085A-CE2C-4AF4-96B5-9AB734DA641A}" type="slidenum">
+              <a:rPr lang="en-US" smtClean="0"/>
+              <a:t>15</a:t>
+            </a:fld>
+            <a:endParaRPr lang="en-US"/>
+          </a:p>
+        </p:txBody>
+      </p:sp>
+    </p:spTree>
+    <p:extLst>
+      <p:ext uri="{BB962C8B-B14F-4D97-AF65-F5344CB8AC3E}">
+        <p14:creationId xmlns:p14="http://schemas.microsoft.com/office/powerpoint/2010/main" val="1710611825"/>
+      </p:ext>
+    </p:extLst>
+  </p:cSld>
+  <p:clrMapOvr>
+    <a:masterClrMapping/>
+  </p:clrMapOvr>
+</p:notes>
+</file>
+
+<file path=ppt/notesSlides/notesSlide15.xml><?xml version="1.0" encoding="utf-8"?>
+<p:notes xmlns:a="http://schemas.openxmlformats.org/drawingml/2006/main" xmlns:r="http://schemas.openxmlformats.org/officeDocument/2006/relationships" xmlns:p="http://schemas.openxmlformats.org/presentationml/2006/main">
+  <p:cSld>
+    <p:spTree>
+      <p:nvGrpSpPr>
+        <p:cNvPr id="1" name=""/>
+        <p:cNvGrpSpPr/>
+        <p:nvPr/>
+      </p:nvGrpSpPr>
+      <p:grpSpPr>
+        <a:xfrm>
+          <a:off x="0" y="0"/>
+          <a:ext cx="0" cy="0"/>
+          <a:chOff x="0" y="0"/>
+          <a:chExt cx="0" cy="0"/>
+        </a:xfrm>
+      </p:grpSpPr>
+      <p:sp>
+        <p:nvSpPr>
+          <p:cNvPr id="2" name="Slide Image Placeholder 1"/>
+          <p:cNvSpPr>
+            <a:spLocks noGrp="1" noRot="1" noChangeAspect="1"/>
+          </p:cNvSpPr>
+          <p:nvPr>
+            <p:ph type="sldImg"/>
+          </p:nvPr>
+        </p:nvSpPr>
+        <p:spPr/>
+      </p:sp>
+      <p:sp>
+        <p:nvSpPr>
+          <p:cNvPr id="3" name="Notes Placeholder 2"/>
+          <p:cNvSpPr>
+            <a:spLocks noGrp="1"/>
+          </p:cNvSpPr>
+          <p:nvPr>
+            <p:ph type="body" idx="1"/>
+          </p:nvPr>
+        </p:nvSpPr>
+        <p:spPr/>
+        <p:txBody>
+          <a:bodyPr/>
+          <a:lstStyle/>
+          <a:p>
+            <a:r>
+              <a:rPr lang="en-US" b="0" dirty="0">
+                <a:solidFill>
+                  <a:srgbClr val="D4D4D4"/>
+                </a:solidFill>
+                <a:effectLst/>
+                <a:latin typeface="Consolas" panose="020B0609020204030204" pitchFamily="49" charset="0"/>
+              </a:rPr>
+              <a:t>Being in charge means caring for those in your charge</a:t>
+            </a:r>
+          </a:p>
+          <a:p>
+            <a:r>
+              <a:rPr lang="en-US" b="0" dirty="0">
+                <a:solidFill>
+                  <a:srgbClr val="D4D4D4"/>
+                </a:solidFill>
+                <a:effectLst/>
+                <a:latin typeface="Consolas" panose="020B0609020204030204" pitchFamily="49" charset="0"/>
+              </a:rPr>
+              <a:t>The servant as leader vs the leader as servant</a:t>
+            </a:r>
+          </a:p>
+          <a:p>
+            <a:br>
+              <a:rPr lang="en-US" b="0" dirty="0">
+                <a:solidFill>
+                  <a:srgbClr val="D4D4D4"/>
+                </a:solidFill>
+                <a:effectLst/>
+                <a:latin typeface="Consolas" panose="020B0609020204030204" pitchFamily="49" charset="0"/>
+              </a:rPr>
+            </a:br>
+            <a:r>
+              <a:rPr lang="en-US" b="0" dirty="0">
+                <a:solidFill>
+                  <a:srgbClr val="D4D4D4"/>
+                </a:solidFill>
+                <a:effectLst/>
+                <a:latin typeface="Consolas" panose="020B0609020204030204" pitchFamily="49" charset="0"/>
+              </a:rPr>
+              <a:t>[</a:t>
+            </a:r>
+            <a:r>
+              <a:rPr lang="en-US" b="0" dirty="0">
+                <a:solidFill>
+                  <a:srgbClr val="CE9178"/>
+                </a:solidFill>
+                <a:effectLst/>
+                <a:latin typeface="Consolas" panose="020B0609020204030204" pitchFamily="49" charset="0"/>
+              </a:rPr>
+              <a:t>The Servant as Leader</a:t>
+            </a:r>
+            <a:r>
+              <a:rPr lang="en-US" b="0" dirty="0">
+                <a:solidFill>
+                  <a:srgbClr val="D4D4D4"/>
+                </a:solidFill>
+                <a:effectLst/>
+                <a:latin typeface="Consolas" panose="020B0609020204030204" pitchFamily="49" charset="0"/>
+              </a:rPr>
+              <a:t>](</a:t>
+            </a:r>
+            <a:r>
+              <a:rPr lang="en-US" b="0" u="sng" dirty="0">
+                <a:solidFill>
+                  <a:srgbClr val="D4D4D4"/>
+                </a:solidFill>
+                <a:effectLst/>
+                <a:latin typeface="Consolas" panose="020B0609020204030204" pitchFamily="49" charset="0"/>
+              </a:rPr>
+              <a:t>http://www.ediguys.net/Robert_K_Greenleaf_The_Servant_as_Leader.pdf</a:t>
+            </a:r>
+            <a:r>
+              <a:rPr lang="en-US" b="0" dirty="0">
+                <a:solidFill>
+                  <a:srgbClr val="D4D4D4"/>
+                </a:solidFill>
+                <a:effectLst/>
+                <a:latin typeface="Consolas" panose="020B0609020204030204" pitchFamily="49" charset="0"/>
+              </a:rPr>
+              <a:t>)</a:t>
+            </a:r>
+          </a:p>
+          <a:p>
+            <a:endParaRPr lang="en-US" dirty="0"/>
+          </a:p>
+        </p:txBody>
+      </p:sp>
+      <p:sp>
+        <p:nvSpPr>
+          <p:cNvPr id="4" name="Slide Number Placeholder 3"/>
+          <p:cNvSpPr>
+            <a:spLocks noGrp="1"/>
+          </p:cNvSpPr>
+          <p:nvPr>
+            <p:ph type="sldNum" sz="quarter" idx="5"/>
+          </p:nvPr>
+        </p:nvSpPr>
+        <p:spPr/>
+        <p:txBody>
+          <a:bodyPr/>
+          <a:lstStyle/>
+          <a:p>
+            <a:fld id="{68AD085A-CE2C-4AF4-96B5-9AB734DA641A}" type="slidenum">
+              <a:rPr lang="en-US" smtClean="0"/>
+              <a:t>16</a:t>
+            </a:fld>
+            <a:endParaRPr lang="en-US"/>
+          </a:p>
+        </p:txBody>
+      </p:sp>
+    </p:spTree>
+    <p:extLst>
+      <p:ext uri="{BB962C8B-B14F-4D97-AF65-F5344CB8AC3E}">
+        <p14:creationId xmlns:p14="http://schemas.microsoft.com/office/powerpoint/2010/main" val="1669297632"/>
+      </p:ext>
+    </p:extLst>
+  </p:cSld>
+  <p:clrMapOvr>
+    <a:masterClrMapping/>
+  </p:clrMapOvr>
+</p:notes>
+</file>
+
+<file path=ppt/notesSlides/notesSlide16.xml><?xml version="1.0" encoding="utf-8"?>
+<p:notes xmlns:a="http://schemas.openxmlformats.org/drawingml/2006/main" xmlns:r="http://schemas.openxmlformats.org/officeDocument/2006/relationships" xmlns:p="http://schemas.openxmlformats.org/presentationml/2006/main">
+  <p:cSld>
+    <p:spTree>
+      <p:nvGrpSpPr>
+        <p:cNvPr id="1" name=""/>
+        <p:cNvGrpSpPr/>
+        <p:nvPr/>
+      </p:nvGrpSpPr>
+      <p:grpSpPr>
+        <a:xfrm>
+          <a:off x="0" y="0"/>
+          <a:ext cx="0" cy="0"/>
+          <a:chOff x="0" y="0"/>
+          <a:chExt cx="0" cy="0"/>
+        </a:xfrm>
+      </p:grpSpPr>
+      <p:sp>
+        <p:nvSpPr>
+          <p:cNvPr id="2" name="Slide Image Placeholder 1"/>
+          <p:cNvSpPr>
+            <a:spLocks noGrp="1" noRot="1" noChangeAspect="1"/>
+          </p:cNvSpPr>
+          <p:nvPr>
+            <p:ph type="sldImg"/>
+          </p:nvPr>
+        </p:nvSpPr>
+        <p:spPr/>
+      </p:sp>
+      <p:sp>
+        <p:nvSpPr>
+          <p:cNvPr id="3" name="Notes Placeholder 2"/>
+          <p:cNvSpPr>
+            <a:spLocks noGrp="1"/>
+          </p:cNvSpPr>
+          <p:nvPr>
+            <p:ph type="body" idx="1"/>
+          </p:nvPr>
+        </p:nvSpPr>
+        <p:spPr/>
+        <p:txBody>
+          <a:bodyPr/>
+          <a:lstStyle/>
+          <a:p>
             <a:r>
               <a:rPr lang="en-US" b="1" dirty="0">
                 <a:solidFill>
@@ -1815,7 +2340,7 @@
                 <a:effectLst/>
                 <a:latin typeface="Consolas" panose="020B0609020204030204" pitchFamily="49" charset="0"/>
               </a:rPr>
-              <a:t>### Little Quits</a:t>
+              <a:t># Power Is Only Given</a:t>
             </a:r>
             <a:endParaRPr lang="en-US" b="0" dirty="0">
               <a:solidFill>
@@ -1834,6 +2359,639 @@
                 <a:effectLst/>
                 <a:latin typeface="Consolas" panose="020B0609020204030204" pitchFamily="49" charset="0"/>
               </a:rPr>
+              <a:t>Being in charge means caring for those in your charge</a:t>
+            </a:r>
+          </a:p>
+          <a:p>
+            <a:r>
+              <a:rPr lang="en-US" b="0" dirty="0">
+                <a:solidFill>
+                  <a:srgbClr val="D4D4D4"/>
+                </a:solidFill>
+                <a:effectLst/>
+                <a:latin typeface="Consolas" panose="020B0609020204030204" pitchFamily="49" charset="0"/>
+              </a:rPr>
+              <a:t>The servant as leader vs the leader as servant</a:t>
+            </a:r>
+          </a:p>
+          <a:p>
+            <a:br>
+              <a:rPr lang="en-US" b="0" dirty="0">
+                <a:solidFill>
+                  <a:srgbClr val="D4D4D4"/>
+                </a:solidFill>
+                <a:effectLst/>
+                <a:latin typeface="Consolas" panose="020B0609020204030204" pitchFamily="49" charset="0"/>
+              </a:rPr>
+            </a:br>
+            <a:r>
+              <a:rPr lang="en-US" b="0" dirty="0">
+                <a:solidFill>
+                  <a:srgbClr val="D4D4D4"/>
+                </a:solidFill>
+                <a:effectLst/>
+                <a:latin typeface="Consolas" panose="020B0609020204030204" pitchFamily="49" charset="0"/>
+              </a:rPr>
+              <a:t>[</a:t>
+            </a:r>
+            <a:r>
+              <a:rPr lang="en-US" b="0" dirty="0">
+                <a:solidFill>
+                  <a:srgbClr val="CE9178"/>
+                </a:solidFill>
+                <a:effectLst/>
+                <a:latin typeface="Consolas" panose="020B0609020204030204" pitchFamily="49" charset="0"/>
+              </a:rPr>
+              <a:t>The Servant as Leader</a:t>
+            </a:r>
+            <a:r>
+              <a:rPr lang="en-US" b="0" dirty="0">
+                <a:solidFill>
+                  <a:srgbClr val="D4D4D4"/>
+                </a:solidFill>
+                <a:effectLst/>
+                <a:latin typeface="Consolas" panose="020B0609020204030204" pitchFamily="49" charset="0"/>
+              </a:rPr>
+              <a:t>](</a:t>
+            </a:r>
+            <a:r>
+              <a:rPr lang="en-US" b="0" u="sng" dirty="0">
+                <a:solidFill>
+                  <a:srgbClr val="D4D4D4"/>
+                </a:solidFill>
+                <a:effectLst/>
+                <a:latin typeface="Consolas" panose="020B0609020204030204" pitchFamily="49" charset="0"/>
+              </a:rPr>
+              <a:t>http://www.ediguys.net/Robert_K_Greenleaf_The_Servant_as_Leader.pdf</a:t>
+            </a:r>
+            <a:r>
+              <a:rPr lang="en-US" b="0" dirty="0">
+                <a:solidFill>
+                  <a:srgbClr val="D4D4D4"/>
+                </a:solidFill>
+                <a:effectLst/>
+                <a:latin typeface="Consolas" panose="020B0609020204030204" pitchFamily="49" charset="0"/>
+              </a:rPr>
+              <a:t>)</a:t>
+            </a:r>
+          </a:p>
+          <a:p>
+            <a:br>
+              <a:rPr lang="en-US" b="0" dirty="0">
+                <a:solidFill>
+                  <a:srgbClr val="D4D4D4"/>
+                </a:solidFill>
+                <a:effectLst/>
+                <a:latin typeface="Consolas" panose="020B0609020204030204" pitchFamily="49" charset="0"/>
+              </a:rPr>
+            </a:br>
+            <a:r>
+              <a:rPr lang="en-US" b="0" dirty="0">
+                <a:solidFill>
+                  <a:srgbClr val="D4D4D4"/>
+                </a:solidFill>
+                <a:effectLst/>
+                <a:latin typeface="Consolas" panose="020B0609020204030204" pitchFamily="49" charset="0"/>
+              </a:rPr>
+              <a:t>[</a:t>
+            </a:r>
+            <a:r>
+              <a:rPr lang="en-US" b="0" dirty="0">
+                <a:solidFill>
+                  <a:srgbClr val="CE9178"/>
+                </a:solidFill>
+                <a:effectLst/>
+                <a:latin typeface="Consolas" panose="020B0609020204030204" pitchFamily="49" charset="0"/>
+              </a:rPr>
+              <a:t>6 Forms of Power</a:t>
+            </a:r>
+            <a:r>
+              <a:rPr lang="en-US" b="0" dirty="0">
+                <a:solidFill>
+                  <a:srgbClr val="D4D4D4"/>
+                </a:solidFill>
+                <a:effectLst/>
+                <a:latin typeface="Consolas" panose="020B0609020204030204" pitchFamily="49" charset="0"/>
+              </a:rPr>
+              <a:t>](</a:t>
+            </a:r>
+            <a:r>
+              <a:rPr lang="en-US" b="0" u="sng" dirty="0">
+                <a:solidFill>
+                  <a:srgbClr val="D4D4D4"/>
+                </a:solidFill>
+                <a:effectLst/>
+                <a:latin typeface="Consolas" panose="020B0609020204030204" pitchFamily="49" charset="0"/>
+              </a:rPr>
+              <a:t>https://controlyourchaos.wordpress.com/2013/12/17/scrum-masters-toolkit-french-ravens-5-6-forms-of-power/</a:t>
+            </a:r>
+            <a:r>
+              <a:rPr lang="en-US" b="0" dirty="0">
+                <a:solidFill>
+                  <a:srgbClr val="D4D4D4"/>
+                </a:solidFill>
+                <a:effectLst/>
+                <a:latin typeface="Consolas" panose="020B0609020204030204" pitchFamily="49" charset="0"/>
+              </a:rPr>
+              <a:t>)</a:t>
+            </a:r>
+          </a:p>
+          <a:p>
+            <a:r>
+              <a:rPr lang="en-US" b="0" dirty="0">
+                <a:solidFill>
+                  <a:srgbClr val="D4D4D4"/>
+                </a:solidFill>
+                <a:effectLst/>
+                <a:latin typeface="Consolas" panose="020B0609020204030204" pitchFamily="49" charset="0"/>
+              </a:rPr>
+              <a:t>[</a:t>
+            </a:r>
+            <a:r>
+              <a:rPr lang="en-US" b="0" dirty="0">
+                <a:solidFill>
+                  <a:srgbClr val="CE9178"/>
+                </a:solidFill>
+                <a:effectLst/>
+                <a:latin typeface="Consolas" panose="020B0609020204030204" pitchFamily="49" charset="0"/>
+              </a:rPr>
+              <a:t>Psychological Models in Scrum</a:t>
+            </a:r>
+            <a:r>
+              <a:rPr lang="en-US" b="0" dirty="0">
+                <a:solidFill>
+                  <a:srgbClr val="D4D4D4"/>
+                </a:solidFill>
+                <a:effectLst/>
+                <a:latin typeface="Consolas" panose="020B0609020204030204" pitchFamily="49" charset="0"/>
+              </a:rPr>
+              <a:t>](</a:t>
+            </a:r>
+            <a:r>
+              <a:rPr lang="en-US" b="0" u="sng" dirty="0">
+                <a:solidFill>
+                  <a:srgbClr val="D4D4D4"/>
+                </a:solidFill>
+                <a:effectLst/>
+                <a:latin typeface="Consolas" panose="020B0609020204030204" pitchFamily="49" charset="0"/>
+              </a:rPr>
+              <a:t>https://www.youtube.com/watch?v=fyDYpGCuvaA&amp;t=1322s</a:t>
+            </a:r>
+            <a:r>
+              <a:rPr lang="en-US" b="0" dirty="0">
+                <a:solidFill>
+                  <a:srgbClr val="D4D4D4"/>
+                </a:solidFill>
+                <a:effectLst/>
+                <a:latin typeface="Consolas" panose="020B0609020204030204" pitchFamily="49" charset="0"/>
+              </a:rPr>
+              <a:t>)</a:t>
+            </a:r>
+          </a:p>
+          <a:p>
+            <a:r>
+              <a:rPr lang="en-US" b="0" dirty="0">
+                <a:solidFill>
+                  <a:srgbClr val="D4D4D4"/>
+                </a:solidFill>
+                <a:effectLst/>
+                <a:latin typeface="Consolas" panose="020B0609020204030204" pitchFamily="49" charset="0"/>
+              </a:rPr>
+              <a:t>Gun to your head example.</a:t>
+            </a:r>
+          </a:p>
+          <a:p>
+            <a:br>
+              <a:rPr lang="en-US" b="0" dirty="0">
+                <a:solidFill>
+                  <a:srgbClr val="D4D4D4"/>
+                </a:solidFill>
+                <a:effectLst/>
+                <a:latin typeface="Consolas" panose="020B0609020204030204" pitchFamily="49" charset="0"/>
+              </a:rPr>
+            </a:br>
+            <a:r>
+              <a:rPr lang="en-US" b="1" dirty="0">
+                <a:solidFill>
+                  <a:srgbClr val="569CD6"/>
+                </a:solidFill>
+                <a:effectLst/>
+                <a:latin typeface="Consolas" panose="020B0609020204030204" pitchFamily="49" charset="0"/>
+              </a:rPr>
+              <a:t>##### 1 Reward and 2 Coercive</a:t>
+            </a:r>
+            <a:endParaRPr lang="en-US" b="0" dirty="0">
+              <a:solidFill>
+                <a:srgbClr val="D4D4D4"/>
+              </a:solidFill>
+              <a:effectLst/>
+              <a:latin typeface="Consolas" panose="020B0609020204030204" pitchFamily="49" charset="0"/>
+            </a:endParaRPr>
+          </a:p>
+          <a:p>
+            <a:r>
+              <a:rPr lang="en-US" b="0" dirty="0">
+                <a:solidFill>
+                  <a:srgbClr val="D4D4D4"/>
+                </a:solidFill>
+                <a:effectLst/>
+                <a:latin typeface="Consolas" panose="020B0609020204030204" pitchFamily="49" charset="0"/>
+              </a:rPr>
+              <a:t>These two forms are the most common in nature. Every animal is susceptible to those. Basically they mean that you can do something for someone in order to receive a reward or avoid punishment. This is exactly the carrot &amp; stick. If you use this power, you will get obedience. But nothing more. So if you want your dog to obey, you can give him or her treats to reinforce good behavior and punish bad. But remember, even if you do that , you might not be able to take control over your dog. Because when you turn around, the sausage will still disappear. Exactly the same applies to humans. If you reward and punish, everything will go towards what you reward and what you punish will be hidden. But apart from that, no creativity can be expected.</a:t>
+            </a:r>
+          </a:p>
+          <a:p>
+            <a:br>
+              <a:rPr lang="en-US" b="0" dirty="0">
+                <a:solidFill>
+                  <a:srgbClr val="D4D4D4"/>
+                </a:solidFill>
+                <a:effectLst/>
+                <a:latin typeface="Consolas" panose="020B0609020204030204" pitchFamily="49" charset="0"/>
+              </a:rPr>
+            </a:br>
+            <a:r>
+              <a:rPr lang="en-US" b="1" dirty="0">
+                <a:solidFill>
+                  <a:srgbClr val="569CD6"/>
+                </a:solidFill>
+                <a:effectLst/>
+                <a:latin typeface="Consolas" panose="020B0609020204030204" pitchFamily="49" charset="0"/>
+              </a:rPr>
+              <a:t>##### 3 Given / Formal / Legitimate</a:t>
+            </a:r>
+            <a:endParaRPr lang="en-US" b="0" dirty="0">
+              <a:solidFill>
+                <a:srgbClr val="D4D4D4"/>
+              </a:solidFill>
+              <a:effectLst/>
+              <a:latin typeface="Consolas" panose="020B0609020204030204" pitchFamily="49" charset="0"/>
+            </a:endParaRPr>
+          </a:p>
+          <a:p>
+            <a:r>
+              <a:rPr lang="en-US" b="0" dirty="0">
+                <a:solidFill>
+                  <a:srgbClr val="D4D4D4"/>
+                </a:solidFill>
+                <a:effectLst/>
+                <a:latin typeface="Consolas" panose="020B0609020204030204" pitchFamily="49" charset="0"/>
+              </a:rPr>
+              <a:t>This power is only present in creatures who build societies. Did you ever watch The Dog Whisperer with Cesar Millan? If you did, try to remember what he wanted to achieve. He was the Pack Leader for the dog and taught owners how to do the same. He wanted the dog to be submissive. And this is exactly what you will have if you have formal power over someone – like a manager or a police officer. Someone who is high in social ranks, somehow culturally above someone else. But if you operate with this power, you will have submission and submission only. There is still very little creativity involved.</a:t>
+            </a:r>
+          </a:p>
+          <a:p>
+            <a:br>
+              <a:rPr lang="en-US" b="0" dirty="0">
+                <a:solidFill>
+                  <a:srgbClr val="D4D4D4"/>
+                </a:solidFill>
+                <a:effectLst/>
+                <a:latin typeface="Consolas" panose="020B0609020204030204" pitchFamily="49" charset="0"/>
+              </a:rPr>
+            </a:br>
+            <a:r>
+              <a:rPr lang="en-US" b="1" dirty="0">
+                <a:solidFill>
+                  <a:srgbClr val="569CD6"/>
+                </a:solidFill>
+                <a:effectLst/>
+                <a:latin typeface="Consolas" panose="020B0609020204030204" pitchFamily="49" charset="0"/>
+              </a:rPr>
+              <a:t>##### 4 Expert</a:t>
+            </a:r>
+            <a:endParaRPr lang="en-US" b="0" dirty="0">
+              <a:solidFill>
+                <a:srgbClr val="D4D4D4"/>
+              </a:solidFill>
+              <a:effectLst/>
+              <a:latin typeface="Consolas" panose="020B0609020204030204" pitchFamily="49" charset="0"/>
+            </a:endParaRPr>
+          </a:p>
+          <a:p>
+            <a:r>
+              <a:rPr lang="en-US" b="0" dirty="0">
+                <a:solidFill>
+                  <a:srgbClr val="D4D4D4"/>
+                </a:solidFill>
+                <a:effectLst/>
+                <a:latin typeface="Consolas" panose="020B0609020204030204" pitchFamily="49" charset="0"/>
+              </a:rPr>
+              <a:t>Expert power is something that can be described as being respected, because you know a lot or can do something. This is something that has not been observed in any creatures, besides human. Some researchers believe dolphins, elephants, apes and crows may exhibit that power as well, but no hard proof has been found yet.  Working with someone with that power over you, gives you wings to learn. You want to become just like this example someone, so you listen, follow footsteps and try to master this subject. This power gives you learning and conquering difficulties.</a:t>
+            </a:r>
+          </a:p>
+          <a:p>
+            <a:br>
+              <a:rPr lang="en-US" b="0" dirty="0">
+                <a:solidFill>
+                  <a:srgbClr val="D4D4D4"/>
+                </a:solidFill>
+                <a:effectLst/>
+                <a:latin typeface="Consolas" panose="020B0609020204030204" pitchFamily="49" charset="0"/>
+              </a:rPr>
+            </a:br>
+            <a:r>
+              <a:rPr lang="en-US" b="1" dirty="0">
+                <a:solidFill>
+                  <a:srgbClr val="569CD6"/>
+                </a:solidFill>
+                <a:effectLst/>
+                <a:latin typeface="Consolas" panose="020B0609020204030204" pitchFamily="49" charset="0"/>
+              </a:rPr>
+              <a:t>##### 5 Referent</a:t>
+            </a:r>
+            <a:endParaRPr lang="en-US" b="0" dirty="0">
+              <a:solidFill>
+                <a:srgbClr val="D4D4D4"/>
+              </a:solidFill>
+              <a:effectLst/>
+              <a:latin typeface="Consolas" panose="020B0609020204030204" pitchFamily="49" charset="0"/>
+            </a:endParaRPr>
+          </a:p>
+          <a:p>
+            <a:r>
+              <a:rPr lang="en-US" b="0" dirty="0">
+                <a:solidFill>
+                  <a:srgbClr val="D4D4D4"/>
+                </a:solidFill>
+                <a:effectLst/>
+                <a:latin typeface="Consolas" panose="020B0609020204030204" pitchFamily="49" charset="0"/>
+              </a:rPr>
+              <a:t>This is a power that’s closest to trust. In large quantities it’s perceived as Charisma. It’s something that produces good feelings and engagement. It’s a power that’s easiest to lose and hardest to gain. You feel that this person is just right, you follow their lead. It’s something good leaders have.</a:t>
+            </a:r>
+          </a:p>
+          <a:p>
+            <a:br>
+              <a:rPr lang="en-US" b="0" dirty="0">
+                <a:solidFill>
+                  <a:srgbClr val="D4D4D4"/>
+                </a:solidFill>
+                <a:effectLst/>
+                <a:latin typeface="Consolas" panose="020B0609020204030204" pitchFamily="49" charset="0"/>
+              </a:rPr>
+            </a:br>
+            <a:r>
+              <a:rPr lang="en-US" b="1" dirty="0">
+                <a:solidFill>
+                  <a:srgbClr val="569CD6"/>
+                </a:solidFill>
+                <a:effectLst/>
+                <a:latin typeface="Consolas" panose="020B0609020204030204" pitchFamily="49" charset="0"/>
+              </a:rPr>
+              <a:t>##### 6* Informational</a:t>
+            </a:r>
+            <a:endParaRPr lang="en-US" b="0" dirty="0">
+              <a:solidFill>
+                <a:srgbClr val="D4D4D4"/>
+              </a:solidFill>
+              <a:effectLst/>
+              <a:latin typeface="Consolas" panose="020B0609020204030204" pitchFamily="49" charset="0"/>
+            </a:endParaRPr>
+          </a:p>
+          <a:p>
+            <a:r>
+              <a:rPr lang="en-US" b="0" dirty="0">
+                <a:solidFill>
+                  <a:srgbClr val="D4D4D4"/>
+                </a:solidFill>
+                <a:effectLst/>
+                <a:latin typeface="Consolas" panose="020B0609020204030204" pitchFamily="49" charset="0"/>
+              </a:rPr>
+              <a:t>Why is there an asterisk here? Because this power was added later on, it wasn’t in the original research. This is a power that is present only in informational societies. Where having, withholding or manipulating information is possible. Some also argue if this is not only a different manifestation of a rewarding or coercive power. I will leave it for your consideration.</a:t>
+            </a:r>
+          </a:p>
+          <a:p>
+            <a:br>
+              <a:rPr lang="en-US" b="0" dirty="0">
+                <a:solidFill>
+                  <a:srgbClr val="D4D4D4"/>
+                </a:solidFill>
+                <a:effectLst/>
+                <a:latin typeface="Consolas" panose="020B0609020204030204" pitchFamily="49" charset="0"/>
+              </a:rPr>
+            </a:br>
+            <a:r>
+              <a:rPr lang="en-US" b="1" dirty="0">
+                <a:solidFill>
+                  <a:srgbClr val="569CD6"/>
+                </a:solidFill>
+                <a:effectLst/>
+                <a:latin typeface="Consolas" panose="020B0609020204030204" pitchFamily="49" charset="0"/>
+              </a:rPr>
+              <a:t>##### Why do I care?</a:t>
+            </a:r>
+            <a:endParaRPr lang="en-US" b="0" dirty="0">
+              <a:solidFill>
+                <a:srgbClr val="D4D4D4"/>
+              </a:solidFill>
+              <a:effectLst/>
+              <a:latin typeface="Consolas" panose="020B0609020204030204" pitchFamily="49" charset="0"/>
+            </a:endParaRPr>
+          </a:p>
+          <a:p>
+            <a:r>
+              <a:rPr lang="en-US" b="0" dirty="0">
+                <a:solidFill>
+                  <a:srgbClr val="D4D4D4"/>
+                </a:solidFill>
+                <a:effectLst/>
+                <a:latin typeface="Consolas" panose="020B0609020204030204" pitchFamily="49" charset="0"/>
+              </a:rPr>
+              <a:t>Because the higher the power number is, the harder it is to gain, but the bigger the benefits are. It’s easy to coerce someone to do something, threatening them to sack them or promising a yearly bonus.</a:t>
+            </a:r>
+          </a:p>
+          <a:p>
+            <a:br>
+              <a:rPr lang="en-US" b="0" dirty="0">
+                <a:solidFill>
+                  <a:srgbClr val="D4D4D4"/>
+                </a:solidFill>
+                <a:effectLst/>
+                <a:latin typeface="Consolas" panose="020B0609020204030204" pitchFamily="49" charset="0"/>
+              </a:rPr>
+            </a:br>
+            <a:r>
+              <a:rPr lang="en-US" b="0" dirty="0">
+                <a:solidFill>
+                  <a:srgbClr val="D4D4D4"/>
+                </a:solidFill>
+                <a:effectLst/>
+                <a:latin typeface="Consolas" panose="020B0609020204030204" pitchFamily="49" charset="0"/>
+              </a:rPr>
+              <a:t>Also because coercive and rewarding powers are encoded in our reptilian brain, they are our instincts and it’s extremely hard in a critical situation not to use them.  Same applies to given power – only if you give in to your instincts, the more primitive one will take over – the carrot and the stick.</a:t>
+            </a:r>
+          </a:p>
+          <a:p>
+            <a:br>
+              <a:rPr lang="en-US" b="0" dirty="0">
+                <a:solidFill>
+                  <a:srgbClr val="D4D4D4"/>
+                </a:solidFill>
+                <a:effectLst/>
+                <a:latin typeface="Consolas" panose="020B0609020204030204" pitchFamily="49" charset="0"/>
+              </a:rPr>
+            </a:br>
+            <a:r>
+              <a:rPr lang="en-US" b="0" dirty="0">
+                <a:solidFill>
+                  <a:srgbClr val="D4D4D4"/>
+                </a:solidFill>
+                <a:effectLst/>
+                <a:latin typeface="Consolas" panose="020B0609020204030204" pitchFamily="49" charset="0"/>
+              </a:rPr>
+              <a:t>And in critical situations we need creativity, learning and engagement the most – to quickly get out of that crisis.</a:t>
+            </a:r>
+          </a:p>
+          <a:p>
+            <a:br>
+              <a:rPr lang="en-US" b="0" dirty="0">
+                <a:solidFill>
+                  <a:srgbClr val="D4D4D4"/>
+                </a:solidFill>
+                <a:effectLst/>
+                <a:latin typeface="Consolas" panose="020B0609020204030204" pitchFamily="49" charset="0"/>
+              </a:rPr>
+            </a:br>
+            <a:r>
+              <a:rPr lang="en-US" b="0" dirty="0">
+                <a:solidFill>
+                  <a:srgbClr val="D4D4D4"/>
+                </a:solidFill>
+                <a:effectLst/>
+                <a:latin typeface="Consolas" panose="020B0609020204030204" pitchFamily="49" charset="0"/>
+              </a:rPr>
+              <a:t>That’s why Scrum Masters have to have Expert and Referent power but not formal, coercive or rewarding ones. So that they can get the most of people any </a:t>
+            </a:r>
+            <a:r>
+              <a:rPr lang="en-US" b="0" dirty="0" err="1">
+                <a:solidFill>
+                  <a:srgbClr val="D4D4D4"/>
+                </a:solidFill>
+                <a:effectLst/>
+                <a:latin typeface="Consolas" panose="020B0609020204030204" pitchFamily="49" charset="0"/>
+              </a:rPr>
+              <a:t>time.s</a:t>
+            </a:r>
+            <a:endParaRPr lang="en-US" b="0" dirty="0">
+              <a:solidFill>
+                <a:srgbClr val="D4D4D4"/>
+              </a:solidFill>
+              <a:effectLst/>
+              <a:latin typeface="Consolas" panose="020B0609020204030204" pitchFamily="49" charset="0"/>
+            </a:endParaRPr>
+          </a:p>
+          <a:p>
+            <a:endParaRPr lang="en-US" dirty="0"/>
+          </a:p>
+        </p:txBody>
+      </p:sp>
+      <p:sp>
+        <p:nvSpPr>
+          <p:cNvPr id="4" name="Slide Number Placeholder 3"/>
+          <p:cNvSpPr>
+            <a:spLocks noGrp="1"/>
+          </p:cNvSpPr>
+          <p:nvPr>
+            <p:ph type="sldNum" sz="quarter" idx="5"/>
+          </p:nvPr>
+        </p:nvSpPr>
+        <p:spPr/>
+        <p:txBody>
+          <a:bodyPr/>
+          <a:lstStyle/>
+          <a:p>
+            <a:fld id="{68AD085A-CE2C-4AF4-96B5-9AB734DA641A}" type="slidenum">
+              <a:rPr lang="en-US" smtClean="0"/>
+              <a:t>17</a:t>
+            </a:fld>
+            <a:endParaRPr lang="en-US"/>
+          </a:p>
+        </p:txBody>
+      </p:sp>
+    </p:spTree>
+    <p:extLst>
+      <p:ext uri="{BB962C8B-B14F-4D97-AF65-F5344CB8AC3E}">
+        <p14:creationId xmlns:p14="http://schemas.microsoft.com/office/powerpoint/2010/main" val="164597181"/>
+      </p:ext>
+    </p:extLst>
+  </p:cSld>
+  <p:clrMapOvr>
+    <a:masterClrMapping/>
+  </p:clrMapOvr>
+</p:notes>
+</file>
+
+<file path=ppt/notesSlides/notesSlide17.xml><?xml version="1.0" encoding="utf-8"?>
+<p:notes xmlns:a="http://schemas.openxmlformats.org/drawingml/2006/main" xmlns:r="http://schemas.openxmlformats.org/officeDocument/2006/relationships" xmlns:p="http://schemas.openxmlformats.org/presentationml/2006/main">
+  <p:cSld>
+    <p:spTree>
+      <p:nvGrpSpPr>
+        <p:cNvPr id="1" name=""/>
+        <p:cNvGrpSpPr/>
+        <p:nvPr/>
+      </p:nvGrpSpPr>
+      <p:grpSpPr>
+        <a:xfrm>
+          <a:off x="0" y="0"/>
+          <a:ext cx="0" cy="0"/>
+          <a:chOff x="0" y="0"/>
+          <a:chExt cx="0" cy="0"/>
+        </a:xfrm>
+      </p:grpSpPr>
+      <p:sp>
+        <p:nvSpPr>
+          <p:cNvPr id="2" name="Slide Image Placeholder 1"/>
+          <p:cNvSpPr>
+            <a:spLocks noGrp="1" noRot="1" noChangeAspect="1"/>
+          </p:cNvSpPr>
+          <p:nvPr>
+            <p:ph type="sldImg"/>
+          </p:nvPr>
+        </p:nvSpPr>
+        <p:spPr/>
+      </p:sp>
+      <p:sp>
+        <p:nvSpPr>
+          <p:cNvPr id="3" name="Notes Placeholder 2"/>
+          <p:cNvSpPr>
+            <a:spLocks noGrp="1"/>
+          </p:cNvSpPr>
+          <p:nvPr>
+            <p:ph type="body" idx="1"/>
+          </p:nvPr>
+        </p:nvSpPr>
+        <p:spPr/>
+        <p:txBody>
+          <a:bodyPr/>
+          <a:lstStyle/>
+          <a:p>
+            <a:r>
+              <a:rPr lang="en-US" b="1" dirty="0">
+                <a:solidFill>
+                  <a:srgbClr val="569CD6"/>
+                </a:solidFill>
+                <a:effectLst/>
+                <a:latin typeface="Consolas" panose="020B0609020204030204" pitchFamily="49" charset="0"/>
+              </a:rPr>
+              <a:t>### Little Quits</a:t>
+            </a:r>
+            <a:endParaRPr lang="en-US" b="0" dirty="0">
+              <a:solidFill>
+                <a:srgbClr val="D4D4D4"/>
+              </a:solidFill>
+              <a:effectLst/>
+              <a:latin typeface="Consolas" panose="020B0609020204030204" pitchFamily="49" charset="0"/>
+            </a:endParaRPr>
+          </a:p>
+          <a:p>
+            <a:r>
+              <a:rPr lang="en-US" b="0" dirty="0">
+                <a:solidFill>
+                  <a:srgbClr val="D4D4D4"/>
+                </a:solidFill>
+                <a:effectLst/>
+                <a:latin typeface="Consolas" panose="020B0609020204030204" pitchFamily="49" charset="0"/>
+              </a:rPr>
               <a:t>It’s rare that one quits something big without first quitting many times on something small.</a:t>
             </a:r>
           </a:p>
@@ -1985,6 +3143,126 @@
           </a:p>
           <a:p>
             <a:endParaRPr lang="en-US" dirty="0"/>
+          </a:p>
+          <a:p>
+            <a:endParaRPr lang="en-US" dirty="0"/>
+          </a:p>
+        </p:txBody>
+      </p:sp>
+      <p:sp>
+        <p:nvSpPr>
+          <p:cNvPr id="4" name="Slide Number Placeholder 3"/>
+          <p:cNvSpPr>
+            <a:spLocks noGrp="1"/>
+          </p:cNvSpPr>
+          <p:nvPr>
+            <p:ph type="sldNum" sz="quarter" idx="5"/>
+          </p:nvPr>
+        </p:nvSpPr>
+        <p:spPr/>
+        <p:txBody>
+          <a:bodyPr/>
+          <a:lstStyle/>
+          <a:p>
+            <a:fld id="{68AD085A-CE2C-4AF4-96B5-9AB734DA641A}" type="slidenum">
+              <a:rPr lang="en-US" smtClean="0"/>
+              <a:t>18</a:t>
+            </a:fld>
+            <a:endParaRPr lang="en-US"/>
+          </a:p>
+        </p:txBody>
+      </p:sp>
+    </p:spTree>
+    <p:extLst>
+      <p:ext uri="{BB962C8B-B14F-4D97-AF65-F5344CB8AC3E}">
+        <p14:creationId xmlns:p14="http://schemas.microsoft.com/office/powerpoint/2010/main" val="2563164741"/>
+      </p:ext>
+    </p:extLst>
+  </p:cSld>
+  <p:clrMapOvr>
+    <a:masterClrMapping/>
+  </p:clrMapOvr>
+</p:notes>
+</file>
+
+<file path=ppt/notesSlides/notesSlide18.xml><?xml version="1.0" encoding="utf-8"?>
+<p:notes xmlns:a="http://schemas.openxmlformats.org/drawingml/2006/main" xmlns:r="http://schemas.openxmlformats.org/officeDocument/2006/relationships" xmlns:p="http://schemas.openxmlformats.org/presentationml/2006/main">
+  <p:cSld>
+    <p:spTree>
+      <p:nvGrpSpPr>
+        <p:cNvPr id="1" name=""/>
+        <p:cNvGrpSpPr/>
+        <p:nvPr/>
+      </p:nvGrpSpPr>
+      <p:grpSpPr>
+        <a:xfrm>
+          <a:off x="0" y="0"/>
+          <a:ext cx="0" cy="0"/>
+          <a:chOff x="0" y="0"/>
+          <a:chExt cx="0" cy="0"/>
+        </a:xfrm>
+      </p:grpSpPr>
+      <p:sp>
+        <p:nvSpPr>
+          <p:cNvPr id="2" name="Slide Image Placeholder 1"/>
+          <p:cNvSpPr>
+            <a:spLocks noGrp="1" noRot="1" noChangeAspect="1"/>
+          </p:cNvSpPr>
+          <p:nvPr>
+            <p:ph type="sldImg"/>
+          </p:nvPr>
+        </p:nvSpPr>
+        <p:spPr/>
+      </p:sp>
+      <p:sp>
+        <p:nvSpPr>
+          <p:cNvPr id="3" name="Notes Placeholder 2"/>
+          <p:cNvSpPr>
+            <a:spLocks noGrp="1"/>
+          </p:cNvSpPr>
+          <p:nvPr>
+            <p:ph type="body" idx="1"/>
+          </p:nvPr>
+        </p:nvSpPr>
+        <p:spPr/>
+        <p:txBody>
+          <a:bodyPr/>
+          <a:lstStyle/>
+          <a:p>
+            <a:r>
+              <a:rPr lang="en-US" b="0" dirty="0">
+                <a:solidFill>
+                  <a:srgbClr val="D4D4D4"/>
+                </a:solidFill>
+                <a:effectLst/>
+                <a:latin typeface="Consolas" panose="020B0609020204030204" pitchFamily="49" charset="0"/>
+              </a:rPr>
+              <a:t>A bad system beats a good man every day. - Deming</a:t>
+            </a:r>
+          </a:p>
+          <a:p>
+            <a:r>
+              <a:rPr lang="en-US" b="0" dirty="0">
+                <a:solidFill>
+                  <a:srgbClr val="D4D4D4"/>
+                </a:solidFill>
+                <a:effectLst/>
+                <a:latin typeface="Consolas" panose="020B0609020204030204" pitchFamily="49" charset="0"/>
+              </a:rPr>
+              <a:t>Any fool can make a short term profit.</a:t>
+            </a:r>
+          </a:p>
+          <a:p>
+            <a:r>
+              <a:rPr lang="en-US" b="0" dirty="0">
+                <a:solidFill>
+                  <a:srgbClr val="D4D4D4"/>
+                </a:solidFill>
+                <a:effectLst/>
+                <a:latin typeface="Consolas" panose="020B0609020204030204" pitchFamily="49" charset="0"/>
+              </a:rPr>
+              <a:t>My personal success give me a raise; my team's success threatens my personal success</a:t>
+            </a:r>
           </a:p>
           <a:p>
             <a:endParaRPr lang="en-US" dirty="0"/>
@@ -2017,7 +3295,94 @@
     </p:spTree>
     <p:extLst>
       <p:ext uri="{BB962C8B-B14F-4D97-AF65-F5344CB8AC3E}">
-        <p14:creationId xmlns:p14="http://schemas.microsoft.com/office/powerpoint/2010/main" val="2563164741"/>
+        <p14:creationId xmlns:p14="http://schemas.microsoft.com/office/powerpoint/2010/main" val="3615407444"/>
+      </p:ext>
+    </p:extLst>
+  </p:cSld>
+  <p:clrMapOvr>
+    <a:masterClrMapping/>
+  </p:clrMapOvr>
+</p:notes>
+</file>
+
+<file path=ppt/notesSlides/notesSlide19.xml><?xml version="1.0" encoding="utf-8"?>
+<p:notes xmlns:a="http://schemas.openxmlformats.org/drawingml/2006/main" xmlns:r="http://schemas.openxmlformats.org/officeDocument/2006/relationships" xmlns:p="http://schemas.openxmlformats.org/presentationml/2006/main">
+  <p:cSld>
+    <p:spTree>
+      <p:nvGrpSpPr>
+        <p:cNvPr id="1" name=""/>
+        <p:cNvGrpSpPr/>
+        <p:nvPr/>
+      </p:nvGrpSpPr>
+      <p:grpSpPr>
+        <a:xfrm>
+          <a:off x="0" y="0"/>
+          <a:ext cx="0" cy="0"/>
+          <a:chOff x="0" y="0"/>
+          <a:chExt cx="0" cy="0"/>
+        </a:xfrm>
+      </p:grpSpPr>
+      <p:sp>
+        <p:nvSpPr>
+          <p:cNvPr id="2" name="Slide Image Placeholder 1"/>
+          <p:cNvSpPr>
+            <a:spLocks noGrp="1" noRot="1" noChangeAspect="1"/>
+          </p:cNvSpPr>
+          <p:nvPr>
+            <p:ph type="sldImg"/>
+          </p:nvPr>
+        </p:nvSpPr>
+        <p:spPr/>
+      </p:sp>
+      <p:sp>
+        <p:nvSpPr>
+          <p:cNvPr id="3" name="Notes Placeholder 2"/>
+          <p:cNvSpPr>
+            <a:spLocks noGrp="1"/>
+          </p:cNvSpPr>
+          <p:nvPr>
+            <p:ph type="body" idx="1"/>
+          </p:nvPr>
+        </p:nvSpPr>
+        <p:spPr/>
+        <p:txBody>
+          <a:bodyPr/>
+          <a:lstStyle/>
+          <a:p>
+            <a:r>
+              <a:rPr lang="en-US" dirty="0"/>
+              <a:t>Now that you’ve seen how to kill continuous improvement, here’s how I’ve learned to encourage and sustain continuous improvement</a:t>
+            </a:r>
+          </a:p>
+        </p:txBody>
+      </p:sp>
+      <p:sp>
+        <p:nvSpPr>
+          <p:cNvPr id="4" name="Slide Number Placeholder 3"/>
+          <p:cNvSpPr>
+            <a:spLocks noGrp="1"/>
+          </p:cNvSpPr>
+          <p:nvPr>
+            <p:ph type="sldNum" sz="quarter" idx="5"/>
+          </p:nvPr>
+        </p:nvSpPr>
+        <p:spPr/>
+        <p:txBody>
+          <a:bodyPr/>
+          <a:lstStyle/>
+          <a:p>
+            <a:fld id="{68AD085A-CE2C-4AF4-96B5-9AB734DA641A}" type="slidenum">
+              <a:rPr lang="en-US" smtClean="0"/>
+              <a:t>20</a:t>
+            </a:fld>
+            <a:endParaRPr lang="en-US"/>
+          </a:p>
+        </p:txBody>
+      </p:sp>
+    </p:spTree>
+    <p:extLst>
+      <p:ext uri="{BB962C8B-B14F-4D97-AF65-F5344CB8AC3E}">
+        <p14:creationId xmlns:p14="http://schemas.microsoft.com/office/powerpoint/2010/main" val="1408064101"/>
       </p:ext>
     </p:extLst>
   </p:cSld>
@@ -2236,6 +3601,770 @@
     <p:extLst>
       <p:ext uri="{BB962C8B-B14F-4D97-AF65-F5344CB8AC3E}">
         <p14:creationId xmlns:p14="http://schemas.microsoft.com/office/powerpoint/2010/main" val="1534710382"/>
+      </p:ext>
+    </p:extLst>
+  </p:cSld>
+  <p:clrMapOvr>
+    <a:masterClrMapping/>
+  </p:clrMapOvr>
+</p:notes>
+</file>
+
+<file path=ppt/notesSlides/notesSlide20.xml><?xml version="1.0" encoding="utf-8"?>
+<p:notes xmlns:a="http://schemas.openxmlformats.org/drawingml/2006/main" xmlns:r="http://schemas.openxmlformats.org/officeDocument/2006/relationships" xmlns:p="http://schemas.openxmlformats.org/presentationml/2006/main">
+  <p:cSld>
+    <p:spTree>
+      <p:nvGrpSpPr>
+        <p:cNvPr id="1" name=""/>
+        <p:cNvGrpSpPr/>
+        <p:nvPr/>
+      </p:nvGrpSpPr>
+      <p:grpSpPr>
+        <a:xfrm>
+          <a:off x="0" y="0"/>
+          <a:ext cx="0" cy="0"/>
+          <a:chOff x="0" y="0"/>
+          <a:chExt cx="0" cy="0"/>
+        </a:xfrm>
+      </p:grpSpPr>
+      <p:sp>
+        <p:nvSpPr>
+          <p:cNvPr id="2" name="Slide Image Placeholder 1"/>
+          <p:cNvSpPr>
+            <a:spLocks noGrp="1" noRot="1" noChangeAspect="1"/>
+          </p:cNvSpPr>
+          <p:nvPr>
+            <p:ph type="sldImg"/>
+          </p:nvPr>
+        </p:nvSpPr>
+        <p:spPr/>
+      </p:sp>
+      <p:sp>
+        <p:nvSpPr>
+          <p:cNvPr id="3" name="Notes Placeholder 2"/>
+          <p:cNvSpPr>
+            <a:spLocks noGrp="1"/>
+          </p:cNvSpPr>
+          <p:nvPr>
+            <p:ph type="body" idx="1"/>
+          </p:nvPr>
+        </p:nvSpPr>
+        <p:spPr/>
+        <p:txBody>
+          <a:bodyPr/>
+          <a:lstStyle/>
+          <a:p>
+            <a:r>
+              <a:rPr lang="en-US" dirty="0"/>
+              <a:t>I’ve been given great power to influence, teach and coach. When an opportunity arises, I use that power gently. The picture of gentleness here is like one who has a sword and knows how to use it but keeps it sheathed. I do my best to choose moments wisely and act with restraint. If I make too many mistakes, I’ll quickly lose trust and those who have given me power over them will take it back. I’m careful to check for alignment and hesitance. I’m quick to understand rather than lecture. I watch carefully for the interplay between ability and willingness to know when to support and when to direct. After directing, I’m on the hunt for the moment when the training wheels need to come off – for the moment when I should back off.</a:t>
+            </a:r>
+          </a:p>
+        </p:txBody>
+      </p:sp>
+      <p:sp>
+        <p:nvSpPr>
+          <p:cNvPr id="4" name="Slide Number Placeholder 3"/>
+          <p:cNvSpPr>
+            <a:spLocks noGrp="1"/>
+          </p:cNvSpPr>
+          <p:nvPr>
+            <p:ph type="sldNum" sz="quarter" idx="5"/>
+          </p:nvPr>
+        </p:nvSpPr>
+        <p:spPr/>
+        <p:txBody>
+          <a:bodyPr/>
+          <a:lstStyle/>
+          <a:p>
+            <a:fld id="{68AD085A-CE2C-4AF4-96B5-9AB734DA641A}" type="slidenum">
+              <a:rPr lang="en-US" smtClean="0"/>
+              <a:t>21</a:t>
+            </a:fld>
+            <a:endParaRPr lang="en-US"/>
+          </a:p>
+        </p:txBody>
+      </p:sp>
+    </p:spTree>
+    <p:extLst>
+      <p:ext uri="{BB962C8B-B14F-4D97-AF65-F5344CB8AC3E}">
+        <p14:creationId xmlns:p14="http://schemas.microsoft.com/office/powerpoint/2010/main" val="2949510929"/>
+      </p:ext>
+    </p:extLst>
+  </p:cSld>
+  <p:clrMapOvr>
+    <a:masterClrMapping/>
+  </p:clrMapOvr>
+</p:notes>
+</file>
+
+<file path=ppt/notesSlides/notesSlide21.xml><?xml version="1.0" encoding="utf-8"?>
+<p:notes xmlns:a="http://schemas.openxmlformats.org/drawingml/2006/main" xmlns:r="http://schemas.openxmlformats.org/officeDocument/2006/relationships" xmlns:p="http://schemas.openxmlformats.org/presentationml/2006/main">
+  <p:cSld>
+    <p:spTree>
+      <p:nvGrpSpPr>
+        <p:cNvPr id="1" name=""/>
+        <p:cNvGrpSpPr/>
+        <p:nvPr/>
+      </p:nvGrpSpPr>
+      <p:grpSpPr>
+        <a:xfrm>
+          <a:off x="0" y="0"/>
+          <a:ext cx="0" cy="0"/>
+          <a:chOff x="0" y="0"/>
+          <a:chExt cx="0" cy="0"/>
+        </a:xfrm>
+      </p:grpSpPr>
+      <p:sp>
+        <p:nvSpPr>
+          <p:cNvPr id="2" name="Slide Image Placeholder 1"/>
+          <p:cNvSpPr>
+            <a:spLocks noGrp="1" noRot="1" noChangeAspect="1"/>
+          </p:cNvSpPr>
+          <p:nvPr>
+            <p:ph type="sldImg"/>
+          </p:nvPr>
+        </p:nvSpPr>
+        <p:spPr/>
+      </p:sp>
+      <p:sp>
+        <p:nvSpPr>
+          <p:cNvPr id="3" name="Notes Placeholder 2"/>
+          <p:cNvSpPr>
+            <a:spLocks noGrp="1"/>
+          </p:cNvSpPr>
+          <p:nvPr>
+            <p:ph type="body" idx="1"/>
+          </p:nvPr>
+        </p:nvSpPr>
+        <p:spPr/>
+        <p:txBody>
+          <a:bodyPr/>
+          <a:lstStyle/>
+          <a:p>
+            <a:r>
+              <a:rPr lang="en-US" dirty="0"/>
+              <a:t>I’m a little annoyed with how one or our core values can be used. Driving results is important at BOKF. I’m sure you can imagine how this can be abused by the heavy handed leader, the micromanager, or some other legitimate power to otherwise abuse those in their charge.</a:t>
+            </a:r>
+          </a:p>
+          <a:p>
+            <a:endParaRPr lang="en-US" dirty="0"/>
+          </a:p>
+          <a:p>
+            <a:r>
+              <a:rPr lang="en-US" dirty="0"/>
+              <a:t>For me, this takes on a different form. I do my best to draw from Dan Pink’s wisdom. In his book “Drive” he outlines 3 basic motivational forces common to human beings.</a:t>
+            </a:r>
+          </a:p>
+          <a:p>
+            <a:endParaRPr lang="en-US" dirty="0"/>
+          </a:p>
+          <a:p>
+            <a:r>
+              <a:rPr lang="en-US" dirty="0"/>
+              <a:t>The desire for autonomy. The Pursuit of mastery. The desire to have purpose, connection, or belonging.</a:t>
+            </a:r>
+          </a:p>
+          <a:p>
+            <a:endParaRPr lang="en-US" dirty="0"/>
+          </a:p>
+          <a:p>
+            <a:r>
+              <a:rPr lang="en-US" dirty="0"/>
+              <a:t>This means, in the course of our team working to achieve goals, I actively look for ways to encourage my teammates to do what they think is best and to expect the same of each teammate.</a:t>
+            </a:r>
+          </a:p>
+          <a:p>
+            <a:endParaRPr lang="en-US" dirty="0"/>
+          </a:p>
+          <a:p>
+            <a:r>
+              <a:rPr lang="en-US" dirty="0"/>
+              <a:t>It also means creating the opportunity, equipment, and encouragement to improve the skill by which they accomplish those goals. Learn to code sessions, facilitate events, resolve conflict, communicate effectively. Above all, I try very hard not to steal from them the pride of their workmanship.</a:t>
+            </a:r>
+          </a:p>
+          <a:p>
+            <a:endParaRPr lang="en-US" dirty="0"/>
+          </a:p>
+          <a:p>
+            <a:r>
+              <a:rPr lang="en-US" dirty="0"/>
+              <a:t>Last, I continuously tend to our garden. It is a powerful metaphor that describes the space or container of our team. In it, there grow the fruits of courage, focus, commitment, openness, respect, and humor. In this space, we all belong and from it we sprout like vines to grasp the meaningful goals and achievements we willing accept. I actively uproot anything that threatens this place of meaning, purpose and belong.</a:t>
+            </a:r>
+          </a:p>
+          <a:p>
+            <a:endParaRPr lang="en-US" dirty="0"/>
+          </a:p>
+          <a:p>
+            <a:r>
+              <a:rPr lang="en-US" dirty="0"/>
+              <a:t>This is how I “Drive” results.</a:t>
+            </a:r>
+          </a:p>
+        </p:txBody>
+      </p:sp>
+      <p:sp>
+        <p:nvSpPr>
+          <p:cNvPr id="4" name="Slide Number Placeholder 3"/>
+          <p:cNvSpPr>
+            <a:spLocks noGrp="1"/>
+          </p:cNvSpPr>
+          <p:nvPr>
+            <p:ph type="sldNum" sz="quarter" idx="5"/>
+          </p:nvPr>
+        </p:nvSpPr>
+        <p:spPr/>
+        <p:txBody>
+          <a:bodyPr/>
+          <a:lstStyle/>
+          <a:p>
+            <a:fld id="{68AD085A-CE2C-4AF4-96B5-9AB734DA641A}" type="slidenum">
+              <a:rPr lang="en-US" smtClean="0"/>
+              <a:t>22</a:t>
+            </a:fld>
+            <a:endParaRPr lang="en-US"/>
+          </a:p>
+        </p:txBody>
+      </p:sp>
+    </p:spTree>
+    <p:extLst>
+      <p:ext uri="{BB962C8B-B14F-4D97-AF65-F5344CB8AC3E}">
+        <p14:creationId xmlns:p14="http://schemas.microsoft.com/office/powerpoint/2010/main" val="2016946804"/>
+      </p:ext>
+    </p:extLst>
+  </p:cSld>
+  <p:clrMapOvr>
+    <a:masterClrMapping/>
+  </p:clrMapOvr>
+</p:notes>
+</file>
+
+<file path=ppt/notesSlides/notesSlide22.xml><?xml version="1.0" encoding="utf-8"?>
+<p:notes xmlns:a="http://schemas.openxmlformats.org/drawingml/2006/main" xmlns:r="http://schemas.openxmlformats.org/officeDocument/2006/relationships" xmlns:p="http://schemas.openxmlformats.org/presentationml/2006/main">
+  <p:cSld>
+    <p:spTree>
+      <p:nvGrpSpPr>
+        <p:cNvPr id="1" name=""/>
+        <p:cNvGrpSpPr/>
+        <p:nvPr/>
+      </p:nvGrpSpPr>
+      <p:grpSpPr>
+        <a:xfrm>
+          <a:off x="0" y="0"/>
+          <a:ext cx="0" cy="0"/>
+          <a:chOff x="0" y="0"/>
+          <a:chExt cx="0" cy="0"/>
+        </a:xfrm>
+      </p:grpSpPr>
+      <p:sp>
+        <p:nvSpPr>
+          <p:cNvPr id="2" name="Slide Image Placeholder 1"/>
+          <p:cNvSpPr>
+            <a:spLocks noGrp="1" noRot="1" noChangeAspect="1"/>
+          </p:cNvSpPr>
+          <p:nvPr>
+            <p:ph type="sldImg"/>
+          </p:nvPr>
+        </p:nvSpPr>
+        <p:spPr/>
+      </p:sp>
+      <p:sp>
+        <p:nvSpPr>
+          <p:cNvPr id="3" name="Notes Placeholder 2"/>
+          <p:cNvSpPr>
+            <a:spLocks noGrp="1"/>
+          </p:cNvSpPr>
+          <p:nvPr>
+            <p:ph type="body" idx="1"/>
+          </p:nvPr>
+        </p:nvSpPr>
+        <p:spPr/>
+        <p:txBody>
+          <a:bodyPr/>
+          <a:lstStyle/>
+          <a:p>
+            <a:r>
+              <a:rPr lang="en-US" dirty="0"/>
+              <a:t>I’ve found that hope is a cross-cutting concern for a team’s continuous improvement. Especially in the beginning of a race, the vision seems depressingly distant, like a finish line you imagine is there but cannot yet see. Part of my journey over the last two years has been to jealously guard the team’s hope of realizing our aspirations against:</a:t>
+            </a:r>
+          </a:p>
+          <a:p>
+            <a:pPr marL="171450" indent="-171450">
+              <a:buFontTx/>
+              <a:buChar char="-"/>
+            </a:pPr>
+            <a:r>
+              <a:rPr lang="en-US" dirty="0"/>
+              <a:t>Naysayers</a:t>
+            </a:r>
+          </a:p>
+          <a:p>
+            <a:pPr marL="171450" indent="-171450">
+              <a:buFontTx/>
+              <a:buChar char="-"/>
+            </a:pPr>
+            <a:r>
+              <a:rPr lang="en-US" dirty="0"/>
+              <a:t>Excessive challenge</a:t>
+            </a:r>
+          </a:p>
+          <a:p>
+            <a:pPr marL="171450" indent="-171450">
+              <a:buFontTx/>
+              <a:buChar char="-"/>
+            </a:pPr>
+            <a:r>
+              <a:rPr lang="en-US" dirty="0"/>
+              <a:t>Too little challenge</a:t>
+            </a:r>
+          </a:p>
+          <a:p>
+            <a:pPr marL="171450" indent="-171450">
+              <a:buFontTx/>
+              <a:buChar char="-"/>
+            </a:pPr>
+            <a:r>
+              <a:rPr lang="en-US" dirty="0"/>
+              <a:t>Conflicting visions</a:t>
+            </a:r>
+          </a:p>
+          <a:p>
+            <a:pPr marL="171450" indent="-171450">
+              <a:buFontTx/>
+              <a:buChar char="-"/>
+            </a:pPr>
+            <a:endParaRPr lang="en-US" dirty="0"/>
+          </a:p>
+          <a:p>
+            <a:pPr marL="0" indent="0">
+              <a:buFontTx/>
+              <a:buNone/>
+            </a:pPr>
+            <a:endParaRPr lang="en-US" dirty="0"/>
+          </a:p>
+        </p:txBody>
+      </p:sp>
+      <p:sp>
+        <p:nvSpPr>
+          <p:cNvPr id="4" name="Slide Number Placeholder 3"/>
+          <p:cNvSpPr>
+            <a:spLocks noGrp="1"/>
+          </p:cNvSpPr>
+          <p:nvPr>
+            <p:ph type="sldNum" sz="quarter" idx="5"/>
+          </p:nvPr>
+        </p:nvSpPr>
+        <p:spPr/>
+        <p:txBody>
+          <a:bodyPr/>
+          <a:lstStyle/>
+          <a:p>
+            <a:fld id="{68AD085A-CE2C-4AF4-96B5-9AB734DA641A}" type="slidenum">
+              <a:rPr lang="en-US" smtClean="0"/>
+              <a:t>23</a:t>
+            </a:fld>
+            <a:endParaRPr lang="en-US"/>
+          </a:p>
+        </p:txBody>
+      </p:sp>
+    </p:spTree>
+    <p:extLst>
+      <p:ext uri="{BB962C8B-B14F-4D97-AF65-F5344CB8AC3E}">
+        <p14:creationId xmlns:p14="http://schemas.microsoft.com/office/powerpoint/2010/main" val="2789530158"/>
+      </p:ext>
+    </p:extLst>
+  </p:cSld>
+  <p:clrMapOvr>
+    <a:masterClrMapping/>
+  </p:clrMapOvr>
+</p:notes>
+</file>
+
+<file path=ppt/notesSlides/notesSlide23.xml><?xml version="1.0" encoding="utf-8"?>
+<p:notes xmlns:a="http://schemas.openxmlformats.org/drawingml/2006/main" xmlns:r="http://schemas.openxmlformats.org/officeDocument/2006/relationships" xmlns:p="http://schemas.openxmlformats.org/presentationml/2006/main">
+  <p:cSld>
+    <p:spTree>
+      <p:nvGrpSpPr>
+        <p:cNvPr id="1" name=""/>
+        <p:cNvGrpSpPr/>
+        <p:nvPr/>
+      </p:nvGrpSpPr>
+      <p:grpSpPr>
+        <a:xfrm>
+          <a:off x="0" y="0"/>
+          <a:ext cx="0" cy="0"/>
+          <a:chOff x="0" y="0"/>
+          <a:chExt cx="0" cy="0"/>
+        </a:xfrm>
+      </p:grpSpPr>
+      <p:sp>
+        <p:nvSpPr>
+          <p:cNvPr id="2" name="Slide Image Placeholder 1"/>
+          <p:cNvSpPr>
+            <a:spLocks noGrp="1" noRot="1" noChangeAspect="1"/>
+          </p:cNvSpPr>
+          <p:nvPr>
+            <p:ph type="sldImg"/>
+          </p:nvPr>
+        </p:nvSpPr>
+        <p:spPr/>
+      </p:sp>
+      <p:sp>
+        <p:nvSpPr>
+          <p:cNvPr id="3" name="Notes Placeholder 2"/>
+          <p:cNvSpPr>
+            <a:spLocks noGrp="1"/>
+          </p:cNvSpPr>
+          <p:nvPr>
+            <p:ph type="body" idx="1"/>
+          </p:nvPr>
+        </p:nvSpPr>
+        <p:spPr/>
+        <p:txBody>
+          <a:bodyPr/>
+          <a:lstStyle/>
+          <a:p>
+            <a:endParaRPr lang="en-US" dirty="0"/>
+          </a:p>
+        </p:txBody>
+      </p:sp>
+      <p:sp>
+        <p:nvSpPr>
+          <p:cNvPr id="4" name="Slide Number Placeholder 3"/>
+          <p:cNvSpPr>
+            <a:spLocks noGrp="1"/>
+          </p:cNvSpPr>
+          <p:nvPr>
+            <p:ph type="sldNum" sz="quarter" idx="5"/>
+          </p:nvPr>
+        </p:nvSpPr>
+        <p:spPr/>
+        <p:txBody>
+          <a:bodyPr/>
+          <a:lstStyle/>
+          <a:p>
+            <a:fld id="{68AD085A-CE2C-4AF4-96B5-9AB734DA641A}" type="slidenum">
+              <a:rPr lang="en-US" smtClean="0"/>
+              <a:t>24</a:t>
+            </a:fld>
+            <a:endParaRPr lang="en-US"/>
+          </a:p>
+        </p:txBody>
+      </p:sp>
+    </p:spTree>
+    <p:extLst>
+      <p:ext uri="{BB962C8B-B14F-4D97-AF65-F5344CB8AC3E}">
+        <p14:creationId xmlns:p14="http://schemas.microsoft.com/office/powerpoint/2010/main" val="1275761304"/>
+      </p:ext>
+    </p:extLst>
+  </p:cSld>
+  <p:clrMapOvr>
+    <a:masterClrMapping/>
+  </p:clrMapOvr>
+</p:notes>
+</file>
+
+<file path=ppt/notesSlides/notesSlide24.xml><?xml version="1.0" encoding="utf-8"?>
+<p:notes xmlns:a="http://schemas.openxmlformats.org/drawingml/2006/main" xmlns:r="http://schemas.openxmlformats.org/officeDocument/2006/relationships" xmlns:p="http://schemas.openxmlformats.org/presentationml/2006/main">
+  <p:cSld>
+    <p:spTree>
+      <p:nvGrpSpPr>
+        <p:cNvPr id="1" name=""/>
+        <p:cNvGrpSpPr/>
+        <p:nvPr/>
+      </p:nvGrpSpPr>
+      <p:grpSpPr>
+        <a:xfrm>
+          <a:off x="0" y="0"/>
+          <a:ext cx="0" cy="0"/>
+          <a:chOff x="0" y="0"/>
+          <a:chExt cx="0" cy="0"/>
+        </a:xfrm>
+      </p:grpSpPr>
+      <p:sp>
+        <p:nvSpPr>
+          <p:cNvPr id="2" name="Slide Image Placeholder 1"/>
+          <p:cNvSpPr>
+            <a:spLocks noGrp="1" noRot="1" noChangeAspect="1"/>
+          </p:cNvSpPr>
+          <p:nvPr>
+            <p:ph type="sldImg"/>
+          </p:nvPr>
+        </p:nvSpPr>
+        <p:spPr/>
+      </p:sp>
+      <p:sp>
+        <p:nvSpPr>
+          <p:cNvPr id="3" name="Notes Placeholder 2"/>
+          <p:cNvSpPr>
+            <a:spLocks noGrp="1"/>
+          </p:cNvSpPr>
+          <p:nvPr>
+            <p:ph type="body" idx="1"/>
+          </p:nvPr>
+        </p:nvSpPr>
+        <p:spPr/>
+        <p:txBody>
+          <a:bodyPr/>
+          <a:lstStyle/>
+          <a:p>
+            <a:r>
+              <a:rPr lang="en-US" dirty="0"/>
+              <a:t>Key to winning at this race has been correctly seeing the game we’re playing as an infinite one. We are not playing it to beat competitors, although we hope we stay sufficient near or ahead of them. Rather, we play in order to keep playing without compromising the rules we have chosen – the things we value.</a:t>
+            </a:r>
+          </a:p>
+          <a:p>
+            <a:endParaRPr lang="en-US" dirty="0"/>
+          </a:p>
+          <a:p>
+            <a:r>
+              <a:rPr lang="en-US" dirty="0"/>
+              <a:t>We insist on commitment as an important marker of the quality and staying power of our improvements. We do our best to work sustainably, ever improving our technical excellence, avoiding waste, and frequently reflecting on what we can improve next. </a:t>
+            </a:r>
+          </a:p>
+        </p:txBody>
+      </p:sp>
+      <p:sp>
+        <p:nvSpPr>
+          <p:cNvPr id="4" name="Slide Number Placeholder 3"/>
+          <p:cNvSpPr>
+            <a:spLocks noGrp="1"/>
+          </p:cNvSpPr>
+          <p:nvPr>
+            <p:ph type="sldNum" sz="quarter" idx="5"/>
+          </p:nvPr>
+        </p:nvSpPr>
+        <p:spPr/>
+        <p:txBody>
+          <a:bodyPr/>
+          <a:lstStyle/>
+          <a:p>
+            <a:fld id="{68AD085A-CE2C-4AF4-96B5-9AB734DA641A}" type="slidenum">
+              <a:rPr lang="en-US" smtClean="0"/>
+              <a:t>25</a:t>
+            </a:fld>
+            <a:endParaRPr lang="en-US"/>
+          </a:p>
+        </p:txBody>
+      </p:sp>
+    </p:spTree>
+    <p:extLst>
+      <p:ext uri="{BB962C8B-B14F-4D97-AF65-F5344CB8AC3E}">
+        <p14:creationId xmlns:p14="http://schemas.microsoft.com/office/powerpoint/2010/main" val="2017244520"/>
+      </p:ext>
+    </p:extLst>
+  </p:cSld>
+  <p:clrMapOvr>
+    <a:masterClrMapping/>
+  </p:clrMapOvr>
+</p:notes>
+</file>
+
+<file path=ppt/notesSlides/notesSlide25.xml><?xml version="1.0" encoding="utf-8"?>
+<p:notes xmlns:a="http://schemas.openxmlformats.org/drawingml/2006/main" xmlns:r="http://schemas.openxmlformats.org/officeDocument/2006/relationships" xmlns:p="http://schemas.openxmlformats.org/presentationml/2006/main">
+  <p:cSld>
+    <p:spTree>
+      <p:nvGrpSpPr>
+        <p:cNvPr id="1" name=""/>
+        <p:cNvGrpSpPr/>
+        <p:nvPr/>
+      </p:nvGrpSpPr>
+      <p:grpSpPr>
+        <a:xfrm>
+          <a:off x="0" y="0"/>
+          <a:ext cx="0" cy="0"/>
+          <a:chOff x="0" y="0"/>
+          <a:chExt cx="0" cy="0"/>
+        </a:xfrm>
+      </p:grpSpPr>
+      <p:sp>
+        <p:nvSpPr>
+          <p:cNvPr id="2" name="Slide Image Placeholder 1"/>
+          <p:cNvSpPr>
+            <a:spLocks noGrp="1" noRot="1" noChangeAspect="1"/>
+          </p:cNvSpPr>
+          <p:nvPr>
+            <p:ph type="sldImg"/>
+          </p:nvPr>
+        </p:nvSpPr>
+        <p:spPr/>
+      </p:sp>
+      <p:sp>
+        <p:nvSpPr>
+          <p:cNvPr id="3" name="Notes Placeholder 2"/>
+          <p:cNvSpPr>
+            <a:spLocks noGrp="1"/>
+          </p:cNvSpPr>
+          <p:nvPr>
+            <p:ph type="body" idx="1"/>
+          </p:nvPr>
+        </p:nvSpPr>
+        <p:spPr/>
+        <p:txBody>
+          <a:bodyPr/>
+          <a:lstStyle/>
+          <a:p>
+            <a:r>
+              <a:rPr lang="en-US" dirty="0"/>
+              <a:t>For me personally, I do my best to respect the lives of those with whom I work. This attitude can be summed up well:</a:t>
+            </a:r>
+          </a:p>
+          <a:p>
+            <a:endParaRPr lang="en-US" dirty="0"/>
+          </a:p>
+          <a:p>
+            <a:r>
+              <a:rPr lang="en-US" dirty="0"/>
+              <a:t>“My job is to honor the ideas, structures, and processes that are dying and being midwife to those being born.”</a:t>
+            </a:r>
+          </a:p>
+          <a:p>
+            <a:endParaRPr lang="en-US" dirty="0"/>
+          </a:p>
+          <a:p>
+            <a:r>
+              <a:rPr lang="en-US" dirty="0"/>
+              <a:t> When processes, ideas and structures that have worked in the past are clearly no longer useful, I honor them</a:t>
+            </a:r>
+          </a:p>
+        </p:txBody>
+      </p:sp>
+      <p:sp>
+        <p:nvSpPr>
+          <p:cNvPr id="4" name="Slide Number Placeholder 3"/>
+          <p:cNvSpPr>
+            <a:spLocks noGrp="1"/>
+          </p:cNvSpPr>
+          <p:nvPr>
+            <p:ph type="sldNum" sz="quarter" idx="5"/>
+          </p:nvPr>
+        </p:nvSpPr>
+        <p:spPr/>
+        <p:txBody>
+          <a:bodyPr/>
+          <a:lstStyle/>
+          <a:p>
+            <a:fld id="{68AD085A-CE2C-4AF4-96B5-9AB734DA641A}" type="slidenum">
+              <a:rPr lang="en-US" smtClean="0"/>
+              <a:t>26</a:t>
+            </a:fld>
+            <a:endParaRPr lang="en-US"/>
+          </a:p>
+        </p:txBody>
+      </p:sp>
+    </p:spTree>
+    <p:extLst>
+      <p:ext uri="{BB962C8B-B14F-4D97-AF65-F5344CB8AC3E}">
+        <p14:creationId xmlns:p14="http://schemas.microsoft.com/office/powerpoint/2010/main" val="4076046955"/>
+      </p:ext>
+    </p:extLst>
+  </p:cSld>
+  <p:clrMapOvr>
+    <a:masterClrMapping/>
+  </p:clrMapOvr>
+</p:notes>
+</file>
+
+<file path=ppt/notesSlides/notesSlide26.xml><?xml version="1.0" encoding="utf-8"?>
+<p:notes xmlns:a="http://schemas.openxmlformats.org/drawingml/2006/main" xmlns:r="http://schemas.openxmlformats.org/officeDocument/2006/relationships" xmlns:p="http://schemas.openxmlformats.org/presentationml/2006/main">
+  <p:cSld>
+    <p:spTree>
+      <p:nvGrpSpPr>
+        <p:cNvPr id="1" name=""/>
+        <p:cNvGrpSpPr/>
+        <p:nvPr/>
+      </p:nvGrpSpPr>
+      <p:grpSpPr>
+        <a:xfrm>
+          <a:off x="0" y="0"/>
+          <a:ext cx="0" cy="0"/>
+          <a:chOff x="0" y="0"/>
+          <a:chExt cx="0" cy="0"/>
+        </a:xfrm>
+      </p:grpSpPr>
+      <p:sp>
+        <p:nvSpPr>
+          <p:cNvPr id="2" name="Slide Image Placeholder 1"/>
+          <p:cNvSpPr>
+            <a:spLocks noGrp="1" noRot="1" noChangeAspect="1"/>
+          </p:cNvSpPr>
+          <p:nvPr>
+            <p:ph type="sldImg"/>
+          </p:nvPr>
+        </p:nvSpPr>
+        <p:spPr/>
+      </p:sp>
+      <p:sp>
+        <p:nvSpPr>
+          <p:cNvPr id="3" name="Notes Placeholder 2"/>
+          <p:cNvSpPr>
+            <a:spLocks noGrp="1"/>
+          </p:cNvSpPr>
+          <p:nvPr>
+            <p:ph type="body" idx="1"/>
+          </p:nvPr>
+        </p:nvSpPr>
+        <p:spPr/>
+        <p:txBody>
+          <a:bodyPr/>
+          <a:lstStyle/>
+          <a:p>
+            <a:r>
+              <a:rPr lang="en-US" dirty="0"/>
+              <a:t>As for my Scrum team, the BOKF tortoise, we’re playing the game we want to play.</a:t>
+            </a:r>
+          </a:p>
+          <a:p>
+            <a:endParaRPr lang="en-US" dirty="0"/>
+          </a:p>
+          <a:p>
+            <a:r>
+              <a:rPr lang="en-US" dirty="0"/>
+              <a:t>We’ve come a long way from where we were in December 2019. We have been continuously integrating and delivering our work since mid-last year. We can deploy on demand. This very Sprint, we’re releasing an API that is covered by a significant suite of automated unit and integrations tests. We used test driven development to design features and bug fixes every chance we get. We use reflection, reframing, and impact feedback to respectfully and effectively communicate with each other. Business professionals and developers interact daily to ensure the work produced is of the highest value we can deliver. I could go on.</a:t>
+            </a:r>
+          </a:p>
+          <a:p>
+            <a:endParaRPr lang="en-US" dirty="0"/>
+          </a:p>
+          <a:p>
+            <a:r>
+              <a:rPr lang="en-US" dirty="0"/>
+              <a:t>Like my grandma who started walking a mile a day, in two more years time, there’s no telling where we’ll end up. However, I’m confident that we’ll probably still be playing the game we want to play and running our race like </a:t>
+            </a:r>
+            <a:r>
+              <a:rPr lang="en-US"/>
+              <a:t>a tortoise.</a:t>
+            </a:r>
+            <a:endParaRPr lang="en-US" dirty="0"/>
+          </a:p>
+        </p:txBody>
+      </p:sp>
+      <p:sp>
+        <p:nvSpPr>
+          <p:cNvPr id="4" name="Slide Number Placeholder 3"/>
+          <p:cNvSpPr>
+            <a:spLocks noGrp="1"/>
+          </p:cNvSpPr>
+          <p:nvPr>
+            <p:ph type="sldNum" sz="quarter" idx="5"/>
+          </p:nvPr>
+        </p:nvSpPr>
+        <p:spPr/>
+        <p:txBody>
+          <a:bodyPr/>
+          <a:lstStyle/>
+          <a:p>
+            <a:fld id="{68AD085A-CE2C-4AF4-96B5-9AB734DA641A}" type="slidenum">
+              <a:rPr lang="en-US" smtClean="0"/>
+              <a:t>27</a:t>
+            </a:fld>
+            <a:endParaRPr lang="en-US"/>
+          </a:p>
+        </p:txBody>
+      </p:sp>
+    </p:spTree>
+    <p:extLst>
+      <p:ext uri="{BB962C8B-B14F-4D97-AF65-F5344CB8AC3E}">
+        <p14:creationId xmlns:p14="http://schemas.microsoft.com/office/powerpoint/2010/main" val="2549451877"/>
       </p:ext>
     </p:extLst>
   </p:cSld>
@@ -7544,14 +9673,17 @@
           <a:bodyPr/>
           <a:lstStyle/>
           <a:p>
-            <a:endParaRPr lang="en-US"/>
+            <a:r>
+              <a:rPr lang="en-US" dirty="0"/>
+              <a:t>Leadership without service</a:t>
+            </a:r>
           </a:p>
         </p:txBody>
       </p:sp>
     </p:spTree>
     <p:extLst>
       <p:ext uri="{BB962C8B-B14F-4D97-AF65-F5344CB8AC3E}">
-        <p14:creationId xmlns:p14="http://schemas.microsoft.com/office/powerpoint/2010/main" val="2894867661"/>
+        <p14:creationId xmlns:p14="http://schemas.microsoft.com/office/powerpoint/2010/main" val="2165813908"/>
       </p:ext>
     </p:extLst>
   </p:cSld>
@@ -7629,7 +9761,21 @@
           <a:p>
             <a:r>
               <a:rPr lang="en-US" dirty="0"/>
-              <a:t>Leadership without service</a:t>
+              <a:t>Abuse of power</a:t>
+            </a:r>
+          </a:p>
+          <a:p>
+            <a:pPr lvl="1"/>
+            <a:r>
+              <a:rPr lang="en-US" dirty="0"/>
+              <a:t>Forgetting that power is given</a:t>
+            </a:r>
+          </a:p>
+          <a:p>
+            <a:pPr lvl="1"/>
+            <a:r>
+              <a:rPr lang="en-US" dirty="0"/>
+              <a:t>Bringing expertise to an expertise fight</a:t>
             </a:r>
           </a:p>
         </p:txBody>
@@ -7637,7 +9783,7 @@
     </p:spTree>
     <p:extLst>
       <p:ext uri="{BB962C8B-B14F-4D97-AF65-F5344CB8AC3E}">
-        <p14:creationId xmlns:p14="http://schemas.microsoft.com/office/powerpoint/2010/main" val="2165813908"/>
+        <p14:creationId xmlns:p14="http://schemas.microsoft.com/office/powerpoint/2010/main" val="88608026"/>
       </p:ext>
     </p:extLst>
   </p:cSld>
@@ -7669,7 +9815,7 @@
           <p:cNvPr id="2" name="Title 1">
             <a:extLst>
               <a:ext uri="{FF2B5EF4-FFF2-40B4-BE49-F238E27FC236}">
-                <a16:creationId xmlns:a16="http://schemas.microsoft.com/office/drawing/2014/main" id="{30C1EE62-D29F-4329-A908-8C8E743CC0CC}"/>
+                <a16:creationId xmlns:a16="http://schemas.microsoft.com/office/drawing/2014/main" id="{B0BC4A47-C849-4C8B-B27B-C80B41636D96}"/>
               </a:ext>
             </a:extLst>
           </p:cNvPr>
@@ -7687,7 +9833,7 @@
           <a:p>
             <a:r>
               <a:rPr lang="en-US" dirty="0"/>
-              <a:t>No Leadership</a:t>
+              <a:t>No Commitment</a:t>
             </a:r>
           </a:p>
         </p:txBody>
@@ -7697,7 +9843,7 @@
           <p:cNvPr id="3" name="Content Placeholder 2">
             <a:extLst>
               <a:ext uri="{FF2B5EF4-FFF2-40B4-BE49-F238E27FC236}">
-                <a16:creationId xmlns:a16="http://schemas.microsoft.com/office/drawing/2014/main" id="{DA1905AA-3677-43A9-BD73-9460B5DC329C}"/>
+                <a16:creationId xmlns:a16="http://schemas.microsoft.com/office/drawing/2014/main" id="{A7220E79-F373-46C9-9ACB-5799C58794E2}"/>
               </a:ext>
             </a:extLst>
           </p:cNvPr>
@@ -7715,21 +9861,7 @@
           <a:p>
             <a:r>
               <a:rPr lang="en-US" dirty="0"/>
-              <a:t>Abuse of power</a:t>
-            </a:r>
-          </a:p>
-          <a:p>
-            <a:pPr lvl="1"/>
-            <a:r>
-              <a:rPr lang="en-US" dirty="0"/>
-              <a:t>Forgetting that power is given</a:t>
-            </a:r>
-          </a:p>
-          <a:p>
-            <a:pPr lvl="1"/>
-            <a:r>
-              <a:rPr lang="en-US" dirty="0"/>
-              <a:t>Bringing expertise to an expertise fight</a:t>
+              <a:t>Little Quits</a:t>
             </a:r>
           </a:p>
         </p:txBody>
@@ -7737,7 +9869,7 @@
     </p:spTree>
     <p:extLst>
       <p:ext uri="{BB962C8B-B14F-4D97-AF65-F5344CB8AC3E}">
-        <p14:creationId xmlns:p14="http://schemas.microsoft.com/office/powerpoint/2010/main" val="88608026"/>
+        <p14:creationId xmlns:p14="http://schemas.microsoft.com/office/powerpoint/2010/main" val="2444472896"/>
       </p:ext>
     </p:extLst>
   </p:cSld>
@@ -7815,7 +9947,7 @@
           <a:p>
             <a:r>
               <a:rPr lang="en-US" dirty="0"/>
-              <a:t>Little Quits</a:t>
+              <a:t>The Incentives that Bind Us</a:t>
             </a:r>
           </a:p>
         </p:txBody>
@@ -7823,7 +9955,7 @@
     </p:spTree>
     <p:extLst>
       <p:ext uri="{BB962C8B-B14F-4D97-AF65-F5344CB8AC3E}">
-        <p14:creationId xmlns:p14="http://schemas.microsoft.com/office/powerpoint/2010/main" val="2444472896"/>
+        <p14:creationId xmlns:p14="http://schemas.microsoft.com/office/powerpoint/2010/main" val="3586345893"/>
       </p:ext>
     </p:extLst>
   </p:cSld>
@@ -7985,7 +10117,7 @@
           <p:cNvPr id="2" name="Title 1">
             <a:extLst>
               <a:ext uri="{FF2B5EF4-FFF2-40B4-BE49-F238E27FC236}">
-                <a16:creationId xmlns:a16="http://schemas.microsoft.com/office/drawing/2014/main" id="{B0BC4A47-C849-4C8B-B27B-C80B41636D96}"/>
+                <a16:creationId xmlns:a16="http://schemas.microsoft.com/office/drawing/2014/main" id="{8F72B997-817F-45F5-9010-DEC6407DF21E}"/>
               </a:ext>
             </a:extLst>
           </p:cNvPr>
@@ -8003,7 +10135,7 @@
           <a:p>
             <a:r>
               <a:rPr lang="en-US" dirty="0"/>
-              <a:t>No Commitment</a:t>
+              <a:t>The Sustaining of Continuous Improvement</a:t>
             </a:r>
           </a:p>
         </p:txBody>
@@ -8013,7 +10145,7 @@
           <p:cNvPr id="3" name="Content Placeholder 2">
             <a:extLst>
               <a:ext uri="{FF2B5EF4-FFF2-40B4-BE49-F238E27FC236}">
-                <a16:creationId xmlns:a16="http://schemas.microsoft.com/office/drawing/2014/main" id="{A7220E79-F373-46C9-9ACB-5799C58794E2}"/>
+                <a16:creationId xmlns:a16="http://schemas.microsoft.com/office/drawing/2014/main" id="{02357D12-5517-4C60-A2A3-1A8E670CC96D}"/>
               </a:ext>
             </a:extLst>
           </p:cNvPr>
@@ -8029,17 +10161,14 @@
           <a:bodyPr/>
           <a:lstStyle/>
           <a:p>
-            <a:r>
-              <a:rPr lang="en-US" dirty="0"/>
-              <a:t>The Incentives that Bind Us</a:t>
-            </a:r>
+            <a:endParaRPr lang="en-US"/>
           </a:p>
         </p:txBody>
       </p:sp>
     </p:spTree>
     <p:extLst>
       <p:ext uri="{BB962C8B-B14F-4D97-AF65-F5344CB8AC3E}">
-        <p14:creationId xmlns:p14="http://schemas.microsoft.com/office/powerpoint/2010/main" val="3586345893"/>
+        <p14:creationId xmlns:p14="http://schemas.microsoft.com/office/powerpoint/2010/main" val="4029258476"/>
       </p:ext>
     </p:extLst>
   </p:cSld>
@@ -8071,7 +10200,7 @@
           <p:cNvPr id="2" name="Title 1">
             <a:extLst>
               <a:ext uri="{FF2B5EF4-FFF2-40B4-BE49-F238E27FC236}">
-                <a16:creationId xmlns:a16="http://schemas.microsoft.com/office/drawing/2014/main" id="{8F72B997-817F-45F5-9010-DEC6407DF21E}"/>
+                <a16:creationId xmlns:a16="http://schemas.microsoft.com/office/drawing/2014/main" id="{62332D38-A18F-468B-96EF-CC64D1BEB640}"/>
               </a:ext>
             </a:extLst>
           </p:cNvPr>
@@ -8089,7 +10218,7 @@
           <a:p>
             <a:r>
               <a:rPr lang="en-US" dirty="0"/>
-              <a:t>The Sustaining of Continuous Improvement</a:t>
+              <a:t>Gently wielding the power entrusted to us</a:t>
             </a:r>
           </a:p>
         </p:txBody>
@@ -8099,7 +10228,7 @@
           <p:cNvPr id="3" name="Content Placeholder 2">
             <a:extLst>
               <a:ext uri="{FF2B5EF4-FFF2-40B4-BE49-F238E27FC236}">
-                <a16:creationId xmlns:a16="http://schemas.microsoft.com/office/drawing/2014/main" id="{02357D12-5517-4C60-A2A3-1A8E670CC96D}"/>
+                <a16:creationId xmlns:a16="http://schemas.microsoft.com/office/drawing/2014/main" id="{123EFC7A-E9D0-4488-A03B-F4E255A92CAF}"/>
               </a:ext>
             </a:extLst>
           </p:cNvPr>
@@ -8122,7 +10251,7 @@
     </p:spTree>
     <p:extLst>
       <p:ext uri="{BB962C8B-B14F-4D97-AF65-F5344CB8AC3E}">
-        <p14:creationId xmlns:p14="http://schemas.microsoft.com/office/powerpoint/2010/main" val="4029258476"/>
+        <p14:creationId xmlns:p14="http://schemas.microsoft.com/office/powerpoint/2010/main" val="70175331"/>
       </p:ext>
     </p:extLst>
   </p:cSld>
@@ -8154,7 +10283,7 @@
           <p:cNvPr id="2" name="Title 1">
             <a:extLst>
               <a:ext uri="{FF2B5EF4-FFF2-40B4-BE49-F238E27FC236}">
-                <a16:creationId xmlns:a16="http://schemas.microsoft.com/office/drawing/2014/main" id="{62332D38-A18F-468B-96EF-CC64D1BEB640}"/>
+                <a16:creationId xmlns:a16="http://schemas.microsoft.com/office/drawing/2014/main" id="{F580BCA4-E198-4B19-93D4-418964B64B91}"/>
               </a:ext>
             </a:extLst>
           </p:cNvPr>
@@ -8172,15 +10301,15 @@
           <a:p>
             <a:r>
               <a:rPr lang="en-US" dirty="0"/>
-              <a:t>Gently </a:t>
+              <a:t>"</a:t>
             </a:r>
             <a:r>
               <a:rPr lang="en-US" dirty="0" err="1"/>
-              <a:t>weilding</a:t>
+              <a:t>Drive"ing</a:t>
             </a:r>
             <a:r>
               <a:rPr lang="en-US" dirty="0"/>
-              <a:t> the power entrusted to us</a:t>
+              <a:t> results</a:t>
             </a:r>
           </a:p>
         </p:txBody>
@@ -8190,7 +10319,7 @@
           <p:cNvPr id="3" name="Content Placeholder 2">
             <a:extLst>
               <a:ext uri="{FF2B5EF4-FFF2-40B4-BE49-F238E27FC236}">
-                <a16:creationId xmlns:a16="http://schemas.microsoft.com/office/drawing/2014/main" id="{123EFC7A-E9D0-4488-A03B-F4E255A92CAF}"/>
+                <a16:creationId xmlns:a16="http://schemas.microsoft.com/office/drawing/2014/main" id="{DA49432B-C2E3-48C1-96DE-B778188D43DC}"/>
               </a:ext>
             </a:extLst>
           </p:cNvPr>
@@ -8213,7 +10342,7 @@
     </p:spTree>
     <p:extLst>
       <p:ext uri="{BB962C8B-B14F-4D97-AF65-F5344CB8AC3E}">
-        <p14:creationId xmlns:p14="http://schemas.microsoft.com/office/powerpoint/2010/main" val="70175331"/>
+        <p14:creationId xmlns:p14="http://schemas.microsoft.com/office/powerpoint/2010/main" val="67912059"/>
       </p:ext>
     </p:extLst>
   </p:cSld>
@@ -8245,7 +10374,7 @@
           <p:cNvPr id="2" name="Title 1">
             <a:extLst>
               <a:ext uri="{FF2B5EF4-FFF2-40B4-BE49-F238E27FC236}">
-                <a16:creationId xmlns:a16="http://schemas.microsoft.com/office/drawing/2014/main" id="{F580BCA4-E198-4B19-93D4-418964B64B91}"/>
+                <a16:creationId xmlns:a16="http://schemas.microsoft.com/office/drawing/2014/main" id="{47416CB0-E44B-4B52-861C-80A13A2E598E}"/>
               </a:ext>
             </a:extLst>
           </p:cNvPr>
@@ -8263,15 +10392,7 @@
           <a:p>
             <a:r>
               <a:rPr lang="en-US" dirty="0"/>
-              <a:t>"</a:t>
-            </a:r>
-            <a:r>
-              <a:rPr lang="en-US" dirty="0" err="1"/>
-              <a:t>Drive"ing</a:t>
-            </a:r>
-            <a:r>
-              <a:rPr lang="en-US" dirty="0"/>
-              <a:t> results</a:t>
+              <a:t>Jealously guarding hope</a:t>
             </a:r>
           </a:p>
         </p:txBody>
@@ -8281,7 +10402,7 @@
           <p:cNvPr id="3" name="Content Placeholder 2">
             <a:extLst>
               <a:ext uri="{FF2B5EF4-FFF2-40B4-BE49-F238E27FC236}">
-                <a16:creationId xmlns:a16="http://schemas.microsoft.com/office/drawing/2014/main" id="{DA49432B-C2E3-48C1-96DE-B778188D43DC}"/>
+                <a16:creationId xmlns:a16="http://schemas.microsoft.com/office/drawing/2014/main" id="{F8B7C5E8-94F6-4A3F-A3FA-B78ACBC8A613}"/>
               </a:ext>
             </a:extLst>
           </p:cNvPr>
@@ -8304,7 +10425,7 @@
     </p:spTree>
     <p:extLst>
       <p:ext uri="{BB962C8B-B14F-4D97-AF65-F5344CB8AC3E}">
-        <p14:creationId xmlns:p14="http://schemas.microsoft.com/office/powerpoint/2010/main" val="67912059"/>
+        <p14:creationId xmlns:p14="http://schemas.microsoft.com/office/powerpoint/2010/main" val="996669767"/>
       </p:ext>
     </p:extLst>
   </p:cSld>
@@ -8336,7 +10457,7 @@
           <p:cNvPr id="2" name="Title 1">
             <a:extLst>
               <a:ext uri="{FF2B5EF4-FFF2-40B4-BE49-F238E27FC236}">
-                <a16:creationId xmlns:a16="http://schemas.microsoft.com/office/drawing/2014/main" id="{47416CB0-E44B-4B52-861C-80A13A2E598E}"/>
+                <a16:creationId xmlns:a16="http://schemas.microsoft.com/office/drawing/2014/main" id="{0A57EE75-E80A-44CA-8C6A-22ADEC1D2887}"/>
               </a:ext>
             </a:extLst>
           </p:cNvPr>
@@ -8354,7 +10475,7 @@
           <a:p>
             <a:r>
               <a:rPr lang="en-US" dirty="0"/>
-              <a:t>Jealously guarding hope</a:t>
+              <a:t>The Winning of the Race</a:t>
             </a:r>
           </a:p>
         </p:txBody>
@@ -8364,7 +10485,7 @@
           <p:cNvPr id="3" name="Content Placeholder 2">
             <a:extLst>
               <a:ext uri="{FF2B5EF4-FFF2-40B4-BE49-F238E27FC236}">
-                <a16:creationId xmlns:a16="http://schemas.microsoft.com/office/drawing/2014/main" id="{F8B7C5E8-94F6-4A3F-A3FA-B78ACBC8A613}"/>
+                <a16:creationId xmlns:a16="http://schemas.microsoft.com/office/drawing/2014/main" id="{D2D44ED5-8426-4577-A9FC-017937CA490B}"/>
               </a:ext>
             </a:extLst>
           </p:cNvPr>
@@ -8387,7 +10508,7 @@
     </p:spTree>
     <p:extLst>
       <p:ext uri="{BB962C8B-B14F-4D97-AF65-F5344CB8AC3E}">
-        <p14:creationId xmlns:p14="http://schemas.microsoft.com/office/powerpoint/2010/main" val="996669767"/>
+        <p14:creationId xmlns:p14="http://schemas.microsoft.com/office/powerpoint/2010/main" val="636599258"/>
       </p:ext>
     </p:extLst>
   </p:cSld>
@@ -8419,7 +10540,7 @@
           <p:cNvPr id="2" name="Title 1">
             <a:extLst>
               <a:ext uri="{FF2B5EF4-FFF2-40B4-BE49-F238E27FC236}">
-                <a16:creationId xmlns:a16="http://schemas.microsoft.com/office/drawing/2014/main" id="{0A57EE75-E80A-44CA-8C6A-22ADEC1D2887}"/>
+                <a16:creationId xmlns:a16="http://schemas.microsoft.com/office/drawing/2014/main" id="{4ED4D8D2-C8FA-4DFC-9845-6E4DC5584F88}"/>
               </a:ext>
             </a:extLst>
           </p:cNvPr>
@@ -8437,7 +10558,7 @@
           <a:p>
             <a:r>
               <a:rPr lang="en-US" dirty="0"/>
-              <a:t>The Winning of the Race</a:t>
+              <a:t>The race as marathon</a:t>
             </a:r>
           </a:p>
         </p:txBody>
@@ -8447,7 +10568,7 @@
           <p:cNvPr id="3" name="Content Placeholder 2">
             <a:extLst>
               <a:ext uri="{FF2B5EF4-FFF2-40B4-BE49-F238E27FC236}">
-                <a16:creationId xmlns:a16="http://schemas.microsoft.com/office/drawing/2014/main" id="{D2D44ED5-8426-4577-A9FC-017937CA490B}"/>
+                <a16:creationId xmlns:a16="http://schemas.microsoft.com/office/drawing/2014/main" id="{13EF36A2-356E-40CC-BDD1-DADF18D43EED}"/>
               </a:ext>
             </a:extLst>
           </p:cNvPr>
@@ -8463,14 +10584,41 @@
           <a:bodyPr/>
           <a:lstStyle/>
           <a:p>
-            <a:endParaRPr lang="en-US"/>
+            <a:pPr marL="514350" indent="-514350">
+              <a:buFont typeface="+mj-lt"/>
+              <a:buAutoNum type="arabicPeriod"/>
+            </a:pPr>
+            <a:r>
+              <a:rPr lang="en-US" dirty="0"/>
+              <a:t>Infinite game</a:t>
+            </a:r>
+          </a:p>
+          <a:p>
+            <a:pPr marL="514350" indent="-514350">
+              <a:buFont typeface="+mj-lt"/>
+              <a:buAutoNum type="arabicPeriod"/>
+            </a:pPr>
+            <a:r>
+              <a:rPr lang="en-US" dirty="0"/>
+              <a:t>Insist on commitment</a:t>
+            </a:r>
+          </a:p>
+          <a:p>
+            <a:pPr marL="514350" indent="-514350">
+              <a:buFont typeface="+mj-lt"/>
+              <a:buAutoNum type="arabicPeriod"/>
+            </a:pPr>
+            <a:r>
+              <a:rPr lang="en-US" dirty="0"/>
+              <a:t>Be agile like tortoise</a:t>
+            </a:r>
           </a:p>
         </p:txBody>
       </p:sp>
     </p:spTree>
     <p:extLst>
       <p:ext uri="{BB962C8B-B14F-4D97-AF65-F5344CB8AC3E}">
-        <p14:creationId xmlns:p14="http://schemas.microsoft.com/office/powerpoint/2010/main" val="636599258"/>
+        <p14:creationId xmlns:p14="http://schemas.microsoft.com/office/powerpoint/2010/main" val="3751012982"/>
       </p:ext>
     </p:extLst>
   </p:cSld>
@@ -8502,7 +10650,7 @@
           <p:cNvPr id="2" name="Title 1">
             <a:extLst>
               <a:ext uri="{FF2B5EF4-FFF2-40B4-BE49-F238E27FC236}">
-                <a16:creationId xmlns:a16="http://schemas.microsoft.com/office/drawing/2014/main" id="{4ED4D8D2-C8FA-4DFC-9845-6E4DC5584F88}"/>
+                <a16:creationId xmlns:a16="http://schemas.microsoft.com/office/drawing/2014/main" id="{23DDD5C5-6798-4152-BFA8-A232CF38EDFA}"/>
               </a:ext>
             </a:extLst>
           </p:cNvPr>
@@ -8520,7 +10668,7 @@
           <a:p>
             <a:r>
               <a:rPr lang="en-US" dirty="0"/>
-              <a:t>The race as marathon</a:t>
+              <a:t>The Race as Life</a:t>
             </a:r>
           </a:p>
         </p:txBody>
@@ -8530,7 +10678,7 @@
           <p:cNvPr id="3" name="Content Placeholder 2">
             <a:extLst>
               <a:ext uri="{FF2B5EF4-FFF2-40B4-BE49-F238E27FC236}">
-                <a16:creationId xmlns:a16="http://schemas.microsoft.com/office/drawing/2014/main" id="{13EF36A2-356E-40CC-BDD1-DADF18D43EED}"/>
+                <a16:creationId xmlns:a16="http://schemas.microsoft.com/office/drawing/2014/main" id="{FAFA1990-5C5F-4BE0-8836-98D259FD8BC1}"/>
               </a:ext>
             </a:extLst>
           </p:cNvPr>
@@ -8546,33 +10694,15 @@
           <a:bodyPr/>
           <a:lstStyle/>
           <a:p>
-            <a:pPr marL="514350" indent="-514350">
-              <a:buFont typeface="+mj-lt"/>
-              <a:buAutoNum type="arabicPeriod"/>
-            </a:pPr>
             <a:r>
               <a:rPr lang="en-US" dirty="0"/>
-              <a:t>Infinite game</a:t>
-            </a:r>
-          </a:p>
-          <a:p>
-            <a:pPr marL="514350" indent="-514350">
-              <a:buFont typeface="+mj-lt"/>
-              <a:buAutoNum type="arabicPeriod"/>
-            </a:pPr>
+              <a:t>Honor what is ending</a:t>
+            </a:r>
+          </a:p>
+          <a:p>
             <a:r>
               <a:rPr lang="en-US" dirty="0"/>
-              <a:t>Insist on commitment</a:t>
-            </a:r>
-          </a:p>
-          <a:p>
-            <a:pPr marL="514350" indent="-514350">
-              <a:buFont typeface="+mj-lt"/>
-              <a:buAutoNum type="arabicPeriod"/>
-            </a:pPr>
-            <a:r>
-              <a:rPr lang="en-US" dirty="0"/>
-              <a:t>Be agile like tortoise</a:t>
+              <a:t>Nurture what is emerging</a:t>
             </a:r>
           </a:p>
         </p:txBody>
@@ -8580,7 +10710,7 @@
     </p:spTree>
     <p:extLst>
       <p:ext uri="{BB962C8B-B14F-4D97-AF65-F5344CB8AC3E}">
-        <p14:creationId xmlns:p14="http://schemas.microsoft.com/office/powerpoint/2010/main" val="3751012982"/>
+        <p14:creationId xmlns:p14="http://schemas.microsoft.com/office/powerpoint/2010/main" val="3527141092"/>
       </p:ext>
     </p:extLst>
   </p:cSld>
@@ -8612,7 +10742,7 @@
           <p:cNvPr id="2" name="Title 1">
             <a:extLst>
               <a:ext uri="{FF2B5EF4-FFF2-40B4-BE49-F238E27FC236}">
-                <a16:creationId xmlns:a16="http://schemas.microsoft.com/office/drawing/2014/main" id="{23DDD5C5-6798-4152-BFA8-A232CF38EDFA}"/>
+                <a16:creationId xmlns:a16="http://schemas.microsoft.com/office/drawing/2014/main" id="{96302A04-13CC-4768-AFD0-10582FF6E27A}"/>
               </a:ext>
             </a:extLst>
           </p:cNvPr>
@@ -8630,7 +10760,7 @@
           <a:p>
             <a:r>
               <a:rPr lang="en-US" dirty="0"/>
-              <a:t>The Race as Life</a:t>
+              <a:t>The race we're running (at BOKF)</a:t>
             </a:r>
           </a:p>
         </p:txBody>
@@ -8640,7 +10770,7 @@
           <p:cNvPr id="3" name="Content Placeholder 2">
             <a:extLst>
               <a:ext uri="{FF2B5EF4-FFF2-40B4-BE49-F238E27FC236}">
-                <a16:creationId xmlns:a16="http://schemas.microsoft.com/office/drawing/2014/main" id="{FAFA1990-5C5F-4BE0-8836-98D259FD8BC1}"/>
+                <a16:creationId xmlns:a16="http://schemas.microsoft.com/office/drawing/2014/main" id="{7476D450-E93F-4C96-A908-186048B4C693}"/>
               </a:ext>
             </a:extLst>
           </p:cNvPr>
@@ -8658,13 +10788,13 @@
           <a:p>
             <a:r>
               <a:rPr lang="en-US" dirty="0"/>
-              <a:t>Honor what is ending</a:t>
+              <a:t>We’re playing the game we want</a:t>
             </a:r>
           </a:p>
           <a:p>
             <a:r>
               <a:rPr lang="en-US" dirty="0"/>
-              <a:t>Nurture what is emerging</a:t>
+              <a:t>We’re winning</a:t>
             </a:r>
           </a:p>
         </p:txBody>
@@ -8672,7 +10802,7 @@
     </p:spTree>
     <p:extLst>
       <p:ext uri="{BB962C8B-B14F-4D97-AF65-F5344CB8AC3E}">
-        <p14:creationId xmlns:p14="http://schemas.microsoft.com/office/powerpoint/2010/main" val="3527141092"/>
+        <p14:creationId xmlns:p14="http://schemas.microsoft.com/office/powerpoint/2010/main" val="2771060602"/>
       </p:ext>
     </p:extLst>
   </p:cSld>
@@ -8704,7 +10834,7 @@
           <p:cNvPr id="2" name="Title 1">
             <a:extLst>
               <a:ext uri="{FF2B5EF4-FFF2-40B4-BE49-F238E27FC236}">
-                <a16:creationId xmlns:a16="http://schemas.microsoft.com/office/drawing/2014/main" id="{96302A04-13CC-4768-AFD0-10582FF6E27A}"/>
+                <a16:creationId xmlns:a16="http://schemas.microsoft.com/office/drawing/2014/main" id="{D4EBF7CE-CE54-4B0A-A4F3-F18CEBD3D0C6}"/>
               </a:ext>
             </a:extLst>
           </p:cNvPr>
@@ -8722,7 +10852,7 @@
           <a:p>
             <a:r>
               <a:rPr lang="en-US" dirty="0"/>
-              <a:t>The race we're running (at BOKF)</a:t>
+              <a:t>Thank you</a:t>
             </a:r>
           </a:p>
         </p:txBody>
@@ -8732,7 +10862,7 @@
           <p:cNvPr id="3" name="Content Placeholder 2">
             <a:extLst>
               <a:ext uri="{FF2B5EF4-FFF2-40B4-BE49-F238E27FC236}">
-                <a16:creationId xmlns:a16="http://schemas.microsoft.com/office/drawing/2014/main" id="{7476D450-E93F-4C96-A908-186048B4C693}"/>
+                <a16:creationId xmlns:a16="http://schemas.microsoft.com/office/drawing/2014/main" id="{B2C3C84A-E8AD-4353-8EA9-DD3ADEC627AF}"/>
               </a:ext>
             </a:extLst>
           </p:cNvPr>
@@ -8748,23 +10878,14 @@
           <a:bodyPr/>
           <a:lstStyle/>
           <a:p>
-            <a:r>
-              <a:rPr lang="en-US" dirty="0"/>
-              <a:t>We’re playing the game we want</a:t>
-            </a:r>
-          </a:p>
-          <a:p>
-            <a:r>
-              <a:rPr lang="en-US" dirty="0"/>
-              <a:t>We’re winning</a:t>
-            </a:r>
+            <a:endParaRPr lang="en-US"/>
           </a:p>
         </p:txBody>
       </p:sp>
     </p:spTree>
     <p:extLst>
       <p:ext uri="{BB962C8B-B14F-4D97-AF65-F5344CB8AC3E}">
-        <p14:creationId xmlns:p14="http://schemas.microsoft.com/office/powerpoint/2010/main" val="2771060602"/>
+        <p14:creationId xmlns:p14="http://schemas.microsoft.com/office/powerpoint/2010/main" val="485086875"/>
       </p:ext>
     </p:extLst>
   </p:cSld>
@@ -8796,7 +10917,7 @@
           <p:cNvPr id="2" name="Title 1">
             <a:extLst>
               <a:ext uri="{FF2B5EF4-FFF2-40B4-BE49-F238E27FC236}">
-                <a16:creationId xmlns:a16="http://schemas.microsoft.com/office/drawing/2014/main" id="{D4EBF7CE-CE54-4B0A-A4F3-F18CEBD3D0C6}"/>
+                <a16:creationId xmlns:a16="http://schemas.microsoft.com/office/drawing/2014/main" id="{12E17E8A-DA4F-4088-814A-A62D8B65D2CD}"/>
               </a:ext>
             </a:extLst>
           </p:cNvPr>
@@ -8814,7 +10935,7 @@
           <a:p>
             <a:r>
               <a:rPr lang="en-US" dirty="0"/>
-              <a:t>Thank you</a:t>
+              <a:t>Credits and More Learning</a:t>
             </a:r>
           </a:p>
         </p:txBody>
@@ -8824,7 +10945,7 @@
           <p:cNvPr id="3" name="Content Placeholder 2">
             <a:extLst>
               <a:ext uri="{FF2B5EF4-FFF2-40B4-BE49-F238E27FC236}">
-                <a16:creationId xmlns:a16="http://schemas.microsoft.com/office/drawing/2014/main" id="{B2C3C84A-E8AD-4353-8EA9-DD3ADEC627AF}"/>
+                <a16:creationId xmlns:a16="http://schemas.microsoft.com/office/drawing/2014/main" id="{D2625171-2631-4B7D-BB27-433621E6D1BF}"/>
               </a:ext>
             </a:extLst>
           </p:cNvPr>
@@ -8847,7 +10968,7 @@
     </p:spTree>
     <p:extLst>
       <p:ext uri="{BB962C8B-B14F-4D97-AF65-F5344CB8AC3E}">
-        <p14:creationId xmlns:p14="http://schemas.microsoft.com/office/powerpoint/2010/main" val="485086875"/>
+        <p14:creationId xmlns:p14="http://schemas.microsoft.com/office/powerpoint/2010/main" val="4114920322"/>
       </p:ext>
     </p:extLst>
   </p:cSld>
@@ -8978,89 +11099,6 @@
     <p:extLst>
       <p:ext uri="{BB962C8B-B14F-4D97-AF65-F5344CB8AC3E}">
         <p14:creationId xmlns:p14="http://schemas.microsoft.com/office/powerpoint/2010/main" val="952410151"/>
-      </p:ext>
-    </p:extLst>
-  </p:cSld>
-  <p:clrMapOvr>
-    <a:masterClrMapping/>
-  </p:clrMapOvr>
-</p:sld>
-</file>
-
-<file path=ppt/slides/slide30.xml><?xml version="1.0" encoding="utf-8"?>
-<p:sld xmlns:a="http://schemas.openxmlformats.org/drawingml/2006/main" xmlns:r="http://schemas.openxmlformats.org/officeDocument/2006/relationships" xmlns:p="http://schemas.openxmlformats.org/presentationml/2006/main">
-  <p:cSld>
-    <p:spTree>
-      <p:nvGrpSpPr>
-        <p:cNvPr id="1" name=""/>
-        <p:cNvGrpSpPr/>
-        <p:nvPr/>
-      </p:nvGrpSpPr>
-      <p:grpSpPr>
-        <a:xfrm>
-          <a:off x="0" y="0"/>
-          <a:ext cx="0" cy="0"/>
-          <a:chOff x="0" y="0"/>
-          <a:chExt cx="0" cy="0"/>
-        </a:xfrm>
-      </p:grpSpPr>
-      <p:sp>
-        <p:nvSpPr>
-          <p:cNvPr id="2" name="Title 1">
-            <a:extLst>
-              <a:ext uri="{FF2B5EF4-FFF2-40B4-BE49-F238E27FC236}">
-                <a16:creationId xmlns:a16="http://schemas.microsoft.com/office/drawing/2014/main" id="{12E17E8A-DA4F-4088-814A-A62D8B65D2CD}"/>
-              </a:ext>
-            </a:extLst>
-          </p:cNvPr>
-          <p:cNvSpPr>
-            <a:spLocks noGrp="1"/>
-          </p:cNvSpPr>
-          <p:nvPr>
-            <p:ph type="title"/>
-          </p:nvPr>
-        </p:nvSpPr>
-        <p:spPr/>
-        <p:txBody>
-          <a:bodyPr/>
-          <a:lstStyle/>
-          <a:p>
-            <a:r>
-              <a:rPr lang="en-US" dirty="0"/>
-              <a:t>Credits and More Learning</a:t>
-            </a:r>
-          </a:p>
-        </p:txBody>
-      </p:sp>
-      <p:sp>
-        <p:nvSpPr>
-          <p:cNvPr id="3" name="Content Placeholder 2">
-            <a:extLst>
-              <a:ext uri="{FF2B5EF4-FFF2-40B4-BE49-F238E27FC236}">
-                <a16:creationId xmlns:a16="http://schemas.microsoft.com/office/drawing/2014/main" id="{D2625171-2631-4B7D-BB27-433621E6D1BF}"/>
-              </a:ext>
-            </a:extLst>
-          </p:cNvPr>
-          <p:cNvSpPr>
-            <a:spLocks noGrp="1"/>
-          </p:cNvSpPr>
-          <p:nvPr>
-            <p:ph idx="1"/>
-          </p:nvPr>
-        </p:nvSpPr>
-        <p:spPr/>
-        <p:txBody>
-          <a:bodyPr/>
-          <a:lstStyle/>
-          <a:p>
-            <a:endParaRPr lang="en-US"/>
-          </a:p>
-        </p:txBody>
-      </p:sp>
-    </p:spTree>
-    <p:extLst>
-      <p:ext uri="{BB962C8B-B14F-4D97-AF65-F5344CB8AC3E}">
-        <p14:creationId xmlns:p14="http://schemas.microsoft.com/office/powerpoint/2010/main" val="4114920322"/>
       </p:ext>
     </p:extLst>
   </p:cSld>

--- a/tortoise-and-hare/tortoise-and-hare.pptx
+++ b/tortoise-and-hare/tortoise-and-hare.pptx
@@ -5,7 +5,7 @@
     <p:sldMasterId id="2147483648" r:id="rId1"/>
   </p:sldMasterIdLst>
   <p:notesMasterIdLst>
-    <p:notesMasterId r:id="rId31"/>
+    <p:notesMasterId r:id="rId32"/>
   </p:notesMasterIdLst>
   <p:sldIdLst>
     <p:sldId id="256" r:id="rId2"/>
@@ -21,22 +21,23 @@
     <p:sldId id="265" r:id="rId12"/>
     <p:sldId id="266" r:id="rId13"/>
     <p:sldId id="267" r:id="rId14"/>
-    <p:sldId id="268" r:id="rId15"/>
-    <p:sldId id="271" r:id="rId16"/>
-    <p:sldId id="275" r:id="rId17"/>
-    <p:sldId id="276" r:id="rId18"/>
-    <p:sldId id="273" r:id="rId19"/>
-    <p:sldId id="274" r:id="rId20"/>
-    <p:sldId id="277" r:id="rId21"/>
-    <p:sldId id="278" r:id="rId22"/>
-    <p:sldId id="279" r:id="rId23"/>
-    <p:sldId id="280" r:id="rId24"/>
-    <p:sldId id="281" r:id="rId25"/>
-    <p:sldId id="282" r:id="rId26"/>
-    <p:sldId id="283" r:id="rId27"/>
-    <p:sldId id="284" r:id="rId28"/>
-    <p:sldId id="285" r:id="rId29"/>
-    <p:sldId id="286" r:id="rId30"/>
+    <p:sldId id="287" r:id="rId15"/>
+    <p:sldId id="268" r:id="rId16"/>
+    <p:sldId id="271" r:id="rId17"/>
+    <p:sldId id="275" r:id="rId18"/>
+    <p:sldId id="276" r:id="rId19"/>
+    <p:sldId id="273" r:id="rId20"/>
+    <p:sldId id="274" r:id="rId21"/>
+    <p:sldId id="277" r:id="rId22"/>
+    <p:sldId id="278" r:id="rId23"/>
+    <p:sldId id="279" r:id="rId24"/>
+    <p:sldId id="280" r:id="rId25"/>
+    <p:sldId id="281" r:id="rId26"/>
+    <p:sldId id="282" r:id="rId27"/>
+    <p:sldId id="283" r:id="rId28"/>
+    <p:sldId id="284" r:id="rId29"/>
+    <p:sldId id="285" r:id="rId30"/>
+    <p:sldId id="286" r:id="rId31"/>
   </p:sldIdLst>
   <p:sldSz cx="12192000" cy="6858000"/>
   <p:notesSz cx="6858000" cy="9144000"/>
@@ -147,6 +148,7 @@
 <p1510:revInfo xmlns:a="http://schemas.openxmlformats.org/drawingml/2006/main" xmlns:r="http://schemas.openxmlformats.org/officeDocument/2006/relationships" xmlns:p1510="http://schemas.microsoft.com/office/powerpoint/2015/10/main">
   <p1510:revLst>
     <p1510:client id="{0161F929-ADA8-4ED7-B188-5FA59EAD01EE}" v="23" dt="2021-11-07T01:56:03.440"/>
+    <p1510:client id="{D25FF412-11E0-423E-8BD3-DB885E5F48F4}" v="6" dt="2021-11-07T23:56:33.050"/>
   </p1510:revLst>
 </p1510:revInfo>
 </file>
@@ -729,6 +731,250 @@
       </pc:sldChg>
     </pc:docChg>
   </pc:docChgLst>
+  <pc:docChgLst>
+    <pc:chgData name="Jason Knight" userId="03bbb8e5a6d6338b" providerId="LiveId" clId="{D25FF412-11E0-423E-8BD3-DB885E5F48F4}"/>
+    <pc:docChg chg="undo custSel addSld modSld">
+      <pc:chgData name="Jason Knight" userId="03bbb8e5a6d6338b" providerId="LiveId" clId="{D25FF412-11E0-423E-8BD3-DB885E5F48F4}" dt="2021-11-08T00:32:04.038" v="3482" actId="20577"/>
+      <pc:docMkLst>
+        <pc:docMk/>
+      </pc:docMkLst>
+      <pc:sldChg chg="modNotesTx">
+        <pc:chgData name="Jason Knight" userId="03bbb8e5a6d6338b" providerId="LiveId" clId="{D25FF412-11E0-423E-8BD3-DB885E5F48F4}" dt="2021-11-07T23:27:06.913" v="316" actId="20577"/>
+        <pc:sldMkLst>
+          <pc:docMk/>
+          <pc:sldMk cId="3562525586" sldId="256"/>
+        </pc:sldMkLst>
+      </pc:sldChg>
+      <pc:sldChg chg="modSp mod modNotesTx">
+        <pc:chgData name="Jason Knight" userId="03bbb8e5a6d6338b" providerId="LiveId" clId="{D25FF412-11E0-423E-8BD3-DB885E5F48F4}" dt="2021-11-07T23:47:06.564" v="1445" actId="20577"/>
+        <pc:sldMkLst>
+          <pc:docMk/>
+          <pc:sldMk cId="952410151" sldId="258"/>
+        </pc:sldMkLst>
+        <pc:spChg chg="mod">
+          <ac:chgData name="Jason Knight" userId="03bbb8e5a6d6338b" providerId="LiveId" clId="{D25FF412-11E0-423E-8BD3-DB885E5F48F4}" dt="2021-11-07T23:47:06.564" v="1445" actId="20577"/>
+          <ac:spMkLst>
+            <pc:docMk/>
+            <pc:sldMk cId="952410151" sldId="258"/>
+            <ac:spMk id="2" creationId="{1B35FFBF-9371-4AE0-A054-A7F840D5B9B3}"/>
+          </ac:spMkLst>
+        </pc:spChg>
+      </pc:sldChg>
+      <pc:sldChg chg="modNotesTx">
+        <pc:chgData name="Jason Knight" userId="03bbb8e5a6d6338b" providerId="LiveId" clId="{D25FF412-11E0-423E-8BD3-DB885E5F48F4}" dt="2021-11-07T23:52:00.731" v="1578" actId="20577"/>
+        <pc:sldMkLst>
+          <pc:docMk/>
+          <pc:sldMk cId="1445182825" sldId="259"/>
+        </pc:sldMkLst>
+      </pc:sldChg>
+      <pc:sldChg chg="modSp mod modNotesTx">
+        <pc:chgData name="Jason Knight" userId="03bbb8e5a6d6338b" providerId="LiveId" clId="{D25FF412-11E0-423E-8BD3-DB885E5F48F4}" dt="2021-11-07T23:55:18.361" v="1674" actId="20577"/>
+        <pc:sldMkLst>
+          <pc:docMk/>
+          <pc:sldMk cId="239544077" sldId="260"/>
+        </pc:sldMkLst>
+        <pc:spChg chg="mod">
+          <ac:chgData name="Jason Knight" userId="03bbb8e5a6d6338b" providerId="LiveId" clId="{D25FF412-11E0-423E-8BD3-DB885E5F48F4}" dt="2021-11-07T23:53:00.211" v="1615" actId="20577"/>
+          <ac:spMkLst>
+            <pc:docMk/>
+            <pc:sldMk cId="239544077" sldId="260"/>
+            <ac:spMk id="2" creationId="{1EC25B8A-D1AD-416E-9090-1B76FC7DCBCC}"/>
+          </ac:spMkLst>
+        </pc:spChg>
+        <pc:spChg chg="mod">
+          <ac:chgData name="Jason Knight" userId="03bbb8e5a6d6338b" providerId="LiveId" clId="{D25FF412-11E0-423E-8BD3-DB885E5F48F4}" dt="2021-11-07T23:52:27.040" v="1580"/>
+          <ac:spMkLst>
+            <pc:docMk/>
+            <pc:sldMk cId="239544077" sldId="260"/>
+            <ac:spMk id="3" creationId="{3C032CC6-F818-4B53-B3D1-9B06C25B951C}"/>
+          </ac:spMkLst>
+        </pc:spChg>
+      </pc:sldChg>
+      <pc:sldChg chg="modSp mod modNotesTx">
+        <pc:chgData name="Jason Knight" userId="03bbb8e5a6d6338b" providerId="LiveId" clId="{D25FF412-11E0-423E-8BD3-DB885E5F48F4}" dt="2021-11-08T00:04:48.250" v="2118" actId="5793"/>
+        <pc:sldMkLst>
+          <pc:docMk/>
+          <pc:sldMk cId="367878953" sldId="261"/>
+        </pc:sldMkLst>
+        <pc:spChg chg="mod">
+          <ac:chgData name="Jason Knight" userId="03bbb8e5a6d6338b" providerId="LiveId" clId="{D25FF412-11E0-423E-8BD3-DB885E5F48F4}" dt="2021-11-07T23:58:52.200" v="1726" actId="20577"/>
+          <ac:spMkLst>
+            <pc:docMk/>
+            <pc:sldMk cId="367878953" sldId="261"/>
+            <ac:spMk id="2" creationId="{ED789446-BFA5-4E3D-B25A-E6D5066BB24B}"/>
+          </ac:spMkLst>
+        </pc:spChg>
+        <pc:spChg chg="mod">
+          <ac:chgData name="Jason Knight" userId="03bbb8e5a6d6338b" providerId="LiveId" clId="{D25FF412-11E0-423E-8BD3-DB885E5F48F4}" dt="2021-11-08T00:00:14.213" v="1737" actId="242"/>
+          <ac:spMkLst>
+            <pc:docMk/>
+            <pc:sldMk cId="367878953" sldId="261"/>
+            <ac:spMk id="3" creationId="{AC9BD19E-C0DF-4400-ACA4-BD5FAC83B8CB}"/>
+          </ac:spMkLst>
+        </pc:spChg>
+      </pc:sldChg>
+      <pc:sldChg chg="modSp mod modNotesTx">
+        <pc:chgData name="Jason Knight" userId="03bbb8e5a6d6338b" providerId="LiveId" clId="{D25FF412-11E0-423E-8BD3-DB885E5F48F4}" dt="2021-11-08T00:05:42.440" v="2227" actId="20577"/>
+        <pc:sldMkLst>
+          <pc:docMk/>
+          <pc:sldMk cId="674298669" sldId="262"/>
+        </pc:sldMkLst>
+        <pc:spChg chg="mod">
+          <ac:chgData name="Jason Knight" userId="03bbb8e5a6d6338b" providerId="LiveId" clId="{D25FF412-11E0-423E-8BD3-DB885E5F48F4}" dt="2021-11-08T00:00:43.720" v="1768" actId="14100"/>
+          <ac:spMkLst>
+            <pc:docMk/>
+            <pc:sldMk cId="674298669" sldId="262"/>
+            <ac:spMk id="2" creationId="{90B37DA7-F8DE-4138-B92F-553255C1C020}"/>
+          </ac:spMkLst>
+        </pc:spChg>
+        <pc:spChg chg="mod">
+          <ac:chgData name="Jason Knight" userId="03bbb8e5a6d6338b" providerId="LiveId" clId="{D25FF412-11E0-423E-8BD3-DB885E5F48F4}" dt="2021-11-08T00:01:01.023" v="1781" actId="242"/>
+          <ac:spMkLst>
+            <pc:docMk/>
+            <pc:sldMk cId="674298669" sldId="262"/>
+            <ac:spMk id="3" creationId="{35954247-03F3-44F1-953F-C3D835AAFFFB}"/>
+          </ac:spMkLst>
+        </pc:spChg>
+      </pc:sldChg>
+      <pc:sldChg chg="modSp mod modNotesTx">
+        <pc:chgData name="Jason Knight" userId="03bbb8e5a6d6338b" providerId="LiveId" clId="{D25FF412-11E0-423E-8BD3-DB885E5F48F4}" dt="2021-11-08T00:08:07.580" v="2285" actId="20577"/>
+        <pc:sldMkLst>
+          <pc:docMk/>
+          <pc:sldMk cId="3678627880" sldId="263"/>
+        </pc:sldMkLst>
+        <pc:spChg chg="mod">
+          <ac:chgData name="Jason Knight" userId="03bbb8e5a6d6338b" providerId="LiveId" clId="{D25FF412-11E0-423E-8BD3-DB885E5F48F4}" dt="2021-11-08T00:06:07.210" v="2236" actId="20577"/>
+          <ac:spMkLst>
+            <pc:docMk/>
+            <pc:sldMk cId="3678627880" sldId="263"/>
+            <ac:spMk id="2" creationId="{A1A1965A-1CFC-4885-9EB6-29E8027F6AE0}"/>
+          </ac:spMkLst>
+        </pc:spChg>
+        <pc:spChg chg="mod">
+          <ac:chgData name="Jason Knight" userId="03bbb8e5a6d6338b" providerId="LiveId" clId="{D25FF412-11E0-423E-8BD3-DB885E5F48F4}" dt="2021-11-08T00:06:35.160" v="2249" actId="20577"/>
+          <ac:spMkLst>
+            <pc:docMk/>
+            <pc:sldMk cId="3678627880" sldId="263"/>
+            <ac:spMk id="3" creationId="{1D895C6F-3DB8-4A3E-8F69-C01B53AA5877}"/>
+          </ac:spMkLst>
+        </pc:spChg>
+      </pc:sldChg>
+      <pc:sldChg chg="modSp mod modNotesTx">
+        <pc:chgData name="Jason Knight" userId="03bbb8e5a6d6338b" providerId="LiveId" clId="{D25FF412-11E0-423E-8BD3-DB885E5F48F4}" dt="2021-11-08T00:09:36.020" v="2316" actId="20577"/>
+        <pc:sldMkLst>
+          <pc:docMk/>
+          <pc:sldMk cId="1410166042" sldId="264"/>
+        </pc:sldMkLst>
+        <pc:spChg chg="mod">
+          <ac:chgData name="Jason Knight" userId="03bbb8e5a6d6338b" providerId="LiveId" clId="{D25FF412-11E0-423E-8BD3-DB885E5F48F4}" dt="2021-11-08T00:08:59.249" v="2301" actId="20577"/>
+          <ac:spMkLst>
+            <pc:docMk/>
+            <pc:sldMk cId="1410166042" sldId="264"/>
+            <ac:spMk id="2" creationId="{0E8F038E-29BE-4EB7-AC03-C253DC4D99D6}"/>
+          </ac:spMkLst>
+        </pc:spChg>
+        <pc:spChg chg="mod">
+          <ac:chgData name="Jason Knight" userId="03bbb8e5a6d6338b" providerId="LiveId" clId="{D25FF412-11E0-423E-8BD3-DB885E5F48F4}" dt="2021-11-08T00:09:26.369" v="2315" actId="242"/>
+          <ac:spMkLst>
+            <pc:docMk/>
+            <pc:sldMk cId="1410166042" sldId="264"/>
+            <ac:spMk id="3" creationId="{BA708444-DABD-44C0-85A2-C9503F52395E}"/>
+          </ac:spMkLst>
+        </pc:spChg>
+      </pc:sldChg>
+      <pc:sldChg chg="modSp mod modNotesTx">
+        <pc:chgData name="Jason Knight" userId="03bbb8e5a6d6338b" providerId="LiveId" clId="{D25FF412-11E0-423E-8BD3-DB885E5F48F4}" dt="2021-11-08T00:25:53.709" v="3340" actId="20577"/>
+        <pc:sldMkLst>
+          <pc:docMk/>
+          <pc:sldMk cId="2817966517" sldId="265"/>
+        </pc:sldMkLst>
+        <pc:spChg chg="mod">
+          <ac:chgData name="Jason Knight" userId="03bbb8e5a6d6338b" providerId="LiveId" clId="{D25FF412-11E0-423E-8BD3-DB885E5F48F4}" dt="2021-11-08T00:24:37.859" v="3226" actId="20577"/>
+          <ac:spMkLst>
+            <pc:docMk/>
+            <pc:sldMk cId="2817966517" sldId="265"/>
+            <ac:spMk id="2" creationId="{BA4CC527-F4C6-44BA-8F79-45B887EE34EE}"/>
+          </ac:spMkLst>
+        </pc:spChg>
+        <pc:spChg chg="mod">
+          <ac:chgData name="Jason Knight" userId="03bbb8e5a6d6338b" providerId="LiveId" clId="{D25FF412-11E0-423E-8BD3-DB885E5F48F4}" dt="2021-11-08T00:24:11.469" v="3185" actId="6549"/>
+          <ac:spMkLst>
+            <pc:docMk/>
+            <pc:sldMk cId="2817966517" sldId="265"/>
+            <ac:spMk id="3" creationId="{02F4D649-6E1D-41DA-9997-B6F0B5158927}"/>
+          </ac:spMkLst>
+        </pc:spChg>
+      </pc:sldChg>
+      <pc:sldChg chg="modSp mod modNotesTx">
+        <pc:chgData name="Jason Knight" userId="03bbb8e5a6d6338b" providerId="LiveId" clId="{D25FF412-11E0-423E-8BD3-DB885E5F48F4}" dt="2021-11-08T00:25:17.268" v="3265" actId="20577"/>
+        <pc:sldMkLst>
+          <pc:docMk/>
+          <pc:sldMk cId="3679784936" sldId="266"/>
+        </pc:sldMkLst>
+        <pc:spChg chg="mod">
+          <ac:chgData name="Jason Knight" userId="03bbb8e5a6d6338b" providerId="LiveId" clId="{D25FF412-11E0-423E-8BD3-DB885E5F48F4}" dt="2021-11-08T00:24:46.936" v="3237" actId="20577"/>
+          <ac:spMkLst>
+            <pc:docMk/>
+            <pc:sldMk cId="3679784936" sldId="266"/>
+            <ac:spMk id="2" creationId="{7A40CD58-ED4C-4828-AC05-FCA3D3949DC3}"/>
+          </ac:spMkLst>
+        </pc:spChg>
+        <pc:spChg chg="mod">
+          <ac:chgData name="Jason Knight" userId="03bbb8e5a6d6338b" providerId="LiveId" clId="{D25FF412-11E0-423E-8BD3-DB885E5F48F4}" dt="2021-11-08T00:25:01.722" v="3263" actId="20577"/>
+          <ac:spMkLst>
+            <pc:docMk/>
+            <pc:sldMk cId="3679784936" sldId="266"/>
+            <ac:spMk id="3" creationId="{785669A4-04E0-4563-8031-54ED5FAB0F0F}"/>
+          </ac:spMkLst>
+        </pc:spChg>
+      </pc:sldChg>
+      <pc:sldChg chg="modNotesTx">
+        <pc:chgData name="Jason Knight" userId="03bbb8e5a6d6338b" providerId="LiveId" clId="{D25FF412-11E0-423E-8BD3-DB885E5F48F4}" dt="2021-11-08T00:32:04.038" v="3482" actId="20577"/>
+        <pc:sldMkLst>
+          <pc:docMk/>
+          <pc:sldMk cId="1526563647" sldId="267"/>
+        </pc:sldMkLst>
+      </pc:sldChg>
+      <pc:sldChg chg="modSp mod modNotesTx">
+        <pc:chgData name="Jason Knight" userId="03bbb8e5a6d6338b" providerId="LiveId" clId="{D25FF412-11E0-423E-8BD3-DB885E5F48F4}" dt="2021-11-08T00:23:32.809" v="3174" actId="20577"/>
+        <pc:sldMkLst>
+          <pc:docMk/>
+          <pc:sldMk cId="374609089" sldId="269"/>
+        </pc:sldMkLst>
+        <pc:spChg chg="mod">
+          <ac:chgData name="Jason Knight" userId="03bbb8e5a6d6338b" providerId="LiveId" clId="{D25FF412-11E0-423E-8BD3-DB885E5F48F4}" dt="2021-11-08T00:14:30.999" v="2333" actId="20577"/>
+          <ac:spMkLst>
+            <pc:docMk/>
+            <pc:sldMk cId="374609089" sldId="269"/>
+            <ac:spMk id="2" creationId="{85133EE9-EA9D-465B-8FFE-164AB6226976}"/>
+          </ac:spMkLst>
+        </pc:spChg>
+        <pc:spChg chg="mod">
+          <ac:chgData name="Jason Knight" userId="03bbb8e5a6d6338b" providerId="LiveId" clId="{D25FF412-11E0-423E-8BD3-DB885E5F48F4}" dt="2021-11-08T00:14:24.120" v="2330" actId="5793"/>
+          <ac:spMkLst>
+            <pc:docMk/>
+            <pc:sldMk cId="374609089" sldId="269"/>
+            <ac:spMk id="3" creationId="{596678E3-6EDE-4A4C-9229-A143AF11A77B}"/>
+          </ac:spMkLst>
+        </pc:spChg>
+      </pc:sldChg>
+      <pc:sldChg chg="modSp new mod">
+        <pc:chgData name="Jason Knight" userId="03bbb8e5a6d6338b" providerId="LiveId" clId="{D25FF412-11E0-423E-8BD3-DB885E5F48F4}" dt="2021-11-08T00:31:43.648" v="3480" actId="20577"/>
+        <pc:sldMkLst>
+          <pc:docMk/>
+          <pc:sldMk cId="2747189757" sldId="287"/>
+        </pc:sldMkLst>
+        <pc:spChg chg="mod">
+          <ac:chgData name="Jason Knight" userId="03bbb8e5a6d6338b" providerId="LiveId" clId="{D25FF412-11E0-423E-8BD3-DB885E5F48F4}" dt="2021-11-08T00:31:43.648" v="3480" actId="20577"/>
+          <ac:spMkLst>
+            <pc:docMk/>
+            <pc:sldMk cId="2747189757" sldId="287"/>
+            <ac:spMk id="2" creationId="{5E0CE2E1-7D5B-4DFD-96F1-C1362F5992EA}"/>
+          </ac:spMkLst>
+        </pc:spChg>
+      </pc:sldChg>
+    </pc:docChg>
+  </pc:docChgLst>
 </pc:chgInfo>
 </file>
 
@@ -814,7 +1060,7 @@
           <a:p>
             <a:fld id="{C0E8421C-D79E-404A-8756-EFE444359DB6}" type="datetimeFigureOut">
               <a:rPr lang="en-US" smtClean="0"/>
-              <a:t>11/6/2021</a:t>
+              <a:t>11/7/2021</a:t>
             </a:fld>
             <a:endParaRPr lang="en-US"/>
           </a:p>
@@ -1126,144 +1372,36 @@
           <a:lstStyle/>
           <a:p>
             <a:r>
-              <a:rPr lang="en-US" b="0" dirty="0">
-                <a:solidFill>
-                  <a:srgbClr val="D4D4D4"/>
-                </a:solidFill>
-                <a:effectLst/>
-                <a:latin typeface="Consolas" panose="020B0609020204030204" pitchFamily="49" charset="0"/>
-              </a:rPr>
-              <a:t>There's an old story that many of you have heard before. </a:t>
-            </a:r>
-          </a:p>
-          <a:p>
-            <a:br>
-              <a:rPr lang="en-US" b="0" dirty="0">
-                <a:solidFill>
-                  <a:srgbClr val="D4D4D4"/>
-                </a:solidFill>
-                <a:effectLst/>
-                <a:latin typeface="Consolas" panose="020B0609020204030204" pitchFamily="49" charset="0"/>
-              </a:rPr>
-            </a:br>
-            <a:r>
-              <a:rPr lang="en-US" b="0" dirty="0">
-                <a:solidFill>
-                  <a:srgbClr val="D4D4D4"/>
-                </a:solidFill>
-                <a:effectLst/>
-                <a:latin typeface="Consolas" panose="020B0609020204030204" pitchFamily="49" charset="0"/>
-              </a:rPr>
-              <a:t>A Hare was making fun of the Tortoise one day for being so slow.</a:t>
-            </a:r>
-          </a:p>
-          <a:p>
-            <a:br>
-              <a:rPr lang="en-US" b="0" dirty="0">
-                <a:solidFill>
-                  <a:srgbClr val="D4D4D4"/>
-                </a:solidFill>
-                <a:effectLst/>
-                <a:latin typeface="Consolas" panose="020B0609020204030204" pitchFamily="49" charset="0"/>
-              </a:rPr>
-            </a:br>
-            <a:r>
-              <a:rPr lang="en-US" b="0" dirty="0">
-                <a:solidFill>
-                  <a:srgbClr val="D4D4D4"/>
-                </a:solidFill>
-                <a:effectLst/>
-                <a:latin typeface="Consolas" panose="020B0609020204030204" pitchFamily="49" charset="0"/>
-              </a:rPr>
-              <a:t>"Do you ever get anywhere?" he asked with a mocking laugh.</a:t>
-            </a:r>
-          </a:p>
-          <a:p>
-            <a:br>
-              <a:rPr lang="en-US" b="0" dirty="0">
-                <a:solidFill>
-                  <a:srgbClr val="D4D4D4"/>
-                </a:solidFill>
-                <a:effectLst/>
-                <a:latin typeface="Consolas" panose="020B0609020204030204" pitchFamily="49" charset="0"/>
-              </a:rPr>
-            </a:br>
-            <a:r>
-              <a:rPr lang="en-US" b="0" dirty="0">
-                <a:solidFill>
-                  <a:srgbClr val="D4D4D4"/>
-                </a:solidFill>
-                <a:effectLst/>
-                <a:latin typeface="Consolas" panose="020B0609020204030204" pitchFamily="49" charset="0"/>
-              </a:rPr>
-              <a:t>"Yes," replied the Tortoise, "and I get there sooner than you think. I'll run you a race and prove it."</a:t>
-            </a:r>
-          </a:p>
-          <a:p>
-            <a:br>
-              <a:rPr lang="en-US" b="0" dirty="0">
-                <a:solidFill>
-                  <a:srgbClr val="D4D4D4"/>
-                </a:solidFill>
-                <a:effectLst/>
-                <a:latin typeface="Consolas" panose="020B0609020204030204" pitchFamily="49" charset="0"/>
-              </a:rPr>
-            </a:br>
-            <a:r>
-              <a:rPr lang="en-US" b="0" dirty="0">
-                <a:solidFill>
-                  <a:srgbClr val="D4D4D4"/>
-                </a:solidFill>
-                <a:effectLst/>
-                <a:latin typeface="Consolas" panose="020B0609020204030204" pitchFamily="49" charset="0"/>
-              </a:rPr>
-              <a:t>The Hare was much amused at the idea of running a race with the Tortoise, but for the fun of the thing he agreed. So the Fox, who had consented to act as judge, marked the distance and started the runners off.</a:t>
-            </a:r>
-          </a:p>
-          <a:p>
-            <a:br>
-              <a:rPr lang="en-US" b="0" dirty="0">
-                <a:solidFill>
-                  <a:srgbClr val="D4D4D4"/>
-                </a:solidFill>
-                <a:effectLst/>
-                <a:latin typeface="Consolas" panose="020B0609020204030204" pitchFamily="49" charset="0"/>
-              </a:rPr>
-            </a:br>
-            <a:r>
-              <a:rPr lang="en-US" b="0" dirty="0">
-                <a:solidFill>
-                  <a:srgbClr val="D4D4D4"/>
-                </a:solidFill>
-                <a:effectLst/>
-                <a:latin typeface="Consolas" panose="020B0609020204030204" pitchFamily="49" charset="0"/>
-              </a:rPr>
-              <a:t>The Hare was soon far out of sight, and to make the Tortoise feel very deeply how ridiculous it was for him to try a race with a Hare, he lay down beside the course to take a nap until the Tortoise should catch up.</a:t>
-            </a:r>
-          </a:p>
-          <a:p>
-            <a:br>
-              <a:rPr lang="en-US" b="0" dirty="0">
-                <a:solidFill>
-                  <a:srgbClr val="D4D4D4"/>
-                </a:solidFill>
-                <a:effectLst/>
-                <a:latin typeface="Consolas" panose="020B0609020204030204" pitchFamily="49" charset="0"/>
-              </a:rPr>
-            </a:br>
-            <a:r>
-              <a:rPr lang="en-US" b="0" dirty="0">
-                <a:solidFill>
-                  <a:srgbClr val="D4D4D4"/>
-                </a:solidFill>
-                <a:effectLst/>
-                <a:latin typeface="Consolas" panose="020B0609020204030204" pitchFamily="49" charset="0"/>
-              </a:rPr>
-              <a:t>The Tortoise meanwhile kept going slowly but steadily, and, after a time, passed the place where the Hare was sleeping. But the Hare slept on very peacefully; and when at last he did wake up, the Tortoise was near the goal. The Hare now ran his swiftest, but he could not overtake the Tortoise in time.</a:t>
+              <a:rPr lang="en-US" dirty="0"/>
+              <a:t>Greetings</a:t>
             </a:r>
           </a:p>
           <a:p>
             <a:endParaRPr lang="en-US" dirty="0"/>
+          </a:p>
+          <a:p>
+            <a:r>
+              <a:rPr lang="en-US" dirty="0"/>
+              <a:t>Share lessons of the last 2 years at BOKF</a:t>
+            </a:r>
+          </a:p>
+          <a:p>
+            <a:endParaRPr lang="en-US" dirty="0"/>
+          </a:p>
+          <a:p>
+            <a:r>
+              <a:rPr lang="en-US" dirty="0"/>
+              <a:t>Counterintuitive notion that small or slow improvement can be “agile.”</a:t>
+            </a:r>
+          </a:p>
+          <a:p>
+            <a:endParaRPr lang="en-US" dirty="0"/>
+          </a:p>
+          <a:p>
+            <a:r>
+              <a:rPr lang="en-US" dirty="0"/>
+              <a:t>I’d like to show you how tortoise-like movements, combined with commitment and determination over time can yield surprising agility.</a:t>
+            </a:r>
           </a:p>
         </p:txBody>
       </p:sp>
@@ -1284,7 +1422,7 @@
           <a:p>
             <a:fld id="{68AD085A-CE2C-4AF4-96B5-9AB734DA641A}" type="slidenum">
               <a:rPr lang="en-US" smtClean="0"/>
-              <a:t>2</a:t>
+              <a:t>1</a:t>
             </a:fld>
             <a:endParaRPr lang="en-US"/>
           </a:p>
@@ -1293,7 +1431,7 @@
     </p:spTree>
     <p:extLst>
       <p:ext uri="{BB962C8B-B14F-4D97-AF65-F5344CB8AC3E}">
-        <p14:creationId xmlns:p14="http://schemas.microsoft.com/office/powerpoint/2010/main" val="179270571"/>
+        <p14:creationId xmlns:p14="http://schemas.microsoft.com/office/powerpoint/2010/main" val="2568174722"/>
       </p:ext>
     </p:extLst>
   </p:cSld>
@@ -1355,94 +1493,198 @@
                 <a:effectLst/>
                 <a:latin typeface="Consolas" panose="020B0609020204030204" pitchFamily="49" charset="0"/>
               </a:rPr>
-              <a:t>The Scrum practitioner community is fond of using three terms to describe the tradeoffs made in a software development project. They are:</a:t>
-            </a:r>
-          </a:p>
-          <a:p>
-            <a:br>
-              <a:rPr lang="en-US" b="0" dirty="0">
-                <a:solidFill>
-                  <a:srgbClr val="D4D4D4"/>
-                </a:solidFill>
-                <a:effectLst/>
-                <a:latin typeface="Consolas" panose="020B0609020204030204" pitchFamily="49" charset="0"/>
-              </a:rPr>
-            </a:br>
-            <a:r>
-              <a:rPr lang="en-US" b="0" dirty="0">
-                <a:solidFill>
-                  <a:srgbClr val="6796E6"/>
-                </a:solidFill>
-                <a:effectLst/>
-                <a:latin typeface="Consolas" panose="020B0609020204030204" pitchFamily="49" charset="0"/>
-              </a:rPr>
-              <a:t>-</a:t>
-            </a:r>
-            <a:r>
-              <a:rPr lang="en-US" b="0" dirty="0">
-                <a:solidFill>
-                  <a:srgbClr val="D4D4D4"/>
-                </a:solidFill>
-                <a:effectLst/>
-                <a:latin typeface="Consolas" panose="020B0609020204030204" pitchFamily="49" charset="0"/>
-              </a:rPr>
-              <a:t> Scope</a:t>
-            </a:r>
-          </a:p>
-          <a:p>
-            <a:r>
-              <a:rPr lang="en-US" b="0" dirty="0">
-                <a:solidFill>
-                  <a:srgbClr val="6796E6"/>
-                </a:solidFill>
-                <a:effectLst/>
-                <a:latin typeface="Consolas" panose="020B0609020204030204" pitchFamily="49" charset="0"/>
-              </a:rPr>
-              <a:t>-</a:t>
-            </a:r>
-            <a:r>
-              <a:rPr lang="en-US" b="0" dirty="0">
-                <a:solidFill>
-                  <a:srgbClr val="D4D4D4"/>
-                </a:solidFill>
-                <a:effectLst/>
-                <a:latin typeface="Consolas" panose="020B0609020204030204" pitchFamily="49" charset="0"/>
-              </a:rPr>
-              <a:t> Quality</a:t>
-            </a:r>
-          </a:p>
-          <a:p>
-            <a:r>
-              <a:rPr lang="en-US" b="0" dirty="0">
-                <a:solidFill>
-                  <a:srgbClr val="6796E6"/>
-                </a:solidFill>
-                <a:effectLst/>
-                <a:latin typeface="Consolas" panose="020B0609020204030204" pitchFamily="49" charset="0"/>
-              </a:rPr>
-              <a:t>-</a:t>
-            </a:r>
-            <a:r>
-              <a:rPr lang="en-US" b="0" dirty="0">
-                <a:solidFill>
-                  <a:srgbClr val="D4D4D4"/>
-                </a:solidFill>
-                <a:effectLst/>
-                <a:latin typeface="Consolas" panose="020B0609020204030204" pitchFamily="49" charset="0"/>
-              </a:rPr>
-              <a:t> Time</a:t>
-            </a:r>
-          </a:p>
-          <a:p>
-            <a:r>
-              <a:rPr lang="en-US" b="0" dirty="0">
-                <a:solidFill>
-                  <a:srgbClr val="D4D4D4"/>
-                </a:solidFill>
-                <a:effectLst/>
-                <a:latin typeface="Consolas" panose="020B0609020204030204" pitchFamily="49" charset="0"/>
-              </a:rPr>
-              <a:t>What if your craft is not software development but organizational change?</a:t>
+              <a:t>The  tortoise’s pace is slow and steady. Keyword steady. </a:t>
+            </a:r>
+          </a:p>
+          <a:p>
+            <a:endParaRPr lang="en-US" b="0" dirty="0">
+              <a:solidFill>
+                <a:srgbClr val="D4D4D4"/>
+              </a:solidFill>
+              <a:effectLst/>
+              <a:latin typeface="Consolas" panose="020B0609020204030204" pitchFamily="49" charset="0"/>
+            </a:endParaRPr>
+          </a:p>
+          <a:p>
+            <a:r>
+              <a:rPr lang="en-US" b="0" dirty="0">
+                <a:solidFill>
+                  <a:srgbClr val="D4D4D4"/>
+                </a:solidFill>
+                <a:effectLst/>
+                <a:latin typeface="Consolas" panose="020B0609020204030204" pitchFamily="49" charset="0"/>
+              </a:rPr>
+              <a:t>Org change can easily falter if the wrong trade-offs are taken. </a:t>
+            </a:r>
+          </a:p>
+          <a:p>
+            <a:pPr marL="171450" indent="-171450">
+              <a:buFontTx/>
+              <a:buChar char="-"/>
+            </a:pPr>
+            <a:r>
+              <a:rPr lang="en-US" b="0" dirty="0">
+                <a:solidFill>
+                  <a:srgbClr val="D4D4D4"/>
+                </a:solidFill>
+                <a:effectLst/>
+                <a:latin typeface="Consolas" panose="020B0609020204030204" pitchFamily="49" charset="0"/>
+              </a:rPr>
+              <a:t>When can we safely improve quickly vs proceed slowly and carefully?</a:t>
+            </a:r>
+          </a:p>
+          <a:p>
+            <a:pPr marL="171450" indent="-171450">
+              <a:buFontTx/>
+              <a:buChar char="-"/>
+            </a:pPr>
+            <a:r>
+              <a:rPr lang="en-US" b="0" dirty="0">
+                <a:solidFill>
+                  <a:srgbClr val="D4D4D4"/>
+                </a:solidFill>
+                <a:effectLst/>
+                <a:latin typeface="Consolas" panose="020B0609020204030204" pitchFamily="49" charset="0"/>
+              </a:rPr>
+              <a:t>When should we change big, risky things vs small, safer things?</a:t>
+            </a:r>
+          </a:p>
+          <a:p>
+            <a:pPr marL="171450" indent="-171450">
+              <a:buFontTx/>
+              <a:buChar char="-"/>
+            </a:pPr>
+            <a:r>
+              <a:rPr lang="en-US" b="0" dirty="0">
+                <a:solidFill>
+                  <a:srgbClr val="D4D4D4"/>
+                </a:solidFill>
+                <a:effectLst/>
+                <a:latin typeface="Consolas" panose="020B0609020204030204" pitchFamily="49" charset="0"/>
+              </a:rPr>
+              <a:t>When should we proceed without consensus vs wait to build it?</a:t>
+            </a:r>
+          </a:p>
+          <a:p>
+            <a:pPr marL="171450" indent="-171450">
+              <a:buFontTx/>
+              <a:buChar char="-"/>
+            </a:pPr>
+            <a:endParaRPr lang="en-US" b="0" dirty="0">
+              <a:solidFill>
+                <a:srgbClr val="D4D4D4"/>
+              </a:solidFill>
+              <a:effectLst/>
+              <a:latin typeface="Consolas" panose="020B0609020204030204" pitchFamily="49" charset="0"/>
+            </a:endParaRPr>
+          </a:p>
+          <a:p>
+            <a:pPr marL="0" indent="0">
+              <a:buFontTx/>
+              <a:buNone/>
+            </a:pPr>
+            <a:r>
+              <a:rPr lang="en-US" b="0" dirty="0">
+                <a:solidFill>
+                  <a:srgbClr val="D4D4D4"/>
+                </a:solidFill>
+                <a:effectLst/>
+                <a:latin typeface="Consolas" panose="020B0609020204030204" pitchFamily="49" charset="0"/>
+              </a:rPr>
+              <a:t>I’m here to argue for why smaller, steady improvements with consensus can still win you the race.</a:t>
+            </a:r>
+          </a:p>
+          <a:p>
+            <a:pPr marL="171450" indent="-171450">
+              <a:buFontTx/>
+              <a:buChar char="-"/>
+            </a:pPr>
+            <a:r>
+              <a:rPr lang="en-US" b="0" dirty="0">
+                <a:solidFill>
+                  <a:srgbClr val="D4D4D4"/>
+                </a:solidFill>
+                <a:effectLst/>
+                <a:latin typeface="Consolas" panose="020B0609020204030204" pitchFamily="49" charset="0"/>
+              </a:rPr>
+              <a:t>small improvements over time establish trust and track record. Hard to argue with consistent success. </a:t>
+            </a:r>
+          </a:p>
+          <a:p>
+            <a:pPr marL="171450" indent="-171450">
+              <a:buFontTx/>
+              <a:buChar char="-"/>
+            </a:pPr>
+            <a:r>
+              <a:rPr lang="en-US" b="0" dirty="0">
+                <a:solidFill>
+                  <a:srgbClr val="D4D4D4"/>
+                </a:solidFill>
+                <a:effectLst/>
+                <a:latin typeface="Consolas" panose="020B0609020204030204" pitchFamily="49" charset="0"/>
+              </a:rPr>
+              <a:t>Trust makes everything faster and cheaper. </a:t>
+            </a:r>
+          </a:p>
+          <a:p>
+            <a:pPr marL="171450" indent="-171450">
+              <a:buFontTx/>
+              <a:buChar char="-"/>
+            </a:pPr>
+            <a:r>
+              <a:rPr lang="en-US" b="0" dirty="0">
+                <a:solidFill>
+                  <a:srgbClr val="D4D4D4"/>
+                </a:solidFill>
+                <a:effectLst/>
+                <a:latin typeface="Consolas" panose="020B0609020204030204" pitchFamily="49" charset="0"/>
+              </a:rPr>
+              <a:t>The next change becomes easier because of the solid foundation added to by previous, incremental changes.</a:t>
+            </a:r>
+          </a:p>
+          <a:p>
+            <a:pPr marL="171450" indent="-171450">
+              <a:buFontTx/>
+              <a:buChar char="-"/>
+            </a:pPr>
+            <a:r>
+              <a:rPr lang="en-US" b="0" dirty="0">
+                <a:solidFill>
+                  <a:srgbClr val="D4D4D4"/>
+                </a:solidFill>
+                <a:effectLst/>
+                <a:latin typeface="Consolas" panose="020B0609020204030204" pitchFamily="49" charset="0"/>
+              </a:rPr>
+              <a:t>Creates opportunities for bigger, faster change</a:t>
+            </a:r>
+          </a:p>
+          <a:p>
+            <a:pPr marL="0" indent="0">
+              <a:buFontTx/>
+              <a:buNone/>
+            </a:pPr>
+            <a:endParaRPr lang="en-US" b="0" dirty="0">
+              <a:solidFill>
+                <a:srgbClr val="D4D4D4"/>
+              </a:solidFill>
+              <a:effectLst/>
+              <a:latin typeface="Consolas" panose="020B0609020204030204" pitchFamily="49" charset="0"/>
+            </a:endParaRPr>
+          </a:p>
+          <a:p>
+            <a:pPr marL="0" indent="0">
+              <a:buFontTx/>
+              <a:buNone/>
+            </a:pPr>
+            <a:r>
+              <a:rPr lang="en-US" b="0" dirty="0">
+                <a:solidFill>
+                  <a:srgbClr val="D4D4D4"/>
+                </a:solidFill>
+                <a:effectLst/>
+                <a:latin typeface="Consolas" panose="020B0609020204030204" pitchFamily="49" charset="0"/>
+              </a:rPr>
+              <a:t>I’ll focus for a minute on how a form of consensus, commitment, plays a key role in producing a steady pace of improvement for a team/organization</a:t>
             </a:r>
           </a:p>
         </p:txBody>
@@ -1464,7 +1706,7 @@
           <a:p>
             <a:fld id="{68AD085A-CE2C-4AF4-96B5-9AB734DA641A}" type="slidenum">
               <a:rPr lang="en-US" smtClean="0"/>
-              <a:t>11</a:t>
+              <a:t>10</a:t>
             </a:fld>
             <a:endParaRPr lang="en-US"/>
           </a:p>
@@ -1473,7 +1715,7 @@
     </p:spTree>
     <p:extLst>
       <p:ext uri="{BB962C8B-B14F-4D97-AF65-F5344CB8AC3E}">
-        <p14:creationId xmlns:p14="http://schemas.microsoft.com/office/powerpoint/2010/main" val="2751983272"/>
+        <p14:creationId xmlns:p14="http://schemas.microsoft.com/office/powerpoint/2010/main" val="273288173"/>
       </p:ext>
     </p:extLst>
   </p:cSld>
@@ -1528,15 +1770,90 @@
           <a:lstStyle/>
           <a:p>
             <a:r>
-              <a:rPr lang="en-US" b="1" dirty="0">
-                <a:solidFill>
-                  <a:srgbClr val="569CD6"/>
-                </a:solidFill>
-                <a:effectLst/>
-                <a:latin typeface="Consolas" panose="020B0609020204030204" pitchFamily="49" charset="0"/>
-              </a:rPr>
-              <a:t>#### Breadth</a:t>
-            </a:r>
+              <a:rPr lang="en-US" b="0" dirty="0">
+                <a:solidFill>
+                  <a:srgbClr val="D4D4D4"/>
+                </a:solidFill>
+                <a:effectLst/>
+                <a:latin typeface="Consolas" panose="020B0609020204030204" pitchFamily="49" charset="0"/>
+              </a:rPr>
+              <a:t>The Scrum practitioner community is fond of using three terms to describe the tradeoffs made in a software development project. They are:</a:t>
+            </a:r>
+          </a:p>
+          <a:p>
+            <a:br>
+              <a:rPr lang="en-US" b="0" dirty="0">
+                <a:solidFill>
+                  <a:srgbClr val="D4D4D4"/>
+                </a:solidFill>
+                <a:effectLst/>
+                <a:latin typeface="Consolas" panose="020B0609020204030204" pitchFamily="49" charset="0"/>
+              </a:rPr>
+            </a:br>
+            <a:r>
+              <a:rPr lang="en-US" b="0" dirty="0">
+                <a:solidFill>
+                  <a:srgbClr val="6796E6"/>
+                </a:solidFill>
+                <a:effectLst/>
+                <a:latin typeface="Consolas" panose="020B0609020204030204" pitchFamily="49" charset="0"/>
+              </a:rPr>
+              <a:t>-</a:t>
+            </a:r>
+            <a:r>
+              <a:rPr lang="en-US" b="0" dirty="0">
+                <a:solidFill>
+                  <a:srgbClr val="D4D4D4"/>
+                </a:solidFill>
+                <a:effectLst/>
+                <a:latin typeface="Consolas" panose="020B0609020204030204" pitchFamily="49" charset="0"/>
+              </a:rPr>
+              <a:t> Scope</a:t>
+            </a:r>
+          </a:p>
+          <a:p>
+            <a:r>
+              <a:rPr lang="en-US" b="0" dirty="0">
+                <a:solidFill>
+                  <a:srgbClr val="6796E6"/>
+                </a:solidFill>
+                <a:effectLst/>
+                <a:latin typeface="Consolas" panose="020B0609020204030204" pitchFamily="49" charset="0"/>
+              </a:rPr>
+              <a:t>-</a:t>
+            </a:r>
+            <a:r>
+              <a:rPr lang="en-US" b="0" dirty="0">
+                <a:solidFill>
+                  <a:srgbClr val="D4D4D4"/>
+                </a:solidFill>
+                <a:effectLst/>
+                <a:latin typeface="Consolas" panose="020B0609020204030204" pitchFamily="49" charset="0"/>
+              </a:rPr>
+              <a:t> Quality</a:t>
+            </a:r>
+          </a:p>
+          <a:p>
+            <a:pPr marL="171450" indent="-171450">
+              <a:buFontTx/>
+              <a:buChar char="-"/>
+            </a:pPr>
+            <a:r>
+              <a:rPr lang="en-US" b="0" dirty="0">
+                <a:solidFill>
+                  <a:srgbClr val="D4D4D4"/>
+                </a:solidFill>
+                <a:effectLst/>
+                <a:latin typeface="Consolas" panose="020B0609020204030204" pitchFamily="49" charset="0"/>
+              </a:rPr>
+              <a:t>Time</a:t>
+            </a:r>
+          </a:p>
+          <a:p>
+            <a:pPr marL="171450" indent="-171450">
+              <a:buFontTx/>
+              <a:buChar char="-"/>
+            </a:pPr>
             <a:endParaRPr lang="en-US" b="0" dirty="0">
               <a:solidFill>
                 <a:srgbClr val="D4D4D4"/>
@@ -1546,37 +1863,26 @@
             </a:endParaRPr>
           </a:p>
           <a:p>
-            <a:r>
-              <a:rPr lang="en-US" b="0" dirty="0">
-                <a:solidFill>
-                  <a:srgbClr val="D4D4D4"/>
-                </a:solidFill>
-                <a:effectLst/>
-                <a:latin typeface="Consolas" panose="020B0609020204030204" pitchFamily="49" charset="0"/>
-              </a:rPr>
-              <a:t>This is the scope of the organizational change. I would define it as a function of number of people affected, how each affected person’s work must change, and how the affected person’s mindset must be changed. </a:t>
-            </a:r>
-          </a:p>
-          <a:p>
-            <a:br>
-              <a:rPr lang="en-US" b="0" dirty="0">
-                <a:solidFill>
-                  <a:srgbClr val="D4D4D4"/>
-                </a:solidFill>
-                <a:effectLst/>
-                <a:latin typeface="Consolas" panose="020B0609020204030204" pitchFamily="49" charset="0"/>
-              </a:rPr>
-            </a:br>
-            <a:r>
-              <a:rPr lang="en-US" b="1" dirty="0">
-                <a:solidFill>
-                  <a:srgbClr val="569CD6"/>
-                </a:solidFill>
-                <a:effectLst/>
-                <a:latin typeface="Consolas" panose="020B0609020204030204" pitchFamily="49" charset="0"/>
-              </a:rPr>
-              <a:t>#### Urgency</a:t>
-            </a:r>
+            <a:pPr marL="0" indent="0">
+              <a:buFontTx/>
+              <a:buNone/>
+            </a:pPr>
+            <a:r>
+              <a:rPr lang="en-US" b="0" dirty="0">
+                <a:solidFill>
+                  <a:srgbClr val="D4D4D4"/>
+                </a:solidFill>
+                <a:effectLst/>
+                <a:latin typeface="Consolas" panose="020B0609020204030204" pitchFamily="49" charset="0"/>
+              </a:rPr>
+              <a:t>Flex on Scope and Time, but not on quality.</a:t>
+            </a:r>
+          </a:p>
+          <a:p>
+            <a:pPr marL="0" indent="0">
+              <a:buFontTx/>
+              <a:buNone/>
+            </a:pPr>
             <a:endParaRPr lang="en-US" b="0" dirty="0">
               <a:solidFill>
                 <a:srgbClr val="D4D4D4"/>
@@ -1594,51 +1900,8 @@
                 <a:effectLst/>
                 <a:latin typeface="Consolas" panose="020B0609020204030204" pitchFamily="49" charset="0"/>
               </a:rPr>
-              <a:t>This is the time constraint of the organizational change. We need to get Agile by the end of the year. We need to re-organize all our teams to be co-located this quarter. Effective immediately, everyone needs to use the new TPS report cover sheets.</a:t>
-            </a:r>
-          </a:p>
-          <a:p>
-            <a:br>
-              <a:rPr lang="en-US" b="0" dirty="0">
-                <a:solidFill>
-                  <a:srgbClr val="D4D4D4"/>
-                </a:solidFill>
-                <a:effectLst/>
-                <a:latin typeface="Consolas" panose="020B0609020204030204" pitchFamily="49" charset="0"/>
-              </a:rPr>
-            </a:br>
-            <a:r>
-              <a:rPr lang="en-US" b="1" dirty="0">
-                <a:solidFill>
-                  <a:srgbClr val="569CD6"/>
-                </a:solidFill>
-                <a:effectLst/>
-                <a:latin typeface="Consolas" panose="020B0609020204030204" pitchFamily="49" charset="0"/>
-              </a:rPr>
-              <a:t>#### Commitment</a:t>
-            </a:r>
-            <a:endParaRPr lang="en-US" b="0" dirty="0">
-              <a:solidFill>
-                <a:srgbClr val="D4D4D4"/>
-              </a:solidFill>
-              <a:effectLst/>
-              <a:latin typeface="Consolas" panose="020B0609020204030204" pitchFamily="49" charset="0"/>
-            </a:endParaRPr>
-          </a:p>
-          <a:p>
-            <a:r>
-              <a:rPr lang="en-US" b="0" dirty="0">
-                <a:solidFill>
-                  <a:srgbClr val="D4D4D4"/>
-                </a:solidFill>
-                <a:effectLst/>
-                <a:latin typeface="Consolas" panose="020B0609020204030204" pitchFamily="49" charset="0"/>
-              </a:rPr>
-              <a:t>This the quality of the organizational change. People resist being coerced to change as a natural instinct. An organizational change that is forced may garner compliance but it will rarely accomplish commitment. Commitment implies workers agree and would do it even if they were not required.</a:t>
-            </a:r>
-          </a:p>
-          <a:p>
-            <a:endParaRPr lang="en-US" dirty="0"/>
+              <a:t>What if your craft is not software development but organizational change via continuous improvement?</a:t>
+            </a:r>
           </a:p>
         </p:txBody>
       </p:sp>
@@ -1659,7 +1922,7 @@
           <a:p>
             <a:fld id="{68AD085A-CE2C-4AF4-96B5-9AB734DA641A}" type="slidenum">
               <a:rPr lang="en-US" smtClean="0"/>
-              <a:t>12</a:t>
+              <a:t>11</a:t>
             </a:fld>
             <a:endParaRPr lang="en-US"/>
           </a:p>
@@ -1668,7 +1931,7 @@
     </p:spTree>
     <p:extLst>
       <p:ext uri="{BB962C8B-B14F-4D97-AF65-F5344CB8AC3E}">
-        <p14:creationId xmlns:p14="http://schemas.microsoft.com/office/powerpoint/2010/main" val="2320503366"/>
+        <p14:creationId xmlns:p14="http://schemas.microsoft.com/office/powerpoint/2010/main" val="2751983272"/>
       </p:ext>
     </p:extLst>
   </p:cSld>
@@ -1723,14 +1986,33 @@
           <a:lstStyle/>
           <a:p>
             <a:r>
-              <a:rPr lang="en-US" b="0" dirty="0">
-                <a:solidFill>
-                  <a:srgbClr val="D4D4D4"/>
-                </a:solidFill>
-                <a:effectLst/>
-                <a:latin typeface="Consolas" panose="020B0609020204030204" pitchFamily="49" charset="0"/>
-              </a:rPr>
-              <a:t>Professional Scrum Development holds to a consistently high, even uncompromising level of quality leaving the Scrum Team to flex on either scope or time. Committing to high quality guards a project and a codebase against the calcification that a build up of broken software and technical debt inevitably brings. Additionally, a strict adherence to craftsmanship ensures workers are encouraged, even forced to expand their personal mastery of necessary skills and aptitudes. Moreover, those workers receive the pride of their workmanship and are afforded the time needed.</a:t>
+              <a:rPr lang="en-US" b="1" dirty="0">
+                <a:solidFill>
+                  <a:srgbClr val="569CD6"/>
+                </a:solidFill>
+                <a:effectLst/>
+                <a:latin typeface="Consolas" panose="020B0609020204030204" pitchFamily="49" charset="0"/>
+              </a:rPr>
+              <a:t>#### Breadth</a:t>
+            </a:r>
+            <a:endParaRPr lang="en-US" b="0" dirty="0">
+              <a:solidFill>
+                <a:srgbClr val="D4D4D4"/>
+              </a:solidFill>
+              <a:effectLst/>
+              <a:latin typeface="Consolas" panose="020B0609020204030204" pitchFamily="49" charset="0"/>
+            </a:endParaRPr>
+          </a:p>
+          <a:p>
+            <a:r>
+              <a:rPr lang="en-US" b="0" dirty="0">
+                <a:solidFill>
+                  <a:srgbClr val="D4D4D4"/>
+                </a:solidFill>
+                <a:effectLst/>
+                <a:latin typeface="Consolas" panose="020B0609020204030204" pitchFamily="49" charset="0"/>
+              </a:rPr>
+              <a:t>This is the scope of the organizational change. I would define it as a function of number of people affected, how each affected person’s work must change, and how the affected person’s mindset must be changed. </a:t>
             </a:r>
           </a:p>
           <a:p>
@@ -1744,14 +2026,33 @@
               </a:rPr>
             </a:br>
             <a:r>
-              <a:rPr lang="en-US" b="0" dirty="0">
-                <a:solidFill>
-                  <a:srgbClr val="D4D4D4"/>
-                </a:solidFill>
-                <a:effectLst/>
-                <a:latin typeface="Consolas" panose="020B0609020204030204" pitchFamily="49" charset="0"/>
-              </a:rPr>
-              <a:t>Organizational change agents should hold to a consistently high, even uncompromising level of commitment leaving the those desiring change to flex on breadth and urgency. Waiting on genuine commitment from workers guards an organization from the false change, dishonesty and the division organizational debt inevitably brings. Additionally, a strict requirement for genuine leadership ensures managers are encouraged, even forced to expand their personal mastery of necessary skills and aptitudes. Moreover, those managers receive the pride of their workmanship and are afforded the time needed.</a:t>
+              <a:rPr lang="en-US" b="1" dirty="0">
+                <a:solidFill>
+                  <a:srgbClr val="569CD6"/>
+                </a:solidFill>
+                <a:effectLst/>
+                <a:latin typeface="Consolas" panose="020B0609020204030204" pitchFamily="49" charset="0"/>
+              </a:rPr>
+              <a:t>#### Urgency</a:t>
+            </a:r>
+            <a:endParaRPr lang="en-US" b="0" dirty="0">
+              <a:solidFill>
+                <a:srgbClr val="D4D4D4"/>
+              </a:solidFill>
+              <a:effectLst/>
+              <a:latin typeface="Consolas" panose="020B0609020204030204" pitchFamily="49" charset="0"/>
+            </a:endParaRPr>
+          </a:p>
+          <a:p>
+            <a:r>
+              <a:rPr lang="en-US" b="0" dirty="0">
+                <a:solidFill>
+                  <a:srgbClr val="D4D4D4"/>
+                </a:solidFill>
+                <a:effectLst/>
+                <a:latin typeface="Consolas" panose="020B0609020204030204" pitchFamily="49" charset="0"/>
+              </a:rPr>
+              <a:t>This is the time constraint of the organizational change. We need to get Agile by the end of the year. We need to re-organize all our teams to be co-located this quarter. Effective immediately, everyone needs to use the new TPS report cover sheets.</a:t>
             </a:r>
           </a:p>
           <a:p>
@@ -1765,35 +2066,52 @@
               </a:rPr>
             </a:br>
             <a:r>
-              <a:rPr lang="en-US" b="0" dirty="0">
-                <a:solidFill>
-                  <a:srgbClr val="D4D4D4"/>
-                </a:solidFill>
-                <a:effectLst/>
-                <a:latin typeface="Consolas" panose="020B0609020204030204" pitchFamily="49" charset="0"/>
-              </a:rPr>
-              <a:t>The next time you, as a manager, force your underlings to just, “Do what I say” consider it the equivalent of an irresponsible, untested hack made </a:t>
-            </a:r>
-            <a:r>
-              <a:rPr lang="en-US" b="0" dirty="0" err="1">
-                <a:solidFill>
-                  <a:srgbClr val="D4D4D4"/>
-                </a:solidFill>
-                <a:effectLst/>
-                <a:latin typeface="Consolas" panose="020B0609020204030204" pitchFamily="49" charset="0"/>
-              </a:rPr>
-              <a:t>made</a:t>
-            </a:r>
-            <a:r>
-              <a:rPr lang="en-US" b="0" dirty="0">
-                <a:solidFill>
-                  <a:srgbClr val="D4D4D4"/>
-                </a:solidFill>
-                <a:effectLst/>
-                <a:latin typeface="Consolas" panose="020B0609020204030204" pitchFamily="49" charset="0"/>
-              </a:rPr>
-              <a:t> in production code that will probably cause more defects than it fixes.</a:t>
-            </a:r>
+              <a:rPr lang="en-US" b="1" dirty="0">
+                <a:solidFill>
+                  <a:srgbClr val="569CD6"/>
+                </a:solidFill>
+                <a:effectLst/>
+                <a:latin typeface="Consolas" panose="020B0609020204030204" pitchFamily="49" charset="0"/>
+              </a:rPr>
+              <a:t>#### Commitment</a:t>
+            </a:r>
+            <a:endParaRPr lang="en-US" b="0" dirty="0">
+              <a:solidFill>
+                <a:srgbClr val="D4D4D4"/>
+              </a:solidFill>
+              <a:effectLst/>
+              <a:latin typeface="Consolas" panose="020B0609020204030204" pitchFamily="49" charset="0"/>
+            </a:endParaRPr>
+          </a:p>
+          <a:p>
+            <a:r>
+              <a:rPr lang="en-US" b="0" dirty="0">
+                <a:solidFill>
+                  <a:srgbClr val="D4D4D4"/>
+                </a:solidFill>
+                <a:effectLst/>
+                <a:latin typeface="Consolas" panose="020B0609020204030204" pitchFamily="49" charset="0"/>
+              </a:rPr>
+              <a:t>This the quality of the organizational change. People resist being coerced to change as a natural instinct. An organizational change that is forced may garner compliance but it will rarely accomplish commitment. Commitment implies workers agree and would do it even if they were not required.</a:t>
+            </a:r>
+          </a:p>
+          <a:p>
+            <a:endParaRPr lang="en-US" b="0" dirty="0">
+              <a:solidFill>
+                <a:srgbClr val="D4D4D4"/>
+              </a:solidFill>
+              <a:effectLst/>
+              <a:latin typeface="Consolas" panose="020B0609020204030204" pitchFamily="49" charset="0"/>
+            </a:endParaRPr>
+          </a:p>
+          <a:p>
+            <a:endParaRPr lang="en-US" b="0" dirty="0">
+              <a:solidFill>
+                <a:srgbClr val="D4D4D4"/>
+              </a:solidFill>
+              <a:effectLst/>
+              <a:latin typeface="Consolas" panose="020B0609020204030204" pitchFamily="49" charset="0"/>
+            </a:endParaRPr>
           </a:p>
           <a:p>
             <a:endParaRPr lang="en-US" dirty="0"/>
@@ -1817,7 +2135,7 @@
           <a:p>
             <a:fld id="{68AD085A-CE2C-4AF4-96B5-9AB734DA641A}" type="slidenum">
               <a:rPr lang="en-US" smtClean="0"/>
-              <a:t>13</a:t>
+              <a:t>12</a:t>
             </a:fld>
             <a:endParaRPr lang="en-US"/>
           </a:p>
@@ -1826,7 +2144,7 @@
     </p:spTree>
     <p:extLst>
       <p:ext uri="{BB962C8B-B14F-4D97-AF65-F5344CB8AC3E}">
-        <p14:creationId xmlns:p14="http://schemas.microsoft.com/office/powerpoint/2010/main" val="744376203"/>
+        <p14:creationId xmlns:p14="http://schemas.microsoft.com/office/powerpoint/2010/main" val="2320503366"/>
       </p:ext>
     </p:extLst>
   </p:cSld>
@@ -1880,6 +2198,176 @@
           <a:bodyPr/>
           <a:lstStyle/>
           <a:p>
+            <a:r>
+              <a:rPr lang="en-US" b="0" dirty="0">
+                <a:solidFill>
+                  <a:srgbClr val="D4D4D4"/>
+                </a:solidFill>
+                <a:effectLst/>
+                <a:latin typeface="Consolas" panose="020B0609020204030204" pitchFamily="49" charset="0"/>
+              </a:rPr>
+              <a:t>Insisting on high quality: </a:t>
+            </a:r>
+          </a:p>
+          <a:p>
+            <a:pPr marL="171450" indent="-171450">
+              <a:buFontTx/>
+              <a:buChar char="-"/>
+            </a:pPr>
+            <a:r>
+              <a:rPr lang="en-US" b="0" dirty="0">
+                <a:solidFill>
+                  <a:srgbClr val="D4D4D4"/>
+                </a:solidFill>
+                <a:effectLst/>
+                <a:latin typeface="Consolas" panose="020B0609020204030204" pitchFamily="49" charset="0"/>
+              </a:rPr>
+              <a:t>guards broken software and technical debt </a:t>
+            </a:r>
+          </a:p>
+          <a:p>
+            <a:pPr marL="171450" indent="-171450">
+              <a:buFontTx/>
+              <a:buChar char="-"/>
+            </a:pPr>
+            <a:r>
+              <a:rPr lang="en-US" b="0" dirty="0">
+                <a:solidFill>
+                  <a:srgbClr val="D4D4D4"/>
+                </a:solidFill>
+                <a:effectLst/>
+                <a:latin typeface="Consolas" panose="020B0609020204030204" pitchFamily="49" charset="0"/>
+              </a:rPr>
+              <a:t>craftsmanship ensures workers are encouraged to expand their personal mastery of necessary skills and aptitudes. </a:t>
+            </a:r>
+          </a:p>
+          <a:p>
+            <a:pPr marL="171450" indent="-171450">
+              <a:buFontTx/>
+              <a:buChar char="-"/>
+            </a:pPr>
+            <a:r>
+              <a:rPr lang="en-US" b="0" dirty="0">
+                <a:solidFill>
+                  <a:srgbClr val="D4D4D4"/>
+                </a:solidFill>
+                <a:effectLst/>
+                <a:latin typeface="Consolas" panose="020B0609020204030204" pitchFamily="49" charset="0"/>
+              </a:rPr>
+              <a:t>workers receive the pride of their workmanship.</a:t>
+            </a:r>
+          </a:p>
+          <a:p>
+            <a:br>
+              <a:rPr lang="en-US" b="0" dirty="0">
+                <a:solidFill>
+                  <a:srgbClr val="D4D4D4"/>
+                </a:solidFill>
+                <a:effectLst/>
+                <a:latin typeface="Consolas" panose="020B0609020204030204" pitchFamily="49" charset="0"/>
+              </a:rPr>
+            </a:br>
+            <a:r>
+              <a:rPr lang="en-US" b="0" dirty="0">
+                <a:solidFill>
+                  <a:srgbClr val="D4D4D4"/>
+                </a:solidFill>
+                <a:effectLst/>
+                <a:latin typeface="Consolas" panose="020B0609020204030204" pitchFamily="49" charset="0"/>
+              </a:rPr>
+              <a:t>Insisting on high commitment:</a:t>
+            </a:r>
+          </a:p>
+          <a:p>
+            <a:pPr marL="171450" indent="-171450">
+              <a:buFontTx/>
+              <a:buChar char="-"/>
+            </a:pPr>
+            <a:r>
+              <a:rPr lang="en-US" b="0" dirty="0">
+                <a:solidFill>
+                  <a:srgbClr val="D4D4D4"/>
+                </a:solidFill>
+                <a:effectLst/>
+                <a:latin typeface="Consolas" panose="020B0609020204030204" pitchFamily="49" charset="0"/>
+              </a:rPr>
+              <a:t>guards an organization from the false change, dishonesty and the division organizational debt inevitably brings. </a:t>
+            </a:r>
+          </a:p>
+          <a:p>
+            <a:pPr marL="171450" indent="-171450">
+              <a:buFontTx/>
+              <a:buChar char="-"/>
+            </a:pPr>
+            <a:r>
+              <a:rPr lang="en-US" b="0" dirty="0">
+                <a:solidFill>
+                  <a:srgbClr val="D4D4D4"/>
+                </a:solidFill>
+                <a:effectLst/>
+                <a:latin typeface="Consolas" panose="020B0609020204030204" pitchFamily="49" charset="0"/>
+              </a:rPr>
+              <a:t>requiring genuine leadership ensures leaders expand their personal mastery of necessary skills and aptitudes. </a:t>
+            </a:r>
+          </a:p>
+          <a:p>
+            <a:pPr marL="171450" indent="-171450">
+              <a:buFontTx/>
+              <a:buChar char="-"/>
+            </a:pPr>
+            <a:r>
+              <a:rPr lang="en-US" b="0" dirty="0">
+                <a:solidFill>
+                  <a:srgbClr val="D4D4D4"/>
+                </a:solidFill>
+                <a:effectLst/>
+                <a:latin typeface="Consolas" panose="020B0609020204030204" pitchFamily="49" charset="0"/>
+              </a:rPr>
+              <a:t>these managers receive the pride of their workmanship.</a:t>
+            </a:r>
+          </a:p>
+          <a:p>
+            <a:br>
+              <a:rPr lang="en-US" b="0" dirty="0">
+                <a:solidFill>
+                  <a:srgbClr val="D4D4D4"/>
+                </a:solidFill>
+                <a:effectLst/>
+                <a:latin typeface="Consolas" panose="020B0609020204030204" pitchFamily="49" charset="0"/>
+              </a:rPr>
+            </a:br>
+            <a:r>
+              <a:rPr lang="en-US" b="0" dirty="0">
+                <a:solidFill>
+                  <a:srgbClr val="D4D4D4"/>
+                </a:solidFill>
+                <a:effectLst/>
+                <a:latin typeface="Consolas" panose="020B0609020204030204" pitchFamily="49" charset="0"/>
+              </a:rPr>
+              <a:t>The next time you, as a leader, force others to just, “Do what I say” consider it the equivalent of an irresponsible, untested hack made in </a:t>
+            </a:r>
+            <a:r>
+              <a:rPr lang="en-US" b="0">
+                <a:solidFill>
+                  <a:srgbClr val="D4D4D4"/>
+                </a:solidFill>
+                <a:effectLst/>
+                <a:latin typeface="Consolas" panose="020B0609020204030204" pitchFamily="49" charset="0"/>
+              </a:rPr>
+              <a:t>production that </a:t>
+            </a:r>
+            <a:r>
+              <a:rPr lang="en-US" b="0" dirty="0">
+                <a:solidFill>
+                  <a:srgbClr val="D4D4D4"/>
+                </a:solidFill>
+                <a:effectLst/>
+                <a:latin typeface="Consolas" panose="020B0609020204030204" pitchFamily="49" charset="0"/>
+              </a:rPr>
+              <a:t>will probably cause more defects than it fixes.</a:t>
+            </a:r>
+          </a:p>
+          <a:p>
             <a:endParaRPr lang="en-US" dirty="0"/>
           </a:p>
         </p:txBody>
@@ -1901,7 +2389,7 @@
           <a:p>
             <a:fld id="{68AD085A-CE2C-4AF4-96B5-9AB734DA641A}" type="slidenum">
               <a:rPr lang="en-US" smtClean="0"/>
-              <a:t>14</a:t>
+              <a:t>13</a:t>
             </a:fld>
             <a:endParaRPr lang="en-US"/>
           </a:p>
@@ -1910,7 +2398,7 @@
     </p:spTree>
     <p:extLst>
       <p:ext uri="{BB962C8B-B14F-4D97-AF65-F5344CB8AC3E}">
-        <p14:creationId xmlns:p14="http://schemas.microsoft.com/office/powerpoint/2010/main" val="1147306799"/>
+        <p14:creationId xmlns:p14="http://schemas.microsoft.com/office/powerpoint/2010/main" val="744376203"/>
       </p:ext>
     </p:extLst>
   </p:cSld>
@@ -1964,121 +2452,6 @@
           <a:bodyPr/>
           <a:lstStyle/>
           <a:p>
-            <a:pPr marL="0" marR="0" lvl="0" indent="0" algn="l" defTabSz="914400" rtl="0" eaLnBrk="1" fontAlgn="auto" latinLnBrk="0" hangingPunct="1">
-              <a:lnSpc>
-                <a:spcPct val="100000"/>
-              </a:lnSpc>
-              <a:spcBef>
-                <a:spcPts val="0"/>
-              </a:spcBef>
-              <a:spcAft>
-                <a:spcPts val="0"/>
-              </a:spcAft>
-              <a:buClrTx/>
-              <a:buSzTx/>
-              <a:buFontTx/>
-              <a:buNone/>
-              <a:tabLst/>
-              <a:defRPr/>
-            </a:pPr>
-            <a:r>
-              <a:rPr lang="en-US" b="0" dirty="0">
-                <a:solidFill>
-                  <a:srgbClr val="D4D4D4"/>
-                </a:solidFill>
-                <a:effectLst/>
-                <a:latin typeface="Consolas" panose="020B0609020204030204" pitchFamily="49" charset="0"/>
-              </a:rPr>
-              <a:t>If it </a:t>
-            </a:r>
-            <a:r>
-              <a:rPr lang="en-US" b="0" dirty="0" err="1">
-                <a:solidFill>
-                  <a:srgbClr val="D4D4D4"/>
-                </a:solidFill>
-                <a:effectLst/>
-                <a:latin typeface="Consolas" panose="020B0609020204030204" pitchFamily="49" charset="0"/>
-              </a:rPr>
-              <a:t>ain't</a:t>
-            </a:r>
-            <a:r>
-              <a:rPr lang="en-US" b="0" dirty="0">
-                <a:solidFill>
-                  <a:srgbClr val="D4D4D4"/>
-                </a:solidFill>
-                <a:effectLst/>
-                <a:latin typeface="Consolas" panose="020B0609020204030204" pitchFamily="49" charset="0"/>
-              </a:rPr>
-              <a:t> broke, don't fix it. Leave well enough alone. Inattention to results. Complacency. Lack of courage and commitment. No vision means we focus on our feet rather than the horizon. Imagine trying to sail a ship that way!</a:t>
-            </a:r>
-          </a:p>
-          <a:p>
-            <a:endParaRPr lang="en-US" dirty="0"/>
-          </a:p>
-          <a:p>
-            <a:r>
-              <a:rPr lang="en-US" b="0" dirty="0">
-                <a:solidFill>
-                  <a:srgbClr val="D4D4D4"/>
-                </a:solidFill>
-                <a:effectLst/>
-                <a:latin typeface="Consolas" panose="020B0609020204030204" pitchFamily="49" charset="0"/>
-              </a:rPr>
-              <a:t>There must be a reason to do the hard thing. Why suffer? Why not take it easy, be apathetic and comfortable? Well, you may only be able to be apathetic and comfortable for a while </a:t>
-            </a:r>
-            <a:r>
-              <a:rPr lang="en-US" b="0" dirty="0" err="1">
-                <a:solidFill>
-                  <a:srgbClr val="D4D4D4"/>
-                </a:solidFill>
-                <a:effectLst/>
-                <a:latin typeface="Consolas" panose="020B0609020204030204" pitchFamily="49" charset="0"/>
-              </a:rPr>
-              <a:t>practially</a:t>
-            </a:r>
-            <a:r>
-              <a:rPr lang="en-US" b="0" dirty="0">
-                <a:solidFill>
-                  <a:srgbClr val="D4D4D4"/>
-                </a:solidFill>
-                <a:effectLst/>
-                <a:latin typeface="Consolas" panose="020B0609020204030204" pitchFamily="49" charset="0"/>
-              </a:rPr>
-              <a:t> speaking. </a:t>
-            </a:r>
-          </a:p>
-          <a:p>
-            <a:br>
-              <a:rPr lang="en-US" b="0" dirty="0">
-                <a:solidFill>
-                  <a:srgbClr val="D4D4D4"/>
-                </a:solidFill>
-                <a:effectLst/>
-                <a:latin typeface="Consolas" panose="020B0609020204030204" pitchFamily="49" charset="0"/>
-              </a:rPr>
-            </a:br>
-            <a:r>
-              <a:rPr lang="en-US" b="0" dirty="0">
-                <a:solidFill>
-                  <a:srgbClr val="6A9955"/>
-                </a:solidFill>
-                <a:effectLst/>
-                <a:latin typeface="Consolas" panose="020B0609020204030204" pitchFamily="49" charset="0"/>
-              </a:rPr>
-              <a:t>&gt;</a:t>
-            </a:r>
-            <a:r>
-              <a:rPr lang="en-US" b="0" dirty="0">
-                <a:solidFill>
-                  <a:srgbClr val="D4D4D4"/>
-                </a:solidFill>
-                <a:effectLst/>
-                <a:latin typeface="Consolas" panose="020B0609020204030204" pitchFamily="49" charset="0"/>
-              </a:rPr>
-              <a:t> 10 A little sleep, a little slumber, a little folding of the hands to rest, 11 and poverty will come upon you like a robber, and want like an armed man. - Proverbs 6:10-11</a:t>
-            </a:r>
-          </a:p>
-          <a:p>
             <a:endParaRPr lang="en-US" dirty="0"/>
           </a:p>
         </p:txBody>
@@ -2109,7 +2482,7 @@
     </p:spTree>
     <p:extLst>
       <p:ext uri="{BB962C8B-B14F-4D97-AF65-F5344CB8AC3E}">
-        <p14:creationId xmlns:p14="http://schemas.microsoft.com/office/powerpoint/2010/main" val="1710611825"/>
+        <p14:creationId xmlns:p14="http://schemas.microsoft.com/office/powerpoint/2010/main" val="1147306799"/>
       </p:ext>
     </p:extLst>
   </p:cSld>
@@ -2163,27 +2536,87 @@
           <a:bodyPr/>
           <a:lstStyle/>
           <a:p>
-            <a:r>
-              <a:rPr lang="en-US" b="0" dirty="0">
-                <a:solidFill>
-                  <a:srgbClr val="D4D4D4"/>
-                </a:solidFill>
-                <a:effectLst/>
-                <a:latin typeface="Consolas" panose="020B0609020204030204" pitchFamily="49" charset="0"/>
-              </a:rPr>
-              <a:t>Being in charge means caring for those in your charge</a:t>
-            </a:r>
-          </a:p>
-          <a:p>
-            <a:r>
-              <a:rPr lang="en-US" b="0" dirty="0">
-                <a:solidFill>
-                  <a:srgbClr val="D4D4D4"/>
-                </a:solidFill>
-                <a:effectLst/>
-                <a:latin typeface="Consolas" panose="020B0609020204030204" pitchFamily="49" charset="0"/>
-              </a:rPr>
-              <a:t>The servant as leader vs the leader as servant</a:t>
+            <a:pPr marL="0" marR="0" lvl="0" indent="0" algn="l" defTabSz="914400" rtl="0" eaLnBrk="1" fontAlgn="auto" latinLnBrk="0" hangingPunct="1">
+              <a:lnSpc>
+                <a:spcPct val="100000"/>
+              </a:lnSpc>
+              <a:spcBef>
+                <a:spcPts val="0"/>
+              </a:spcBef>
+              <a:spcAft>
+                <a:spcPts val="0"/>
+              </a:spcAft>
+              <a:buClrTx/>
+              <a:buSzTx/>
+              <a:buFontTx/>
+              <a:buNone/>
+              <a:tabLst/>
+              <a:defRPr/>
+            </a:pPr>
+            <a:r>
+              <a:rPr lang="en-US" b="0" dirty="0">
+                <a:solidFill>
+                  <a:srgbClr val="D4D4D4"/>
+                </a:solidFill>
+                <a:effectLst/>
+                <a:latin typeface="Consolas" panose="020B0609020204030204" pitchFamily="49" charset="0"/>
+              </a:rPr>
+              <a:t>If it </a:t>
+            </a:r>
+            <a:r>
+              <a:rPr lang="en-US" b="0" dirty="0" err="1">
+                <a:solidFill>
+                  <a:srgbClr val="D4D4D4"/>
+                </a:solidFill>
+                <a:effectLst/>
+                <a:latin typeface="Consolas" panose="020B0609020204030204" pitchFamily="49" charset="0"/>
+              </a:rPr>
+              <a:t>ain't</a:t>
+            </a:r>
+            <a:r>
+              <a:rPr lang="en-US" b="0" dirty="0">
+                <a:solidFill>
+                  <a:srgbClr val="D4D4D4"/>
+                </a:solidFill>
+                <a:effectLst/>
+                <a:latin typeface="Consolas" panose="020B0609020204030204" pitchFamily="49" charset="0"/>
+              </a:rPr>
+              <a:t> broke, don't fix it. Leave well enough alone. Inattention to results. Complacency. Lack of courage and commitment. No vision means we focus on our feet rather than the horizon. Imagine trying to sail a ship that way!</a:t>
+            </a:r>
+          </a:p>
+          <a:p>
+            <a:endParaRPr lang="en-US" dirty="0"/>
+          </a:p>
+          <a:p>
+            <a:r>
+              <a:rPr lang="en-US" b="0" dirty="0">
+                <a:solidFill>
+                  <a:srgbClr val="D4D4D4"/>
+                </a:solidFill>
+                <a:effectLst/>
+                <a:latin typeface="Consolas" panose="020B0609020204030204" pitchFamily="49" charset="0"/>
+              </a:rPr>
+              <a:t>There must be a reason to do the hard thing. Why suffer? Why not take it easy, be apathetic and comfortable? Well, you may only be able to be apathetic and comfortable for a while </a:t>
+            </a:r>
+            <a:r>
+              <a:rPr lang="en-US" b="0" dirty="0" err="1">
+                <a:solidFill>
+                  <a:srgbClr val="D4D4D4"/>
+                </a:solidFill>
+                <a:effectLst/>
+                <a:latin typeface="Consolas" panose="020B0609020204030204" pitchFamily="49" charset="0"/>
+              </a:rPr>
+              <a:t>practially</a:t>
+            </a:r>
+            <a:r>
+              <a:rPr lang="en-US" b="0" dirty="0">
+                <a:solidFill>
+                  <a:srgbClr val="D4D4D4"/>
+                </a:solidFill>
+                <a:effectLst/>
+                <a:latin typeface="Consolas" panose="020B0609020204030204" pitchFamily="49" charset="0"/>
+              </a:rPr>
+              <a:t> speaking. </a:t>
             </a:r>
           </a:p>
           <a:p>
@@ -2199,52 +2632,22 @@
             <a:r>
               <a:rPr lang="en-US" b="0" dirty="0">
                 <a:solidFill>
-                  <a:srgbClr val="D4D4D4"/>
-                </a:solidFill>
-                <a:effectLst/>
-                <a:latin typeface="Consolas" panose="020B0609020204030204" pitchFamily="49" charset="0"/>
-              </a:rPr>
-              <a:t>[</a:t>
-            </a:r>
-            <a:r>
-              <a:rPr lang="en-US" b="0" dirty="0">
-                <a:solidFill>
-                  <a:srgbClr val="CE9178"/>
-                </a:solidFill>
-                <a:effectLst/>
-                <a:latin typeface="Consolas" panose="020B0609020204030204" pitchFamily="49" charset="0"/>
-              </a:rPr>
-              <a:t>The Servant as Leader</a:t>
-            </a:r>
-            <a:r>
-              <a:rPr lang="en-US" b="0" dirty="0">
-                <a:solidFill>
-                  <a:srgbClr val="D4D4D4"/>
-                </a:solidFill>
-                <a:effectLst/>
-                <a:latin typeface="Consolas" panose="020B0609020204030204" pitchFamily="49" charset="0"/>
-              </a:rPr>
-              <a:t>](</a:t>
-            </a:r>
-            <a:r>
-              <a:rPr lang="en-US" b="0" u="sng" dirty="0">
-                <a:solidFill>
-                  <a:srgbClr val="D4D4D4"/>
-                </a:solidFill>
-                <a:effectLst/>
-                <a:latin typeface="Consolas" panose="020B0609020204030204" pitchFamily="49" charset="0"/>
-              </a:rPr>
-              <a:t>http://www.ediguys.net/Robert_K_Greenleaf_The_Servant_as_Leader.pdf</a:t>
-            </a:r>
-            <a:r>
-              <a:rPr lang="en-US" b="0" dirty="0">
-                <a:solidFill>
-                  <a:srgbClr val="D4D4D4"/>
-                </a:solidFill>
-                <a:effectLst/>
-                <a:latin typeface="Consolas" panose="020B0609020204030204" pitchFamily="49" charset="0"/>
-              </a:rPr>
-              <a:t>)</a:t>
+                  <a:srgbClr val="6A9955"/>
+                </a:solidFill>
+                <a:effectLst/>
+                <a:latin typeface="Consolas" panose="020B0609020204030204" pitchFamily="49" charset="0"/>
+              </a:rPr>
+              <a:t>&gt;</a:t>
+            </a:r>
+            <a:r>
+              <a:rPr lang="en-US" b="0" dirty="0">
+                <a:solidFill>
+                  <a:srgbClr val="D4D4D4"/>
+                </a:solidFill>
+                <a:effectLst/>
+                <a:latin typeface="Consolas" panose="020B0609020204030204" pitchFamily="49" charset="0"/>
+              </a:rPr>
+              <a:t> 10 A little sleep, a little slumber, a little folding of the hands to rest, 11 and poverty will come upon you like a robber, and want like an armed man. - Proverbs 6:10-11</a:t>
             </a:r>
           </a:p>
           <a:p>
@@ -2278,7 +2681,7 @@
     </p:spTree>
     <p:extLst>
       <p:ext uri="{BB962C8B-B14F-4D97-AF65-F5344CB8AC3E}">
-        <p14:creationId xmlns:p14="http://schemas.microsoft.com/office/powerpoint/2010/main" val="1669297632"/>
+        <p14:creationId xmlns:p14="http://schemas.microsoft.com/office/powerpoint/2010/main" val="1710611825"/>
       </p:ext>
     </p:extLst>
   </p:cSld>
@@ -2333,25 +2736,6 @@
           <a:lstStyle/>
           <a:p>
             <a:r>
-              <a:rPr lang="en-US" b="1" dirty="0">
-                <a:solidFill>
-                  <a:srgbClr val="569CD6"/>
-                </a:solidFill>
-                <a:effectLst/>
-                <a:latin typeface="Consolas" panose="020B0609020204030204" pitchFamily="49" charset="0"/>
-              </a:rPr>
-              <a:t># Power Is Only Given</a:t>
-            </a:r>
-            <a:endParaRPr lang="en-US" b="0" dirty="0">
-              <a:solidFill>
-                <a:srgbClr val="D4D4D4"/>
-              </a:solidFill>
-              <a:effectLst/>
-              <a:latin typeface="Consolas" panose="020B0609020204030204" pitchFamily="49" charset="0"/>
-            </a:endParaRPr>
-          </a:p>
-          <a:p>
-            <a:r>
               <a:rPr lang="en-US" b="0" dirty="0">
                 <a:solidFill>
                   <a:srgbClr val="D4D4D4"/>
@@ -2434,451 +2818,6 @@
               </a:rPr>
               <a:t>)</a:t>
             </a:r>
-          </a:p>
-          <a:p>
-            <a:br>
-              <a:rPr lang="en-US" b="0" dirty="0">
-                <a:solidFill>
-                  <a:srgbClr val="D4D4D4"/>
-                </a:solidFill>
-                <a:effectLst/>
-                <a:latin typeface="Consolas" panose="020B0609020204030204" pitchFamily="49" charset="0"/>
-              </a:rPr>
-            </a:br>
-            <a:r>
-              <a:rPr lang="en-US" b="0" dirty="0">
-                <a:solidFill>
-                  <a:srgbClr val="D4D4D4"/>
-                </a:solidFill>
-                <a:effectLst/>
-                <a:latin typeface="Consolas" panose="020B0609020204030204" pitchFamily="49" charset="0"/>
-              </a:rPr>
-              <a:t>[</a:t>
-            </a:r>
-            <a:r>
-              <a:rPr lang="en-US" b="0" dirty="0">
-                <a:solidFill>
-                  <a:srgbClr val="CE9178"/>
-                </a:solidFill>
-                <a:effectLst/>
-                <a:latin typeface="Consolas" panose="020B0609020204030204" pitchFamily="49" charset="0"/>
-              </a:rPr>
-              <a:t>6 Forms of Power</a:t>
-            </a:r>
-            <a:r>
-              <a:rPr lang="en-US" b="0" dirty="0">
-                <a:solidFill>
-                  <a:srgbClr val="D4D4D4"/>
-                </a:solidFill>
-                <a:effectLst/>
-                <a:latin typeface="Consolas" panose="020B0609020204030204" pitchFamily="49" charset="0"/>
-              </a:rPr>
-              <a:t>](</a:t>
-            </a:r>
-            <a:r>
-              <a:rPr lang="en-US" b="0" u="sng" dirty="0">
-                <a:solidFill>
-                  <a:srgbClr val="D4D4D4"/>
-                </a:solidFill>
-                <a:effectLst/>
-                <a:latin typeface="Consolas" panose="020B0609020204030204" pitchFamily="49" charset="0"/>
-              </a:rPr>
-              <a:t>https://controlyourchaos.wordpress.com/2013/12/17/scrum-masters-toolkit-french-ravens-5-6-forms-of-power/</a:t>
-            </a:r>
-            <a:r>
-              <a:rPr lang="en-US" b="0" dirty="0">
-                <a:solidFill>
-                  <a:srgbClr val="D4D4D4"/>
-                </a:solidFill>
-                <a:effectLst/>
-                <a:latin typeface="Consolas" panose="020B0609020204030204" pitchFamily="49" charset="0"/>
-              </a:rPr>
-              <a:t>)</a:t>
-            </a:r>
-          </a:p>
-          <a:p>
-            <a:r>
-              <a:rPr lang="en-US" b="0" dirty="0">
-                <a:solidFill>
-                  <a:srgbClr val="D4D4D4"/>
-                </a:solidFill>
-                <a:effectLst/>
-                <a:latin typeface="Consolas" panose="020B0609020204030204" pitchFamily="49" charset="0"/>
-              </a:rPr>
-              <a:t>[</a:t>
-            </a:r>
-            <a:r>
-              <a:rPr lang="en-US" b="0" dirty="0">
-                <a:solidFill>
-                  <a:srgbClr val="CE9178"/>
-                </a:solidFill>
-                <a:effectLst/>
-                <a:latin typeface="Consolas" panose="020B0609020204030204" pitchFamily="49" charset="0"/>
-              </a:rPr>
-              <a:t>Psychological Models in Scrum</a:t>
-            </a:r>
-            <a:r>
-              <a:rPr lang="en-US" b="0" dirty="0">
-                <a:solidFill>
-                  <a:srgbClr val="D4D4D4"/>
-                </a:solidFill>
-                <a:effectLst/>
-                <a:latin typeface="Consolas" panose="020B0609020204030204" pitchFamily="49" charset="0"/>
-              </a:rPr>
-              <a:t>](</a:t>
-            </a:r>
-            <a:r>
-              <a:rPr lang="en-US" b="0" u="sng" dirty="0">
-                <a:solidFill>
-                  <a:srgbClr val="D4D4D4"/>
-                </a:solidFill>
-                <a:effectLst/>
-                <a:latin typeface="Consolas" panose="020B0609020204030204" pitchFamily="49" charset="0"/>
-              </a:rPr>
-              <a:t>https://www.youtube.com/watch?v=fyDYpGCuvaA&amp;t=1322s</a:t>
-            </a:r>
-            <a:r>
-              <a:rPr lang="en-US" b="0" dirty="0">
-                <a:solidFill>
-                  <a:srgbClr val="D4D4D4"/>
-                </a:solidFill>
-                <a:effectLst/>
-                <a:latin typeface="Consolas" panose="020B0609020204030204" pitchFamily="49" charset="0"/>
-              </a:rPr>
-              <a:t>)</a:t>
-            </a:r>
-          </a:p>
-          <a:p>
-            <a:r>
-              <a:rPr lang="en-US" b="0" dirty="0">
-                <a:solidFill>
-                  <a:srgbClr val="D4D4D4"/>
-                </a:solidFill>
-                <a:effectLst/>
-                <a:latin typeface="Consolas" panose="020B0609020204030204" pitchFamily="49" charset="0"/>
-              </a:rPr>
-              <a:t>Gun to your head example.</a:t>
-            </a:r>
-          </a:p>
-          <a:p>
-            <a:br>
-              <a:rPr lang="en-US" b="0" dirty="0">
-                <a:solidFill>
-                  <a:srgbClr val="D4D4D4"/>
-                </a:solidFill>
-                <a:effectLst/>
-                <a:latin typeface="Consolas" panose="020B0609020204030204" pitchFamily="49" charset="0"/>
-              </a:rPr>
-            </a:br>
-            <a:r>
-              <a:rPr lang="en-US" b="1" dirty="0">
-                <a:solidFill>
-                  <a:srgbClr val="569CD6"/>
-                </a:solidFill>
-                <a:effectLst/>
-                <a:latin typeface="Consolas" panose="020B0609020204030204" pitchFamily="49" charset="0"/>
-              </a:rPr>
-              <a:t>##### 1 Reward and 2 Coercive</a:t>
-            </a:r>
-            <a:endParaRPr lang="en-US" b="0" dirty="0">
-              <a:solidFill>
-                <a:srgbClr val="D4D4D4"/>
-              </a:solidFill>
-              <a:effectLst/>
-              <a:latin typeface="Consolas" panose="020B0609020204030204" pitchFamily="49" charset="0"/>
-            </a:endParaRPr>
-          </a:p>
-          <a:p>
-            <a:r>
-              <a:rPr lang="en-US" b="0" dirty="0">
-                <a:solidFill>
-                  <a:srgbClr val="D4D4D4"/>
-                </a:solidFill>
-                <a:effectLst/>
-                <a:latin typeface="Consolas" panose="020B0609020204030204" pitchFamily="49" charset="0"/>
-              </a:rPr>
-              <a:t>These two forms are the most common in nature. Every animal is susceptible to those. Basically they mean that you can do something for someone in order to receive a reward or avoid punishment. This is exactly the carrot &amp; stick. If you use this power, you will get obedience. But nothing more. So if you want your dog to obey, you can give him or her treats to reinforce good behavior and punish bad. But remember, even if you do that , you might not be able to take control over your dog. Because when you turn around, the sausage will still disappear. Exactly the same applies to humans. If you reward and punish, everything will go towards what you reward and what you punish will be hidden. But apart from that, no creativity can be expected.</a:t>
-            </a:r>
-          </a:p>
-          <a:p>
-            <a:br>
-              <a:rPr lang="en-US" b="0" dirty="0">
-                <a:solidFill>
-                  <a:srgbClr val="D4D4D4"/>
-                </a:solidFill>
-                <a:effectLst/>
-                <a:latin typeface="Consolas" panose="020B0609020204030204" pitchFamily="49" charset="0"/>
-              </a:rPr>
-            </a:br>
-            <a:r>
-              <a:rPr lang="en-US" b="1" dirty="0">
-                <a:solidFill>
-                  <a:srgbClr val="569CD6"/>
-                </a:solidFill>
-                <a:effectLst/>
-                <a:latin typeface="Consolas" panose="020B0609020204030204" pitchFamily="49" charset="0"/>
-              </a:rPr>
-              <a:t>##### 3 Given / Formal / Legitimate</a:t>
-            </a:r>
-            <a:endParaRPr lang="en-US" b="0" dirty="0">
-              <a:solidFill>
-                <a:srgbClr val="D4D4D4"/>
-              </a:solidFill>
-              <a:effectLst/>
-              <a:latin typeface="Consolas" panose="020B0609020204030204" pitchFamily="49" charset="0"/>
-            </a:endParaRPr>
-          </a:p>
-          <a:p>
-            <a:r>
-              <a:rPr lang="en-US" b="0" dirty="0">
-                <a:solidFill>
-                  <a:srgbClr val="D4D4D4"/>
-                </a:solidFill>
-                <a:effectLst/>
-                <a:latin typeface="Consolas" panose="020B0609020204030204" pitchFamily="49" charset="0"/>
-              </a:rPr>
-              <a:t>This power is only present in creatures who build societies. Did you ever watch The Dog Whisperer with Cesar Millan? If you did, try to remember what he wanted to achieve. He was the Pack Leader for the dog and taught owners how to do the same. He wanted the dog to be submissive. And this is exactly what you will have if you have formal power over someone – like a manager or a police officer. Someone who is high in social ranks, somehow culturally above someone else. But if you operate with this power, you will have submission and submission only. There is still very little creativity involved.</a:t>
-            </a:r>
-          </a:p>
-          <a:p>
-            <a:br>
-              <a:rPr lang="en-US" b="0" dirty="0">
-                <a:solidFill>
-                  <a:srgbClr val="D4D4D4"/>
-                </a:solidFill>
-                <a:effectLst/>
-                <a:latin typeface="Consolas" panose="020B0609020204030204" pitchFamily="49" charset="0"/>
-              </a:rPr>
-            </a:br>
-            <a:r>
-              <a:rPr lang="en-US" b="1" dirty="0">
-                <a:solidFill>
-                  <a:srgbClr val="569CD6"/>
-                </a:solidFill>
-                <a:effectLst/>
-                <a:latin typeface="Consolas" panose="020B0609020204030204" pitchFamily="49" charset="0"/>
-              </a:rPr>
-              <a:t>##### 4 Expert</a:t>
-            </a:r>
-            <a:endParaRPr lang="en-US" b="0" dirty="0">
-              <a:solidFill>
-                <a:srgbClr val="D4D4D4"/>
-              </a:solidFill>
-              <a:effectLst/>
-              <a:latin typeface="Consolas" panose="020B0609020204030204" pitchFamily="49" charset="0"/>
-            </a:endParaRPr>
-          </a:p>
-          <a:p>
-            <a:r>
-              <a:rPr lang="en-US" b="0" dirty="0">
-                <a:solidFill>
-                  <a:srgbClr val="D4D4D4"/>
-                </a:solidFill>
-                <a:effectLst/>
-                <a:latin typeface="Consolas" panose="020B0609020204030204" pitchFamily="49" charset="0"/>
-              </a:rPr>
-              <a:t>Expert power is something that can be described as being respected, because you know a lot or can do something. This is something that has not been observed in any creatures, besides human. Some researchers believe dolphins, elephants, apes and crows may exhibit that power as well, but no hard proof has been found yet.  Working with someone with that power over you, gives you wings to learn. You want to become just like this example someone, so you listen, follow footsteps and try to master this subject. This power gives you learning and conquering difficulties.</a:t>
-            </a:r>
-          </a:p>
-          <a:p>
-            <a:br>
-              <a:rPr lang="en-US" b="0" dirty="0">
-                <a:solidFill>
-                  <a:srgbClr val="D4D4D4"/>
-                </a:solidFill>
-                <a:effectLst/>
-                <a:latin typeface="Consolas" panose="020B0609020204030204" pitchFamily="49" charset="0"/>
-              </a:rPr>
-            </a:br>
-            <a:r>
-              <a:rPr lang="en-US" b="1" dirty="0">
-                <a:solidFill>
-                  <a:srgbClr val="569CD6"/>
-                </a:solidFill>
-                <a:effectLst/>
-                <a:latin typeface="Consolas" panose="020B0609020204030204" pitchFamily="49" charset="0"/>
-              </a:rPr>
-              <a:t>##### 5 Referent</a:t>
-            </a:r>
-            <a:endParaRPr lang="en-US" b="0" dirty="0">
-              <a:solidFill>
-                <a:srgbClr val="D4D4D4"/>
-              </a:solidFill>
-              <a:effectLst/>
-              <a:latin typeface="Consolas" panose="020B0609020204030204" pitchFamily="49" charset="0"/>
-            </a:endParaRPr>
-          </a:p>
-          <a:p>
-            <a:r>
-              <a:rPr lang="en-US" b="0" dirty="0">
-                <a:solidFill>
-                  <a:srgbClr val="D4D4D4"/>
-                </a:solidFill>
-                <a:effectLst/>
-                <a:latin typeface="Consolas" panose="020B0609020204030204" pitchFamily="49" charset="0"/>
-              </a:rPr>
-              <a:t>This is a power that’s closest to trust. In large quantities it’s perceived as Charisma. It’s something that produces good feelings and engagement. It’s a power that’s easiest to lose and hardest to gain. You feel that this person is just right, you follow their lead. It’s something good leaders have.</a:t>
-            </a:r>
-          </a:p>
-          <a:p>
-            <a:br>
-              <a:rPr lang="en-US" b="0" dirty="0">
-                <a:solidFill>
-                  <a:srgbClr val="D4D4D4"/>
-                </a:solidFill>
-                <a:effectLst/>
-                <a:latin typeface="Consolas" panose="020B0609020204030204" pitchFamily="49" charset="0"/>
-              </a:rPr>
-            </a:br>
-            <a:r>
-              <a:rPr lang="en-US" b="1" dirty="0">
-                <a:solidFill>
-                  <a:srgbClr val="569CD6"/>
-                </a:solidFill>
-                <a:effectLst/>
-                <a:latin typeface="Consolas" panose="020B0609020204030204" pitchFamily="49" charset="0"/>
-              </a:rPr>
-              <a:t>##### 6* Informational</a:t>
-            </a:r>
-            <a:endParaRPr lang="en-US" b="0" dirty="0">
-              <a:solidFill>
-                <a:srgbClr val="D4D4D4"/>
-              </a:solidFill>
-              <a:effectLst/>
-              <a:latin typeface="Consolas" panose="020B0609020204030204" pitchFamily="49" charset="0"/>
-            </a:endParaRPr>
-          </a:p>
-          <a:p>
-            <a:r>
-              <a:rPr lang="en-US" b="0" dirty="0">
-                <a:solidFill>
-                  <a:srgbClr val="D4D4D4"/>
-                </a:solidFill>
-                <a:effectLst/>
-                <a:latin typeface="Consolas" panose="020B0609020204030204" pitchFamily="49" charset="0"/>
-              </a:rPr>
-              <a:t>Why is there an asterisk here? Because this power was added later on, it wasn’t in the original research. This is a power that is present only in informational societies. Where having, withholding or manipulating information is possible. Some also argue if this is not only a different manifestation of a rewarding or coercive power. I will leave it for your consideration.</a:t>
-            </a:r>
-          </a:p>
-          <a:p>
-            <a:br>
-              <a:rPr lang="en-US" b="0" dirty="0">
-                <a:solidFill>
-                  <a:srgbClr val="D4D4D4"/>
-                </a:solidFill>
-                <a:effectLst/>
-                <a:latin typeface="Consolas" panose="020B0609020204030204" pitchFamily="49" charset="0"/>
-              </a:rPr>
-            </a:br>
-            <a:r>
-              <a:rPr lang="en-US" b="1" dirty="0">
-                <a:solidFill>
-                  <a:srgbClr val="569CD6"/>
-                </a:solidFill>
-                <a:effectLst/>
-                <a:latin typeface="Consolas" panose="020B0609020204030204" pitchFamily="49" charset="0"/>
-              </a:rPr>
-              <a:t>##### Why do I care?</a:t>
-            </a:r>
-            <a:endParaRPr lang="en-US" b="0" dirty="0">
-              <a:solidFill>
-                <a:srgbClr val="D4D4D4"/>
-              </a:solidFill>
-              <a:effectLst/>
-              <a:latin typeface="Consolas" panose="020B0609020204030204" pitchFamily="49" charset="0"/>
-            </a:endParaRPr>
-          </a:p>
-          <a:p>
-            <a:r>
-              <a:rPr lang="en-US" b="0" dirty="0">
-                <a:solidFill>
-                  <a:srgbClr val="D4D4D4"/>
-                </a:solidFill>
-                <a:effectLst/>
-                <a:latin typeface="Consolas" panose="020B0609020204030204" pitchFamily="49" charset="0"/>
-              </a:rPr>
-              <a:t>Because the higher the power number is, the harder it is to gain, but the bigger the benefits are. It’s easy to coerce someone to do something, threatening them to sack them or promising a yearly bonus.</a:t>
-            </a:r>
-          </a:p>
-          <a:p>
-            <a:br>
-              <a:rPr lang="en-US" b="0" dirty="0">
-                <a:solidFill>
-                  <a:srgbClr val="D4D4D4"/>
-                </a:solidFill>
-                <a:effectLst/>
-                <a:latin typeface="Consolas" panose="020B0609020204030204" pitchFamily="49" charset="0"/>
-              </a:rPr>
-            </a:br>
-            <a:r>
-              <a:rPr lang="en-US" b="0" dirty="0">
-                <a:solidFill>
-                  <a:srgbClr val="D4D4D4"/>
-                </a:solidFill>
-                <a:effectLst/>
-                <a:latin typeface="Consolas" panose="020B0609020204030204" pitchFamily="49" charset="0"/>
-              </a:rPr>
-              <a:t>Also because coercive and rewarding powers are encoded in our reptilian brain, they are our instincts and it’s extremely hard in a critical situation not to use them.  Same applies to given power – only if you give in to your instincts, the more primitive one will take over – the carrot and the stick.</a:t>
-            </a:r>
-          </a:p>
-          <a:p>
-            <a:br>
-              <a:rPr lang="en-US" b="0" dirty="0">
-                <a:solidFill>
-                  <a:srgbClr val="D4D4D4"/>
-                </a:solidFill>
-                <a:effectLst/>
-                <a:latin typeface="Consolas" panose="020B0609020204030204" pitchFamily="49" charset="0"/>
-              </a:rPr>
-            </a:br>
-            <a:r>
-              <a:rPr lang="en-US" b="0" dirty="0">
-                <a:solidFill>
-                  <a:srgbClr val="D4D4D4"/>
-                </a:solidFill>
-                <a:effectLst/>
-                <a:latin typeface="Consolas" panose="020B0609020204030204" pitchFamily="49" charset="0"/>
-              </a:rPr>
-              <a:t>And in critical situations we need creativity, learning and engagement the most – to quickly get out of that crisis.</a:t>
-            </a:r>
-          </a:p>
-          <a:p>
-            <a:br>
-              <a:rPr lang="en-US" b="0" dirty="0">
-                <a:solidFill>
-                  <a:srgbClr val="D4D4D4"/>
-                </a:solidFill>
-                <a:effectLst/>
-                <a:latin typeface="Consolas" panose="020B0609020204030204" pitchFamily="49" charset="0"/>
-              </a:rPr>
-            </a:br>
-            <a:r>
-              <a:rPr lang="en-US" b="0" dirty="0">
-                <a:solidFill>
-                  <a:srgbClr val="D4D4D4"/>
-                </a:solidFill>
-                <a:effectLst/>
-                <a:latin typeface="Consolas" panose="020B0609020204030204" pitchFamily="49" charset="0"/>
-              </a:rPr>
-              <a:t>That’s why Scrum Masters have to have Expert and Referent power but not formal, coercive or rewarding ones. So that they can get the most of people any </a:t>
-            </a:r>
-            <a:r>
-              <a:rPr lang="en-US" b="0" dirty="0" err="1">
-                <a:solidFill>
-                  <a:srgbClr val="D4D4D4"/>
-                </a:solidFill>
-                <a:effectLst/>
-                <a:latin typeface="Consolas" panose="020B0609020204030204" pitchFamily="49" charset="0"/>
-              </a:rPr>
-              <a:t>time.s</a:t>
-            </a:r>
-            <a:endParaRPr lang="en-US" b="0" dirty="0">
-              <a:solidFill>
-                <a:srgbClr val="D4D4D4"/>
-              </a:solidFill>
-              <a:effectLst/>
-              <a:latin typeface="Consolas" panose="020B0609020204030204" pitchFamily="49" charset="0"/>
-            </a:endParaRPr>
           </a:p>
           <a:p>
             <a:endParaRPr lang="en-US" dirty="0"/>
@@ -2911,7 +2850,7 @@
     </p:spTree>
     <p:extLst>
       <p:ext uri="{BB962C8B-B14F-4D97-AF65-F5344CB8AC3E}">
-        <p14:creationId xmlns:p14="http://schemas.microsoft.com/office/powerpoint/2010/main" val="164597181"/>
+        <p14:creationId xmlns:p14="http://schemas.microsoft.com/office/powerpoint/2010/main" val="1669297632"/>
       </p:ext>
     </p:extLst>
   </p:cSld>
@@ -2973,7 +2912,7 @@
                 <a:effectLst/>
                 <a:latin typeface="Consolas" panose="020B0609020204030204" pitchFamily="49" charset="0"/>
               </a:rPr>
-              <a:t>### Little Quits</a:t>
+              <a:t># Power Is Only Given</a:t>
             </a:r>
             <a:endParaRPr lang="en-US" b="0" dirty="0">
               <a:solidFill>
@@ -2992,7 +2931,19 @@
                 <a:effectLst/>
                 <a:latin typeface="Consolas" panose="020B0609020204030204" pitchFamily="49" charset="0"/>
               </a:rPr>
-              <a:t>It’s rare that one quits something big without first quitting many times on something small.</a:t>
+              <a:t>Being in charge means caring for those in your charge</a:t>
+            </a:r>
+          </a:p>
+          <a:p>
+            <a:r>
+              <a:rPr lang="en-US" b="0" dirty="0">
+                <a:solidFill>
+                  <a:srgbClr val="D4D4D4"/>
+                </a:solidFill>
+                <a:effectLst/>
+                <a:latin typeface="Consolas" panose="020B0609020204030204" pitchFamily="49" charset="0"/>
+              </a:rPr>
+              <a:t>The servant as leader vs the leader as servant</a:t>
             </a:r>
           </a:p>
           <a:p>
@@ -3013,7 +2964,47 @@
                 <a:effectLst/>
                 <a:latin typeface="Consolas" panose="020B0609020204030204" pitchFamily="49" charset="0"/>
               </a:rPr>
-              <a:t>Do you remember that essay project in school? It seemed so imposing until you wrote the first draft then got someone to give you feedback on it? Maybe it was something different, like quitting a habit. it seemed impossible until you saw a plan to ween yourself from a behavior and got someone to check up on your progress?</a:t>
+              <a:t>[</a:t>
+            </a:r>
+            <a:r>
+              <a:rPr lang="en-US" b="0" dirty="0">
+                <a:solidFill>
+                  <a:srgbClr val="CE9178"/>
+                </a:solidFill>
+                <a:effectLst/>
+                <a:latin typeface="Consolas" panose="020B0609020204030204" pitchFamily="49" charset="0"/>
+              </a:rPr>
+              <a:t>The Servant as Leader</a:t>
+            </a:r>
+            <a:r>
+              <a:rPr lang="en-US" b="0" dirty="0">
+                <a:solidFill>
+                  <a:srgbClr val="D4D4D4"/>
+                </a:solidFill>
+                <a:effectLst/>
+                <a:latin typeface="Consolas" panose="020B0609020204030204" pitchFamily="49" charset="0"/>
+              </a:rPr>
+              <a:t>](</a:t>
+            </a:r>
+            <a:r>
+              <a:rPr lang="en-US" b="0" u="sng" dirty="0">
+                <a:solidFill>
+                  <a:srgbClr val="D4D4D4"/>
+                </a:solidFill>
+                <a:effectLst/>
+                <a:latin typeface="Consolas" panose="020B0609020204030204" pitchFamily="49" charset="0"/>
+              </a:rPr>
+              <a:t>http://www.ediguys.net/Robert_K_Greenleaf_The_Servant_as_Leader.pdf</a:t>
+            </a:r>
+            <a:r>
+              <a:rPr lang="en-US" b="0" dirty="0">
+                <a:solidFill>
+                  <a:srgbClr val="D4D4D4"/>
+                </a:solidFill>
+                <a:effectLst/>
+                <a:latin typeface="Consolas" panose="020B0609020204030204" pitchFamily="49" charset="0"/>
+              </a:rPr>
+              <a:t>)</a:t>
             </a:r>
           </a:p>
           <a:p>
@@ -3034,7 +3025,111 @@
                 <a:effectLst/>
                 <a:latin typeface="Consolas" panose="020B0609020204030204" pitchFamily="49" charset="0"/>
               </a:rPr>
-              <a:t>If you’re like me, there are many little things that lead up to big things. Too often, I’m thwarted in the little things because I’m thinking of the big thing. The small thing is really not that hard but the big thing looms large and seems impossible. In these cases, I find myself quitting little and failing big.</a:t>
+              <a:t>[</a:t>
+            </a:r>
+            <a:r>
+              <a:rPr lang="en-US" b="0" dirty="0">
+                <a:solidFill>
+                  <a:srgbClr val="CE9178"/>
+                </a:solidFill>
+                <a:effectLst/>
+                <a:latin typeface="Consolas" panose="020B0609020204030204" pitchFamily="49" charset="0"/>
+              </a:rPr>
+              <a:t>6 Forms of Power</a:t>
+            </a:r>
+            <a:r>
+              <a:rPr lang="en-US" b="0" dirty="0">
+                <a:solidFill>
+                  <a:srgbClr val="D4D4D4"/>
+                </a:solidFill>
+                <a:effectLst/>
+                <a:latin typeface="Consolas" panose="020B0609020204030204" pitchFamily="49" charset="0"/>
+              </a:rPr>
+              <a:t>](</a:t>
+            </a:r>
+            <a:r>
+              <a:rPr lang="en-US" b="0" u="sng" dirty="0">
+                <a:solidFill>
+                  <a:srgbClr val="D4D4D4"/>
+                </a:solidFill>
+                <a:effectLst/>
+                <a:latin typeface="Consolas" panose="020B0609020204030204" pitchFamily="49" charset="0"/>
+              </a:rPr>
+              <a:t>https://controlyourchaos.wordpress.com/2013/12/17/scrum-masters-toolkit-french-ravens-5-6-forms-of-power/</a:t>
+            </a:r>
+            <a:r>
+              <a:rPr lang="en-US" b="0" dirty="0">
+                <a:solidFill>
+                  <a:srgbClr val="D4D4D4"/>
+                </a:solidFill>
+                <a:effectLst/>
+                <a:latin typeface="Consolas" panose="020B0609020204030204" pitchFamily="49" charset="0"/>
+              </a:rPr>
+              <a:t>)</a:t>
+            </a:r>
+          </a:p>
+          <a:p>
+            <a:r>
+              <a:rPr lang="en-US" b="0" dirty="0">
+                <a:solidFill>
+                  <a:srgbClr val="D4D4D4"/>
+                </a:solidFill>
+                <a:effectLst/>
+                <a:latin typeface="Consolas" panose="020B0609020204030204" pitchFamily="49" charset="0"/>
+              </a:rPr>
+              <a:t>[</a:t>
+            </a:r>
+            <a:r>
+              <a:rPr lang="en-US" b="0" dirty="0">
+                <a:solidFill>
+                  <a:srgbClr val="CE9178"/>
+                </a:solidFill>
+                <a:effectLst/>
+                <a:latin typeface="Consolas" panose="020B0609020204030204" pitchFamily="49" charset="0"/>
+              </a:rPr>
+              <a:t>Psychological Models in Scrum</a:t>
+            </a:r>
+            <a:r>
+              <a:rPr lang="en-US" b="0" dirty="0">
+                <a:solidFill>
+                  <a:srgbClr val="D4D4D4"/>
+                </a:solidFill>
+                <a:effectLst/>
+                <a:latin typeface="Consolas" panose="020B0609020204030204" pitchFamily="49" charset="0"/>
+              </a:rPr>
+              <a:t>](</a:t>
+            </a:r>
+            <a:r>
+              <a:rPr lang="en-US" b="0" u="sng" dirty="0">
+                <a:solidFill>
+                  <a:srgbClr val="D4D4D4"/>
+                </a:solidFill>
+                <a:effectLst/>
+                <a:latin typeface="Consolas" panose="020B0609020204030204" pitchFamily="49" charset="0"/>
+              </a:rPr>
+              <a:t>https://www.youtube.com/watch?v=fyDYpGCuvaA&amp;t=1322s</a:t>
+            </a:r>
+            <a:r>
+              <a:rPr lang="en-US" b="0" dirty="0">
+                <a:solidFill>
+                  <a:srgbClr val="D4D4D4"/>
+                </a:solidFill>
+                <a:effectLst/>
+                <a:latin typeface="Consolas" panose="020B0609020204030204" pitchFamily="49" charset="0"/>
+              </a:rPr>
+              <a:t>)</a:t>
+            </a:r>
+          </a:p>
+          <a:p>
+            <a:r>
+              <a:rPr lang="en-US" b="0" dirty="0">
+                <a:solidFill>
+                  <a:srgbClr val="D4D4D4"/>
+                </a:solidFill>
+                <a:effectLst/>
+                <a:latin typeface="Consolas" panose="020B0609020204030204" pitchFamily="49" charset="0"/>
+              </a:rPr>
+              <a:t>Gun to your head example.</a:t>
             </a:r>
           </a:p>
           <a:p>
@@ -3048,14 +3143,33 @@
               </a:rPr>
             </a:br>
             <a:r>
-              <a:rPr lang="en-US" b="0" dirty="0">
-                <a:solidFill>
-                  <a:srgbClr val="D4D4D4"/>
-                </a:solidFill>
-                <a:effectLst/>
-                <a:latin typeface="Consolas" panose="020B0609020204030204" pitchFamily="49" charset="0"/>
-              </a:rPr>
-              <a:t>I propose that when I fail big it’s because I quit little; little quits led to a big quit. I didn’t believe in the big triumph and therefore couldn’t believe in the success of the little.</a:t>
+              <a:rPr lang="en-US" b="1" dirty="0">
+                <a:solidFill>
+                  <a:srgbClr val="569CD6"/>
+                </a:solidFill>
+                <a:effectLst/>
+                <a:latin typeface="Consolas" panose="020B0609020204030204" pitchFamily="49" charset="0"/>
+              </a:rPr>
+              <a:t>##### 1 Reward and 2 Coercive</a:t>
+            </a:r>
+            <a:endParaRPr lang="en-US" b="0" dirty="0">
+              <a:solidFill>
+                <a:srgbClr val="D4D4D4"/>
+              </a:solidFill>
+              <a:effectLst/>
+              <a:latin typeface="Consolas" panose="020B0609020204030204" pitchFamily="49" charset="0"/>
+            </a:endParaRPr>
+          </a:p>
+          <a:p>
+            <a:r>
+              <a:rPr lang="en-US" b="0" dirty="0">
+                <a:solidFill>
+                  <a:srgbClr val="D4D4D4"/>
+                </a:solidFill>
+                <a:effectLst/>
+                <a:latin typeface="Consolas" panose="020B0609020204030204" pitchFamily="49" charset="0"/>
+              </a:rPr>
+              <a:t>These two forms are the most common in nature. Every animal is susceptible to those. Basically they mean that you can do something for someone in order to receive a reward or avoid punishment. This is exactly the carrot &amp; stick. If you use this power, you will get obedience. But nothing more. So if you want your dog to obey, you can give him or her treats to reinforce good behavior and punish bad. But remember, even if you do that , you might not be able to take control over your dog. Because when you turn around, the sausage will still disappear. Exactly the same applies to humans. If you reward and punish, everything will go towards what you reward and what you punish will be hidden. But apart from that, no creativity can be expected.</a:t>
             </a:r>
           </a:p>
           <a:p>
@@ -3069,14 +3183,256 @@
               </a:rPr>
             </a:br>
             <a:r>
-              <a:rPr lang="en-US" b="0" dirty="0">
-                <a:solidFill>
-                  <a:srgbClr val="D4D4D4"/>
-                </a:solidFill>
-                <a:effectLst/>
-                <a:latin typeface="Consolas" panose="020B0609020204030204" pitchFamily="49" charset="0"/>
-              </a:rPr>
-              <a:t>What if we reversed it? What if we start believing in the importance of the little things that seem possible rather than the big things that feel out of reach? We may find we succeed more and more in the little things and end up succeeding more and more in the </a:t>
+              <a:rPr lang="en-US" b="1" dirty="0">
+                <a:solidFill>
+                  <a:srgbClr val="569CD6"/>
+                </a:solidFill>
+                <a:effectLst/>
+                <a:latin typeface="Consolas" panose="020B0609020204030204" pitchFamily="49" charset="0"/>
+              </a:rPr>
+              <a:t>##### 3 Given / Formal / Legitimate</a:t>
+            </a:r>
+            <a:endParaRPr lang="en-US" b="0" dirty="0">
+              <a:solidFill>
+                <a:srgbClr val="D4D4D4"/>
+              </a:solidFill>
+              <a:effectLst/>
+              <a:latin typeface="Consolas" panose="020B0609020204030204" pitchFamily="49" charset="0"/>
+            </a:endParaRPr>
+          </a:p>
+          <a:p>
+            <a:r>
+              <a:rPr lang="en-US" b="0" dirty="0">
+                <a:solidFill>
+                  <a:srgbClr val="D4D4D4"/>
+                </a:solidFill>
+                <a:effectLst/>
+                <a:latin typeface="Consolas" panose="020B0609020204030204" pitchFamily="49" charset="0"/>
+              </a:rPr>
+              <a:t>This power is only present in creatures who build societies. Did you ever watch The Dog Whisperer with Cesar Millan? If you did, try to remember what he wanted to achieve. He was the Pack Leader for the dog and taught owners how to do the same. He wanted the dog to be submissive. And this is exactly what you will have if you have formal power over someone – like a manager or a police officer. Someone who is high in social ranks, somehow culturally above someone else. But if you operate with this power, you will have submission and submission only. There is still very little creativity involved.</a:t>
+            </a:r>
+          </a:p>
+          <a:p>
+            <a:br>
+              <a:rPr lang="en-US" b="0" dirty="0">
+                <a:solidFill>
+                  <a:srgbClr val="D4D4D4"/>
+                </a:solidFill>
+                <a:effectLst/>
+                <a:latin typeface="Consolas" panose="020B0609020204030204" pitchFamily="49" charset="0"/>
+              </a:rPr>
+            </a:br>
+            <a:r>
+              <a:rPr lang="en-US" b="1" dirty="0">
+                <a:solidFill>
+                  <a:srgbClr val="569CD6"/>
+                </a:solidFill>
+                <a:effectLst/>
+                <a:latin typeface="Consolas" panose="020B0609020204030204" pitchFamily="49" charset="0"/>
+              </a:rPr>
+              <a:t>##### 4 Expert</a:t>
+            </a:r>
+            <a:endParaRPr lang="en-US" b="0" dirty="0">
+              <a:solidFill>
+                <a:srgbClr val="D4D4D4"/>
+              </a:solidFill>
+              <a:effectLst/>
+              <a:latin typeface="Consolas" panose="020B0609020204030204" pitchFamily="49" charset="0"/>
+            </a:endParaRPr>
+          </a:p>
+          <a:p>
+            <a:r>
+              <a:rPr lang="en-US" b="0" dirty="0">
+                <a:solidFill>
+                  <a:srgbClr val="D4D4D4"/>
+                </a:solidFill>
+                <a:effectLst/>
+                <a:latin typeface="Consolas" panose="020B0609020204030204" pitchFamily="49" charset="0"/>
+              </a:rPr>
+              <a:t>Expert power is something that can be described as being respected, because you know a lot or can do something. This is something that has not been observed in any creatures, besides human. Some researchers believe dolphins, elephants, apes and crows may exhibit that power as well, but no hard proof has been found yet.  Working with someone with that power over you, gives you wings to learn. You want to become just like this example someone, so you listen, follow footsteps and try to master this subject. This power gives you learning and conquering difficulties.</a:t>
+            </a:r>
+          </a:p>
+          <a:p>
+            <a:br>
+              <a:rPr lang="en-US" b="0" dirty="0">
+                <a:solidFill>
+                  <a:srgbClr val="D4D4D4"/>
+                </a:solidFill>
+                <a:effectLst/>
+                <a:latin typeface="Consolas" panose="020B0609020204030204" pitchFamily="49" charset="0"/>
+              </a:rPr>
+            </a:br>
+            <a:r>
+              <a:rPr lang="en-US" b="1" dirty="0">
+                <a:solidFill>
+                  <a:srgbClr val="569CD6"/>
+                </a:solidFill>
+                <a:effectLst/>
+                <a:latin typeface="Consolas" panose="020B0609020204030204" pitchFamily="49" charset="0"/>
+              </a:rPr>
+              <a:t>##### 5 Referent</a:t>
+            </a:r>
+            <a:endParaRPr lang="en-US" b="0" dirty="0">
+              <a:solidFill>
+                <a:srgbClr val="D4D4D4"/>
+              </a:solidFill>
+              <a:effectLst/>
+              <a:latin typeface="Consolas" panose="020B0609020204030204" pitchFamily="49" charset="0"/>
+            </a:endParaRPr>
+          </a:p>
+          <a:p>
+            <a:r>
+              <a:rPr lang="en-US" b="0" dirty="0">
+                <a:solidFill>
+                  <a:srgbClr val="D4D4D4"/>
+                </a:solidFill>
+                <a:effectLst/>
+                <a:latin typeface="Consolas" panose="020B0609020204030204" pitchFamily="49" charset="0"/>
+              </a:rPr>
+              <a:t>This is a power that’s closest to trust. In large quantities it’s perceived as Charisma. It’s something that produces good feelings and engagement. It’s a power that’s easiest to lose and hardest to gain. You feel that this person is just right, you follow their lead. It’s something good leaders have.</a:t>
+            </a:r>
+          </a:p>
+          <a:p>
+            <a:br>
+              <a:rPr lang="en-US" b="0" dirty="0">
+                <a:solidFill>
+                  <a:srgbClr val="D4D4D4"/>
+                </a:solidFill>
+                <a:effectLst/>
+                <a:latin typeface="Consolas" panose="020B0609020204030204" pitchFamily="49" charset="0"/>
+              </a:rPr>
+            </a:br>
+            <a:r>
+              <a:rPr lang="en-US" b="1" dirty="0">
+                <a:solidFill>
+                  <a:srgbClr val="569CD6"/>
+                </a:solidFill>
+                <a:effectLst/>
+                <a:latin typeface="Consolas" panose="020B0609020204030204" pitchFamily="49" charset="0"/>
+              </a:rPr>
+              <a:t>##### 6* Informational</a:t>
+            </a:r>
+            <a:endParaRPr lang="en-US" b="0" dirty="0">
+              <a:solidFill>
+                <a:srgbClr val="D4D4D4"/>
+              </a:solidFill>
+              <a:effectLst/>
+              <a:latin typeface="Consolas" panose="020B0609020204030204" pitchFamily="49" charset="0"/>
+            </a:endParaRPr>
+          </a:p>
+          <a:p>
+            <a:r>
+              <a:rPr lang="en-US" b="0" dirty="0">
+                <a:solidFill>
+                  <a:srgbClr val="D4D4D4"/>
+                </a:solidFill>
+                <a:effectLst/>
+                <a:latin typeface="Consolas" panose="020B0609020204030204" pitchFamily="49" charset="0"/>
+              </a:rPr>
+              <a:t>Why is there an asterisk here? Because this power was added later on, it wasn’t in the original research. This is a power that is present only in informational societies. Where having, withholding or manipulating information is possible. Some also argue if this is not only a different manifestation of a rewarding or coercive power. I will leave it for your consideration.</a:t>
+            </a:r>
+          </a:p>
+          <a:p>
+            <a:br>
+              <a:rPr lang="en-US" b="0" dirty="0">
+                <a:solidFill>
+                  <a:srgbClr val="D4D4D4"/>
+                </a:solidFill>
+                <a:effectLst/>
+                <a:latin typeface="Consolas" panose="020B0609020204030204" pitchFamily="49" charset="0"/>
+              </a:rPr>
+            </a:br>
+            <a:r>
+              <a:rPr lang="en-US" b="1" dirty="0">
+                <a:solidFill>
+                  <a:srgbClr val="569CD6"/>
+                </a:solidFill>
+                <a:effectLst/>
+                <a:latin typeface="Consolas" panose="020B0609020204030204" pitchFamily="49" charset="0"/>
+              </a:rPr>
+              <a:t>##### Why do I care?</a:t>
+            </a:r>
+            <a:endParaRPr lang="en-US" b="0" dirty="0">
+              <a:solidFill>
+                <a:srgbClr val="D4D4D4"/>
+              </a:solidFill>
+              <a:effectLst/>
+              <a:latin typeface="Consolas" panose="020B0609020204030204" pitchFamily="49" charset="0"/>
+            </a:endParaRPr>
+          </a:p>
+          <a:p>
+            <a:r>
+              <a:rPr lang="en-US" b="0" dirty="0">
+                <a:solidFill>
+                  <a:srgbClr val="D4D4D4"/>
+                </a:solidFill>
+                <a:effectLst/>
+                <a:latin typeface="Consolas" panose="020B0609020204030204" pitchFamily="49" charset="0"/>
+              </a:rPr>
+              <a:t>Because the higher the power number is, the harder it is to gain, but the bigger the benefits are. It’s easy to coerce someone to do something, threatening them to sack them or promising a yearly bonus.</a:t>
+            </a:r>
+          </a:p>
+          <a:p>
+            <a:br>
+              <a:rPr lang="en-US" b="0" dirty="0">
+                <a:solidFill>
+                  <a:srgbClr val="D4D4D4"/>
+                </a:solidFill>
+                <a:effectLst/>
+                <a:latin typeface="Consolas" panose="020B0609020204030204" pitchFamily="49" charset="0"/>
+              </a:rPr>
+            </a:br>
+            <a:r>
+              <a:rPr lang="en-US" b="0" dirty="0">
+                <a:solidFill>
+                  <a:srgbClr val="D4D4D4"/>
+                </a:solidFill>
+                <a:effectLst/>
+                <a:latin typeface="Consolas" panose="020B0609020204030204" pitchFamily="49" charset="0"/>
+              </a:rPr>
+              <a:t>Also because coercive and rewarding powers are encoded in our reptilian brain, they are our instincts and it’s extremely hard in a critical situation not to use them.  Same applies to given power – only if you give in to your instincts, the more primitive one will take over – the carrot and the stick.</a:t>
+            </a:r>
+          </a:p>
+          <a:p>
+            <a:br>
+              <a:rPr lang="en-US" b="0" dirty="0">
+                <a:solidFill>
+                  <a:srgbClr val="D4D4D4"/>
+                </a:solidFill>
+                <a:effectLst/>
+                <a:latin typeface="Consolas" panose="020B0609020204030204" pitchFamily="49" charset="0"/>
+              </a:rPr>
+            </a:br>
+            <a:r>
+              <a:rPr lang="en-US" b="0" dirty="0">
+                <a:solidFill>
+                  <a:srgbClr val="D4D4D4"/>
+                </a:solidFill>
+                <a:effectLst/>
+                <a:latin typeface="Consolas" panose="020B0609020204030204" pitchFamily="49" charset="0"/>
+              </a:rPr>
+              <a:t>And in critical situations we need creativity, learning and engagement the most – to quickly get out of that crisis.</a:t>
+            </a:r>
+          </a:p>
+          <a:p>
+            <a:br>
+              <a:rPr lang="en-US" b="0" dirty="0">
+                <a:solidFill>
+                  <a:srgbClr val="D4D4D4"/>
+                </a:solidFill>
+                <a:effectLst/>
+                <a:latin typeface="Consolas" panose="020B0609020204030204" pitchFamily="49" charset="0"/>
+              </a:rPr>
+            </a:br>
+            <a:r>
+              <a:rPr lang="en-US" b="0" dirty="0">
+                <a:solidFill>
+                  <a:srgbClr val="D4D4D4"/>
+                </a:solidFill>
+                <a:effectLst/>
+                <a:latin typeface="Consolas" panose="020B0609020204030204" pitchFamily="49" charset="0"/>
+              </a:rPr>
+              <a:t>That’s why Scrum Masters have to have Expert and Referent power but not formal, coercive or rewarding ones. So that they can get the most of people any </a:t>
             </a:r>
             <a:r>
               <a:rPr lang="en-US" b="0" dirty="0" err="1">
@@ -3086,63 +3442,15 @@
                 <a:effectLst/>
                 <a:latin typeface="Consolas" panose="020B0609020204030204" pitchFamily="49" charset="0"/>
               </a:rPr>
-              <a:t>bigs</a:t>
-            </a:r>
-            <a:r>
-              <a:rPr lang="en-US" b="0" dirty="0">
-                <a:solidFill>
-                  <a:srgbClr val="D4D4D4"/>
-                </a:solidFill>
-                <a:effectLst/>
-                <a:latin typeface="Consolas" panose="020B0609020204030204" pitchFamily="49" charset="0"/>
-              </a:rPr>
-              <a:t>.</a:t>
-            </a:r>
-          </a:p>
-          <a:p>
-            <a:br>
-              <a:rPr lang="en-US" b="0" dirty="0">
-                <a:solidFill>
-                  <a:srgbClr val="D4D4D4"/>
-                </a:solidFill>
-                <a:effectLst/>
-                <a:latin typeface="Consolas" panose="020B0609020204030204" pitchFamily="49" charset="0"/>
-              </a:rPr>
-            </a:br>
-            <a:r>
-              <a:rPr lang="en-US" b="0" dirty="0">
-                <a:solidFill>
-                  <a:srgbClr val="D4D4D4"/>
-                </a:solidFill>
-                <a:effectLst/>
-                <a:latin typeface="Consolas" panose="020B0609020204030204" pitchFamily="49" charset="0"/>
-              </a:rPr>
-              <a:t>Start saying no to the little quits, and you start saying yes to the big successes.</a:t>
-            </a:r>
-          </a:p>
-          <a:p>
-            <a:br>
-              <a:rPr lang="en-US" b="0" dirty="0">
-                <a:solidFill>
-                  <a:srgbClr val="D4D4D4"/>
-                </a:solidFill>
-                <a:effectLst/>
-                <a:latin typeface="Consolas" panose="020B0609020204030204" pitchFamily="49" charset="0"/>
-              </a:rPr>
-            </a:br>
-            <a:r>
-              <a:rPr lang="en-US" b="0" dirty="0">
-                <a:solidFill>
-                  <a:srgbClr val="D4D4D4"/>
-                </a:solidFill>
-                <a:effectLst/>
-                <a:latin typeface="Consolas" panose="020B0609020204030204" pitchFamily="49" charset="0"/>
-              </a:rPr>
-              <a:t>What are your little quits?</a:t>
-            </a:r>
-          </a:p>
-          <a:p>
-            <a:endParaRPr lang="en-US" dirty="0"/>
+              <a:t>time.s</a:t>
+            </a:r>
+            <a:endParaRPr lang="en-US" b="0" dirty="0">
+              <a:solidFill>
+                <a:srgbClr val="D4D4D4"/>
+              </a:solidFill>
+              <a:effectLst/>
+              <a:latin typeface="Consolas" panose="020B0609020204030204" pitchFamily="49" charset="0"/>
+            </a:endParaRPr>
           </a:p>
           <a:p>
             <a:endParaRPr lang="en-US" dirty="0"/>
@@ -3175,7 +3483,7 @@
     </p:spTree>
     <p:extLst>
       <p:ext uri="{BB962C8B-B14F-4D97-AF65-F5344CB8AC3E}">
-        <p14:creationId xmlns:p14="http://schemas.microsoft.com/office/powerpoint/2010/main" val="2563164741"/>
+        <p14:creationId xmlns:p14="http://schemas.microsoft.com/office/powerpoint/2010/main" val="164597181"/>
       </p:ext>
     </p:extLst>
   </p:cSld>
@@ -3230,39 +3538,183 @@
           <a:lstStyle/>
           <a:p>
             <a:r>
-              <a:rPr lang="en-US" b="0" dirty="0">
-                <a:solidFill>
-                  <a:srgbClr val="D4D4D4"/>
-                </a:solidFill>
-                <a:effectLst/>
-                <a:latin typeface="Consolas" panose="020B0609020204030204" pitchFamily="49" charset="0"/>
-              </a:rPr>
-              <a:t>A bad system beats a good man every day. - Deming</a:t>
-            </a:r>
-          </a:p>
-          <a:p>
-            <a:r>
-              <a:rPr lang="en-US" b="0" dirty="0">
-                <a:solidFill>
-                  <a:srgbClr val="D4D4D4"/>
-                </a:solidFill>
-                <a:effectLst/>
-                <a:latin typeface="Consolas" panose="020B0609020204030204" pitchFamily="49" charset="0"/>
-              </a:rPr>
-              <a:t>Any fool can make a short term profit.</a:t>
-            </a:r>
-          </a:p>
-          <a:p>
-            <a:r>
-              <a:rPr lang="en-US" b="0" dirty="0">
-                <a:solidFill>
-                  <a:srgbClr val="D4D4D4"/>
-                </a:solidFill>
-                <a:effectLst/>
-                <a:latin typeface="Consolas" panose="020B0609020204030204" pitchFamily="49" charset="0"/>
-              </a:rPr>
-              <a:t>My personal success give me a raise; my team's success threatens my personal success</a:t>
-            </a:r>
+              <a:rPr lang="en-US" b="1" dirty="0">
+                <a:solidFill>
+                  <a:srgbClr val="569CD6"/>
+                </a:solidFill>
+                <a:effectLst/>
+                <a:latin typeface="Consolas" panose="020B0609020204030204" pitchFamily="49" charset="0"/>
+              </a:rPr>
+              <a:t>### Little Quits</a:t>
+            </a:r>
+            <a:endParaRPr lang="en-US" b="0" dirty="0">
+              <a:solidFill>
+                <a:srgbClr val="D4D4D4"/>
+              </a:solidFill>
+              <a:effectLst/>
+              <a:latin typeface="Consolas" panose="020B0609020204030204" pitchFamily="49" charset="0"/>
+            </a:endParaRPr>
+          </a:p>
+          <a:p>
+            <a:r>
+              <a:rPr lang="en-US" b="0" dirty="0">
+                <a:solidFill>
+                  <a:srgbClr val="D4D4D4"/>
+                </a:solidFill>
+                <a:effectLst/>
+                <a:latin typeface="Consolas" panose="020B0609020204030204" pitchFamily="49" charset="0"/>
+              </a:rPr>
+              <a:t>It’s rare that one quits something big without first quitting many times on something small.</a:t>
+            </a:r>
+          </a:p>
+          <a:p>
+            <a:br>
+              <a:rPr lang="en-US" b="0" dirty="0">
+                <a:solidFill>
+                  <a:srgbClr val="D4D4D4"/>
+                </a:solidFill>
+                <a:effectLst/>
+                <a:latin typeface="Consolas" panose="020B0609020204030204" pitchFamily="49" charset="0"/>
+              </a:rPr>
+            </a:br>
+            <a:r>
+              <a:rPr lang="en-US" b="0" dirty="0">
+                <a:solidFill>
+                  <a:srgbClr val="D4D4D4"/>
+                </a:solidFill>
+                <a:effectLst/>
+                <a:latin typeface="Consolas" panose="020B0609020204030204" pitchFamily="49" charset="0"/>
+              </a:rPr>
+              <a:t>Do you remember that essay project in school? It seemed so imposing until you wrote the first draft then got someone to give you feedback on it? Maybe it was something different, like quitting a habit. it seemed impossible until you saw a plan to ween yourself from a behavior and got someone to check up on your progress?</a:t>
+            </a:r>
+          </a:p>
+          <a:p>
+            <a:br>
+              <a:rPr lang="en-US" b="0" dirty="0">
+                <a:solidFill>
+                  <a:srgbClr val="D4D4D4"/>
+                </a:solidFill>
+                <a:effectLst/>
+                <a:latin typeface="Consolas" panose="020B0609020204030204" pitchFamily="49" charset="0"/>
+              </a:rPr>
+            </a:br>
+            <a:r>
+              <a:rPr lang="en-US" b="0" dirty="0">
+                <a:solidFill>
+                  <a:srgbClr val="D4D4D4"/>
+                </a:solidFill>
+                <a:effectLst/>
+                <a:latin typeface="Consolas" panose="020B0609020204030204" pitchFamily="49" charset="0"/>
+              </a:rPr>
+              <a:t>If you’re like me, there are many little things that lead up to big things. Too often, I’m thwarted in the little things because I’m thinking of the big thing. The small thing is really not that hard but the big thing looms large and seems impossible. In these cases, I find myself quitting little and failing big.</a:t>
+            </a:r>
+          </a:p>
+          <a:p>
+            <a:br>
+              <a:rPr lang="en-US" b="0" dirty="0">
+                <a:solidFill>
+                  <a:srgbClr val="D4D4D4"/>
+                </a:solidFill>
+                <a:effectLst/>
+                <a:latin typeface="Consolas" panose="020B0609020204030204" pitchFamily="49" charset="0"/>
+              </a:rPr>
+            </a:br>
+            <a:r>
+              <a:rPr lang="en-US" b="0" dirty="0">
+                <a:solidFill>
+                  <a:srgbClr val="D4D4D4"/>
+                </a:solidFill>
+                <a:effectLst/>
+                <a:latin typeface="Consolas" panose="020B0609020204030204" pitchFamily="49" charset="0"/>
+              </a:rPr>
+              <a:t>I propose that when I fail big it’s because I quit little; little quits led to a big quit. I didn’t believe in the big triumph and therefore couldn’t believe in the success of the little.</a:t>
+            </a:r>
+          </a:p>
+          <a:p>
+            <a:br>
+              <a:rPr lang="en-US" b="0" dirty="0">
+                <a:solidFill>
+                  <a:srgbClr val="D4D4D4"/>
+                </a:solidFill>
+                <a:effectLst/>
+                <a:latin typeface="Consolas" panose="020B0609020204030204" pitchFamily="49" charset="0"/>
+              </a:rPr>
+            </a:br>
+            <a:r>
+              <a:rPr lang="en-US" b="0" dirty="0">
+                <a:solidFill>
+                  <a:srgbClr val="D4D4D4"/>
+                </a:solidFill>
+                <a:effectLst/>
+                <a:latin typeface="Consolas" panose="020B0609020204030204" pitchFamily="49" charset="0"/>
+              </a:rPr>
+              <a:t>What if we reversed it? What if we start believing in the importance of the little things that seem possible rather than the big things that feel out of reach? We may find we succeed more and more in the little things and end up succeeding more and more in the </a:t>
+            </a:r>
+            <a:r>
+              <a:rPr lang="en-US" b="0" dirty="0" err="1">
+                <a:solidFill>
+                  <a:srgbClr val="D4D4D4"/>
+                </a:solidFill>
+                <a:effectLst/>
+                <a:latin typeface="Consolas" panose="020B0609020204030204" pitchFamily="49" charset="0"/>
+              </a:rPr>
+              <a:t>bigs</a:t>
+            </a:r>
+            <a:r>
+              <a:rPr lang="en-US" b="0" dirty="0">
+                <a:solidFill>
+                  <a:srgbClr val="D4D4D4"/>
+                </a:solidFill>
+                <a:effectLst/>
+                <a:latin typeface="Consolas" panose="020B0609020204030204" pitchFamily="49" charset="0"/>
+              </a:rPr>
+              <a:t>.</a:t>
+            </a:r>
+          </a:p>
+          <a:p>
+            <a:br>
+              <a:rPr lang="en-US" b="0" dirty="0">
+                <a:solidFill>
+                  <a:srgbClr val="D4D4D4"/>
+                </a:solidFill>
+                <a:effectLst/>
+                <a:latin typeface="Consolas" panose="020B0609020204030204" pitchFamily="49" charset="0"/>
+              </a:rPr>
+            </a:br>
+            <a:r>
+              <a:rPr lang="en-US" b="0" dirty="0">
+                <a:solidFill>
+                  <a:srgbClr val="D4D4D4"/>
+                </a:solidFill>
+                <a:effectLst/>
+                <a:latin typeface="Consolas" panose="020B0609020204030204" pitchFamily="49" charset="0"/>
+              </a:rPr>
+              <a:t>Start saying no to the little quits, and you start saying yes to the big successes.</a:t>
+            </a:r>
+          </a:p>
+          <a:p>
+            <a:br>
+              <a:rPr lang="en-US" b="0" dirty="0">
+                <a:solidFill>
+                  <a:srgbClr val="D4D4D4"/>
+                </a:solidFill>
+                <a:effectLst/>
+                <a:latin typeface="Consolas" panose="020B0609020204030204" pitchFamily="49" charset="0"/>
+              </a:rPr>
+            </a:br>
+            <a:r>
+              <a:rPr lang="en-US" b="0" dirty="0">
+                <a:solidFill>
+                  <a:srgbClr val="D4D4D4"/>
+                </a:solidFill>
+                <a:effectLst/>
+                <a:latin typeface="Consolas" panose="020B0609020204030204" pitchFamily="49" charset="0"/>
+              </a:rPr>
+              <a:t>What are your little quits?</a:t>
+            </a:r>
+          </a:p>
+          <a:p>
+            <a:endParaRPr lang="en-US" dirty="0"/>
           </a:p>
           <a:p>
             <a:endParaRPr lang="en-US" dirty="0"/>
@@ -3295,7 +3747,7 @@
     </p:spTree>
     <p:extLst>
       <p:ext uri="{BB962C8B-B14F-4D97-AF65-F5344CB8AC3E}">
-        <p14:creationId xmlns:p14="http://schemas.microsoft.com/office/powerpoint/2010/main" val="3615407444"/>
+        <p14:creationId xmlns:p14="http://schemas.microsoft.com/office/powerpoint/2010/main" val="2563164741"/>
       </p:ext>
     </p:extLst>
   </p:cSld>
@@ -3350,9 +3802,42 @@
           <a:lstStyle/>
           <a:p>
             <a:r>
-              <a:rPr lang="en-US" dirty="0"/>
-              <a:t>Now that you’ve seen how to kill continuous improvement, here’s how I’ve learned to encourage and sustain continuous improvement</a:t>
-            </a:r>
+              <a:rPr lang="en-US" b="0" dirty="0">
+                <a:solidFill>
+                  <a:srgbClr val="D4D4D4"/>
+                </a:solidFill>
+                <a:effectLst/>
+                <a:latin typeface="Consolas" panose="020B0609020204030204" pitchFamily="49" charset="0"/>
+              </a:rPr>
+              <a:t>A bad system beats a good man every day. - Deming</a:t>
+            </a:r>
+          </a:p>
+          <a:p>
+            <a:r>
+              <a:rPr lang="en-US" b="0" dirty="0">
+                <a:solidFill>
+                  <a:srgbClr val="D4D4D4"/>
+                </a:solidFill>
+                <a:effectLst/>
+                <a:latin typeface="Consolas" panose="020B0609020204030204" pitchFamily="49" charset="0"/>
+              </a:rPr>
+              <a:t>Any fool can make a short term profit.</a:t>
+            </a:r>
+          </a:p>
+          <a:p>
+            <a:r>
+              <a:rPr lang="en-US" b="0" dirty="0">
+                <a:solidFill>
+                  <a:srgbClr val="D4D4D4"/>
+                </a:solidFill>
+                <a:effectLst/>
+                <a:latin typeface="Consolas" panose="020B0609020204030204" pitchFamily="49" charset="0"/>
+              </a:rPr>
+              <a:t>My personal success give me a raise; my team's success threatens my personal success</a:t>
+            </a:r>
+          </a:p>
+          <a:p>
+            <a:endParaRPr lang="en-US" dirty="0"/>
           </a:p>
         </p:txBody>
       </p:sp>
@@ -3382,7 +3867,7 @@
     </p:spTree>
     <p:extLst>
       <p:ext uri="{BB962C8B-B14F-4D97-AF65-F5344CB8AC3E}">
-        <p14:creationId xmlns:p14="http://schemas.microsoft.com/office/powerpoint/2010/main" val="1408064101"/>
+        <p14:creationId xmlns:p14="http://schemas.microsoft.com/office/powerpoint/2010/main" val="3615407444"/>
       </p:ext>
     </p:extLst>
   </p:cSld>
@@ -3444,27 +3929,7 @@
                 <a:effectLst/>
                 <a:latin typeface="Consolas" panose="020B0609020204030204" pitchFamily="49" charset="0"/>
               </a:rPr>
-              <a:t>Reality defies simple explanation. It's easy to think of agility as a hare. Quick, nimble, energetic, explosive, tight corners, </a:t>
-            </a:r>
-            <a:r>
-              <a:rPr lang="en-US" b="0" dirty="0" err="1">
-                <a:solidFill>
-                  <a:srgbClr val="D4D4D4"/>
-                </a:solidFill>
-                <a:effectLst/>
-                <a:latin typeface="Consolas" panose="020B0609020204030204" pitchFamily="49" charset="0"/>
-              </a:rPr>
-              <a:t>etc</a:t>
-            </a:r>
-            <a:r>
-              <a:rPr lang="en-US" b="0" dirty="0">
-                <a:solidFill>
-                  <a:srgbClr val="D4D4D4"/>
-                </a:solidFill>
-                <a:effectLst/>
-                <a:latin typeface="Consolas" panose="020B0609020204030204" pitchFamily="49" charset="0"/>
-              </a:rPr>
-              <a:t>, etc. It's easy to think of big, stilted organizations as the tortoise. Slow, heavy, 0-60 maybe. Yet this story presents a paradoxical truth: that focus and determination can produce can produce remarkable results.</a:t>
+              <a:t>There's an old story that many of you have heard before. </a:t>
             </a:r>
           </a:p>
           <a:p>
@@ -3485,47 +3950,7 @@
                 <a:effectLst/>
                 <a:latin typeface="Consolas" panose="020B0609020204030204" pitchFamily="49" charset="0"/>
               </a:rPr>
-              <a:t>The </a:t>
-            </a:r>
-            <a:r>
-              <a:rPr lang="en-US" b="0" dirty="0" err="1">
-                <a:solidFill>
-                  <a:srgbClr val="D4D4D4"/>
-                </a:solidFill>
-                <a:effectLst/>
-                <a:latin typeface="Consolas" panose="020B0609020204030204" pitchFamily="49" charset="0"/>
-              </a:rPr>
-              <a:t>sotry</a:t>
-            </a:r>
-            <a:r>
-              <a:rPr lang="en-US" b="0" dirty="0">
-                <a:solidFill>
-                  <a:srgbClr val="D4D4D4"/>
-                </a:solidFill>
-                <a:effectLst/>
-                <a:latin typeface="Consolas" panose="020B0609020204030204" pitchFamily="49" charset="0"/>
-              </a:rPr>
-              <a:t> of my time at BOKF is a bit like the tortoise. There's no hare in my story like there was in the fable. We market position was and remains seemingly stable. But that's what makes our progress even more remarkable. Who keeps pushing constantly? The team that feels under threat by a rival competitor, not the insulated team with a successful product inside a company that's </a:t>
-            </a:r>
-            <a:r>
-              <a:rPr lang="en-US" b="0" dirty="0" err="1">
-                <a:solidFill>
-                  <a:srgbClr val="D4D4D4"/>
-                </a:solidFill>
-                <a:effectLst/>
-                <a:latin typeface="Consolas" panose="020B0609020204030204" pitchFamily="49" charset="0"/>
-              </a:rPr>
-              <a:t>surved</a:t>
-            </a:r>
-            <a:r>
-              <a:rPr lang="en-US" b="0" dirty="0">
-                <a:solidFill>
-                  <a:srgbClr val="D4D4D4"/>
-                </a:solidFill>
-                <a:effectLst/>
-                <a:latin typeface="Consolas" panose="020B0609020204030204" pitchFamily="49" charset="0"/>
-              </a:rPr>
-              <a:t> over a hundred years. We have every reason to take it easy. Why bother? Leave well enough along. IF IT AIN'T BROKE, DON'T FIX IT!</a:t>
+              <a:t>A Hare was making fun of the Tortoise one day for being so slow.</a:t>
             </a:r>
           </a:p>
           <a:p>
@@ -3546,27 +3971,91 @@
                 <a:effectLst/>
                 <a:latin typeface="Consolas" panose="020B0609020204030204" pitchFamily="49" charset="0"/>
               </a:rPr>
-              <a:t>For those of you know who me, you know the passion I have for calling people forth to improve and change things for the better. Faced with many seemingly intractable problems, my frustrations can get the better of me causing me to disengage. With this team however, what seem like intractable problems at first glance, proved to be anything but. Almost as bad as "If it </a:t>
-            </a:r>
-            <a:r>
-              <a:rPr lang="en-US" b="0" dirty="0" err="1">
-                <a:solidFill>
-                  <a:srgbClr val="D4D4D4"/>
-                </a:solidFill>
-                <a:effectLst/>
-                <a:latin typeface="Consolas" panose="020B0609020204030204" pitchFamily="49" charset="0"/>
-              </a:rPr>
-              <a:t>ain't</a:t>
-            </a:r>
-            <a:r>
-              <a:rPr lang="en-US" b="0" dirty="0">
-                <a:solidFill>
-                  <a:srgbClr val="D4D4D4"/>
-                </a:solidFill>
-                <a:effectLst/>
-                <a:latin typeface="Consolas" panose="020B0609020204030204" pitchFamily="49" charset="0"/>
-              </a:rPr>
-              <a:t> broke, don't fix it" is the sentiment I've encountered often, "It'll never change." Both act to sap the motivation. One denies a problem, the other denies hope. My job, as it turns out was to illustrate problems and jealously guard hope.</a:t>
+              <a:t>"Do you ever get anywhere?" he asked with a mocking laugh.</a:t>
+            </a:r>
+          </a:p>
+          <a:p>
+            <a:br>
+              <a:rPr lang="en-US" b="0" dirty="0">
+                <a:solidFill>
+                  <a:srgbClr val="D4D4D4"/>
+                </a:solidFill>
+                <a:effectLst/>
+                <a:latin typeface="Consolas" panose="020B0609020204030204" pitchFamily="49" charset="0"/>
+              </a:rPr>
+            </a:br>
+            <a:r>
+              <a:rPr lang="en-US" b="0" dirty="0">
+                <a:solidFill>
+                  <a:srgbClr val="D4D4D4"/>
+                </a:solidFill>
+                <a:effectLst/>
+                <a:latin typeface="Consolas" panose="020B0609020204030204" pitchFamily="49" charset="0"/>
+              </a:rPr>
+              <a:t>"Yes," replied the Tortoise, "and I get there sooner than you think. I'll run you a race and prove it."</a:t>
+            </a:r>
+          </a:p>
+          <a:p>
+            <a:br>
+              <a:rPr lang="en-US" b="0" dirty="0">
+                <a:solidFill>
+                  <a:srgbClr val="D4D4D4"/>
+                </a:solidFill>
+                <a:effectLst/>
+                <a:latin typeface="Consolas" panose="020B0609020204030204" pitchFamily="49" charset="0"/>
+              </a:rPr>
+            </a:br>
+            <a:r>
+              <a:rPr lang="en-US" b="0" dirty="0">
+                <a:solidFill>
+                  <a:srgbClr val="D4D4D4"/>
+                </a:solidFill>
+                <a:effectLst/>
+                <a:latin typeface="Consolas" panose="020B0609020204030204" pitchFamily="49" charset="0"/>
+              </a:rPr>
+              <a:t>The Hare was much amused at the idea of running a race with the Tortoise, but for the fun of the thing he agreed. So the Fox, who had consented to act as judge, marked the distance and started the runners off.</a:t>
+            </a:r>
+          </a:p>
+          <a:p>
+            <a:br>
+              <a:rPr lang="en-US" b="0" dirty="0">
+                <a:solidFill>
+                  <a:srgbClr val="D4D4D4"/>
+                </a:solidFill>
+                <a:effectLst/>
+                <a:latin typeface="Consolas" panose="020B0609020204030204" pitchFamily="49" charset="0"/>
+              </a:rPr>
+            </a:br>
+            <a:r>
+              <a:rPr lang="en-US" b="0" dirty="0">
+                <a:solidFill>
+                  <a:srgbClr val="D4D4D4"/>
+                </a:solidFill>
+                <a:effectLst/>
+                <a:latin typeface="Consolas" panose="020B0609020204030204" pitchFamily="49" charset="0"/>
+              </a:rPr>
+              <a:t>The Hare was soon far out of sight, and to make the Tortoise feel very deeply how ridiculous it was for him to try a race with a Hare, he lay down beside the course to take a nap until the Tortoise should catch up.</a:t>
+            </a:r>
+          </a:p>
+          <a:p>
+            <a:br>
+              <a:rPr lang="en-US" b="0" dirty="0">
+                <a:solidFill>
+                  <a:srgbClr val="D4D4D4"/>
+                </a:solidFill>
+                <a:effectLst/>
+                <a:latin typeface="Consolas" panose="020B0609020204030204" pitchFamily="49" charset="0"/>
+              </a:rPr>
+            </a:br>
+            <a:r>
+              <a:rPr lang="en-US" b="0" dirty="0">
+                <a:solidFill>
+                  <a:srgbClr val="D4D4D4"/>
+                </a:solidFill>
+                <a:effectLst/>
+                <a:latin typeface="Consolas" panose="020B0609020204030204" pitchFamily="49" charset="0"/>
+              </a:rPr>
+              <a:t>The Tortoise meanwhile kept going slowly but steadily, and, after a time, passed the place where the Hare was sleeping. But the Hare slept on very peacefully; and when at last he did wake up, the Tortoise was near the goal. The Hare now ran his swiftest, but he could not overtake the Tortoise in time.</a:t>
             </a:r>
           </a:p>
           <a:p>
@@ -3591,7 +4080,7 @@
           <a:p>
             <a:fld id="{68AD085A-CE2C-4AF4-96B5-9AB734DA641A}" type="slidenum">
               <a:rPr lang="en-US" smtClean="0"/>
-              <a:t>3</a:t>
+              <a:t>2</a:t>
             </a:fld>
             <a:endParaRPr lang="en-US"/>
           </a:p>
@@ -3600,7 +4089,7 @@
     </p:spTree>
     <p:extLst>
       <p:ext uri="{BB962C8B-B14F-4D97-AF65-F5344CB8AC3E}">
-        <p14:creationId xmlns:p14="http://schemas.microsoft.com/office/powerpoint/2010/main" val="1534710382"/>
+        <p14:creationId xmlns:p14="http://schemas.microsoft.com/office/powerpoint/2010/main" val="179270571"/>
       </p:ext>
     </p:extLst>
   </p:cSld>
@@ -3656,7 +4145,7 @@
           <a:p>
             <a:r>
               <a:rPr lang="en-US" dirty="0"/>
-              <a:t>I’ve been given great power to influence, teach and coach. When an opportunity arises, I use that power gently. The picture of gentleness here is like one who has a sword and knows how to use it but keeps it sheathed. I do my best to choose moments wisely and act with restraint. If I make too many mistakes, I’ll quickly lose trust and those who have given me power over them will take it back. I’m careful to check for alignment and hesitance. I’m quick to understand rather than lecture. I watch carefully for the interplay between ability and willingness to know when to support and when to direct. After directing, I’m on the hunt for the moment when the training wheels need to come off – for the moment when I should back off.</a:t>
+              <a:t>Now that you’ve seen how to kill continuous improvement, here’s how I’ve learned to encourage and sustain continuous improvement</a:t>
             </a:r>
           </a:p>
         </p:txBody>
@@ -3687,7 +4176,7 @@
     </p:spTree>
     <p:extLst>
       <p:ext uri="{BB962C8B-B14F-4D97-AF65-F5344CB8AC3E}">
-        <p14:creationId xmlns:p14="http://schemas.microsoft.com/office/powerpoint/2010/main" val="2949510929"/>
+        <p14:creationId xmlns:p14="http://schemas.microsoft.com/office/powerpoint/2010/main" val="1408064101"/>
       </p:ext>
     </p:extLst>
   </p:cSld>
@@ -3743,61 +4232,7 @@
           <a:p>
             <a:r>
               <a:rPr lang="en-US" dirty="0"/>
-              <a:t>I’m a little annoyed with how one or our core values can be used. Driving results is important at BOKF. I’m sure you can imagine how this can be abused by the heavy handed leader, the micromanager, or some other legitimate power to otherwise abuse those in their charge.</a:t>
-            </a:r>
-          </a:p>
-          <a:p>
-            <a:endParaRPr lang="en-US" dirty="0"/>
-          </a:p>
-          <a:p>
-            <a:r>
-              <a:rPr lang="en-US" dirty="0"/>
-              <a:t>For me, this takes on a different form. I do my best to draw from Dan Pink’s wisdom. In his book “Drive” he outlines 3 basic motivational forces common to human beings.</a:t>
-            </a:r>
-          </a:p>
-          <a:p>
-            <a:endParaRPr lang="en-US" dirty="0"/>
-          </a:p>
-          <a:p>
-            <a:r>
-              <a:rPr lang="en-US" dirty="0"/>
-              <a:t>The desire for autonomy. The Pursuit of mastery. The desire to have purpose, connection, or belonging.</a:t>
-            </a:r>
-          </a:p>
-          <a:p>
-            <a:endParaRPr lang="en-US" dirty="0"/>
-          </a:p>
-          <a:p>
-            <a:r>
-              <a:rPr lang="en-US" dirty="0"/>
-              <a:t>This means, in the course of our team working to achieve goals, I actively look for ways to encourage my teammates to do what they think is best and to expect the same of each teammate.</a:t>
-            </a:r>
-          </a:p>
-          <a:p>
-            <a:endParaRPr lang="en-US" dirty="0"/>
-          </a:p>
-          <a:p>
-            <a:r>
-              <a:rPr lang="en-US" dirty="0"/>
-              <a:t>It also means creating the opportunity, equipment, and encouragement to improve the skill by which they accomplish those goals. Learn to code sessions, facilitate events, resolve conflict, communicate effectively. Above all, I try very hard not to steal from them the pride of their workmanship.</a:t>
-            </a:r>
-          </a:p>
-          <a:p>
-            <a:endParaRPr lang="en-US" dirty="0"/>
-          </a:p>
-          <a:p>
-            <a:r>
-              <a:rPr lang="en-US" dirty="0"/>
-              <a:t>Last, I continuously tend to our garden. It is a powerful metaphor that describes the space or container of our team. In it, there grow the fruits of courage, focus, commitment, openness, respect, and humor. In this space, we all belong and from it we sprout like vines to grasp the meaningful goals and achievements we willing accept. I actively uproot anything that threatens this place of meaning, purpose and belong.</a:t>
-            </a:r>
-          </a:p>
-          <a:p>
-            <a:endParaRPr lang="en-US" dirty="0"/>
-          </a:p>
-          <a:p>
-            <a:r>
-              <a:rPr lang="en-US" dirty="0"/>
-              <a:t>This is how I “Drive” results.</a:t>
+              <a:t>I’ve been given great power to influence, teach and coach. When an opportunity arises, I use that power gently. The picture of gentleness here is like one who has a sword and knows how to use it but keeps it sheathed. I do my best to choose moments wisely and act with restraint. If I make too many mistakes, I’ll quickly lose trust and those who have given me power over them will take it back. I’m careful to check for alignment and hesitance. I’m quick to understand rather than lecture. I watch carefully for the interplay between ability and willingness to know when to support and when to direct. After directing, I’m on the hunt for the moment when the training wheels need to come off – for the moment when I should back off.</a:t>
             </a:r>
           </a:p>
         </p:txBody>
@@ -3828,7 +4263,7 @@
     </p:spTree>
     <p:extLst>
       <p:ext uri="{BB962C8B-B14F-4D97-AF65-F5344CB8AC3E}">
-        <p14:creationId xmlns:p14="http://schemas.microsoft.com/office/powerpoint/2010/main" val="2016946804"/>
+        <p14:creationId xmlns:p14="http://schemas.microsoft.com/office/powerpoint/2010/main" val="2949510929"/>
       </p:ext>
     </p:extLst>
   </p:cSld>
@@ -3884,62 +4319,62 @@
           <a:p>
             <a:r>
               <a:rPr lang="en-US" dirty="0"/>
-              <a:t>I’ve found that hope is a cross-cutting concern for a team’s continuous improvement. Especially in the beginning of a race, the vision seems depressingly distant, like a finish line you imagine is there but cannot yet see. Part of my journey over the last two years has been to jealously guard the team’s hope of realizing our aspirations against:</a:t>
-            </a:r>
-          </a:p>
-          <a:p>
-            <a:pPr marL="171450" indent="-171450">
-              <a:buFontTx/>
-              <a:buChar char="-"/>
-            </a:pPr>
+              <a:t>I’m a little annoyed with how one or our core values can be used. Driving results is important at BOKF. I’m sure you can imagine how this can be abused by the heavy handed leader, the micromanager, or some other legitimate power to otherwise abuse those in their charge.</a:t>
+            </a:r>
+          </a:p>
+          <a:p>
+            <a:endParaRPr lang="en-US" dirty="0"/>
+          </a:p>
+          <a:p>
             <a:r>
               <a:rPr lang="en-US" dirty="0"/>
-              <a:t>Naysayers</a:t>
-            </a:r>
-          </a:p>
-          <a:p>
-            <a:pPr marL="171450" indent="-171450">
-              <a:buFontTx/>
-              <a:buChar char="-"/>
-            </a:pPr>
+              <a:t>For me, this takes on a different form. I do my best to draw from Dan Pink’s wisdom. In his book “Drive” he outlines 3 basic motivational forces common to human beings.</a:t>
+            </a:r>
+          </a:p>
+          <a:p>
+            <a:endParaRPr lang="en-US" dirty="0"/>
+          </a:p>
+          <a:p>
             <a:r>
               <a:rPr lang="en-US" dirty="0"/>
-              <a:t>Excessive challenge</a:t>
-            </a:r>
-          </a:p>
-          <a:p>
-            <a:pPr marL="171450" indent="-171450">
-              <a:buFontTx/>
-              <a:buChar char="-"/>
-            </a:pPr>
+              <a:t>The desire for autonomy. The Pursuit of mastery. The desire to have purpose, connection, or belonging.</a:t>
+            </a:r>
+          </a:p>
+          <a:p>
+            <a:endParaRPr lang="en-US" dirty="0"/>
+          </a:p>
+          <a:p>
             <a:r>
               <a:rPr lang="en-US" dirty="0"/>
-              <a:t>Too little challenge</a:t>
-            </a:r>
-          </a:p>
-          <a:p>
-            <a:pPr marL="171450" indent="-171450">
-              <a:buFontTx/>
-              <a:buChar char="-"/>
-            </a:pPr>
+              <a:t>This means, in the course of our team working to achieve goals, I actively look for ways to encourage my teammates to do what they think is best and to expect the same of each teammate.</a:t>
+            </a:r>
+          </a:p>
+          <a:p>
+            <a:endParaRPr lang="en-US" dirty="0"/>
+          </a:p>
+          <a:p>
             <a:r>
               <a:rPr lang="en-US" dirty="0"/>
-              <a:t>Conflicting visions</a:t>
-            </a:r>
-          </a:p>
-          <a:p>
-            <a:pPr marL="171450" indent="-171450">
-              <a:buFontTx/>
-              <a:buChar char="-"/>
-            </a:pPr>
+              <a:t>It also means creating the opportunity, equipment, and encouragement to improve the skill by which they accomplish those goals. Learn to code sessions, facilitate events, resolve conflict, communicate effectively. Above all, I try very hard not to steal from them the pride of their workmanship.</a:t>
+            </a:r>
+          </a:p>
+          <a:p>
             <a:endParaRPr lang="en-US" dirty="0"/>
           </a:p>
           <a:p>
-            <a:pPr marL="0" indent="0">
-              <a:buFontTx/>
-              <a:buNone/>
-            </a:pPr>
+            <a:r>
+              <a:rPr lang="en-US" dirty="0"/>
+              <a:t>Last, I continuously tend to our garden. It is a powerful metaphor that describes the space or container of our team. In it, there grow the fruits of courage, focus, commitment, openness, respect, and humor. In this space, we all belong and from it we sprout like vines to grasp the meaningful goals and achievements we willing accept. I actively uproot anything that threatens this place of meaning, purpose and belong.</a:t>
+            </a:r>
+          </a:p>
+          <a:p>
             <a:endParaRPr lang="en-US" dirty="0"/>
+          </a:p>
+          <a:p>
+            <a:r>
+              <a:rPr lang="en-US" dirty="0"/>
+              <a:t>This is how I “Drive” results.</a:t>
+            </a:r>
           </a:p>
         </p:txBody>
       </p:sp>
@@ -3969,7 +4404,7 @@
     </p:spTree>
     <p:extLst>
       <p:ext uri="{BB962C8B-B14F-4D97-AF65-F5344CB8AC3E}">
-        <p14:creationId xmlns:p14="http://schemas.microsoft.com/office/powerpoint/2010/main" val="2789530158"/>
+        <p14:creationId xmlns:p14="http://schemas.microsoft.com/office/powerpoint/2010/main" val="2016946804"/>
       </p:ext>
     </p:extLst>
   </p:cSld>
@@ -4023,6 +4458,63 @@
           <a:bodyPr/>
           <a:lstStyle/>
           <a:p>
+            <a:r>
+              <a:rPr lang="en-US" dirty="0"/>
+              <a:t>I’ve found that hope is a cross-cutting concern for a team’s continuous improvement. Especially in the beginning of a race, the vision seems depressingly distant, like a finish line you imagine is there but cannot yet see. Part of my journey over the last two years has been to jealously guard the team’s hope of realizing our aspirations against:</a:t>
+            </a:r>
+          </a:p>
+          <a:p>
+            <a:pPr marL="171450" indent="-171450">
+              <a:buFontTx/>
+              <a:buChar char="-"/>
+            </a:pPr>
+            <a:r>
+              <a:rPr lang="en-US" dirty="0"/>
+              <a:t>Naysayers</a:t>
+            </a:r>
+          </a:p>
+          <a:p>
+            <a:pPr marL="171450" indent="-171450">
+              <a:buFontTx/>
+              <a:buChar char="-"/>
+            </a:pPr>
+            <a:r>
+              <a:rPr lang="en-US" dirty="0"/>
+              <a:t>Excessive challenge</a:t>
+            </a:r>
+          </a:p>
+          <a:p>
+            <a:pPr marL="171450" indent="-171450">
+              <a:buFontTx/>
+              <a:buChar char="-"/>
+            </a:pPr>
+            <a:r>
+              <a:rPr lang="en-US" dirty="0"/>
+              <a:t>Too little challenge</a:t>
+            </a:r>
+          </a:p>
+          <a:p>
+            <a:pPr marL="171450" indent="-171450">
+              <a:buFontTx/>
+              <a:buChar char="-"/>
+            </a:pPr>
+            <a:r>
+              <a:rPr lang="en-US" dirty="0"/>
+              <a:t>Conflicting visions</a:t>
+            </a:r>
+          </a:p>
+          <a:p>
+            <a:pPr marL="171450" indent="-171450">
+              <a:buFontTx/>
+              <a:buChar char="-"/>
+            </a:pPr>
+            <a:endParaRPr lang="en-US" dirty="0"/>
+          </a:p>
+          <a:p>
+            <a:pPr marL="0" indent="0">
+              <a:buFontTx/>
+              <a:buNone/>
+            </a:pPr>
             <a:endParaRPr lang="en-US" dirty="0"/>
           </a:p>
         </p:txBody>
@@ -4053,7 +4545,7 @@
     </p:spTree>
     <p:extLst>
       <p:ext uri="{BB962C8B-B14F-4D97-AF65-F5344CB8AC3E}">
-        <p14:creationId xmlns:p14="http://schemas.microsoft.com/office/powerpoint/2010/main" val="1275761304"/>
+        <p14:creationId xmlns:p14="http://schemas.microsoft.com/office/powerpoint/2010/main" val="2789530158"/>
       </p:ext>
     </p:extLst>
   </p:cSld>
@@ -4107,19 +4599,7 @@
           <a:bodyPr/>
           <a:lstStyle/>
           <a:p>
-            <a:r>
-              <a:rPr lang="en-US" dirty="0"/>
-              <a:t>Key to winning at this race has been correctly seeing the game we’re playing as an infinite one. We are not playing it to beat competitors, although we hope we stay sufficient near or ahead of them. Rather, we play in order to keep playing without compromising the rules we have chosen – the things we value.</a:t>
-            </a:r>
-          </a:p>
-          <a:p>
             <a:endParaRPr lang="en-US" dirty="0"/>
-          </a:p>
-          <a:p>
-            <a:r>
-              <a:rPr lang="en-US" dirty="0"/>
-              <a:t>We insist on commitment as an important marker of the quality and staying power of our improvements. We do our best to work sustainably, ever improving our technical excellence, avoiding waste, and frequently reflecting on what we can improve next. </a:t>
-            </a:r>
           </a:p>
         </p:txBody>
       </p:sp>
@@ -4149,7 +4629,7 @@
     </p:spTree>
     <p:extLst>
       <p:ext uri="{BB962C8B-B14F-4D97-AF65-F5344CB8AC3E}">
-        <p14:creationId xmlns:p14="http://schemas.microsoft.com/office/powerpoint/2010/main" val="2017244520"/>
+        <p14:creationId xmlns:p14="http://schemas.microsoft.com/office/powerpoint/2010/main" val="1275761304"/>
       </p:ext>
     </p:extLst>
   </p:cSld>
@@ -4205,7 +4685,7 @@
           <a:p>
             <a:r>
               <a:rPr lang="en-US" dirty="0"/>
-              <a:t>For me personally, I do my best to respect the lives of those with whom I work. This attitude can be summed up well:</a:t>
+              <a:t>Key to winning at this race has been correctly seeing the game we’re playing as an infinite one. We are not playing it to beat competitors, although we hope we stay sufficient near or ahead of them. Rather, we play in order to keep playing without compromising the rules we have chosen – the things we value.</a:t>
             </a:r>
           </a:p>
           <a:p>
@@ -4214,16 +4694,7 @@
           <a:p>
             <a:r>
               <a:rPr lang="en-US" dirty="0"/>
-              <a:t>“My job is to honor the ideas, structures, and processes that are dying and being midwife to those being born.”</a:t>
-            </a:r>
-          </a:p>
-          <a:p>
-            <a:endParaRPr lang="en-US" dirty="0"/>
-          </a:p>
-          <a:p>
-            <a:r>
-              <a:rPr lang="en-US" dirty="0"/>
-              <a:t> When processes, ideas and structures that have worked in the past are clearly no longer useful, I honor them</a:t>
+              <a:t>We insist on commitment as an important marker of the quality and staying power of our improvements. We do our best to work sustainably, ever improving our technical excellence, avoiding waste, and frequently reflecting on what we can improve next. </a:t>
             </a:r>
           </a:p>
         </p:txBody>
@@ -4254,7 +4725,7 @@
     </p:spTree>
     <p:extLst>
       <p:ext uri="{BB962C8B-B14F-4D97-AF65-F5344CB8AC3E}">
-        <p14:creationId xmlns:p14="http://schemas.microsoft.com/office/powerpoint/2010/main" val="4076046955"/>
+        <p14:creationId xmlns:p14="http://schemas.microsoft.com/office/powerpoint/2010/main" val="2017244520"/>
       </p:ext>
     </p:extLst>
   </p:cSld>
@@ -4310,7 +4781,7 @@
           <a:p>
             <a:r>
               <a:rPr lang="en-US" dirty="0"/>
-              <a:t>As for my Scrum team, the BOKF tortoise, we’re playing the game we want to play.</a:t>
+              <a:t>For me personally, I do my best to respect the lives of those with whom I work. This attitude can be summed up well:</a:t>
             </a:r>
           </a:p>
           <a:p>
@@ -4319,7 +4790,7 @@
           <a:p>
             <a:r>
               <a:rPr lang="en-US" dirty="0"/>
-              <a:t>We’ve come a long way from where we were in December 2019. We have been continuously integrating and delivering our work since mid-last year. We can deploy on demand. This very Sprint, we’re releasing an API that is covered by a significant suite of automated unit and integrations tests. We used test driven development to design features and bug fixes every chance we get. We use reflection, reframing, and impact feedback to respectfully and effectively communicate with each other. Business professionals and developers interact daily to ensure the work produced is of the highest value we can deliver. I could go on.</a:t>
+              <a:t>“My job is to honor the ideas, structures, and processes that are dying and being midwife to those being born.”</a:t>
             </a:r>
           </a:p>
           <a:p>
@@ -4328,13 +4799,8 @@
           <a:p>
             <a:r>
               <a:rPr lang="en-US" dirty="0"/>
-              <a:t>Like my grandma who started walking a mile a day, in two more years time, there’s no telling where we’ll end up. However, I’m confident that we’ll probably still be playing the game we want to play and running our race like </a:t>
-            </a:r>
-            <a:r>
-              <a:rPr lang="en-US"/>
-              <a:t>a tortoise.</a:t>
-            </a:r>
-            <a:endParaRPr lang="en-US" dirty="0"/>
+              <a:t> When processes, ideas and structures that have worked in the past are clearly no longer useful, I honor them</a:t>
+            </a:r>
           </a:p>
         </p:txBody>
       </p:sp>
@@ -4356,6 +4822,116 @@
             <a:fld id="{68AD085A-CE2C-4AF4-96B5-9AB734DA641A}" type="slidenum">
               <a:rPr lang="en-US" smtClean="0"/>
               <a:t>27</a:t>
+            </a:fld>
+            <a:endParaRPr lang="en-US"/>
+          </a:p>
+        </p:txBody>
+      </p:sp>
+    </p:spTree>
+    <p:extLst>
+      <p:ext uri="{BB962C8B-B14F-4D97-AF65-F5344CB8AC3E}">
+        <p14:creationId xmlns:p14="http://schemas.microsoft.com/office/powerpoint/2010/main" val="4076046955"/>
+      </p:ext>
+    </p:extLst>
+  </p:cSld>
+  <p:clrMapOvr>
+    <a:masterClrMapping/>
+  </p:clrMapOvr>
+</p:notes>
+</file>
+
+<file path=ppt/notesSlides/notesSlide27.xml><?xml version="1.0" encoding="utf-8"?>
+<p:notes xmlns:a="http://schemas.openxmlformats.org/drawingml/2006/main" xmlns:r="http://schemas.openxmlformats.org/officeDocument/2006/relationships" xmlns:p="http://schemas.openxmlformats.org/presentationml/2006/main">
+  <p:cSld>
+    <p:spTree>
+      <p:nvGrpSpPr>
+        <p:cNvPr id="1" name=""/>
+        <p:cNvGrpSpPr/>
+        <p:nvPr/>
+      </p:nvGrpSpPr>
+      <p:grpSpPr>
+        <a:xfrm>
+          <a:off x="0" y="0"/>
+          <a:ext cx="0" cy="0"/>
+          <a:chOff x="0" y="0"/>
+          <a:chExt cx="0" cy="0"/>
+        </a:xfrm>
+      </p:grpSpPr>
+      <p:sp>
+        <p:nvSpPr>
+          <p:cNvPr id="2" name="Slide Image Placeholder 1"/>
+          <p:cNvSpPr>
+            <a:spLocks noGrp="1" noRot="1" noChangeAspect="1"/>
+          </p:cNvSpPr>
+          <p:nvPr>
+            <p:ph type="sldImg"/>
+          </p:nvPr>
+        </p:nvSpPr>
+        <p:spPr/>
+      </p:sp>
+      <p:sp>
+        <p:nvSpPr>
+          <p:cNvPr id="3" name="Notes Placeholder 2"/>
+          <p:cNvSpPr>
+            <a:spLocks noGrp="1"/>
+          </p:cNvSpPr>
+          <p:nvPr>
+            <p:ph type="body" idx="1"/>
+          </p:nvPr>
+        </p:nvSpPr>
+        <p:spPr/>
+        <p:txBody>
+          <a:bodyPr/>
+          <a:lstStyle/>
+          <a:p>
+            <a:r>
+              <a:rPr lang="en-US" dirty="0"/>
+              <a:t>As for my Scrum team, the BOKF tortoise, we’re playing the game we want to play.</a:t>
+            </a:r>
+          </a:p>
+          <a:p>
+            <a:endParaRPr lang="en-US" dirty="0"/>
+          </a:p>
+          <a:p>
+            <a:r>
+              <a:rPr lang="en-US" dirty="0"/>
+              <a:t>We’ve come a long way from where we were in December 2019. We have been continuously integrating and delivering our work since mid-last year. We can deploy on demand. This very Sprint, we’re releasing an API that is covered by a significant suite of automated unit and integrations tests. We used test driven development to design features and bug fixes every chance we get. We use reflection, reframing, and impact feedback to respectfully and effectively communicate with each other. Business professionals and developers interact daily to ensure the work produced is of the highest value we can deliver. I could go on.</a:t>
+            </a:r>
+          </a:p>
+          <a:p>
+            <a:endParaRPr lang="en-US" dirty="0"/>
+          </a:p>
+          <a:p>
+            <a:r>
+              <a:rPr lang="en-US" dirty="0"/>
+              <a:t>Like my grandma who started walking a mile a day, in two more years time, there’s no telling where we’ll end up. However, I’m confident that we’ll probably still be playing the game we want to play and running our race like </a:t>
+            </a:r>
+            <a:r>
+              <a:rPr lang="en-US"/>
+              <a:t>a tortoise.</a:t>
+            </a:r>
+            <a:endParaRPr lang="en-US" dirty="0"/>
+          </a:p>
+        </p:txBody>
+      </p:sp>
+      <p:sp>
+        <p:nvSpPr>
+          <p:cNvPr id="4" name="Slide Number Placeholder 3"/>
+          <p:cNvSpPr>
+            <a:spLocks noGrp="1"/>
+          </p:cNvSpPr>
+          <p:nvPr>
+            <p:ph type="sldNum" sz="quarter" idx="5"/>
+          </p:nvPr>
+        </p:nvSpPr>
+        <p:spPr/>
+        <p:txBody>
+          <a:bodyPr/>
+          <a:lstStyle/>
+          <a:p>
+            <a:fld id="{68AD085A-CE2C-4AF4-96B5-9AB734DA641A}" type="slidenum">
+              <a:rPr lang="en-US" smtClean="0"/>
+              <a:t>28</a:t>
             </a:fld>
             <a:endParaRPr lang="en-US"/>
           </a:p>
@@ -4426,7 +5002,7 @@
                 <a:effectLst/>
                 <a:latin typeface="Consolas" panose="020B0609020204030204" pitchFamily="49" charset="0"/>
               </a:rPr>
-              <a:t>When I started, the first things I saw were difficulties:</a:t>
+              <a:t>BOKF as the tortoise</a:t>
             </a:r>
           </a:p>
           <a:p>
@@ -4448,7 +5024,7 @@
                 <a:effectLst/>
                 <a:latin typeface="Consolas" panose="020B0609020204030204" pitchFamily="49" charset="0"/>
               </a:rPr>
-              <a:t> clunky, slow processes. I actually was sent home my first day because my user hadn't been completely added to our Active Directory system.</a:t>
+              <a:t> clunky, slow processes. I was actually sent home my first day because my user hadn't been completely added to our Active Directory system.</a:t>
             </a:r>
           </a:p>
           <a:p>
@@ -4658,187 +5234,233 @@
             </a:r>
           </a:p>
           <a:p>
-            <a:endParaRPr lang="en-US" dirty="0"/>
-          </a:p>
-          <a:p>
-            <a:r>
-              <a:rPr lang="en-US" b="0" dirty="0">
-                <a:solidFill>
-                  <a:srgbClr val="D4D4D4"/>
-                </a:solidFill>
-                <a:effectLst/>
-                <a:latin typeface="Consolas" panose="020B0609020204030204" pitchFamily="49" charset="0"/>
-              </a:rPr>
-              <a:t>What is your favorite game to play?</a:t>
-            </a:r>
-          </a:p>
-          <a:p>
-            <a:r>
-              <a:rPr lang="en-US" b="0" dirty="0">
-                <a:solidFill>
-                  <a:srgbClr val="D4D4D4"/>
-                </a:solidFill>
-                <a:effectLst/>
-                <a:latin typeface="Consolas" panose="020B0609020204030204" pitchFamily="49" charset="0"/>
-              </a:rPr>
-              <a:t>When you're invited to play and not made to play</a:t>
-            </a:r>
-          </a:p>
-          <a:p>
-            <a:r>
-              <a:rPr lang="en-US" b="0" dirty="0">
-                <a:solidFill>
-                  <a:srgbClr val="D4D4D4"/>
-                </a:solidFill>
-                <a:effectLst/>
-                <a:latin typeface="Consolas" panose="020B0609020204030204" pitchFamily="49" charset="0"/>
-              </a:rPr>
-              <a:t>That I want to play, and that I can win</a:t>
-            </a:r>
-          </a:p>
-          <a:p>
-            <a:r>
-              <a:rPr lang="en-US" b="0" dirty="0">
-                <a:solidFill>
-                  <a:srgbClr val="D4D4D4"/>
-                </a:solidFill>
-                <a:effectLst/>
-                <a:latin typeface="Consolas" panose="020B0609020204030204" pitchFamily="49" charset="0"/>
-              </a:rPr>
-              <a:t>One that, after a while, I realize I actually do love instead of dislike.</a:t>
-            </a:r>
-          </a:p>
-          <a:p>
-            <a:br>
-              <a:rPr lang="en-US" b="0" dirty="0">
-                <a:solidFill>
-                  <a:srgbClr val="D4D4D4"/>
-                </a:solidFill>
-                <a:effectLst/>
-                <a:latin typeface="Consolas" panose="020B0609020204030204" pitchFamily="49" charset="0"/>
-              </a:rPr>
-            </a:br>
-            <a:r>
-              <a:rPr lang="en-US" b="0" dirty="0">
-                <a:solidFill>
-                  <a:srgbClr val="D4D4D4"/>
-                </a:solidFill>
-                <a:effectLst/>
-                <a:latin typeface="Consolas" panose="020B0609020204030204" pitchFamily="49" charset="0"/>
-              </a:rPr>
-              <a:t>Humor is very important, perhaps the 6th scrum value?</a:t>
-            </a:r>
-          </a:p>
-          <a:p>
-            <a:br>
-              <a:rPr lang="en-US" b="0" dirty="0">
-                <a:solidFill>
-                  <a:srgbClr val="D4D4D4"/>
-                </a:solidFill>
-                <a:effectLst/>
-                <a:latin typeface="Consolas" panose="020B0609020204030204" pitchFamily="49" charset="0"/>
-              </a:rPr>
-            </a:br>
-            <a:r>
-              <a:rPr lang="en-US" b="0" dirty="0">
-                <a:solidFill>
-                  <a:srgbClr val="D4D4D4"/>
-                </a:solidFill>
-                <a:effectLst/>
-                <a:latin typeface="Consolas" panose="020B0609020204030204" pitchFamily="49" charset="0"/>
-              </a:rPr>
-              <a:t>I worried if this talk would be compelling, give it a simplicity and lack of novelty. Then I remembered how influential it was when I learned that the most successful scrum adoptions take about 5 years</a:t>
-            </a:r>
-          </a:p>
-          <a:p>
-            <a:br>
-              <a:rPr lang="en-US" b="0" dirty="0">
-                <a:solidFill>
-                  <a:srgbClr val="D4D4D4"/>
-                </a:solidFill>
-                <a:effectLst/>
-                <a:latin typeface="Consolas" panose="020B0609020204030204" pitchFamily="49" charset="0"/>
-              </a:rPr>
-            </a:br>
-            <a:r>
-              <a:rPr lang="en-US" b="0" dirty="0">
-                <a:solidFill>
-                  <a:srgbClr val="D4D4D4"/>
-                </a:solidFill>
-                <a:effectLst/>
-                <a:latin typeface="Consolas" panose="020B0609020204030204" pitchFamily="49" charset="0"/>
-              </a:rPr>
-              <a:t>Learn to trust the team all over again.</a:t>
-            </a:r>
-          </a:p>
-          <a:p>
-            <a:r>
-              <a:rPr lang="en-US" b="0" dirty="0">
-                <a:solidFill>
-                  <a:srgbClr val="D4D4D4"/>
-                </a:solidFill>
-                <a:effectLst/>
-                <a:latin typeface="Consolas" panose="020B0609020204030204" pitchFamily="49" charset="0"/>
-              </a:rPr>
-              <a:t>My resting state is something like active not caring. This is my happy place, where I ignore conflict and experience the Peace of blissful apathy.</a:t>
-            </a:r>
-          </a:p>
-          <a:p>
-            <a:r>
-              <a:rPr lang="en-US" b="0" dirty="0">
-                <a:solidFill>
-                  <a:srgbClr val="D4D4D4"/>
-                </a:solidFill>
-                <a:effectLst/>
-                <a:latin typeface="Consolas" panose="020B0609020204030204" pitchFamily="49" charset="0"/>
-              </a:rPr>
-              <a:t>When I care about something a lot, I moved to act and seek results. This can very easily turn into worry, coddling, anxiety, and command and control.</a:t>
-            </a:r>
-          </a:p>
-          <a:p>
-            <a:br>
-              <a:rPr lang="en-US" b="0" dirty="0">
-                <a:solidFill>
-                  <a:srgbClr val="D4D4D4"/>
-                </a:solidFill>
-                <a:effectLst/>
-                <a:latin typeface="Consolas" panose="020B0609020204030204" pitchFamily="49" charset="0"/>
-              </a:rPr>
-            </a:br>
-            <a:r>
-              <a:rPr lang="en-US" b="0" dirty="0">
-                <a:solidFill>
-                  <a:srgbClr val="D4D4D4"/>
-                </a:solidFill>
-                <a:effectLst/>
-                <a:latin typeface="Consolas" panose="020B0609020204030204" pitchFamily="49" charset="0"/>
-              </a:rPr>
-              <a:t>Trusting the team means you believe and act as if you believe that they can manage themselves and self-organize to accomplish the goals they set for themselves.</a:t>
-            </a:r>
-          </a:p>
-          <a:p>
-            <a:br>
-              <a:rPr lang="en-US" b="0" dirty="0">
-                <a:solidFill>
-                  <a:srgbClr val="D4D4D4"/>
-                </a:solidFill>
-                <a:effectLst/>
-                <a:latin typeface="Consolas" panose="020B0609020204030204" pitchFamily="49" charset="0"/>
-              </a:rPr>
-            </a:br>
-            <a:r>
-              <a:rPr lang="en-US" b="0" dirty="0">
-                <a:solidFill>
-                  <a:srgbClr val="D4D4D4"/>
-                </a:solidFill>
-                <a:effectLst/>
-                <a:latin typeface="Consolas" panose="020B0609020204030204" pitchFamily="49" charset="0"/>
-              </a:rPr>
-              <a:t>But, let's be real. An individual or a team isn't always trustworthy. They could lack the competence, clarity, and personal integrity to warrant that trust.</a:t>
-            </a:r>
-          </a:p>
-          <a:p>
-            <a:endParaRPr lang="en-US" dirty="0"/>
+            <a:pPr marL="0" indent="0">
+              <a:buFontTx/>
+              <a:buNone/>
+            </a:pPr>
+            <a:endParaRPr lang="en-US" b="0" dirty="0">
+              <a:solidFill>
+                <a:srgbClr val="D4D4D4"/>
+              </a:solidFill>
+              <a:effectLst/>
+              <a:latin typeface="Consolas" panose="020B0609020204030204" pitchFamily="49" charset="0"/>
+            </a:endParaRPr>
+          </a:p>
+          <a:p>
+            <a:pPr marL="0" indent="0">
+              <a:buFontTx/>
+              <a:buNone/>
+            </a:pPr>
+            <a:r>
+              <a:rPr lang="en-US" b="0" dirty="0">
+                <a:solidFill>
+                  <a:srgbClr val="D4D4D4"/>
+                </a:solidFill>
+                <a:effectLst/>
+                <a:latin typeface="Consolas" panose="020B0609020204030204" pitchFamily="49" charset="0"/>
+              </a:rPr>
+              <a:t>Competitors as the hare? Not really.</a:t>
+            </a:r>
+          </a:p>
+          <a:p>
+            <a:pPr marL="171450" indent="-171450">
+              <a:buFontTx/>
+              <a:buChar char="-"/>
+            </a:pPr>
+            <a:r>
+              <a:rPr lang="en-US" b="0" dirty="0">
+                <a:solidFill>
+                  <a:srgbClr val="D4D4D4"/>
+                </a:solidFill>
+                <a:effectLst/>
+                <a:latin typeface="Consolas" panose="020B0609020204030204" pitchFamily="49" charset="0"/>
+              </a:rPr>
+              <a:t>Most were just as bad as us or worse</a:t>
+            </a:r>
+          </a:p>
+          <a:p>
+            <a:pPr marL="171450" indent="-171450">
+              <a:buFontTx/>
+              <a:buChar char="-"/>
+            </a:pPr>
+            <a:r>
+              <a:rPr lang="en-US" b="0" dirty="0">
+                <a:solidFill>
+                  <a:srgbClr val="D4D4D4"/>
+                </a:solidFill>
+                <a:effectLst/>
+                <a:latin typeface="Consolas" panose="020B0609020204030204" pitchFamily="49" charset="0"/>
+              </a:rPr>
+              <a:t>I realized that I was the hare!</a:t>
+            </a:r>
+          </a:p>
+          <a:p>
+            <a:pPr marL="171450" indent="-171450">
+              <a:buFontTx/>
+              <a:buChar char="-"/>
+            </a:pPr>
+            <a:r>
+              <a:rPr lang="en-US" b="0" dirty="0">
+                <a:solidFill>
+                  <a:srgbClr val="D4D4D4"/>
+                </a:solidFill>
+                <a:effectLst/>
+                <a:latin typeface="Consolas" panose="020B0609020204030204" pitchFamily="49" charset="0"/>
+              </a:rPr>
+              <a:t>My expectations of “agility”</a:t>
+            </a:r>
+          </a:p>
+          <a:p>
+            <a:pPr marL="171450" indent="-171450">
+              <a:buFontTx/>
+              <a:buChar char="-"/>
+            </a:pPr>
+            <a:r>
+              <a:rPr lang="en-US" b="0" dirty="0">
+                <a:solidFill>
+                  <a:srgbClr val="D4D4D4"/>
+                </a:solidFill>
+                <a:effectLst/>
+                <a:latin typeface="Consolas" panose="020B0609020204030204" pitchFamily="49" charset="0"/>
+              </a:rPr>
+              <a:t>Honestly, I looked down on our technology, practices, </a:t>
+            </a:r>
+            <a:r>
+              <a:rPr lang="en-US" b="0" dirty="0" err="1">
+                <a:solidFill>
+                  <a:srgbClr val="D4D4D4"/>
+                </a:solidFill>
+                <a:effectLst/>
+                <a:latin typeface="Consolas" panose="020B0609020204030204" pitchFamily="49" charset="0"/>
+              </a:rPr>
+              <a:t>etc</a:t>
+            </a:r>
+            <a:r>
+              <a:rPr lang="en-US" b="0" dirty="0">
+                <a:solidFill>
+                  <a:srgbClr val="D4D4D4"/>
+                </a:solidFill>
+                <a:effectLst/>
+                <a:latin typeface="Consolas" panose="020B0609020204030204" pitchFamily="49" charset="0"/>
+              </a:rPr>
+              <a:t> for a short time.</a:t>
+            </a:r>
+          </a:p>
+          <a:p>
+            <a:pPr marL="628650" lvl="1" indent="-171450">
+              <a:buFontTx/>
+              <a:buChar char="-"/>
+            </a:pPr>
+            <a:r>
+              <a:rPr lang="en-US" b="0" dirty="0">
+                <a:solidFill>
+                  <a:srgbClr val="D4D4D4"/>
+                </a:solidFill>
+                <a:effectLst/>
+                <a:latin typeface="Consolas" panose="020B0609020204030204" pitchFamily="49" charset="0"/>
+              </a:rPr>
+              <a:t>Temptation was to abandon hope and be self-</a:t>
+            </a:r>
+            <a:r>
+              <a:rPr lang="en-US" b="0" dirty="0" err="1">
+                <a:solidFill>
+                  <a:srgbClr val="D4D4D4"/>
+                </a:solidFill>
+                <a:effectLst/>
+                <a:latin typeface="Consolas" panose="020B0609020204030204" pitchFamily="49" charset="0"/>
+              </a:rPr>
+              <a:t>rigtheous</a:t>
+            </a:r>
+            <a:endParaRPr lang="en-US" b="0" dirty="0">
+              <a:solidFill>
+                <a:srgbClr val="D4D4D4"/>
+              </a:solidFill>
+              <a:effectLst/>
+              <a:latin typeface="Consolas" panose="020B0609020204030204" pitchFamily="49" charset="0"/>
+            </a:endParaRPr>
+          </a:p>
+          <a:p>
+            <a:endParaRPr lang="en-US" b="0" dirty="0">
+              <a:solidFill>
+                <a:srgbClr val="D4D4D4"/>
+              </a:solidFill>
+              <a:effectLst/>
+              <a:latin typeface="Consolas" panose="020B0609020204030204" pitchFamily="49" charset="0"/>
+            </a:endParaRPr>
+          </a:p>
+          <a:p>
+            <a:r>
+              <a:rPr lang="en-US" b="0" dirty="0">
+                <a:solidFill>
+                  <a:srgbClr val="D4D4D4"/>
+                </a:solidFill>
+                <a:effectLst/>
+                <a:latin typeface="Consolas" panose="020B0609020204030204" pitchFamily="49" charset="0"/>
+              </a:rPr>
+              <a:t>Reality defies simple explanation. It's easy to think of agility as a hare. Words like quick, nimble, energetic, explosive, </a:t>
+            </a:r>
+            <a:r>
+              <a:rPr lang="en-US" b="0" dirty="0" err="1">
+                <a:solidFill>
+                  <a:srgbClr val="D4D4D4"/>
+                </a:solidFill>
+                <a:effectLst/>
+                <a:latin typeface="Consolas" panose="020B0609020204030204" pitchFamily="49" charset="0"/>
+              </a:rPr>
+              <a:t>etc</a:t>
+            </a:r>
+            <a:r>
+              <a:rPr lang="en-US" b="0" dirty="0">
+                <a:solidFill>
+                  <a:srgbClr val="D4D4D4"/>
+                </a:solidFill>
+                <a:effectLst/>
+                <a:latin typeface="Consolas" panose="020B0609020204030204" pitchFamily="49" charset="0"/>
+              </a:rPr>
+              <a:t>, etc. </a:t>
+            </a:r>
+          </a:p>
+          <a:p>
+            <a:endParaRPr lang="en-US" b="0" dirty="0">
+              <a:solidFill>
+                <a:srgbClr val="D4D4D4"/>
+              </a:solidFill>
+              <a:effectLst/>
+              <a:latin typeface="Consolas" panose="020B0609020204030204" pitchFamily="49" charset="0"/>
+            </a:endParaRPr>
+          </a:p>
+          <a:p>
+            <a:r>
+              <a:rPr lang="en-US" b="0" dirty="0">
+                <a:solidFill>
+                  <a:srgbClr val="D4D4D4"/>
+                </a:solidFill>
+                <a:effectLst/>
+                <a:latin typeface="Consolas" panose="020B0609020204030204" pitchFamily="49" charset="0"/>
+              </a:rPr>
+              <a:t>It's easy to think of BOKF like a tortoise. Big, slow, heavy, 0-60 maybe. </a:t>
+            </a:r>
+          </a:p>
+          <a:p>
+            <a:endParaRPr lang="en-US" b="0" dirty="0">
+              <a:solidFill>
+                <a:srgbClr val="D4D4D4"/>
+              </a:solidFill>
+              <a:effectLst/>
+              <a:latin typeface="Consolas" panose="020B0609020204030204" pitchFamily="49" charset="0"/>
+            </a:endParaRPr>
+          </a:p>
+          <a:p>
+            <a:r>
+              <a:rPr lang="en-US" b="0" dirty="0">
+                <a:solidFill>
+                  <a:srgbClr val="D4D4D4"/>
+                </a:solidFill>
+                <a:effectLst/>
+                <a:latin typeface="Consolas" panose="020B0609020204030204" pitchFamily="49" charset="0"/>
+              </a:rPr>
+              <a:t>Yet fable you heard presents a paradoxical truth: that focus and determination can produce remarkable results.</a:t>
+            </a:r>
           </a:p>
         </p:txBody>
       </p:sp>
@@ -4859,7 +5481,7 @@
           <a:p>
             <a:fld id="{68AD085A-CE2C-4AF4-96B5-9AB734DA641A}" type="slidenum">
               <a:rPr lang="en-US" smtClean="0"/>
-              <a:t>4</a:t>
+              <a:t>3</a:t>
             </a:fld>
             <a:endParaRPr lang="en-US"/>
           </a:p>
@@ -4868,7 +5490,7 @@
     </p:spTree>
     <p:extLst>
       <p:ext uri="{BB962C8B-B14F-4D97-AF65-F5344CB8AC3E}">
-        <p14:creationId xmlns:p14="http://schemas.microsoft.com/office/powerpoint/2010/main" val="4185621726"/>
+        <p14:creationId xmlns:p14="http://schemas.microsoft.com/office/powerpoint/2010/main" val="1534710382"/>
       </p:ext>
     </p:extLst>
   </p:cSld>
@@ -4930,112 +5552,149 @@
                 <a:effectLst/>
                 <a:latin typeface="Consolas" panose="020B0609020204030204" pitchFamily="49" charset="0"/>
               </a:rPr>
-              <a:t>My grandma started walking a mile a day when she was 45. She's 84 now and we have no idea where she is!!</a:t>
-            </a:r>
-          </a:p>
-          <a:p>
-            <a:br>
-              <a:rPr lang="en-US" b="0" dirty="0">
-                <a:solidFill>
-                  <a:srgbClr val="D4D4D4"/>
-                </a:solidFill>
-                <a:effectLst/>
-                <a:latin typeface="Consolas" panose="020B0609020204030204" pitchFamily="49" charset="0"/>
-              </a:rPr>
-            </a:br>
-            <a:r>
-              <a:rPr lang="en-US" b="0" dirty="0">
-                <a:solidFill>
-                  <a:srgbClr val="D4D4D4"/>
-                </a:solidFill>
-                <a:effectLst/>
-                <a:latin typeface="Consolas" panose="020B0609020204030204" pitchFamily="49" charset="0"/>
-              </a:rPr>
-              <a:t>small improvements add up over time...if you don't quit. small improvements are </a:t>
-            </a:r>
-            <a:r>
-              <a:rPr lang="en-US" b="0" dirty="0" err="1">
-                <a:solidFill>
-                  <a:srgbClr val="D4D4D4"/>
-                </a:solidFill>
-                <a:effectLst/>
-                <a:latin typeface="Consolas" panose="020B0609020204030204" pitchFamily="49" charset="0"/>
-              </a:rPr>
-              <a:t>are</a:t>
-            </a:r>
-            <a:r>
-              <a:rPr lang="en-US" b="0" dirty="0">
-                <a:solidFill>
-                  <a:srgbClr val="D4D4D4"/>
-                </a:solidFill>
-                <a:effectLst/>
-                <a:latin typeface="Consolas" panose="020B0609020204030204" pitchFamily="49" charset="0"/>
-              </a:rPr>
-              <a:t> not very exciting and generally don't make for good talks IMHO. Big improvements are exciting, revolutionary, and make for great presentations</a:t>
-            </a:r>
-          </a:p>
-          <a:p>
-            <a:br>
-              <a:rPr lang="en-US" b="0" dirty="0">
-                <a:solidFill>
-                  <a:srgbClr val="D4D4D4"/>
-                </a:solidFill>
-                <a:effectLst/>
-                <a:latin typeface="Consolas" panose="020B0609020204030204" pitchFamily="49" charset="0"/>
-              </a:rPr>
-            </a:br>
-            <a:r>
-              <a:rPr lang="en-US" b="0" dirty="0">
-                <a:solidFill>
-                  <a:srgbClr val="D4D4D4"/>
-                </a:solidFill>
-                <a:effectLst/>
-                <a:latin typeface="Consolas" panose="020B0609020204030204" pitchFamily="49" charset="0"/>
-              </a:rPr>
-              <a:t>What happens when you add time as a factor in the equation? Well, how long can you sustain revolutionary change? Big changes make wow and sizzle for short periods. When they become status quo, that steady state becomes the next launching point for a new revolution. Big changes are dramatic, chaotic, exciting, tiring, troublesome, draining, and unsustainable IMHO. After a time of status quo, a new revolution may come around after a good long while.</a:t>
-            </a:r>
-          </a:p>
-          <a:p>
-            <a:br>
-              <a:rPr lang="en-US" b="0" dirty="0">
-                <a:solidFill>
-                  <a:srgbClr val="D4D4D4"/>
-                </a:solidFill>
-                <a:effectLst/>
-                <a:latin typeface="Consolas" panose="020B0609020204030204" pitchFamily="49" charset="0"/>
-              </a:rPr>
-            </a:br>
-            <a:r>
-              <a:rPr lang="en-US" b="0" dirty="0">
-                <a:solidFill>
-                  <a:srgbClr val="D4D4D4"/>
-                </a:solidFill>
-                <a:effectLst/>
-                <a:latin typeface="Consolas" panose="020B0609020204030204" pitchFamily="49" charset="0"/>
-              </a:rPr>
-              <a:t>Small changes are much less difficult, can be more orderly, a bit boring, less troublesome, energizing and much more sustainable. Over time, like with grandma, those changes can add up to extraordinary progress.</a:t>
-            </a:r>
-          </a:p>
-          <a:p>
-            <a:br>
-              <a:rPr lang="en-US" b="0" dirty="0">
-                <a:solidFill>
-                  <a:srgbClr val="D4D4D4"/>
-                </a:solidFill>
-                <a:effectLst/>
-                <a:latin typeface="Consolas" panose="020B0609020204030204" pitchFamily="49" charset="0"/>
-              </a:rPr>
-            </a:br>
-            <a:r>
-              <a:rPr lang="en-US" b="0" dirty="0">
-                <a:solidFill>
-                  <a:srgbClr val="D4D4D4"/>
-                </a:solidFill>
-                <a:effectLst/>
-                <a:latin typeface="Consolas" panose="020B0609020204030204" pitchFamily="49" charset="0"/>
-              </a:rPr>
-              <a:t>But...is this agile? I would say so.</a:t>
-            </a:r>
+              <a:t>What is your favorite game to play?</a:t>
+            </a:r>
+          </a:p>
+          <a:p>
+            <a:pPr marL="171450" indent="-171450">
+              <a:buFontTx/>
+              <a:buChar char="-"/>
+            </a:pPr>
+            <a:r>
+              <a:rPr lang="en-US" b="0" dirty="0">
+                <a:solidFill>
+                  <a:srgbClr val="D4D4D4"/>
+                </a:solidFill>
+                <a:effectLst/>
+                <a:latin typeface="Consolas" panose="020B0609020204030204" pitchFamily="49" charset="0"/>
+              </a:rPr>
+              <a:t>One I’m invited to play and not made to play</a:t>
+            </a:r>
+          </a:p>
+          <a:p>
+            <a:pPr marL="171450" indent="-171450">
+              <a:buFontTx/>
+              <a:buChar char="-"/>
+            </a:pPr>
+            <a:r>
+              <a:rPr lang="en-US" b="0" dirty="0">
+                <a:solidFill>
+                  <a:srgbClr val="D4D4D4"/>
+                </a:solidFill>
+                <a:effectLst/>
+                <a:latin typeface="Consolas" panose="020B0609020204030204" pitchFamily="49" charset="0"/>
+              </a:rPr>
+              <a:t>One I want to play</a:t>
+            </a:r>
+          </a:p>
+          <a:p>
+            <a:pPr marL="171450" indent="-171450">
+              <a:buFontTx/>
+              <a:buChar char="-"/>
+            </a:pPr>
+            <a:r>
+              <a:rPr lang="en-US" b="0" dirty="0">
+                <a:solidFill>
+                  <a:srgbClr val="D4D4D4"/>
+                </a:solidFill>
+                <a:effectLst/>
+                <a:latin typeface="Consolas" panose="020B0609020204030204" pitchFamily="49" charset="0"/>
+              </a:rPr>
+              <a:t>One I can win</a:t>
+            </a:r>
+          </a:p>
+          <a:p>
+            <a:pPr marL="0" indent="0">
+              <a:buFontTx/>
+              <a:buNone/>
+            </a:pPr>
+            <a:endParaRPr lang="en-US" b="0" dirty="0">
+              <a:solidFill>
+                <a:srgbClr val="D4D4D4"/>
+              </a:solidFill>
+              <a:effectLst/>
+              <a:latin typeface="Consolas" panose="020B0609020204030204" pitchFamily="49" charset="0"/>
+            </a:endParaRPr>
+          </a:p>
+          <a:p>
+            <a:pPr marL="0" indent="0">
+              <a:buFontTx/>
+              <a:buNone/>
+            </a:pPr>
+            <a:r>
+              <a:rPr lang="en-US" b="0" dirty="0">
+                <a:solidFill>
+                  <a:srgbClr val="D4D4D4"/>
+                </a:solidFill>
+                <a:effectLst/>
+                <a:latin typeface="Consolas" panose="020B0609020204030204" pitchFamily="49" charset="0"/>
+              </a:rPr>
+              <a:t>The game or race we started had a few important things about it:</a:t>
+            </a:r>
+          </a:p>
+          <a:p>
+            <a:pPr marL="171450" marR="0" lvl="0" indent="-171450" algn="l" defTabSz="914400" rtl="0" eaLnBrk="1" fontAlgn="auto" latinLnBrk="0" hangingPunct="1">
+              <a:lnSpc>
+                <a:spcPct val="100000"/>
+              </a:lnSpc>
+              <a:spcBef>
+                <a:spcPts val="0"/>
+              </a:spcBef>
+              <a:spcAft>
+                <a:spcPts val="0"/>
+              </a:spcAft>
+              <a:buClrTx/>
+              <a:buSzTx/>
+              <a:buFontTx/>
+              <a:buChar char="-"/>
+              <a:tabLst/>
+              <a:defRPr/>
+            </a:pPr>
+            <a:r>
+              <a:rPr lang="en-US" b="0" dirty="0">
+                <a:solidFill>
+                  <a:srgbClr val="D4D4D4"/>
+                </a:solidFill>
+                <a:effectLst/>
+                <a:latin typeface="Consolas" panose="020B0609020204030204" pitchFamily="49" charset="0"/>
+              </a:rPr>
+              <a:t>The need for improvement was obvious and accepted by everyone. They wanted to improve…badly</a:t>
+            </a:r>
+          </a:p>
+          <a:p>
+            <a:pPr marL="171450" indent="-171450">
+              <a:buFontTx/>
+              <a:buChar char="-"/>
+            </a:pPr>
+            <a:r>
+              <a:rPr lang="en-US" b="0" dirty="0">
+                <a:solidFill>
+                  <a:srgbClr val="D4D4D4"/>
+                </a:solidFill>
+                <a:effectLst/>
+                <a:latin typeface="Consolas" panose="020B0609020204030204" pitchFamily="49" charset="0"/>
+              </a:rPr>
+              <a:t>They wanted me to play it with them and trusted me…a lot</a:t>
+            </a:r>
+          </a:p>
+          <a:p>
+            <a:pPr marL="171450" indent="-171450">
+              <a:buFontTx/>
+              <a:buChar char="-"/>
+            </a:pPr>
+            <a:r>
+              <a:rPr lang="en-US" b="0" dirty="0">
+                <a:solidFill>
+                  <a:srgbClr val="D4D4D4"/>
+                </a:solidFill>
+                <a:effectLst/>
+                <a:latin typeface="Consolas" panose="020B0609020204030204" pitchFamily="49" charset="0"/>
+              </a:rPr>
+              <a:t>Humor is very important, perhaps the 6th scrum value?</a:t>
+            </a:r>
+          </a:p>
+          <a:p>
+            <a:endParaRPr lang="en-US" dirty="0"/>
           </a:p>
         </p:txBody>
       </p:sp>
@@ -5056,7 +5715,7 @@
           <a:p>
             <a:fld id="{68AD085A-CE2C-4AF4-96B5-9AB734DA641A}" type="slidenum">
               <a:rPr lang="en-US" smtClean="0"/>
-              <a:t>5</a:t>
+              <a:t>4</a:t>
             </a:fld>
             <a:endParaRPr lang="en-US"/>
           </a:p>
@@ -5065,7 +5724,7 @@
     </p:spTree>
     <p:extLst>
       <p:ext uri="{BB962C8B-B14F-4D97-AF65-F5344CB8AC3E}">
-        <p14:creationId xmlns:p14="http://schemas.microsoft.com/office/powerpoint/2010/main" val="3131728311"/>
+        <p14:creationId xmlns:p14="http://schemas.microsoft.com/office/powerpoint/2010/main" val="4185621726"/>
       </p:ext>
     </p:extLst>
   </p:cSld>
@@ -5122,22 +5781,12 @@
             <a:r>
               <a:rPr lang="en-US" b="0" dirty="0">
                 <a:solidFill>
-                  <a:srgbClr val="6A9955"/>
-                </a:solidFill>
-                <a:effectLst/>
-                <a:latin typeface="Consolas" panose="020B0609020204030204" pitchFamily="49" charset="0"/>
-              </a:rPr>
-              <a:t>&gt;</a:t>
-            </a:r>
-            <a:r>
-              <a:rPr lang="en-US" b="0" dirty="0">
-                <a:solidFill>
-                  <a:srgbClr val="D4D4D4"/>
-                </a:solidFill>
-                <a:effectLst/>
-                <a:latin typeface="Consolas" panose="020B0609020204030204" pitchFamily="49" charset="0"/>
-              </a:rPr>
-              <a:t>Agile processes promote sustainable development. The sponsors, developers, and users should be able to maintain a constant pace indefinitely.</a:t>
+                  <a:srgbClr val="D4D4D4"/>
+                </a:solidFill>
+                <a:effectLst/>
+                <a:latin typeface="Consolas" panose="020B0609020204030204" pitchFamily="49" charset="0"/>
+              </a:rPr>
+              <a:t>My grandma started walking a mile a day when she was 45. She's 84 now and we have no idea where she is!!</a:t>
             </a:r>
           </a:p>
           <a:p>
@@ -5158,31 +5807,210 @@
                 <a:effectLst/>
                 <a:latin typeface="Consolas" panose="020B0609020204030204" pitchFamily="49" charset="0"/>
               </a:rPr>
-              <a:t>I've told why I think small changes are more sustainable. Organizations need to balance the risk of their activities. Big risks can lead to big failures. Small risks lead to small </a:t>
-            </a:r>
-            <a:r>
-              <a:rPr lang="en-US" b="0" dirty="0" err="1">
-                <a:solidFill>
-                  <a:srgbClr val="D4D4D4"/>
-                </a:solidFill>
-                <a:effectLst/>
-                <a:latin typeface="Consolas" panose="020B0609020204030204" pitchFamily="49" charset="0"/>
-              </a:rPr>
-              <a:t>failuers</a:t>
-            </a:r>
-            <a:r>
-              <a:rPr lang="en-US" b="0" dirty="0">
-                <a:solidFill>
-                  <a:srgbClr val="D4D4D4"/>
-                </a:solidFill>
-                <a:effectLst/>
-                <a:latin typeface="Consolas" panose="020B0609020204030204" pitchFamily="49" charset="0"/>
-              </a:rPr>
-              <a:t> that are more palatable as learning experiences. The bigger the bet, the fewer you're inclined to take and the more unbalanced your approach. Eggs in one basket, and all that. Smaller bets means more bets, more "better" failures balanced with success. More baskets, fewer broken eggs. Still agile.</a:t>
-            </a:r>
-          </a:p>
-          <a:p>
-            <a:endParaRPr lang="en-US" dirty="0"/>
+              <a:t>small improvements add up over time...if you don't quit.</a:t>
+            </a:r>
+          </a:p>
+          <a:p>
+            <a:pPr marL="171450" indent="-171450">
+              <a:buFontTx/>
+              <a:buChar char="-"/>
+            </a:pPr>
+            <a:r>
+              <a:rPr lang="en-US" b="0" dirty="0">
+                <a:solidFill>
+                  <a:srgbClr val="D4D4D4"/>
+                </a:solidFill>
+                <a:effectLst/>
+                <a:latin typeface="Consolas" panose="020B0609020204030204" pitchFamily="49" charset="0"/>
+              </a:rPr>
+              <a:t>not very exciting and generally don't make for good talks IMHO. </a:t>
+            </a:r>
+          </a:p>
+          <a:p>
+            <a:pPr marL="171450" indent="-171450">
+              <a:buFontTx/>
+              <a:buChar char="-"/>
+            </a:pPr>
+            <a:r>
+              <a:rPr lang="en-US" b="0" dirty="0">
+                <a:solidFill>
+                  <a:srgbClr val="D4D4D4"/>
+                </a:solidFill>
+                <a:effectLst/>
+                <a:latin typeface="Consolas" panose="020B0609020204030204" pitchFamily="49" charset="0"/>
+              </a:rPr>
+              <a:t>Big improvements are exciting, revolutionary, and make for great presentations</a:t>
+            </a:r>
+          </a:p>
+          <a:p>
+            <a:br>
+              <a:rPr lang="en-US" b="0" dirty="0">
+                <a:solidFill>
+                  <a:srgbClr val="D4D4D4"/>
+                </a:solidFill>
+                <a:effectLst/>
+                <a:latin typeface="Consolas" panose="020B0609020204030204" pitchFamily="49" charset="0"/>
+              </a:rPr>
+            </a:br>
+            <a:r>
+              <a:rPr lang="en-US" b="0" dirty="0">
+                <a:solidFill>
+                  <a:srgbClr val="D4D4D4"/>
+                </a:solidFill>
+                <a:effectLst/>
+                <a:latin typeface="Consolas" panose="020B0609020204030204" pitchFamily="49" charset="0"/>
+              </a:rPr>
+              <a:t>Time as a factor in the equation? </a:t>
+            </a:r>
+          </a:p>
+          <a:p>
+            <a:pPr marL="171450" indent="-171450">
+              <a:buFontTx/>
+              <a:buChar char="-"/>
+            </a:pPr>
+            <a:r>
+              <a:rPr lang="en-US" b="0" dirty="0">
+                <a:solidFill>
+                  <a:srgbClr val="D4D4D4"/>
+                </a:solidFill>
+                <a:effectLst/>
+                <a:latin typeface="Consolas" panose="020B0609020204030204" pitchFamily="49" charset="0"/>
+              </a:rPr>
+              <a:t>How long can you sustain revolutionary </a:t>
+            </a:r>
+          </a:p>
+          <a:p>
+            <a:pPr marL="628650" lvl="1" indent="-171450">
+              <a:buFontTx/>
+              <a:buChar char="-"/>
+            </a:pPr>
+            <a:r>
+              <a:rPr lang="en-US" b="0" dirty="0">
+                <a:solidFill>
+                  <a:srgbClr val="D4D4D4"/>
+                </a:solidFill>
+                <a:effectLst/>
+                <a:latin typeface="Consolas" panose="020B0609020204030204" pitchFamily="49" charset="0"/>
+              </a:rPr>
+              <a:t>Big changes make wow and sizzle for short periods. When they become status quo, that steady state becomes the next launching point for a new revolution. Big changes are dramatic, chaotic, exciting, tiring, troublesome, draining, and unsustainable IMHO. After a time of status quo, a new revolution may come around after a good long while.</a:t>
+            </a:r>
+          </a:p>
+          <a:p>
+            <a:pPr marL="171450" lvl="0" indent="-171450">
+              <a:buFontTx/>
+              <a:buChar char="-"/>
+            </a:pPr>
+            <a:r>
+              <a:rPr lang="en-US" b="0" dirty="0">
+                <a:solidFill>
+                  <a:srgbClr val="D4D4D4"/>
+                </a:solidFill>
+                <a:effectLst/>
+                <a:latin typeface="Consolas" panose="020B0609020204030204" pitchFamily="49" charset="0"/>
+              </a:rPr>
+              <a:t>Small changes are much less difficult, </a:t>
+            </a:r>
+          </a:p>
+          <a:p>
+            <a:pPr marL="628650" lvl="1" indent="-171450">
+              <a:buFontTx/>
+              <a:buChar char="-"/>
+            </a:pPr>
+            <a:r>
+              <a:rPr lang="en-US" b="0" dirty="0">
+                <a:solidFill>
+                  <a:srgbClr val="D4D4D4"/>
+                </a:solidFill>
+                <a:effectLst/>
+                <a:latin typeface="Consolas" panose="020B0609020204030204" pitchFamily="49" charset="0"/>
+              </a:rPr>
+              <a:t>can be more orderly, </a:t>
+            </a:r>
+          </a:p>
+          <a:p>
+            <a:pPr marL="628650" lvl="1" indent="-171450">
+              <a:buFontTx/>
+              <a:buChar char="-"/>
+            </a:pPr>
+            <a:r>
+              <a:rPr lang="en-US" b="0" dirty="0">
+                <a:solidFill>
+                  <a:srgbClr val="D4D4D4"/>
+                </a:solidFill>
+                <a:effectLst/>
+                <a:latin typeface="Consolas" panose="020B0609020204030204" pitchFamily="49" charset="0"/>
+              </a:rPr>
+              <a:t>a bit boring, </a:t>
+            </a:r>
+          </a:p>
+          <a:p>
+            <a:pPr marL="628650" lvl="1" indent="-171450">
+              <a:buFontTx/>
+              <a:buChar char="-"/>
+            </a:pPr>
+            <a:r>
+              <a:rPr lang="en-US" b="0" dirty="0">
+                <a:solidFill>
+                  <a:srgbClr val="D4D4D4"/>
+                </a:solidFill>
+                <a:effectLst/>
+                <a:latin typeface="Consolas" panose="020B0609020204030204" pitchFamily="49" charset="0"/>
+              </a:rPr>
+              <a:t>less troublesome, </a:t>
+            </a:r>
+          </a:p>
+          <a:p>
+            <a:pPr marL="628650" lvl="1" indent="-171450">
+              <a:buFontTx/>
+              <a:buChar char="-"/>
+            </a:pPr>
+            <a:r>
+              <a:rPr lang="en-US" b="0" dirty="0">
+                <a:solidFill>
+                  <a:srgbClr val="D4D4D4"/>
+                </a:solidFill>
+                <a:effectLst/>
+                <a:latin typeface="Consolas" panose="020B0609020204030204" pitchFamily="49" charset="0"/>
+              </a:rPr>
+              <a:t>energizing and </a:t>
+            </a:r>
+          </a:p>
+          <a:p>
+            <a:pPr marL="628650" lvl="1" indent="-171450">
+              <a:buFontTx/>
+              <a:buChar char="-"/>
+            </a:pPr>
+            <a:r>
+              <a:rPr lang="en-US" b="0" dirty="0">
+                <a:solidFill>
+                  <a:srgbClr val="D4D4D4"/>
+                </a:solidFill>
+                <a:effectLst/>
+                <a:latin typeface="Consolas" panose="020B0609020204030204" pitchFamily="49" charset="0"/>
+              </a:rPr>
+              <a:t>much more sustainable. Over time, like with grandma, those changes can add up to extraordinary progress.</a:t>
+            </a:r>
+          </a:p>
+          <a:p>
+            <a:br>
+              <a:rPr lang="en-US" b="0" dirty="0">
+                <a:solidFill>
+                  <a:srgbClr val="D4D4D4"/>
+                </a:solidFill>
+                <a:effectLst/>
+                <a:latin typeface="Consolas" panose="020B0609020204030204" pitchFamily="49" charset="0"/>
+              </a:rPr>
+            </a:br>
+            <a:r>
+              <a:rPr lang="en-US" b="0" dirty="0">
+                <a:solidFill>
+                  <a:srgbClr val="D4D4D4"/>
+                </a:solidFill>
+                <a:effectLst/>
+                <a:latin typeface="Consolas" panose="020B0609020204030204" pitchFamily="49" charset="0"/>
+              </a:rPr>
+              <a:t>But...is this agile? I would say so.</a:t>
+            </a:r>
           </a:p>
         </p:txBody>
       </p:sp>
@@ -5203,7 +6031,7 @@
           <a:p>
             <a:fld id="{68AD085A-CE2C-4AF4-96B5-9AB734DA641A}" type="slidenum">
               <a:rPr lang="en-US" smtClean="0"/>
-              <a:t>6</a:t>
+              <a:t>5</a:t>
             </a:fld>
             <a:endParaRPr lang="en-US"/>
           </a:p>
@@ -5212,7 +6040,7 @@
     </p:spTree>
     <p:extLst>
       <p:ext uri="{BB962C8B-B14F-4D97-AF65-F5344CB8AC3E}">
-        <p14:creationId xmlns:p14="http://schemas.microsoft.com/office/powerpoint/2010/main" val="2198459381"/>
+        <p14:creationId xmlns:p14="http://schemas.microsoft.com/office/powerpoint/2010/main" val="3131728311"/>
       </p:ext>
     </p:extLst>
   </p:cSld>
@@ -5284,7 +6112,7 @@
                 <a:effectLst/>
                 <a:latin typeface="Consolas" panose="020B0609020204030204" pitchFamily="49" charset="0"/>
               </a:rPr>
-              <a:t>Continuous attention to technical excellence and good design enhances agility.</a:t>
+              <a:t>Agile processes promote sustainable development. The sponsors, developers, and users should be able to maintain a constant pace indefinitely.</a:t>
             </a:r>
           </a:p>
           <a:p>
@@ -5305,8 +6133,136 @@
                 <a:effectLst/>
                 <a:latin typeface="Consolas" panose="020B0609020204030204" pitchFamily="49" charset="0"/>
               </a:rPr>
-              <a:t>Continuous, not just during times of revolutionary improvement. Not all technical improvements are small, but many are. Small improvements like introducing your first unit tests and getting those tests into a build and release pipeline are fairly small, if you have a build and release pipeline. the Pipeline can be big. Uncle Bob's "Boy Scout Rule" in code is an example to continuous attention to technical excellence. Learning for 30 minutes each week adds up over time. Still agile.</a:t>
-            </a:r>
+              <a:t>- Organizations need to balance the risk of their activities. </a:t>
+            </a:r>
+          </a:p>
+          <a:p>
+            <a:pPr marL="628650" lvl="1" indent="-171450">
+              <a:buFontTx/>
+              <a:buChar char="-"/>
+            </a:pPr>
+            <a:r>
+              <a:rPr lang="en-US" b="0" dirty="0">
+                <a:solidFill>
+                  <a:srgbClr val="D4D4D4"/>
+                </a:solidFill>
+                <a:effectLst/>
+                <a:latin typeface="Consolas" panose="020B0609020204030204" pitchFamily="49" charset="0"/>
+              </a:rPr>
+              <a:t>Big risks can lead to big failures. The bigger the bet, the fewer you're inclined to take and the more unbalanced your approach. Eggs in one basket, and all that.</a:t>
+            </a:r>
+          </a:p>
+          <a:p>
+            <a:pPr marL="628650" lvl="1" indent="-171450">
+              <a:buFontTx/>
+              <a:buChar char="-"/>
+            </a:pPr>
+            <a:r>
+              <a:rPr lang="en-US" b="0" dirty="0">
+                <a:solidFill>
+                  <a:srgbClr val="D4D4D4"/>
+                </a:solidFill>
+                <a:effectLst/>
+                <a:latin typeface="Consolas" panose="020B0609020204030204" pitchFamily="49" charset="0"/>
+              </a:rPr>
+              <a:t>Small risks lead to small failures. </a:t>
+            </a:r>
+          </a:p>
+          <a:p>
+            <a:pPr marL="1085850" lvl="2" indent="-171450">
+              <a:buFontTx/>
+              <a:buChar char="-"/>
+            </a:pPr>
+            <a:r>
+              <a:rPr lang="en-US" b="0" dirty="0">
+                <a:solidFill>
+                  <a:srgbClr val="D4D4D4"/>
+                </a:solidFill>
+                <a:effectLst/>
+                <a:latin typeface="Consolas" panose="020B0609020204030204" pitchFamily="49" charset="0"/>
+              </a:rPr>
+              <a:t>More palatable as learning experiences.  </a:t>
+            </a:r>
+          </a:p>
+          <a:p>
+            <a:pPr marL="1085850" lvl="2" indent="-171450">
+              <a:buFontTx/>
+              <a:buChar char="-"/>
+            </a:pPr>
+            <a:r>
+              <a:rPr lang="en-US" b="0" dirty="0">
+                <a:solidFill>
+                  <a:srgbClr val="D4D4D4"/>
+                </a:solidFill>
+                <a:effectLst/>
+                <a:latin typeface="Consolas" panose="020B0609020204030204" pitchFamily="49" charset="0"/>
+              </a:rPr>
+              <a:t>Smaller bets means more bets. </a:t>
+            </a:r>
+          </a:p>
+          <a:p>
+            <a:pPr marL="1085850" lvl="2" indent="-171450">
+              <a:buFontTx/>
+              <a:buChar char="-"/>
+            </a:pPr>
+            <a:r>
+              <a:rPr lang="en-US" b="0" dirty="0">
+                <a:solidFill>
+                  <a:srgbClr val="D4D4D4"/>
+                </a:solidFill>
+                <a:effectLst/>
+                <a:latin typeface="Consolas" panose="020B0609020204030204" pitchFamily="49" charset="0"/>
+              </a:rPr>
+              <a:t>More baskets, fewer broken eggs. </a:t>
+            </a:r>
+          </a:p>
+          <a:p>
+            <a:pPr marL="171450" lvl="0" indent="-171450">
+              <a:buFontTx/>
+              <a:buChar char="-"/>
+            </a:pPr>
+            <a:r>
+              <a:rPr lang="en-US" b="0" dirty="0">
+                <a:solidFill>
+                  <a:srgbClr val="D4D4D4"/>
+                </a:solidFill>
+                <a:effectLst/>
+                <a:latin typeface="Consolas" panose="020B0609020204030204" pitchFamily="49" charset="0"/>
+              </a:rPr>
+              <a:t>Sustainable tortoise says choose the right problems to fix next; don’t boil the ocean.</a:t>
+            </a:r>
+          </a:p>
+          <a:p>
+            <a:pPr marL="0" lvl="0" indent="0">
+              <a:buFontTx/>
+              <a:buNone/>
+            </a:pPr>
+            <a:endParaRPr lang="en-US" b="0" dirty="0">
+              <a:solidFill>
+                <a:srgbClr val="D4D4D4"/>
+              </a:solidFill>
+              <a:effectLst/>
+              <a:latin typeface="Consolas" panose="020B0609020204030204" pitchFamily="49" charset="0"/>
+            </a:endParaRPr>
+          </a:p>
+          <a:p>
+            <a:pPr marL="0" lvl="0" indent="0">
+              <a:buFontTx/>
+              <a:buNone/>
+            </a:pPr>
+            <a:r>
+              <a:rPr lang="en-US" b="0" dirty="0">
+                <a:solidFill>
+                  <a:srgbClr val="D4D4D4"/>
+                </a:solidFill>
+                <a:effectLst/>
+                <a:latin typeface="Consolas" panose="020B0609020204030204" pitchFamily="49" charset="0"/>
+              </a:rPr>
+              <a:t>Still agile.</a:t>
+            </a:r>
+          </a:p>
+          <a:p>
+            <a:endParaRPr lang="en-US" dirty="0"/>
           </a:p>
         </p:txBody>
       </p:sp>
@@ -5327,7 +6283,7 @@
           <a:p>
             <a:fld id="{68AD085A-CE2C-4AF4-96B5-9AB734DA641A}" type="slidenum">
               <a:rPr lang="en-US" smtClean="0"/>
-              <a:t>7</a:t>
+              <a:t>6</a:t>
             </a:fld>
             <a:endParaRPr lang="en-US"/>
           </a:p>
@@ -5336,7 +6292,7 @@
     </p:spTree>
     <p:extLst>
       <p:ext uri="{BB962C8B-B14F-4D97-AF65-F5344CB8AC3E}">
-        <p14:creationId xmlns:p14="http://schemas.microsoft.com/office/powerpoint/2010/main" val="1382642431"/>
+        <p14:creationId xmlns:p14="http://schemas.microsoft.com/office/powerpoint/2010/main" val="2198459381"/>
       </p:ext>
     </p:extLst>
   </p:cSld>
@@ -5408,27 +6364,7 @@
                 <a:effectLst/>
                 <a:latin typeface="Consolas" panose="020B0609020204030204" pitchFamily="49" charset="0"/>
               </a:rPr>
-              <a:t>Simplicity--the art of maximizing the </a:t>
-            </a:r>
-            <a:r>
-              <a:rPr lang="en-US" b="0" dirty="0" err="1">
-                <a:solidFill>
-                  <a:srgbClr val="D4D4D4"/>
-                </a:solidFill>
-                <a:effectLst/>
-                <a:latin typeface="Consolas" panose="020B0609020204030204" pitchFamily="49" charset="0"/>
-              </a:rPr>
-              <a:t>amountof</a:t>
-            </a:r>
-            <a:r>
-              <a:rPr lang="en-US" b="0" dirty="0">
-                <a:solidFill>
-                  <a:srgbClr val="D4D4D4"/>
-                </a:solidFill>
-                <a:effectLst/>
-                <a:latin typeface="Consolas" panose="020B0609020204030204" pitchFamily="49" charset="0"/>
-              </a:rPr>
-              <a:t> work not done--is essential.</a:t>
+              <a:t>Continuous attention to technical excellence and good design enhances agility.</a:t>
             </a:r>
           </a:p>
           <a:p>
@@ -5449,11 +6385,155 @@
                 <a:effectLst/>
                 <a:latin typeface="Consolas" panose="020B0609020204030204" pitchFamily="49" charset="0"/>
               </a:rPr>
-              <a:t>Big change quickly risks all kinds of mistakes. Buy-in, oversights, unintended consequences, etc. Recovering from and reworking problems inherent in big-bang change is wasteful. All that time spent reworking, rearchitecting, and even rehiring is time and energy you could be spending on valuable work. If you have the time to spare, make the small, step by step improvements you need towards achieving the big goal over time. Still agile.</a:t>
-            </a:r>
-          </a:p>
-          <a:p>
-            <a:endParaRPr lang="en-US" dirty="0"/>
+              <a:t>Continuous, not just during times of revolutionary improvement. </a:t>
+            </a:r>
+          </a:p>
+          <a:p>
+            <a:endParaRPr lang="en-US" b="0" dirty="0">
+              <a:solidFill>
+                <a:srgbClr val="D4D4D4"/>
+              </a:solidFill>
+              <a:effectLst/>
+              <a:latin typeface="Consolas" panose="020B0609020204030204" pitchFamily="49" charset="0"/>
+            </a:endParaRPr>
+          </a:p>
+          <a:p>
+            <a:pPr marL="171450" indent="-171450">
+              <a:buFontTx/>
+              <a:buChar char="-"/>
+            </a:pPr>
+            <a:r>
+              <a:rPr lang="en-US" b="0" dirty="0">
+                <a:solidFill>
+                  <a:srgbClr val="D4D4D4"/>
+                </a:solidFill>
+                <a:effectLst/>
+                <a:latin typeface="Consolas" panose="020B0609020204030204" pitchFamily="49" charset="0"/>
+              </a:rPr>
+              <a:t>Not all technical improvements are small, but many are. </a:t>
+            </a:r>
+          </a:p>
+          <a:p>
+            <a:pPr marL="628650" lvl="1" indent="-171450">
+              <a:buFontTx/>
+              <a:buChar char="-"/>
+            </a:pPr>
+            <a:r>
+              <a:rPr lang="en-US" b="0" dirty="0">
+                <a:solidFill>
+                  <a:srgbClr val="D4D4D4"/>
+                </a:solidFill>
+                <a:effectLst/>
+                <a:latin typeface="Consolas" panose="020B0609020204030204" pitchFamily="49" charset="0"/>
+              </a:rPr>
+              <a:t>Small improvements like introducing your first unit tests or writing your first user story</a:t>
+            </a:r>
+          </a:p>
+          <a:p>
+            <a:pPr marL="628650" lvl="1" indent="-171450">
+              <a:buFontTx/>
+              <a:buChar char="-"/>
+            </a:pPr>
+            <a:r>
+              <a:rPr lang="en-US" b="0" dirty="0">
+                <a:solidFill>
+                  <a:srgbClr val="D4D4D4"/>
+                </a:solidFill>
+                <a:effectLst/>
+                <a:latin typeface="Consolas" panose="020B0609020204030204" pitchFamily="49" charset="0"/>
+              </a:rPr>
+              <a:t>Uncle Bob’s “Boy Scout Rule”</a:t>
+            </a:r>
+          </a:p>
+          <a:p>
+            <a:pPr marL="628650" lvl="1" indent="-171450">
+              <a:buFontTx/>
+              <a:buChar char="-"/>
+            </a:pPr>
+            <a:r>
+              <a:rPr lang="en-US" b="0" dirty="0">
+                <a:solidFill>
+                  <a:srgbClr val="D4D4D4"/>
+                </a:solidFill>
+                <a:effectLst/>
+                <a:latin typeface="Consolas" panose="020B0609020204030204" pitchFamily="49" charset="0"/>
+              </a:rPr>
+              <a:t>Deciding to trust the team to facilitate their own Daily Scrum</a:t>
+            </a:r>
+          </a:p>
+          <a:p>
+            <a:pPr marL="628650" lvl="1" indent="-171450">
+              <a:buFontTx/>
+              <a:buChar char="-"/>
+            </a:pPr>
+            <a:r>
+              <a:rPr lang="en-US" b="0" dirty="0">
+                <a:solidFill>
+                  <a:srgbClr val="D4D4D4"/>
+                </a:solidFill>
+                <a:effectLst/>
+                <a:latin typeface="Consolas" panose="020B0609020204030204" pitchFamily="49" charset="0"/>
+              </a:rPr>
+              <a:t>Learning for 30 minutes each week adds up over time. </a:t>
+            </a:r>
+          </a:p>
+          <a:p>
+            <a:pPr marL="0" lvl="0" indent="0">
+              <a:buFontTx/>
+              <a:buNone/>
+            </a:pPr>
+            <a:endParaRPr lang="en-US" b="0" dirty="0">
+              <a:solidFill>
+                <a:srgbClr val="D4D4D4"/>
+              </a:solidFill>
+              <a:effectLst/>
+              <a:latin typeface="Consolas" panose="020B0609020204030204" pitchFamily="49" charset="0"/>
+            </a:endParaRPr>
+          </a:p>
+          <a:p>
+            <a:pPr marL="0" lvl="0" indent="0">
+              <a:buFontTx/>
+              <a:buNone/>
+            </a:pPr>
+            <a:r>
+              <a:rPr lang="en-US" b="0" dirty="0">
+                <a:solidFill>
+                  <a:srgbClr val="D4D4D4"/>
+                </a:solidFill>
+                <a:effectLst/>
+                <a:latin typeface="Consolas" panose="020B0609020204030204" pitchFamily="49" charset="0"/>
+              </a:rPr>
+              <a:t>There’s plenty of small things to improve all around you.</a:t>
+            </a:r>
+          </a:p>
+          <a:p>
+            <a:pPr marL="0" lvl="0" indent="0">
+              <a:buFontTx/>
+              <a:buNone/>
+            </a:pPr>
+            <a:endParaRPr lang="en-US" b="0" dirty="0">
+              <a:solidFill>
+                <a:srgbClr val="D4D4D4"/>
+              </a:solidFill>
+              <a:effectLst/>
+              <a:latin typeface="Consolas" panose="020B0609020204030204" pitchFamily="49" charset="0"/>
+            </a:endParaRPr>
+          </a:p>
+          <a:p>
+            <a:pPr marL="0" lvl="0" indent="0">
+              <a:buFontTx/>
+              <a:buNone/>
+            </a:pPr>
+            <a:r>
+              <a:rPr lang="en-US" b="0" dirty="0">
+                <a:solidFill>
+                  <a:srgbClr val="D4D4D4"/>
+                </a:solidFill>
+                <a:effectLst/>
+                <a:latin typeface="Consolas" panose="020B0609020204030204" pitchFamily="49" charset="0"/>
+              </a:rPr>
+              <a:t>Still agile.</a:t>
+            </a:r>
           </a:p>
         </p:txBody>
       </p:sp>
@@ -5474,7 +6554,7 @@
           <a:p>
             <a:fld id="{68AD085A-CE2C-4AF4-96B5-9AB734DA641A}" type="slidenum">
               <a:rPr lang="en-US" smtClean="0"/>
-              <a:t>8</a:t>
+              <a:t>7</a:t>
             </a:fld>
             <a:endParaRPr lang="en-US"/>
           </a:p>
@@ -5483,7 +6563,7 @@
     </p:spTree>
     <p:extLst>
       <p:ext uri="{BB962C8B-B14F-4D97-AF65-F5344CB8AC3E}">
-        <p14:creationId xmlns:p14="http://schemas.microsoft.com/office/powerpoint/2010/main" val="1220281334"/>
+        <p14:creationId xmlns:p14="http://schemas.microsoft.com/office/powerpoint/2010/main" val="1382642431"/>
       </p:ext>
     </p:extLst>
   </p:cSld>
@@ -5555,39 +6635,7 @@
                 <a:effectLst/>
                 <a:latin typeface="Consolas" panose="020B0609020204030204" pitchFamily="49" charset="0"/>
               </a:rPr>
-              <a:t>At regular intervals, the team reflects on </a:t>
-            </a:r>
-            <a:r>
-              <a:rPr lang="en-US" b="0" dirty="0" err="1">
-                <a:solidFill>
-                  <a:srgbClr val="D4D4D4"/>
-                </a:solidFill>
-                <a:effectLst/>
-                <a:latin typeface="Consolas" panose="020B0609020204030204" pitchFamily="49" charset="0"/>
-              </a:rPr>
-              <a:t>howto</a:t>
-            </a:r>
-            <a:r>
-              <a:rPr lang="en-US" b="0" dirty="0">
-                <a:solidFill>
-                  <a:srgbClr val="D4D4D4"/>
-                </a:solidFill>
-                <a:effectLst/>
-                <a:latin typeface="Consolas" panose="020B0609020204030204" pitchFamily="49" charset="0"/>
-              </a:rPr>
-              <a:t> become more effective, then tunes and adjusts</a:t>
-            </a:r>
-          </a:p>
-          <a:p>
-            <a:r>
-              <a:rPr lang="en-US" b="0" dirty="0">
-                <a:solidFill>
-                  <a:srgbClr val="D4D4D4"/>
-                </a:solidFill>
-                <a:effectLst/>
-                <a:latin typeface="Consolas" panose="020B0609020204030204" pitchFamily="49" charset="0"/>
-              </a:rPr>
-              <a:t>its behavior accordingly.</a:t>
+              <a:t>Simplicity--the art of maximizing the amount of work not done--is essential.</a:t>
             </a:r>
           </a:p>
           <a:p>
@@ -5608,27 +6656,148 @@
                 <a:effectLst/>
                 <a:latin typeface="Consolas" panose="020B0609020204030204" pitchFamily="49" charset="0"/>
               </a:rPr>
-              <a:t>Small improvements occasionally are not sufficient to solve big, pervasive problems. Revolutionary change occasionally might (remember the risk). Small </a:t>
-            </a:r>
-            <a:r>
-              <a:rPr lang="en-US" b="0" dirty="0" err="1">
-                <a:solidFill>
-                  <a:srgbClr val="D4D4D4"/>
-                </a:solidFill>
-                <a:effectLst/>
-                <a:latin typeface="Consolas" panose="020B0609020204030204" pitchFamily="49" charset="0"/>
-              </a:rPr>
-              <a:t>improvemets</a:t>
-            </a:r>
-            <a:r>
-              <a:rPr lang="en-US" b="0" dirty="0">
-                <a:solidFill>
-                  <a:srgbClr val="D4D4D4"/>
-                </a:solidFill>
-                <a:effectLst/>
-                <a:latin typeface="Consolas" panose="020B0609020204030204" pitchFamily="49" charset="0"/>
-              </a:rPr>
-              <a:t> continuously can solve big, pervasive problems. Still agile.</a:t>
+              <a:t>Big change quickly risks all kinds of mistakes. </a:t>
+            </a:r>
+          </a:p>
+          <a:p>
+            <a:pPr marL="171450" indent="-171450">
+              <a:buFontTx/>
+              <a:buChar char="-"/>
+            </a:pPr>
+            <a:r>
+              <a:rPr lang="en-US" b="0" dirty="0">
+                <a:solidFill>
+                  <a:srgbClr val="D4D4D4"/>
+                </a:solidFill>
+                <a:effectLst/>
+                <a:latin typeface="Consolas" panose="020B0609020204030204" pitchFamily="49" charset="0"/>
+              </a:rPr>
+              <a:t>Buy-in, </a:t>
+            </a:r>
+          </a:p>
+          <a:p>
+            <a:pPr marL="171450" indent="-171450">
+              <a:buFontTx/>
+              <a:buChar char="-"/>
+            </a:pPr>
+            <a:r>
+              <a:rPr lang="en-US" b="0" dirty="0">
+                <a:solidFill>
+                  <a:srgbClr val="D4D4D4"/>
+                </a:solidFill>
+                <a:effectLst/>
+                <a:latin typeface="Consolas" panose="020B0609020204030204" pitchFamily="49" charset="0"/>
+              </a:rPr>
+              <a:t>oversights, </a:t>
+            </a:r>
+          </a:p>
+          <a:p>
+            <a:pPr marL="171450" indent="-171450">
+              <a:buFontTx/>
+              <a:buChar char="-"/>
+            </a:pPr>
+            <a:r>
+              <a:rPr lang="en-US" b="0" dirty="0">
+                <a:solidFill>
+                  <a:srgbClr val="D4D4D4"/>
+                </a:solidFill>
+                <a:effectLst/>
+                <a:latin typeface="Consolas" panose="020B0609020204030204" pitchFamily="49" charset="0"/>
+              </a:rPr>
+              <a:t>unintended consequences, etc. </a:t>
+            </a:r>
+          </a:p>
+          <a:p>
+            <a:pPr marL="0" indent="0">
+              <a:buFontTx/>
+              <a:buNone/>
+            </a:pPr>
+            <a:r>
+              <a:rPr lang="en-US" b="0" dirty="0">
+                <a:solidFill>
+                  <a:srgbClr val="D4D4D4"/>
+                </a:solidFill>
+                <a:effectLst/>
+                <a:latin typeface="Consolas" panose="020B0609020204030204" pitchFamily="49" charset="0"/>
+              </a:rPr>
+              <a:t>Recovering from and reworking problems inherent in big-bang change is wasteful. </a:t>
+            </a:r>
+          </a:p>
+          <a:p>
+            <a:pPr marL="171450" indent="-171450">
+              <a:buFontTx/>
+              <a:buChar char="-"/>
+            </a:pPr>
+            <a:r>
+              <a:rPr lang="en-US" b="0" dirty="0">
+                <a:solidFill>
+                  <a:srgbClr val="D4D4D4"/>
+                </a:solidFill>
+                <a:effectLst/>
+                <a:latin typeface="Consolas" panose="020B0609020204030204" pitchFamily="49" charset="0"/>
+              </a:rPr>
+              <a:t>All that time spent reworking, </a:t>
+            </a:r>
+          </a:p>
+          <a:p>
+            <a:pPr marL="171450" indent="-171450">
+              <a:buFontTx/>
+              <a:buChar char="-"/>
+            </a:pPr>
+            <a:r>
+              <a:rPr lang="en-US" b="0" dirty="0">
+                <a:solidFill>
+                  <a:srgbClr val="D4D4D4"/>
+                </a:solidFill>
+                <a:effectLst/>
+                <a:latin typeface="Consolas" panose="020B0609020204030204" pitchFamily="49" charset="0"/>
+              </a:rPr>
+              <a:t>rearchitecting, and </a:t>
+            </a:r>
+          </a:p>
+          <a:p>
+            <a:pPr marL="171450" indent="-171450">
+              <a:buFontTx/>
+              <a:buChar char="-"/>
+            </a:pPr>
+            <a:r>
+              <a:rPr lang="en-US" b="0" dirty="0">
+                <a:solidFill>
+                  <a:srgbClr val="D4D4D4"/>
+                </a:solidFill>
+                <a:effectLst/>
+                <a:latin typeface="Consolas" panose="020B0609020204030204" pitchFamily="49" charset="0"/>
+              </a:rPr>
+              <a:t>even rehiring </a:t>
+            </a:r>
+          </a:p>
+          <a:p>
+            <a:pPr marL="0" indent="0">
+              <a:buFontTx/>
+              <a:buNone/>
+            </a:pPr>
+            <a:endParaRPr lang="en-US" b="0" dirty="0">
+              <a:solidFill>
+                <a:srgbClr val="D4D4D4"/>
+              </a:solidFill>
+              <a:effectLst/>
+              <a:latin typeface="Consolas" panose="020B0609020204030204" pitchFamily="49" charset="0"/>
+            </a:endParaRPr>
+          </a:p>
+          <a:p>
+            <a:pPr marL="0" indent="0">
+              <a:buFontTx/>
+              <a:buNone/>
+            </a:pPr>
+            <a:r>
+              <a:rPr lang="en-US" b="0" dirty="0">
+                <a:solidFill>
+                  <a:srgbClr val="D4D4D4"/>
+                </a:solidFill>
+                <a:effectLst/>
+                <a:latin typeface="Consolas" panose="020B0609020204030204" pitchFamily="49" charset="0"/>
+              </a:rPr>
+              <a:t>Think of all the time and energy you could be spending on valuable work. If you have the time to spare, make the small, step by step improvements you need towards achieving the big goal over time. Still agile.</a:t>
             </a:r>
           </a:p>
           <a:p>
@@ -5653,7 +6822,7 @@
           <a:p>
             <a:fld id="{68AD085A-CE2C-4AF4-96B5-9AB734DA641A}" type="slidenum">
               <a:rPr lang="en-US" smtClean="0"/>
-              <a:t>9</a:t>
+              <a:t>8</a:t>
             </a:fld>
             <a:endParaRPr lang="en-US"/>
           </a:p>
@@ -5662,7 +6831,7 @@
     </p:spTree>
     <p:extLst>
       <p:ext uri="{BB962C8B-B14F-4D97-AF65-F5344CB8AC3E}">
-        <p14:creationId xmlns:p14="http://schemas.microsoft.com/office/powerpoint/2010/main" val="3849813691"/>
+        <p14:creationId xmlns:p14="http://schemas.microsoft.com/office/powerpoint/2010/main" val="1220281334"/>
       </p:ext>
     </p:extLst>
   </p:cSld>
@@ -5719,12 +6888,34 @@
             <a:r>
               <a:rPr lang="en-US" b="0" dirty="0">
                 <a:solidFill>
-                  <a:srgbClr val="D4D4D4"/>
-                </a:solidFill>
-                <a:effectLst/>
-                <a:latin typeface="Consolas" panose="020B0609020204030204" pitchFamily="49" charset="0"/>
-              </a:rPr>
-              <a:t>small improvements over time establish trust and track record. Hard to argue with consistent success. Trust makes everything faster and cheaper. The next change becomes easier because of the solid foundation added to by previous, incremental changes.</a:t>
+                  <a:srgbClr val="6A9955"/>
+                </a:solidFill>
+                <a:effectLst/>
+                <a:latin typeface="Consolas" panose="020B0609020204030204" pitchFamily="49" charset="0"/>
+              </a:rPr>
+              <a:t>&gt;</a:t>
+            </a:r>
+            <a:r>
+              <a:rPr lang="en-US" b="0" dirty="0">
+                <a:solidFill>
+                  <a:srgbClr val="D4D4D4"/>
+                </a:solidFill>
+                <a:effectLst/>
+                <a:latin typeface="Consolas" panose="020B0609020204030204" pitchFamily="49" charset="0"/>
+              </a:rPr>
+              <a:t>At regular intervals, the team reflects on how to become more effective, then tunes and adjusts</a:t>
+            </a:r>
+          </a:p>
+          <a:p>
+            <a:r>
+              <a:rPr lang="en-US" b="0" dirty="0">
+                <a:solidFill>
+                  <a:srgbClr val="D4D4D4"/>
+                </a:solidFill>
+                <a:effectLst/>
+                <a:latin typeface="Consolas" panose="020B0609020204030204" pitchFamily="49" charset="0"/>
+              </a:rPr>
+              <a:t>its behavior accordingly.</a:t>
             </a:r>
           </a:p>
           <a:p>
@@ -5745,48 +6936,31 @@
                 <a:effectLst/>
                 <a:latin typeface="Consolas" panose="020B0609020204030204" pitchFamily="49" charset="0"/>
               </a:rPr>
-              <a:t>[</a:t>
-            </a:r>
-            <a:r>
-              <a:rPr lang="en-US" b="0" dirty="0">
-                <a:solidFill>
-                  <a:srgbClr val="CE9178"/>
-                </a:solidFill>
-                <a:effectLst/>
-                <a:latin typeface="Consolas" panose="020B0609020204030204" pitchFamily="49" charset="0"/>
-              </a:rPr>
-              <a:t>picture of pearl</a:t>
-            </a:r>
-            <a:r>
-              <a:rPr lang="en-US" b="0" dirty="0">
-                <a:solidFill>
-                  <a:srgbClr val="D4D4D4"/>
-                </a:solidFill>
-                <a:effectLst/>
-                <a:latin typeface="Consolas" panose="020B0609020204030204" pitchFamily="49" charset="0"/>
-              </a:rPr>
-              <a:t>](</a:t>
-            </a:r>
-            <a:r>
-              <a:rPr lang="en-US" b="0" u="sng" dirty="0">
-                <a:solidFill>
-                  <a:srgbClr val="D4D4D4"/>
-                </a:solidFill>
-                <a:effectLst/>
-                <a:latin typeface="Consolas" panose="020B0609020204030204" pitchFamily="49" charset="0"/>
-              </a:rPr>
-              <a:t>https://s26162.pcdn.co/wp-content/uploads/2021/08/close-up-of-pearl-in-oyster-shell-82136435-59cab4cbaf5d3a0011308d9e.jpeg</a:t>
-            </a:r>
-            <a:r>
-              <a:rPr lang="en-US" b="0" dirty="0">
-                <a:solidFill>
-                  <a:srgbClr val="D4D4D4"/>
-                </a:solidFill>
-                <a:effectLst/>
-                <a:latin typeface="Consolas" panose="020B0609020204030204" pitchFamily="49" charset="0"/>
-              </a:rPr>
-              <a:t>)</a:t>
-            </a:r>
+              <a:t>Small improvements occasionally are not sufficient to solve big, pervasive problems. Revolutionary change occasionally might (remember the risk). Small </a:t>
+            </a:r>
+            <a:r>
+              <a:rPr lang="en-US" b="0" dirty="0" err="1">
+                <a:solidFill>
+                  <a:srgbClr val="D4D4D4"/>
+                </a:solidFill>
+                <a:effectLst/>
+                <a:latin typeface="Consolas" panose="020B0609020204030204" pitchFamily="49" charset="0"/>
+              </a:rPr>
+              <a:t>improvemets</a:t>
+            </a:r>
+            <a:r>
+              <a:rPr lang="en-US" b="0" dirty="0">
+                <a:solidFill>
+                  <a:srgbClr val="D4D4D4"/>
+                </a:solidFill>
+                <a:effectLst/>
+                <a:latin typeface="Consolas" panose="020B0609020204030204" pitchFamily="49" charset="0"/>
+              </a:rPr>
+              <a:t> continuously can solve big, pervasive problems. Still agile.</a:t>
+            </a:r>
+          </a:p>
+          <a:p>
+            <a:endParaRPr lang="en-US" dirty="0"/>
           </a:p>
         </p:txBody>
       </p:sp>
@@ -5807,7 +6981,7 @@
           <a:p>
             <a:fld id="{68AD085A-CE2C-4AF4-96B5-9AB734DA641A}" type="slidenum">
               <a:rPr lang="en-US" smtClean="0"/>
-              <a:t>10</a:t>
+              <a:t>9</a:t>
             </a:fld>
             <a:endParaRPr lang="en-US"/>
           </a:p>
@@ -5816,7 +6990,7 @@
     </p:spTree>
     <p:extLst>
       <p:ext uri="{BB962C8B-B14F-4D97-AF65-F5344CB8AC3E}">
-        <p14:creationId xmlns:p14="http://schemas.microsoft.com/office/powerpoint/2010/main" val="273288173"/>
+        <p14:creationId xmlns:p14="http://schemas.microsoft.com/office/powerpoint/2010/main" val="3849813691"/>
       </p:ext>
     </p:extLst>
   </p:cSld>
@@ -5973,7 +7147,7 @@
           <a:p>
             <a:fld id="{97A3E656-5293-4F7C-A8C3-EB5D1D92E80E}" type="datetimeFigureOut">
               <a:rPr lang="en-US" smtClean="0"/>
-              <a:t>11/6/2021</a:t>
+              <a:t>11/7/2021</a:t>
             </a:fld>
             <a:endParaRPr lang="en-US"/>
           </a:p>
@@ -6171,7 +7345,7 @@
           <a:p>
             <a:fld id="{97A3E656-5293-4F7C-A8C3-EB5D1D92E80E}" type="datetimeFigureOut">
               <a:rPr lang="en-US" smtClean="0"/>
-              <a:t>11/6/2021</a:t>
+              <a:t>11/7/2021</a:t>
             </a:fld>
             <a:endParaRPr lang="en-US"/>
           </a:p>
@@ -6379,7 +7553,7 @@
           <a:p>
             <a:fld id="{97A3E656-5293-4F7C-A8C3-EB5D1D92E80E}" type="datetimeFigureOut">
               <a:rPr lang="en-US" smtClean="0"/>
-              <a:t>11/6/2021</a:t>
+              <a:t>11/7/2021</a:t>
             </a:fld>
             <a:endParaRPr lang="en-US"/>
           </a:p>
@@ -6577,7 +7751,7 @@
           <a:p>
             <a:fld id="{97A3E656-5293-4F7C-A8C3-EB5D1D92E80E}" type="datetimeFigureOut">
               <a:rPr lang="en-US" smtClean="0"/>
-              <a:t>11/6/2021</a:t>
+              <a:t>11/7/2021</a:t>
             </a:fld>
             <a:endParaRPr lang="en-US"/>
           </a:p>
@@ -6852,7 +8026,7 @@
           <a:p>
             <a:fld id="{97A3E656-5293-4F7C-A8C3-EB5D1D92E80E}" type="datetimeFigureOut">
               <a:rPr lang="en-US" smtClean="0"/>
-              <a:t>11/6/2021</a:t>
+              <a:t>11/7/2021</a:t>
             </a:fld>
             <a:endParaRPr lang="en-US"/>
           </a:p>
@@ -7117,7 +8291,7 @@
           <a:p>
             <a:fld id="{97A3E656-5293-4F7C-A8C3-EB5D1D92E80E}" type="datetimeFigureOut">
               <a:rPr lang="en-US" smtClean="0"/>
-              <a:t>11/6/2021</a:t>
+              <a:t>11/7/2021</a:t>
             </a:fld>
             <a:endParaRPr lang="en-US"/>
           </a:p>
@@ -7529,7 +8703,7 @@
           <a:p>
             <a:fld id="{97A3E656-5293-4F7C-A8C3-EB5D1D92E80E}" type="datetimeFigureOut">
               <a:rPr lang="en-US" smtClean="0"/>
-              <a:t>11/6/2021</a:t>
+              <a:t>11/7/2021</a:t>
             </a:fld>
             <a:endParaRPr lang="en-US"/>
           </a:p>
@@ -7670,7 +8844,7 @@
           <a:p>
             <a:fld id="{97A3E656-5293-4F7C-A8C3-EB5D1D92E80E}" type="datetimeFigureOut">
               <a:rPr lang="en-US" smtClean="0"/>
-              <a:t>11/6/2021</a:t>
+              <a:t>11/7/2021</a:t>
             </a:fld>
             <a:endParaRPr lang="en-US"/>
           </a:p>
@@ -7783,7 +8957,7 @@
           <a:p>
             <a:fld id="{97A3E656-5293-4F7C-A8C3-EB5D1D92E80E}" type="datetimeFigureOut">
               <a:rPr lang="en-US" smtClean="0"/>
-              <a:t>11/6/2021</a:t>
+              <a:t>11/7/2021</a:t>
             </a:fld>
             <a:endParaRPr lang="en-US"/>
           </a:p>
@@ -8094,7 +9268,7 @@
           <a:p>
             <a:fld id="{97A3E656-5293-4F7C-A8C3-EB5D1D92E80E}" type="datetimeFigureOut">
               <a:rPr lang="en-US" smtClean="0"/>
-              <a:t>11/6/2021</a:t>
+              <a:t>11/7/2021</a:t>
             </a:fld>
             <a:endParaRPr lang="en-US"/>
           </a:p>
@@ -8382,7 +9556,7 @@
           <a:p>
             <a:fld id="{97A3E656-5293-4F7C-A8C3-EB5D1D92E80E}" type="datetimeFigureOut">
               <a:rPr lang="en-US" smtClean="0"/>
-              <a:t>11/6/2021</a:t>
+              <a:t>11/7/2021</a:t>
             </a:fld>
             <a:endParaRPr lang="en-US"/>
           </a:p>
@@ -8623,7 +9797,7 @@
           <a:p>
             <a:fld id="{97A3E656-5293-4F7C-A8C3-EB5D1D92E80E}" type="datetimeFigureOut">
               <a:rPr lang="en-US" smtClean="0"/>
-              <a:t>11/6/2021</a:t>
+              <a:t>11/7/2021</a:t>
             </a:fld>
             <a:endParaRPr lang="en-US"/>
           </a:p>
@@ -9144,12 +10318,14 @@
         </p:nvSpPr>
         <p:spPr/>
         <p:txBody>
-          <a:bodyPr/>
+          <a:bodyPr>
+            <a:normAutofit/>
+          </a:bodyPr>
           <a:lstStyle/>
           <a:p>
             <a:r>
               <a:rPr lang="en-US" dirty="0"/>
-              <a:t>The Tradeoffs of Organizational Change</a:t>
+              <a:t>Tradeoffs in Organizational Change</a:t>
             </a:r>
           </a:p>
         </p:txBody>
@@ -9175,7 +10351,10 @@
           <a:bodyPr/>
           <a:lstStyle/>
           <a:p>
-            <a:endParaRPr lang="en-US"/>
+            <a:pPr marL="0" indent="0">
+              <a:buNone/>
+            </a:pPr>
+            <a:endParaRPr lang="en-US" dirty="0"/>
           </a:p>
         </p:txBody>
       </p:sp>
@@ -9232,7 +10411,7 @@
           <a:p>
             <a:r>
               <a:rPr lang="en-US" dirty="0"/>
-              <a:t>Flex on Scope and Time, Not on Quality</a:t>
+              <a:t>The Project Management Iron Triangle</a:t>
             </a:r>
           </a:p>
         </p:txBody>
@@ -9258,7 +10437,22 @@
           <a:bodyPr/>
           <a:lstStyle/>
           <a:p>
-            <a:endParaRPr lang="en-US"/>
+            <a:r>
+              <a:rPr lang="en-US" dirty="0"/>
+              <a:t>Scope</a:t>
+            </a:r>
+          </a:p>
+          <a:p>
+            <a:r>
+              <a:rPr lang="en-US" dirty="0"/>
+              <a:t>Quality</a:t>
+            </a:r>
+          </a:p>
+          <a:p>
+            <a:r>
+              <a:rPr lang="en-US" dirty="0"/>
+              <a:t>Time</a:t>
+            </a:r>
           </a:p>
         </p:txBody>
       </p:sp>
@@ -9315,7 +10509,7 @@
           <a:p>
             <a:r>
               <a:rPr lang="en-US" dirty="0"/>
-              <a:t>The Org Change Triangle</a:t>
+              <a:t>The Organizational Change Triangle</a:t>
             </a:r>
           </a:p>
         </p:txBody>
@@ -9341,7 +10535,22 @@
           <a:bodyPr/>
           <a:lstStyle/>
           <a:p>
-            <a:endParaRPr lang="en-US"/>
+            <a:r>
+              <a:rPr lang="en-US" dirty="0"/>
+              <a:t>Breadth</a:t>
+            </a:r>
+          </a:p>
+          <a:p>
+            <a:r>
+              <a:rPr lang="en-US" dirty="0"/>
+              <a:t>Urgency</a:t>
+            </a:r>
+          </a:p>
+          <a:p>
+            <a:r>
+              <a:rPr lang="en-US" dirty="0"/>
+              <a:t>Commitment</a:t>
+            </a:r>
           </a:p>
         </p:txBody>
       </p:sp>
@@ -9463,7 +10672,7 @@
           <p:cNvPr id="2" name="Title 1">
             <a:extLst>
               <a:ext uri="{FF2B5EF4-FFF2-40B4-BE49-F238E27FC236}">
-                <a16:creationId xmlns:a16="http://schemas.microsoft.com/office/drawing/2014/main" id="{5A15A61E-B69F-42E1-B006-CCDDC996A498}"/>
+                <a16:creationId xmlns:a16="http://schemas.microsoft.com/office/drawing/2014/main" id="{5E0CE2E1-7D5B-4DFD-96F1-C1362F5992EA}"/>
               </a:ext>
             </a:extLst>
           </p:cNvPr>
@@ -9481,7 +10690,7 @@
           <a:p>
             <a:r>
               <a:rPr lang="en-US" dirty="0"/>
-              <a:t>The Killing of Continuous Improvement</a:t>
+              <a:t>Compliance vs Commitment</a:t>
             </a:r>
           </a:p>
         </p:txBody>
@@ -9491,7 +10700,7 @@
           <p:cNvPr id="3" name="Content Placeholder 2">
             <a:extLst>
               <a:ext uri="{FF2B5EF4-FFF2-40B4-BE49-F238E27FC236}">
-                <a16:creationId xmlns:a16="http://schemas.microsoft.com/office/drawing/2014/main" id="{264EB770-DEBA-4968-8816-84C9026B5CA1}"/>
+                <a16:creationId xmlns:a16="http://schemas.microsoft.com/office/drawing/2014/main" id="{96B9D595-AE22-4626-9A01-08AB9AA1F2F9}"/>
               </a:ext>
             </a:extLst>
           </p:cNvPr>
@@ -9514,7 +10723,7 @@
     </p:spTree>
     <p:extLst>
       <p:ext uri="{BB962C8B-B14F-4D97-AF65-F5344CB8AC3E}">
-        <p14:creationId xmlns:p14="http://schemas.microsoft.com/office/powerpoint/2010/main" val="1836076496"/>
+        <p14:creationId xmlns:p14="http://schemas.microsoft.com/office/powerpoint/2010/main" val="2747189757"/>
       </p:ext>
     </p:extLst>
   </p:cSld>
@@ -9546,7 +10755,7 @@
           <p:cNvPr id="2" name="Title 1">
             <a:extLst>
               <a:ext uri="{FF2B5EF4-FFF2-40B4-BE49-F238E27FC236}">
-                <a16:creationId xmlns:a16="http://schemas.microsoft.com/office/drawing/2014/main" id="{6092C9F0-8BB3-4539-84AC-04B18039AF7F}"/>
+                <a16:creationId xmlns:a16="http://schemas.microsoft.com/office/drawing/2014/main" id="{5A15A61E-B69F-42E1-B006-CCDDC996A498}"/>
               </a:ext>
             </a:extLst>
           </p:cNvPr>
@@ -9564,7 +10773,7 @@
           <a:p>
             <a:r>
               <a:rPr lang="en-US" dirty="0"/>
-              <a:t>No Vision</a:t>
+              <a:t>The Killing of Continuous Improvement</a:t>
             </a:r>
           </a:p>
         </p:txBody>
@@ -9574,7 +10783,7 @@
           <p:cNvPr id="3" name="Content Placeholder 2">
             <a:extLst>
               <a:ext uri="{FF2B5EF4-FFF2-40B4-BE49-F238E27FC236}">
-                <a16:creationId xmlns:a16="http://schemas.microsoft.com/office/drawing/2014/main" id="{0D6C4C45-CD67-4980-8465-A60C57F3F433}"/>
+                <a16:creationId xmlns:a16="http://schemas.microsoft.com/office/drawing/2014/main" id="{264EB770-DEBA-4968-8816-84C9026B5CA1}"/>
               </a:ext>
             </a:extLst>
           </p:cNvPr>
@@ -9597,7 +10806,7 @@
     </p:spTree>
     <p:extLst>
       <p:ext uri="{BB962C8B-B14F-4D97-AF65-F5344CB8AC3E}">
-        <p14:creationId xmlns:p14="http://schemas.microsoft.com/office/powerpoint/2010/main" val="1996544786"/>
+        <p14:creationId xmlns:p14="http://schemas.microsoft.com/office/powerpoint/2010/main" val="1836076496"/>
       </p:ext>
     </p:extLst>
   </p:cSld>
@@ -9629,7 +10838,7 @@
           <p:cNvPr id="2" name="Title 1">
             <a:extLst>
               <a:ext uri="{FF2B5EF4-FFF2-40B4-BE49-F238E27FC236}">
-                <a16:creationId xmlns:a16="http://schemas.microsoft.com/office/drawing/2014/main" id="{30C1EE62-D29F-4329-A908-8C8E743CC0CC}"/>
+                <a16:creationId xmlns:a16="http://schemas.microsoft.com/office/drawing/2014/main" id="{6092C9F0-8BB3-4539-84AC-04B18039AF7F}"/>
               </a:ext>
             </a:extLst>
           </p:cNvPr>
@@ -9647,7 +10856,7 @@
           <a:p>
             <a:r>
               <a:rPr lang="en-US" dirty="0"/>
-              <a:t>No Leadership</a:t>
+              <a:t>No Vision</a:t>
             </a:r>
           </a:p>
         </p:txBody>
@@ -9657,7 +10866,7 @@
           <p:cNvPr id="3" name="Content Placeholder 2">
             <a:extLst>
               <a:ext uri="{FF2B5EF4-FFF2-40B4-BE49-F238E27FC236}">
-                <a16:creationId xmlns:a16="http://schemas.microsoft.com/office/drawing/2014/main" id="{DA1905AA-3677-43A9-BD73-9460B5DC329C}"/>
+                <a16:creationId xmlns:a16="http://schemas.microsoft.com/office/drawing/2014/main" id="{0D6C4C45-CD67-4980-8465-A60C57F3F433}"/>
               </a:ext>
             </a:extLst>
           </p:cNvPr>
@@ -9673,17 +10882,14 @@
           <a:bodyPr/>
           <a:lstStyle/>
           <a:p>
-            <a:r>
-              <a:rPr lang="en-US" dirty="0"/>
-              <a:t>Leadership without service</a:t>
-            </a:r>
+            <a:endParaRPr lang="en-US"/>
           </a:p>
         </p:txBody>
       </p:sp>
     </p:spTree>
     <p:extLst>
       <p:ext uri="{BB962C8B-B14F-4D97-AF65-F5344CB8AC3E}">
-        <p14:creationId xmlns:p14="http://schemas.microsoft.com/office/powerpoint/2010/main" val="2165813908"/>
+        <p14:creationId xmlns:p14="http://schemas.microsoft.com/office/powerpoint/2010/main" val="1996544786"/>
       </p:ext>
     </p:extLst>
   </p:cSld>
@@ -9761,21 +10967,7 @@
           <a:p>
             <a:r>
               <a:rPr lang="en-US" dirty="0"/>
-              <a:t>Abuse of power</a:t>
-            </a:r>
-          </a:p>
-          <a:p>
-            <a:pPr lvl="1"/>
-            <a:r>
-              <a:rPr lang="en-US" dirty="0"/>
-              <a:t>Forgetting that power is given</a:t>
-            </a:r>
-          </a:p>
-          <a:p>
-            <a:pPr lvl="1"/>
-            <a:r>
-              <a:rPr lang="en-US" dirty="0"/>
-              <a:t>Bringing expertise to an expertise fight</a:t>
+              <a:t>Leadership without service</a:t>
             </a:r>
           </a:p>
         </p:txBody>
@@ -9783,7 +10975,7 @@
     </p:spTree>
     <p:extLst>
       <p:ext uri="{BB962C8B-B14F-4D97-AF65-F5344CB8AC3E}">
-        <p14:creationId xmlns:p14="http://schemas.microsoft.com/office/powerpoint/2010/main" val="88608026"/>
+        <p14:creationId xmlns:p14="http://schemas.microsoft.com/office/powerpoint/2010/main" val="2165813908"/>
       </p:ext>
     </p:extLst>
   </p:cSld>
@@ -9815,7 +11007,7 @@
           <p:cNvPr id="2" name="Title 1">
             <a:extLst>
               <a:ext uri="{FF2B5EF4-FFF2-40B4-BE49-F238E27FC236}">
-                <a16:creationId xmlns:a16="http://schemas.microsoft.com/office/drawing/2014/main" id="{B0BC4A47-C849-4C8B-B27B-C80B41636D96}"/>
+                <a16:creationId xmlns:a16="http://schemas.microsoft.com/office/drawing/2014/main" id="{30C1EE62-D29F-4329-A908-8C8E743CC0CC}"/>
               </a:ext>
             </a:extLst>
           </p:cNvPr>
@@ -9833,7 +11025,7 @@
           <a:p>
             <a:r>
               <a:rPr lang="en-US" dirty="0"/>
-              <a:t>No Commitment</a:t>
+              <a:t>No Leadership</a:t>
             </a:r>
           </a:p>
         </p:txBody>
@@ -9843,7 +11035,7 @@
           <p:cNvPr id="3" name="Content Placeholder 2">
             <a:extLst>
               <a:ext uri="{FF2B5EF4-FFF2-40B4-BE49-F238E27FC236}">
-                <a16:creationId xmlns:a16="http://schemas.microsoft.com/office/drawing/2014/main" id="{A7220E79-F373-46C9-9ACB-5799C58794E2}"/>
+                <a16:creationId xmlns:a16="http://schemas.microsoft.com/office/drawing/2014/main" id="{DA1905AA-3677-43A9-BD73-9460B5DC329C}"/>
               </a:ext>
             </a:extLst>
           </p:cNvPr>
@@ -9861,7 +11053,21 @@
           <a:p>
             <a:r>
               <a:rPr lang="en-US" dirty="0"/>
-              <a:t>Little Quits</a:t>
+              <a:t>Abuse of power</a:t>
+            </a:r>
+          </a:p>
+          <a:p>
+            <a:pPr lvl="1"/>
+            <a:r>
+              <a:rPr lang="en-US" dirty="0"/>
+              <a:t>Forgetting that power is given</a:t>
+            </a:r>
+          </a:p>
+          <a:p>
+            <a:pPr lvl="1"/>
+            <a:r>
+              <a:rPr lang="en-US" dirty="0"/>
+              <a:t>Bringing expertise to an expertise fight</a:t>
             </a:r>
           </a:p>
         </p:txBody>
@@ -9869,7 +11075,7 @@
     </p:spTree>
     <p:extLst>
       <p:ext uri="{BB962C8B-B14F-4D97-AF65-F5344CB8AC3E}">
-        <p14:creationId xmlns:p14="http://schemas.microsoft.com/office/powerpoint/2010/main" val="2444472896"/>
+        <p14:creationId xmlns:p14="http://schemas.microsoft.com/office/powerpoint/2010/main" val="88608026"/>
       </p:ext>
     </p:extLst>
   </p:cSld>
@@ -9947,7 +11153,7 @@
           <a:p>
             <a:r>
               <a:rPr lang="en-US" dirty="0"/>
-              <a:t>The Incentives that Bind Us</a:t>
+              <a:t>Little Quits</a:t>
             </a:r>
           </a:p>
         </p:txBody>
@@ -9955,7 +11161,7 @@
     </p:spTree>
     <p:extLst>
       <p:ext uri="{BB962C8B-B14F-4D97-AF65-F5344CB8AC3E}">
-        <p14:creationId xmlns:p14="http://schemas.microsoft.com/office/powerpoint/2010/main" val="3586345893"/>
+        <p14:creationId xmlns:p14="http://schemas.microsoft.com/office/powerpoint/2010/main" val="2444472896"/>
       </p:ext>
     </p:extLst>
   </p:cSld>
@@ -10117,7 +11323,7 @@
           <p:cNvPr id="2" name="Title 1">
             <a:extLst>
               <a:ext uri="{FF2B5EF4-FFF2-40B4-BE49-F238E27FC236}">
-                <a16:creationId xmlns:a16="http://schemas.microsoft.com/office/drawing/2014/main" id="{8F72B997-817F-45F5-9010-DEC6407DF21E}"/>
+                <a16:creationId xmlns:a16="http://schemas.microsoft.com/office/drawing/2014/main" id="{B0BC4A47-C849-4C8B-B27B-C80B41636D96}"/>
               </a:ext>
             </a:extLst>
           </p:cNvPr>
@@ -10135,7 +11341,7 @@
           <a:p>
             <a:r>
               <a:rPr lang="en-US" dirty="0"/>
-              <a:t>The Sustaining of Continuous Improvement</a:t>
+              <a:t>No Commitment</a:t>
             </a:r>
           </a:p>
         </p:txBody>
@@ -10145,7 +11351,7 @@
           <p:cNvPr id="3" name="Content Placeholder 2">
             <a:extLst>
               <a:ext uri="{FF2B5EF4-FFF2-40B4-BE49-F238E27FC236}">
-                <a16:creationId xmlns:a16="http://schemas.microsoft.com/office/drawing/2014/main" id="{02357D12-5517-4C60-A2A3-1A8E670CC96D}"/>
+                <a16:creationId xmlns:a16="http://schemas.microsoft.com/office/drawing/2014/main" id="{A7220E79-F373-46C9-9ACB-5799C58794E2}"/>
               </a:ext>
             </a:extLst>
           </p:cNvPr>
@@ -10161,14 +11367,17 @@
           <a:bodyPr/>
           <a:lstStyle/>
           <a:p>
-            <a:endParaRPr lang="en-US"/>
+            <a:r>
+              <a:rPr lang="en-US" dirty="0"/>
+              <a:t>The Incentives that Bind Us</a:t>
+            </a:r>
           </a:p>
         </p:txBody>
       </p:sp>
     </p:spTree>
     <p:extLst>
       <p:ext uri="{BB962C8B-B14F-4D97-AF65-F5344CB8AC3E}">
-        <p14:creationId xmlns:p14="http://schemas.microsoft.com/office/powerpoint/2010/main" val="4029258476"/>
+        <p14:creationId xmlns:p14="http://schemas.microsoft.com/office/powerpoint/2010/main" val="3586345893"/>
       </p:ext>
     </p:extLst>
   </p:cSld>
@@ -10200,7 +11409,7 @@
           <p:cNvPr id="2" name="Title 1">
             <a:extLst>
               <a:ext uri="{FF2B5EF4-FFF2-40B4-BE49-F238E27FC236}">
-                <a16:creationId xmlns:a16="http://schemas.microsoft.com/office/drawing/2014/main" id="{62332D38-A18F-468B-96EF-CC64D1BEB640}"/>
+                <a16:creationId xmlns:a16="http://schemas.microsoft.com/office/drawing/2014/main" id="{8F72B997-817F-45F5-9010-DEC6407DF21E}"/>
               </a:ext>
             </a:extLst>
           </p:cNvPr>
@@ -10218,7 +11427,7 @@
           <a:p>
             <a:r>
               <a:rPr lang="en-US" dirty="0"/>
-              <a:t>Gently wielding the power entrusted to us</a:t>
+              <a:t>The Sustaining of Continuous Improvement</a:t>
             </a:r>
           </a:p>
         </p:txBody>
@@ -10228,7 +11437,7 @@
           <p:cNvPr id="3" name="Content Placeholder 2">
             <a:extLst>
               <a:ext uri="{FF2B5EF4-FFF2-40B4-BE49-F238E27FC236}">
-                <a16:creationId xmlns:a16="http://schemas.microsoft.com/office/drawing/2014/main" id="{123EFC7A-E9D0-4488-A03B-F4E255A92CAF}"/>
+                <a16:creationId xmlns:a16="http://schemas.microsoft.com/office/drawing/2014/main" id="{02357D12-5517-4C60-A2A3-1A8E670CC96D}"/>
               </a:ext>
             </a:extLst>
           </p:cNvPr>
@@ -10251,7 +11460,7 @@
     </p:spTree>
     <p:extLst>
       <p:ext uri="{BB962C8B-B14F-4D97-AF65-F5344CB8AC3E}">
-        <p14:creationId xmlns:p14="http://schemas.microsoft.com/office/powerpoint/2010/main" val="70175331"/>
+        <p14:creationId xmlns:p14="http://schemas.microsoft.com/office/powerpoint/2010/main" val="4029258476"/>
       </p:ext>
     </p:extLst>
   </p:cSld>
@@ -10283,7 +11492,7 @@
           <p:cNvPr id="2" name="Title 1">
             <a:extLst>
               <a:ext uri="{FF2B5EF4-FFF2-40B4-BE49-F238E27FC236}">
-                <a16:creationId xmlns:a16="http://schemas.microsoft.com/office/drawing/2014/main" id="{F580BCA4-E198-4B19-93D4-418964B64B91}"/>
+                <a16:creationId xmlns:a16="http://schemas.microsoft.com/office/drawing/2014/main" id="{62332D38-A18F-468B-96EF-CC64D1BEB640}"/>
               </a:ext>
             </a:extLst>
           </p:cNvPr>
@@ -10301,15 +11510,7 @@
           <a:p>
             <a:r>
               <a:rPr lang="en-US" dirty="0"/>
-              <a:t>"</a:t>
-            </a:r>
-            <a:r>
-              <a:rPr lang="en-US" dirty="0" err="1"/>
-              <a:t>Drive"ing</a:t>
-            </a:r>
-            <a:r>
-              <a:rPr lang="en-US" dirty="0"/>
-              <a:t> results</a:t>
+              <a:t>Gently wielding the power entrusted to us</a:t>
             </a:r>
           </a:p>
         </p:txBody>
@@ -10319,7 +11520,7 @@
           <p:cNvPr id="3" name="Content Placeholder 2">
             <a:extLst>
               <a:ext uri="{FF2B5EF4-FFF2-40B4-BE49-F238E27FC236}">
-                <a16:creationId xmlns:a16="http://schemas.microsoft.com/office/drawing/2014/main" id="{DA49432B-C2E3-48C1-96DE-B778188D43DC}"/>
+                <a16:creationId xmlns:a16="http://schemas.microsoft.com/office/drawing/2014/main" id="{123EFC7A-E9D0-4488-A03B-F4E255A92CAF}"/>
               </a:ext>
             </a:extLst>
           </p:cNvPr>
@@ -10342,7 +11543,7 @@
     </p:spTree>
     <p:extLst>
       <p:ext uri="{BB962C8B-B14F-4D97-AF65-F5344CB8AC3E}">
-        <p14:creationId xmlns:p14="http://schemas.microsoft.com/office/powerpoint/2010/main" val="67912059"/>
+        <p14:creationId xmlns:p14="http://schemas.microsoft.com/office/powerpoint/2010/main" val="70175331"/>
       </p:ext>
     </p:extLst>
   </p:cSld>
@@ -10374,7 +11575,7 @@
           <p:cNvPr id="2" name="Title 1">
             <a:extLst>
               <a:ext uri="{FF2B5EF4-FFF2-40B4-BE49-F238E27FC236}">
-                <a16:creationId xmlns:a16="http://schemas.microsoft.com/office/drawing/2014/main" id="{47416CB0-E44B-4B52-861C-80A13A2E598E}"/>
+                <a16:creationId xmlns:a16="http://schemas.microsoft.com/office/drawing/2014/main" id="{F580BCA4-E198-4B19-93D4-418964B64B91}"/>
               </a:ext>
             </a:extLst>
           </p:cNvPr>
@@ -10392,7 +11593,15 @@
           <a:p>
             <a:r>
               <a:rPr lang="en-US" dirty="0"/>
-              <a:t>Jealously guarding hope</a:t>
+              <a:t>"</a:t>
+            </a:r>
+            <a:r>
+              <a:rPr lang="en-US" dirty="0" err="1"/>
+              <a:t>Drive"ing</a:t>
+            </a:r>
+            <a:r>
+              <a:rPr lang="en-US" dirty="0"/>
+              <a:t> results</a:t>
             </a:r>
           </a:p>
         </p:txBody>
@@ -10402,7 +11611,7 @@
           <p:cNvPr id="3" name="Content Placeholder 2">
             <a:extLst>
               <a:ext uri="{FF2B5EF4-FFF2-40B4-BE49-F238E27FC236}">
-                <a16:creationId xmlns:a16="http://schemas.microsoft.com/office/drawing/2014/main" id="{F8B7C5E8-94F6-4A3F-A3FA-B78ACBC8A613}"/>
+                <a16:creationId xmlns:a16="http://schemas.microsoft.com/office/drawing/2014/main" id="{DA49432B-C2E3-48C1-96DE-B778188D43DC}"/>
               </a:ext>
             </a:extLst>
           </p:cNvPr>
@@ -10425,7 +11634,7 @@
     </p:spTree>
     <p:extLst>
       <p:ext uri="{BB962C8B-B14F-4D97-AF65-F5344CB8AC3E}">
-        <p14:creationId xmlns:p14="http://schemas.microsoft.com/office/powerpoint/2010/main" val="996669767"/>
+        <p14:creationId xmlns:p14="http://schemas.microsoft.com/office/powerpoint/2010/main" val="67912059"/>
       </p:ext>
     </p:extLst>
   </p:cSld>
@@ -10457,7 +11666,7 @@
           <p:cNvPr id="2" name="Title 1">
             <a:extLst>
               <a:ext uri="{FF2B5EF4-FFF2-40B4-BE49-F238E27FC236}">
-                <a16:creationId xmlns:a16="http://schemas.microsoft.com/office/drawing/2014/main" id="{0A57EE75-E80A-44CA-8C6A-22ADEC1D2887}"/>
+                <a16:creationId xmlns:a16="http://schemas.microsoft.com/office/drawing/2014/main" id="{47416CB0-E44B-4B52-861C-80A13A2E598E}"/>
               </a:ext>
             </a:extLst>
           </p:cNvPr>
@@ -10475,7 +11684,7 @@
           <a:p>
             <a:r>
               <a:rPr lang="en-US" dirty="0"/>
-              <a:t>The Winning of the Race</a:t>
+              <a:t>Jealously guarding hope</a:t>
             </a:r>
           </a:p>
         </p:txBody>
@@ -10485,7 +11694,7 @@
           <p:cNvPr id="3" name="Content Placeholder 2">
             <a:extLst>
               <a:ext uri="{FF2B5EF4-FFF2-40B4-BE49-F238E27FC236}">
-                <a16:creationId xmlns:a16="http://schemas.microsoft.com/office/drawing/2014/main" id="{D2D44ED5-8426-4577-A9FC-017937CA490B}"/>
+                <a16:creationId xmlns:a16="http://schemas.microsoft.com/office/drawing/2014/main" id="{F8B7C5E8-94F6-4A3F-A3FA-B78ACBC8A613}"/>
               </a:ext>
             </a:extLst>
           </p:cNvPr>
@@ -10508,7 +11717,7 @@
     </p:spTree>
     <p:extLst>
       <p:ext uri="{BB962C8B-B14F-4D97-AF65-F5344CB8AC3E}">
-        <p14:creationId xmlns:p14="http://schemas.microsoft.com/office/powerpoint/2010/main" val="636599258"/>
+        <p14:creationId xmlns:p14="http://schemas.microsoft.com/office/powerpoint/2010/main" val="996669767"/>
       </p:ext>
     </p:extLst>
   </p:cSld>
@@ -10540,7 +11749,7 @@
           <p:cNvPr id="2" name="Title 1">
             <a:extLst>
               <a:ext uri="{FF2B5EF4-FFF2-40B4-BE49-F238E27FC236}">
-                <a16:creationId xmlns:a16="http://schemas.microsoft.com/office/drawing/2014/main" id="{4ED4D8D2-C8FA-4DFC-9845-6E4DC5584F88}"/>
+                <a16:creationId xmlns:a16="http://schemas.microsoft.com/office/drawing/2014/main" id="{0A57EE75-E80A-44CA-8C6A-22ADEC1D2887}"/>
               </a:ext>
             </a:extLst>
           </p:cNvPr>
@@ -10558,7 +11767,7 @@
           <a:p>
             <a:r>
               <a:rPr lang="en-US" dirty="0"/>
-              <a:t>The race as marathon</a:t>
+              <a:t>The Winning of the Race</a:t>
             </a:r>
           </a:p>
         </p:txBody>
@@ -10568,7 +11777,7 @@
           <p:cNvPr id="3" name="Content Placeholder 2">
             <a:extLst>
               <a:ext uri="{FF2B5EF4-FFF2-40B4-BE49-F238E27FC236}">
-                <a16:creationId xmlns:a16="http://schemas.microsoft.com/office/drawing/2014/main" id="{13EF36A2-356E-40CC-BDD1-DADF18D43EED}"/>
+                <a16:creationId xmlns:a16="http://schemas.microsoft.com/office/drawing/2014/main" id="{D2D44ED5-8426-4577-A9FC-017937CA490B}"/>
               </a:ext>
             </a:extLst>
           </p:cNvPr>
@@ -10584,41 +11793,14 @@
           <a:bodyPr/>
           <a:lstStyle/>
           <a:p>
-            <a:pPr marL="514350" indent="-514350">
-              <a:buFont typeface="+mj-lt"/>
-              <a:buAutoNum type="arabicPeriod"/>
-            </a:pPr>
-            <a:r>
-              <a:rPr lang="en-US" dirty="0"/>
-              <a:t>Infinite game</a:t>
-            </a:r>
-          </a:p>
-          <a:p>
-            <a:pPr marL="514350" indent="-514350">
-              <a:buFont typeface="+mj-lt"/>
-              <a:buAutoNum type="arabicPeriod"/>
-            </a:pPr>
-            <a:r>
-              <a:rPr lang="en-US" dirty="0"/>
-              <a:t>Insist on commitment</a:t>
-            </a:r>
-          </a:p>
-          <a:p>
-            <a:pPr marL="514350" indent="-514350">
-              <a:buFont typeface="+mj-lt"/>
-              <a:buAutoNum type="arabicPeriod"/>
-            </a:pPr>
-            <a:r>
-              <a:rPr lang="en-US" dirty="0"/>
-              <a:t>Be agile like tortoise</a:t>
-            </a:r>
+            <a:endParaRPr lang="en-US"/>
           </a:p>
         </p:txBody>
       </p:sp>
     </p:spTree>
     <p:extLst>
       <p:ext uri="{BB962C8B-B14F-4D97-AF65-F5344CB8AC3E}">
-        <p14:creationId xmlns:p14="http://schemas.microsoft.com/office/powerpoint/2010/main" val="3751012982"/>
+        <p14:creationId xmlns:p14="http://schemas.microsoft.com/office/powerpoint/2010/main" val="636599258"/>
       </p:ext>
     </p:extLst>
   </p:cSld>
@@ -10650,7 +11832,7 @@
           <p:cNvPr id="2" name="Title 1">
             <a:extLst>
               <a:ext uri="{FF2B5EF4-FFF2-40B4-BE49-F238E27FC236}">
-                <a16:creationId xmlns:a16="http://schemas.microsoft.com/office/drawing/2014/main" id="{23DDD5C5-6798-4152-BFA8-A232CF38EDFA}"/>
+                <a16:creationId xmlns:a16="http://schemas.microsoft.com/office/drawing/2014/main" id="{4ED4D8D2-C8FA-4DFC-9845-6E4DC5584F88}"/>
               </a:ext>
             </a:extLst>
           </p:cNvPr>
@@ -10668,7 +11850,7 @@
           <a:p>
             <a:r>
               <a:rPr lang="en-US" dirty="0"/>
-              <a:t>The Race as Life</a:t>
+              <a:t>The race as marathon</a:t>
             </a:r>
           </a:p>
         </p:txBody>
@@ -10678,7 +11860,7 @@
           <p:cNvPr id="3" name="Content Placeholder 2">
             <a:extLst>
               <a:ext uri="{FF2B5EF4-FFF2-40B4-BE49-F238E27FC236}">
-                <a16:creationId xmlns:a16="http://schemas.microsoft.com/office/drawing/2014/main" id="{FAFA1990-5C5F-4BE0-8836-98D259FD8BC1}"/>
+                <a16:creationId xmlns:a16="http://schemas.microsoft.com/office/drawing/2014/main" id="{13EF36A2-356E-40CC-BDD1-DADF18D43EED}"/>
               </a:ext>
             </a:extLst>
           </p:cNvPr>
@@ -10694,15 +11876,33 @@
           <a:bodyPr/>
           <a:lstStyle/>
           <a:p>
+            <a:pPr marL="514350" indent="-514350">
+              <a:buFont typeface="+mj-lt"/>
+              <a:buAutoNum type="arabicPeriod"/>
+            </a:pPr>
             <a:r>
               <a:rPr lang="en-US" dirty="0"/>
-              <a:t>Honor what is ending</a:t>
-            </a:r>
-          </a:p>
-          <a:p>
+              <a:t>Infinite game</a:t>
+            </a:r>
+          </a:p>
+          <a:p>
+            <a:pPr marL="514350" indent="-514350">
+              <a:buFont typeface="+mj-lt"/>
+              <a:buAutoNum type="arabicPeriod"/>
+            </a:pPr>
             <a:r>
               <a:rPr lang="en-US" dirty="0"/>
-              <a:t>Nurture what is emerging</a:t>
+              <a:t>Insist on commitment</a:t>
+            </a:r>
+          </a:p>
+          <a:p>
+            <a:pPr marL="514350" indent="-514350">
+              <a:buFont typeface="+mj-lt"/>
+              <a:buAutoNum type="arabicPeriod"/>
+            </a:pPr>
+            <a:r>
+              <a:rPr lang="en-US" dirty="0"/>
+              <a:t>Be agile like tortoise</a:t>
             </a:r>
           </a:p>
         </p:txBody>
@@ -10710,7 +11910,7 @@
     </p:spTree>
     <p:extLst>
       <p:ext uri="{BB962C8B-B14F-4D97-AF65-F5344CB8AC3E}">
-        <p14:creationId xmlns:p14="http://schemas.microsoft.com/office/powerpoint/2010/main" val="3527141092"/>
+        <p14:creationId xmlns:p14="http://schemas.microsoft.com/office/powerpoint/2010/main" val="3751012982"/>
       </p:ext>
     </p:extLst>
   </p:cSld>
@@ -10742,7 +11942,7 @@
           <p:cNvPr id="2" name="Title 1">
             <a:extLst>
               <a:ext uri="{FF2B5EF4-FFF2-40B4-BE49-F238E27FC236}">
-                <a16:creationId xmlns:a16="http://schemas.microsoft.com/office/drawing/2014/main" id="{96302A04-13CC-4768-AFD0-10582FF6E27A}"/>
+                <a16:creationId xmlns:a16="http://schemas.microsoft.com/office/drawing/2014/main" id="{23DDD5C5-6798-4152-BFA8-A232CF38EDFA}"/>
               </a:ext>
             </a:extLst>
           </p:cNvPr>
@@ -10760,7 +11960,7 @@
           <a:p>
             <a:r>
               <a:rPr lang="en-US" dirty="0"/>
-              <a:t>The race we're running (at BOKF)</a:t>
+              <a:t>The Race as Life</a:t>
             </a:r>
           </a:p>
         </p:txBody>
@@ -10770,7 +11970,7 @@
           <p:cNvPr id="3" name="Content Placeholder 2">
             <a:extLst>
               <a:ext uri="{FF2B5EF4-FFF2-40B4-BE49-F238E27FC236}">
-                <a16:creationId xmlns:a16="http://schemas.microsoft.com/office/drawing/2014/main" id="{7476D450-E93F-4C96-A908-186048B4C693}"/>
+                <a16:creationId xmlns:a16="http://schemas.microsoft.com/office/drawing/2014/main" id="{FAFA1990-5C5F-4BE0-8836-98D259FD8BC1}"/>
               </a:ext>
             </a:extLst>
           </p:cNvPr>
@@ -10788,13 +11988,13 @@
           <a:p>
             <a:r>
               <a:rPr lang="en-US" dirty="0"/>
-              <a:t>We’re playing the game we want</a:t>
+              <a:t>Honor what is ending</a:t>
             </a:r>
           </a:p>
           <a:p>
             <a:r>
               <a:rPr lang="en-US" dirty="0"/>
-              <a:t>We’re winning</a:t>
+              <a:t>Nurture what is emerging</a:t>
             </a:r>
           </a:p>
         </p:txBody>
@@ -10802,7 +12002,7 @@
     </p:spTree>
     <p:extLst>
       <p:ext uri="{BB962C8B-B14F-4D97-AF65-F5344CB8AC3E}">
-        <p14:creationId xmlns:p14="http://schemas.microsoft.com/office/powerpoint/2010/main" val="2771060602"/>
+        <p14:creationId xmlns:p14="http://schemas.microsoft.com/office/powerpoint/2010/main" val="3527141092"/>
       </p:ext>
     </p:extLst>
   </p:cSld>
@@ -10834,7 +12034,7 @@
           <p:cNvPr id="2" name="Title 1">
             <a:extLst>
               <a:ext uri="{FF2B5EF4-FFF2-40B4-BE49-F238E27FC236}">
-                <a16:creationId xmlns:a16="http://schemas.microsoft.com/office/drawing/2014/main" id="{D4EBF7CE-CE54-4B0A-A4F3-F18CEBD3D0C6}"/>
+                <a16:creationId xmlns:a16="http://schemas.microsoft.com/office/drawing/2014/main" id="{96302A04-13CC-4768-AFD0-10582FF6E27A}"/>
               </a:ext>
             </a:extLst>
           </p:cNvPr>
@@ -10852,7 +12052,7 @@
           <a:p>
             <a:r>
               <a:rPr lang="en-US" dirty="0"/>
-              <a:t>Thank you</a:t>
+              <a:t>The race we're running (at BOKF)</a:t>
             </a:r>
           </a:p>
         </p:txBody>
@@ -10862,7 +12062,7 @@
           <p:cNvPr id="3" name="Content Placeholder 2">
             <a:extLst>
               <a:ext uri="{FF2B5EF4-FFF2-40B4-BE49-F238E27FC236}">
-                <a16:creationId xmlns:a16="http://schemas.microsoft.com/office/drawing/2014/main" id="{B2C3C84A-E8AD-4353-8EA9-DD3ADEC627AF}"/>
+                <a16:creationId xmlns:a16="http://schemas.microsoft.com/office/drawing/2014/main" id="{7476D450-E93F-4C96-A908-186048B4C693}"/>
               </a:ext>
             </a:extLst>
           </p:cNvPr>
@@ -10878,14 +12078,23 @@
           <a:bodyPr/>
           <a:lstStyle/>
           <a:p>
-            <a:endParaRPr lang="en-US"/>
+            <a:r>
+              <a:rPr lang="en-US" dirty="0"/>
+              <a:t>We’re playing the game we want</a:t>
+            </a:r>
+          </a:p>
+          <a:p>
+            <a:r>
+              <a:rPr lang="en-US" dirty="0"/>
+              <a:t>We’re winning</a:t>
+            </a:r>
           </a:p>
         </p:txBody>
       </p:sp>
     </p:spTree>
     <p:extLst>
       <p:ext uri="{BB962C8B-B14F-4D97-AF65-F5344CB8AC3E}">
-        <p14:creationId xmlns:p14="http://schemas.microsoft.com/office/powerpoint/2010/main" val="485086875"/>
+        <p14:creationId xmlns:p14="http://schemas.microsoft.com/office/powerpoint/2010/main" val="2771060602"/>
       </p:ext>
     </p:extLst>
   </p:cSld>
@@ -10917,7 +12126,7 @@
           <p:cNvPr id="2" name="Title 1">
             <a:extLst>
               <a:ext uri="{FF2B5EF4-FFF2-40B4-BE49-F238E27FC236}">
-                <a16:creationId xmlns:a16="http://schemas.microsoft.com/office/drawing/2014/main" id="{12E17E8A-DA4F-4088-814A-A62D8B65D2CD}"/>
+                <a16:creationId xmlns:a16="http://schemas.microsoft.com/office/drawing/2014/main" id="{D4EBF7CE-CE54-4B0A-A4F3-F18CEBD3D0C6}"/>
               </a:ext>
             </a:extLst>
           </p:cNvPr>
@@ -10935,7 +12144,7 @@
           <a:p>
             <a:r>
               <a:rPr lang="en-US" dirty="0"/>
-              <a:t>Credits and More Learning</a:t>
+              <a:t>Thank you</a:t>
             </a:r>
           </a:p>
         </p:txBody>
@@ -10945,7 +12154,7 @@
           <p:cNvPr id="3" name="Content Placeholder 2">
             <a:extLst>
               <a:ext uri="{FF2B5EF4-FFF2-40B4-BE49-F238E27FC236}">
-                <a16:creationId xmlns:a16="http://schemas.microsoft.com/office/drawing/2014/main" id="{D2625171-2631-4B7D-BB27-433621E6D1BF}"/>
+                <a16:creationId xmlns:a16="http://schemas.microsoft.com/office/drawing/2014/main" id="{B2C3C84A-E8AD-4353-8EA9-DD3ADEC627AF}"/>
               </a:ext>
             </a:extLst>
           </p:cNvPr>
@@ -10968,7 +12177,7 @@
     </p:spTree>
     <p:extLst>
       <p:ext uri="{BB962C8B-B14F-4D97-AF65-F5344CB8AC3E}">
-        <p14:creationId xmlns:p14="http://schemas.microsoft.com/office/powerpoint/2010/main" val="4114920322"/>
+        <p14:creationId xmlns:p14="http://schemas.microsoft.com/office/powerpoint/2010/main" val="485086875"/>
       </p:ext>
     </p:extLst>
   </p:cSld>
@@ -11090,7 +12299,7 @@
           <a:p>
             <a:r>
               <a:rPr lang="en-US" dirty="0"/>
-              <a:t>The BOKF Tortoise</a:t>
+              <a:t>The BOKF Tortoise and the Hare</a:t>
             </a:r>
           </a:p>
         </p:txBody>
@@ -11099,6 +12308,89 @@
     <p:extLst>
       <p:ext uri="{BB962C8B-B14F-4D97-AF65-F5344CB8AC3E}">
         <p14:creationId xmlns:p14="http://schemas.microsoft.com/office/powerpoint/2010/main" val="952410151"/>
+      </p:ext>
+    </p:extLst>
+  </p:cSld>
+  <p:clrMapOvr>
+    <a:masterClrMapping/>
+  </p:clrMapOvr>
+</p:sld>
+</file>
+
+<file path=ppt/slides/slide30.xml><?xml version="1.0" encoding="utf-8"?>
+<p:sld xmlns:a="http://schemas.openxmlformats.org/drawingml/2006/main" xmlns:r="http://schemas.openxmlformats.org/officeDocument/2006/relationships" xmlns:p="http://schemas.openxmlformats.org/presentationml/2006/main">
+  <p:cSld>
+    <p:spTree>
+      <p:nvGrpSpPr>
+        <p:cNvPr id="1" name=""/>
+        <p:cNvGrpSpPr/>
+        <p:nvPr/>
+      </p:nvGrpSpPr>
+      <p:grpSpPr>
+        <a:xfrm>
+          <a:off x="0" y="0"/>
+          <a:ext cx="0" cy="0"/>
+          <a:chOff x="0" y="0"/>
+          <a:chExt cx="0" cy="0"/>
+        </a:xfrm>
+      </p:grpSpPr>
+      <p:sp>
+        <p:nvSpPr>
+          <p:cNvPr id="2" name="Title 1">
+            <a:extLst>
+              <a:ext uri="{FF2B5EF4-FFF2-40B4-BE49-F238E27FC236}">
+                <a16:creationId xmlns:a16="http://schemas.microsoft.com/office/drawing/2014/main" id="{12E17E8A-DA4F-4088-814A-A62D8B65D2CD}"/>
+              </a:ext>
+            </a:extLst>
+          </p:cNvPr>
+          <p:cNvSpPr>
+            <a:spLocks noGrp="1"/>
+          </p:cNvSpPr>
+          <p:nvPr>
+            <p:ph type="title"/>
+          </p:nvPr>
+        </p:nvSpPr>
+        <p:spPr/>
+        <p:txBody>
+          <a:bodyPr/>
+          <a:lstStyle/>
+          <a:p>
+            <a:r>
+              <a:rPr lang="en-US" dirty="0"/>
+              <a:t>Credits and More Learning</a:t>
+            </a:r>
+          </a:p>
+        </p:txBody>
+      </p:sp>
+      <p:sp>
+        <p:nvSpPr>
+          <p:cNvPr id="3" name="Content Placeholder 2">
+            <a:extLst>
+              <a:ext uri="{FF2B5EF4-FFF2-40B4-BE49-F238E27FC236}">
+                <a16:creationId xmlns:a16="http://schemas.microsoft.com/office/drawing/2014/main" id="{D2625171-2631-4B7D-BB27-433621E6D1BF}"/>
+              </a:ext>
+            </a:extLst>
+          </p:cNvPr>
+          <p:cNvSpPr>
+            <a:spLocks noGrp="1"/>
+          </p:cNvSpPr>
+          <p:nvPr>
+            <p:ph idx="1"/>
+          </p:nvPr>
+        </p:nvSpPr>
+        <p:spPr/>
+        <p:txBody>
+          <a:bodyPr/>
+          <a:lstStyle/>
+          <a:p>
+            <a:endParaRPr lang="en-US"/>
+          </a:p>
+        </p:txBody>
+      </p:sp>
+    </p:spTree>
+    <p:extLst>
+      <p:ext uri="{BB962C8B-B14F-4D97-AF65-F5344CB8AC3E}">
+        <p14:creationId xmlns:p14="http://schemas.microsoft.com/office/powerpoint/2010/main" val="4114920322"/>
       </p:ext>
     </p:extLst>
   </p:cSld>
@@ -11278,7 +12570,7 @@
           <a:p>
             <a:r>
               <a:rPr lang="en-US" dirty="0"/>
-              <a:t>Conflating Agility with Revolution</a:t>
+              <a:t>The Agility of the Tortoise</a:t>
             </a:r>
           </a:p>
         </p:txBody>
@@ -11304,7 +12596,10 @@
           <a:bodyPr/>
           <a:lstStyle/>
           <a:p>
-            <a:endParaRPr lang="en-US"/>
+            <a:r>
+              <a:rPr lang="en-US" dirty="0"/>
+              <a:t>Conflating Agility with Revolution</a:t>
+            </a:r>
           </a:p>
         </p:txBody>
       </p:sp>
@@ -11361,7 +12656,7 @@
           <a:p>
             <a:r>
               <a:rPr lang="en-US" dirty="0"/>
-              <a:t>The Sustainable Tortoise</a:t>
+              <a:t>The Agility of the Sustainable Tortoise</a:t>
             </a:r>
           </a:p>
         </p:txBody>
@@ -11384,10 +12679,16 @@
         </p:nvSpPr>
         <p:spPr/>
         <p:txBody>
-          <a:bodyPr/>
-          <a:lstStyle/>
-          <a:p>
-            <a:endParaRPr lang="en-US"/>
+          <a:bodyPr anchor="ctr"/>
+          <a:lstStyle/>
+          <a:p>
+            <a:pPr marL="0" indent="0" algn="ctr">
+              <a:buNone/>
+            </a:pPr>
+            <a:r>
+              <a:rPr lang="en-US" dirty="0"/>
+              <a:t>“Agile processes promote sustainable development. The sponsors, developers, and users should be able to maintain a constant pace indefinitely.”</a:t>
+            </a:r>
           </a:p>
         </p:txBody>
       </p:sp>
@@ -11437,14 +12738,19 @@
             <p:ph type="title"/>
           </p:nvPr>
         </p:nvSpPr>
-        <p:spPr/>
+        <p:spPr>
+          <a:xfrm>
+            <a:off x="838199" y="365125"/>
+            <a:ext cx="10716491" cy="1325563"/>
+          </a:xfrm>
+        </p:spPr>
         <p:txBody>
           <a:bodyPr/>
           <a:lstStyle/>
           <a:p>
             <a:r>
               <a:rPr lang="en-US" dirty="0"/>
-              <a:t>The Technically Excellent Tortoise</a:t>
+              <a:t>The Agility of the Technically Excellent Tortoise</a:t>
             </a:r>
           </a:p>
         </p:txBody>
@@ -11467,10 +12773,16 @@
         </p:nvSpPr>
         <p:spPr/>
         <p:txBody>
-          <a:bodyPr/>
-          <a:lstStyle/>
-          <a:p>
-            <a:endParaRPr lang="en-US"/>
+          <a:bodyPr anchor="ctr"/>
+          <a:lstStyle/>
+          <a:p>
+            <a:pPr marL="0" indent="0" algn="ctr">
+              <a:buNone/>
+            </a:pPr>
+            <a:r>
+              <a:rPr lang="en-US" dirty="0"/>
+              <a:t>“Continuous attention to technical excellence and good design enhances agility.”</a:t>
+            </a:r>
           </a:p>
         </p:txBody>
       </p:sp>
@@ -11527,7 +12839,7 @@
           <a:p>
             <a:r>
               <a:rPr lang="en-US" dirty="0"/>
-              <a:t>The Simple Tortoise</a:t>
+              <a:t>The Agility of the Simple Tortoise</a:t>
             </a:r>
           </a:p>
         </p:txBody>
@@ -11550,10 +12862,16 @@
         </p:nvSpPr>
         <p:spPr/>
         <p:txBody>
-          <a:bodyPr/>
-          <a:lstStyle/>
-          <a:p>
-            <a:endParaRPr lang="en-US"/>
+          <a:bodyPr anchor="ctr"/>
+          <a:lstStyle/>
+          <a:p>
+            <a:pPr marL="0" indent="0" algn="ctr">
+              <a:buNone/>
+            </a:pPr>
+            <a:r>
+              <a:rPr lang="en-US" dirty="0"/>
+              <a:t>“Simplicity--the art of maximizing the amount of work not done--is essential.”</a:t>
+            </a:r>
           </a:p>
         </p:txBody>
       </p:sp>
@@ -11610,7 +12928,7 @@
           <a:p>
             <a:r>
               <a:rPr lang="en-US" dirty="0"/>
-              <a:t>The Reflective Tortoise</a:t>
+              <a:t>The Agility of the Reflective Tortoise</a:t>
             </a:r>
           </a:p>
         </p:txBody>
@@ -11633,10 +12951,16 @@
         </p:nvSpPr>
         <p:spPr/>
         <p:txBody>
-          <a:bodyPr/>
-          <a:lstStyle/>
-          <a:p>
-            <a:endParaRPr lang="en-US"/>
+          <a:bodyPr anchor="ctr"/>
+          <a:lstStyle/>
+          <a:p>
+            <a:pPr marL="0" indent="0" algn="ctr">
+              <a:buNone/>
+            </a:pPr>
+            <a:r>
+              <a:rPr lang="en-US" dirty="0"/>
+              <a:t>“At regular intervals, the team reflects on how to become more effective, then tunes and adjusts its behavior accordingly.”</a:t>
+            </a:r>
           </a:p>
         </p:txBody>
       </p:sp>

--- a/tortoise-and-hare/tortoise-and-hare.pptx
+++ b/tortoise-and-hare/tortoise-and-hare.pptx
@@ -5,7 +5,7 @@
     <p:sldMasterId id="2147483648" r:id="rId1"/>
   </p:sldMasterIdLst>
   <p:notesMasterIdLst>
-    <p:notesMasterId r:id="rId32"/>
+    <p:notesMasterId r:id="rId36"/>
   </p:notesMasterIdLst>
   <p:sldIdLst>
     <p:sldId id="256" r:id="rId2"/>
@@ -24,20 +24,24 @@
     <p:sldId id="287" r:id="rId15"/>
     <p:sldId id="268" r:id="rId16"/>
     <p:sldId id="271" r:id="rId17"/>
-    <p:sldId id="275" r:id="rId18"/>
-    <p:sldId id="276" r:id="rId19"/>
-    <p:sldId id="273" r:id="rId20"/>
-    <p:sldId id="274" r:id="rId21"/>
-    <p:sldId id="277" r:id="rId22"/>
-    <p:sldId id="278" r:id="rId23"/>
-    <p:sldId id="279" r:id="rId24"/>
-    <p:sldId id="280" r:id="rId25"/>
-    <p:sldId id="281" r:id="rId26"/>
-    <p:sldId id="282" r:id="rId27"/>
-    <p:sldId id="283" r:id="rId28"/>
-    <p:sldId id="284" r:id="rId29"/>
-    <p:sldId id="285" r:id="rId30"/>
-    <p:sldId id="286" r:id="rId31"/>
+    <p:sldId id="276" r:id="rId18"/>
+    <p:sldId id="289" r:id="rId19"/>
+    <p:sldId id="288" r:id="rId20"/>
+    <p:sldId id="290" r:id="rId21"/>
+    <p:sldId id="275" r:id="rId22"/>
+    <p:sldId id="273" r:id="rId23"/>
+    <p:sldId id="274" r:id="rId24"/>
+    <p:sldId id="277" r:id="rId25"/>
+    <p:sldId id="278" r:id="rId26"/>
+    <p:sldId id="291" r:id="rId27"/>
+    <p:sldId id="279" r:id="rId28"/>
+    <p:sldId id="280" r:id="rId29"/>
+    <p:sldId id="281" r:id="rId30"/>
+    <p:sldId id="282" r:id="rId31"/>
+    <p:sldId id="283" r:id="rId32"/>
+    <p:sldId id="284" r:id="rId33"/>
+    <p:sldId id="285" r:id="rId34"/>
+    <p:sldId id="286" r:id="rId35"/>
   </p:sldIdLst>
   <p:sldSz cx="12192000" cy="6858000"/>
   <p:notesSz cx="6858000" cy="9144000"/>
@@ -148,7 +152,7 @@
 <p1510:revInfo xmlns:a="http://schemas.openxmlformats.org/drawingml/2006/main" xmlns:r="http://schemas.openxmlformats.org/officeDocument/2006/relationships" xmlns:p1510="http://schemas.microsoft.com/office/powerpoint/2015/10/main">
   <p1510:revLst>
     <p1510:client id="{0161F929-ADA8-4ED7-B188-5FA59EAD01EE}" v="23" dt="2021-11-07T01:56:03.440"/>
-    <p1510:client id="{D25FF412-11E0-423E-8BD3-DB885E5F48F4}" v="6" dt="2021-11-07T23:56:33.050"/>
+    <p1510:client id="{D25FF412-11E0-423E-8BD3-DB885E5F48F4}" v="26" dt="2021-11-08T01:24:02.210"/>
   </p1510:revLst>
 </p1510:revInfo>
 </file>
@@ -733,8 +737,8 @@
   </pc:docChgLst>
   <pc:docChgLst>
     <pc:chgData name="Jason Knight" userId="03bbb8e5a6d6338b" providerId="LiveId" clId="{D25FF412-11E0-423E-8BD3-DB885E5F48F4}"/>
-    <pc:docChg chg="undo custSel addSld modSld">
-      <pc:chgData name="Jason Knight" userId="03bbb8e5a6d6338b" providerId="LiveId" clId="{D25FF412-11E0-423E-8BD3-DB885E5F48F4}" dt="2021-11-08T00:32:04.038" v="3482" actId="20577"/>
+    <pc:docChg chg="undo custSel addSld delSld modSld sldOrd">
+      <pc:chgData name="Jason Knight" userId="03bbb8e5a6d6338b" providerId="LiveId" clId="{D25FF412-11E0-423E-8BD3-DB885E5F48F4}" dt="2021-11-08T01:34:31.077" v="6308" actId="20577"/>
       <pc:docMkLst>
         <pc:docMk/>
       </pc:docMkLst>
@@ -936,6 +940,21 @@
         </pc:sldMkLst>
       </pc:sldChg>
       <pc:sldChg chg="modSp mod modNotesTx">
+        <pc:chgData name="Jason Knight" userId="03bbb8e5a6d6338b" providerId="LiveId" clId="{D25FF412-11E0-423E-8BD3-DB885E5F48F4}" dt="2021-11-08T00:48:36.717" v="3793" actId="20577"/>
+        <pc:sldMkLst>
+          <pc:docMk/>
+          <pc:sldMk cId="1836076496" sldId="268"/>
+        </pc:sldMkLst>
+        <pc:spChg chg="mod">
+          <ac:chgData name="Jason Knight" userId="03bbb8e5a6d6338b" providerId="LiveId" clId="{D25FF412-11E0-423E-8BD3-DB885E5F48F4}" dt="2021-11-08T00:46:53.198" v="3622" actId="20577"/>
+          <ac:spMkLst>
+            <pc:docMk/>
+            <pc:sldMk cId="1836076496" sldId="268"/>
+            <ac:spMk id="3" creationId="{264EB770-DEBA-4968-8816-84C9026B5CA1}"/>
+          </ac:spMkLst>
+        </pc:spChg>
+      </pc:sldChg>
+      <pc:sldChg chg="modSp mod modNotesTx">
         <pc:chgData name="Jason Knight" userId="03bbb8e5a6d6338b" providerId="LiveId" clId="{D25FF412-11E0-423E-8BD3-DB885E5F48F4}" dt="2021-11-08T00:23:32.809" v="3174" actId="20577"/>
         <pc:sldMkLst>
           <pc:docMk/>
@@ -958,6 +977,73 @@
           </ac:spMkLst>
         </pc:spChg>
       </pc:sldChg>
+      <pc:sldChg chg="modNotesTx">
+        <pc:chgData name="Jason Knight" userId="03bbb8e5a6d6338b" providerId="LiveId" clId="{D25FF412-11E0-423E-8BD3-DB885E5F48F4}" dt="2021-11-08T00:51:48.286" v="4056" actId="20577"/>
+        <pc:sldMkLst>
+          <pc:docMk/>
+          <pc:sldMk cId="1996544786" sldId="271"/>
+        </pc:sldMkLst>
+      </pc:sldChg>
+      <pc:sldChg chg="modNotesTx">
+        <pc:chgData name="Jason Knight" userId="03bbb8e5a6d6338b" providerId="LiveId" clId="{D25FF412-11E0-423E-8BD3-DB885E5F48F4}" dt="2021-11-08T01:31:59.377" v="6007" actId="20577"/>
+        <pc:sldMkLst>
+          <pc:docMk/>
+          <pc:sldMk cId="2444472896" sldId="273"/>
+        </pc:sldMkLst>
+      </pc:sldChg>
+      <pc:sldChg chg="modNotesTx">
+        <pc:chgData name="Jason Knight" userId="03bbb8e5a6d6338b" providerId="LiveId" clId="{D25FF412-11E0-423E-8BD3-DB885E5F48F4}" dt="2021-11-08T01:34:31.077" v="6308" actId="20577"/>
+        <pc:sldMkLst>
+          <pc:docMk/>
+          <pc:sldMk cId="3586345893" sldId="274"/>
+        </pc:sldMkLst>
+      </pc:sldChg>
+      <pc:sldChg chg="modSp mod ord modNotesTx">
+        <pc:chgData name="Jason Knight" userId="03bbb8e5a6d6338b" providerId="LiveId" clId="{D25FF412-11E0-423E-8BD3-DB885E5F48F4}" dt="2021-11-08T01:26:17.247" v="5441" actId="5793"/>
+        <pc:sldMkLst>
+          <pc:docMk/>
+          <pc:sldMk cId="2165813908" sldId="275"/>
+        </pc:sldMkLst>
+        <pc:spChg chg="mod">
+          <ac:chgData name="Jason Knight" userId="03bbb8e5a6d6338b" providerId="LiveId" clId="{D25FF412-11E0-423E-8BD3-DB885E5F48F4}" dt="2021-11-08T00:52:16.777" v="4074" actId="20577"/>
+          <ac:spMkLst>
+            <pc:docMk/>
+            <pc:sldMk cId="2165813908" sldId="275"/>
+            <ac:spMk id="2" creationId="{30C1EE62-D29F-4329-A908-8C8E743CC0CC}"/>
+          </ac:spMkLst>
+        </pc:spChg>
+        <pc:spChg chg="mod">
+          <ac:chgData name="Jason Knight" userId="03bbb8e5a6d6338b" providerId="LiveId" clId="{D25FF412-11E0-423E-8BD3-DB885E5F48F4}" dt="2021-11-08T01:24:13.598" v="5218" actId="6549"/>
+          <ac:spMkLst>
+            <pc:docMk/>
+            <pc:sldMk cId="2165813908" sldId="275"/>
+            <ac:spMk id="3" creationId="{DA1905AA-3677-43A9-BD73-9460B5DC329C}"/>
+          </ac:spMkLst>
+        </pc:spChg>
+      </pc:sldChg>
+      <pc:sldChg chg="modSp mod modNotesTx">
+        <pc:chgData name="Jason Knight" userId="03bbb8e5a6d6338b" providerId="LiveId" clId="{D25FF412-11E0-423E-8BD3-DB885E5F48F4}" dt="2021-11-08T00:56:37.866" v="4167" actId="6549"/>
+        <pc:sldMkLst>
+          <pc:docMk/>
+          <pc:sldMk cId="88608026" sldId="276"/>
+        </pc:sldMkLst>
+        <pc:spChg chg="mod">
+          <ac:chgData name="Jason Knight" userId="03bbb8e5a6d6338b" providerId="LiveId" clId="{D25FF412-11E0-423E-8BD3-DB885E5F48F4}" dt="2021-11-08T00:52:21.856" v="4075"/>
+          <ac:spMkLst>
+            <pc:docMk/>
+            <pc:sldMk cId="88608026" sldId="276"/>
+            <ac:spMk id="2" creationId="{30C1EE62-D29F-4329-A908-8C8E743CC0CC}"/>
+          </ac:spMkLst>
+        </pc:spChg>
+        <pc:spChg chg="mod">
+          <ac:chgData name="Jason Knight" userId="03bbb8e5a6d6338b" providerId="LiveId" clId="{D25FF412-11E0-423E-8BD3-DB885E5F48F4}" dt="2021-11-08T00:54:51.017" v="4118" actId="242"/>
+          <ac:spMkLst>
+            <pc:docMk/>
+            <pc:sldMk cId="88608026" sldId="276"/>
+            <ac:spMk id="3" creationId="{DA1905AA-3677-43A9-BD73-9460B5DC329C}"/>
+          </ac:spMkLst>
+        </pc:spChg>
+      </pc:sldChg>
       <pc:sldChg chg="modSp new mod">
         <pc:chgData name="Jason Knight" userId="03bbb8e5a6d6338b" providerId="LiveId" clId="{D25FF412-11E0-423E-8BD3-DB885E5F48F4}" dt="2021-11-08T00:31:43.648" v="3480" actId="20577"/>
         <pc:sldMkLst>
@@ -972,6 +1058,136 @@
             <ac:spMk id="2" creationId="{5E0CE2E1-7D5B-4DFD-96F1-C1362F5992EA}"/>
           </ac:spMkLst>
         </pc:spChg>
+      </pc:sldChg>
+      <pc:sldChg chg="modSp add mod modNotesTx">
+        <pc:chgData name="Jason Knight" userId="03bbb8e5a6d6338b" providerId="LiveId" clId="{D25FF412-11E0-423E-8BD3-DB885E5F48F4}" dt="2021-11-08T01:05:04.540" v="4258" actId="12"/>
+        <pc:sldMkLst>
+          <pc:docMk/>
+          <pc:sldMk cId="2996658119" sldId="288"/>
+        </pc:sldMkLst>
+        <pc:spChg chg="mod">
+          <ac:chgData name="Jason Knight" userId="03bbb8e5a6d6338b" providerId="LiveId" clId="{D25FF412-11E0-423E-8BD3-DB885E5F48F4}" dt="2021-11-08T01:05:04.540" v="4258" actId="12"/>
+          <ac:spMkLst>
+            <pc:docMk/>
+            <pc:sldMk cId="2996658119" sldId="288"/>
+            <ac:spMk id="3" creationId="{DA1905AA-3677-43A9-BD73-9460B5DC329C}"/>
+          </ac:spMkLst>
+        </pc:spChg>
+      </pc:sldChg>
+      <pc:sldChg chg="addSp delSp modSp add mod modAnim">
+        <pc:chgData name="Jason Knight" userId="03bbb8e5a6d6338b" providerId="LiveId" clId="{D25FF412-11E0-423E-8BD3-DB885E5F48F4}" dt="2021-11-08T01:02:38.432" v="4172" actId="14100"/>
+        <pc:sldMkLst>
+          <pc:docMk/>
+          <pc:sldMk cId="488408942" sldId="289"/>
+        </pc:sldMkLst>
+        <pc:spChg chg="del mod">
+          <ac:chgData name="Jason Knight" userId="03bbb8e5a6d6338b" providerId="LiveId" clId="{D25FF412-11E0-423E-8BD3-DB885E5F48F4}" dt="2021-11-08T01:02:30.722" v="4170"/>
+          <ac:spMkLst>
+            <pc:docMk/>
+            <pc:sldMk cId="488408942" sldId="289"/>
+            <ac:spMk id="3" creationId="{DA1905AA-3677-43A9-BD73-9460B5DC329C}"/>
+          </ac:spMkLst>
+        </pc:spChg>
+        <pc:picChg chg="add mod">
+          <ac:chgData name="Jason Knight" userId="03bbb8e5a6d6338b" providerId="LiveId" clId="{D25FF412-11E0-423E-8BD3-DB885E5F48F4}" dt="2021-11-08T01:02:38.432" v="4172" actId="14100"/>
+          <ac:picMkLst>
+            <pc:docMk/>
+            <pc:sldMk cId="488408942" sldId="289"/>
+            <ac:picMk id="4" creationId="{4F5B0EE5-9E0D-4762-8870-724BC78A3874}"/>
+          </ac:picMkLst>
+        </pc:picChg>
+      </pc:sldChg>
+      <pc:sldChg chg="addSp modSp new mod modNotesTx">
+        <pc:chgData name="Jason Knight" userId="03bbb8e5a6d6338b" providerId="LiveId" clId="{D25FF412-11E0-423E-8BD3-DB885E5F48F4}" dt="2021-11-08T01:25:52.128" v="5413" actId="20577"/>
+        <pc:sldMkLst>
+          <pc:docMk/>
+          <pc:sldMk cId="1254349907" sldId="290"/>
+        </pc:sldMkLst>
+        <pc:spChg chg="mod">
+          <ac:chgData name="Jason Knight" userId="03bbb8e5a6d6338b" providerId="LiveId" clId="{D25FF412-11E0-423E-8BD3-DB885E5F48F4}" dt="2021-11-08T01:05:48.499" v="4260"/>
+          <ac:spMkLst>
+            <pc:docMk/>
+            <pc:sldMk cId="1254349907" sldId="290"/>
+            <ac:spMk id="2" creationId="{7FC93BC6-D5AE-4A04-A08C-0869BCF2FDF3}"/>
+          </ac:spMkLst>
+        </pc:spChg>
+        <pc:picChg chg="add mod">
+          <ac:chgData name="Jason Knight" userId="03bbb8e5a6d6338b" providerId="LiveId" clId="{D25FF412-11E0-423E-8BD3-DB885E5F48F4}" dt="2021-11-08T01:12:24.544" v="4278" actId="1076"/>
+          <ac:picMkLst>
+            <pc:docMk/>
+            <pc:sldMk cId="1254349907" sldId="290"/>
+            <ac:picMk id="2050" creationId="{32154284-FAD4-4FE4-8E91-0EC19A974A33}"/>
+          </ac:picMkLst>
+        </pc:picChg>
+      </pc:sldChg>
+      <pc:sldChg chg="add">
+        <pc:chgData name="Jason Knight" userId="03bbb8e5a6d6338b" providerId="LiveId" clId="{D25FF412-11E0-423E-8BD3-DB885E5F48F4}" dt="2021-11-08T01:24:02.208" v="5217"/>
+        <pc:sldMkLst>
+          <pc:docMk/>
+          <pc:sldMk cId="1851193726" sldId="291"/>
+        </pc:sldMkLst>
+      </pc:sldChg>
+      <pc:sldChg chg="new del">
+        <pc:chgData name="Jason Knight" userId="03bbb8e5a6d6338b" providerId="LiveId" clId="{D25FF412-11E0-423E-8BD3-DB885E5F48F4}" dt="2021-11-08T01:07:07.554" v="4262" actId="680"/>
+        <pc:sldMkLst>
+          <pc:docMk/>
+          <pc:sldMk cId="3039529385" sldId="291"/>
+        </pc:sldMkLst>
+      </pc:sldChg>
+      <pc:sldChg chg="addSp delSp modSp new del">
+        <pc:chgData name="Jason Knight" userId="03bbb8e5a6d6338b" providerId="LiveId" clId="{D25FF412-11E0-423E-8BD3-DB885E5F48F4}" dt="2021-11-08T01:12:42.915" v="4279" actId="47"/>
+        <pc:sldMkLst>
+          <pc:docMk/>
+          <pc:sldMk cId="3857864732" sldId="291"/>
+        </pc:sldMkLst>
+        <pc:spChg chg="add del">
+          <ac:chgData name="Jason Knight" userId="03bbb8e5a6d6338b" providerId="LiveId" clId="{D25FF412-11E0-423E-8BD3-DB885E5F48F4}" dt="2021-11-08T01:07:27.514" v="4269"/>
+          <ac:spMkLst>
+            <pc:docMk/>
+            <pc:sldMk cId="3857864732" sldId="291"/>
+            <ac:spMk id="3" creationId="{2A6059AF-2C4F-4C3B-BA33-BFE2CCF7163C}"/>
+          </ac:spMkLst>
+        </pc:spChg>
+        <pc:spChg chg="add del">
+          <ac:chgData name="Jason Knight" userId="03bbb8e5a6d6338b" providerId="LiveId" clId="{D25FF412-11E0-423E-8BD3-DB885E5F48F4}" dt="2021-11-08T01:07:19.448" v="4265"/>
+          <ac:spMkLst>
+            <pc:docMk/>
+            <pc:sldMk cId="3857864732" sldId="291"/>
+            <ac:spMk id="4" creationId="{64963993-4415-411C-AE01-CB4C5436178D}"/>
+          </ac:spMkLst>
+        </pc:spChg>
+        <pc:spChg chg="add del mod">
+          <ac:chgData name="Jason Knight" userId="03bbb8e5a6d6338b" providerId="LiveId" clId="{D25FF412-11E0-423E-8BD3-DB885E5F48F4}" dt="2021-11-08T01:07:22.074" v="4267"/>
+          <ac:spMkLst>
+            <pc:docMk/>
+            <pc:sldMk cId="3857864732" sldId="291"/>
+            <ac:spMk id="5" creationId="{27653AB0-3333-489B-A6DE-A4E9F33ACCB5}"/>
+          </ac:spMkLst>
+        </pc:spChg>
+        <pc:spChg chg="add del mod">
+          <ac:chgData name="Jason Knight" userId="03bbb8e5a6d6338b" providerId="LiveId" clId="{D25FF412-11E0-423E-8BD3-DB885E5F48F4}" dt="2021-11-08T01:07:27.514" v="4269"/>
+          <ac:spMkLst>
+            <pc:docMk/>
+            <pc:sldMk cId="3857864732" sldId="291"/>
+            <ac:spMk id="6" creationId="{397ABE3A-F7A8-4F3C-A33C-7FCB56E7CD61}"/>
+          </ac:spMkLst>
+        </pc:spChg>
+        <pc:spChg chg="add del">
+          <ac:chgData name="Jason Knight" userId="03bbb8e5a6d6338b" providerId="LiveId" clId="{D25FF412-11E0-423E-8BD3-DB885E5F48F4}" dt="2021-11-08T01:07:30.071" v="4271"/>
+          <ac:spMkLst>
+            <pc:docMk/>
+            <pc:sldMk cId="3857864732" sldId="291"/>
+            <ac:spMk id="7" creationId="{F55D694D-1411-4C5A-B771-1D487937F85D}"/>
+          </ac:spMkLst>
+        </pc:spChg>
+        <pc:picChg chg="add mod">
+          <ac:chgData name="Jason Knight" userId="03bbb8e5a6d6338b" providerId="LiveId" clId="{D25FF412-11E0-423E-8BD3-DB885E5F48F4}" dt="2021-11-08T01:09:05.853" v="4274" actId="1076"/>
+          <ac:picMkLst>
+            <pc:docMk/>
+            <pc:sldMk cId="3857864732" sldId="291"/>
+            <ac:picMk id="1034" creationId="{97C17240-2CF9-43E1-A380-C9D4CC9B8C52}"/>
+          </ac:picMkLst>
+        </pc:picChg>
       </pc:sldChg>
     </pc:docChg>
   </pc:docChgLst>
@@ -2452,7 +2668,19 @@
           <a:bodyPr/>
           <a:lstStyle/>
           <a:p>
+            <a:r>
+              <a:rPr lang="en-US" dirty="0"/>
+              <a:t>Many of you know what I’m proposing is easier said than done.</a:t>
+            </a:r>
+          </a:p>
+          <a:p>
             <a:endParaRPr lang="en-US" dirty="0"/>
+          </a:p>
+          <a:p>
+            <a:r>
+              <a:rPr lang="en-US" dirty="0"/>
+              <a:t>I’ll talk about 3 things that will stop your tortoise dead in its tracks and could kill continuous improvement.</a:t>
+            </a:r>
           </a:p>
         </p:txBody>
       </p:sp>
@@ -2581,7 +2809,178 @@
                 <a:effectLst/>
                 <a:latin typeface="Consolas" panose="020B0609020204030204" pitchFamily="49" charset="0"/>
               </a:rPr>
-              <a:t> broke, don't fix it. Leave well enough alone. Inattention to results. Complacency. Lack of courage and commitment. No vision means we focus on our feet rather than the horizon. Imagine trying to sail a ship that way!</a:t>
+              <a:t> broke, don't fix it. </a:t>
+            </a:r>
+          </a:p>
+          <a:p>
+            <a:pPr marL="0" marR="0" lvl="0" indent="0" algn="l" defTabSz="914400" rtl="0" eaLnBrk="1" fontAlgn="auto" latinLnBrk="0" hangingPunct="1">
+              <a:lnSpc>
+                <a:spcPct val="100000"/>
+              </a:lnSpc>
+              <a:spcBef>
+                <a:spcPts val="0"/>
+              </a:spcBef>
+              <a:spcAft>
+                <a:spcPts val="0"/>
+              </a:spcAft>
+              <a:buClrTx/>
+              <a:buSzTx/>
+              <a:buFontTx/>
+              <a:buNone/>
+              <a:tabLst/>
+              <a:defRPr/>
+            </a:pPr>
+            <a:r>
+              <a:rPr lang="en-US" b="0" dirty="0">
+                <a:solidFill>
+                  <a:srgbClr val="D4D4D4"/>
+                </a:solidFill>
+                <a:effectLst/>
+                <a:latin typeface="Consolas" panose="020B0609020204030204" pitchFamily="49" charset="0"/>
+              </a:rPr>
+              <a:t>Leave well enough alone. </a:t>
+            </a:r>
+          </a:p>
+          <a:p>
+            <a:pPr marL="0" marR="0" lvl="0" indent="0" algn="l" defTabSz="914400" rtl="0" eaLnBrk="1" fontAlgn="auto" latinLnBrk="0" hangingPunct="1">
+              <a:lnSpc>
+                <a:spcPct val="100000"/>
+              </a:lnSpc>
+              <a:spcBef>
+                <a:spcPts val="0"/>
+              </a:spcBef>
+              <a:spcAft>
+                <a:spcPts val="0"/>
+              </a:spcAft>
+              <a:buClrTx/>
+              <a:buSzTx/>
+              <a:buFontTx/>
+              <a:buNone/>
+              <a:tabLst/>
+              <a:defRPr/>
+            </a:pPr>
+            <a:r>
+              <a:rPr lang="en-US" b="0" dirty="0">
+                <a:solidFill>
+                  <a:srgbClr val="D4D4D4"/>
+                </a:solidFill>
+                <a:effectLst/>
+                <a:latin typeface="Consolas" panose="020B0609020204030204" pitchFamily="49" charset="0"/>
+              </a:rPr>
+              <a:t>Inattention to results. </a:t>
+            </a:r>
+          </a:p>
+          <a:p>
+            <a:pPr marL="0" marR="0" lvl="0" indent="0" algn="l" defTabSz="914400" rtl="0" eaLnBrk="1" fontAlgn="auto" latinLnBrk="0" hangingPunct="1">
+              <a:lnSpc>
+                <a:spcPct val="100000"/>
+              </a:lnSpc>
+              <a:spcBef>
+                <a:spcPts val="0"/>
+              </a:spcBef>
+              <a:spcAft>
+                <a:spcPts val="0"/>
+              </a:spcAft>
+              <a:buClrTx/>
+              <a:buSzTx/>
+              <a:buFontTx/>
+              <a:buNone/>
+              <a:tabLst/>
+              <a:defRPr/>
+            </a:pPr>
+            <a:r>
+              <a:rPr lang="en-US" b="0" dirty="0">
+                <a:solidFill>
+                  <a:srgbClr val="D4D4D4"/>
+                </a:solidFill>
+                <a:effectLst/>
+                <a:latin typeface="Consolas" panose="020B0609020204030204" pitchFamily="49" charset="0"/>
+              </a:rPr>
+              <a:t>Complacency. </a:t>
+            </a:r>
+          </a:p>
+          <a:p>
+            <a:pPr marL="0" marR="0" lvl="0" indent="0" algn="l" defTabSz="914400" rtl="0" eaLnBrk="1" fontAlgn="auto" latinLnBrk="0" hangingPunct="1">
+              <a:lnSpc>
+                <a:spcPct val="100000"/>
+              </a:lnSpc>
+              <a:spcBef>
+                <a:spcPts val="0"/>
+              </a:spcBef>
+              <a:spcAft>
+                <a:spcPts val="0"/>
+              </a:spcAft>
+              <a:buClrTx/>
+              <a:buSzTx/>
+              <a:buFontTx/>
+              <a:buNone/>
+              <a:tabLst/>
+              <a:defRPr/>
+            </a:pPr>
+            <a:r>
+              <a:rPr lang="en-US" b="0" dirty="0">
+                <a:solidFill>
+                  <a:srgbClr val="D4D4D4"/>
+                </a:solidFill>
+                <a:effectLst/>
+                <a:latin typeface="Consolas" panose="020B0609020204030204" pitchFamily="49" charset="0"/>
+              </a:rPr>
+              <a:t>Lack of courage. </a:t>
+            </a:r>
+          </a:p>
+          <a:p>
+            <a:pPr marL="0" marR="0" lvl="0" indent="0" algn="l" defTabSz="914400" rtl="0" eaLnBrk="1" fontAlgn="auto" latinLnBrk="0" hangingPunct="1">
+              <a:lnSpc>
+                <a:spcPct val="100000"/>
+              </a:lnSpc>
+              <a:spcBef>
+                <a:spcPts val="0"/>
+              </a:spcBef>
+              <a:spcAft>
+                <a:spcPts val="0"/>
+              </a:spcAft>
+              <a:buClrTx/>
+              <a:buSzTx/>
+              <a:buFontTx/>
+              <a:buNone/>
+              <a:tabLst/>
+              <a:defRPr/>
+            </a:pPr>
+            <a:endParaRPr lang="en-US" b="0" dirty="0">
+              <a:solidFill>
+                <a:srgbClr val="D4D4D4"/>
+              </a:solidFill>
+              <a:effectLst/>
+              <a:latin typeface="Consolas" panose="020B0609020204030204" pitchFamily="49" charset="0"/>
+            </a:endParaRPr>
+          </a:p>
+          <a:p>
+            <a:pPr marL="0" marR="0" lvl="0" indent="0" algn="l" defTabSz="914400" rtl="0" eaLnBrk="1" fontAlgn="auto" latinLnBrk="0" hangingPunct="1">
+              <a:lnSpc>
+                <a:spcPct val="100000"/>
+              </a:lnSpc>
+              <a:spcBef>
+                <a:spcPts val="0"/>
+              </a:spcBef>
+              <a:spcAft>
+                <a:spcPts val="0"/>
+              </a:spcAft>
+              <a:buClrTx/>
+              <a:buSzTx/>
+              <a:buFontTx/>
+              <a:buNone/>
+              <a:tabLst/>
+              <a:defRPr/>
+            </a:pPr>
+            <a:r>
+              <a:rPr lang="en-US" b="0" dirty="0">
+                <a:solidFill>
+                  <a:srgbClr val="D4D4D4"/>
+                </a:solidFill>
+                <a:effectLst/>
+                <a:latin typeface="Consolas" panose="020B0609020204030204" pitchFamily="49" charset="0"/>
+              </a:rPr>
+              <a:t>No vision means we focus on our feet rather than the horizon. Imagine trying to sail a ship that way!</a:t>
             </a:r>
           </a:p>
           <a:p>
@@ -2596,58 +2995,28 @@
                 <a:effectLst/>
                 <a:latin typeface="Consolas" panose="020B0609020204030204" pitchFamily="49" charset="0"/>
               </a:rPr>
-              <a:t>There must be a reason to do the hard thing. Why suffer? Why not take it easy, be apathetic and comfortable? Well, you may only be able to be apathetic and comfortable for a while </a:t>
-            </a:r>
-            <a:r>
-              <a:rPr lang="en-US" b="0" dirty="0" err="1">
-                <a:solidFill>
-                  <a:srgbClr val="D4D4D4"/>
-                </a:solidFill>
-                <a:effectLst/>
-                <a:latin typeface="Consolas" panose="020B0609020204030204" pitchFamily="49" charset="0"/>
-              </a:rPr>
-              <a:t>practially</a:t>
-            </a:r>
-            <a:r>
-              <a:rPr lang="en-US" b="0" dirty="0">
-                <a:solidFill>
-                  <a:srgbClr val="D4D4D4"/>
-                </a:solidFill>
-                <a:effectLst/>
-                <a:latin typeface="Consolas" panose="020B0609020204030204" pitchFamily="49" charset="0"/>
-              </a:rPr>
-              <a:t> speaking. </a:t>
-            </a:r>
-          </a:p>
-          <a:p>
-            <a:br>
-              <a:rPr lang="en-US" b="0" dirty="0">
-                <a:solidFill>
-                  <a:srgbClr val="D4D4D4"/>
-                </a:solidFill>
-                <a:effectLst/>
-                <a:latin typeface="Consolas" panose="020B0609020204030204" pitchFamily="49" charset="0"/>
-              </a:rPr>
-            </a:br>
-            <a:r>
-              <a:rPr lang="en-US" b="0" dirty="0">
-                <a:solidFill>
-                  <a:srgbClr val="6A9955"/>
-                </a:solidFill>
-                <a:effectLst/>
-                <a:latin typeface="Consolas" panose="020B0609020204030204" pitchFamily="49" charset="0"/>
-              </a:rPr>
-              <a:t>&gt;</a:t>
-            </a:r>
-            <a:r>
-              <a:rPr lang="en-US" b="0" dirty="0">
-                <a:solidFill>
-                  <a:srgbClr val="D4D4D4"/>
-                </a:solidFill>
-                <a:effectLst/>
-                <a:latin typeface="Consolas" panose="020B0609020204030204" pitchFamily="49" charset="0"/>
-              </a:rPr>
-              <a:t> 10 A little sleep, a little slumber, a little folding of the hands to rest, 11 and poverty will come upon you like a robber, and want like an armed man. - Proverbs 6:10-11</a:t>
+              <a:t>There must be a reason to do the hard thing. Otherwise, why suffer? Why not take it easy, be apathetic and comfortable? </a:t>
+            </a:r>
+          </a:p>
+          <a:p>
+            <a:endParaRPr lang="en-US" b="0" dirty="0">
+              <a:solidFill>
+                <a:srgbClr val="D4D4D4"/>
+              </a:solidFill>
+              <a:effectLst/>
+              <a:latin typeface="Consolas" panose="020B0609020204030204" pitchFamily="49" charset="0"/>
+            </a:endParaRPr>
+          </a:p>
+          <a:p>
+            <a:r>
+              <a:rPr lang="en-US" b="0" dirty="0">
+                <a:solidFill>
+                  <a:srgbClr val="D4D4D4"/>
+                </a:solidFill>
+                <a:effectLst/>
+                <a:latin typeface="Consolas" panose="020B0609020204030204" pitchFamily="49" charset="0"/>
+              </a:rPr>
+              <a:t>Some may realize that standing still can mean falling so far behind, a crash is inevitable. The fear of this is not a sustainable force to compel through sizable difficulty.</a:t>
             </a:r>
           </a:p>
           <a:p>
@@ -2735,92 +3104,49 @@
           <a:bodyPr/>
           <a:lstStyle/>
           <a:p>
-            <a:r>
-              <a:rPr lang="en-US" b="0" dirty="0">
-                <a:solidFill>
-                  <a:srgbClr val="D4D4D4"/>
-                </a:solidFill>
-                <a:effectLst/>
-                <a:latin typeface="Consolas" panose="020B0609020204030204" pitchFamily="49" charset="0"/>
-              </a:rPr>
-              <a:t>Being in charge means caring for those in your charge</a:t>
-            </a:r>
-          </a:p>
-          <a:p>
-            <a:r>
-              <a:rPr lang="en-US" b="0" dirty="0">
-                <a:solidFill>
-                  <a:srgbClr val="D4D4D4"/>
-                </a:solidFill>
-                <a:effectLst/>
-                <a:latin typeface="Consolas" panose="020B0609020204030204" pitchFamily="49" charset="0"/>
-              </a:rPr>
-              <a:t>The servant as leader vs the leader as servant</a:t>
-            </a:r>
-          </a:p>
-          <a:p>
-            <a:br>
-              <a:rPr lang="en-US" b="0" dirty="0">
-                <a:solidFill>
-                  <a:srgbClr val="D4D4D4"/>
-                </a:solidFill>
-                <a:effectLst/>
-                <a:latin typeface="Consolas" panose="020B0609020204030204" pitchFamily="49" charset="0"/>
-              </a:rPr>
-            </a:br>
-            <a:r>
-              <a:rPr lang="en-US" b="0" dirty="0">
-                <a:solidFill>
-                  <a:srgbClr val="D4D4D4"/>
-                </a:solidFill>
-                <a:effectLst/>
-                <a:latin typeface="Consolas" panose="020B0609020204030204" pitchFamily="49" charset="0"/>
-              </a:rPr>
-              <a:t>[</a:t>
-            </a:r>
-            <a:r>
-              <a:rPr lang="en-US" b="0" dirty="0">
-                <a:solidFill>
-                  <a:srgbClr val="CE9178"/>
-                </a:solidFill>
-                <a:effectLst/>
-                <a:latin typeface="Consolas" panose="020B0609020204030204" pitchFamily="49" charset="0"/>
-              </a:rPr>
-              <a:t>The Servant as Leader</a:t>
-            </a:r>
-            <a:r>
-              <a:rPr lang="en-US" b="0" dirty="0">
-                <a:solidFill>
-                  <a:srgbClr val="D4D4D4"/>
-                </a:solidFill>
-                <a:effectLst/>
-                <a:latin typeface="Consolas" panose="020B0609020204030204" pitchFamily="49" charset="0"/>
-              </a:rPr>
-              <a:t>](</a:t>
-            </a:r>
-            <a:r>
-              <a:rPr lang="en-US" b="0" u="sng" dirty="0">
-                <a:solidFill>
-                  <a:srgbClr val="D4D4D4"/>
-                </a:solidFill>
-                <a:effectLst/>
-                <a:latin typeface="Consolas" panose="020B0609020204030204" pitchFamily="49" charset="0"/>
-              </a:rPr>
-              <a:t>http://www.ediguys.net/Robert_K_Greenleaf_The_Servant_as_Leader.pdf</a:t>
-            </a:r>
-            <a:r>
-              <a:rPr lang="en-US" b="0" dirty="0">
-                <a:solidFill>
-                  <a:srgbClr val="D4D4D4"/>
-                </a:solidFill>
-                <a:effectLst/>
-                <a:latin typeface="Consolas" panose="020B0609020204030204" pitchFamily="49" charset="0"/>
-              </a:rPr>
-              <a:t>)</a:t>
-            </a:r>
+            <a:pPr lvl="0"/>
+            <a:r>
+              <a:rPr lang="en-US" dirty="0"/>
+              <a:t>Forgetting that power is given</a:t>
+            </a:r>
+          </a:p>
+          <a:p>
+            <a:pPr lvl="0"/>
+            <a:endParaRPr lang="en-US" b="1" dirty="0">
+              <a:solidFill>
+                <a:srgbClr val="569CD6"/>
+              </a:solidFill>
+              <a:effectLst/>
+              <a:latin typeface="Consolas" panose="020B0609020204030204" pitchFamily="49" charset="0"/>
+            </a:endParaRPr>
+          </a:p>
+          <a:p>
+            <a:r>
+              <a:rPr lang="en-US" b="1" dirty="0">
+                <a:solidFill>
+                  <a:srgbClr val="569CD6"/>
+                </a:solidFill>
+                <a:effectLst/>
+                <a:latin typeface="Consolas" panose="020B0609020204030204" pitchFamily="49" charset="0"/>
+              </a:rPr>
+              <a:t># Power Is Only Given</a:t>
+            </a:r>
+            <a:endParaRPr lang="en-US" b="0" dirty="0">
+              <a:solidFill>
+                <a:srgbClr val="D4D4D4"/>
+              </a:solidFill>
+              <a:effectLst/>
+              <a:latin typeface="Consolas" panose="020B0609020204030204" pitchFamily="49" charset="0"/>
+            </a:endParaRPr>
           </a:p>
           <a:p>
             <a:endParaRPr lang="en-US" dirty="0"/>
+          </a:p>
+          <a:p>
+            <a:r>
+              <a:rPr lang="en-US" dirty="0"/>
+              <a:t>Gun to your head example</a:t>
+            </a:r>
           </a:p>
         </p:txBody>
       </p:sp>
@@ -2850,7 +3176,7 @@
     </p:spTree>
     <p:extLst>
       <p:ext uri="{BB962C8B-B14F-4D97-AF65-F5344CB8AC3E}">
-        <p14:creationId xmlns:p14="http://schemas.microsoft.com/office/powerpoint/2010/main" val="1669297632"/>
+        <p14:creationId xmlns:p14="http://schemas.microsoft.com/office/powerpoint/2010/main" val="164597181"/>
       </p:ext>
     </p:extLst>
   </p:cSld>
@@ -2904,6 +3230,23 @@
           <a:bodyPr/>
           <a:lstStyle/>
           <a:p>
+            <a:pPr lvl="0"/>
+            <a:r>
+              <a:rPr lang="en-US" dirty="0"/>
+              <a:t>Forgetting that power is given</a:t>
+            </a:r>
+          </a:p>
+          <a:p>
+            <a:pPr lvl="0"/>
+            <a:endParaRPr lang="en-US" b="1" dirty="0">
+              <a:solidFill>
+                <a:srgbClr val="569CD6"/>
+              </a:solidFill>
+              <a:effectLst/>
+              <a:latin typeface="Consolas" panose="020B0609020204030204" pitchFamily="49" charset="0"/>
+            </a:endParaRPr>
+          </a:p>
+          <a:p>
             <a:r>
               <a:rPr lang="en-US" b="1" dirty="0">
                 <a:solidFill>
@@ -2923,537 +3266,13 @@
             </a:endParaRPr>
           </a:p>
           <a:p>
-            <a:r>
-              <a:rPr lang="en-US" b="0" dirty="0">
-                <a:solidFill>
-                  <a:srgbClr val="D4D4D4"/>
-                </a:solidFill>
-                <a:effectLst/>
-                <a:latin typeface="Consolas" panose="020B0609020204030204" pitchFamily="49" charset="0"/>
-              </a:rPr>
-              <a:t>Being in charge means caring for those in your charge</a:t>
-            </a:r>
-          </a:p>
-          <a:p>
-            <a:r>
-              <a:rPr lang="en-US" b="0" dirty="0">
-                <a:solidFill>
-                  <a:srgbClr val="D4D4D4"/>
-                </a:solidFill>
-                <a:effectLst/>
-                <a:latin typeface="Consolas" panose="020B0609020204030204" pitchFamily="49" charset="0"/>
-              </a:rPr>
-              <a:t>The servant as leader vs the leader as servant</a:t>
-            </a:r>
-          </a:p>
-          <a:p>
-            <a:br>
-              <a:rPr lang="en-US" b="0" dirty="0">
-                <a:solidFill>
-                  <a:srgbClr val="D4D4D4"/>
-                </a:solidFill>
-                <a:effectLst/>
-                <a:latin typeface="Consolas" panose="020B0609020204030204" pitchFamily="49" charset="0"/>
-              </a:rPr>
-            </a:br>
-            <a:r>
-              <a:rPr lang="en-US" b="0" dirty="0">
-                <a:solidFill>
-                  <a:srgbClr val="D4D4D4"/>
-                </a:solidFill>
-                <a:effectLst/>
-                <a:latin typeface="Consolas" panose="020B0609020204030204" pitchFamily="49" charset="0"/>
-              </a:rPr>
-              <a:t>[</a:t>
-            </a:r>
-            <a:r>
-              <a:rPr lang="en-US" b="0" dirty="0">
-                <a:solidFill>
-                  <a:srgbClr val="CE9178"/>
-                </a:solidFill>
-                <a:effectLst/>
-                <a:latin typeface="Consolas" panose="020B0609020204030204" pitchFamily="49" charset="0"/>
-              </a:rPr>
-              <a:t>The Servant as Leader</a:t>
-            </a:r>
-            <a:r>
-              <a:rPr lang="en-US" b="0" dirty="0">
-                <a:solidFill>
-                  <a:srgbClr val="D4D4D4"/>
-                </a:solidFill>
-                <a:effectLst/>
-                <a:latin typeface="Consolas" panose="020B0609020204030204" pitchFamily="49" charset="0"/>
-              </a:rPr>
-              <a:t>](</a:t>
-            </a:r>
-            <a:r>
-              <a:rPr lang="en-US" b="0" u="sng" dirty="0">
-                <a:solidFill>
-                  <a:srgbClr val="D4D4D4"/>
-                </a:solidFill>
-                <a:effectLst/>
-                <a:latin typeface="Consolas" panose="020B0609020204030204" pitchFamily="49" charset="0"/>
-              </a:rPr>
-              <a:t>http://www.ediguys.net/Robert_K_Greenleaf_The_Servant_as_Leader.pdf</a:t>
-            </a:r>
-            <a:r>
-              <a:rPr lang="en-US" b="0" dirty="0">
-                <a:solidFill>
-                  <a:srgbClr val="D4D4D4"/>
-                </a:solidFill>
-                <a:effectLst/>
-                <a:latin typeface="Consolas" panose="020B0609020204030204" pitchFamily="49" charset="0"/>
-              </a:rPr>
-              <a:t>)</a:t>
-            </a:r>
-          </a:p>
-          <a:p>
-            <a:br>
-              <a:rPr lang="en-US" b="0" dirty="0">
-                <a:solidFill>
-                  <a:srgbClr val="D4D4D4"/>
-                </a:solidFill>
-                <a:effectLst/>
-                <a:latin typeface="Consolas" panose="020B0609020204030204" pitchFamily="49" charset="0"/>
-              </a:rPr>
-            </a:br>
-            <a:r>
-              <a:rPr lang="en-US" b="0" dirty="0">
-                <a:solidFill>
-                  <a:srgbClr val="D4D4D4"/>
-                </a:solidFill>
-                <a:effectLst/>
-                <a:latin typeface="Consolas" panose="020B0609020204030204" pitchFamily="49" charset="0"/>
-              </a:rPr>
-              <a:t>[</a:t>
-            </a:r>
-            <a:r>
-              <a:rPr lang="en-US" b="0" dirty="0">
-                <a:solidFill>
-                  <a:srgbClr val="CE9178"/>
-                </a:solidFill>
-                <a:effectLst/>
-                <a:latin typeface="Consolas" panose="020B0609020204030204" pitchFamily="49" charset="0"/>
-              </a:rPr>
-              <a:t>6 Forms of Power</a:t>
-            </a:r>
-            <a:r>
-              <a:rPr lang="en-US" b="0" dirty="0">
-                <a:solidFill>
-                  <a:srgbClr val="D4D4D4"/>
-                </a:solidFill>
-                <a:effectLst/>
-                <a:latin typeface="Consolas" panose="020B0609020204030204" pitchFamily="49" charset="0"/>
-              </a:rPr>
-              <a:t>](</a:t>
-            </a:r>
-            <a:r>
-              <a:rPr lang="en-US" b="0" u="sng" dirty="0">
-                <a:solidFill>
-                  <a:srgbClr val="D4D4D4"/>
-                </a:solidFill>
-                <a:effectLst/>
-                <a:latin typeface="Consolas" panose="020B0609020204030204" pitchFamily="49" charset="0"/>
-              </a:rPr>
-              <a:t>https://controlyourchaos.wordpress.com/2013/12/17/scrum-masters-toolkit-french-ravens-5-6-forms-of-power/</a:t>
-            </a:r>
-            <a:r>
-              <a:rPr lang="en-US" b="0" dirty="0">
-                <a:solidFill>
-                  <a:srgbClr val="D4D4D4"/>
-                </a:solidFill>
-                <a:effectLst/>
-                <a:latin typeface="Consolas" panose="020B0609020204030204" pitchFamily="49" charset="0"/>
-              </a:rPr>
-              <a:t>)</a:t>
-            </a:r>
-          </a:p>
-          <a:p>
-            <a:r>
-              <a:rPr lang="en-US" b="0" dirty="0">
-                <a:solidFill>
-                  <a:srgbClr val="D4D4D4"/>
-                </a:solidFill>
-                <a:effectLst/>
-                <a:latin typeface="Consolas" panose="020B0609020204030204" pitchFamily="49" charset="0"/>
-              </a:rPr>
-              <a:t>[</a:t>
-            </a:r>
-            <a:r>
-              <a:rPr lang="en-US" b="0" dirty="0">
-                <a:solidFill>
-                  <a:srgbClr val="CE9178"/>
-                </a:solidFill>
-                <a:effectLst/>
-                <a:latin typeface="Consolas" panose="020B0609020204030204" pitchFamily="49" charset="0"/>
-              </a:rPr>
-              <a:t>Psychological Models in Scrum</a:t>
-            </a:r>
-            <a:r>
-              <a:rPr lang="en-US" b="0" dirty="0">
-                <a:solidFill>
-                  <a:srgbClr val="D4D4D4"/>
-                </a:solidFill>
-                <a:effectLst/>
-                <a:latin typeface="Consolas" panose="020B0609020204030204" pitchFamily="49" charset="0"/>
-              </a:rPr>
-              <a:t>](</a:t>
-            </a:r>
-            <a:r>
-              <a:rPr lang="en-US" b="0" u="sng" dirty="0">
-                <a:solidFill>
-                  <a:srgbClr val="D4D4D4"/>
-                </a:solidFill>
-                <a:effectLst/>
-                <a:latin typeface="Consolas" panose="020B0609020204030204" pitchFamily="49" charset="0"/>
-              </a:rPr>
-              <a:t>https://www.youtube.com/watch?v=fyDYpGCuvaA&amp;t=1322s</a:t>
-            </a:r>
-            <a:r>
-              <a:rPr lang="en-US" b="0" dirty="0">
-                <a:solidFill>
-                  <a:srgbClr val="D4D4D4"/>
-                </a:solidFill>
-                <a:effectLst/>
-                <a:latin typeface="Consolas" panose="020B0609020204030204" pitchFamily="49" charset="0"/>
-              </a:rPr>
-              <a:t>)</a:t>
-            </a:r>
-          </a:p>
-          <a:p>
-            <a:r>
-              <a:rPr lang="en-US" b="0" dirty="0">
-                <a:solidFill>
-                  <a:srgbClr val="D4D4D4"/>
-                </a:solidFill>
-                <a:effectLst/>
-                <a:latin typeface="Consolas" panose="020B0609020204030204" pitchFamily="49" charset="0"/>
-              </a:rPr>
-              <a:t>Gun to your head example.</a:t>
-            </a:r>
-          </a:p>
-          <a:p>
-            <a:br>
-              <a:rPr lang="en-US" b="0" dirty="0">
-                <a:solidFill>
-                  <a:srgbClr val="D4D4D4"/>
-                </a:solidFill>
-                <a:effectLst/>
-                <a:latin typeface="Consolas" panose="020B0609020204030204" pitchFamily="49" charset="0"/>
-              </a:rPr>
-            </a:br>
-            <a:r>
-              <a:rPr lang="en-US" b="1" dirty="0">
-                <a:solidFill>
-                  <a:srgbClr val="569CD6"/>
-                </a:solidFill>
-                <a:effectLst/>
-                <a:latin typeface="Consolas" panose="020B0609020204030204" pitchFamily="49" charset="0"/>
-              </a:rPr>
-              <a:t>##### 1 Reward and 2 Coercive</a:t>
-            </a:r>
-            <a:endParaRPr lang="en-US" b="0" dirty="0">
-              <a:solidFill>
-                <a:srgbClr val="D4D4D4"/>
-              </a:solidFill>
-              <a:effectLst/>
-              <a:latin typeface="Consolas" panose="020B0609020204030204" pitchFamily="49" charset="0"/>
-            </a:endParaRPr>
-          </a:p>
-          <a:p>
-            <a:r>
-              <a:rPr lang="en-US" b="0" dirty="0">
-                <a:solidFill>
-                  <a:srgbClr val="D4D4D4"/>
-                </a:solidFill>
-                <a:effectLst/>
-                <a:latin typeface="Consolas" panose="020B0609020204030204" pitchFamily="49" charset="0"/>
-              </a:rPr>
-              <a:t>These two forms are the most common in nature. Every animal is susceptible to those. Basically they mean that you can do something for someone in order to receive a reward or avoid punishment. This is exactly the carrot &amp; stick. If you use this power, you will get obedience. But nothing more. So if you want your dog to obey, you can give him or her treats to reinforce good behavior and punish bad. But remember, even if you do that , you might not be able to take control over your dog. Because when you turn around, the sausage will still disappear. Exactly the same applies to humans. If you reward and punish, everything will go towards what you reward and what you punish will be hidden. But apart from that, no creativity can be expected.</a:t>
-            </a:r>
-          </a:p>
-          <a:p>
-            <a:br>
-              <a:rPr lang="en-US" b="0" dirty="0">
-                <a:solidFill>
-                  <a:srgbClr val="D4D4D4"/>
-                </a:solidFill>
-                <a:effectLst/>
-                <a:latin typeface="Consolas" panose="020B0609020204030204" pitchFamily="49" charset="0"/>
-              </a:rPr>
-            </a:br>
-            <a:r>
-              <a:rPr lang="en-US" b="1" dirty="0">
-                <a:solidFill>
-                  <a:srgbClr val="569CD6"/>
-                </a:solidFill>
-                <a:effectLst/>
-                <a:latin typeface="Consolas" panose="020B0609020204030204" pitchFamily="49" charset="0"/>
-              </a:rPr>
-              <a:t>##### 3 Given / Formal / Legitimate</a:t>
-            </a:r>
-            <a:endParaRPr lang="en-US" b="0" dirty="0">
-              <a:solidFill>
-                <a:srgbClr val="D4D4D4"/>
-              </a:solidFill>
-              <a:effectLst/>
-              <a:latin typeface="Consolas" panose="020B0609020204030204" pitchFamily="49" charset="0"/>
-            </a:endParaRPr>
-          </a:p>
-          <a:p>
-            <a:r>
-              <a:rPr lang="en-US" b="0" dirty="0">
-                <a:solidFill>
-                  <a:srgbClr val="D4D4D4"/>
-                </a:solidFill>
-                <a:effectLst/>
-                <a:latin typeface="Consolas" panose="020B0609020204030204" pitchFamily="49" charset="0"/>
-              </a:rPr>
-              <a:t>This power is only present in creatures who build societies. Did you ever watch The Dog Whisperer with Cesar Millan? If you did, try to remember what he wanted to achieve. He was the Pack Leader for the dog and taught owners how to do the same. He wanted the dog to be submissive. And this is exactly what you will have if you have formal power over someone – like a manager or a police officer. Someone who is high in social ranks, somehow culturally above someone else. But if you operate with this power, you will have submission and submission only. There is still very little creativity involved.</a:t>
-            </a:r>
-          </a:p>
-          <a:p>
-            <a:br>
-              <a:rPr lang="en-US" b="0" dirty="0">
-                <a:solidFill>
-                  <a:srgbClr val="D4D4D4"/>
-                </a:solidFill>
-                <a:effectLst/>
-                <a:latin typeface="Consolas" panose="020B0609020204030204" pitchFamily="49" charset="0"/>
-              </a:rPr>
-            </a:br>
-            <a:r>
-              <a:rPr lang="en-US" b="1" dirty="0">
-                <a:solidFill>
-                  <a:srgbClr val="569CD6"/>
-                </a:solidFill>
-                <a:effectLst/>
-                <a:latin typeface="Consolas" panose="020B0609020204030204" pitchFamily="49" charset="0"/>
-              </a:rPr>
-              <a:t>##### 4 Expert</a:t>
-            </a:r>
-            <a:endParaRPr lang="en-US" b="0" dirty="0">
-              <a:solidFill>
-                <a:srgbClr val="D4D4D4"/>
-              </a:solidFill>
-              <a:effectLst/>
-              <a:latin typeface="Consolas" panose="020B0609020204030204" pitchFamily="49" charset="0"/>
-            </a:endParaRPr>
-          </a:p>
-          <a:p>
-            <a:r>
-              <a:rPr lang="en-US" b="0" dirty="0">
-                <a:solidFill>
-                  <a:srgbClr val="D4D4D4"/>
-                </a:solidFill>
-                <a:effectLst/>
-                <a:latin typeface="Consolas" panose="020B0609020204030204" pitchFamily="49" charset="0"/>
-              </a:rPr>
-              <a:t>Expert power is something that can be described as being respected, because you know a lot or can do something. This is something that has not been observed in any creatures, besides human. Some researchers believe dolphins, elephants, apes and crows may exhibit that power as well, but no hard proof has been found yet.  Working with someone with that power over you, gives you wings to learn. You want to become just like this example someone, so you listen, follow footsteps and try to master this subject. This power gives you learning and conquering difficulties.</a:t>
-            </a:r>
-          </a:p>
-          <a:p>
-            <a:br>
-              <a:rPr lang="en-US" b="0" dirty="0">
-                <a:solidFill>
-                  <a:srgbClr val="D4D4D4"/>
-                </a:solidFill>
-                <a:effectLst/>
-                <a:latin typeface="Consolas" panose="020B0609020204030204" pitchFamily="49" charset="0"/>
-              </a:rPr>
-            </a:br>
-            <a:r>
-              <a:rPr lang="en-US" b="1" dirty="0">
-                <a:solidFill>
-                  <a:srgbClr val="569CD6"/>
-                </a:solidFill>
-                <a:effectLst/>
-                <a:latin typeface="Consolas" panose="020B0609020204030204" pitchFamily="49" charset="0"/>
-              </a:rPr>
-              <a:t>##### 5 Referent</a:t>
-            </a:r>
-            <a:endParaRPr lang="en-US" b="0" dirty="0">
-              <a:solidFill>
-                <a:srgbClr val="D4D4D4"/>
-              </a:solidFill>
-              <a:effectLst/>
-              <a:latin typeface="Consolas" panose="020B0609020204030204" pitchFamily="49" charset="0"/>
-            </a:endParaRPr>
-          </a:p>
-          <a:p>
-            <a:r>
-              <a:rPr lang="en-US" b="0" dirty="0">
-                <a:solidFill>
-                  <a:srgbClr val="D4D4D4"/>
-                </a:solidFill>
-                <a:effectLst/>
-                <a:latin typeface="Consolas" panose="020B0609020204030204" pitchFamily="49" charset="0"/>
-              </a:rPr>
-              <a:t>This is a power that’s closest to trust. In large quantities it’s perceived as Charisma. It’s something that produces good feelings and engagement. It’s a power that’s easiest to lose and hardest to gain. You feel that this person is just right, you follow their lead. It’s something good leaders have.</a:t>
-            </a:r>
-          </a:p>
-          <a:p>
-            <a:br>
-              <a:rPr lang="en-US" b="0" dirty="0">
-                <a:solidFill>
-                  <a:srgbClr val="D4D4D4"/>
-                </a:solidFill>
-                <a:effectLst/>
-                <a:latin typeface="Consolas" panose="020B0609020204030204" pitchFamily="49" charset="0"/>
-              </a:rPr>
-            </a:br>
-            <a:r>
-              <a:rPr lang="en-US" b="1" dirty="0">
-                <a:solidFill>
-                  <a:srgbClr val="569CD6"/>
-                </a:solidFill>
-                <a:effectLst/>
-                <a:latin typeface="Consolas" panose="020B0609020204030204" pitchFamily="49" charset="0"/>
-              </a:rPr>
-              <a:t>##### 6* Informational</a:t>
-            </a:r>
-            <a:endParaRPr lang="en-US" b="0" dirty="0">
-              <a:solidFill>
-                <a:srgbClr val="D4D4D4"/>
-              </a:solidFill>
-              <a:effectLst/>
-              <a:latin typeface="Consolas" panose="020B0609020204030204" pitchFamily="49" charset="0"/>
-            </a:endParaRPr>
-          </a:p>
-          <a:p>
-            <a:r>
-              <a:rPr lang="en-US" b="0" dirty="0">
-                <a:solidFill>
-                  <a:srgbClr val="D4D4D4"/>
-                </a:solidFill>
-                <a:effectLst/>
-                <a:latin typeface="Consolas" panose="020B0609020204030204" pitchFamily="49" charset="0"/>
-              </a:rPr>
-              <a:t>Why is there an asterisk here? Because this power was added later on, it wasn’t in the original research. This is a power that is present only in informational societies. Where having, withholding or manipulating information is possible. Some also argue if this is not only a different manifestation of a rewarding or coercive power. I will leave it for your consideration.</a:t>
-            </a:r>
-          </a:p>
-          <a:p>
-            <a:br>
-              <a:rPr lang="en-US" b="0" dirty="0">
-                <a:solidFill>
-                  <a:srgbClr val="D4D4D4"/>
-                </a:solidFill>
-                <a:effectLst/>
-                <a:latin typeface="Consolas" panose="020B0609020204030204" pitchFamily="49" charset="0"/>
-              </a:rPr>
-            </a:br>
-            <a:r>
-              <a:rPr lang="en-US" b="1" dirty="0">
-                <a:solidFill>
-                  <a:srgbClr val="569CD6"/>
-                </a:solidFill>
-                <a:effectLst/>
-                <a:latin typeface="Consolas" panose="020B0609020204030204" pitchFamily="49" charset="0"/>
-              </a:rPr>
-              <a:t>##### Why do I care?</a:t>
-            </a:r>
-            <a:endParaRPr lang="en-US" b="0" dirty="0">
-              <a:solidFill>
-                <a:srgbClr val="D4D4D4"/>
-              </a:solidFill>
-              <a:effectLst/>
-              <a:latin typeface="Consolas" panose="020B0609020204030204" pitchFamily="49" charset="0"/>
-            </a:endParaRPr>
-          </a:p>
-          <a:p>
-            <a:r>
-              <a:rPr lang="en-US" b="0" dirty="0">
-                <a:solidFill>
-                  <a:srgbClr val="D4D4D4"/>
-                </a:solidFill>
-                <a:effectLst/>
-                <a:latin typeface="Consolas" panose="020B0609020204030204" pitchFamily="49" charset="0"/>
-              </a:rPr>
-              <a:t>Because the higher the power number is, the harder it is to gain, but the bigger the benefits are. It’s easy to coerce someone to do something, threatening them to sack them or promising a yearly bonus.</a:t>
-            </a:r>
-          </a:p>
-          <a:p>
-            <a:br>
-              <a:rPr lang="en-US" b="0" dirty="0">
-                <a:solidFill>
-                  <a:srgbClr val="D4D4D4"/>
-                </a:solidFill>
-                <a:effectLst/>
-                <a:latin typeface="Consolas" panose="020B0609020204030204" pitchFamily="49" charset="0"/>
-              </a:rPr>
-            </a:br>
-            <a:r>
-              <a:rPr lang="en-US" b="0" dirty="0">
-                <a:solidFill>
-                  <a:srgbClr val="D4D4D4"/>
-                </a:solidFill>
-                <a:effectLst/>
-                <a:latin typeface="Consolas" panose="020B0609020204030204" pitchFamily="49" charset="0"/>
-              </a:rPr>
-              <a:t>Also because coercive and rewarding powers are encoded in our reptilian brain, they are our instincts and it’s extremely hard in a critical situation not to use them.  Same applies to given power – only if you give in to your instincts, the more primitive one will take over – the carrot and the stick.</a:t>
-            </a:r>
-          </a:p>
-          <a:p>
-            <a:br>
-              <a:rPr lang="en-US" b="0" dirty="0">
-                <a:solidFill>
-                  <a:srgbClr val="D4D4D4"/>
-                </a:solidFill>
-                <a:effectLst/>
-                <a:latin typeface="Consolas" panose="020B0609020204030204" pitchFamily="49" charset="0"/>
-              </a:rPr>
-            </a:br>
-            <a:r>
-              <a:rPr lang="en-US" b="0" dirty="0">
-                <a:solidFill>
-                  <a:srgbClr val="D4D4D4"/>
-                </a:solidFill>
-                <a:effectLst/>
-                <a:latin typeface="Consolas" panose="020B0609020204030204" pitchFamily="49" charset="0"/>
-              </a:rPr>
-              <a:t>And in critical situations we need creativity, learning and engagement the most – to quickly get out of that crisis.</a:t>
-            </a:r>
-          </a:p>
-          <a:p>
-            <a:br>
-              <a:rPr lang="en-US" b="0" dirty="0">
-                <a:solidFill>
-                  <a:srgbClr val="D4D4D4"/>
-                </a:solidFill>
-                <a:effectLst/>
-                <a:latin typeface="Consolas" panose="020B0609020204030204" pitchFamily="49" charset="0"/>
-              </a:rPr>
-            </a:br>
-            <a:r>
-              <a:rPr lang="en-US" b="0" dirty="0">
-                <a:solidFill>
-                  <a:srgbClr val="D4D4D4"/>
-                </a:solidFill>
-                <a:effectLst/>
-                <a:latin typeface="Consolas" panose="020B0609020204030204" pitchFamily="49" charset="0"/>
-              </a:rPr>
-              <a:t>That’s why Scrum Masters have to have Expert and Referent power but not formal, coercive or rewarding ones. So that they can get the most of people any </a:t>
-            </a:r>
-            <a:r>
-              <a:rPr lang="en-US" b="0" dirty="0" err="1">
-                <a:solidFill>
-                  <a:srgbClr val="D4D4D4"/>
-                </a:solidFill>
-                <a:effectLst/>
-                <a:latin typeface="Consolas" panose="020B0609020204030204" pitchFamily="49" charset="0"/>
-              </a:rPr>
-              <a:t>time.s</a:t>
-            </a:r>
-            <a:endParaRPr lang="en-US" b="0" dirty="0">
-              <a:solidFill>
-                <a:srgbClr val="D4D4D4"/>
-              </a:solidFill>
-              <a:effectLst/>
-              <a:latin typeface="Consolas" panose="020B0609020204030204" pitchFamily="49" charset="0"/>
-            </a:endParaRPr>
-          </a:p>
-          <a:p>
             <a:endParaRPr lang="en-US" dirty="0"/>
+          </a:p>
+          <a:p>
+            <a:r>
+              <a:rPr lang="en-US" dirty="0"/>
+              <a:t>Gun to your head example</a:t>
+            </a:r>
           </a:p>
         </p:txBody>
       </p:sp>
@@ -3483,7 +3302,7 @@
     </p:spTree>
     <p:extLst>
       <p:ext uri="{BB962C8B-B14F-4D97-AF65-F5344CB8AC3E}">
-        <p14:creationId xmlns:p14="http://schemas.microsoft.com/office/powerpoint/2010/main" val="164597181"/>
+        <p14:creationId xmlns:p14="http://schemas.microsoft.com/office/powerpoint/2010/main" val="2117790338"/>
       </p:ext>
     </p:extLst>
   </p:cSld>
@@ -3537,6 +3356,36 @@
           <a:bodyPr/>
           <a:lstStyle/>
           <a:p>
+            <a:pPr lvl="0"/>
+            <a:r>
+              <a:rPr lang="en-US" dirty="0"/>
+              <a:t>Forgetting that power is given</a:t>
+            </a:r>
+          </a:p>
+          <a:p>
+            <a:pPr lvl="0"/>
+            <a:r>
+              <a:rPr lang="en-US" dirty="0"/>
+              <a:t>Bringing expertise to an expertise fight</a:t>
+            </a:r>
+            <a:endParaRPr lang="en-US" b="1" dirty="0">
+              <a:solidFill>
+                <a:srgbClr val="569CD6"/>
+              </a:solidFill>
+              <a:effectLst/>
+              <a:latin typeface="Consolas" panose="020B0609020204030204" pitchFamily="49" charset="0"/>
+            </a:endParaRPr>
+          </a:p>
+          <a:p>
+            <a:endParaRPr lang="en-US" b="1" dirty="0">
+              <a:solidFill>
+                <a:srgbClr val="569CD6"/>
+              </a:solidFill>
+              <a:effectLst/>
+              <a:latin typeface="Consolas" panose="020B0609020204030204" pitchFamily="49" charset="0"/>
+            </a:endParaRPr>
+          </a:p>
+          <a:p>
             <a:r>
               <a:rPr lang="en-US" b="1" dirty="0">
                 <a:solidFill>
@@ -3545,7 +3394,7 @@
                 <a:effectLst/>
                 <a:latin typeface="Consolas" panose="020B0609020204030204" pitchFamily="49" charset="0"/>
               </a:rPr>
-              <a:t>### Little Quits</a:t>
+              <a:t># Power Is Only Given</a:t>
             </a:r>
             <a:endParaRPr lang="en-US" b="0" dirty="0">
               <a:solidFill>
@@ -3564,7 +3413,19 @@
                 <a:effectLst/>
                 <a:latin typeface="Consolas" panose="020B0609020204030204" pitchFamily="49" charset="0"/>
               </a:rPr>
-              <a:t>It’s rare that one quits something big without first quitting many times on something small.</a:t>
+              <a:t>Being in charge means caring for those in your charge</a:t>
+            </a:r>
+          </a:p>
+          <a:p>
+            <a:r>
+              <a:rPr lang="en-US" b="0" dirty="0">
+                <a:solidFill>
+                  <a:srgbClr val="D4D4D4"/>
+                </a:solidFill>
+                <a:effectLst/>
+                <a:latin typeface="Consolas" panose="020B0609020204030204" pitchFamily="49" charset="0"/>
+              </a:rPr>
+              <a:t>The servant as leader vs the leader as servant</a:t>
             </a:r>
           </a:p>
           <a:p>
@@ -3585,7 +3446,47 @@
                 <a:effectLst/>
                 <a:latin typeface="Consolas" panose="020B0609020204030204" pitchFamily="49" charset="0"/>
               </a:rPr>
-              <a:t>Do you remember that essay project in school? It seemed so imposing until you wrote the first draft then got someone to give you feedback on it? Maybe it was something different, like quitting a habit. it seemed impossible until you saw a plan to ween yourself from a behavior and got someone to check up on your progress?</a:t>
+              <a:t>[</a:t>
+            </a:r>
+            <a:r>
+              <a:rPr lang="en-US" b="0" dirty="0">
+                <a:solidFill>
+                  <a:srgbClr val="CE9178"/>
+                </a:solidFill>
+                <a:effectLst/>
+                <a:latin typeface="Consolas" panose="020B0609020204030204" pitchFamily="49" charset="0"/>
+              </a:rPr>
+              <a:t>The Servant as Leader</a:t>
+            </a:r>
+            <a:r>
+              <a:rPr lang="en-US" b="0" dirty="0">
+                <a:solidFill>
+                  <a:srgbClr val="D4D4D4"/>
+                </a:solidFill>
+                <a:effectLst/>
+                <a:latin typeface="Consolas" panose="020B0609020204030204" pitchFamily="49" charset="0"/>
+              </a:rPr>
+              <a:t>](</a:t>
+            </a:r>
+            <a:r>
+              <a:rPr lang="en-US" b="0" u="sng" dirty="0">
+                <a:solidFill>
+                  <a:srgbClr val="D4D4D4"/>
+                </a:solidFill>
+                <a:effectLst/>
+                <a:latin typeface="Consolas" panose="020B0609020204030204" pitchFamily="49" charset="0"/>
+              </a:rPr>
+              <a:t>http://www.ediguys.net/Robert_K_Greenleaf_The_Servant_as_Leader.pdf</a:t>
+            </a:r>
+            <a:r>
+              <a:rPr lang="en-US" b="0" dirty="0">
+                <a:solidFill>
+                  <a:srgbClr val="D4D4D4"/>
+                </a:solidFill>
+                <a:effectLst/>
+                <a:latin typeface="Consolas" panose="020B0609020204030204" pitchFamily="49" charset="0"/>
+              </a:rPr>
+              <a:t>)</a:t>
             </a:r>
           </a:p>
           <a:p>
@@ -3606,7 +3507,111 @@
                 <a:effectLst/>
                 <a:latin typeface="Consolas" panose="020B0609020204030204" pitchFamily="49" charset="0"/>
               </a:rPr>
-              <a:t>If you’re like me, there are many little things that lead up to big things. Too often, I’m thwarted in the little things because I’m thinking of the big thing. The small thing is really not that hard but the big thing looms large and seems impossible. In these cases, I find myself quitting little and failing big.</a:t>
+              <a:t>[</a:t>
+            </a:r>
+            <a:r>
+              <a:rPr lang="en-US" b="0" dirty="0">
+                <a:solidFill>
+                  <a:srgbClr val="CE9178"/>
+                </a:solidFill>
+                <a:effectLst/>
+                <a:latin typeface="Consolas" panose="020B0609020204030204" pitchFamily="49" charset="0"/>
+              </a:rPr>
+              <a:t>6 Forms of Power</a:t>
+            </a:r>
+            <a:r>
+              <a:rPr lang="en-US" b="0" dirty="0">
+                <a:solidFill>
+                  <a:srgbClr val="D4D4D4"/>
+                </a:solidFill>
+                <a:effectLst/>
+                <a:latin typeface="Consolas" panose="020B0609020204030204" pitchFamily="49" charset="0"/>
+              </a:rPr>
+              <a:t>](</a:t>
+            </a:r>
+            <a:r>
+              <a:rPr lang="en-US" b="0" u="sng" dirty="0">
+                <a:solidFill>
+                  <a:srgbClr val="D4D4D4"/>
+                </a:solidFill>
+                <a:effectLst/>
+                <a:latin typeface="Consolas" panose="020B0609020204030204" pitchFamily="49" charset="0"/>
+              </a:rPr>
+              <a:t>https://controlyourchaos.wordpress.com/2013/12/17/scrum-masters-toolkit-french-ravens-5-6-forms-of-power/</a:t>
+            </a:r>
+            <a:r>
+              <a:rPr lang="en-US" b="0" dirty="0">
+                <a:solidFill>
+                  <a:srgbClr val="D4D4D4"/>
+                </a:solidFill>
+                <a:effectLst/>
+                <a:latin typeface="Consolas" panose="020B0609020204030204" pitchFamily="49" charset="0"/>
+              </a:rPr>
+              <a:t>)</a:t>
+            </a:r>
+          </a:p>
+          <a:p>
+            <a:r>
+              <a:rPr lang="en-US" b="0" dirty="0">
+                <a:solidFill>
+                  <a:srgbClr val="D4D4D4"/>
+                </a:solidFill>
+                <a:effectLst/>
+                <a:latin typeface="Consolas" panose="020B0609020204030204" pitchFamily="49" charset="0"/>
+              </a:rPr>
+              <a:t>[</a:t>
+            </a:r>
+            <a:r>
+              <a:rPr lang="en-US" b="0" dirty="0">
+                <a:solidFill>
+                  <a:srgbClr val="CE9178"/>
+                </a:solidFill>
+                <a:effectLst/>
+                <a:latin typeface="Consolas" panose="020B0609020204030204" pitchFamily="49" charset="0"/>
+              </a:rPr>
+              <a:t>Psychological Models in Scrum</a:t>
+            </a:r>
+            <a:r>
+              <a:rPr lang="en-US" b="0" dirty="0">
+                <a:solidFill>
+                  <a:srgbClr val="D4D4D4"/>
+                </a:solidFill>
+                <a:effectLst/>
+                <a:latin typeface="Consolas" panose="020B0609020204030204" pitchFamily="49" charset="0"/>
+              </a:rPr>
+              <a:t>](</a:t>
+            </a:r>
+            <a:r>
+              <a:rPr lang="en-US" b="0" u="sng" dirty="0">
+                <a:solidFill>
+                  <a:srgbClr val="D4D4D4"/>
+                </a:solidFill>
+                <a:effectLst/>
+                <a:latin typeface="Consolas" panose="020B0609020204030204" pitchFamily="49" charset="0"/>
+              </a:rPr>
+              <a:t>https://www.youtube.com/watch?v=fyDYpGCuvaA&amp;t=1322s</a:t>
+            </a:r>
+            <a:r>
+              <a:rPr lang="en-US" b="0" dirty="0">
+                <a:solidFill>
+                  <a:srgbClr val="D4D4D4"/>
+                </a:solidFill>
+                <a:effectLst/>
+                <a:latin typeface="Consolas" panose="020B0609020204030204" pitchFamily="49" charset="0"/>
+              </a:rPr>
+              <a:t>)</a:t>
+            </a:r>
+          </a:p>
+          <a:p>
+            <a:r>
+              <a:rPr lang="en-US" b="0" dirty="0">
+                <a:solidFill>
+                  <a:srgbClr val="D4D4D4"/>
+                </a:solidFill>
+                <a:effectLst/>
+                <a:latin typeface="Consolas" panose="020B0609020204030204" pitchFamily="49" charset="0"/>
+              </a:rPr>
+              <a:t>Gun to your head example.</a:t>
             </a:r>
           </a:p>
           <a:p>
@@ -3620,14 +3625,33 @@
               </a:rPr>
             </a:br>
             <a:r>
-              <a:rPr lang="en-US" b="0" dirty="0">
-                <a:solidFill>
-                  <a:srgbClr val="D4D4D4"/>
-                </a:solidFill>
-                <a:effectLst/>
-                <a:latin typeface="Consolas" panose="020B0609020204030204" pitchFamily="49" charset="0"/>
-              </a:rPr>
-              <a:t>I propose that when I fail big it’s because I quit little; little quits led to a big quit. I didn’t believe in the big triumph and therefore couldn’t believe in the success of the little.</a:t>
+              <a:rPr lang="en-US" b="1" dirty="0">
+                <a:solidFill>
+                  <a:srgbClr val="569CD6"/>
+                </a:solidFill>
+                <a:effectLst/>
+                <a:latin typeface="Consolas" panose="020B0609020204030204" pitchFamily="49" charset="0"/>
+              </a:rPr>
+              <a:t>##### 1 Reward and 2 Coercive</a:t>
+            </a:r>
+            <a:endParaRPr lang="en-US" b="0" dirty="0">
+              <a:solidFill>
+                <a:srgbClr val="D4D4D4"/>
+              </a:solidFill>
+              <a:effectLst/>
+              <a:latin typeface="Consolas" panose="020B0609020204030204" pitchFamily="49" charset="0"/>
+            </a:endParaRPr>
+          </a:p>
+          <a:p>
+            <a:r>
+              <a:rPr lang="en-US" b="0" dirty="0">
+                <a:solidFill>
+                  <a:srgbClr val="D4D4D4"/>
+                </a:solidFill>
+                <a:effectLst/>
+                <a:latin typeface="Consolas" panose="020B0609020204030204" pitchFamily="49" charset="0"/>
+              </a:rPr>
+              <a:t>These two forms are the most common in nature. Every animal is susceptible to those. Basically they mean that you can do something for someone in order to receive a reward or avoid punishment. This is exactly the carrot &amp; stick. If you use this power, you will get obedience. But nothing more. So if you want your dog to obey, you can give him or her treats to reinforce good behavior and punish bad. But remember, even if you do that , you might not be able to take control over your dog. Because when you turn around, the sausage will still disappear. Exactly the same applies to humans. If you reward and punish, everything will go towards what you reward and what you punish will be hidden. But apart from that, no creativity can be expected.</a:t>
             </a:r>
           </a:p>
           <a:p>
@@ -3641,14 +3665,256 @@
               </a:rPr>
             </a:br>
             <a:r>
-              <a:rPr lang="en-US" b="0" dirty="0">
-                <a:solidFill>
-                  <a:srgbClr val="D4D4D4"/>
-                </a:solidFill>
-                <a:effectLst/>
-                <a:latin typeface="Consolas" panose="020B0609020204030204" pitchFamily="49" charset="0"/>
-              </a:rPr>
-              <a:t>What if we reversed it? What if we start believing in the importance of the little things that seem possible rather than the big things that feel out of reach? We may find we succeed more and more in the little things and end up succeeding more and more in the </a:t>
+              <a:rPr lang="en-US" b="1" dirty="0">
+                <a:solidFill>
+                  <a:srgbClr val="569CD6"/>
+                </a:solidFill>
+                <a:effectLst/>
+                <a:latin typeface="Consolas" panose="020B0609020204030204" pitchFamily="49" charset="0"/>
+              </a:rPr>
+              <a:t>##### 3 Given / Formal / Legitimate</a:t>
+            </a:r>
+            <a:endParaRPr lang="en-US" b="0" dirty="0">
+              <a:solidFill>
+                <a:srgbClr val="D4D4D4"/>
+              </a:solidFill>
+              <a:effectLst/>
+              <a:latin typeface="Consolas" panose="020B0609020204030204" pitchFamily="49" charset="0"/>
+            </a:endParaRPr>
+          </a:p>
+          <a:p>
+            <a:r>
+              <a:rPr lang="en-US" b="0" dirty="0">
+                <a:solidFill>
+                  <a:srgbClr val="D4D4D4"/>
+                </a:solidFill>
+                <a:effectLst/>
+                <a:latin typeface="Consolas" panose="020B0609020204030204" pitchFamily="49" charset="0"/>
+              </a:rPr>
+              <a:t>This power is only present in creatures who build societies. Did you ever watch The Dog Whisperer with Cesar Millan? If you did, try to remember what he wanted to achieve. He was the Pack Leader for the dog and taught owners how to do the same. He wanted the dog to be submissive. And this is exactly what you will have if you have formal power over someone – like a manager or a police officer. Someone who is high in social ranks, somehow culturally above someone else. But if you operate with this power, you will have submission and submission only. There is still very little creativity involved.</a:t>
+            </a:r>
+          </a:p>
+          <a:p>
+            <a:br>
+              <a:rPr lang="en-US" b="0" dirty="0">
+                <a:solidFill>
+                  <a:srgbClr val="D4D4D4"/>
+                </a:solidFill>
+                <a:effectLst/>
+                <a:latin typeface="Consolas" panose="020B0609020204030204" pitchFamily="49" charset="0"/>
+              </a:rPr>
+            </a:br>
+            <a:r>
+              <a:rPr lang="en-US" b="1" dirty="0">
+                <a:solidFill>
+                  <a:srgbClr val="569CD6"/>
+                </a:solidFill>
+                <a:effectLst/>
+                <a:latin typeface="Consolas" panose="020B0609020204030204" pitchFamily="49" charset="0"/>
+              </a:rPr>
+              <a:t>##### 4 Expert</a:t>
+            </a:r>
+            <a:endParaRPr lang="en-US" b="0" dirty="0">
+              <a:solidFill>
+                <a:srgbClr val="D4D4D4"/>
+              </a:solidFill>
+              <a:effectLst/>
+              <a:latin typeface="Consolas" panose="020B0609020204030204" pitchFamily="49" charset="0"/>
+            </a:endParaRPr>
+          </a:p>
+          <a:p>
+            <a:r>
+              <a:rPr lang="en-US" b="0" dirty="0">
+                <a:solidFill>
+                  <a:srgbClr val="D4D4D4"/>
+                </a:solidFill>
+                <a:effectLst/>
+                <a:latin typeface="Consolas" panose="020B0609020204030204" pitchFamily="49" charset="0"/>
+              </a:rPr>
+              <a:t>Expert power is something that can be described as being respected, because you know a lot or can do something. This is something that has not been observed in any creatures, besides human. Some researchers believe dolphins, elephants, apes and crows may exhibit that power as well, but no hard proof has been found yet.  Working with someone with that power over you, gives you wings to learn. You want to become just like this example someone, so you listen, follow footsteps and try to master this subject. This power gives you learning and conquering difficulties.</a:t>
+            </a:r>
+          </a:p>
+          <a:p>
+            <a:br>
+              <a:rPr lang="en-US" b="0" dirty="0">
+                <a:solidFill>
+                  <a:srgbClr val="D4D4D4"/>
+                </a:solidFill>
+                <a:effectLst/>
+                <a:latin typeface="Consolas" panose="020B0609020204030204" pitchFamily="49" charset="0"/>
+              </a:rPr>
+            </a:br>
+            <a:r>
+              <a:rPr lang="en-US" b="1" dirty="0">
+                <a:solidFill>
+                  <a:srgbClr val="569CD6"/>
+                </a:solidFill>
+                <a:effectLst/>
+                <a:latin typeface="Consolas" panose="020B0609020204030204" pitchFamily="49" charset="0"/>
+              </a:rPr>
+              <a:t>##### 5 Referent</a:t>
+            </a:r>
+            <a:endParaRPr lang="en-US" b="0" dirty="0">
+              <a:solidFill>
+                <a:srgbClr val="D4D4D4"/>
+              </a:solidFill>
+              <a:effectLst/>
+              <a:latin typeface="Consolas" panose="020B0609020204030204" pitchFamily="49" charset="0"/>
+            </a:endParaRPr>
+          </a:p>
+          <a:p>
+            <a:r>
+              <a:rPr lang="en-US" b="0" dirty="0">
+                <a:solidFill>
+                  <a:srgbClr val="D4D4D4"/>
+                </a:solidFill>
+                <a:effectLst/>
+                <a:latin typeface="Consolas" panose="020B0609020204030204" pitchFamily="49" charset="0"/>
+              </a:rPr>
+              <a:t>This is a power that’s closest to trust. In large quantities it’s perceived as Charisma. It’s something that produces good feelings and engagement. It’s a power that’s easiest to lose and hardest to gain. You feel that this person is just right, you follow their lead. It’s something good leaders have.</a:t>
+            </a:r>
+          </a:p>
+          <a:p>
+            <a:br>
+              <a:rPr lang="en-US" b="0" dirty="0">
+                <a:solidFill>
+                  <a:srgbClr val="D4D4D4"/>
+                </a:solidFill>
+                <a:effectLst/>
+                <a:latin typeface="Consolas" panose="020B0609020204030204" pitchFamily="49" charset="0"/>
+              </a:rPr>
+            </a:br>
+            <a:r>
+              <a:rPr lang="en-US" b="1" dirty="0">
+                <a:solidFill>
+                  <a:srgbClr val="569CD6"/>
+                </a:solidFill>
+                <a:effectLst/>
+                <a:latin typeface="Consolas" panose="020B0609020204030204" pitchFamily="49" charset="0"/>
+              </a:rPr>
+              <a:t>##### 6* Informational</a:t>
+            </a:r>
+            <a:endParaRPr lang="en-US" b="0" dirty="0">
+              <a:solidFill>
+                <a:srgbClr val="D4D4D4"/>
+              </a:solidFill>
+              <a:effectLst/>
+              <a:latin typeface="Consolas" panose="020B0609020204030204" pitchFamily="49" charset="0"/>
+            </a:endParaRPr>
+          </a:p>
+          <a:p>
+            <a:r>
+              <a:rPr lang="en-US" b="0" dirty="0">
+                <a:solidFill>
+                  <a:srgbClr val="D4D4D4"/>
+                </a:solidFill>
+                <a:effectLst/>
+                <a:latin typeface="Consolas" panose="020B0609020204030204" pitchFamily="49" charset="0"/>
+              </a:rPr>
+              <a:t>Why is there an asterisk here? Because this power was added later on, it wasn’t in the original research. This is a power that is present only in informational societies. Where having, withholding or manipulating information is possible. Some also argue if this is not only a different manifestation of a rewarding or coercive power. I will leave it for your consideration.</a:t>
+            </a:r>
+          </a:p>
+          <a:p>
+            <a:br>
+              <a:rPr lang="en-US" b="0" dirty="0">
+                <a:solidFill>
+                  <a:srgbClr val="D4D4D4"/>
+                </a:solidFill>
+                <a:effectLst/>
+                <a:latin typeface="Consolas" panose="020B0609020204030204" pitchFamily="49" charset="0"/>
+              </a:rPr>
+            </a:br>
+            <a:r>
+              <a:rPr lang="en-US" b="1" dirty="0">
+                <a:solidFill>
+                  <a:srgbClr val="569CD6"/>
+                </a:solidFill>
+                <a:effectLst/>
+                <a:latin typeface="Consolas" panose="020B0609020204030204" pitchFamily="49" charset="0"/>
+              </a:rPr>
+              <a:t>##### Why do I care?</a:t>
+            </a:r>
+            <a:endParaRPr lang="en-US" b="0" dirty="0">
+              <a:solidFill>
+                <a:srgbClr val="D4D4D4"/>
+              </a:solidFill>
+              <a:effectLst/>
+              <a:latin typeface="Consolas" panose="020B0609020204030204" pitchFamily="49" charset="0"/>
+            </a:endParaRPr>
+          </a:p>
+          <a:p>
+            <a:r>
+              <a:rPr lang="en-US" b="0" dirty="0">
+                <a:solidFill>
+                  <a:srgbClr val="D4D4D4"/>
+                </a:solidFill>
+                <a:effectLst/>
+                <a:latin typeface="Consolas" panose="020B0609020204030204" pitchFamily="49" charset="0"/>
+              </a:rPr>
+              <a:t>Because the higher the power number is, the harder it is to gain, but the bigger the benefits are. It’s easy to coerce someone to do something, threatening them to sack them or promising a yearly bonus.</a:t>
+            </a:r>
+          </a:p>
+          <a:p>
+            <a:br>
+              <a:rPr lang="en-US" b="0" dirty="0">
+                <a:solidFill>
+                  <a:srgbClr val="D4D4D4"/>
+                </a:solidFill>
+                <a:effectLst/>
+                <a:latin typeface="Consolas" panose="020B0609020204030204" pitchFamily="49" charset="0"/>
+              </a:rPr>
+            </a:br>
+            <a:r>
+              <a:rPr lang="en-US" b="0" dirty="0">
+                <a:solidFill>
+                  <a:srgbClr val="D4D4D4"/>
+                </a:solidFill>
+                <a:effectLst/>
+                <a:latin typeface="Consolas" panose="020B0609020204030204" pitchFamily="49" charset="0"/>
+              </a:rPr>
+              <a:t>Also because coercive and rewarding powers are encoded in our reptilian brain, they are our instincts and it’s extremely hard in a critical situation not to use them.  Same applies to given power – only if you give in to your instincts, the more primitive one will take over – the carrot and the stick.</a:t>
+            </a:r>
+          </a:p>
+          <a:p>
+            <a:br>
+              <a:rPr lang="en-US" b="0" dirty="0">
+                <a:solidFill>
+                  <a:srgbClr val="D4D4D4"/>
+                </a:solidFill>
+                <a:effectLst/>
+                <a:latin typeface="Consolas" panose="020B0609020204030204" pitchFamily="49" charset="0"/>
+              </a:rPr>
+            </a:br>
+            <a:r>
+              <a:rPr lang="en-US" b="0" dirty="0">
+                <a:solidFill>
+                  <a:srgbClr val="D4D4D4"/>
+                </a:solidFill>
+                <a:effectLst/>
+                <a:latin typeface="Consolas" panose="020B0609020204030204" pitchFamily="49" charset="0"/>
+              </a:rPr>
+              <a:t>And in critical situations we need creativity, learning and engagement the most – to quickly get out of that crisis.</a:t>
+            </a:r>
+          </a:p>
+          <a:p>
+            <a:br>
+              <a:rPr lang="en-US" b="0" dirty="0">
+                <a:solidFill>
+                  <a:srgbClr val="D4D4D4"/>
+                </a:solidFill>
+                <a:effectLst/>
+                <a:latin typeface="Consolas" panose="020B0609020204030204" pitchFamily="49" charset="0"/>
+              </a:rPr>
+            </a:br>
+            <a:r>
+              <a:rPr lang="en-US" b="0" dirty="0">
+                <a:solidFill>
+                  <a:srgbClr val="D4D4D4"/>
+                </a:solidFill>
+                <a:effectLst/>
+                <a:latin typeface="Consolas" panose="020B0609020204030204" pitchFamily="49" charset="0"/>
+              </a:rPr>
+              <a:t>That’s why Scrum Masters have to have Expert and Referent power but not formal, coercive or rewarding ones. So that they can get the most of people any </a:t>
             </a:r>
             <a:r>
               <a:rPr lang="en-US" b="0" dirty="0" err="1">
@@ -3658,63 +3924,15 @@
                 <a:effectLst/>
                 <a:latin typeface="Consolas" panose="020B0609020204030204" pitchFamily="49" charset="0"/>
               </a:rPr>
-              <a:t>bigs</a:t>
-            </a:r>
-            <a:r>
-              <a:rPr lang="en-US" b="0" dirty="0">
-                <a:solidFill>
-                  <a:srgbClr val="D4D4D4"/>
-                </a:solidFill>
-                <a:effectLst/>
-                <a:latin typeface="Consolas" panose="020B0609020204030204" pitchFamily="49" charset="0"/>
-              </a:rPr>
-              <a:t>.</a:t>
-            </a:r>
-          </a:p>
-          <a:p>
-            <a:br>
-              <a:rPr lang="en-US" b="0" dirty="0">
-                <a:solidFill>
-                  <a:srgbClr val="D4D4D4"/>
-                </a:solidFill>
-                <a:effectLst/>
-                <a:latin typeface="Consolas" panose="020B0609020204030204" pitchFamily="49" charset="0"/>
-              </a:rPr>
-            </a:br>
-            <a:r>
-              <a:rPr lang="en-US" b="0" dirty="0">
-                <a:solidFill>
-                  <a:srgbClr val="D4D4D4"/>
-                </a:solidFill>
-                <a:effectLst/>
-                <a:latin typeface="Consolas" panose="020B0609020204030204" pitchFamily="49" charset="0"/>
-              </a:rPr>
-              <a:t>Start saying no to the little quits, and you start saying yes to the big successes.</a:t>
-            </a:r>
-          </a:p>
-          <a:p>
-            <a:br>
-              <a:rPr lang="en-US" b="0" dirty="0">
-                <a:solidFill>
-                  <a:srgbClr val="D4D4D4"/>
-                </a:solidFill>
-                <a:effectLst/>
-                <a:latin typeface="Consolas" panose="020B0609020204030204" pitchFamily="49" charset="0"/>
-              </a:rPr>
-            </a:br>
-            <a:r>
-              <a:rPr lang="en-US" b="0" dirty="0">
-                <a:solidFill>
-                  <a:srgbClr val="D4D4D4"/>
-                </a:solidFill>
-                <a:effectLst/>
-                <a:latin typeface="Consolas" panose="020B0609020204030204" pitchFamily="49" charset="0"/>
-              </a:rPr>
-              <a:t>What are your little quits?</a:t>
-            </a:r>
-          </a:p>
-          <a:p>
-            <a:endParaRPr lang="en-US" dirty="0"/>
+              <a:t>time.s</a:t>
+            </a:r>
+            <a:endParaRPr lang="en-US" b="0" dirty="0">
+              <a:solidFill>
+                <a:srgbClr val="D4D4D4"/>
+              </a:solidFill>
+              <a:effectLst/>
+              <a:latin typeface="Consolas" panose="020B0609020204030204" pitchFamily="49" charset="0"/>
+            </a:endParaRPr>
           </a:p>
           <a:p>
             <a:endParaRPr lang="en-US" dirty="0"/>
@@ -3747,7 +3965,7 @@
     </p:spTree>
     <p:extLst>
       <p:ext uri="{BB962C8B-B14F-4D97-AF65-F5344CB8AC3E}">
-        <p14:creationId xmlns:p14="http://schemas.microsoft.com/office/powerpoint/2010/main" val="2563164741"/>
+        <p14:creationId xmlns:p14="http://schemas.microsoft.com/office/powerpoint/2010/main" val="1479768192"/>
       </p:ext>
     </p:extLst>
   </p:cSld>
@@ -3802,42 +4020,9 @@
           <a:lstStyle/>
           <a:p>
             <a:r>
-              <a:rPr lang="en-US" b="0" dirty="0">
-                <a:solidFill>
-                  <a:srgbClr val="D4D4D4"/>
-                </a:solidFill>
-                <a:effectLst/>
-                <a:latin typeface="Consolas" panose="020B0609020204030204" pitchFamily="49" charset="0"/>
-              </a:rPr>
-              <a:t>A bad system beats a good man every day. - Deming</a:t>
-            </a:r>
-          </a:p>
-          <a:p>
-            <a:r>
-              <a:rPr lang="en-US" b="0" dirty="0">
-                <a:solidFill>
-                  <a:srgbClr val="D4D4D4"/>
-                </a:solidFill>
-                <a:effectLst/>
-                <a:latin typeface="Consolas" panose="020B0609020204030204" pitchFamily="49" charset="0"/>
-              </a:rPr>
-              <a:t>Any fool can make a short term profit.</a:t>
-            </a:r>
-          </a:p>
-          <a:p>
-            <a:r>
-              <a:rPr lang="en-US" b="0" dirty="0">
-                <a:solidFill>
-                  <a:srgbClr val="D4D4D4"/>
-                </a:solidFill>
-                <a:effectLst/>
-                <a:latin typeface="Consolas" panose="020B0609020204030204" pitchFamily="49" charset="0"/>
-              </a:rPr>
-              <a:t>My personal success give me a raise; my team's success threatens my personal success</a:t>
-            </a:r>
-          </a:p>
-          <a:p>
-            <a:endParaRPr lang="en-US" dirty="0"/>
+              <a:rPr lang="en-US" dirty="0"/>
+              <a:t>Bringing a knife or a sword to a gunfight is a classic mistake. Likewise in leadership, you need wisely choose the power you wield that is most likely to serve you and those in your charge best.</a:t>
+            </a:r>
           </a:p>
         </p:txBody>
       </p:sp>
@@ -3867,7 +4052,7 @@
     </p:spTree>
     <p:extLst>
       <p:ext uri="{BB962C8B-B14F-4D97-AF65-F5344CB8AC3E}">
-        <p14:creationId xmlns:p14="http://schemas.microsoft.com/office/powerpoint/2010/main" val="3615407444"/>
+        <p14:creationId xmlns:p14="http://schemas.microsoft.com/office/powerpoint/2010/main" val="3127162449"/>
       </p:ext>
     </p:extLst>
   </p:cSld>
@@ -4144,8 +4329,165 @@
           <a:lstStyle/>
           <a:p>
             <a:r>
-              <a:rPr lang="en-US" dirty="0"/>
-              <a:t>Now that you’ve seen how to kill continuous improvement, here’s how I’ve learned to encourage and sustain continuous improvement</a:t>
+              <a:rPr lang="en-US" b="0" dirty="0">
+                <a:solidFill>
+                  <a:srgbClr val="D4D4D4"/>
+                </a:solidFill>
+                <a:effectLst/>
+                <a:latin typeface="Consolas" panose="020B0609020204030204" pitchFamily="49" charset="0"/>
+              </a:rPr>
+              <a:t>How many here have been lead by someone who:</a:t>
+            </a:r>
+          </a:p>
+          <a:p>
+            <a:pPr marL="171450" indent="-171450">
+              <a:buFontTx/>
+              <a:buChar char="-"/>
+            </a:pPr>
+            <a:r>
+              <a:rPr lang="en-US" b="0" dirty="0">
+                <a:solidFill>
+                  <a:srgbClr val="D4D4D4"/>
+                </a:solidFill>
+                <a:effectLst/>
+                <a:latin typeface="Consolas" panose="020B0609020204030204" pitchFamily="49" charset="0"/>
+              </a:rPr>
+              <a:t>Doesn’t care to listen or understand you?</a:t>
+            </a:r>
+          </a:p>
+          <a:p>
+            <a:pPr marL="171450" indent="-171450">
+              <a:buFontTx/>
+              <a:buChar char="-"/>
+            </a:pPr>
+            <a:r>
+              <a:rPr lang="en-US" b="0" dirty="0">
+                <a:solidFill>
+                  <a:srgbClr val="D4D4D4"/>
+                </a:solidFill>
+                <a:effectLst/>
+                <a:latin typeface="Consolas" panose="020B0609020204030204" pitchFamily="49" charset="0"/>
+              </a:rPr>
+              <a:t>Seems consumed with powerful drive for power and material accumulation?</a:t>
+            </a:r>
+          </a:p>
+          <a:p>
+            <a:pPr marL="171450" indent="-171450">
+              <a:buFontTx/>
+              <a:buChar char="-"/>
+            </a:pPr>
+            <a:r>
+              <a:rPr lang="en-US" b="0" dirty="0">
+                <a:solidFill>
+                  <a:srgbClr val="D4D4D4"/>
+                </a:solidFill>
+                <a:effectLst/>
+                <a:latin typeface="Consolas" panose="020B0609020204030204" pitchFamily="49" charset="0"/>
+              </a:rPr>
+              <a:t>Doesn’t say, “Come with me” but rather “Get going!” and “Do as I say!”</a:t>
+            </a:r>
+          </a:p>
+          <a:p>
+            <a:pPr marL="171450" indent="-171450">
+              <a:buFontTx/>
+              <a:buChar char="-"/>
+            </a:pPr>
+            <a:r>
+              <a:rPr lang="en-US" b="0" dirty="0">
+                <a:solidFill>
+                  <a:srgbClr val="D4D4D4"/>
+                </a:solidFill>
+                <a:effectLst/>
+                <a:latin typeface="Consolas" panose="020B0609020204030204" pitchFamily="49" charset="0"/>
+              </a:rPr>
+              <a:t>Ignores the negative effects their leader is clearly having on you, the world, and even themselves?</a:t>
+            </a:r>
+          </a:p>
+          <a:p>
+            <a:pPr marL="0" indent="0">
+              <a:buFontTx/>
+              <a:buNone/>
+            </a:pPr>
+            <a:endParaRPr lang="en-US" b="0" dirty="0">
+              <a:solidFill>
+                <a:srgbClr val="D4D4D4"/>
+              </a:solidFill>
+              <a:effectLst/>
+              <a:latin typeface="Consolas" panose="020B0609020204030204" pitchFamily="49" charset="0"/>
+            </a:endParaRPr>
+          </a:p>
+          <a:p>
+            <a:pPr marL="0" indent="0">
+              <a:buFontTx/>
+              <a:buNone/>
+            </a:pPr>
+            <a:r>
+              <a:rPr lang="en-US" b="0" dirty="0">
+                <a:solidFill>
+                  <a:srgbClr val="D4D4D4"/>
+                </a:solidFill>
+                <a:effectLst/>
+                <a:latin typeface="Consolas" panose="020B0609020204030204" pitchFamily="49" charset="0"/>
+              </a:rPr>
+              <a:t>This sort of leadership is all to common. I can work for short periods and with some people.</a:t>
+            </a:r>
+          </a:p>
+          <a:p>
+            <a:pPr marL="0" indent="0">
+              <a:buFontTx/>
+              <a:buNone/>
+            </a:pPr>
+            <a:endParaRPr lang="en-US" b="0" dirty="0">
+              <a:solidFill>
+                <a:srgbClr val="D4D4D4"/>
+              </a:solidFill>
+              <a:effectLst/>
+              <a:latin typeface="Consolas" panose="020B0609020204030204" pitchFamily="49" charset="0"/>
+            </a:endParaRPr>
+          </a:p>
+          <a:p>
+            <a:pPr marL="0" indent="0">
+              <a:buFontTx/>
+              <a:buNone/>
+            </a:pPr>
+            <a:r>
+              <a:rPr lang="en-US" b="0" dirty="0">
+                <a:solidFill>
+                  <a:srgbClr val="D4D4D4"/>
+                </a:solidFill>
+                <a:effectLst/>
+                <a:latin typeface="Consolas" panose="020B0609020204030204" pitchFamily="49" charset="0"/>
+              </a:rPr>
+              <a:t>Ultimately, it is not sustainable and has the effect of stamping out commitment and creativity.</a:t>
+            </a:r>
+          </a:p>
+          <a:p>
+            <a:pPr marL="0" indent="0">
+              <a:buFontTx/>
+              <a:buNone/>
+            </a:pPr>
+            <a:endParaRPr lang="en-US" b="0" dirty="0">
+              <a:solidFill>
+                <a:srgbClr val="D4D4D4"/>
+              </a:solidFill>
+              <a:effectLst/>
+              <a:latin typeface="Consolas" panose="020B0609020204030204" pitchFamily="49" charset="0"/>
+            </a:endParaRPr>
+          </a:p>
+          <a:p>
+            <a:pPr marL="0" indent="0">
+              <a:buFontTx/>
+              <a:buNone/>
+            </a:pPr>
+            <a:r>
+              <a:rPr lang="en-US" b="0" dirty="0">
+                <a:solidFill>
+                  <a:srgbClr val="D4D4D4"/>
+                </a:solidFill>
+                <a:effectLst/>
+                <a:latin typeface="Consolas" panose="020B0609020204030204" pitchFamily="49" charset="0"/>
+              </a:rPr>
+              <a:t>Speaking of commitment…</a:t>
             </a:r>
           </a:p>
         </p:txBody>
@@ -4176,7 +4518,7 @@
     </p:spTree>
     <p:extLst>
       <p:ext uri="{BB962C8B-B14F-4D97-AF65-F5344CB8AC3E}">
-        <p14:creationId xmlns:p14="http://schemas.microsoft.com/office/powerpoint/2010/main" val="1408064101"/>
+        <p14:creationId xmlns:p14="http://schemas.microsoft.com/office/powerpoint/2010/main" val="1669297632"/>
       </p:ext>
     </p:extLst>
   </p:cSld>
@@ -4231,9 +4573,162 @@
           <a:lstStyle/>
           <a:p>
             <a:r>
-              <a:rPr lang="en-US" dirty="0"/>
-              <a:t>I’ve been given great power to influence, teach and coach. When an opportunity arises, I use that power gently. The picture of gentleness here is like one who has a sword and knows how to use it but keeps it sheathed. I do my best to choose moments wisely and act with restraint. If I make too many mistakes, I’ll quickly lose trust and those who have given me power over them will take it back. I’m careful to check for alignment and hesitance. I’m quick to understand rather than lecture. I watch carefully for the interplay between ability and willingness to know when to support and when to direct. After directing, I’m on the hunt for the moment when the training wheels need to come off – for the moment when I should back off.</a:t>
-            </a:r>
+              <a:rPr lang="en-US" b="0" dirty="0">
+                <a:solidFill>
+                  <a:srgbClr val="569CD6"/>
+                </a:solidFill>
+                <a:effectLst/>
+                <a:latin typeface="Consolas" panose="020B0609020204030204" pitchFamily="49" charset="0"/>
+              </a:rPr>
+              <a:t>Even with a compelling vision, habitual patterns can torpedo the commitment of a culture along it’s journey</a:t>
+            </a:r>
+          </a:p>
+          <a:p>
+            <a:endParaRPr lang="en-US" b="1" dirty="0">
+              <a:solidFill>
+                <a:srgbClr val="569CD6"/>
+              </a:solidFill>
+              <a:effectLst/>
+              <a:latin typeface="Consolas" panose="020B0609020204030204" pitchFamily="49" charset="0"/>
+            </a:endParaRPr>
+          </a:p>
+          <a:p>
+            <a:r>
+              <a:rPr lang="en-US" b="1" dirty="0">
+                <a:solidFill>
+                  <a:srgbClr val="569CD6"/>
+                </a:solidFill>
+                <a:effectLst/>
+                <a:latin typeface="Consolas" panose="020B0609020204030204" pitchFamily="49" charset="0"/>
+              </a:rPr>
+              <a:t>### Little Quits</a:t>
+            </a:r>
+            <a:endParaRPr lang="en-US" b="0" dirty="0">
+              <a:solidFill>
+                <a:srgbClr val="D4D4D4"/>
+              </a:solidFill>
+              <a:effectLst/>
+              <a:latin typeface="Consolas" panose="020B0609020204030204" pitchFamily="49" charset="0"/>
+            </a:endParaRPr>
+          </a:p>
+          <a:p>
+            <a:r>
+              <a:rPr lang="en-US" b="0" dirty="0">
+                <a:solidFill>
+                  <a:srgbClr val="D4D4D4"/>
+                </a:solidFill>
+                <a:effectLst/>
+                <a:latin typeface="Consolas" panose="020B0609020204030204" pitchFamily="49" charset="0"/>
+              </a:rPr>
+              <a:t>It’s rare that one quits something big without first quitting many times on something small.</a:t>
+            </a:r>
+          </a:p>
+          <a:p>
+            <a:endParaRPr lang="en-US" b="0" dirty="0">
+              <a:solidFill>
+                <a:srgbClr val="D4D4D4"/>
+              </a:solidFill>
+              <a:effectLst/>
+              <a:latin typeface="Consolas" panose="020B0609020204030204" pitchFamily="49" charset="0"/>
+            </a:endParaRPr>
+          </a:p>
+          <a:p>
+            <a:r>
+              <a:rPr lang="en-US" b="0" dirty="0">
+                <a:solidFill>
+                  <a:srgbClr val="D4D4D4"/>
+                </a:solidFill>
+                <a:effectLst/>
+                <a:latin typeface="Consolas" panose="020B0609020204030204" pitchFamily="49" charset="0"/>
+              </a:rPr>
+              <a:t>When the “bigness” of the thing I’m wanting seems too daunting, I’m tempted to quit little and fail big.</a:t>
+            </a:r>
+          </a:p>
+          <a:p>
+            <a:br>
+              <a:rPr lang="en-US" b="0" dirty="0">
+                <a:solidFill>
+                  <a:srgbClr val="D4D4D4"/>
+                </a:solidFill>
+                <a:effectLst/>
+                <a:latin typeface="Consolas" panose="020B0609020204030204" pitchFamily="49" charset="0"/>
+              </a:rPr>
+            </a:br>
+            <a:r>
+              <a:rPr lang="en-US" b="0" dirty="0">
+                <a:solidFill>
+                  <a:srgbClr val="D4D4D4"/>
+                </a:solidFill>
+                <a:effectLst/>
+                <a:latin typeface="Consolas" panose="020B0609020204030204" pitchFamily="49" charset="0"/>
+              </a:rPr>
+              <a:t>To reverse this, we must believe that faithful attention to the small things will lead to success in the big things. We must have this </a:t>
+            </a:r>
+            <a:r>
+              <a:rPr lang="en-US" b="0" i="1" dirty="0">
+                <a:solidFill>
+                  <a:srgbClr val="D4D4D4"/>
+                </a:solidFill>
+                <a:effectLst/>
+                <a:latin typeface="Consolas" panose="020B0609020204030204" pitchFamily="49" charset="0"/>
+              </a:rPr>
+              <a:t>hope.</a:t>
+            </a:r>
+            <a:endParaRPr lang="en-US" b="0" dirty="0">
+              <a:solidFill>
+                <a:srgbClr val="D4D4D4"/>
+              </a:solidFill>
+              <a:effectLst/>
+              <a:latin typeface="Consolas" panose="020B0609020204030204" pitchFamily="49" charset="0"/>
+            </a:endParaRPr>
+          </a:p>
+          <a:p>
+            <a:br>
+              <a:rPr lang="en-US" b="0" dirty="0">
+                <a:solidFill>
+                  <a:srgbClr val="D4D4D4"/>
+                </a:solidFill>
+                <a:effectLst/>
+                <a:latin typeface="Consolas" panose="020B0609020204030204" pitchFamily="49" charset="0"/>
+              </a:rPr>
+            </a:br>
+            <a:r>
+              <a:rPr lang="en-US" b="0" dirty="0">
+                <a:solidFill>
+                  <a:srgbClr val="D4D4D4"/>
+                </a:solidFill>
+                <a:effectLst/>
+                <a:latin typeface="Consolas" panose="020B0609020204030204" pitchFamily="49" charset="0"/>
+              </a:rPr>
+              <a:t>Start saying no to the little quits, and you start saying yes to the big successes.</a:t>
+            </a:r>
+          </a:p>
+          <a:p>
+            <a:br>
+              <a:rPr lang="en-US" b="0" dirty="0">
+                <a:solidFill>
+                  <a:srgbClr val="D4D4D4"/>
+                </a:solidFill>
+                <a:effectLst/>
+                <a:latin typeface="Consolas" panose="020B0609020204030204" pitchFamily="49" charset="0"/>
+              </a:rPr>
+            </a:br>
+            <a:r>
+              <a:rPr lang="en-US" b="0" dirty="0">
+                <a:solidFill>
+                  <a:srgbClr val="D4D4D4"/>
+                </a:solidFill>
+                <a:effectLst/>
+                <a:latin typeface="Consolas" panose="020B0609020204030204" pitchFamily="49" charset="0"/>
+              </a:rPr>
+              <a:t>What are your little quits?</a:t>
+            </a:r>
+          </a:p>
+          <a:p>
+            <a:endParaRPr lang="en-US" dirty="0"/>
+          </a:p>
+          <a:p>
+            <a:endParaRPr lang="en-US" dirty="0"/>
           </a:p>
         </p:txBody>
       </p:sp>
@@ -4263,7 +4758,7 @@
     </p:spTree>
     <p:extLst>
       <p:ext uri="{BB962C8B-B14F-4D97-AF65-F5344CB8AC3E}">
-        <p14:creationId xmlns:p14="http://schemas.microsoft.com/office/powerpoint/2010/main" val="2949510929"/>
+        <p14:creationId xmlns:p14="http://schemas.microsoft.com/office/powerpoint/2010/main" val="2563164741"/>
       </p:ext>
     </p:extLst>
   </p:cSld>
@@ -4318,63 +4813,136 @@
           <a:lstStyle/>
           <a:p>
             <a:r>
-              <a:rPr lang="en-US" dirty="0"/>
-              <a:t>I’m a little annoyed with how one or our core values can be used. Driving results is important at BOKF. I’m sure you can imagine how this can be abused by the heavy handed leader, the micromanager, or some other legitimate power to otherwise abuse those in their charge.</a:t>
-            </a:r>
-          </a:p>
-          <a:p>
-            <a:endParaRPr lang="en-US" dirty="0"/>
-          </a:p>
-          <a:p>
-            <a:r>
-              <a:rPr lang="en-US" dirty="0"/>
-              <a:t>For me, this takes on a different form. I do my best to draw from Dan Pink’s wisdom. In his book “Drive” he outlines 3 basic motivational forces common to human beings.</a:t>
-            </a:r>
-          </a:p>
-          <a:p>
-            <a:endParaRPr lang="en-US" dirty="0"/>
-          </a:p>
-          <a:p>
-            <a:r>
-              <a:rPr lang="en-US" dirty="0"/>
-              <a:t>The desire for autonomy. The Pursuit of mastery. The desire to have purpose, connection, or belonging.</a:t>
-            </a:r>
-          </a:p>
-          <a:p>
-            <a:endParaRPr lang="en-US" dirty="0"/>
-          </a:p>
-          <a:p>
-            <a:r>
-              <a:rPr lang="en-US" dirty="0"/>
-              <a:t>This means, in the course of our team working to achieve goals, I actively look for ways to encourage my teammates to do what they think is best and to expect the same of each teammate.</a:t>
-            </a:r>
-          </a:p>
-          <a:p>
-            <a:endParaRPr lang="en-US" dirty="0"/>
-          </a:p>
-          <a:p>
-            <a:r>
-              <a:rPr lang="en-US" dirty="0"/>
-              <a:t>It also means creating the opportunity, equipment, and encouragement to improve the skill by which they accomplish those goals. Learn to code sessions, facilitate events, resolve conflict, communicate effectively. Above all, I try very hard not to steal from them the pride of their workmanship.</a:t>
-            </a:r>
-          </a:p>
-          <a:p>
-            <a:endParaRPr lang="en-US" dirty="0"/>
-          </a:p>
-          <a:p>
-            <a:r>
-              <a:rPr lang="en-US" dirty="0"/>
-              <a:t>Last, I continuously tend to our garden. It is a powerful metaphor that describes the space or container of our team. In it, there grow the fruits of courage, focus, commitment, openness, respect, and humor. In this space, we all belong and from it we sprout like vines to grasp the meaningful goals and achievements we willing accept. I actively uproot anything that threatens this place of meaning, purpose and belong.</a:t>
-            </a:r>
-          </a:p>
-          <a:p>
-            <a:endParaRPr lang="en-US" dirty="0"/>
-          </a:p>
-          <a:p>
-            <a:r>
-              <a:rPr lang="en-US" dirty="0"/>
-              <a:t>This is how I “Drive” results.</a:t>
-            </a:r>
+              <a:rPr lang="en-US" b="0" dirty="0">
+                <a:solidFill>
+                  <a:srgbClr val="D4D4D4"/>
+                </a:solidFill>
+                <a:effectLst/>
+                <a:latin typeface="Consolas" panose="020B0609020204030204" pitchFamily="49" charset="0"/>
+              </a:rPr>
+              <a:t>A bad system beats a good man every day. – Deming</a:t>
+            </a:r>
+          </a:p>
+          <a:p>
+            <a:endParaRPr lang="en-US" b="0" dirty="0">
+              <a:solidFill>
+                <a:srgbClr val="D4D4D4"/>
+              </a:solidFill>
+              <a:effectLst/>
+              <a:latin typeface="Consolas" panose="020B0609020204030204" pitchFamily="49" charset="0"/>
+            </a:endParaRPr>
+          </a:p>
+          <a:p>
+            <a:r>
+              <a:rPr lang="en-US" b="0" dirty="0">
+                <a:solidFill>
+                  <a:srgbClr val="D4D4D4"/>
+                </a:solidFill>
+                <a:effectLst/>
+                <a:latin typeface="Consolas" panose="020B0609020204030204" pitchFamily="49" charset="0"/>
+              </a:rPr>
+              <a:t>Paid for finding and fixing bugs.</a:t>
+            </a:r>
+          </a:p>
+          <a:p>
+            <a:endParaRPr lang="en-US" b="0" dirty="0">
+              <a:solidFill>
+                <a:srgbClr val="D4D4D4"/>
+              </a:solidFill>
+              <a:effectLst/>
+              <a:latin typeface="Consolas" panose="020B0609020204030204" pitchFamily="49" charset="0"/>
+            </a:endParaRPr>
+          </a:p>
+          <a:p>
+            <a:r>
+              <a:rPr lang="en-US" b="0" dirty="0">
+                <a:solidFill>
+                  <a:srgbClr val="D4D4D4"/>
+                </a:solidFill>
+                <a:effectLst/>
+                <a:latin typeface="Consolas" panose="020B0609020204030204" pitchFamily="49" charset="0"/>
+              </a:rPr>
+              <a:t>Individual rewards that conflict with team collaboration.</a:t>
+            </a:r>
+          </a:p>
+          <a:p>
+            <a:endParaRPr lang="en-US" b="0" dirty="0">
+              <a:solidFill>
+                <a:srgbClr val="D4D4D4"/>
+              </a:solidFill>
+              <a:effectLst/>
+              <a:latin typeface="Consolas" panose="020B0609020204030204" pitchFamily="49" charset="0"/>
+            </a:endParaRPr>
+          </a:p>
+          <a:p>
+            <a:r>
+              <a:rPr lang="en-US" b="0" dirty="0">
+                <a:solidFill>
+                  <a:srgbClr val="D4D4D4"/>
+                </a:solidFill>
+                <a:effectLst/>
+                <a:latin typeface="Consolas" panose="020B0609020204030204" pitchFamily="49" charset="0"/>
+              </a:rPr>
+              <a:t>Leaders who model “If it </a:t>
+            </a:r>
+            <a:r>
+              <a:rPr lang="en-US" b="0" dirty="0" err="1">
+                <a:solidFill>
+                  <a:srgbClr val="D4D4D4"/>
+                </a:solidFill>
+                <a:effectLst/>
+                <a:latin typeface="Consolas" panose="020B0609020204030204" pitchFamily="49" charset="0"/>
+              </a:rPr>
+              <a:t>ain’t</a:t>
+            </a:r>
+            <a:r>
+              <a:rPr lang="en-US" b="0" dirty="0">
+                <a:solidFill>
+                  <a:srgbClr val="D4D4D4"/>
+                </a:solidFill>
+                <a:effectLst/>
+                <a:latin typeface="Consolas" panose="020B0609020204030204" pitchFamily="49" charset="0"/>
+              </a:rPr>
+              <a:t> broke, don’t spend time improving it.”</a:t>
+            </a:r>
+          </a:p>
+          <a:p>
+            <a:endParaRPr lang="en-US" b="0" dirty="0">
+              <a:solidFill>
+                <a:srgbClr val="D4D4D4"/>
+              </a:solidFill>
+              <a:effectLst/>
+              <a:latin typeface="Consolas" panose="020B0609020204030204" pitchFamily="49" charset="0"/>
+            </a:endParaRPr>
+          </a:p>
+          <a:p>
+            <a:r>
+              <a:rPr lang="en-US" b="0" dirty="0">
+                <a:solidFill>
+                  <a:srgbClr val="D4D4D4"/>
+                </a:solidFill>
+                <a:effectLst/>
+                <a:latin typeface="Consolas" panose="020B0609020204030204" pitchFamily="49" charset="0"/>
+              </a:rPr>
+              <a:t>Short-term, finite </a:t>
+            </a:r>
+            <a:r>
+              <a:rPr lang="en-US" b="0">
+                <a:solidFill>
+                  <a:srgbClr val="D4D4D4"/>
+                </a:solidFill>
+                <a:effectLst/>
+                <a:latin typeface="Consolas" panose="020B0609020204030204" pitchFamily="49" charset="0"/>
+              </a:rPr>
+              <a:t>thinking.</a:t>
+            </a:r>
+            <a:endParaRPr lang="en-US" b="0" dirty="0">
+              <a:solidFill>
+                <a:srgbClr val="D4D4D4"/>
+              </a:solidFill>
+              <a:effectLst/>
+              <a:latin typeface="Consolas" panose="020B0609020204030204" pitchFamily="49" charset="0"/>
+            </a:endParaRPr>
           </a:p>
         </p:txBody>
       </p:sp>
@@ -4404,7 +4972,7 @@
     </p:spTree>
     <p:extLst>
       <p:ext uri="{BB962C8B-B14F-4D97-AF65-F5344CB8AC3E}">
-        <p14:creationId xmlns:p14="http://schemas.microsoft.com/office/powerpoint/2010/main" val="2016946804"/>
+        <p14:creationId xmlns:p14="http://schemas.microsoft.com/office/powerpoint/2010/main" val="3615407444"/>
       </p:ext>
     </p:extLst>
   </p:cSld>
@@ -4460,62 +5028,8 @@
           <a:p>
             <a:r>
               <a:rPr lang="en-US" dirty="0"/>
-              <a:t>I’ve found that hope is a cross-cutting concern for a team’s continuous improvement. Especially in the beginning of a race, the vision seems depressingly distant, like a finish line you imagine is there but cannot yet see. Part of my journey over the last two years has been to jealously guard the team’s hope of realizing our aspirations against:</a:t>
-            </a:r>
-          </a:p>
-          <a:p>
-            <a:pPr marL="171450" indent="-171450">
-              <a:buFontTx/>
-              <a:buChar char="-"/>
-            </a:pPr>
-            <a:r>
-              <a:rPr lang="en-US" dirty="0"/>
-              <a:t>Naysayers</a:t>
-            </a:r>
-          </a:p>
-          <a:p>
-            <a:pPr marL="171450" indent="-171450">
-              <a:buFontTx/>
-              <a:buChar char="-"/>
-            </a:pPr>
-            <a:r>
-              <a:rPr lang="en-US" dirty="0"/>
-              <a:t>Excessive challenge</a:t>
-            </a:r>
-          </a:p>
-          <a:p>
-            <a:pPr marL="171450" indent="-171450">
-              <a:buFontTx/>
-              <a:buChar char="-"/>
-            </a:pPr>
-            <a:r>
-              <a:rPr lang="en-US" dirty="0"/>
-              <a:t>Too little challenge</a:t>
-            </a:r>
-          </a:p>
-          <a:p>
-            <a:pPr marL="171450" indent="-171450">
-              <a:buFontTx/>
-              <a:buChar char="-"/>
-            </a:pPr>
-            <a:r>
-              <a:rPr lang="en-US" dirty="0"/>
-              <a:t>Conflicting visions</a:t>
-            </a:r>
-          </a:p>
-          <a:p>
-            <a:pPr marL="171450" indent="-171450">
-              <a:buFontTx/>
-              <a:buChar char="-"/>
-            </a:pPr>
-            <a:endParaRPr lang="en-US" dirty="0"/>
-          </a:p>
-          <a:p>
-            <a:pPr marL="0" indent="0">
-              <a:buFontTx/>
-              <a:buNone/>
-            </a:pPr>
-            <a:endParaRPr lang="en-US" dirty="0"/>
+              <a:t>Now that you’ve seen how to kill continuous improvement, here’s how I’ve learned to encourage and sustain continuous improvement</a:t>
+            </a:r>
           </a:p>
         </p:txBody>
       </p:sp>
@@ -4545,7 +5059,7 @@
     </p:spTree>
     <p:extLst>
       <p:ext uri="{BB962C8B-B14F-4D97-AF65-F5344CB8AC3E}">
-        <p14:creationId xmlns:p14="http://schemas.microsoft.com/office/powerpoint/2010/main" val="2789530158"/>
+        <p14:creationId xmlns:p14="http://schemas.microsoft.com/office/powerpoint/2010/main" val="1408064101"/>
       </p:ext>
     </p:extLst>
   </p:cSld>
@@ -4599,7 +5113,10 @@
           <a:bodyPr/>
           <a:lstStyle/>
           <a:p>
-            <a:endParaRPr lang="en-US" dirty="0"/>
+            <a:r>
+              <a:rPr lang="en-US" dirty="0"/>
+              <a:t>I’ve been given great power to influence, teach and coach. When an opportunity arises, I use that power gently. The picture of gentleness here is like one who has a sword and knows how to use it but keeps it sheathed. I do my best to choose moments wisely and act with restraint. If I make too many mistakes, I’ll quickly lose trust and those who have given me power over them will take it back. I’m careful to check for alignment and hesitance. I’m quick to understand rather than lecture. I watch carefully for the interplay between ability and willingness to know when to support and when to direct. After directing, I’m on the hunt for the moment when the training wheels need to come off – for the moment when I should back off.</a:t>
+            </a:r>
           </a:p>
         </p:txBody>
       </p:sp>
@@ -4629,7 +5146,7 @@
     </p:spTree>
     <p:extLst>
       <p:ext uri="{BB962C8B-B14F-4D97-AF65-F5344CB8AC3E}">
-        <p14:creationId xmlns:p14="http://schemas.microsoft.com/office/powerpoint/2010/main" val="1275761304"/>
+        <p14:creationId xmlns:p14="http://schemas.microsoft.com/office/powerpoint/2010/main" val="2949510929"/>
       </p:ext>
     </p:extLst>
   </p:cSld>
@@ -4684,18 +5201,224 @@
           <a:lstStyle/>
           <a:p>
             <a:r>
-              <a:rPr lang="en-US" dirty="0"/>
-              <a:t>Key to winning at this race has been correctly seeing the game we’re playing as an infinite one. We are not playing it to beat competitors, although we hope we stay sufficient near or ahead of them. Rather, we play in order to keep playing without compromising the rules we have chosen – the things we value.</a:t>
+              <a:rPr lang="en-US" b="0" dirty="0">
+                <a:solidFill>
+                  <a:srgbClr val="D4D4D4"/>
+                </a:solidFill>
+                <a:effectLst/>
+                <a:latin typeface="Consolas" panose="020B0609020204030204" pitchFamily="49" charset="0"/>
+              </a:rPr>
+              <a:t>How many here have been lead by someone who:</a:t>
+            </a:r>
+          </a:p>
+          <a:p>
+            <a:pPr marL="171450" indent="-171450">
+              <a:buFontTx/>
+              <a:buChar char="-"/>
+            </a:pPr>
+            <a:r>
+              <a:rPr lang="en-US" b="0" dirty="0">
+                <a:solidFill>
+                  <a:srgbClr val="D4D4D4"/>
+                </a:solidFill>
+                <a:effectLst/>
+                <a:latin typeface="Consolas" panose="020B0609020204030204" pitchFamily="49" charset="0"/>
+              </a:rPr>
+              <a:t>Doesn’t care to listen or understand you?</a:t>
+            </a:r>
+          </a:p>
+          <a:p>
+            <a:pPr marL="171450" indent="-171450">
+              <a:buFontTx/>
+              <a:buChar char="-"/>
+            </a:pPr>
+            <a:r>
+              <a:rPr lang="en-US" b="0" dirty="0">
+                <a:solidFill>
+                  <a:srgbClr val="D4D4D4"/>
+                </a:solidFill>
+                <a:effectLst/>
+                <a:latin typeface="Consolas" panose="020B0609020204030204" pitchFamily="49" charset="0"/>
+              </a:rPr>
+              <a:t>Seems consumed with powerful drive for power and material accumulation?</a:t>
+            </a:r>
+          </a:p>
+          <a:p>
+            <a:pPr marL="171450" indent="-171450">
+              <a:buFontTx/>
+              <a:buChar char="-"/>
+            </a:pPr>
+            <a:r>
+              <a:rPr lang="en-US" b="0" dirty="0">
+                <a:solidFill>
+                  <a:srgbClr val="D4D4D4"/>
+                </a:solidFill>
+                <a:effectLst/>
+                <a:latin typeface="Consolas" panose="020B0609020204030204" pitchFamily="49" charset="0"/>
+              </a:rPr>
+              <a:t>Doesn’t say, “Come with me” but rather “Get going!” and “Do as I say!”</a:t>
+            </a:r>
+          </a:p>
+          <a:p>
+            <a:pPr marL="171450" indent="-171450">
+              <a:buFontTx/>
+              <a:buChar char="-"/>
+            </a:pPr>
+            <a:r>
+              <a:rPr lang="en-US" b="0" dirty="0">
+                <a:solidFill>
+                  <a:srgbClr val="D4D4D4"/>
+                </a:solidFill>
+                <a:effectLst/>
+                <a:latin typeface="Consolas" panose="020B0609020204030204" pitchFamily="49" charset="0"/>
+              </a:rPr>
+              <a:t>Ignores the negative effects their leader is clearly having on you, the world, and even themselves?</a:t>
+            </a:r>
+          </a:p>
+          <a:p>
+            <a:pPr marL="0" indent="0">
+              <a:buFontTx/>
+              <a:buNone/>
+            </a:pPr>
+            <a:endParaRPr lang="en-US" b="0" dirty="0">
+              <a:solidFill>
+                <a:srgbClr val="D4D4D4"/>
+              </a:solidFill>
+              <a:effectLst/>
+              <a:latin typeface="Consolas" panose="020B0609020204030204" pitchFamily="49" charset="0"/>
+            </a:endParaRPr>
+          </a:p>
+          <a:p>
+            <a:r>
+              <a:rPr lang="en-US" b="0" dirty="0">
+                <a:solidFill>
+                  <a:srgbClr val="D4D4D4"/>
+                </a:solidFill>
+                <a:effectLst/>
+                <a:latin typeface="Consolas" panose="020B0609020204030204" pitchFamily="49" charset="0"/>
+              </a:rPr>
+              <a:t>How many hear have been lead by a servant leader? Here’s the test.</a:t>
+            </a:r>
+          </a:p>
+          <a:p>
+            <a:endParaRPr lang="en-US" b="0" dirty="0">
+              <a:solidFill>
+                <a:srgbClr val="D4D4D4"/>
+              </a:solidFill>
+              <a:effectLst/>
+              <a:latin typeface="Consolas" panose="020B0609020204030204" pitchFamily="49" charset="0"/>
+            </a:endParaRPr>
+          </a:p>
+          <a:p>
+            <a:pPr marL="0" marR="0" lvl="0" indent="0" algn="l" defTabSz="914400" rtl="0" eaLnBrk="1" fontAlgn="auto" latinLnBrk="0" hangingPunct="1">
+              <a:lnSpc>
+                <a:spcPct val="100000"/>
+              </a:lnSpc>
+              <a:spcBef>
+                <a:spcPts val="0"/>
+              </a:spcBef>
+              <a:spcAft>
+                <a:spcPts val="0"/>
+              </a:spcAft>
+              <a:buClrTx/>
+              <a:buSzTx/>
+              <a:buFontTx/>
+              <a:buNone/>
+              <a:tabLst/>
+              <a:defRPr/>
+            </a:pPr>
+            <a:r>
+              <a:rPr lang="en-US" b="0" dirty="0">
+                <a:solidFill>
+                  <a:srgbClr val="D4D4D4"/>
+                </a:solidFill>
+                <a:effectLst/>
+                <a:latin typeface="Consolas" panose="020B0609020204030204" pitchFamily="49" charset="0"/>
+              </a:rPr>
+              <a:t>Being in charge means caring for those in your charge.</a:t>
+            </a:r>
+          </a:p>
+          <a:p>
+            <a:endParaRPr lang="en-US" b="0" dirty="0">
+              <a:solidFill>
+                <a:srgbClr val="D4D4D4"/>
+              </a:solidFill>
+              <a:effectLst/>
+              <a:latin typeface="Consolas" panose="020B0609020204030204" pitchFamily="49" charset="0"/>
+            </a:endParaRPr>
+          </a:p>
+          <a:p>
+            <a:endParaRPr lang="en-US" b="0" dirty="0">
+              <a:solidFill>
+                <a:srgbClr val="D4D4D4"/>
+              </a:solidFill>
+              <a:effectLst/>
+              <a:latin typeface="Consolas" panose="020B0609020204030204" pitchFamily="49" charset="0"/>
+            </a:endParaRPr>
+          </a:p>
+          <a:p>
+            <a:br>
+              <a:rPr lang="en-US" b="0" dirty="0">
+                <a:solidFill>
+                  <a:srgbClr val="D4D4D4"/>
+                </a:solidFill>
+                <a:effectLst/>
+                <a:latin typeface="Consolas" panose="020B0609020204030204" pitchFamily="49" charset="0"/>
+              </a:rPr>
+            </a:br>
+            <a:r>
+              <a:rPr lang="en-US" b="0" dirty="0">
+                <a:solidFill>
+                  <a:srgbClr val="D4D4D4"/>
+                </a:solidFill>
+                <a:effectLst/>
+                <a:latin typeface="Consolas" panose="020B0609020204030204" pitchFamily="49" charset="0"/>
+              </a:rPr>
+              <a:t>[</a:t>
+            </a:r>
+            <a:r>
+              <a:rPr lang="en-US" b="0" dirty="0">
+                <a:solidFill>
+                  <a:srgbClr val="CE9178"/>
+                </a:solidFill>
+                <a:effectLst/>
+                <a:latin typeface="Consolas" panose="020B0609020204030204" pitchFamily="49" charset="0"/>
+              </a:rPr>
+              <a:t>The Servant as Leader</a:t>
+            </a:r>
+            <a:r>
+              <a:rPr lang="en-US" b="0" dirty="0">
+                <a:solidFill>
+                  <a:srgbClr val="D4D4D4"/>
+                </a:solidFill>
+                <a:effectLst/>
+                <a:latin typeface="Consolas" panose="020B0609020204030204" pitchFamily="49" charset="0"/>
+              </a:rPr>
+              <a:t>](</a:t>
+            </a:r>
+            <a:r>
+              <a:rPr lang="en-US" b="0" u="sng" dirty="0">
+                <a:solidFill>
+                  <a:srgbClr val="D4D4D4"/>
+                </a:solidFill>
+                <a:effectLst/>
+                <a:latin typeface="Consolas" panose="020B0609020204030204" pitchFamily="49" charset="0"/>
+              </a:rPr>
+              <a:t>http://www.ediguys.net/Robert_K_Greenleaf_The_Servant_as_Leader.pdf</a:t>
+            </a:r>
+            <a:r>
+              <a:rPr lang="en-US" b="0" dirty="0">
+                <a:solidFill>
+                  <a:srgbClr val="D4D4D4"/>
+                </a:solidFill>
+                <a:effectLst/>
+                <a:latin typeface="Consolas" panose="020B0609020204030204" pitchFamily="49" charset="0"/>
+              </a:rPr>
+              <a:t>)</a:t>
             </a:r>
           </a:p>
           <a:p>
             <a:endParaRPr lang="en-US" dirty="0"/>
-          </a:p>
-          <a:p>
-            <a:r>
-              <a:rPr lang="en-US" dirty="0"/>
-              <a:t>We insist on commitment as an important marker of the quality and staying power of our improvements. We do our best to work sustainably, ever improving our technical excellence, avoiding waste, and frequently reflecting on what we can improve next. </a:t>
-            </a:r>
           </a:p>
         </p:txBody>
       </p:sp>
@@ -4725,7 +5448,7 @@
     </p:spTree>
     <p:extLst>
       <p:ext uri="{BB962C8B-B14F-4D97-AF65-F5344CB8AC3E}">
-        <p14:creationId xmlns:p14="http://schemas.microsoft.com/office/powerpoint/2010/main" val="2017244520"/>
+        <p14:creationId xmlns:p14="http://schemas.microsoft.com/office/powerpoint/2010/main" val="1540848490"/>
       </p:ext>
     </p:extLst>
   </p:cSld>
@@ -4781,7 +5504,7 @@
           <a:p>
             <a:r>
               <a:rPr lang="en-US" dirty="0"/>
-              <a:t>For me personally, I do my best to respect the lives of those with whom I work. This attitude can be summed up well:</a:t>
+              <a:t>I’m a little annoyed with how one or our core values can be used. Driving results is important at BOKF. I’m sure you can imagine how this can be abused by the heavy handed leader, the micromanager, or some other legitimate power to otherwise abuse those in their charge.</a:t>
             </a:r>
           </a:p>
           <a:p>
@@ -4790,7 +5513,7 @@
           <a:p>
             <a:r>
               <a:rPr lang="en-US" dirty="0"/>
-              <a:t>“My job is to honor the ideas, structures, and processes that are dying and being midwife to those being born.”</a:t>
+              <a:t>For me, this takes on a different form. I do my best to draw from Dan Pink’s wisdom. In his book “Drive” he outlines 3 basic motivational forces common to human beings.</a:t>
             </a:r>
           </a:p>
           <a:p>
@@ -4799,7 +5522,43 @@
           <a:p>
             <a:r>
               <a:rPr lang="en-US" dirty="0"/>
-              <a:t> When processes, ideas and structures that have worked in the past are clearly no longer useful, I honor them</a:t>
+              <a:t>The desire for autonomy. The Pursuit of mastery. The desire to have purpose, connection, or belonging.</a:t>
+            </a:r>
+          </a:p>
+          <a:p>
+            <a:endParaRPr lang="en-US" dirty="0"/>
+          </a:p>
+          <a:p>
+            <a:r>
+              <a:rPr lang="en-US" dirty="0"/>
+              <a:t>This means, in the course of our team working to achieve goals, I actively look for ways to encourage my teammates to do what they think is best and to expect the same of each teammate.</a:t>
+            </a:r>
+          </a:p>
+          <a:p>
+            <a:endParaRPr lang="en-US" dirty="0"/>
+          </a:p>
+          <a:p>
+            <a:r>
+              <a:rPr lang="en-US" dirty="0"/>
+              <a:t>It also means creating the opportunity, equipment, and encouragement to improve the skill by which they accomplish those goals. Learn to code sessions, facilitate events, resolve conflict, communicate effectively. Above all, I try very hard not to steal from them the pride of their workmanship.</a:t>
+            </a:r>
+          </a:p>
+          <a:p>
+            <a:endParaRPr lang="en-US" dirty="0"/>
+          </a:p>
+          <a:p>
+            <a:r>
+              <a:rPr lang="en-US" dirty="0"/>
+              <a:t>Last, I continuously tend to our garden. It is a powerful metaphor that describes the space or container of our team. In it, there grow the fruits of courage, focus, commitment, openness, respect, and humor. In this space, we all belong and from it we sprout like vines to grasp the meaningful goals and achievements we willing accept. I actively uproot anything that threatens this place of meaning, purpose and belong.</a:t>
+            </a:r>
+          </a:p>
+          <a:p>
+            <a:endParaRPr lang="en-US" dirty="0"/>
+          </a:p>
+          <a:p>
+            <a:r>
+              <a:rPr lang="en-US" dirty="0"/>
+              <a:t>This is how I “Drive” results.</a:t>
             </a:r>
           </a:p>
         </p:txBody>
@@ -4830,7 +5589,7 @@
     </p:spTree>
     <p:extLst>
       <p:ext uri="{BB962C8B-B14F-4D97-AF65-F5344CB8AC3E}">
-        <p14:creationId xmlns:p14="http://schemas.microsoft.com/office/powerpoint/2010/main" val="4076046955"/>
+        <p14:creationId xmlns:p14="http://schemas.microsoft.com/office/powerpoint/2010/main" val="2016946804"/>
       </p:ext>
     </p:extLst>
   </p:cSld>
@@ -4886,30 +5645,61 @@
           <a:p>
             <a:r>
               <a:rPr lang="en-US" dirty="0"/>
-              <a:t>As for my Scrum team, the BOKF tortoise, we’re playing the game we want to play.</a:t>
-            </a:r>
-          </a:p>
-          <a:p>
+              <a:t>I’ve found that hope is a cross-cutting concern for a team’s continuous improvement. Especially in the beginning of a race, the vision seems depressingly distant, like a finish line you imagine is there but cannot yet see. Part of my journey over the last two years has been to jealously guard the team’s hope of realizing our aspirations against:</a:t>
+            </a:r>
+          </a:p>
+          <a:p>
+            <a:pPr marL="171450" indent="-171450">
+              <a:buFontTx/>
+              <a:buChar char="-"/>
+            </a:pPr>
+            <a:r>
+              <a:rPr lang="en-US" dirty="0"/>
+              <a:t>Naysayers</a:t>
+            </a:r>
+          </a:p>
+          <a:p>
+            <a:pPr marL="171450" indent="-171450">
+              <a:buFontTx/>
+              <a:buChar char="-"/>
+            </a:pPr>
+            <a:r>
+              <a:rPr lang="en-US" dirty="0"/>
+              <a:t>Excessive challenge</a:t>
+            </a:r>
+          </a:p>
+          <a:p>
+            <a:pPr marL="171450" indent="-171450">
+              <a:buFontTx/>
+              <a:buChar char="-"/>
+            </a:pPr>
+            <a:r>
+              <a:rPr lang="en-US" dirty="0"/>
+              <a:t>Too little challenge</a:t>
+            </a:r>
+          </a:p>
+          <a:p>
+            <a:pPr marL="171450" indent="-171450">
+              <a:buFontTx/>
+              <a:buChar char="-"/>
+            </a:pPr>
+            <a:r>
+              <a:rPr lang="en-US" dirty="0"/>
+              <a:t>Conflicting visions</a:t>
+            </a:r>
+          </a:p>
+          <a:p>
+            <a:pPr marL="171450" indent="-171450">
+              <a:buFontTx/>
+              <a:buChar char="-"/>
+            </a:pPr>
             <a:endParaRPr lang="en-US" dirty="0"/>
           </a:p>
           <a:p>
-            <a:r>
-              <a:rPr lang="en-US" dirty="0"/>
-              <a:t>We’ve come a long way from where we were in December 2019. We have been continuously integrating and delivering our work since mid-last year. We can deploy on demand. This very Sprint, we’re releasing an API that is covered by a significant suite of automated unit and integrations tests. We used test driven development to design features and bug fixes every chance we get. We use reflection, reframing, and impact feedback to respectfully and effectively communicate with each other. Business professionals and developers interact daily to ensure the work produced is of the highest value we can deliver. I could go on.</a:t>
-            </a:r>
-          </a:p>
-          <a:p>
-            <a:endParaRPr lang="en-US" dirty="0"/>
-          </a:p>
-          <a:p>
-            <a:r>
-              <a:rPr lang="en-US" dirty="0"/>
-              <a:t>Like my grandma who started walking a mile a day, in two more years time, there’s no telling where we’ll end up. However, I’m confident that we’ll probably still be playing the game we want to play and running our race like </a:t>
-            </a:r>
-            <a:r>
-              <a:rPr lang="en-US"/>
-              <a:t>a tortoise.</a:t>
-            </a:r>
+            <a:pPr marL="0" indent="0">
+              <a:buFontTx/>
+              <a:buNone/>
+            </a:pPr>
             <a:endParaRPr lang="en-US" dirty="0"/>
           </a:p>
         </p:txBody>
@@ -4940,7 +5730,187 @@
     </p:spTree>
     <p:extLst>
       <p:ext uri="{BB962C8B-B14F-4D97-AF65-F5344CB8AC3E}">
-        <p14:creationId xmlns:p14="http://schemas.microsoft.com/office/powerpoint/2010/main" val="2549451877"/>
+        <p14:creationId xmlns:p14="http://schemas.microsoft.com/office/powerpoint/2010/main" val="2789530158"/>
+      </p:ext>
+    </p:extLst>
+  </p:cSld>
+  <p:clrMapOvr>
+    <a:masterClrMapping/>
+  </p:clrMapOvr>
+</p:notes>
+</file>
+
+<file path=ppt/notesSlides/notesSlide28.xml><?xml version="1.0" encoding="utf-8"?>
+<p:notes xmlns:a="http://schemas.openxmlformats.org/drawingml/2006/main" xmlns:r="http://schemas.openxmlformats.org/officeDocument/2006/relationships" xmlns:p="http://schemas.openxmlformats.org/presentationml/2006/main">
+  <p:cSld>
+    <p:spTree>
+      <p:nvGrpSpPr>
+        <p:cNvPr id="1" name=""/>
+        <p:cNvGrpSpPr/>
+        <p:nvPr/>
+      </p:nvGrpSpPr>
+      <p:grpSpPr>
+        <a:xfrm>
+          <a:off x="0" y="0"/>
+          <a:ext cx="0" cy="0"/>
+          <a:chOff x="0" y="0"/>
+          <a:chExt cx="0" cy="0"/>
+        </a:xfrm>
+      </p:grpSpPr>
+      <p:sp>
+        <p:nvSpPr>
+          <p:cNvPr id="2" name="Slide Image Placeholder 1"/>
+          <p:cNvSpPr>
+            <a:spLocks noGrp="1" noRot="1" noChangeAspect="1"/>
+          </p:cNvSpPr>
+          <p:nvPr>
+            <p:ph type="sldImg"/>
+          </p:nvPr>
+        </p:nvSpPr>
+        <p:spPr/>
+      </p:sp>
+      <p:sp>
+        <p:nvSpPr>
+          <p:cNvPr id="3" name="Notes Placeholder 2"/>
+          <p:cNvSpPr>
+            <a:spLocks noGrp="1"/>
+          </p:cNvSpPr>
+          <p:nvPr>
+            <p:ph type="body" idx="1"/>
+          </p:nvPr>
+        </p:nvSpPr>
+        <p:spPr/>
+        <p:txBody>
+          <a:bodyPr/>
+          <a:lstStyle/>
+          <a:p>
+            <a:endParaRPr lang="en-US" dirty="0"/>
+          </a:p>
+        </p:txBody>
+      </p:sp>
+      <p:sp>
+        <p:nvSpPr>
+          <p:cNvPr id="4" name="Slide Number Placeholder 3"/>
+          <p:cNvSpPr>
+            <a:spLocks noGrp="1"/>
+          </p:cNvSpPr>
+          <p:nvPr>
+            <p:ph type="sldNum" sz="quarter" idx="5"/>
+          </p:nvPr>
+        </p:nvSpPr>
+        <p:spPr/>
+        <p:txBody>
+          <a:bodyPr/>
+          <a:lstStyle/>
+          <a:p>
+            <a:fld id="{68AD085A-CE2C-4AF4-96B5-9AB734DA641A}" type="slidenum">
+              <a:rPr lang="en-US" smtClean="0"/>
+              <a:t>29</a:t>
+            </a:fld>
+            <a:endParaRPr lang="en-US"/>
+          </a:p>
+        </p:txBody>
+      </p:sp>
+    </p:spTree>
+    <p:extLst>
+      <p:ext uri="{BB962C8B-B14F-4D97-AF65-F5344CB8AC3E}">
+        <p14:creationId xmlns:p14="http://schemas.microsoft.com/office/powerpoint/2010/main" val="1275761304"/>
+      </p:ext>
+    </p:extLst>
+  </p:cSld>
+  <p:clrMapOvr>
+    <a:masterClrMapping/>
+  </p:clrMapOvr>
+</p:notes>
+</file>
+
+<file path=ppt/notesSlides/notesSlide29.xml><?xml version="1.0" encoding="utf-8"?>
+<p:notes xmlns:a="http://schemas.openxmlformats.org/drawingml/2006/main" xmlns:r="http://schemas.openxmlformats.org/officeDocument/2006/relationships" xmlns:p="http://schemas.openxmlformats.org/presentationml/2006/main">
+  <p:cSld>
+    <p:spTree>
+      <p:nvGrpSpPr>
+        <p:cNvPr id="1" name=""/>
+        <p:cNvGrpSpPr/>
+        <p:nvPr/>
+      </p:nvGrpSpPr>
+      <p:grpSpPr>
+        <a:xfrm>
+          <a:off x="0" y="0"/>
+          <a:ext cx="0" cy="0"/>
+          <a:chOff x="0" y="0"/>
+          <a:chExt cx="0" cy="0"/>
+        </a:xfrm>
+      </p:grpSpPr>
+      <p:sp>
+        <p:nvSpPr>
+          <p:cNvPr id="2" name="Slide Image Placeholder 1"/>
+          <p:cNvSpPr>
+            <a:spLocks noGrp="1" noRot="1" noChangeAspect="1"/>
+          </p:cNvSpPr>
+          <p:nvPr>
+            <p:ph type="sldImg"/>
+          </p:nvPr>
+        </p:nvSpPr>
+        <p:spPr/>
+      </p:sp>
+      <p:sp>
+        <p:nvSpPr>
+          <p:cNvPr id="3" name="Notes Placeholder 2"/>
+          <p:cNvSpPr>
+            <a:spLocks noGrp="1"/>
+          </p:cNvSpPr>
+          <p:nvPr>
+            <p:ph type="body" idx="1"/>
+          </p:nvPr>
+        </p:nvSpPr>
+        <p:spPr/>
+        <p:txBody>
+          <a:bodyPr/>
+          <a:lstStyle/>
+          <a:p>
+            <a:r>
+              <a:rPr lang="en-US" dirty="0"/>
+              <a:t>Key to winning at this race has been correctly seeing the game we’re playing as an infinite one. We are not playing it to beat competitors, although we hope we stay sufficient near or ahead of them. Rather, we play in order to keep playing without compromising the rules we have chosen – the things we value.</a:t>
+            </a:r>
+          </a:p>
+          <a:p>
+            <a:endParaRPr lang="en-US" dirty="0"/>
+          </a:p>
+          <a:p>
+            <a:r>
+              <a:rPr lang="en-US" dirty="0"/>
+              <a:t>We insist on commitment as an important marker of the quality and staying power of our improvements. We do our best to work sustainably, ever improving our technical excellence, avoiding waste, and frequently reflecting on what we can improve next. </a:t>
+            </a:r>
+          </a:p>
+        </p:txBody>
+      </p:sp>
+      <p:sp>
+        <p:nvSpPr>
+          <p:cNvPr id="4" name="Slide Number Placeholder 3"/>
+          <p:cNvSpPr>
+            <a:spLocks noGrp="1"/>
+          </p:cNvSpPr>
+          <p:nvPr>
+            <p:ph type="sldNum" sz="quarter" idx="5"/>
+          </p:nvPr>
+        </p:nvSpPr>
+        <p:spPr/>
+        <p:txBody>
+          <a:bodyPr/>
+          <a:lstStyle/>
+          <a:p>
+            <a:fld id="{68AD085A-CE2C-4AF4-96B5-9AB734DA641A}" type="slidenum">
+              <a:rPr lang="en-US" smtClean="0"/>
+              <a:t>30</a:t>
+            </a:fld>
+            <a:endParaRPr lang="en-US"/>
+          </a:p>
+        </p:txBody>
+      </p:sp>
+    </p:spTree>
+    <p:extLst>
+      <p:ext uri="{BB962C8B-B14F-4D97-AF65-F5344CB8AC3E}">
+        <p14:creationId xmlns:p14="http://schemas.microsoft.com/office/powerpoint/2010/main" val="2017244520"/>
       </p:ext>
     </p:extLst>
   </p:cSld>
@@ -5491,6 +6461,221 @@
     <p:extLst>
       <p:ext uri="{BB962C8B-B14F-4D97-AF65-F5344CB8AC3E}">
         <p14:creationId xmlns:p14="http://schemas.microsoft.com/office/powerpoint/2010/main" val="1534710382"/>
+      </p:ext>
+    </p:extLst>
+  </p:cSld>
+  <p:clrMapOvr>
+    <a:masterClrMapping/>
+  </p:clrMapOvr>
+</p:notes>
+</file>
+
+<file path=ppt/notesSlides/notesSlide30.xml><?xml version="1.0" encoding="utf-8"?>
+<p:notes xmlns:a="http://schemas.openxmlformats.org/drawingml/2006/main" xmlns:r="http://schemas.openxmlformats.org/officeDocument/2006/relationships" xmlns:p="http://schemas.openxmlformats.org/presentationml/2006/main">
+  <p:cSld>
+    <p:spTree>
+      <p:nvGrpSpPr>
+        <p:cNvPr id="1" name=""/>
+        <p:cNvGrpSpPr/>
+        <p:nvPr/>
+      </p:nvGrpSpPr>
+      <p:grpSpPr>
+        <a:xfrm>
+          <a:off x="0" y="0"/>
+          <a:ext cx="0" cy="0"/>
+          <a:chOff x="0" y="0"/>
+          <a:chExt cx="0" cy="0"/>
+        </a:xfrm>
+      </p:grpSpPr>
+      <p:sp>
+        <p:nvSpPr>
+          <p:cNvPr id="2" name="Slide Image Placeholder 1"/>
+          <p:cNvSpPr>
+            <a:spLocks noGrp="1" noRot="1" noChangeAspect="1"/>
+          </p:cNvSpPr>
+          <p:nvPr>
+            <p:ph type="sldImg"/>
+          </p:nvPr>
+        </p:nvSpPr>
+        <p:spPr/>
+      </p:sp>
+      <p:sp>
+        <p:nvSpPr>
+          <p:cNvPr id="3" name="Notes Placeholder 2"/>
+          <p:cNvSpPr>
+            <a:spLocks noGrp="1"/>
+          </p:cNvSpPr>
+          <p:nvPr>
+            <p:ph type="body" idx="1"/>
+          </p:nvPr>
+        </p:nvSpPr>
+        <p:spPr/>
+        <p:txBody>
+          <a:bodyPr/>
+          <a:lstStyle/>
+          <a:p>
+            <a:r>
+              <a:rPr lang="en-US" dirty="0"/>
+              <a:t>For me personally, I do my best to respect the lives of those with whom I work. This attitude can be summed up well:</a:t>
+            </a:r>
+          </a:p>
+          <a:p>
+            <a:endParaRPr lang="en-US" dirty="0"/>
+          </a:p>
+          <a:p>
+            <a:r>
+              <a:rPr lang="en-US" dirty="0"/>
+              <a:t>“My job is to honor the ideas, structures, and processes that are dying and being midwife to those being born.”</a:t>
+            </a:r>
+          </a:p>
+          <a:p>
+            <a:endParaRPr lang="en-US" dirty="0"/>
+          </a:p>
+          <a:p>
+            <a:r>
+              <a:rPr lang="en-US" dirty="0"/>
+              <a:t> When processes, ideas and structures that have worked in the past are clearly no longer useful, I honor them</a:t>
+            </a:r>
+          </a:p>
+        </p:txBody>
+      </p:sp>
+      <p:sp>
+        <p:nvSpPr>
+          <p:cNvPr id="4" name="Slide Number Placeholder 3"/>
+          <p:cNvSpPr>
+            <a:spLocks noGrp="1"/>
+          </p:cNvSpPr>
+          <p:nvPr>
+            <p:ph type="sldNum" sz="quarter" idx="5"/>
+          </p:nvPr>
+        </p:nvSpPr>
+        <p:spPr/>
+        <p:txBody>
+          <a:bodyPr/>
+          <a:lstStyle/>
+          <a:p>
+            <a:fld id="{68AD085A-CE2C-4AF4-96B5-9AB734DA641A}" type="slidenum">
+              <a:rPr lang="en-US" smtClean="0"/>
+              <a:t>31</a:t>
+            </a:fld>
+            <a:endParaRPr lang="en-US"/>
+          </a:p>
+        </p:txBody>
+      </p:sp>
+    </p:spTree>
+    <p:extLst>
+      <p:ext uri="{BB962C8B-B14F-4D97-AF65-F5344CB8AC3E}">
+        <p14:creationId xmlns:p14="http://schemas.microsoft.com/office/powerpoint/2010/main" val="4076046955"/>
+      </p:ext>
+    </p:extLst>
+  </p:cSld>
+  <p:clrMapOvr>
+    <a:masterClrMapping/>
+  </p:clrMapOvr>
+</p:notes>
+</file>
+
+<file path=ppt/notesSlides/notesSlide31.xml><?xml version="1.0" encoding="utf-8"?>
+<p:notes xmlns:a="http://schemas.openxmlformats.org/drawingml/2006/main" xmlns:r="http://schemas.openxmlformats.org/officeDocument/2006/relationships" xmlns:p="http://schemas.openxmlformats.org/presentationml/2006/main">
+  <p:cSld>
+    <p:spTree>
+      <p:nvGrpSpPr>
+        <p:cNvPr id="1" name=""/>
+        <p:cNvGrpSpPr/>
+        <p:nvPr/>
+      </p:nvGrpSpPr>
+      <p:grpSpPr>
+        <a:xfrm>
+          <a:off x="0" y="0"/>
+          <a:ext cx="0" cy="0"/>
+          <a:chOff x="0" y="0"/>
+          <a:chExt cx="0" cy="0"/>
+        </a:xfrm>
+      </p:grpSpPr>
+      <p:sp>
+        <p:nvSpPr>
+          <p:cNvPr id="2" name="Slide Image Placeholder 1"/>
+          <p:cNvSpPr>
+            <a:spLocks noGrp="1" noRot="1" noChangeAspect="1"/>
+          </p:cNvSpPr>
+          <p:nvPr>
+            <p:ph type="sldImg"/>
+          </p:nvPr>
+        </p:nvSpPr>
+        <p:spPr/>
+      </p:sp>
+      <p:sp>
+        <p:nvSpPr>
+          <p:cNvPr id="3" name="Notes Placeholder 2"/>
+          <p:cNvSpPr>
+            <a:spLocks noGrp="1"/>
+          </p:cNvSpPr>
+          <p:nvPr>
+            <p:ph type="body" idx="1"/>
+          </p:nvPr>
+        </p:nvSpPr>
+        <p:spPr/>
+        <p:txBody>
+          <a:bodyPr/>
+          <a:lstStyle/>
+          <a:p>
+            <a:r>
+              <a:rPr lang="en-US" dirty="0"/>
+              <a:t>As for my Scrum team, the BOKF tortoise, we’re playing the game we want to play.</a:t>
+            </a:r>
+          </a:p>
+          <a:p>
+            <a:endParaRPr lang="en-US" dirty="0"/>
+          </a:p>
+          <a:p>
+            <a:r>
+              <a:rPr lang="en-US" dirty="0"/>
+              <a:t>We’ve come a long way from where we were in December 2019. We have been continuously integrating and delivering our work since mid-last year. We can deploy on demand. This very Sprint, we’re releasing an API that is covered by a significant suite of automated unit and integrations tests. We used test driven development to design features and bug fixes every chance we get. We use reflection, reframing, and impact feedback to respectfully and effectively communicate with each other. Business professionals and developers interact daily to ensure the work produced is of the highest value we can deliver. I could go on.</a:t>
+            </a:r>
+          </a:p>
+          <a:p>
+            <a:endParaRPr lang="en-US" dirty="0"/>
+          </a:p>
+          <a:p>
+            <a:r>
+              <a:rPr lang="en-US" dirty="0"/>
+              <a:t>Like my grandma who started walking a mile a day, in two more years time, there’s no telling where we’ll end up. However, I’m confident that we’ll probably still be playing the game we want to play and running our race like </a:t>
+            </a:r>
+            <a:r>
+              <a:rPr lang="en-US"/>
+              <a:t>a tortoise.</a:t>
+            </a:r>
+            <a:endParaRPr lang="en-US" dirty="0"/>
+          </a:p>
+        </p:txBody>
+      </p:sp>
+      <p:sp>
+        <p:nvSpPr>
+          <p:cNvPr id="4" name="Slide Number Placeholder 3"/>
+          <p:cNvSpPr>
+            <a:spLocks noGrp="1"/>
+          </p:cNvSpPr>
+          <p:nvPr>
+            <p:ph type="sldNum" sz="quarter" idx="5"/>
+          </p:nvPr>
+        </p:nvSpPr>
+        <p:spPr/>
+        <p:txBody>
+          <a:bodyPr/>
+          <a:lstStyle/>
+          <a:p>
+            <a:fld id="{68AD085A-CE2C-4AF4-96B5-9AB734DA641A}" type="slidenum">
+              <a:rPr lang="en-US" smtClean="0"/>
+              <a:t>32</a:t>
+            </a:fld>
+            <a:endParaRPr lang="en-US"/>
+          </a:p>
+        </p:txBody>
+      </p:sp>
+    </p:spTree>
+    <p:extLst>
+      <p:ext uri="{BB962C8B-B14F-4D97-AF65-F5344CB8AC3E}">
+        <p14:creationId xmlns:p14="http://schemas.microsoft.com/office/powerpoint/2010/main" val="2549451877"/>
       </p:ext>
     </p:extLst>
   </p:cSld>
@@ -10799,7 +11984,25 @@
           <a:bodyPr/>
           <a:lstStyle/>
           <a:p>
-            <a:endParaRPr lang="en-US"/>
+            <a:r>
+              <a:rPr lang="en-US" dirty="0"/>
+              <a:t>No Vision</a:t>
+            </a:r>
+          </a:p>
+          <a:p>
+            <a:r>
+              <a:rPr lang="en-US" dirty="0"/>
+              <a:t>No Leadership or Bad Leadership</a:t>
+            </a:r>
+          </a:p>
+          <a:p>
+            <a:r>
+              <a:rPr lang="en-US" dirty="0"/>
+              <a:t>No Commitment</a:t>
+            </a:r>
+          </a:p>
+          <a:p>
+            <a:endParaRPr lang="en-US" dirty="0"/>
           </a:p>
         </p:txBody>
       </p:sp>
@@ -10939,7 +12142,7 @@
           <a:p>
             <a:r>
               <a:rPr lang="en-US" dirty="0"/>
-              <a:t>No Leadership</a:t>
+              <a:t>No Leadership or Bad Leadership</a:t>
             </a:r>
           </a:p>
         </p:txBody>
@@ -10962,12 +12165,15 @@
         </p:nvSpPr>
         <p:spPr/>
         <p:txBody>
-          <a:bodyPr/>
-          <a:lstStyle/>
-          <a:p>
+          <a:bodyPr anchor="ctr"/>
+          <a:lstStyle/>
+          <a:p>
+            <a:pPr marL="0" indent="0" algn="ctr">
+              <a:buNone/>
+            </a:pPr>
             <a:r>
               <a:rPr lang="en-US" dirty="0"/>
-              <a:t>Leadership without service</a:t>
+              <a:t>Power is only ever given</a:t>
             </a:r>
           </a:p>
         </p:txBody>
@@ -10975,7 +12181,7 @@
     </p:spTree>
     <p:extLst>
       <p:ext uri="{BB962C8B-B14F-4D97-AF65-F5344CB8AC3E}">
-        <p14:creationId xmlns:p14="http://schemas.microsoft.com/office/powerpoint/2010/main" val="2165813908"/>
+        <p14:creationId xmlns:p14="http://schemas.microsoft.com/office/powerpoint/2010/main" val="88608026"/>
       </p:ext>
     </p:extLst>
   </p:cSld>
@@ -11025,63 +12231,190 @@
           <a:p>
             <a:r>
               <a:rPr lang="en-US" dirty="0"/>
-              <a:t>No Leadership</a:t>
-            </a:r>
-          </a:p>
-        </p:txBody>
-      </p:sp>
-      <p:sp>
-        <p:nvSpPr>
-          <p:cNvPr id="3" name="Content Placeholder 2">
+              <a:t>No Leadership or Bad Leadership</a:t>
+            </a:r>
+          </a:p>
+        </p:txBody>
+      </p:sp>
+      <p:pic>
+        <p:nvPicPr>
+          <p:cNvPr id="4" name="Online Media 3" title="&quot;Official&quot; Worlds Fastest Gun Disarm, Black Belt Victor Marx (VM disarm)">
+            <a:hlinkClick r:id="" action="ppaction://media"/>
             <a:extLst>
               <a:ext uri="{FF2B5EF4-FFF2-40B4-BE49-F238E27FC236}">
-                <a16:creationId xmlns:a16="http://schemas.microsoft.com/office/drawing/2014/main" id="{DA1905AA-3677-43A9-BD73-9460B5DC329C}"/>
+                <a16:creationId xmlns:a16="http://schemas.microsoft.com/office/drawing/2014/main" id="{4F5B0EE5-9E0D-4762-8870-724BC78A3874}"/>
               </a:ext>
             </a:extLst>
           </p:cNvPr>
-          <p:cNvSpPr>
-            <a:spLocks noGrp="1"/>
-          </p:cNvSpPr>
+          <p:cNvPicPr>
+            <a:picLocks noGrp="1" noRot="1" noChangeAspect="1"/>
+          </p:cNvPicPr>
           <p:nvPr>
             <p:ph idx="1"/>
-          </p:nvPr>
-        </p:nvSpPr>
-        <p:spPr/>
-        <p:txBody>
-          <a:bodyPr/>
-          <a:lstStyle/>
-          <a:p>
-            <a:r>
-              <a:rPr lang="en-US" dirty="0"/>
-              <a:t>Abuse of power</a:t>
-            </a:r>
-          </a:p>
-          <a:p>
-            <a:pPr lvl="1"/>
-            <a:r>
-              <a:rPr lang="en-US" dirty="0"/>
-              <a:t>Forgetting that power is given</a:t>
-            </a:r>
-          </a:p>
-          <a:p>
-            <a:pPr lvl="1"/>
-            <a:r>
-              <a:rPr lang="en-US" dirty="0"/>
-              <a:t>Bringing expertise to an expertise fight</a:t>
-            </a:r>
-          </a:p>
-        </p:txBody>
-      </p:sp>
+            <a:videoFile r:link="rId1"/>
+          </p:nvPr>
+        </p:nvPicPr>
+        <p:blipFill>
+          <a:blip r:embed="rId4"/>
+          <a:stretch>
+            <a:fillRect/>
+          </a:stretch>
+        </p:blipFill>
+        <p:spPr>
+          <a:xfrm>
+            <a:off x="0" y="0"/>
+            <a:ext cx="12192000" cy="6888946"/>
+          </a:xfrm>
+          <a:prstGeom prst="rect">
+            <a:avLst/>
+          </a:prstGeom>
+        </p:spPr>
+      </p:pic>
     </p:spTree>
     <p:extLst>
       <p:ext uri="{BB962C8B-B14F-4D97-AF65-F5344CB8AC3E}">
-        <p14:creationId xmlns:p14="http://schemas.microsoft.com/office/powerpoint/2010/main" val="88608026"/>
+        <p14:creationId xmlns:p14="http://schemas.microsoft.com/office/powerpoint/2010/main" val="488408942"/>
       </p:ext>
     </p:extLst>
   </p:cSld>
   <p:clrMapOvr>
     <a:masterClrMapping/>
   </p:clrMapOvr>
+  <p:timing>
+    <p:tnLst>
+      <p:par>
+        <p:cTn id="1" dur="indefinite" restart="never" nodeType="tmRoot">
+          <p:childTnLst>
+            <p:seq concurrent="1" nextAc="seek">
+              <p:cTn id="2" dur="indefinite" nodeType="mainSeq">
+                <p:childTnLst>
+                  <p:par>
+                    <p:cTn id="3" fill="hold">
+                      <p:stCondLst>
+                        <p:cond delay="indefinite"/>
+                      </p:stCondLst>
+                      <p:childTnLst>
+                        <p:par>
+                          <p:cTn id="4" fill="hold">
+                            <p:stCondLst>
+                              <p:cond delay="0"/>
+                            </p:stCondLst>
+                            <p:childTnLst>
+                              <p:par>
+                                <p:cTn id="5" presetID="1" presetClass="mediacall" presetSubtype="0" fill="hold" nodeType="clickEffect">
+                                  <p:stCondLst>
+                                    <p:cond delay="0"/>
+                                  </p:stCondLst>
+                                  <p:childTnLst>
+                                    <p:cmd type="call" cmd="playFrom(0.0)">
+                                      <p:cBhvr>
+                                        <p:cTn id="6" dur="1" fill="hold"/>
+                                        <p:tgtEl>
+                                          <p:spTgt spid="4"/>
+                                        </p:tgtEl>
+                                      </p:cBhvr>
+                                    </p:cmd>
+                                  </p:childTnLst>
+                                </p:cTn>
+                              </p:par>
+                            </p:childTnLst>
+                          </p:cTn>
+                        </p:par>
+                      </p:childTnLst>
+                    </p:cTn>
+                  </p:par>
+                </p:childTnLst>
+              </p:cTn>
+              <p:prevCondLst>
+                <p:cond evt="onPrev" delay="0">
+                  <p:tgtEl>
+                    <p:sldTgt/>
+                  </p:tgtEl>
+                </p:cond>
+              </p:prevCondLst>
+              <p:nextCondLst>
+                <p:cond evt="onNext" delay="0">
+                  <p:tgtEl>
+                    <p:sldTgt/>
+                  </p:tgtEl>
+                </p:cond>
+              </p:nextCondLst>
+            </p:seq>
+            <p:video>
+              <p:cMediaNode vol="80000">
+                <p:cTn id="7" fill="hold" display="0">
+                  <p:stCondLst>
+                    <p:cond delay="indefinite"/>
+                  </p:stCondLst>
+                </p:cTn>
+                <p:tgtEl>
+                  <p:spTgt spid="4"/>
+                </p:tgtEl>
+              </p:cMediaNode>
+            </p:video>
+            <p:seq concurrent="1" nextAc="seek">
+              <p:cTn id="8" restart="whenNotActive" fill="hold" evtFilter="cancelBubble" nodeType="interactiveSeq">
+                <p:stCondLst>
+                  <p:cond evt="onClick" delay="0">
+                    <p:tgtEl>
+                      <p:spTgt spid="4"/>
+                    </p:tgtEl>
+                  </p:cond>
+                </p:stCondLst>
+                <p:endSync evt="end" delay="0">
+                  <p:rtn val="all"/>
+                </p:endSync>
+                <p:childTnLst>
+                  <p:par>
+                    <p:cTn id="9" fill="hold">
+                      <p:stCondLst>
+                        <p:cond delay="0"/>
+                      </p:stCondLst>
+                      <p:childTnLst>
+                        <p:par>
+                          <p:cTn id="10" fill="hold">
+                            <p:stCondLst>
+                              <p:cond delay="0"/>
+                            </p:stCondLst>
+                            <p:childTnLst>
+                              <p:par>
+                                <p:cTn id="11" presetID="2" presetClass="mediacall" presetSubtype="0" fill="hold" nodeType="clickEffect">
+                                  <p:stCondLst>
+                                    <p:cond delay="0"/>
+                                  </p:stCondLst>
+                                  <p:childTnLst>
+                                    <p:cmd type="call" cmd="togglePause">
+                                      <p:cBhvr>
+                                        <p:cTn id="12" dur="1" fill="hold"/>
+                                        <p:tgtEl>
+                                          <p:spTgt spid="4"/>
+                                        </p:tgtEl>
+                                      </p:cBhvr>
+                                    </p:cmd>
+                                  </p:childTnLst>
+                                </p:cTn>
+                              </p:par>
+                            </p:childTnLst>
+                          </p:cTn>
+                        </p:par>
+                      </p:childTnLst>
+                    </p:cTn>
+                  </p:par>
+                </p:childTnLst>
+              </p:cTn>
+              <p:nextCondLst>
+                <p:cond evt="onClick" delay="0">
+                  <p:tgtEl>
+                    <p:spTgt spid="4"/>
+                  </p:tgtEl>
+                </p:cond>
+              </p:nextCondLst>
+            </p:seq>
+          </p:childTnLst>
+        </p:cTn>
+      </p:par>
+    </p:tnLst>
+  </p:timing>
 </p:sld>
 </file>
 
@@ -11107,7 +12440,7 @@
           <p:cNvPr id="2" name="Title 1">
             <a:extLst>
               <a:ext uri="{FF2B5EF4-FFF2-40B4-BE49-F238E27FC236}">
-                <a16:creationId xmlns:a16="http://schemas.microsoft.com/office/drawing/2014/main" id="{B0BC4A47-C849-4C8B-B27B-C80B41636D96}"/>
+                <a16:creationId xmlns:a16="http://schemas.microsoft.com/office/drawing/2014/main" id="{30C1EE62-D29F-4329-A908-8C8E743CC0CC}"/>
               </a:ext>
             </a:extLst>
           </p:cNvPr>
@@ -11125,7 +12458,7 @@
           <a:p>
             <a:r>
               <a:rPr lang="en-US" dirty="0"/>
-              <a:t>No Commitment</a:t>
+              <a:t>No Leadership or Bad Leadership</a:t>
             </a:r>
           </a:p>
         </p:txBody>
@@ -11135,7 +12468,7 @@
           <p:cNvPr id="3" name="Content Placeholder 2">
             <a:extLst>
               <a:ext uri="{FF2B5EF4-FFF2-40B4-BE49-F238E27FC236}">
-                <a16:creationId xmlns:a16="http://schemas.microsoft.com/office/drawing/2014/main" id="{A7220E79-F373-46C9-9ACB-5799C58794E2}"/>
+                <a16:creationId xmlns:a16="http://schemas.microsoft.com/office/drawing/2014/main" id="{DA1905AA-3677-43A9-BD73-9460B5DC329C}"/>
               </a:ext>
             </a:extLst>
           </p:cNvPr>
@@ -11148,12 +12481,66 @@
         </p:nvSpPr>
         <p:spPr/>
         <p:txBody>
-          <a:bodyPr/>
-          <a:lstStyle/>
-          <a:p>
+          <a:bodyPr anchor="t"/>
+          <a:lstStyle/>
+          <a:p>
+            <a:pPr marL="514350" indent="-514350">
+              <a:buFont typeface="+mj-lt"/>
+              <a:buAutoNum type="arabicPeriod"/>
+            </a:pPr>
             <a:r>
               <a:rPr lang="en-US" dirty="0"/>
-              <a:t>Little Quits</a:t>
+              <a:t>Reward</a:t>
+            </a:r>
+          </a:p>
+          <a:p>
+            <a:pPr marL="514350" indent="-514350">
+              <a:buFont typeface="+mj-lt"/>
+              <a:buAutoNum type="arabicPeriod"/>
+            </a:pPr>
+            <a:r>
+              <a:rPr lang="en-US" dirty="0"/>
+              <a:t>Coercive</a:t>
+            </a:r>
+          </a:p>
+          <a:p>
+            <a:pPr marL="514350" indent="-514350">
+              <a:buFont typeface="+mj-lt"/>
+              <a:buAutoNum type="arabicPeriod"/>
+            </a:pPr>
+            <a:r>
+              <a:rPr lang="en-US" dirty="0"/>
+              <a:t>Given / Formal / Legitimate</a:t>
+            </a:r>
+          </a:p>
+          <a:p>
+            <a:pPr marL="514350" indent="-514350">
+              <a:buFont typeface="+mj-lt"/>
+              <a:buAutoNum type="arabicPeriod"/>
+            </a:pPr>
+            <a:r>
+              <a:rPr lang="en-US" dirty="0"/>
+              <a:t>Expert</a:t>
+            </a:r>
+          </a:p>
+          <a:p>
+            <a:pPr marL="514350" indent="-514350">
+              <a:buFont typeface="+mj-lt"/>
+              <a:buAutoNum type="arabicPeriod"/>
+            </a:pPr>
+            <a:r>
+              <a:rPr lang="en-US" dirty="0"/>
+              <a:t>Referent</a:t>
+            </a:r>
+          </a:p>
+          <a:p>
+            <a:pPr marL="514350" indent="-514350">
+              <a:buFont typeface="+mj-lt"/>
+              <a:buAutoNum type="arabicPeriod"/>
+            </a:pPr>
+            <a:r>
+              <a:rPr lang="en-US" dirty="0"/>
+              <a:t>* Informational</a:t>
             </a:r>
           </a:p>
         </p:txBody>
@@ -11161,7 +12548,7 @@
     </p:spTree>
     <p:extLst>
       <p:ext uri="{BB962C8B-B14F-4D97-AF65-F5344CB8AC3E}">
-        <p14:creationId xmlns:p14="http://schemas.microsoft.com/office/powerpoint/2010/main" val="2444472896"/>
+        <p14:creationId xmlns:p14="http://schemas.microsoft.com/office/powerpoint/2010/main" val="2996658119"/>
       </p:ext>
     </p:extLst>
   </p:cSld>
@@ -11323,7 +12710,7 @@
           <p:cNvPr id="2" name="Title 1">
             <a:extLst>
               <a:ext uri="{FF2B5EF4-FFF2-40B4-BE49-F238E27FC236}">
-                <a16:creationId xmlns:a16="http://schemas.microsoft.com/office/drawing/2014/main" id="{B0BC4A47-C849-4C8B-B27B-C80B41636D96}"/>
+                <a16:creationId xmlns:a16="http://schemas.microsoft.com/office/drawing/2014/main" id="{7FC93BC6-D5AE-4A04-A08C-0869BCF2FDF3}"/>
               </a:ext>
             </a:extLst>
           </p:cNvPr>
@@ -11341,7 +12728,7 @@
           <a:p>
             <a:r>
               <a:rPr lang="en-US" dirty="0"/>
-              <a:t>No Commitment</a:t>
+              <a:t>No Leadership or Bad Leadership</a:t>
             </a:r>
           </a:p>
         </p:txBody>
@@ -11351,7 +12738,7 @@
           <p:cNvPr id="3" name="Content Placeholder 2">
             <a:extLst>
               <a:ext uri="{FF2B5EF4-FFF2-40B4-BE49-F238E27FC236}">
-                <a16:creationId xmlns:a16="http://schemas.microsoft.com/office/drawing/2014/main" id="{A7220E79-F373-46C9-9ACB-5799C58794E2}"/>
+                <a16:creationId xmlns:a16="http://schemas.microsoft.com/office/drawing/2014/main" id="{6A9E95EC-37B8-408D-80E2-CABE516D756B}"/>
               </a:ext>
             </a:extLst>
           </p:cNvPr>
@@ -11367,17 +12754,61 @@
           <a:bodyPr/>
           <a:lstStyle/>
           <a:p>
-            <a:r>
-              <a:rPr lang="en-US" dirty="0"/>
-              <a:t>The Incentives that Bind Us</a:t>
-            </a:r>
-          </a:p>
-        </p:txBody>
-      </p:sp>
+            <a:endParaRPr lang="en-US"/>
+          </a:p>
+        </p:txBody>
+      </p:sp>
+      <p:pic>
+        <p:nvPicPr>
+          <p:cNvPr id="2050" name="Picture 2">
+            <a:extLst>
+              <a:ext uri="{FF2B5EF4-FFF2-40B4-BE49-F238E27FC236}">
+                <a16:creationId xmlns:a16="http://schemas.microsoft.com/office/drawing/2014/main" id="{32154284-FAD4-4FE4-8E91-0EC19A974A33}"/>
+              </a:ext>
+            </a:extLst>
+          </p:cNvPr>
+          <p:cNvPicPr>
+            <a:picLocks noChangeAspect="1" noChangeArrowheads="1"/>
+          </p:cNvPicPr>
+          <p:nvPr/>
+        </p:nvPicPr>
+        <p:blipFill>
+          <a:blip r:embed="rId3">
+            <a:extLst>
+              <a:ext uri="{28A0092B-C50C-407E-A947-70E740481C1C}">
+                <a14:useLocalDpi xmlns:a14="http://schemas.microsoft.com/office/drawing/2010/main" val="0"/>
+              </a:ext>
+            </a:extLst>
+          </a:blip>
+          <a:srcRect/>
+          <a:stretch>
+            <a:fillRect/>
+          </a:stretch>
+        </p:blipFill>
+        <p:spPr bwMode="auto">
+          <a:xfrm>
+            <a:off x="554182" y="0"/>
+            <a:ext cx="10515600" cy="6799926"/>
+          </a:xfrm>
+          <a:prstGeom prst="rect">
+            <a:avLst/>
+          </a:prstGeom>
+          <a:noFill/>
+          <a:extLst>
+            <a:ext uri="{909E8E84-426E-40DD-AFC4-6F175D3DCCD1}">
+              <a14:hiddenFill xmlns:a14="http://schemas.microsoft.com/office/drawing/2010/main">
+                <a:solidFill>
+                  <a:srgbClr val="FFFFFF"/>
+                </a:solidFill>
+              </a14:hiddenFill>
+            </a:ext>
+          </a:extLst>
+        </p:spPr>
+      </p:pic>
     </p:spTree>
     <p:extLst>
       <p:ext uri="{BB962C8B-B14F-4D97-AF65-F5344CB8AC3E}">
-        <p14:creationId xmlns:p14="http://schemas.microsoft.com/office/powerpoint/2010/main" val="3586345893"/>
+        <p14:creationId xmlns:p14="http://schemas.microsoft.com/office/powerpoint/2010/main" val="1254349907"/>
       </p:ext>
     </p:extLst>
   </p:cSld>
@@ -11409,7 +12840,7 @@
           <p:cNvPr id="2" name="Title 1">
             <a:extLst>
               <a:ext uri="{FF2B5EF4-FFF2-40B4-BE49-F238E27FC236}">
-                <a16:creationId xmlns:a16="http://schemas.microsoft.com/office/drawing/2014/main" id="{8F72B997-817F-45F5-9010-DEC6407DF21E}"/>
+                <a16:creationId xmlns:a16="http://schemas.microsoft.com/office/drawing/2014/main" id="{30C1EE62-D29F-4329-A908-8C8E743CC0CC}"/>
               </a:ext>
             </a:extLst>
           </p:cNvPr>
@@ -11427,7 +12858,7 @@
           <a:p>
             <a:r>
               <a:rPr lang="en-US" dirty="0"/>
-              <a:t>The Sustaining of Continuous Improvement</a:t>
+              <a:t>No Leadership or Bad Leadership</a:t>
             </a:r>
           </a:p>
         </p:txBody>
@@ -11437,7 +12868,7 @@
           <p:cNvPr id="3" name="Content Placeholder 2">
             <a:extLst>
               <a:ext uri="{FF2B5EF4-FFF2-40B4-BE49-F238E27FC236}">
-                <a16:creationId xmlns:a16="http://schemas.microsoft.com/office/drawing/2014/main" id="{02357D12-5517-4C60-A2A3-1A8E670CC96D}"/>
+                <a16:creationId xmlns:a16="http://schemas.microsoft.com/office/drawing/2014/main" id="{DA1905AA-3677-43A9-BD73-9460B5DC329C}"/>
               </a:ext>
             </a:extLst>
           </p:cNvPr>
@@ -11450,17 +12881,20 @@
         </p:nvSpPr>
         <p:spPr/>
         <p:txBody>
-          <a:bodyPr/>
-          <a:lstStyle/>
-          <a:p>
-            <a:endParaRPr lang="en-US"/>
+          <a:bodyPr anchor="ctr"/>
+          <a:lstStyle/>
+          <a:p>
+            <a:pPr marL="0" indent="0" algn="ctr">
+              <a:buNone/>
+            </a:pPr>
+            <a:endParaRPr lang="en-US" dirty="0"/>
           </a:p>
         </p:txBody>
       </p:sp>
     </p:spTree>
     <p:extLst>
       <p:ext uri="{BB962C8B-B14F-4D97-AF65-F5344CB8AC3E}">
-        <p14:creationId xmlns:p14="http://schemas.microsoft.com/office/powerpoint/2010/main" val="4029258476"/>
+        <p14:creationId xmlns:p14="http://schemas.microsoft.com/office/powerpoint/2010/main" val="2165813908"/>
       </p:ext>
     </p:extLst>
   </p:cSld>
@@ -11492,7 +12926,7 @@
           <p:cNvPr id="2" name="Title 1">
             <a:extLst>
               <a:ext uri="{FF2B5EF4-FFF2-40B4-BE49-F238E27FC236}">
-                <a16:creationId xmlns:a16="http://schemas.microsoft.com/office/drawing/2014/main" id="{62332D38-A18F-468B-96EF-CC64D1BEB640}"/>
+                <a16:creationId xmlns:a16="http://schemas.microsoft.com/office/drawing/2014/main" id="{B0BC4A47-C849-4C8B-B27B-C80B41636D96}"/>
               </a:ext>
             </a:extLst>
           </p:cNvPr>
@@ -11510,7 +12944,7 @@
           <a:p>
             <a:r>
               <a:rPr lang="en-US" dirty="0"/>
-              <a:t>Gently wielding the power entrusted to us</a:t>
+              <a:t>No Commitment</a:t>
             </a:r>
           </a:p>
         </p:txBody>
@@ -11520,7 +12954,7 @@
           <p:cNvPr id="3" name="Content Placeholder 2">
             <a:extLst>
               <a:ext uri="{FF2B5EF4-FFF2-40B4-BE49-F238E27FC236}">
-                <a16:creationId xmlns:a16="http://schemas.microsoft.com/office/drawing/2014/main" id="{123EFC7A-E9D0-4488-A03B-F4E255A92CAF}"/>
+                <a16:creationId xmlns:a16="http://schemas.microsoft.com/office/drawing/2014/main" id="{A7220E79-F373-46C9-9ACB-5799C58794E2}"/>
               </a:ext>
             </a:extLst>
           </p:cNvPr>
@@ -11536,14 +12970,17 @@
           <a:bodyPr/>
           <a:lstStyle/>
           <a:p>
-            <a:endParaRPr lang="en-US"/>
+            <a:r>
+              <a:rPr lang="en-US" dirty="0"/>
+              <a:t>Little Quits</a:t>
+            </a:r>
           </a:p>
         </p:txBody>
       </p:sp>
     </p:spTree>
     <p:extLst>
       <p:ext uri="{BB962C8B-B14F-4D97-AF65-F5344CB8AC3E}">
-        <p14:creationId xmlns:p14="http://schemas.microsoft.com/office/powerpoint/2010/main" val="70175331"/>
+        <p14:creationId xmlns:p14="http://schemas.microsoft.com/office/powerpoint/2010/main" val="2444472896"/>
       </p:ext>
     </p:extLst>
   </p:cSld>
@@ -11575,7 +13012,7 @@
           <p:cNvPr id="2" name="Title 1">
             <a:extLst>
               <a:ext uri="{FF2B5EF4-FFF2-40B4-BE49-F238E27FC236}">
-                <a16:creationId xmlns:a16="http://schemas.microsoft.com/office/drawing/2014/main" id="{F580BCA4-E198-4B19-93D4-418964B64B91}"/>
+                <a16:creationId xmlns:a16="http://schemas.microsoft.com/office/drawing/2014/main" id="{B0BC4A47-C849-4C8B-B27B-C80B41636D96}"/>
               </a:ext>
             </a:extLst>
           </p:cNvPr>
@@ -11593,15 +13030,7 @@
           <a:p>
             <a:r>
               <a:rPr lang="en-US" dirty="0"/>
-              <a:t>"</a:t>
-            </a:r>
-            <a:r>
-              <a:rPr lang="en-US" dirty="0" err="1"/>
-              <a:t>Drive"ing</a:t>
-            </a:r>
-            <a:r>
-              <a:rPr lang="en-US" dirty="0"/>
-              <a:t> results</a:t>
+              <a:t>No Commitment</a:t>
             </a:r>
           </a:p>
         </p:txBody>
@@ -11611,7 +13040,7 @@
           <p:cNvPr id="3" name="Content Placeholder 2">
             <a:extLst>
               <a:ext uri="{FF2B5EF4-FFF2-40B4-BE49-F238E27FC236}">
-                <a16:creationId xmlns:a16="http://schemas.microsoft.com/office/drawing/2014/main" id="{DA49432B-C2E3-48C1-96DE-B778188D43DC}"/>
+                <a16:creationId xmlns:a16="http://schemas.microsoft.com/office/drawing/2014/main" id="{A7220E79-F373-46C9-9ACB-5799C58794E2}"/>
               </a:ext>
             </a:extLst>
           </p:cNvPr>
@@ -11627,14 +13056,17 @@
           <a:bodyPr/>
           <a:lstStyle/>
           <a:p>
-            <a:endParaRPr lang="en-US"/>
+            <a:r>
+              <a:rPr lang="en-US" dirty="0"/>
+              <a:t>The Incentives that Bind Us</a:t>
+            </a:r>
           </a:p>
         </p:txBody>
       </p:sp>
     </p:spTree>
     <p:extLst>
       <p:ext uri="{BB962C8B-B14F-4D97-AF65-F5344CB8AC3E}">
-        <p14:creationId xmlns:p14="http://schemas.microsoft.com/office/powerpoint/2010/main" val="67912059"/>
+        <p14:creationId xmlns:p14="http://schemas.microsoft.com/office/powerpoint/2010/main" val="3586345893"/>
       </p:ext>
     </p:extLst>
   </p:cSld>
@@ -11666,7 +13098,7 @@
           <p:cNvPr id="2" name="Title 1">
             <a:extLst>
               <a:ext uri="{FF2B5EF4-FFF2-40B4-BE49-F238E27FC236}">
-                <a16:creationId xmlns:a16="http://schemas.microsoft.com/office/drawing/2014/main" id="{47416CB0-E44B-4B52-861C-80A13A2E598E}"/>
+                <a16:creationId xmlns:a16="http://schemas.microsoft.com/office/drawing/2014/main" id="{8F72B997-817F-45F5-9010-DEC6407DF21E}"/>
               </a:ext>
             </a:extLst>
           </p:cNvPr>
@@ -11684,7 +13116,7 @@
           <a:p>
             <a:r>
               <a:rPr lang="en-US" dirty="0"/>
-              <a:t>Jealously guarding hope</a:t>
+              <a:t>The Sustaining of Continuous Improvement</a:t>
             </a:r>
           </a:p>
         </p:txBody>
@@ -11694,7 +13126,7 @@
           <p:cNvPr id="3" name="Content Placeholder 2">
             <a:extLst>
               <a:ext uri="{FF2B5EF4-FFF2-40B4-BE49-F238E27FC236}">
-                <a16:creationId xmlns:a16="http://schemas.microsoft.com/office/drawing/2014/main" id="{F8B7C5E8-94F6-4A3F-A3FA-B78ACBC8A613}"/>
+                <a16:creationId xmlns:a16="http://schemas.microsoft.com/office/drawing/2014/main" id="{02357D12-5517-4C60-A2A3-1A8E670CC96D}"/>
               </a:ext>
             </a:extLst>
           </p:cNvPr>
@@ -11717,7 +13149,7 @@
     </p:spTree>
     <p:extLst>
       <p:ext uri="{BB962C8B-B14F-4D97-AF65-F5344CB8AC3E}">
-        <p14:creationId xmlns:p14="http://schemas.microsoft.com/office/powerpoint/2010/main" val="996669767"/>
+        <p14:creationId xmlns:p14="http://schemas.microsoft.com/office/powerpoint/2010/main" val="4029258476"/>
       </p:ext>
     </p:extLst>
   </p:cSld>
@@ -11749,7 +13181,7 @@
           <p:cNvPr id="2" name="Title 1">
             <a:extLst>
               <a:ext uri="{FF2B5EF4-FFF2-40B4-BE49-F238E27FC236}">
-                <a16:creationId xmlns:a16="http://schemas.microsoft.com/office/drawing/2014/main" id="{0A57EE75-E80A-44CA-8C6A-22ADEC1D2887}"/>
+                <a16:creationId xmlns:a16="http://schemas.microsoft.com/office/drawing/2014/main" id="{62332D38-A18F-468B-96EF-CC64D1BEB640}"/>
               </a:ext>
             </a:extLst>
           </p:cNvPr>
@@ -11767,7 +13199,7 @@
           <a:p>
             <a:r>
               <a:rPr lang="en-US" dirty="0"/>
-              <a:t>The Winning of the Race</a:t>
+              <a:t>Gently wielding the power entrusted to us</a:t>
             </a:r>
           </a:p>
         </p:txBody>
@@ -11777,7 +13209,7 @@
           <p:cNvPr id="3" name="Content Placeholder 2">
             <a:extLst>
               <a:ext uri="{FF2B5EF4-FFF2-40B4-BE49-F238E27FC236}">
-                <a16:creationId xmlns:a16="http://schemas.microsoft.com/office/drawing/2014/main" id="{D2D44ED5-8426-4577-A9FC-017937CA490B}"/>
+                <a16:creationId xmlns:a16="http://schemas.microsoft.com/office/drawing/2014/main" id="{123EFC7A-E9D0-4488-A03B-F4E255A92CAF}"/>
               </a:ext>
             </a:extLst>
           </p:cNvPr>
@@ -11800,7 +13232,7 @@
     </p:spTree>
     <p:extLst>
       <p:ext uri="{BB962C8B-B14F-4D97-AF65-F5344CB8AC3E}">
-        <p14:creationId xmlns:p14="http://schemas.microsoft.com/office/powerpoint/2010/main" val="636599258"/>
+        <p14:creationId xmlns:p14="http://schemas.microsoft.com/office/powerpoint/2010/main" val="70175331"/>
       </p:ext>
     </p:extLst>
   </p:cSld>
@@ -11832,7 +13264,7 @@
           <p:cNvPr id="2" name="Title 1">
             <a:extLst>
               <a:ext uri="{FF2B5EF4-FFF2-40B4-BE49-F238E27FC236}">
-                <a16:creationId xmlns:a16="http://schemas.microsoft.com/office/drawing/2014/main" id="{4ED4D8D2-C8FA-4DFC-9845-6E4DC5584F88}"/>
+                <a16:creationId xmlns:a16="http://schemas.microsoft.com/office/drawing/2014/main" id="{30C1EE62-D29F-4329-A908-8C8E743CC0CC}"/>
               </a:ext>
             </a:extLst>
           </p:cNvPr>
@@ -11850,7 +13282,7 @@
           <a:p>
             <a:r>
               <a:rPr lang="en-US" dirty="0"/>
-              <a:t>The race as marathon</a:t>
+              <a:t>No Leadership or Bad Leadership</a:t>
             </a:r>
           </a:p>
         </p:txBody>
@@ -11860,7 +13292,7 @@
           <p:cNvPr id="3" name="Content Placeholder 2">
             <a:extLst>
               <a:ext uri="{FF2B5EF4-FFF2-40B4-BE49-F238E27FC236}">
-                <a16:creationId xmlns:a16="http://schemas.microsoft.com/office/drawing/2014/main" id="{13EF36A2-356E-40CC-BDD1-DADF18D43EED}"/>
+                <a16:creationId xmlns:a16="http://schemas.microsoft.com/office/drawing/2014/main" id="{DA1905AA-3677-43A9-BD73-9460B5DC329C}"/>
               </a:ext>
             </a:extLst>
           </p:cNvPr>
@@ -11873,36 +13305,15 @@
         </p:nvSpPr>
         <p:spPr/>
         <p:txBody>
-          <a:bodyPr/>
-          <a:lstStyle/>
-          <a:p>
-            <a:pPr marL="514350" indent="-514350">
-              <a:buFont typeface="+mj-lt"/>
-              <a:buAutoNum type="arabicPeriod"/>
+          <a:bodyPr anchor="ctr"/>
+          <a:lstStyle/>
+          <a:p>
+            <a:pPr marL="0" indent="0" algn="ctr">
+              <a:buNone/>
             </a:pPr>
             <a:r>
               <a:rPr lang="en-US" dirty="0"/>
-              <a:t>Infinite game</a:t>
-            </a:r>
-          </a:p>
-          <a:p>
-            <a:pPr marL="514350" indent="-514350">
-              <a:buFont typeface="+mj-lt"/>
-              <a:buAutoNum type="arabicPeriod"/>
-            </a:pPr>
-            <a:r>
-              <a:rPr lang="en-US" dirty="0"/>
-              <a:t>Insist on commitment</a:t>
-            </a:r>
-          </a:p>
-          <a:p>
-            <a:pPr marL="514350" indent="-514350">
-              <a:buFont typeface="+mj-lt"/>
-              <a:buAutoNum type="arabicPeriod"/>
-            </a:pPr>
-            <a:r>
-              <a:rPr lang="en-US" dirty="0"/>
-              <a:t>Be agile like tortoise</a:t>
+              <a:t>“The best test, and difficult to administer, is: Do those served grow as persons? Do they, while being served, become healthier, wiser, freer, more autonomous, more likely themselves to become servants? And, what is the effect on the least privileged in society; will they benefit, or, at least, not be further deprived?”</a:t>
             </a:r>
           </a:p>
         </p:txBody>
@@ -11910,7 +13321,7 @@
     </p:spTree>
     <p:extLst>
       <p:ext uri="{BB962C8B-B14F-4D97-AF65-F5344CB8AC3E}">
-        <p14:creationId xmlns:p14="http://schemas.microsoft.com/office/powerpoint/2010/main" val="3751012982"/>
+        <p14:creationId xmlns:p14="http://schemas.microsoft.com/office/powerpoint/2010/main" val="1851193726"/>
       </p:ext>
     </p:extLst>
   </p:cSld>
@@ -11942,7 +13353,7 @@
           <p:cNvPr id="2" name="Title 1">
             <a:extLst>
               <a:ext uri="{FF2B5EF4-FFF2-40B4-BE49-F238E27FC236}">
-                <a16:creationId xmlns:a16="http://schemas.microsoft.com/office/drawing/2014/main" id="{23DDD5C5-6798-4152-BFA8-A232CF38EDFA}"/>
+                <a16:creationId xmlns:a16="http://schemas.microsoft.com/office/drawing/2014/main" id="{F580BCA4-E198-4B19-93D4-418964B64B91}"/>
               </a:ext>
             </a:extLst>
           </p:cNvPr>
@@ -11960,7 +13371,15 @@
           <a:p>
             <a:r>
               <a:rPr lang="en-US" dirty="0"/>
-              <a:t>The Race as Life</a:t>
+              <a:t>"</a:t>
+            </a:r>
+            <a:r>
+              <a:rPr lang="en-US" dirty="0" err="1"/>
+              <a:t>Drive"ing</a:t>
+            </a:r>
+            <a:r>
+              <a:rPr lang="en-US" dirty="0"/>
+              <a:t> results</a:t>
             </a:r>
           </a:p>
         </p:txBody>
@@ -11970,7 +13389,7 @@
           <p:cNvPr id="3" name="Content Placeholder 2">
             <a:extLst>
               <a:ext uri="{FF2B5EF4-FFF2-40B4-BE49-F238E27FC236}">
-                <a16:creationId xmlns:a16="http://schemas.microsoft.com/office/drawing/2014/main" id="{FAFA1990-5C5F-4BE0-8836-98D259FD8BC1}"/>
+                <a16:creationId xmlns:a16="http://schemas.microsoft.com/office/drawing/2014/main" id="{DA49432B-C2E3-48C1-96DE-B778188D43DC}"/>
               </a:ext>
             </a:extLst>
           </p:cNvPr>
@@ -11986,23 +13405,14 @@
           <a:bodyPr/>
           <a:lstStyle/>
           <a:p>
-            <a:r>
-              <a:rPr lang="en-US" dirty="0"/>
-              <a:t>Honor what is ending</a:t>
-            </a:r>
-          </a:p>
-          <a:p>
-            <a:r>
-              <a:rPr lang="en-US" dirty="0"/>
-              <a:t>Nurture what is emerging</a:t>
-            </a:r>
+            <a:endParaRPr lang="en-US"/>
           </a:p>
         </p:txBody>
       </p:sp>
     </p:spTree>
     <p:extLst>
       <p:ext uri="{BB962C8B-B14F-4D97-AF65-F5344CB8AC3E}">
-        <p14:creationId xmlns:p14="http://schemas.microsoft.com/office/powerpoint/2010/main" val="3527141092"/>
+        <p14:creationId xmlns:p14="http://schemas.microsoft.com/office/powerpoint/2010/main" val="67912059"/>
       </p:ext>
     </p:extLst>
   </p:cSld>
@@ -12034,7 +13444,7 @@
           <p:cNvPr id="2" name="Title 1">
             <a:extLst>
               <a:ext uri="{FF2B5EF4-FFF2-40B4-BE49-F238E27FC236}">
-                <a16:creationId xmlns:a16="http://schemas.microsoft.com/office/drawing/2014/main" id="{96302A04-13CC-4768-AFD0-10582FF6E27A}"/>
+                <a16:creationId xmlns:a16="http://schemas.microsoft.com/office/drawing/2014/main" id="{47416CB0-E44B-4B52-861C-80A13A2E598E}"/>
               </a:ext>
             </a:extLst>
           </p:cNvPr>
@@ -12052,7 +13462,7 @@
           <a:p>
             <a:r>
               <a:rPr lang="en-US" dirty="0"/>
-              <a:t>The race we're running (at BOKF)</a:t>
+              <a:t>Jealously guarding hope</a:t>
             </a:r>
           </a:p>
         </p:txBody>
@@ -12062,7 +13472,7 @@
           <p:cNvPr id="3" name="Content Placeholder 2">
             <a:extLst>
               <a:ext uri="{FF2B5EF4-FFF2-40B4-BE49-F238E27FC236}">
-                <a16:creationId xmlns:a16="http://schemas.microsoft.com/office/drawing/2014/main" id="{7476D450-E93F-4C96-A908-186048B4C693}"/>
+                <a16:creationId xmlns:a16="http://schemas.microsoft.com/office/drawing/2014/main" id="{F8B7C5E8-94F6-4A3F-A3FA-B78ACBC8A613}"/>
               </a:ext>
             </a:extLst>
           </p:cNvPr>
@@ -12078,23 +13488,14 @@
           <a:bodyPr/>
           <a:lstStyle/>
           <a:p>
-            <a:r>
-              <a:rPr lang="en-US" dirty="0"/>
-              <a:t>We’re playing the game we want</a:t>
-            </a:r>
-          </a:p>
-          <a:p>
-            <a:r>
-              <a:rPr lang="en-US" dirty="0"/>
-              <a:t>We’re winning</a:t>
-            </a:r>
+            <a:endParaRPr lang="en-US"/>
           </a:p>
         </p:txBody>
       </p:sp>
     </p:spTree>
     <p:extLst>
       <p:ext uri="{BB962C8B-B14F-4D97-AF65-F5344CB8AC3E}">
-        <p14:creationId xmlns:p14="http://schemas.microsoft.com/office/powerpoint/2010/main" val="2771060602"/>
+        <p14:creationId xmlns:p14="http://schemas.microsoft.com/office/powerpoint/2010/main" val="996669767"/>
       </p:ext>
     </p:extLst>
   </p:cSld>
@@ -12126,7 +13527,7 @@
           <p:cNvPr id="2" name="Title 1">
             <a:extLst>
               <a:ext uri="{FF2B5EF4-FFF2-40B4-BE49-F238E27FC236}">
-                <a16:creationId xmlns:a16="http://schemas.microsoft.com/office/drawing/2014/main" id="{D4EBF7CE-CE54-4B0A-A4F3-F18CEBD3D0C6}"/>
+                <a16:creationId xmlns:a16="http://schemas.microsoft.com/office/drawing/2014/main" id="{0A57EE75-E80A-44CA-8C6A-22ADEC1D2887}"/>
               </a:ext>
             </a:extLst>
           </p:cNvPr>
@@ -12144,7 +13545,7 @@
           <a:p>
             <a:r>
               <a:rPr lang="en-US" dirty="0"/>
-              <a:t>Thank you</a:t>
+              <a:t>The Winning of the Race</a:t>
             </a:r>
           </a:p>
         </p:txBody>
@@ -12154,7 +13555,7 @@
           <p:cNvPr id="3" name="Content Placeholder 2">
             <a:extLst>
               <a:ext uri="{FF2B5EF4-FFF2-40B4-BE49-F238E27FC236}">
-                <a16:creationId xmlns:a16="http://schemas.microsoft.com/office/drawing/2014/main" id="{B2C3C84A-E8AD-4353-8EA9-DD3ADEC627AF}"/>
+                <a16:creationId xmlns:a16="http://schemas.microsoft.com/office/drawing/2014/main" id="{D2D44ED5-8426-4577-A9FC-017937CA490B}"/>
               </a:ext>
             </a:extLst>
           </p:cNvPr>
@@ -12177,7 +13578,7 @@
     </p:spTree>
     <p:extLst>
       <p:ext uri="{BB962C8B-B14F-4D97-AF65-F5344CB8AC3E}">
-        <p14:creationId xmlns:p14="http://schemas.microsoft.com/office/powerpoint/2010/main" val="485086875"/>
+        <p14:creationId xmlns:p14="http://schemas.microsoft.com/office/powerpoint/2010/main" val="636599258"/>
       </p:ext>
     </p:extLst>
   </p:cSld>
@@ -12318,6 +13719,383 @@
 </file>
 
 <file path=ppt/slides/slide30.xml><?xml version="1.0" encoding="utf-8"?>
+<p:sld xmlns:a="http://schemas.openxmlformats.org/drawingml/2006/main" xmlns:r="http://schemas.openxmlformats.org/officeDocument/2006/relationships" xmlns:p="http://schemas.openxmlformats.org/presentationml/2006/main">
+  <p:cSld>
+    <p:spTree>
+      <p:nvGrpSpPr>
+        <p:cNvPr id="1" name=""/>
+        <p:cNvGrpSpPr/>
+        <p:nvPr/>
+      </p:nvGrpSpPr>
+      <p:grpSpPr>
+        <a:xfrm>
+          <a:off x="0" y="0"/>
+          <a:ext cx="0" cy="0"/>
+          <a:chOff x="0" y="0"/>
+          <a:chExt cx="0" cy="0"/>
+        </a:xfrm>
+      </p:grpSpPr>
+      <p:sp>
+        <p:nvSpPr>
+          <p:cNvPr id="2" name="Title 1">
+            <a:extLst>
+              <a:ext uri="{FF2B5EF4-FFF2-40B4-BE49-F238E27FC236}">
+                <a16:creationId xmlns:a16="http://schemas.microsoft.com/office/drawing/2014/main" id="{4ED4D8D2-C8FA-4DFC-9845-6E4DC5584F88}"/>
+              </a:ext>
+            </a:extLst>
+          </p:cNvPr>
+          <p:cNvSpPr>
+            <a:spLocks noGrp="1"/>
+          </p:cNvSpPr>
+          <p:nvPr>
+            <p:ph type="title"/>
+          </p:nvPr>
+        </p:nvSpPr>
+        <p:spPr/>
+        <p:txBody>
+          <a:bodyPr/>
+          <a:lstStyle/>
+          <a:p>
+            <a:r>
+              <a:rPr lang="en-US" dirty="0"/>
+              <a:t>The race as marathon</a:t>
+            </a:r>
+          </a:p>
+        </p:txBody>
+      </p:sp>
+      <p:sp>
+        <p:nvSpPr>
+          <p:cNvPr id="3" name="Content Placeholder 2">
+            <a:extLst>
+              <a:ext uri="{FF2B5EF4-FFF2-40B4-BE49-F238E27FC236}">
+                <a16:creationId xmlns:a16="http://schemas.microsoft.com/office/drawing/2014/main" id="{13EF36A2-356E-40CC-BDD1-DADF18D43EED}"/>
+              </a:ext>
+            </a:extLst>
+          </p:cNvPr>
+          <p:cNvSpPr>
+            <a:spLocks noGrp="1"/>
+          </p:cNvSpPr>
+          <p:nvPr>
+            <p:ph idx="1"/>
+          </p:nvPr>
+        </p:nvSpPr>
+        <p:spPr/>
+        <p:txBody>
+          <a:bodyPr/>
+          <a:lstStyle/>
+          <a:p>
+            <a:pPr marL="514350" indent="-514350">
+              <a:buFont typeface="+mj-lt"/>
+              <a:buAutoNum type="arabicPeriod"/>
+            </a:pPr>
+            <a:r>
+              <a:rPr lang="en-US" dirty="0"/>
+              <a:t>Infinite game</a:t>
+            </a:r>
+          </a:p>
+          <a:p>
+            <a:pPr marL="514350" indent="-514350">
+              <a:buFont typeface="+mj-lt"/>
+              <a:buAutoNum type="arabicPeriod"/>
+            </a:pPr>
+            <a:r>
+              <a:rPr lang="en-US" dirty="0"/>
+              <a:t>Insist on commitment</a:t>
+            </a:r>
+          </a:p>
+          <a:p>
+            <a:pPr marL="514350" indent="-514350">
+              <a:buFont typeface="+mj-lt"/>
+              <a:buAutoNum type="arabicPeriod"/>
+            </a:pPr>
+            <a:r>
+              <a:rPr lang="en-US" dirty="0"/>
+              <a:t>Be agile like tortoise</a:t>
+            </a:r>
+          </a:p>
+        </p:txBody>
+      </p:sp>
+    </p:spTree>
+    <p:extLst>
+      <p:ext uri="{BB962C8B-B14F-4D97-AF65-F5344CB8AC3E}">
+        <p14:creationId xmlns:p14="http://schemas.microsoft.com/office/powerpoint/2010/main" val="3751012982"/>
+      </p:ext>
+    </p:extLst>
+  </p:cSld>
+  <p:clrMapOvr>
+    <a:masterClrMapping/>
+  </p:clrMapOvr>
+</p:sld>
+</file>
+
+<file path=ppt/slides/slide31.xml><?xml version="1.0" encoding="utf-8"?>
+<p:sld xmlns:a="http://schemas.openxmlformats.org/drawingml/2006/main" xmlns:r="http://schemas.openxmlformats.org/officeDocument/2006/relationships" xmlns:p="http://schemas.openxmlformats.org/presentationml/2006/main">
+  <p:cSld>
+    <p:spTree>
+      <p:nvGrpSpPr>
+        <p:cNvPr id="1" name=""/>
+        <p:cNvGrpSpPr/>
+        <p:nvPr/>
+      </p:nvGrpSpPr>
+      <p:grpSpPr>
+        <a:xfrm>
+          <a:off x="0" y="0"/>
+          <a:ext cx="0" cy="0"/>
+          <a:chOff x="0" y="0"/>
+          <a:chExt cx="0" cy="0"/>
+        </a:xfrm>
+      </p:grpSpPr>
+      <p:sp>
+        <p:nvSpPr>
+          <p:cNvPr id="2" name="Title 1">
+            <a:extLst>
+              <a:ext uri="{FF2B5EF4-FFF2-40B4-BE49-F238E27FC236}">
+                <a16:creationId xmlns:a16="http://schemas.microsoft.com/office/drawing/2014/main" id="{23DDD5C5-6798-4152-BFA8-A232CF38EDFA}"/>
+              </a:ext>
+            </a:extLst>
+          </p:cNvPr>
+          <p:cNvSpPr>
+            <a:spLocks noGrp="1"/>
+          </p:cNvSpPr>
+          <p:nvPr>
+            <p:ph type="title"/>
+          </p:nvPr>
+        </p:nvSpPr>
+        <p:spPr/>
+        <p:txBody>
+          <a:bodyPr/>
+          <a:lstStyle/>
+          <a:p>
+            <a:r>
+              <a:rPr lang="en-US" dirty="0"/>
+              <a:t>The Race as Life</a:t>
+            </a:r>
+          </a:p>
+        </p:txBody>
+      </p:sp>
+      <p:sp>
+        <p:nvSpPr>
+          <p:cNvPr id="3" name="Content Placeholder 2">
+            <a:extLst>
+              <a:ext uri="{FF2B5EF4-FFF2-40B4-BE49-F238E27FC236}">
+                <a16:creationId xmlns:a16="http://schemas.microsoft.com/office/drawing/2014/main" id="{FAFA1990-5C5F-4BE0-8836-98D259FD8BC1}"/>
+              </a:ext>
+            </a:extLst>
+          </p:cNvPr>
+          <p:cNvSpPr>
+            <a:spLocks noGrp="1"/>
+          </p:cNvSpPr>
+          <p:nvPr>
+            <p:ph idx="1"/>
+          </p:nvPr>
+        </p:nvSpPr>
+        <p:spPr/>
+        <p:txBody>
+          <a:bodyPr/>
+          <a:lstStyle/>
+          <a:p>
+            <a:r>
+              <a:rPr lang="en-US" dirty="0"/>
+              <a:t>Honor what is ending</a:t>
+            </a:r>
+          </a:p>
+          <a:p>
+            <a:r>
+              <a:rPr lang="en-US" dirty="0"/>
+              <a:t>Nurture what is emerging</a:t>
+            </a:r>
+          </a:p>
+        </p:txBody>
+      </p:sp>
+    </p:spTree>
+    <p:extLst>
+      <p:ext uri="{BB962C8B-B14F-4D97-AF65-F5344CB8AC3E}">
+        <p14:creationId xmlns:p14="http://schemas.microsoft.com/office/powerpoint/2010/main" val="3527141092"/>
+      </p:ext>
+    </p:extLst>
+  </p:cSld>
+  <p:clrMapOvr>
+    <a:masterClrMapping/>
+  </p:clrMapOvr>
+</p:sld>
+</file>
+
+<file path=ppt/slides/slide32.xml><?xml version="1.0" encoding="utf-8"?>
+<p:sld xmlns:a="http://schemas.openxmlformats.org/drawingml/2006/main" xmlns:r="http://schemas.openxmlformats.org/officeDocument/2006/relationships" xmlns:p="http://schemas.openxmlformats.org/presentationml/2006/main">
+  <p:cSld>
+    <p:spTree>
+      <p:nvGrpSpPr>
+        <p:cNvPr id="1" name=""/>
+        <p:cNvGrpSpPr/>
+        <p:nvPr/>
+      </p:nvGrpSpPr>
+      <p:grpSpPr>
+        <a:xfrm>
+          <a:off x="0" y="0"/>
+          <a:ext cx="0" cy="0"/>
+          <a:chOff x="0" y="0"/>
+          <a:chExt cx="0" cy="0"/>
+        </a:xfrm>
+      </p:grpSpPr>
+      <p:sp>
+        <p:nvSpPr>
+          <p:cNvPr id="2" name="Title 1">
+            <a:extLst>
+              <a:ext uri="{FF2B5EF4-FFF2-40B4-BE49-F238E27FC236}">
+                <a16:creationId xmlns:a16="http://schemas.microsoft.com/office/drawing/2014/main" id="{96302A04-13CC-4768-AFD0-10582FF6E27A}"/>
+              </a:ext>
+            </a:extLst>
+          </p:cNvPr>
+          <p:cNvSpPr>
+            <a:spLocks noGrp="1"/>
+          </p:cNvSpPr>
+          <p:nvPr>
+            <p:ph type="title"/>
+          </p:nvPr>
+        </p:nvSpPr>
+        <p:spPr/>
+        <p:txBody>
+          <a:bodyPr/>
+          <a:lstStyle/>
+          <a:p>
+            <a:r>
+              <a:rPr lang="en-US" dirty="0"/>
+              <a:t>The race we're running (at BOKF)</a:t>
+            </a:r>
+          </a:p>
+        </p:txBody>
+      </p:sp>
+      <p:sp>
+        <p:nvSpPr>
+          <p:cNvPr id="3" name="Content Placeholder 2">
+            <a:extLst>
+              <a:ext uri="{FF2B5EF4-FFF2-40B4-BE49-F238E27FC236}">
+                <a16:creationId xmlns:a16="http://schemas.microsoft.com/office/drawing/2014/main" id="{7476D450-E93F-4C96-A908-186048B4C693}"/>
+              </a:ext>
+            </a:extLst>
+          </p:cNvPr>
+          <p:cNvSpPr>
+            <a:spLocks noGrp="1"/>
+          </p:cNvSpPr>
+          <p:nvPr>
+            <p:ph idx="1"/>
+          </p:nvPr>
+        </p:nvSpPr>
+        <p:spPr/>
+        <p:txBody>
+          <a:bodyPr/>
+          <a:lstStyle/>
+          <a:p>
+            <a:r>
+              <a:rPr lang="en-US" dirty="0"/>
+              <a:t>We’re playing the game we want</a:t>
+            </a:r>
+          </a:p>
+          <a:p>
+            <a:r>
+              <a:rPr lang="en-US" dirty="0"/>
+              <a:t>We’re winning</a:t>
+            </a:r>
+          </a:p>
+        </p:txBody>
+      </p:sp>
+    </p:spTree>
+    <p:extLst>
+      <p:ext uri="{BB962C8B-B14F-4D97-AF65-F5344CB8AC3E}">
+        <p14:creationId xmlns:p14="http://schemas.microsoft.com/office/powerpoint/2010/main" val="2771060602"/>
+      </p:ext>
+    </p:extLst>
+  </p:cSld>
+  <p:clrMapOvr>
+    <a:masterClrMapping/>
+  </p:clrMapOvr>
+</p:sld>
+</file>
+
+<file path=ppt/slides/slide33.xml><?xml version="1.0" encoding="utf-8"?>
+<p:sld xmlns:a="http://schemas.openxmlformats.org/drawingml/2006/main" xmlns:r="http://schemas.openxmlformats.org/officeDocument/2006/relationships" xmlns:p="http://schemas.openxmlformats.org/presentationml/2006/main">
+  <p:cSld>
+    <p:spTree>
+      <p:nvGrpSpPr>
+        <p:cNvPr id="1" name=""/>
+        <p:cNvGrpSpPr/>
+        <p:nvPr/>
+      </p:nvGrpSpPr>
+      <p:grpSpPr>
+        <a:xfrm>
+          <a:off x="0" y="0"/>
+          <a:ext cx="0" cy="0"/>
+          <a:chOff x="0" y="0"/>
+          <a:chExt cx="0" cy="0"/>
+        </a:xfrm>
+      </p:grpSpPr>
+      <p:sp>
+        <p:nvSpPr>
+          <p:cNvPr id="2" name="Title 1">
+            <a:extLst>
+              <a:ext uri="{FF2B5EF4-FFF2-40B4-BE49-F238E27FC236}">
+                <a16:creationId xmlns:a16="http://schemas.microsoft.com/office/drawing/2014/main" id="{D4EBF7CE-CE54-4B0A-A4F3-F18CEBD3D0C6}"/>
+              </a:ext>
+            </a:extLst>
+          </p:cNvPr>
+          <p:cNvSpPr>
+            <a:spLocks noGrp="1"/>
+          </p:cNvSpPr>
+          <p:nvPr>
+            <p:ph type="title"/>
+          </p:nvPr>
+        </p:nvSpPr>
+        <p:spPr/>
+        <p:txBody>
+          <a:bodyPr/>
+          <a:lstStyle/>
+          <a:p>
+            <a:r>
+              <a:rPr lang="en-US" dirty="0"/>
+              <a:t>Thank you</a:t>
+            </a:r>
+          </a:p>
+        </p:txBody>
+      </p:sp>
+      <p:sp>
+        <p:nvSpPr>
+          <p:cNvPr id="3" name="Content Placeholder 2">
+            <a:extLst>
+              <a:ext uri="{FF2B5EF4-FFF2-40B4-BE49-F238E27FC236}">
+                <a16:creationId xmlns:a16="http://schemas.microsoft.com/office/drawing/2014/main" id="{B2C3C84A-E8AD-4353-8EA9-DD3ADEC627AF}"/>
+              </a:ext>
+            </a:extLst>
+          </p:cNvPr>
+          <p:cNvSpPr>
+            <a:spLocks noGrp="1"/>
+          </p:cNvSpPr>
+          <p:nvPr>
+            <p:ph idx="1"/>
+          </p:nvPr>
+        </p:nvSpPr>
+        <p:spPr/>
+        <p:txBody>
+          <a:bodyPr/>
+          <a:lstStyle/>
+          <a:p>
+            <a:endParaRPr lang="en-US"/>
+          </a:p>
+        </p:txBody>
+      </p:sp>
+    </p:spTree>
+    <p:extLst>
+      <p:ext uri="{BB962C8B-B14F-4D97-AF65-F5344CB8AC3E}">
+        <p14:creationId xmlns:p14="http://schemas.microsoft.com/office/powerpoint/2010/main" val="485086875"/>
+      </p:ext>
+    </p:extLst>
+  </p:cSld>
+  <p:clrMapOvr>
+    <a:masterClrMapping/>
+  </p:clrMapOvr>
+</p:sld>
+</file>
+
+<file path=ppt/slides/slide34.xml><?xml version="1.0" encoding="utf-8"?>
 <p:sld xmlns:a="http://schemas.openxmlformats.org/drawingml/2006/main" xmlns:r="http://schemas.openxmlformats.org/officeDocument/2006/relationships" xmlns:p="http://schemas.openxmlformats.org/presentationml/2006/main">
   <p:cSld>
     <p:spTree>

--- a/tortoise-and-hare/tortoise-and-hare.pptx
+++ b/tortoise-and-hare/tortoise-and-hare.pptx
@@ -32,8 +32,8 @@
     <p:sldId id="273" r:id="rId23"/>
     <p:sldId id="274" r:id="rId24"/>
     <p:sldId id="277" r:id="rId25"/>
-    <p:sldId id="278" r:id="rId26"/>
-    <p:sldId id="291" r:id="rId27"/>
+    <p:sldId id="291" r:id="rId26"/>
+    <p:sldId id="278" r:id="rId27"/>
     <p:sldId id="279" r:id="rId28"/>
     <p:sldId id="280" r:id="rId29"/>
     <p:sldId id="281" r:id="rId30"/>
@@ -151,7 +151,6 @@
 <file path=ppt/revisionInfo.xml><?xml version="1.0" encoding="utf-8"?>
 <p1510:revInfo xmlns:a="http://schemas.openxmlformats.org/drawingml/2006/main" xmlns:r="http://schemas.openxmlformats.org/officeDocument/2006/relationships" xmlns:p1510="http://schemas.microsoft.com/office/powerpoint/2015/10/main">
   <p1510:revLst>
-    <p1510:client id="{0161F929-ADA8-4ED7-B188-5FA59EAD01EE}" v="23" dt="2021-11-07T01:56:03.440"/>
     <p1510:client id="{D25FF412-11E0-423E-8BD3-DB885E5F48F4}" v="26" dt="2021-11-08T01:24:02.210"/>
   </p1510:revLst>
 </p1510:revInfo>
@@ -738,7 +737,7 @@
   <pc:docChgLst>
     <pc:chgData name="Jason Knight" userId="03bbb8e5a6d6338b" providerId="LiveId" clId="{D25FF412-11E0-423E-8BD3-DB885E5F48F4}"/>
     <pc:docChg chg="undo custSel addSld delSld modSld sldOrd">
-      <pc:chgData name="Jason Knight" userId="03bbb8e5a6d6338b" providerId="LiveId" clId="{D25FF412-11E0-423E-8BD3-DB885E5F48F4}" dt="2021-11-08T01:34:31.077" v="6308" actId="20577"/>
+      <pc:chgData name="Jason Knight" userId="03bbb8e5a6d6338b" providerId="LiveId" clId="{D25FF412-11E0-423E-8BD3-DB885E5F48F4}" dt="2021-11-08T02:10:52.838" v="8259" actId="20577"/>
       <pc:docMkLst>
         <pc:docMk/>
       </pc:docMkLst>
@@ -1044,6 +1043,78 @@
           </ac:spMkLst>
         </pc:spChg>
       </pc:sldChg>
+      <pc:sldChg chg="modNotesTx">
+        <pc:chgData name="Jason Knight" userId="03bbb8e5a6d6338b" providerId="LiveId" clId="{D25FF412-11E0-423E-8BD3-DB885E5F48F4}" dt="2021-11-08T01:48:37.077" v="6460" actId="20577"/>
+        <pc:sldMkLst>
+          <pc:docMk/>
+          <pc:sldMk cId="4029258476" sldId="277"/>
+        </pc:sldMkLst>
+      </pc:sldChg>
+      <pc:sldChg chg="ord modNotesTx">
+        <pc:chgData name="Jason Knight" userId="03bbb8e5a6d6338b" providerId="LiveId" clId="{D25FF412-11E0-423E-8BD3-DB885E5F48F4}" dt="2021-11-08T01:52:24.196" v="6705" actId="6549"/>
+        <pc:sldMkLst>
+          <pc:docMk/>
+          <pc:sldMk cId="70175331" sldId="278"/>
+        </pc:sldMkLst>
+      </pc:sldChg>
+      <pc:sldChg chg="modSp mod modNotesTx">
+        <pc:chgData name="Jason Knight" userId="03bbb8e5a6d6338b" providerId="LiveId" clId="{D25FF412-11E0-423E-8BD3-DB885E5F48F4}" dt="2021-11-08T01:56:13.520" v="6960" actId="20577"/>
+        <pc:sldMkLst>
+          <pc:docMk/>
+          <pc:sldMk cId="67912059" sldId="279"/>
+        </pc:sldMkLst>
+        <pc:spChg chg="mod">
+          <ac:chgData name="Jason Knight" userId="03bbb8e5a6d6338b" providerId="LiveId" clId="{D25FF412-11E0-423E-8BD3-DB885E5F48F4}" dt="2021-11-08T01:53:08.964" v="6713" actId="20577"/>
+          <ac:spMkLst>
+            <pc:docMk/>
+            <pc:sldMk cId="67912059" sldId="279"/>
+            <ac:spMk id="3" creationId="{DA49432B-C2E3-48C1-96DE-B778188D43DC}"/>
+          </ac:spMkLst>
+        </pc:spChg>
+      </pc:sldChg>
+      <pc:sldChg chg="modNotesTx">
+        <pc:chgData name="Jason Knight" userId="03bbb8e5a6d6338b" providerId="LiveId" clId="{D25FF412-11E0-423E-8BD3-DB885E5F48F4}" dt="2021-11-08T01:58:38.643" v="7290" actId="20577"/>
+        <pc:sldMkLst>
+          <pc:docMk/>
+          <pc:sldMk cId="996669767" sldId="280"/>
+        </pc:sldMkLst>
+      </pc:sldChg>
+      <pc:sldChg chg="modNotesTx">
+        <pc:chgData name="Jason Knight" userId="03bbb8e5a6d6338b" providerId="LiveId" clId="{D25FF412-11E0-423E-8BD3-DB885E5F48F4}" dt="2021-11-08T02:00:32.079" v="7540" actId="20577"/>
+        <pc:sldMkLst>
+          <pc:docMk/>
+          <pc:sldMk cId="636599258" sldId="281"/>
+        </pc:sldMkLst>
+      </pc:sldChg>
+      <pc:sldChg chg="modNotesTx">
+        <pc:chgData name="Jason Knight" userId="03bbb8e5a6d6338b" providerId="LiveId" clId="{D25FF412-11E0-423E-8BD3-DB885E5F48F4}" dt="2021-11-08T02:03:11.799" v="7689" actId="20577"/>
+        <pc:sldMkLst>
+          <pc:docMk/>
+          <pc:sldMk cId="3751012982" sldId="282"/>
+        </pc:sldMkLst>
+      </pc:sldChg>
+      <pc:sldChg chg="modSp mod modNotesTx">
+        <pc:chgData name="Jason Knight" userId="03bbb8e5a6d6338b" providerId="LiveId" clId="{D25FF412-11E0-423E-8BD3-DB885E5F48F4}" dt="2021-11-08T02:08:27.936" v="8101" actId="242"/>
+        <pc:sldMkLst>
+          <pc:docMk/>
+          <pc:sldMk cId="3527141092" sldId="283"/>
+        </pc:sldMkLst>
+        <pc:spChg chg="mod">
+          <ac:chgData name="Jason Knight" userId="03bbb8e5a6d6338b" providerId="LiveId" clId="{D25FF412-11E0-423E-8BD3-DB885E5F48F4}" dt="2021-11-08T02:08:27.936" v="8101" actId="242"/>
+          <ac:spMkLst>
+            <pc:docMk/>
+            <pc:sldMk cId="3527141092" sldId="283"/>
+            <ac:spMk id="3" creationId="{FAFA1990-5C5F-4BE0-8836-98D259FD8BC1}"/>
+          </ac:spMkLst>
+        </pc:spChg>
+      </pc:sldChg>
+      <pc:sldChg chg="modNotesTx">
+        <pc:chgData name="Jason Knight" userId="03bbb8e5a6d6338b" providerId="LiveId" clId="{D25FF412-11E0-423E-8BD3-DB885E5F48F4}" dt="2021-11-08T02:10:52.838" v="8259" actId="20577"/>
+        <pc:sldMkLst>
+          <pc:docMk/>
+          <pc:sldMk cId="2771060602" sldId="284"/>
+        </pc:sldMkLst>
+      </pc:sldChg>
       <pc:sldChg chg="modSp new mod">
         <pc:chgData name="Jason Knight" userId="03bbb8e5a6d6338b" providerId="LiveId" clId="{D25FF412-11E0-423E-8BD3-DB885E5F48F4}" dt="2021-11-08T00:31:43.648" v="3480" actId="20577"/>
         <pc:sldMkLst>
@@ -1120,12 +1191,20 @@
           </ac:picMkLst>
         </pc:picChg>
       </pc:sldChg>
-      <pc:sldChg chg="add">
-        <pc:chgData name="Jason Knight" userId="03bbb8e5a6d6338b" providerId="LiveId" clId="{D25FF412-11E0-423E-8BD3-DB885E5F48F4}" dt="2021-11-08T01:24:02.208" v="5217"/>
+      <pc:sldChg chg="modSp add mod modNotesTx">
+        <pc:chgData name="Jason Knight" userId="03bbb8e5a6d6338b" providerId="LiveId" clId="{D25FF412-11E0-423E-8BD3-DB885E5F48F4}" dt="2021-11-08T01:49:49.690" v="6575" actId="20577"/>
         <pc:sldMkLst>
           <pc:docMk/>
           <pc:sldMk cId="1851193726" sldId="291"/>
         </pc:sldMkLst>
+        <pc:spChg chg="mod">
+          <ac:chgData name="Jason Knight" userId="03bbb8e5a6d6338b" providerId="LiveId" clId="{D25FF412-11E0-423E-8BD3-DB885E5F48F4}" dt="2021-11-08T01:49:08.375" v="6480" actId="20577"/>
+          <ac:spMkLst>
+            <pc:docMk/>
+            <pc:sldMk cId="1851193726" sldId="291"/>
+            <ac:spMk id="2" creationId="{30C1EE62-D29F-4329-A908-8C8E743CC0CC}"/>
+          </ac:spMkLst>
+        </pc:spChg>
       </pc:sldChg>
       <pc:sldChg chg="new del">
         <pc:chgData name="Jason Knight" userId="03bbb8e5a6d6338b" providerId="LiveId" clId="{D25FF412-11E0-423E-8BD3-DB885E5F48F4}" dt="2021-11-08T01:07:07.554" v="4262" actId="680"/>
@@ -5028,7 +5107,7 @@
           <a:p>
             <a:r>
               <a:rPr lang="en-US" dirty="0"/>
-              <a:t>Now that you’ve seen how to kill continuous improvement, here’s how I’ve learned to encourage and sustain continuous improvement</a:t>
+              <a:t>Now that you’ve seen some ways to kill continuous improvement, here’s how I’ve learned to encourage and sustain continuous improvement to keep that agile tortoise steadily stepping toward the finish line.</a:t>
             </a:r>
           </a:p>
         </p:txBody>
@@ -5114,9 +5193,160 @@
           <a:lstStyle/>
           <a:p>
             <a:r>
-              <a:rPr lang="en-US" dirty="0"/>
-              <a:t>I’ve been given great power to influence, teach and coach. When an opportunity arises, I use that power gently. The picture of gentleness here is like one who has a sword and knows how to use it but keeps it sheathed. I do my best to choose moments wisely and act with restraint. If I make too many mistakes, I’ll quickly lose trust and those who have given me power over them will take it back. I’m careful to check for alignment and hesitance. I’m quick to understand rather than lecture. I watch carefully for the interplay between ability and willingness to know when to support and when to direct. After directing, I’m on the hunt for the moment when the training wheels need to come off – for the moment when I should back off.</a:t>
-            </a:r>
+              <a:rPr lang="en-US" b="0" dirty="0">
+                <a:solidFill>
+                  <a:srgbClr val="D4D4D4"/>
+                </a:solidFill>
+                <a:effectLst/>
+                <a:latin typeface="Consolas" panose="020B0609020204030204" pitchFamily="49" charset="0"/>
+              </a:rPr>
+              <a:t>I asked you all before, who had experienced bad leadership.</a:t>
+            </a:r>
+          </a:p>
+          <a:p>
+            <a:pPr marL="0" indent="0">
+              <a:buFontTx/>
+              <a:buNone/>
+            </a:pPr>
+            <a:endParaRPr lang="en-US" b="0" dirty="0">
+              <a:solidFill>
+                <a:srgbClr val="D4D4D4"/>
+              </a:solidFill>
+              <a:effectLst/>
+              <a:latin typeface="Consolas" panose="020B0609020204030204" pitchFamily="49" charset="0"/>
+            </a:endParaRPr>
+          </a:p>
+          <a:p>
+            <a:r>
+              <a:rPr lang="en-US" b="0" dirty="0">
+                <a:solidFill>
+                  <a:srgbClr val="D4D4D4"/>
+                </a:solidFill>
+                <a:effectLst/>
+                <a:latin typeface="Consolas" panose="020B0609020204030204" pitchFamily="49" charset="0"/>
+              </a:rPr>
+              <a:t>How many here have been lead by a servant leader? Here’s the test.</a:t>
+            </a:r>
+          </a:p>
+          <a:p>
+            <a:endParaRPr lang="en-US" b="0" dirty="0">
+              <a:solidFill>
+                <a:srgbClr val="D4D4D4"/>
+              </a:solidFill>
+              <a:effectLst/>
+              <a:latin typeface="Consolas" panose="020B0609020204030204" pitchFamily="49" charset="0"/>
+            </a:endParaRPr>
+          </a:p>
+          <a:p>
+            <a:pPr marL="0" marR="0" lvl="0" indent="0" algn="l" defTabSz="914400" rtl="0" eaLnBrk="1" fontAlgn="auto" latinLnBrk="0" hangingPunct="1">
+              <a:lnSpc>
+                <a:spcPct val="100000"/>
+              </a:lnSpc>
+              <a:spcBef>
+                <a:spcPts val="0"/>
+              </a:spcBef>
+              <a:spcAft>
+                <a:spcPts val="0"/>
+              </a:spcAft>
+              <a:buClrTx/>
+              <a:buSzTx/>
+              <a:buFontTx/>
+              <a:buNone/>
+              <a:tabLst/>
+              <a:defRPr/>
+            </a:pPr>
+            <a:r>
+              <a:rPr lang="en-US" b="0" dirty="0">
+                <a:solidFill>
+                  <a:srgbClr val="D4D4D4"/>
+                </a:solidFill>
+                <a:effectLst/>
+                <a:latin typeface="Consolas" panose="020B0609020204030204" pitchFamily="49" charset="0"/>
+              </a:rPr>
+              <a:t>Being in charge means caring for those in your charge.</a:t>
+            </a:r>
+          </a:p>
+          <a:p>
+            <a:endParaRPr lang="en-US" b="0" dirty="0">
+              <a:solidFill>
+                <a:srgbClr val="D4D4D4"/>
+              </a:solidFill>
+              <a:effectLst/>
+              <a:latin typeface="Consolas" panose="020B0609020204030204" pitchFamily="49" charset="0"/>
+            </a:endParaRPr>
+          </a:p>
+          <a:p>
+            <a:endParaRPr lang="en-US" b="0" dirty="0">
+              <a:solidFill>
+                <a:srgbClr val="D4D4D4"/>
+              </a:solidFill>
+              <a:effectLst/>
+              <a:latin typeface="Consolas" panose="020B0609020204030204" pitchFamily="49" charset="0"/>
+            </a:endParaRPr>
+          </a:p>
+          <a:p>
+            <a:br>
+              <a:rPr lang="en-US" b="0" dirty="0">
+                <a:solidFill>
+                  <a:srgbClr val="D4D4D4"/>
+                </a:solidFill>
+                <a:effectLst/>
+                <a:latin typeface="Consolas" panose="020B0609020204030204" pitchFamily="49" charset="0"/>
+              </a:rPr>
+            </a:br>
+            <a:r>
+              <a:rPr lang="en-US" b="0" dirty="0">
+                <a:solidFill>
+                  <a:srgbClr val="D4D4D4"/>
+                </a:solidFill>
+                <a:effectLst/>
+                <a:latin typeface="Consolas" panose="020B0609020204030204" pitchFamily="49" charset="0"/>
+              </a:rPr>
+              <a:t>[</a:t>
+            </a:r>
+            <a:r>
+              <a:rPr lang="en-US" b="0" dirty="0">
+                <a:solidFill>
+                  <a:srgbClr val="CE9178"/>
+                </a:solidFill>
+                <a:effectLst/>
+                <a:latin typeface="Consolas" panose="020B0609020204030204" pitchFamily="49" charset="0"/>
+              </a:rPr>
+              <a:t>The Servant as Leader</a:t>
+            </a:r>
+            <a:r>
+              <a:rPr lang="en-US" b="0" dirty="0">
+                <a:solidFill>
+                  <a:srgbClr val="D4D4D4"/>
+                </a:solidFill>
+                <a:effectLst/>
+                <a:latin typeface="Consolas" panose="020B0609020204030204" pitchFamily="49" charset="0"/>
+              </a:rPr>
+              <a:t>](</a:t>
+            </a:r>
+            <a:r>
+              <a:rPr lang="en-US" b="0" u="sng" dirty="0">
+                <a:solidFill>
+                  <a:srgbClr val="D4D4D4"/>
+                </a:solidFill>
+                <a:effectLst/>
+                <a:latin typeface="Consolas" panose="020B0609020204030204" pitchFamily="49" charset="0"/>
+              </a:rPr>
+              <a:t>http://www.ediguys.net/Robert_K_Greenleaf_The_Servant_as_Leader.pdf</a:t>
+            </a:r>
+            <a:r>
+              <a:rPr lang="en-US" b="0" dirty="0">
+                <a:solidFill>
+                  <a:srgbClr val="D4D4D4"/>
+                </a:solidFill>
+                <a:effectLst/>
+                <a:latin typeface="Consolas" panose="020B0609020204030204" pitchFamily="49" charset="0"/>
+              </a:rPr>
+              <a:t>)</a:t>
+            </a:r>
+          </a:p>
+          <a:p>
+            <a:endParaRPr lang="en-US" dirty="0"/>
           </a:p>
         </p:txBody>
       </p:sp>
@@ -5146,7 +5376,7 @@
     </p:spTree>
     <p:extLst>
       <p:ext uri="{BB962C8B-B14F-4D97-AF65-F5344CB8AC3E}">
-        <p14:creationId xmlns:p14="http://schemas.microsoft.com/office/powerpoint/2010/main" val="2949510929"/>
+        <p14:creationId xmlns:p14="http://schemas.microsoft.com/office/powerpoint/2010/main" val="1540848490"/>
       </p:ext>
     </p:extLst>
   </p:cSld>
@@ -5201,224 +5431,72 @@
           <a:lstStyle/>
           <a:p>
             <a:r>
-              <a:rPr lang="en-US" b="0" dirty="0">
-                <a:solidFill>
-                  <a:srgbClr val="D4D4D4"/>
-                </a:solidFill>
-                <a:effectLst/>
-                <a:latin typeface="Consolas" panose="020B0609020204030204" pitchFamily="49" charset="0"/>
-              </a:rPr>
-              <a:t>How many here have been lead by someone who:</a:t>
-            </a:r>
-          </a:p>
-          <a:p>
-            <a:pPr marL="171450" indent="-171450">
-              <a:buFontTx/>
-              <a:buChar char="-"/>
-            </a:pPr>
-            <a:r>
-              <a:rPr lang="en-US" b="0" dirty="0">
-                <a:solidFill>
-                  <a:srgbClr val="D4D4D4"/>
-                </a:solidFill>
-                <a:effectLst/>
-                <a:latin typeface="Consolas" panose="020B0609020204030204" pitchFamily="49" charset="0"/>
-              </a:rPr>
-              <a:t>Doesn’t care to listen or understand you?</a:t>
-            </a:r>
-          </a:p>
-          <a:p>
-            <a:pPr marL="171450" indent="-171450">
-              <a:buFontTx/>
-              <a:buChar char="-"/>
-            </a:pPr>
-            <a:r>
-              <a:rPr lang="en-US" b="0" dirty="0">
-                <a:solidFill>
-                  <a:srgbClr val="D4D4D4"/>
-                </a:solidFill>
-                <a:effectLst/>
-                <a:latin typeface="Consolas" panose="020B0609020204030204" pitchFamily="49" charset="0"/>
-              </a:rPr>
-              <a:t>Seems consumed with powerful drive for power and material accumulation?</a:t>
-            </a:r>
-          </a:p>
-          <a:p>
-            <a:pPr marL="171450" indent="-171450">
-              <a:buFontTx/>
-              <a:buChar char="-"/>
-            </a:pPr>
-            <a:r>
-              <a:rPr lang="en-US" b="0" dirty="0">
-                <a:solidFill>
-                  <a:srgbClr val="D4D4D4"/>
-                </a:solidFill>
-                <a:effectLst/>
-                <a:latin typeface="Consolas" panose="020B0609020204030204" pitchFamily="49" charset="0"/>
-              </a:rPr>
-              <a:t>Doesn’t say, “Come with me” but rather “Get going!” and “Do as I say!”</a:t>
-            </a:r>
-          </a:p>
-          <a:p>
-            <a:pPr marL="171450" indent="-171450">
-              <a:buFontTx/>
-              <a:buChar char="-"/>
-            </a:pPr>
-            <a:r>
-              <a:rPr lang="en-US" b="0" dirty="0">
-                <a:solidFill>
-                  <a:srgbClr val="D4D4D4"/>
-                </a:solidFill>
-                <a:effectLst/>
-                <a:latin typeface="Consolas" panose="020B0609020204030204" pitchFamily="49" charset="0"/>
-              </a:rPr>
-              <a:t>Ignores the negative effects their leader is clearly having on you, the world, and even themselves?</a:t>
-            </a:r>
-          </a:p>
-          <a:p>
-            <a:pPr marL="0" indent="0">
-              <a:buFontTx/>
-              <a:buNone/>
-            </a:pPr>
-            <a:endParaRPr lang="en-US" b="0" dirty="0">
-              <a:solidFill>
-                <a:srgbClr val="D4D4D4"/>
-              </a:solidFill>
-              <a:effectLst/>
-              <a:latin typeface="Consolas" panose="020B0609020204030204" pitchFamily="49" charset="0"/>
-            </a:endParaRPr>
-          </a:p>
-          <a:p>
-            <a:r>
-              <a:rPr lang="en-US" b="0" dirty="0">
-                <a:solidFill>
-                  <a:srgbClr val="D4D4D4"/>
-                </a:solidFill>
-                <a:effectLst/>
-                <a:latin typeface="Consolas" panose="020B0609020204030204" pitchFamily="49" charset="0"/>
-              </a:rPr>
-              <a:t>How many hear have been lead by a servant leader? Here’s the test.</a:t>
-            </a:r>
-          </a:p>
-          <a:p>
-            <a:endParaRPr lang="en-US" b="0" dirty="0">
-              <a:solidFill>
-                <a:srgbClr val="D4D4D4"/>
-              </a:solidFill>
-              <a:effectLst/>
-              <a:latin typeface="Consolas" panose="020B0609020204030204" pitchFamily="49" charset="0"/>
-            </a:endParaRPr>
-          </a:p>
-          <a:p>
-            <a:pPr marL="0" marR="0" lvl="0" indent="0" algn="l" defTabSz="914400" rtl="0" eaLnBrk="1" fontAlgn="auto" latinLnBrk="0" hangingPunct="1">
-              <a:lnSpc>
-                <a:spcPct val="100000"/>
-              </a:lnSpc>
-              <a:spcBef>
-                <a:spcPts val="0"/>
-              </a:spcBef>
-              <a:spcAft>
-                <a:spcPts val="0"/>
-              </a:spcAft>
-              <a:buClrTx/>
-              <a:buSzTx/>
-              <a:buFontTx/>
-              <a:buNone/>
-              <a:tabLst/>
-              <a:defRPr/>
-            </a:pPr>
-            <a:r>
-              <a:rPr lang="en-US" b="0" dirty="0">
-                <a:solidFill>
-                  <a:srgbClr val="D4D4D4"/>
-                </a:solidFill>
-                <a:effectLst/>
-                <a:latin typeface="Consolas" panose="020B0609020204030204" pitchFamily="49" charset="0"/>
-              </a:rPr>
-              <a:t>Being in charge means caring for those in your charge.</a:t>
-            </a:r>
-          </a:p>
-          <a:p>
-            <a:endParaRPr lang="en-US" b="0" dirty="0">
-              <a:solidFill>
-                <a:srgbClr val="D4D4D4"/>
-              </a:solidFill>
-              <a:effectLst/>
-              <a:latin typeface="Consolas" panose="020B0609020204030204" pitchFamily="49" charset="0"/>
-            </a:endParaRPr>
-          </a:p>
-          <a:p>
-            <a:endParaRPr lang="en-US" b="0" dirty="0">
-              <a:solidFill>
-                <a:srgbClr val="D4D4D4"/>
-              </a:solidFill>
-              <a:effectLst/>
-              <a:latin typeface="Consolas" panose="020B0609020204030204" pitchFamily="49" charset="0"/>
-            </a:endParaRPr>
-          </a:p>
-          <a:p>
-            <a:br>
-              <a:rPr lang="en-US" b="0" dirty="0">
-                <a:solidFill>
-                  <a:srgbClr val="D4D4D4"/>
-                </a:solidFill>
-                <a:effectLst/>
-                <a:latin typeface="Consolas" panose="020B0609020204030204" pitchFamily="49" charset="0"/>
-              </a:rPr>
-            </a:br>
-            <a:r>
-              <a:rPr lang="en-US" b="0" dirty="0">
-                <a:solidFill>
-                  <a:srgbClr val="D4D4D4"/>
-                </a:solidFill>
-                <a:effectLst/>
-                <a:latin typeface="Consolas" panose="020B0609020204030204" pitchFamily="49" charset="0"/>
-              </a:rPr>
-              <a:t>[</a:t>
-            </a:r>
-            <a:r>
-              <a:rPr lang="en-US" b="0" dirty="0">
-                <a:solidFill>
-                  <a:srgbClr val="CE9178"/>
-                </a:solidFill>
-                <a:effectLst/>
-                <a:latin typeface="Consolas" panose="020B0609020204030204" pitchFamily="49" charset="0"/>
-              </a:rPr>
-              <a:t>The Servant as Leader</a:t>
-            </a:r>
-            <a:r>
-              <a:rPr lang="en-US" b="0" dirty="0">
-                <a:solidFill>
-                  <a:srgbClr val="D4D4D4"/>
-                </a:solidFill>
-                <a:effectLst/>
-                <a:latin typeface="Consolas" panose="020B0609020204030204" pitchFamily="49" charset="0"/>
-              </a:rPr>
-              <a:t>](</a:t>
-            </a:r>
-            <a:r>
-              <a:rPr lang="en-US" b="0" u="sng" dirty="0">
-                <a:solidFill>
-                  <a:srgbClr val="D4D4D4"/>
-                </a:solidFill>
-                <a:effectLst/>
-                <a:latin typeface="Consolas" panose="020B0609020204030204" pitchFamily="49" charset="0"/>
-              </a:rPr>
-              <a:t>http://www.ediguys.net/Robert_K_Greenleaf_The_Servant_as_Leader.pdf</a:t>
-            </a:r>
-            <a:r>
-              <a:rPr lang="en-US" b="0" dirty="0">
-                <a:solidFill>
-                  <a:srgbClr val="D4D4D4"/>
-                </a:solidFill>
-                <a:effectLst/>
-                <a:latin typeface="Consolas" panose="020B0609020204030204" pitchFamily="49" charset="0"/>
-              </a:rPr>
-              <a:t>)</a:t>
+              <a:rPr lang="en-US" dirty="0"/>
+              <a:t>Servant leaders wield the power given to them, but gently.</a:t>
             </a:r>
           </a:p>
           <a:p>
             <a:endParaRPr lang="en-US" dirty="0"/>
+          </a:p>
+          <a:p>
+            <a:r>
+              <a:rPr lang="en-US" dirty="0"/>
+              <a:t>The picture of gentleness here is like one who has a sword and knows how to use it but keeps it sheathed. </a:t>
+            </a:r>
+          </a:p>
+          <a:p>
+            <a:endParaRPr lang="en-US" dirty="0"/>
+          </a:p>
+          <a:p>
+            <a:r>
+              <a:rPr lang="en-US" dirty="0"/>
+              <a:t>Choose moments wisely and act with restraint. </a:t>
+            </a:r>
+          </a:p>
+          <a:p>
+            <a:endParaRPr lang="en-US" dirty="0"/>
+          </a:p>
+          <a:p>
+            <a:r>
+              <a:rPr lang="en-US" dirty="0"/>
+              <a:t>Too many mistakes, I’ll quickly lose trust and those who have given me power over them will take it back. </a:t>
+            </a:r>
+          </a:p>
+          <a:p>
+            <a:endParaRPr lang="en-US" dirty="0"/>
+          </a:p>
+          <a:p>
+            <a:r>
+              <a:rPr lang="en-US" dirty="0"/>
+              <a:t>Careful to check for alignment and hesitance. </a:t>
+            </a:r>
+          </a:p>
+          <a:p>
+            <a:endParaRPr lang="en-US" dirty="0"/>
+          </a:p>
+          <a:p>
+            <a:r>
+              <a:rPr lang="en-US" dirty="0"/>
+              <a:t>Quick to understand and empathize. </a:t>
+            </a:r>
+          </a:p>
+          <a:p>
+            <a:endParaRPr lang="en-US" dirty="0"/>
+          </a:p>
+          <a:p>
+            <a:r>
+              <a:rPr lang="en-US" dirty="0"/>
+              <a:t>Watch carefully for the interplay between ability and willingness to know when to support and when to direct. </a:t>
+            </a:r>
+          </a:p>
+          <a:p>
+            <a:endParaRPr lang="en-US" dirty="0"/>
+          </a:p>
+          <a:p>
+            <a:r>
+              <a:rPr lang="en-US" dirty="0"/>
+              <a:t>After directing, I’m on the hunt for the moment when I should back off.</a:t>
+            </a:r>
           </a:p>
         </p:txBody>
       </p:sp>
@@ -5448,7 +5526,7 @@
     </p:spTree>
     <p:extLst>
       <p:ext uri="{BB962C8B-B14F-4D97-AF65-F5344CB8AC3E}">
-        <p14:creationId xmlns:p14="http://schemas.microsoft.com/office/powerpoint/2010/main" val="1540848490"/>
+        <p14:creationId xmlns:p14="http://schemas.microsoft.com/office/powerpoint/2010/main" val="2949510929"/>
       </p:ext>
     </p:extLst>
   </p:cSld>
@@ -5504,7 +5582,7 @@
           <a:p>
             <a:r>
               <a:rPr lang="en-US" dirty="0"/>
-              <a:t>I’m a little annoyed with how one or our core values can be used. Driving results is important at BOKF. I’m sure you can imagine how this can be abused by the heavy handed leader, the micromanager, or some other legitimate power to otherwise abuse those in their charge.</a:t>
+              <a:t>I’m a little annoyed with how one or our core values can be used. Driving results is important at BOKF. I’m sure you can imagine how this can be abused by the heavy-handed leader, the micromanager, or some other legitimate power to otherwise abuse those in their charge.</a:t>
             </a:r>
           </a:p>
           <a:p>
@@ -5520,9 +5598,33 @@
             <a:endParaRPr lang="en-US" dirty="0"/>
           </a:p>
           <a:p>
+            <a:pPr marL="228600" indent="-228600">
+              <a:buFont typeface="+mj-lt"/>
+              <a:buAutoNum type="arabicPeriod"/>
+            </a:pPr>
             <a:r>
               <a:rPr lang="en-US" dirty="0"/>
-              <a:t>The desire for autonomy. The Pursuit of mastery. The desire to have purpose, connection, or belonging.</a:t>
+              <a:t>The desire for autonomy. </a:t>
+            </a:r>
+          </a:p>
+          <a:p>
+            <a:pPr marL="228600" indent="-228600">
+              <a:buFont typeface="+mj-lt"/>
+              <a:buAutoNum type="arabicPeriod"/>
+            </a:pPr>
+            <a:r>
+              <a:rPr lang="en-US" dirty="0"/>
+              <a:t>The Pursuit of mastery. </a:t>
+            </a:r>
+          </a:p>
+          <a:p>
+            <a:pPr marL="228600" indent="-228600">
+              <a:buFont typeface="+mj-lt"/>
+              <a:buAutoNum type="arabicPeriod"/>
+            </a:pPr>
+            <a:r>
+              <a:rPr lang="en-US" dirty="0"/>
+              <a:t>The desire to have purpose, connection, or belonging.</a:t>
             </a:r>
           </a:p>
           <a:p>
@@ -5531,7 +5633,7 @@
           <a:p>
             <a:r>
               <a:rPr lang="en-US" dirty="0"/>
-              <a:t>This means, in the course of our team working to achieve goals, I actively look for ways to encourage my teammates to do what they think is best and to expect the same of each teammate.</a:t>
+              <a:t>look for ways to encourage doing what they think is best and to expect the same of each teammate.</a:t>
             </a:r>
           </a:p>
           <a:p>
@@ -5540,7 +5642,13 @@
           <a:p>
             <a:r>
               <a:rPr lang="en-US" dirty="0"/>
-              <a:t>It also means creating the opportunity, equipment, and encouragement to improve the skill by which they accomplish those goals. Learn to code sessions, facilitate events, resolve conflict, communicate effectively. Above all, I try very hard not to steal from them the pride of their workmanship.</a:t>
+              <a:t>creating the opportunity, providing equipment, and encouragement to improve towards master.</a:t>
+            </a:r>
+          </a:p>
+          <a:p>
+            <a:r>
+              <a:rPr lang="en-US" dirty="0"/>
+              <a:t>Don’t steal pride of workmanship.</a:t>
             </a:r>
           </a:p>
           <a:p>
@@ -5549,7 +5657,16 @@
           <a:p>
             <a:r>
               <a:rPr lang="en-US" dirty="0"/>
-              <a:t>Last, I continuously tend to our garden. It is a powerful metaphor that describes the space or container of our team. In it, there grow the fruits of courage, focus, commitment, openness, respect, and humor. In this space, we all belong and from it we sprout like vines to grasp the meaningful goals and achievements we willing accept. I actively uproot anything that threatens this place of meaning, purpose and belong.</a:t>
+              <a:t>Tend the garden, Fruits of focus, courage, commitment, openness, respect and humor.</a:t>
+            </a:r>
+          </a:p>
+          <a:p>
+            <a:endParaRPr lang="en-US" dirty="0"/>
+          </a:p>
+          <a:p>
+            <a:r>
+              <a:rPr lang="en-US" dirty="0"/>
+              <a:t>Uproot that which threatens this place of meaning, purpose and belonging.</a:t>
             </a:r>
           </a:p>
           <a:p>
@@ -5645,7 +5762,40 @@
           <a:p>
             <a:r>
               <a:rPr lang="en-US" dirty="0"/>
-              <a:t>I’ve found that hope is a cross-cutting concern for a team’s continuous improvement. Especially in the beginning of a race, the vision seems depressingly distant, like a finish line you imagine is there but cannot yet see. Part of my journey over the last two years has been to jealously guard the team’s hope of realizing our aspirations against:</a:t>
+              <a:t>Hope is a cross-cutting concern, especially at beginnings.</a:t>
+            </a:r>
+          </a:p>
+          <a:p>
+            <a:endParaRPr lang="en-US" dirty="0"/>
+          </a:p>
+          <a:p>
+            <a:r>
+              <a:rPr lang="en-US" dirty="0"/>
+              <a:t>Vision is distant.</a:t>
+            </a:r>
+          </a:p>
+          <a:p>
+            <a:endParaRPr lang="en-US" dirty="0"/>
+          </a:p>
+          <a:p>
+            <a:r>
+              <a:rPr lang="en-US" dirty="0"/>
+              <a:t>Have you ever climbed a mountain? The peak can seem intolerably distant.</a:t>
+            </a:r>
+          </a:p>
+          <a:p>
+            <a:r>
+              <a:rPr lang="en-US" dirty="0"/>
+              <a:t>Looking back can fortify hope. I’ve come this far, maybe I can keep going?!</a:t>
+            </a:r>
+          </a:p>
+          <a:p>
+            <a:endParaRPr lang="en-US" dirty="0"/>
+          </a:p>
+          <a:p>
+            <a:r>
+              <a:rPr lang="en-US" dirty="0"/>
+              <a:t>Jealously guard hope against:</a:t>
             </a:r>
           </a:p>
           <a:p>
@@ -5784,7 +5934,19 @@
           <a:bodyPr/>
           <a:lstStyle/>
           <a:p>
+            <a:r>
+              <a:rPr lang="en-US" dirty="0"/>
+              <a:t>Now we come to the end.</a:t>
+            </a:r>
+          </a:p>
+          <a:p>
             <a:endParaRPr lang="en-US" dirty="0"/>
+          </a:p>
+          <a:p>
+            <a:r>
+              <a:rPr lang="en-US" dirty="0"/>
+              <a:t>I’ll share how all these things lead to the BOKF tortoise is winning its race.</a:t>
+            </a:r>
           </a:p>
         </p:txBody>
       </p:sp>
@@ -5870,7 +6032,7 @@
           <a:p>
             <a:r>
               <a:rPr lang="en-US" dirty="0"/>
-              <a:t>Key to winning at this race has been correctly seeing the game we’re playing as an infinite one. We are not playing it to beat competitors, although we hope we stay sufficient near or ahead of them. Rather, we play in order to keep playing without compromising the rules we have chosen – the things we value.</a:t>
+              <a:t>Key to winning at this race has been correctly seeing the game we’re playing as an infinite one. </a:t>
             </a:r>
           </a:p>
           <a:p>
@@ -5879,7 +6041,49 @@
           <a:p>
             <a:r>
               <a:rPr lang="en-US" dirty="0"/>
-              <a:t>We insist on commitment as an important marker of the quality and staying power of our improvements. We do our best to work sustainably, ever improving our technical excellence, avoiding waste, and frequently reflecting on what we can improve next. </a:t>
+              <a:t>We are not playing it to beat competitors</a:t>
+            </a:r>
+          </a:p>
+          <a:p>
+            <a:r>
+              <a:rPr lang="en-US" dirty="0"/>
+              <a:t>We stay sufficient near or ahead of them. </a:t>
+            </a:r>
+          </a:p>
+          <a:p>
+            <a:r>
+              <a:rPr lang="en-US" dirty="0"/>
+              <a:t>We play keep playing without compromising the rules we have chosen – the things we value.</a:t>
+            </a:r>
+          </a:p>
+          <a:p>
+            <a:endParaRPr lang="en-US" dirty="0"/>
+          </a:p>
+          <a:p>
+            <a:r>
+              <a:rPr lang="en-US" dirty="0"/>
+              <a:t>We insist on commitment as an important marker of the quality and staying power of our improvements. </a:t>
+            </a:r>
+          </a:p>
+          <a:p>
+            <a:endParaRPr lang="en-US" dirty="0"/>
+          </a:p>
+          <a:p>
+            <a:r>
+              <a:rPr lang="en-US" dirty="0"/>
+              <a:t>We do our best to work sustainably. </a:t>
+            </a:r>
+          </a:p>
+          <a:p>
+            <a:r>
+              <a:rPr lang="en-US" dirty="0"/>
+              <a:t>We insist on an ever improving standard of technical excellence.</a:t>
+            </a:r>
+          </a:p>
+          <a:p>
+            <a:r>
+              <a:rPr lang="en-US" dirty="0"/>
+              <a:t>We reflect regularly and often to avoiding waste and improve what we can. </a:t>
             </a:r>
           </a:p>
         </p:txBody>
@@ -6516,7 +6720,13 @@
           <a:p>
             <a:r>
               <a:rPr lang="en-US" dirty="0"/>
-              <a:t>For me personally, I do my best to respect the lives of those with whom I work. This attitude can be summed up well:</a:t>
+              <a:t>For me personally, I do my best to respect the lives of those with whom I work. </a:t>
+            </a:r>
+          </a:p>
+          <a:p>
+            <a:r>
+              <a:rPr lang="en-US" dirty="0"/>
+              <a:t>Serve as leader, gently wielding the power entrusted to me.</a:t>
             </a:r>
           </a:p>
           <a:p>
@@ -6525,7 +6735,7 @@
           <a:p>
             <a:r>
               <a:rPr lang="en-US" dirty="0"/>
-              <a:t>“My job is to honor the ideas, structures, and processes that are dying and being midwife to those being born.”</a:t>
+              <a:t>The life metaphor has even given me a motto I try to live by:</a:t>
             </a:r>
           </a:p>
           <a:p>
@@ -6534,7 +6744,25 @@
           <a:p>
             <a:r>
               <a:rPr lang="en-US" dirty="0"/>
-              <a:t> When processes, ideas and structures that have worked in the past are clearly no longer useful, I honor them</a:t>
+              <a:t>“My job is to honor the ideas, structures, and processes that are dying and serve as midwife to those being born.”</a:t>
+            </a:r>
+          </a:p>
+          <a:p>
+            <a:endParaRPr lang="en-US" dirty="0"/>
+          </a:p>
+          <a:p>
+            <a:r>
+              <a:rPr lang="en-US" dirty="0"/>
+              <a:t> When processes, ideas and structures that have worked in the past are clearly no longer useful, I honor them and do my best to lessen the pain of their passing. </a:t>
+            </a:r>
+          </a:p>
+          <a:p>
+            <a:endParaRPr lang="en-US" dirty="0"/>
+          </a:p>
+          <a:p>
+            <a:r>
+              <a:rPr lang="en-US" dirty="0"/>
+              <a:t>I do my best to joyfully welcome the new and guard it against that which might end it prematurely.</a:t>
             </a:r>
           </a:p>
         </p:txBody>
@@ -6630,7 +6858,31 @@
           <a:p>
             <a:r>
               <a:rPr lang="en-US" dirty="0"/>
-              <a:t>We’ve come a long way from where we were in December 2019. We have been continuously integrating and delivering our work since mid-last year. We can deploy on demand. This very Sprint, we’re releasing an API that is covered by a significant suite of automated unit and integrations tests. We used test driven development to design features and bug fixes every chance we get. We use reflection, reframing, and impact feedback to respectfully and effectively communicate with each other. Business professionals and developers interact daily to ensure the work produced is of the highest value we can deliver. I could go on.</a:t>
+              <a:t>We’ve come a long way from where we were in December 2019. </a:t>
+            </a:r>
+          </a:p>
+          <a:p>
+            <a:r>
+              <a:rPr lang="en-US" dirty="0"/>
+              <a:t>We have been continuously integrating and delivering our work since mid-last year. </a:t>
+            </a:r>
+          </a:p>
+          <a:p>
+            <a:r>
+              <a:rPr lang="en-US" dirty="0"/>
+              <a:t>We can deploy on demand. </a:t>
+            </a:r>
+          </a:p>
+          <a:p>
+            <a:r>
+              <a:rPr lang="en-US" dirty="0"/>
+              <a:t>This very Sprint, we’re releasing an API that is covered by a significant suite of automated unit and integrations tests. We used test driven development to design features and bug fixes every chance we get. </a:t>
+            </a:r>
+          </a:p>
+          <a:p>
+            <a:r>
+              <a:rPr lang="en-US" dirty="0"/>
+              <a:t>We’ve worked with our Product Owner daily to ensure the work we deliver is of the highest value we can manage. </a:t>
             </a:r>
           </a:p>
           <a:p>
@@ -6639,13 +6891,30 @@
           <a:p>
             <a:r>
               <a:rPr lang="en-US" dirty="0"/>
-              <a:t>Like my grandma who started walking a mile a day, in two more years time, there’s no telling where we’ll end up. However, I’m confident that we’ll probably still be playing the game we want to play and running our race like </a:t>
-            </a:r>
+              <a:t>We use reflection, reframing, and impact feedback to respectfully and effectively communicate with each other. </a:t>
+            </a:r>
+          </a:p>
+          <a:p>
+            <a:endParaRPr lang="en-US"/>
+          </a:p>
+          <a:p>
             <a:r>
               <a:rPr lang="en-US"/>
-              <a:t>a tortoise.</a:t>
-            </a:r>
+              <a:t>I </a:t>
+            </a:r>
+            <a:r>
+              <a:rPr lang="en-US" dirty="0"/>
+              <a:t>could go on.</a:t>
+            </a:r>
+          </a:p>
+          <a:p>
             <a:endParaRPr lang="en-US" dirty="0"/>
+          </a:p>
+          <a:p>
+            <a:r>
+              <a:rPr lang="en-US" dirty="0"/>
+              <a:t>Like my grandma who started walking a mile a day, in two more years time, there’s no telling where we’ll end up. However, I’m confident that we’ll probably still be playing the game we want to play and running our race like a tortoise.</a:t>
+            </a:r>
           </a:p>
         </p:txBody>
       </p:sp>
@@ -13181,7 +13450,7 @@
           <p:cNvPr id="2" name="Title 1">
             <a:extLst>
               <a:ext uri="{FF2B5EF4-FFF2-40B4-BE49-F238E27FC236}">
-                <a16:creationId xmlns:a16="http://schemas.microsoft.com/office/drawing/2014/main" id="{62332D38-A18F-468B-96EF-CC64D1BEB640}"/>
+                <a16:creationId xmlns:a16="http://schemas.microsoft.com/office/drawing/2014/main" id="{30C1EE62-D29F-4329-A908-8C8E743CC0CC}"/>
               </a:ext>
             </a:extLst>
           </p:cNvPr>
@@ -13199,7 +13468,7 @@
           <a:p>
             <a:r>
               <a:rPr lang="en-US" dirty="0"/>
-              <a:t>Gently wielding the power entrusted to us</a:t>
+              <a:t>Servant Leadership</a:t>
             </a:r>
           </a:p>
         </p:txBody>
@@ -13209,7 +13478,7 @@
           <p:cNvPr id="3" name="Content Placeholder 2">
             <a:extLst>
               <a:ext uri="{FF2B5EF4-FFF2-40B4-BE49-F238E27FC236}">
-                <a16:creationId xmlns:a16="http://schemas.microsoft.com/office/drawing/2014/main" id="{123EFC7A-E9D0-4488-A03B-F4E255A92CAF}"/>
+                <a16:creationId xmlns:a16="http://schemas.microsoft.com/office/drawing/2014/main" id="{DA1905AA-3677-43A9-BD73-9460B5DC329C}"/>
               </a:ext>
             </a:extLst>
           </p:cNvPr>
@@ -13222,17 +13491,23 @@
         </p:nvSpPr>
         <p:spPr/>
         <p:txBody>
-          <a:bodyPr/>
-          <a:lstStyle/>
-          <a:p>
-            <a:endParaRPr lang="en-US"/>
+          <a:bodyPr anchor="ctr"/>
+          <a:lstStyle/>
+          <a:p>
+            <a:pPr marL="0" indent="0" algn="ctr">
+              <a:buNone/>
+            </a:pPr>
+            <a:r>
+              <a:rPr lang="en-US" dirty="0"/>
+              <a:t>“The best test, and difficult to administer, is: Do those served grow as persons? Do they, while being served, become healthier, wiser, freer, more autonomous, more likely themselves to become servants? And, what is the effect on the least privileged in society; will they benefit, or, at least, not be further deprived?”</a:t>
+            </a:r>
           </a:p>
         </p:txBody>
       </p:sp>
     </p:spTree>
     <p:extLst>
       <p:ext uri="{BB962C8B-B14F-4D97-AF65-F5344CB8AC3E}">
-        <p14:creationId xmlns:p14="http://schemas.microsoft.com/office/powerpoint/2010/main" val="70175331"/>
+        <p14:creationId xmlns:p14="http://schemas.microsoft.com/office/powerpoint/2010/main" val="1851193726"/>
       </p:ext>
     </p:extLst>
   </p:cSld>
@@ -13264,7 +13539,7 @@
           <p:cNvPr id="2" name="Title 1">
             <a:extLst>
               <a:ext uri="{FF2B5EF4-FFF2-40B4-BE49-F238E27FC236}">
-                <a16:creationId xmlns:a16="http://schemas.microsoft.com/office/drawing/2014/main" id="{30C1EE62-D29F-4329-A908-8C8E743CC0CC}"/>
+                <a16:creationId xmlns:a16="http://schemas.microsoft.com/office/drawing/2014/main" id="{62332D38-A18F-468B-96EF-CC64D1BEB640}"/>
               </a:ext>
             </a:extLst>
           </p:cNvPr>
@@ -13282,7 +13557,7 @@
           <a:p>
             <a:r>
               <a:rPr lang="en-US" dirty="0"/>
-              <a:t>No Leadership or Bad Leadership</a:t>
+              <a:t>Gently wielding the power entrusted to us</a:t>
             </a:r>
           </a:p>
         </p:txBody>
@@ -13292,7 +13567,7 @@
           <p:cNvPr id="3" name="Content Placeholder 2">
             <a:extLst>
               <a:ext uri="{FF2B5EF4-FFF2-40B4-BE49-F238E27FC236}">
-                <a16:creationId xmlns:a16="http://schemas.microsoft.com/office/drawing/2014/main" id="{DA1905AA-3677-43A9-BD73-9460B5DC329C}"/>
+                <a16:creationId xmlns:a16="http://schemas.microsoft.com/office/drawing/2014/main" id="{123EFC7A-E9D0-4488-A03B-F4E255A92CAF}"/>
               </a:ext>
             </a:extLst>
           </p:cNvPr>
@@ -13305,23 +13580,17 @@
         </p:nvSpPr>
         <p:spPr/>
         <p:txBody>
-          <a:bodyPr anchor="ctr"/>
-          <a:lstStyle/>
-          <a:p>
-            <a:pPr marL="0" indent="0" algn="ctr">
-              <a:buNone/>
-            </a:pPr>
-            <a:r>
-              <a:rPr lang="en-US" dirty="0"/>
-              <a:t>“The best test, and difficult to administer, is: Do those served grow as persons? Do they, while being served, become healthier, wiser, freer, more autonomous, more likely themselves to become servants? And, what is the effect on the least privileged in society; will they benefit, or, at least, not be further deprived?”</a:t>
-            </a:r>
+          <a:bodyPr/>
+          <a:lstStyle/>
+          <a:p>
+            <a:endParaRPr lang="en-US"/>
           </a:p>
         </p:txBody>
       </p:sp>
     </p:spTree>
     <p:extLst>
       <p:ext uri="{BB962C8B-B14F-4D97-AF65-F5344CB8AC3E}">
-        <p14:creationId xmlns:p14="http://schemas.microsoft.com/office/powerpoint/2010/main" val="1851193726"/>
+        <p14:creationId xmlns:p14="http://schemas.microsoft.com/office/powerpoint/2010/main" val="70175331"/>
       </p:ext>
     </p:extLst>
   </p:cSld>
@@ -13405,7 +13674,22 @@
           <a:bodyPr/>
           <a:lstStyle/>
           <a:p>
-            <a:endParaRPr lang="en-US"/>
+            <a:r>
+              <a:rPr lang="en-US" dirty="0"/>
+              <a:t>The desire for autonomy. </a:t>
+            </a:r>
+          </a:p>
+          <a:p>
+            <a:r>
+              <a:rPr lang="en-US" dirty="0"/>
+              <a:t>The Pursuit of mastery. </a:t>
+            </a:r>
+          </a:p>
+          <a:p>
+            <a:r>
+              <a:rPr lang="en-US" dirty="0"/>
+              <a:t>The desire to have purpose, connection, or belonging.</a:t>
+            </a:r>
           </a:p>
         </p:txBody>
       </p:sp>
@@ -13891,18 +14175,15 @@
         </p:nvSpPr>
         <p:spPr/>
         <p:txBody>
-          <a:bodyPr/>
-          <a:lstStyle/>
-          <a:p>
+          <a:bodyPr anchor="ctr"/>
+          <a:lstStyle/>
+          <a:p>
+            <a:pPr marL="0" indent="0" algn="ctr">
+              <a:buNone/>
+            </a:pPr>
             <a:r>
               <a:rPr lang="en-US" dirty="0"/>
-              <a:t>Honor what is ending</a:t>
-            </a:r>
-          </a:p>
-          <a:p>
-            <a:r>
-              <a:rPr lang="en-US" dirty="0"/>
-              <a:t>Nurture what is emerging</a:t>
+              <a:t>““My job is to honor the ideas, structures, and processes that are dying and serve as midwife to those being born.”</a:t>
             </a:r>
           </a:p>
         </p:txBody>

--- a/tortoise-and-hare/tortoise-and-hare.pptx
+++ b/tortoise-and-hare/tortoise-and-hare.pptx
@@ -5,7 +5,7 @@
     <p:sldMasterId id="2147483738" r:id="rId1"/>
   </p:sldMasterIdLst>
   <p:notesMasterIdLst>
-    <p:notesMasterId r:id="rId36"/>
+    <p:notesMasterId r:id="rId37"/>
   </p:notesMasterIdLst>
   <p:sldIdLst>
     <p:sldId id="256" r:id="rId2"/>
@@ -24,24 +24,25 @@
     <p:sldId id="287" r:id="rId15"/>
     <p:sldId id="268" r:id="rId16"/>
     <p:sldId id="271" r:id="rId17"/>
-    <p:sldId id="276" r:id="rId18"/>
-    <p:sldId id="289" r:id="rId19"/>
-    <p:sldId id="288" r:id="rId20"/>
-    <p:sldId id="290" r:id="rId21"/>
-    <p:sldId id="275" r:id="rId22"/>
-    <p:sldId id="273" r:id="rId23"/>
-    <p:sldId id="274" r:id="rId24"/>
-    <p:sldId id="277" r:id="rId25"/>
-    <p:sldId id="291" r:id="rId26"/>
-    <p:sldId id="278" r:id="rId27"/>
-    <p:sldId id="279" r:id="rId28"/>
-    <p:sldId id="280" r:id="rId29"/>
-    <p:sldId id="281" r:id="rId30"/>
-    <p:sldId id="282" r:id="rId31"/>
-    <p:sldId id="283" r:id="rId32"/>
-    <p:sldId id="284" r:id="rId33"/>
-    <p:sldId id="285" r:id="rId34"/>
-    <p:sldId id="286" r:id="rId35"/>
+    <p:sldId id="293" r:id="rId18"/>
+    <p:sldId id="276" r:id="rId19"/>
+    <p:sldId id="289" r:id="rId20"/>
+    <p:sldId id="288" r:id="rId21"/>
+    <p:sldId id="290" r:id="rId22"/>
+    <p:sldId id="275" r:id="rId23"/>
+    <p:sldId id="273" r:id="rId24"/>
+    <p:sldId id="274" r:id="rId25"/>
+    <p:sldId id="277" r:id="rId26"/>
+    <p:sldId id="291" r:id="rId27"/>
+    <p:sldId id="278" r:id="rId28"/>
+    <p:sldId id="279" r:id="rId29"/>
+    <p:sldId id="280" r:id="rId30"/>
+    <p:sldId id="281" r:id="rId31"/>
+    <p:sldId id="282" r:id="rId32"/>
+    <p:sldId id="283" r:id="rId33"/>
+    <p:sldId id="284" r:id="rId34"/>
+    <p:sldId id="285" r:id="rId35"/>
+    <p:sldId id="286" r:id="rId36"/>
   </p:sldIdLst>
   <p:sldSz cx="12192000" cy="6858000"/>
   <p:notesSz cx="6858000" cy="9144000"/>
@@ -173,6 +174,7 @@
           <p14:sldIdLst>
             <p14:sldId id="268"/>
             <p14:sldId id="271"/>
+            <p14:sldId id="293"/>
             <p14:sldId id="276"/>
             <p14:sldId id="289"/>
             <p14:sldId id="288"/>
@@ -217,7 +219,7 @@
 <file path=ppt/revisionInfo.xml><?xml version="1.0" encoding="utf-8"?>
 <p1510:revInfo xmlns:a="http://schemas.openxmlformats.org/drawingml/2006/main" xmlns:r="http://schemas.openxmlformats.org/officeDocument/2006/relationships" xmlns:p1510="http://schemas.microsoft.com/office/powerpoint/2015/10/main">
   <p1510:revLst>
-    <p1510:client id="{B639CA35-2A81-4735-BACE-C483C6477DD6}" v="31" dt="2021-11-08T04:49:53.720"/>
+    <p1510:client id="{B639CA35-2A81-4735-BACE-C483C6477DD6}" v="47" dt="2021-11-08T05:19:22.075"/>
     <p1510:client id="{D25FF412-11E0-423E-8BD3-DB885E5F48F4}" v="600" dt="2021-11-08T04:32:07.576"/>
   </p1510:revLst>
 </p1510:revInfo>
@@ -227,8 +229,8 @@
 <pc:chgInfo xmlns:a="http://schemas.openxmlformats.org/drawingml/2006/main" xmlns:r="http://schemas.openxmlformats.org/officeDocument/2006/relationships" xmlns:ac="http://schemas.microsoft.com/office/drawing/2013/main/command" xmlns:pc="http://schemas.microsoft.com/office/powerpoint/2013/main/command">
   <pc:docChgLst>
     <pc:chgData name="Jason Knight" userId="03bbb8e5a6d6338b" providerId="LiveId" clId="{B639CA35-2A81-4735-BACE-C483C6477DD6}"/>
-    <pc:docChg chg="undo custSel delSld modSld addSection modSection">
-      <pc:chgData name="Jason Knight" userId="03bbb8e5a6d6338b" providerId="LiveId" clId="{B639CA35-2A81-4735-BACE-C483C6477DD6}" dt="2021-11-08T04:57:41.628" v="105" actId="17846"/>
+    <pc:docChg chg="undo custSel addSld delSld modSld addSection modSection">
+      <pc:chgData name="Jason Knight" userId="03bbb8e5a6d6338b" providerId="LiveId" clId="{B639CA35-2A81-4735-BACE-C483C6477DD6}" dt="2021-11-08T05:19:22.075" v="522"/>
       <pc:docMkLst>
         <pc:docMk/>
       </pc:docMkLst>
@@ -286,6 +288,99 @@
           <pc:sldMk cId="1526563647" sldId="267"/>
         </pc:sldMkLst>
       </pc:sldChg>
+      <pc:sldChg chg="addSp delSp mod modAnim">
+        <pc:chgData name="Jason Knight" userId="03bbb8e5a6d6338b" providerId="LiveId" clId="{B639CA35-2A81-4735-BACE-C483C6477DD6}" dt="2021-11-08T05:14:21.095" v="341"/>
+        <pc:sldMkLst>
+          <pc:docMk/>
+          <pc:sldMk cId="1836076496" sldId="268"/>
+        </pc:sldMkLst>
+        <pc:spChg chg="del">
+          <ac:chgData name="Jason Knight" userId="03bbb8e5a6d6338b" providerId="LiveId" clId="{B639CA35-2A81-4735-BACE-C483C6477DD6}" dt="2021-11-08T04:59:00.125" v="106" actId="26606"/>
+          <ac:spMkLst>
+            <pc:docMk/>
+            <pc:sldMk cId="1836076496" sldId="268"/>
+            <ac:spMk id="3" creationId="{264EB770-DEBA-4968-8816-84C9026B5CA1}"/>
+          </ac:spMkLst>
+        </pc:spChg>
+        <pc:graphicFrameChg chg="add">
+          <ac:chgData name="Jason Knight" userId="03bbb8e5a6d6338b" providerId="LiveId" clId="{B639CA35-2A81-4735-BACE-C483C6477DD6}" dt="2021-11-08T04:59:00.125" v="106" actId="26606"/>
+          <ac:graphicFrameMkLst>
+            <pc:docMk/>
+            <pc:sldMk cId="1836076496" sldId="268"/>
+            <ac:graphicFrameMk id="5" creationId="{7E7468BB-B32B-48C8-A58B-0D0AC6C54EB9}"/>
+          </ac:graphicFrameMkLst>
+        </pc:graphicFrameChg>
+      </pc:sldChg>
+      <pc:sldChg chg="addSp delSp modSp mod setBg modAnim modNotesTx">
+        <pc:chgData name="Jason Knight" userId="03bbb8e5a6d6338b" providerId="LiveId" clId="{B639CA35-2A81-4735-BACE-C483C6477DD6}" dt="2021-11-08T05:15:15.284" v="348" actId="403"/>
+        <pc:sldMkLst>
+          <pc:docMk/>
+          <pc:sldMk cId="1996544786" sldId="271"/>
+        </pc:sldMkLst>
+        <pc:spChg chg="mod ord">
+          <ac:chgData name="Jason Knight" userId="03bbb8e5a6d6338b" providerId="LiveId" clId="{B639CA35-2A81-4735-BACE-C483C6477DD6}" dt="2021-11-08T05:02:17.722" v="108" actId="26606"/>
+          <ac:spMkLst>
+            <pc:docMk/>
+            <pc:sldMk cId="1996544786" sldId="271"/>
+            <ac:spMk id="2" creationId="{6092C9F0-8BB3-4539-84AC-04B18039AF7F}"/>
+          </ac:spMkLst>
+        </pc:spChg>
+        <pc:spChg chg="del">
+          <ac:chgData name="Jason Knight" userId="03bbb8e5a6d6338b" providerId="LiveId" clId="{B639CA35-2A81-4735-BACE-C483C6477DD6}" dt="2021-11-08T05:02:02.981" v="107"/>
+          <ac:spMkLst>
+            <pc:docMk/>
+            <pc:sldMk cId="1996544786" sldId="271"/>
+            <ac:spMk id="3" creationId="{0D6C4C45-CD67-4980-8465-A60C57F3F433}"/>
+          </ac:spMkLst>
+        </pc:spChg>
+        <pc:spChg chg="add mod">
+          <ac:chgData name="Jason Knight" userId="03bbb8e5a6d6338b" providerId="LiveId" clId="{B639CA35-2A81-4735-BACE-C483C6477DD6}" dt="2021-11-08T05:15:15.284" v="348" actId="403"/>
+          <ac:spMkLst>
+            <pc:docMk/>
+            <pc:sldMk cId="1996544786" sldId="271"/>
+            <ac:spMk id="1030" creationId="{1B201D67-1577-40FA-9ABB-C64DBB84C077}"/>
+          </ac:spMkLst>
+        </pc:spChg>
+        <pc:picChg chg="add mod">
+          <ac:chgData name="Jason Knight" userId="03bbb8e5a6d6338b" providerId="LiveId" clId="{B639CA35-2A81-4735-BACE-C483C6477DD6}" dt="2021-11-08T05:02:17.722" v="108" actId="26606"/>
+          <ac:picMkLst>
+            <pc:docMk/>
+            <pc:sldMk cId="1996544786" sldId="271"/>
+            <ac:picMk id="1026" creationId="{6A48C8DF-1205-4E5F-87D4-ABFC81A9437C}"/>
+          </ac:picMkLst>
+        </pc:picChg>
+      </pc:sldChg>
+      <pc:sldChg chg="addSp modSp mod setBg addAnim modAnim">
+        <pc:chgData name="Jason Knight" userId="03bbb8e5a6d6338b" providerId="LiveId" clId="{B639CA35-2A81-4735-BACE-C483C6477DD6}" dt="2021-11-08T05:19:22.075" v="522"/>
+        <pc:sldMkLst>
+          <pc:docMk/>
+          <pc:sldMk cId="88608026" sldId="276"/>
+        </pc:sldMkLst>
+        <pc:spChg chg="mod">
+          <ac:chgData name="Jason Knight" userId="03bbb8e5a6d6338b" providerId="LiveId" clId="{B639CA35-2A81-4735-BACE-C483C6477DD6}" dt="2021-11-08T05:13:07.466" v="325" actId="26606"/>
+          <ac:spMkLst>
+            <pc:docMk/>
+            <pc:sldMk cId="88608026" sldId="276"/>
+            <ac:spMk id="2" creationId="{30C1EE62-D29F-4329-A908-8C8E743CC0CC}"/>
+          </ac:spMkLst>
+        </pc:spChg>
+        <pc:spChg chg="mod">
+          <ac:chgData name="Jason Knight" userId="03bbb8e5a6d6338b" providerId="LiveId" clId="{B639CA35-2A81-4735-BACE-C483C6477DD6}" dt="2021-11-08T05:13:22.080" v="338" actId="403"/>
+          <ac:spMkLst>
+            <pc:docMk/>
+            <pc:sldMk cId="88608026" sldId="276"/>
+            <ac:spMk id="3" creationId="{DA1905AA-3677-43A9-BD73-9460B5DC329C}"/>
+          </ac:spMkLst>
+        </pc:spChg>
+        <pc:picChg chg="add mod ord">
+          <ac:chgData name="Jason Knight" userId="03bbb8e5a6d6338b" providerId="LiveId" clId="{B639CA35-2A81-4735-BACE-C483C6477DD6}" dt="2021-11-08T05:13:18.118" v="328" actId="27614"/>
+          <ac:picMkLst>
+            <pc:docMk/>
+            <pc:sldMk cId="88608026" sldId="276"/>
+            <ac:picMk id="2050" creationId="{4346B5BC-82F3-457A-BA9A-41CE728DCB5F}"/>
+          </ac:picMkLst>
+        </pc:picChg>
+      </pc:sldChg>
       <pc:sldChg chg="addSp delSp modSp mod setBg">
         <pc:chgData name="Jason Knight" userId="03bbb8e5a6d6338b" providerId="LiveId" clId="{B639CA35-2A81-4735-BACE-C483C6477DD6}" dt="2021-11-08T04:53:13.745" v="91" actId="26606"/>
         <pc:sldMkLst>
@@ -340,6 +435,21 @@
             <ac:picMk id="11" creationId="{A8D526D7-C782-4F65-A21F-A6B40D869B47}"/>
           </ac:picMkLst>
         </pc:picChg>
+      </pc:sldChg>
+      <pc:sldChg chg="modSp add mod modAnim modNotesTx">
+        <pc:chgData name="Jason Knight" userId="03bbb8e5a6d6338b" providerId="LiveId" clId="{B639CA35-2A81-4735-BACE-C483C6477DD6}" dt="2021-11-08T05:17:42.944" v="521"/>
+        <pc:sldMkLst>
+          <pc:docMk/>
+          <pc:sldMk cId="1274319573" sldId="293"/>
+        </pc:sldMkLst>
+        <pc:spChg chg="mod">
+          <ac:chgData name="Jason Knight" userId="03bbb8e5a6d6338b" providerId="LiveId" clId="{B639CA35-2A81-4735-BACE-C483C6477DD6}" dt="2021-11-08T05:17:23.408" v="519" actId="27636"/>
+          <ac:spMkLst>
+            <pc:docMk/>
+            <pc:sldMk cId="1274319573" sldId="293"/>
+            <ac:spMk id="1030" creationId="{1B201D67-1577-40FA-9ABB-C64DBB84C077}"/>
+          </ac:spMkLst>
+        </pc:spChg>
       </pc:sldChg>
     </pc:docChg>
   </pc:docChgLst>
@@ -5991,6 +6101,753 @@
 </dgm:colorsDef>
 </file>
 
+<file path=ppt/diagrams/colors6.xml><?xml version="1.0" encoding="utf-8"?>
+<dgm:colorsDef xmlns:dgm="http://schemas.openxmlformats.org/drawingml/2006/diagram" xmlns:a="http://schemas.openxmlformats.org/drawingml/2006/main" uniqueId="urn:microsoft.com/office/officeart/2005/8/colors/accent1_2">
+  <dgm:title val=""/>
+  <dgm:desc val=""/>
+  <dgm:catLst>
+    <dgm:cat type="accent1" pri="11200"/>
+  </dgm:catLst>
+  <dgm:styleLbl name="node0">
+    <dgm:fillClrLst meth="repeat">
+      <a:schemeClr val="accent1"/>
+    </dgm:fillClrLst>
+    <dgm:linClrLst meth="repeat">
+      <a:schemeClr val="lt1"/>
+    </dgm:linClrLst>
+    <dgm:effectClrLst/>
+    <dgm:txLinClrLst/>
+    <dgm:txFillClrLst/>
+    <dgm:txEffectClrLst/>
+  </dgm:styleLbl>
+  <dgm:styleLbl name="alignNode1">
+    <dgm:fillClrLst meth="repeat">
+      <a:schemeClr val="accent1"/>
+    </dgm:fillClrLst>
+    <dgm:linClrLst meth="repeat">
+      <a:schemeClr val="accent1"/>
+    </dgm:linClrLst>
+    <dgm:effectClrLst/>
+    <dgm:txLinClrLst/>
+    <dgm:txFillClrLst/>
+    <dgm:txEffectClrLst/>
+  </dgm:styleLbl>
+  <dgm:styleLbl name="node1">
+    <dgm:fillClrLst meth="repeat">
+      <a:schemeClr val="accent1"/>
+    </dgm:fillClrLst>
+    <dgm:linClrLst meth="repeat">
+      <a:schemeClr val="lt1"/>
+    </dgm:linClrLst>
+    <dgm:effectClrLst/>
+    <dgm:txLinClrLst/>
+    <dgm:txFillClrLst/>
+    <dgm:txEffectClrLst/>
+  </dgm:styleLbl>
+  <dgm:styleLbl name="lnNode1">
+    <dgm:fillClrLst meth="repeat">
+      <a:schemeClr val="accent1"/>
+    </dgm:fillClrLst>
+    <dgm:linClrLst meth="repeat">
+      <a:schemeClr val="lt1"/>
+    </dgm:linClrLst>
+    <dgm:effectClrLst/>
+    <dgm:txLinClrLst/>
+    <dgm:txFillClrLst/>
+    <dgm:txEffectClrLst/>
+  </dgm:styleLbl>
+  <dgm:styleLbl name="vennNode1">
+    <dgm:fillClrLst meth="repeat">
+      <a:schemeClr val="accent1">
+        <a:alpha val="50000"/>
+      </a:schemeClr>
+    </dgm:fillClrLst>
+    <dgm:linClrLst meth="repeat">
+      <a:schemeClr val="lt1"/>
+    </dgm:linClrLst>
+    <dgm:effectClrLst/>
+    <dgm:txLinClrLst/>
+    <dgm:txFillClrLst/>
+    <dgm:txEffectClrLst/>
+  </dgm:styleLbl>
+  <dgm:styleLbl name="node2">
+    <dgm:fillClrLst meth="repeat">
+      <a:schemeClr val="accent1"/>
+    </dgm:fillClrLst>
+    <dgm:linClrLst meth="repeat">
+      <a:schemeClr val="lt1"/>
+    </dgm:linClrLst>
+    <dgm:effectClrLst/>
+    <dgm:txLinClrLst/>
+    <dgm:txFillClrLst/>
+    <dgm:txEffectClrLst/>
+  </dgm:styleLbl>
+  <dgm:styleLbl name="node3">
+    <dgm:fillClrLst meth="repeat">
+      <a:schemeClr val="accent1"/>
+    </dgm:fillClrLst>
+    <dgm:linClrLst meth="repeat">
+      <a:schemeClr val="lt1"/>
+    </dgm:linClrLst>
+    <dgm:effectClrLst/>
+    <dgm:txLinClrLst/>
+    <dgm:txFillClrLst/>
+    <dgm:txEffectClrLst/>
+  </dgm:styleLbl>
+  <dgm:styleLbl name="node4">
+    <dgm:fillClrLst meth="repeat">
+      <a:schemeClr val="accent1"/>
+    </dgm:fillClrLst>
+    <dgm:linClrLst meth="repeat">
+      <a:schemeClr val="lt1"/>
+    </dgm:linClrLst>
+    <dgm:effectClrLst/>
+    <dgm:txLinClrLst/>
+    <dgm:txFillClrLst/>
+    <dgm:txEffectClrLst/>
+  </dgm:styleLbl>
+  <dgm:styleLbl name="fgImgPlace1">
+    <dgm:fillClrLst meth="repeat">
+      <a:schemeClr val="accent1">
+        <a:tint val="50000"/>
+      </a:schemeClr>
+    </dgm:fillClrLst>
+    <dgm:linClrLst meth="repeat">
+      <a:schemeClr val="lt1"/>
+    </dgm:linClrLst>
+    <dgm:effectClrLst/>
+    <dgm:txLinClrLst/>
+    <dgm:txFillClrLst meth="repeat">
+      <a:schemeClr val="lt1"/>
+    </dgm:txFillClrLst>
+    <dgm:txEffectClrLst/>
+  </dgm:styleLbl>
+  <dgm:styleLbl name="alignImgPlace1">
+    <dgm:fillClrLst meth="repeat">
+      <a:schemeClr val="accent1">
+        <a:tint val="50000"/>
+      </a:schemeClr>
+    </dgm:fillClrLst>
+    <dgm:linClrLst meth="repeat">
+      <a:schemeClr val="lt1"/>
+    </dgm:linClrLst>
+    <dgm:effectClrLst/>
+    <dgm:txLinClrLst/>
+    <dgm:txFillClrLst meth="repeat">
+      <a:schemeClr val="lt1"/>
+    </dgm:txFillClrLst>
+    <dgm:txEffectClrLst/>
+  </dgm:styleLbl>
+  <dgm:styleLbl name="bgImgPlace1">
+    <dgm:fillClrLst meth="repeat">
+      <a:schemeClr val="accent1">
+        <a:tint val="50000"/>
+      </a:schemeClr>
+    </dgm:fillClrLst>
+    <dgm:linClrLst meth="repeat">
+      <a:schemeClr val="lt1"/>
+    </dgm:linClrLst>
+    <dgm:effectClrLst/>
+    <dgm:txLinClrLst/>
+    <dgm:txFillClrLst meth="repeat">
+      <a:schemeClr val="lt1"/>
+    </dgm:txFillClrLst>
+    <dgm:txEffectClrLst/>
+  </dgm:styleLbl>
+  <dgm:styleLbl name="sibTrans2D1">
+    <dgm:fillClrLst meth="repeat">
+      <a:schemeClr val="accent1">
+        <a:tint val="60000"/>
+      </a:schemeClr>
+    </dgm:fillClrLst>
+    <dgm:linClrLst meth="repeat">
+      <a:schemeClr val="accent1">
+        <a:tint val="60000"/>
+      </a:schemeClr>
+    </dgm:linClrLst>
+    <dgm:effectClrLst/>
+    <dgm:txLinClrLst/>
+    <dgm:txFillClrLst/>
+    <dgm:txEffectClrLst/>
+  </dgm:styleLbl>
+  <dgm:styleLbl name="fgSibTrans2D1">
+    <dgm:fillClrLst meth="repeat">
+      <a:schemeClr val="accent1">
+        <a:tint val="60000"/>
+      </a:schemeClr>
+    </dgm:fillClrLst>
+    <dgm:linClrLst meth="repeat">
+      <a:schemeClr val="accent1">
+        <a:tint val="60000"/>
+      </a:schemeClr>
+    </dgm:linClrLst>
+    <dgm:effectClrLst/>
+    <dgm:txLinClrLst/>
+    <dgm:txFillClrLst/>
+    <dgm:txEffectClrLst/>
+  </dgm:styleLbl>
+  <dgm:styleLbl name="bgSibTrans2D1">
+    <dgm:fillClrLst meth="repeat">
+      <a:schemeClr val="accent1">
+        <a:tint val="60000"/>
+      </a:schemeClr>
+    </dgm:fillClrLst>
+    <dgm:linClrLst meth="repeat">
+      <a:schemeClr val="accent1">
+        <a:tint val="60000"/>
+      </a:schemeClr>
+    </dgm:linClrLst>
+    <dgm:effectClrLst/>
+    <dgm:txLinClrLst/>
+    <dgm:txFillClrLst/>
+    <dgm:txEffectClrLst/>
+  </dgm:styleLbl>
+  <dgm:styleLbl name="sibTrans1D1">
+    <dgm:fillClrLst meth="repeat">
+      <a:schemeClr val="accent1"/>
+    </dgm:fillClrLst>
+    <dgm:linClrLst meth="repeat">
+      <a:schemeClr val="accent1"/>
+    </dgm:linClrLst>
+    <dgm:effectClrLst/>
+    <dgm:txLinClrLst/>
+    <dgm:txFillClrLst meth="repeat">
+      <a:schemeClr val="tx1"/>
+    </dgm:txFillClrLst>
+    <dgm:txEffectClrLst/>
+  </dgm:styleLbl>
+  <dgm:styleLbl name="callout">
+    <dgm:fillClrLst meth="repeat">
+      <a:schemeClr val="accent1"/>
+    </dgm:fillClrLst>
+    <dgm:linClrLst meth="repeat">
+      <a:schemeClr val="accent1">
+        <a:tint val="50000"/>
+      </a:schemeClr>
+    </dgm:linClrLst>
+    <dgm:effectClrLst/>
+    <dgm:txLinClrLst/>
+    <dgm:txFillClrLst meth="repeat">
+      <a:schemeClr val="tx1"/>
+    </dgm:txFillClrLst>
+    <dgm:txEffectClrLst/>
+  </dgm:styleLbl>
+  <dgm:styleLbl name="asst0">
+    <dgm:fillClrLst meth="repeat">
+      <a:schemeClr val="accent1"/>
+    </dgm:fillClrLst>
+    <dgm:linClrLst meth="repeat">
+      <a:schemeClr val="lt1"/>
+    </dgm:linClrLst>
+    <dgm:effectClrLst/>
+    <dgm:txLinClrLst/>
+    <dgm:txFillClrLst/>
+    <dgm:txEffectClrLst/>
+  </dgm:styleLbl>
+  <dgm:styleLbl name="asst1">
+    <dgm:fillClrLst meth="repeat">
+      <a:schemeClr val="accent1"/>
+    </dgm:fillClrLst>
+    <dgm:linClrLst meth="repeat">
+      <a:schemeClr val="lt1"/>
+    </dgm:linClrLst>
+    <dgm:effectClrLst/>
+    <dgm:txLinClrLst/>
+    <dgm:txFillClrLst/>
+    <dgm:txEffectClrLst/>
+  </dgm:styleLbl>
+  <dgm:styleLbl name="asst2">
+    <dgm:fillClrLst meth="repeat">
+      <a:schemeClr val="accent1"/>
+    </dgm:fillClrLst>
+    <dgm:linClrLst meth="repeat">
+      <a:schemeClr val="lt1"/>
+    </dgm:linClrLst>
+    <dgm:effectClrLst/>
+    <dgm:txLinClrLst/>
+    <dgm:txFillClrLst/>
+    <dgm:txEffectClrLst/>
+  </dgm:styleLbl>
+  <dgm:styleLbl name="asst3">
+    <dgm:fillClrLst meth="repeat">
+      <a:schemeClr val="accent1"/>
+    </dgm:fillClrLst>
+    <dgm:linClrLst meth="repeat">
+      <a:schemeClr val="lt1"/>
+    </dgm:linClrLst>
+    <dgm:effectClrLst/>
+    <dgm:txLinClrLst/>
+    <dgm:txFillClrLst/>
+    <dgm:txEffectClrLst/>
+  </dgm:styleLbl>
+  <dgm:styleLbl name="asst4">
+    <dgm:fillClrLst meth="repeat">
+      <a:schemeClr val="accent1"/>
+    </dgm:fillClrLst>
+    <dgm:linClrLst meth="repeat">
+      <a:schemeClr val="lt1"/>
+    </dgm:linClrLst>
+    <dgm:effectClrLst/>
+    <dgm:txLinClrLst/>
+    <dgm:txFillClrLst/>
+    <dgm:txEffectClrLst/>
+  </dgm:styleLbl>
+  <dgm:styleLbl name="parChTrans2D1">
+    <dgm:fillClrLst meth="repeat">
+      <a:schemeClr val="accent1">
+        <a:tint val="60000"/>
+      </a:schemeClr>
+    </dgm:fillClrLst>
+    <dgm:linClrLst meth="repeat">
+      <a:schemeClr val="accent1">
+        <a:tint val="60000"/>
+      </a:schemeClr>
+    </dgm:linClrLst>
+    <dgm:effectClrLst/>
+    <dgm:txLinClrLst/>
+    <dgm:txFillClrLst meth="repeat">
+      <a:schemeClr val="lt1"/>
+    </dgm:txFillClrLst>
+    <dgm:txEffectClrLst/>
+  </dgm:styleLbl>
+  <dgm:styleLbl name="parChTrans2D2">
+    <dgm:fillClrLst meth="repeat">
+      <a:schemeClr val="accent1"/>
+    </dgm:fillClrLst>
+    <dgm:linClrLst meth="repeat">
+      <a:schemeClr val="accent1"/>
+    </dgm:linClrLst>
+    <dgm:effectClrLst/>
+    <dgm:txLinClrLst/>
+    <dgm:txFillClrLst meth="repeat">
+      <a:schemeClr val="lt1"/>
+    </dgm:txFillClrLst>
+    <dgm:txEffectClrLst/>
+  </dgm:styleLbl>
+  <dgm:styleLbl name="parChTrans2D3">
+    <dgm:fillClrLst meth="repeat">
+      <a:schemeClr val="accent1"/>
+    </dgm:fillClrLst>
+    <dgm:linClrLst meth="repeat">
+      <a:schemeClr val="accent1"/>
+    </dgm:linClrLst>
+    <dgm:effectClrLst/>
+    <dgm:txLinClrLst/>
+    <dgm:txFillClrLst meth="repeat">
+      <a:schemeClr val="lt1"/>
+    </dgm:txFillClrLst>
+    <dgm:txEffectClrLst/>
+  </dgm:styleLbl>
+  <dgm:styleLbl name="parChTrans2D4">
+    <dgm:fillClrLst meth="repeat">
+      <a:schemeClr val="accent1"/>
+    </dgm:fillClrLst>
+    <dgm:linClrLst meth="repeat">
+      <a:schemeClr val="accent1"/>
+    </dgm:linClrLst>
+    <dgm:effectClrLst/>
+    <dgm:txLinClrLst/>
+    <dgm:txFillClrLst meth="repeat">
+      <a:schemeClr val="lt1"/>
+    </dgm:txFillClrLst>
+    <dgm:txEffectClrLst/>
+  </dgm:styleLbl>
+  <dgm:styleLbl name="parChTrans1D1">
+    <dgm:fillClrLst meth="repeat">
+      <a:schemeClr val="accent1"/>
+    </dgm:fillClrLst>
+    <dgm:linClrLst meth="repeat">
+      <a:schemeClr val="accent1">
+        <a:shade val="60000"/>
+      </a:schemeClr>
+    </dgm:linClrLst>
+    <dgm:effectClrLst/>
+    <dgm:txLinClrLst/>
+    <dgm:txFillClrLst meth="repeat">
+      <a:schemeClr val="tx1"/>
+    </dgm:txFillClrLst>
+    <dgm:txEffectClrLst/>
+  </dgm:styleLbl>
+  <dgm:styleLbl name="parChTrans1D2">
+    <dgm:fillClrLst meth="repeat">
+      <a:schemeClr val="accent1"/>
+    </dgm:fillClrLst>
+    <dgm:linClrLst meth="repeat">
+      <a:schemeClr val="accent1">
+        <a:shade val="60000"/>
+      </a:schemeClr>
+    </dgm:linClrLst>
+    <dgm:effectClrLst/>
+    <dgm:txLinClrLst/>
+    <dgm:txFillClrLst meth="repeat">
+      <a:schemeClr val="tx1"/>
+    </dgm:txFillClrLst>
+    <dgm:txEffectClrLst/>
+  </dgm:styleLbl>
+  <dgm:styleLbl name="parChTrans1D3">
+    <dgm:fillClrLst meth="repeat">
+      <a:schemeClr val="accent1"/>
+    </dgm:fillClrLst>
+    <dgm:linClrLst meth="repeat">
+      <a:schemeClr val="accent1">
+        <a:shade val="80000"/>
+      </a:schemeClr>
+    </dgm:linClrLst>
+    <dgm:effectClrLst/>
+    <dgm:txLinClrLst/>
+    <dgm:txFillClrLst meth="repeat">
+      <a:schemeClr val="tx1"/>
+    </dgm:txFillClrLst>
+    <dgm:txEffectClrLst/>
+  </dgm:styleLbl>
+  <dgm:styleLbl name="parChTrans1D4">
+    <dgm:fillClrLst meth="repeat">
+      <a:schemeClr val="accent1"/>
+    </dgm:fillClrLst>
+    <dgm:linClrLst meth="repeat">
+      <a:schemeClr val="accent1">
+        <a:shade val="80000"/>
+      </a:schemeClr>
+    </dgm:linClrLst>
+    <dgm:effectClrLst/>
+    <dgm:txLinClrLst/>
+    <dgm:txFillClrLst meth="repeat">
+      <a:schemeClr val="tx1"/>
+    </dgm:txFillClrLst>
+    <dgm:txEffectClrLst/>
+  </dgm:styleLbl>
+  <dgm:styleLbl name="fgAcc1">
+    <dgm:fillClrLst meth="repeat">
+      <a:schemeClr val="lt1">
+        <a:alpha val="90000"/>
+      </a:schemeClr>
+    </dgm:fillClrLst>
+    <dgm:linClrLst meth="repeat">
+      <a:schemeClr val="accent1"/>
+    </dgm:linClrLst>
+    <dgm:effectClrLst/>
+    <dgm:txLinClrLst/>
+    <dgm:txFillClrLst meth="repeat">
+      <a:schemeClr val="dk1"/>
+    </dgm:txFillClrLst>
+    <dgm:txEffectClrLst/>
+  </dgm:styleLbl>
+  <dgm:styleLbl name="conFgAcc1">
+    <dgm:fillClrLst meth="repeat">
+      <a:schemeClr val="lt1">
+        <a:alpha val="90000"/>
+      </a:schemeClr>
+    </dgm:fillClrLst>
+    <dgm:linClrLst meth="repeat">
+      <a:schemeClr val="accent1"/>
+    </dgm:linClrLst>
+    <dgm:effectClrLst/>
+    <dgm:txLinClrLst/>
+    <dgm:txFillClrLst meth="repeat">
+      <a:schemeClr val="dk1"/>
+    </dgm:txFillClrLst>
+    <dgm:txEffectClrLst/>
+  </dgm:styleLbl>
+  <dgm:styleLbl name="alignAcc1">
+    <dgm:fillClrLst meth="repeat">
+      <a:schemeClr val="lt1">
+        <a:alpha val="90000"/>
+      </a:schemeClr>
+    </dgm:fillClrLst>
+    <dgm:linClrLst meth="repeat">
+      <a:schemeClr val="accent1"/>
+    </dgm:linClrLst>
+    <dgm:effectClrLst/>
+    <dgm:txLinClrLst/>
+    <dgm:txFillClrLst meth="repeat">
+      <a:schemeClr val="dk1"/>
+    </dgm:txFillClrLst>
+    <dgm:txEffectClrLst/>
+  </dgm:styleLbl>
+  <dgm:styleLbl name="trAlignAcc1">
+    <dgm:fillClrLst meth="repeat">
+      <a:schemeClr val="lt1">
+        <a:alpha val="40000"/>
+      </a:schemeClr>
+    </dgm:fillClrLst>
+    <dgm:linClrLst meth="repeat">
+      <a:schemeClr val="accent1"/>
+    </dgm:linClrLst>
+    <dgm:effectClrLst/>
+    <dgm:txLinClrLst/>
+    <dgm:txFillClrLst meth="repeat">
+      <a:schemeClr val="dk1"/>
+    </dgm:txFillClrLst>
+    <dgm:txEffectClrLst/>
+  </dgm:styleLbl>
+  <dgm:styleLbl name="bgAcc1">
+    <dgm:fillClrLst meth="repeat">
+      <a:schemeClr val="lt1">
+        <a:alpha val="90000"/>
+      </a:schemeClr>
+    </dgm:fillClrLst>
+    <dgm:linClrLst meth="repeat">
+      <a:schemeClr val="accent1"/>
+    </dgm:linClrLst>
+    <dgm:effectClrLst/>
+    <dgm:txLinClrLst/>
+    <dgm:txFillClrLst meth="repeat">
+      <a:schemeClr val="dk1"/>
+    </dgm:txFillClrLst>
+    <dgm:txEffectClrLst/>
+  </dgm:styleLbl>
+  <dgm:styleLbl name="solidFgAcc1">
+    <dgm:fillClrLst meth="repeat">
+      <a:schemeClr val="lt1"/>
+    </dgm:fillClrLst>
+    <dgm:linClrLst meth="repeat">
+      <a:schemeClr val="accent1"/>
+    </dgm:linClrLst>
+    <dgm:effectClrLst/>
+    <dgm:txLinClrLst/>
+    <dgm:txFillClrLst meth="repeat">
+      <a:schemeClr val="dk1"/>
+    </dgm:txFillClrLst>
+    <dgm:txEffectClrLst/>
+  </dgm:styleLbl>
+  <dgm:styleLbl name="solidAlignAcc1">
+    <dgm:fillClrLst meth="repeat">
+      <a:schemeClr val="lt1"/>
+    </dgm:fillClrLst>
+    <dgm:linClrLst meth="repeat">
+      <a:schemeClr val="accent1"/>
+    </dgm:linClrLst>
+    <dgm:effectClrLst/>
+    <dgm:txLinClrLst/>
+    <dgm:txFillClrLst meth="repeat">
+      <a:schemeClr val="dk1"/>
+    </dgm:txFillClrLst>
+    <dgm:txEffectClrLst/>
+  </dgm:styleLbl>
+  <dgm:styleLbl name="solidBgAcc1">
+    <dgm:fillClrLst meth="repeat">
+      <a:schemeClr val="lt1"/>
+    </dgm:fillClrLst>
+    <dgm:linClrLst meth="repeat">
+      <a:schemeClr val="accent1"/>
+    </dgm:linClrLst>
+    <dgm:effectClrLst/>
+    <dgm:txLinClrLst/>
+    <dgm:txFillClrLst meth="repeat">
+      <a:schemeClr val="dk1"/>
+    </dgm:txFillClrLst>
+    <dgm:txEffectClrLst/>
+  </dgm:styleLbl>
+  <dgm:styleLbl name="fgAccFollowNode1">
+    <dgm:fillClrLst meth="repeat">
+      <a:schemeClr val="accent1">
+        <a:alpha val="90000"/>
+        <a:tint val="40000"/>
+      </a:schemeClr>
+    </dgm:fillClrLst>
+    <dgm:linClrLst meth="repeat">
+      <a:schemeClr val="accent1">
+        <a:alpha val="90000"/>
+        <a:tint val="40000"/>
+      </a:schemeClr>
+    </dgm:linClrLst>
+    <dgm:effectClrLst/>
+    <dgm:txLinClrLst/>
+    <dgm:txFillClrLst meth="repeat">
+      <a:schemeClr val="dk1"/>
+    </dgm:txFillClrLst>
+    <dgm:txEffectClrLst/>
+  </dgm:styleLbl>
+  <dgm:styleLbl name="alignAccFollowNode1">
+    <dgm:fillClrLst meth="repeat">
+      <a:schemeClr val="accent1">
+        <a:alpha val="90000"/>
+        <a:tint val="40000"/>
+      </a:schemeClr>
+    </dgm:fillClrLst>
+    <dgm:linClrLst meth="repeat">
+      <a:schemeClr val="accent1">
+        <a:alpha val="90000"/>
+        <a:tint val="40000"/>
+      </a:schemeClr>
+    </dgm:linClrLst>
+    <dgm:effectClrLst/>
+    <dgm:txLinClrLst/>
+    <dgm:txFillClrLst meth="repeat">
+      <a:schemeClr val="dk1"/>
+    </dgm:txFillClrLst>
+    <dgm:txEffectClrLst/>
+  </dgm:styleLbl>
+  <dgm:styleLbl name="bgAccFollowNode1">
+    <dgm:fillClrLst meth="repeat">
+      <a:schemeClr val="accent1">
+        <a:alpha val="90000"/>
+        <a:tint val="40000"/>
+      </a:schemeClr>
+    </dgm:fillClrLst>
+    <dgm:linClrLst meth="repeat">
+      <a:schemeClr val="accent1">
+        <a:alpha val="90000"/>
+        <a:tint val="40000"/>
+      </a:schemeClr>
+    </dgm:linClrLst>
+    <dgm:effectClrLst/>
+    <dgm:txLinClrLst/>
+    <dgm:txFillClrLst meth="repeat">
+      <a:schemeClr val="dk1"/>
+    </dgm:txFillClrLst>
+    <dgm:txEffectClrLst/>
+  </dgm:styleLbl>
+  <dgm:styleLbl name="fgAcc0">
+    <dgm:fillClrLst meth="repeat">
+      <a:schemeClr val="lt1">
+        <a:alpha val="90000"/>
+      </a:schemeClr>
+    </dgm:fillClrLst>
+    <dgm:linClrLst meth="repeat">
+      <a:schemeClr val="accent1"/>
+    </dgm:linClrLst>
+    <dgm:effectClrLst/>
+    <dgm:txLinClrLst/>
+    <dgm:txFillClrLst meth="repeat">
+      <a:schemeClr val="dk1"/>
+    </dgm:txFillClrLst>
+    <dgm:txEffectClrLst/>
+  </dgm:styleLbl>
+  <dgm:styleLbl name="fgAcc2">
+    <dgm:fillClrLst meth="repeat">
+      <a:schemeClr val="lt1">
+        <a:alpha val="90000"/>
+      </a:schemeClr>
+    </dgm:fillClrLst>
+    <dgm:linClrLst meth="repeat">
+      <a:schemeClr val="accent1"/>
+    </dgm:linClrLst>
+    <dgm:effectClrLst/>
+    <dgm:txLinClrLst/>
+    <dgm:txFillClrLst meth="repeat">
+      <a:schemeClr val="dk1"/>
+    </dgm:txFillClrLst>
+    <dgm:txEffectClrLst/>
+  </dgm:styleLbl>
+  <dgm:styleLbl name="fgAcc3">
+    <dgm:fillClrLst meth="repeat">
+      <a:schemeClr val="lt1">
+        <a:alpha val="90000"/>
+      </a:schemeClr>
+    </dgm:fillClrLst>
+    <dgm:linClrLst meth="repeat">
+      <a:schemeClr val="accent1"/>
+    </dgm:linClrLst>
+    <dgm:effectClrLst/>
+    <dgm:txLinClrLst/>
+    <dgm:txFillClrLst meth="repeat">
+      <a:schemeClr val="dk1"/>
+    </dgm:txFillClrLst>
+    <dgm:txEffectClrLst/>
+  </dgm:styleLbl>
+  <dgm:styleLbl name="fgAcc4">
+    <dgm:fillClrLst meth="repeat">
+      <a:schemeClr val="lt1">
+        <a:alpha val="90000"/>
+      </a:schemeClr>
+    </dgm:fillClrLst>
+    <dgm:linClrLst meth="repeat">
+      <a:schemeClr val="accent1"/>
+    </dgm:linClrLst>
+    <dgm:effectClrLst/>
+    <dgm:txLinClrLst/>
+    <dgm:txFillClrLst meth="repeat">
+      <a:schemeClr val="dk1"/>
+    </dgm:txFillClrLst>
+    <dgm:txEffectClrLst/>
+  </dgm:styleLbl>
+  <dgm:styleLbl name="bgShp">
+    <dgm:fillClrLst meth="repeat">
+      <a:schemeClr val="accent1">
+        <a:tint val="40000"/>
+      </a:schemeClr>
+    </dgm:fillClrLst>
+    <dgm:linClrLst meth="repeat">
+      <a:schemeClr val="accent1"/>
+    </dgm:linClrLst>
+    <dgm:effectClrLst/>
+    <dgm:txLinClrLst/>
+    <dgm:txFillClrLst meth="repeat">
+      <a:schemeClr val="dk1"/>
+    </dgm:txFillClrLst>
+    <dgm:txEffectClrLst/>
+  </dgm:styleLbl>
+  <dgm:styleLbl name="dkBgShp">
+    <dgm:fillClrLst meth="repeat">
+      <a:schemeClr val="accent1">
+        <a:shade val="80000"/>
+      </a:schemeClr>
+    </dgm:fillClrLst>
+    <dgm:linClrLst meth="repeat">
+      <a:schemeClr val="accent1"/>
+    </dgm:linClrLst>
+    <dgm:effectClrLst/>
+    <dgm:txLinClrLst/>
+    <dgm:txFillClrLst meth="repeat">
+      <a:schemeClr val="lt1"/>
+    </dgm:txFillClrLst>
+    <dgm:txEffectClrLst/>
+  </dgm:styleLbl>
+  <dgm:styleLbl name="trBgShp">
+    <dgm:fillClrLst meth="repeat">
+      <a:schemeClr val="accent1">
+        <a:tint val="50000"/>
+        <a:alpha val="40000"/>
+      </a:schemeClr>
+    </dgm:fillClrLst>
+    <dgm:linClrLst meth="repeat">
+      <a:schemeClr val="accent1"/>
+    </dgm:linClrLst>
+    <dgm:effectClrLst/>
+    <dgm:txLinClrLst/>
+    <dgm:txFillClrLst meth="repeat">
+      <a:schemeClr val="lt1"/>
+    </dgm:txFillClrLst>
+    <dgm:txEffectClrLst/>
+  </dgm:styleLbl>
+  <dgm:styleLbl name="fgShp">
+    <dgm:fillClrLst meth="repeat">
+      <a:schemeClr val="accent1">
+        <a:tint val="60000"/>
+      </a:schemeClr>
+    </dgm:fillClrLst>
+    <dgm:linClrLst meth="repeat">
+      <a:schemeClr val="lt1"/>
+    </dgm:linClrLst>
+    <dgm:effectClrLst/>
+    <dgm:txLinClrLst/>
+    <dgm:txFillClrLst meth="repeat">
+      <a:schemeClr val="dk1"/>
+    </dgm:txFillClrLst>
+    <dgm:txEffectClrLst/>
+  </dgm:styleLbl>
+  <dgm:styleLbl name="revTx">
+    <dgm:fillClrLst meth="repeat">
+      <a:schemeClr val="lt1">
+        <a:alpha val="0"/>
+      </a:schemeClr>
+    </dgm:fillClrLst>
+    <dgm:linClrLst meth="repeat">
+      <a:schemeClr val="dk1">
+        <a:alpha val="0"/>
+      </a:schemeClr>
+    </dgm:linClrLst>
+    <dgm:effectClrLst/>
+    <dgm:txLinClrLst/>
+    <dgm:txFillClrLst meth="repeat">
+      <a:schemeClr val="tx1"/>
+    </dgm:txFillClrLst>
+    <dgm:txEffectClrLst/>
+  </dgm:styleLbl>
+</dgm:colorsDef>
+</file>
+
 <file path=ppt/diagrams/data1.xml><?xml version="1.0" encoding="utf-8"?>
 <dgm:dataModel xmlns:dgm="http://schemas.openxmlformats.org/drawingml/2006/diagram" xmlns:a="http://schemas.openxmlformats.org/drawingml/2006/main">
   <dgm:ptLst>
@@ -7006,6 +7863,218 @@
   <dgm:extLst>
     <a:ext uri="http://schemas.microsoft.com/office/drawing/2008/diagram">
       <dsp:dataModelExt xmlns:dsp="http://schemas.microsoft.com/office/drawing/2008/diagram" relId="rId8" minVer="http://schemas.openxmlformats.org/drawingml/2006/diagram"/>
+    </a:ext>
+  </dgm:extLst>
+</dgm:dataModel>
+</file>
+
+<file path=ppt/diagrams/data6.xml><?xml version="1.0" encoding="utf-8"?>
+<dgm:dataModel xmlns:dgm="http://schemas.openxmlformats.org/drawingml/2006/diagram" xmlns:a="http://schemas.openxmlformats.org/drawingml/2006/main">
+  <dgm:ptLst>
+    <dgm:pt modelId="{FD57AC2A-9A2B-45DD-B632-E4AC2B32072B}" type="doc">
+      <dgm:prSet loTypeId="urn:microsoft.com/office/officeart/2008/layout/LinedList" loCatId="list" qsTypeId="urn:microsoft.com/office/officeart/2005/8/quickstyle/simple1" qsCatId="simple" csTypeId="urn:microsoft.com/office/officeart/2005/8/colors/accent1_2" csCatId="accent1"/>
+      <dgm:spPr/>
+      <dgm:t>
+        <a:bodyPr/>
+        <a:lstStyle/>
+        <a:p>
+          <a:endParaRPr lang="en-US"/>
+        </a:p>
+      </dgm:t>
+    </dgm:pt>
+    <dgm:pt modelId="{5BB32549-C106-4320-9548-6DE28AC0634B}">
+      <dgm:prSet/>
+      <dgm:spPr/>
+      <dgm:t>
+        <a:bodyPr/>
+        <a:lstStyle/>
+        <a:p>
+          <a:r>
+            <a:rPr lang="en-US" dirty="0"/>
+            <a:t>No Vision</a:t>
+          </a:r>
+        </a:p>
+      </dgm:t>
+    </dgm:pt>
+    <dgm:pt modelId="{BC7D1508-C8AC-4FE4-B907-A517DF5762E3}" type="parTrans" cxnId="{40C388D7-5806-4D55-91CA-5D8B1ED3C3D4}">
+      <dgm:prSet/>
+      <dgm:spPr/>
+      <dgm:t>
+        <a:bodyPr/>
+        <a:lstStyle/>
+        <a:p>
+          <a:endParaRPr lang="en-US"/>
+        </a:p>
+      </dgm:t>
+    </dgm:pt>
+    <dgm:pt modelId="{A40B8B2F-357B-4784-9131-9CCB026F1C49}" type="sibTrans" cxnId="{40C388D7-5806-4D55-91CA-5D8B1ED3C3D4}">
+      <dgm:prSet/>
+      <dgm:spPr/>
+      <dgm:t>
+        <a:bodyPr/>
+        <a:lstStyle/>
+        <a:p>
+          <a:endParaRPr lang="en-US"/>
+        </a:p>
+      </dgm:t>
+    </dgm:pt>
+    <dgm:pt modelId="{2718B72C-80C0-4ABC-A38D-8C220E992D44}">
+      <dgm:prSet/>
+      <dgm:spPr/>
+      <dgm:t>
+        <a:bodyPr/>
+        <a:lstStyle/>
+        <a:p>
+          <a:r>
+            <a:rPr lang="en-US" dirty="0"/>
+            <a:t>No Leadership or Bad Leadership</a:t>
+          </a:r>
+        </a:p>
+      </dgm:t>
+    </dgm:pt>
+    <dgm:pt modelId="{1977E6D8-BC94-4535-A3D2-9AFE06ECAF2C}" type="parTrans" cxnId="{2C864F29-43E0-4E4C-BFE1-DEE7676206F7}">
+      <dgm:prSet/>
+      <dgm:spPr/>
+      <dgm:t>
+        <a:bodyPr/>
+        <a:lstStyle/>
+        <a:p>
+          <a:endParaRPr lang="en-US"/>
+        </a:p>
+      </dgm:t>
+    </dgm:pt>
+    <dgm:pt modelId="{31A4FA73-1A44-4B76-ABA1-DD8A22C7A97F}" type="sibTrans" cxnId="{2C864F29-43E0-4E4C-BFE1-DEE7676206F7}">
+      <dgm:prSet/>
+      <dgm:spPr/>
+      <dgm:t>
+        <a:bodyPr/>
+        <a:lstStyle/>
+        <a:p>
+          <a:endParaRPr lang="en-US"/>
+        </a:p>
+      </dgm:t>
+    </dgm:pt>
+    <dgm:pt modelId="{3B2D9F7F-F9A9-4130-8710-898DFD22EDE0}">
+      <dgm:prSet/>
+      <dgm:spPr/>
+      <dgm:t>
+        <a:bodyPr/>
+        <a:lstStyle/>
+        <a:p>
+          <a:r>
+            <a:rPr lang="en-US"/>
+            <a:t>No Commitment</a:t>
+          </a:r>
+        </a:p>
+      </dgm:t>
+    </dgm:pt>
+    <dgm:pt modelId="{32C7E02F-D044-4A23-8303-9712AF76E4F8}" type="parTrans" cxnId="{087FFAC8-4CDB-457B-8911-33459555A21D}">
+      <dgm:prSet/>
+      <dgm:spPr/>
+      <dgm:t>
+        <a:bodyPr/>
+        <a:lstStyle/>
+        <a:p>
+          <a:endParaRPr lang="en-US"/>
+        </a:p>
+      </dgm:t>
+    </dgm:pt>
+    <dgm:pt modelId="{318CB700-8851-4067-BFDA-DA6295AD9781}" type="sibTrans" cxnId="{087FFAC8-4CDB-457B-8911-33459555A21D}">
+      <dgm:prSet/>
+      <dgm:spPr/>
+      <dgm:t>
+        <a:bodyPr/>
+        <a:lstStyle/>
+        <a:p>
+          <a:endParaRPr lang="en-US"/>
+        </a:p>
+      </dgm:t>
+    </dgm:pt>
+    <dgm:pt modelId="{FF4B98F4-BB82-4A8F-86BA-696B2FC20152}" type="pres">
+      <dgm:prSet presAssocID="{FD57AC2A-9A2B-45DD-B632-E4AC2B32072B}" presName="vert0" presStyleCnt="0">
+        <dgm:presLayoutVars>
+          <dgm:dir/>
+          <dgm:animOne val="branch"/>
+          <dgm:animLvl val="lvl"/>
+        </dgm:presLayoutVars>
+      </dgm:prSet>
+      <dgm:spPr/>
+    </dgm:pt>
+    <dgm:pt modelId="{347CE915-4622-4F9F-87CC-1716574C2384}" type="pres">
+      <dgm:prSet presAssocID="{5BB32549-C106-4320-9548-6DE28AC0634B}" presName="thickLine" presStyleLbl="alignNode1" presStyleIdx="0" presStyleCnt="3"/>
+      <dgm:spPr/>
+    </dgm:pt>
+    <dgm:pt modelId="{62E0E2B1-585F-4F50-90E3-6C9DB8D4E5CF}" type="pres">
+      <dgm:prSet presAssocID="{5BB32549-C106-4320-9548-6DE28AC0634B}" presName="horz1" presStyleCnt="0"/>
+      <dgm:spPr/>
+    </dgm:pt>
+    <dgm:pt modelId="{A5797537-1694-4617-849E-A86E524B0DC8}" type="pres">
+      <dgm:prSet presAssocID="{5BB32549-C106-4320-9548-6DE28AC0634B}" presName="tx1" presStyleLbl="revTx" presStyleIdx="0" presStyleCnt="3"/>
+      <dgm:spPr/>
+    </dgm:pt>
+    <dgm:pt modelId="{C3B16172-3EB0-46E3-989A-B2F4DF86EEB5}" type="pres">
+      <dgm:prSet presAssocID="{5BB32549-C106-4320-9548-6DE28AC0634B}" presName="vert1" presStyleCnt="0"/>
+      <dgm:spPr/>
+    </dgm:pt>
+    <dgm:pt modelId="{22BCEAE0-7491-4158-A8DF-E207344DE370}" type="pres">
+      <dgm:prSet presAssocID="{2718B72C-80C0-4ABC-A38D-8C220E992D44}" presName="thickLine" presStyleLbl="alignNode1" presStyleIdx="1" presStyleCnt="3"/>
+      <dgm:spPr/>
+    </dgm:pt>
+    <dgm:pt modelId="{6F916C32-FC8E-411A-9346-03AB44AC1DB2}" type="pres">
+      <dgm:prSet presAssocID="{2718B72C-80C0-4ABC-A38D-8C220E992D44}" presName="horz1" presStyleCnt="0"/>
+      <dgm:spPr/>
+    </dgm:pt>
+    <dgm:pt modelId="{FB3E8359-B3B7-40F5-B45C-52995A2E80E3}" type="pres">
+      <dgm:prSet presAssocID="{2718B72C-80C0-4ABC-A38D-8C220E992D44}" presName="tx1" presStyleLbl="revTx" presStyleIdx="1" presStyleCnt="3"/>
+      <dgm:spPr/>
+    </dgm:pt>
+    <dgm:pt modelId="{054B5683-A4CB-4239-A897-2613AF1A3948}" type="pres">
+      <dgm:prSet presAssocID="{2718B72C-80C0-4ABC-A38D-8C220E992D44}" presName="vert1" presStyleCnt="0"/>
+      <dgm:spPr/>
+    </dgm:pt>
+    <dgm:pt modelId="{9F60D8B1-5202-49C8-B715-24E0443474B8}" type="pres">
+      <dgm:prSet presAssocID="{3B2D9F7F-F9A9-4130-8710-898DFD22EDE0}" presName="thickLine" presStyleLbl="alignNode1" presStyleIdx="2" presStyleCnt="3"/>
+      <dgm:spPr/>
+    </dgm:pt>
+    <dgm:pt modelId="{16546C82-4EC1-45AF-85FA-18D43A44439F}" type="pres">
+      <dgm:prSet presAssocID="{3B2D9F7F-F9A9-4130-8710-898DFD22EDE0}" presName="horz1" presStyleCnt="0"/>
+      <dgm:spPr/>
+    </dgm:pt>
+    <dgm:pt modelId="{447C2EC2-3062-4C5B-8AF2-12CBFFB85D02}" type="pres">
+      <dgm:prSet presAssocID="{3B2D9F7F-F9A9-4130-8710-898DFD22EDE0}" presName="tx1" presStyleLbl="revTx" presStyleIdx="2" presStyleCnt="3"/>
+      <dgm:spPr/>
+    </dgm:pt>
+    <dgm:pt modelId="{06FDAE97-5049-4E59-B290-252ED08437D6}" type="pres">
+      <dgm:prSet presAssocID="{3B2D9F7F-F9A9-4130-8710-898DFD22EDE0}" presName="vert1" presStyleCnt="0"/>
+      <dgm:spPr/>
+    </dgm:pt>
+  </dgm:ptLst>
+  <dgm:cxnLst>
+    <dgm:cxn modelId="{B5703227-583F-48F2-9B92-C061699B1DEF}" type="presOf" srcId="{2718B72C-80C0-4ABC-A38D-8C220E992D44}" destId="{FB3E8359-B3B7-40F5-B45C-52995A2E80E3}" srcOrd="0" destOrd="0" presId="urn:microsoft.com/office/officeart/2008/layout/LinedList"/>
+    <dgm:cxn modelId="{C49F2E29-B7BB-4DAD-B987-CC76D659205C}" type="presOf" srcId="{5BB32549-C106-4320-9548-6DE28AC0634B}" destId="{A5797537-1694-4617-849E-A86E524B0DC8}" srcOrd="0" destOrd="0" presId="urn:microsoft.com/office/officeart/2008/layout/LinedList"/>
+    <dgm:cxn modelId="{2C864F29-43E0-4E4C-BFE1-DEE7676206F7}" srcId="{FD57AC2A-9A2B-45DD-B632-E4AC2B32072B}" destId="{2718B72C-80C0-4ABC-A38D-8C220E992D44}" srcOrd="1" destOrd="0" parTransId="{1977E6D8-BC94-4535-A3D2-9AFE06ECAF2C}" sibTransId="{31A4FA73-1A44-4B76-ABA1-DD8A22C7A97F}"/>
+    <dgm:cxn modelId="{C6F5E962-7657-4F95-A805-652FEC41205B}" type="presOf" srcId="{FD57AC2A-9A2B-45DD-B632-E4AC2B32072B}" destId="{FF4B98F4-BB82-4A8F-86BA-696B2FC20152}" srcOrd="0" destOrd="0" presId="urn:microsoft.com/office/officeart/2008/layout/LinedList"/>
+    <dgm:cxn modelId="{087FFAC8-4CDB-457B-8911-33459555A21D}" srcId="{FD57AC2A-9A2B-45DD-B632-E4AC2B32072B}" destId="{3B2D9F7F-F9A9-4130-8710-898DFD22EDE0}" srcOrd="2" destOrd="0" parTransId="{32C7E02F-D044-4A23-8303-9712AF76E4F8}" sibTransId="{318CB700-8851-4067-BFDA-DA6295AD9781}"/>
+    <dgm:cxn modelId="{40C388D7-5806-4D55-91CA-5D8B1ED3C3D4}" srcId="{FD57AC2A-9A2B-45DD-B632-E4AC2B32072B}" destId="{5BB32549-C106-4320-9548-6DE28AC0634B}" srcOrd="0" destOrd="0" parTransId="{BC7D1508-C8AC-4FE4-B907-A517DF5762E3}" sibTransId="{A40B8B2F-357B-4784-9131-9CCB026F1C49}"/>
+    <dgm:cxn modelId="{0C3667DD-3B3A-4204-9AB2-692562BAE91C}" type="presOf" srcId="{3B2D9F7F-F9A9-4130-8710-898DFD22EDE0}" destId="{447C2EC2-3062-4C5B-8AF2-12CBFFB85D02}" srcOrd="0" destOrd="0" presId="urn:microsoft.com/office/officeart/2008/layout/LinedList"/>
+    <dgm:cxn modelId="{DB0DEC37-05B8-458C-A27C-6555326B6B3D}" type="presParOf" srcId="{FF4B98F4-BB82-4A8F-86BA-696B2FC20152}" destId="{347CE915-4622-4F9F-87CC-1716574C2384}" srcOrd="0" destOrd="0" presId="urn:microsoft.com/office/officeart/2008/layout/LinedList"/>
+    <dgm:cxn modelId="{2E1D17E6-4E1F-4481-AE55-9AD5C0BC21E5}" type="presParOf" srcId="{FF4B98F4-BB82-4A8F-86BA-696B2FC20152}" destId="{62E0E2B1-585F-4F50-90E3-6C9DB8D4E5CF}" srcOrd="1" destOrd="0" presId="urn:microsoft.com/office/officeart/2008/layout/LinedList"/>
+    <dgm:cxn modelId="{A2483590-76FF-43FD-85B2-739AFA440805}" type="presParOf" srcId="{62E0E2B1-585F-4F50-90E3-6C9DB8D4E5CF}" destId="{A5797537-1694-4617-849E-A86E524B0DC8}" srcOrd="0" destOrd="0" presId="urn:microsoft.com/office/officeart/2008/layout/LinedList"/>
+    <dgm:cxn modelId="{E2412601-4EED-42B5-9E18-3FBF793713C1}" type="presParOf" srcId="{62E0E2B1-585F-4F50-90E3-6C9DB8D4E5CF}" destId="{C3B16172-3EB0-46E3-989A-B2F4DF86EEB5}" srcOrd="1" destOrd="0" presId="urn:microsoft.com/office/officeart/2008/layout/LinedList"/>
+    <dgm:cxn modelId="{7B5A64F9-932A-4D44-8B3C-80CBE41FF45D}" type="presParOf" srcId="{FF4B98F4-BB82-4A8F-86BA-696B2FC20152}" destId="{22BCEAE0-7491-4158-A8DF-E207344DE370}" srcOrd="2" destOrd="0" presId="urn:microsoft.com/office/officeart/2008/layout/LinedList"/>
+    <dgm:cxn modelId="{191EBCBC-30AB-4826-8B41-DB1DF01DB921}" type="presParOf" srcId="{FF4B98F4-BB82-4A8F-86BA-696B2FC20152}" destId="{6F916C32-FC8E-411A-9346-03AB44AC1DB2}" srcOrd="3" destOrd="0" presId="urn:microsoft.com/office/officeart/2008/layout/LinedList"/>
+    <dgm:cxn modelId="{2119FE06-B02D-4ACF-BAF7-C1C12F03F9B4}" type="presParOf" srcId="{6F916C32-FC8E-411A-9346-03AB44AC1DB2}" destId="{FB3E8359-B3B7-40F5-B45C-52995A2E80E3}" srcOrd="0" destOrd="0" presId="urn:microsoft.com/office/officeart/2008/layout/LinedList"/>
+    <dgm:cxn modelId="{CA47E4E2-5D7E-4289-9E7B-6ECAB4FE9A4F}" type="presParOf" srcId="{6F916C32-FC8E-411A-9346-03AB44AC1DB2}" destId="{054B5683-A4CB-4239-A897-2613AF1A3948}" srcOrd="1" destOrd="0" presId="urn:microsoft.com/office/officeart/2008/layout/LinedList"/>
+    <dgm:cxn modelId="{FA2FB313-7795-4121-B4C2-7A2CB74EAD6E}" type="presParOf" srcId="{FF4B98F4-BB82-4A8F-86BA-696B2FC20152}" destId="{9F60D8B1-5202-49C8-B715-24E0443474B8}" srcOrd="4" destOrd="0" presId="urn:microsoft.com/office/officeart/2008/layout/LinedList"/>
+    <dgm:cxn modelId="{FC16AC7B-74B7-4EFF-A7B6-8714531301AE}" type="presParOf" srcId="{FF4B98F4-BB82-4A8F-86BA-696B2FC20152}" destId="{16546C82-4EC1-45AF-85FA-18D43A44439F}" srcOrd="5" destOrd="0" presId="urn:microsoft.com/office/officeart/2008/layout/LinedList"/>
+    <dgm:cxn modelId="{1274BD30-7202-4C2E-90D7-9828A711F34E}" type="presParOf" srcId="{16546C82-4EC1-45AF-85FA-18D43A44439F}" destId="{447C2EC2-3062-4C5B-8AF2-12CBFFB85D02}" srcOrd="0" destOrd="0" presId="urn:microsoft.com/office/officeart/2008/layout/LinedList"/>
+    <dgm:cxn modelId="{4B77E5BE-76F5-42C8-97AA-6C017685E57D}" type="presParOf" srcId="{16546C82-4EC1-45AF-85FA-18D43A44439F}" destId="{06FDAE97-5049-4E59-B290-252ED08437D6}" srcOrd="1" destOrd="0" presId="urn:microsoft.com/office/officeart/2008/layout/LinedList"/>
+  </dgm:cxnLst>
+  <dgm:bg/>
+  <dgm:whole/>
+  <dgm:extLst>
+    <a:ext uri="http://schemas.microsoft.com/office/drawing/2008/diagram">
+      <dsp:dataModelExt xmlns:dsp="http://schemas.microsoft.com/office/drawing/2008/diagram" relId="rId7" minVer="http://schemas.openxmlformats.org/drawingml/2006/diagram"/>
     </a:ext>
   </dgm:extLst>
 </dgm:dataModel>
@@ -8993,6 +10062,345 @@
       <dsp:txXfrm>
         <a:off x="5554837" y="2860441"/>
         <a:ext cx="4320000" cy="517510"/>
+      </dsp:txXfrm>
+    </dsp:sp>
+  </dsp:spTree>
+</dsp:drawing>
+</file>
+
+<file path=ppt/diagrams/drawing6.xml><?xml version="1.0" encoding="utf-8"?>
+<dsp:drawing xmlns:dgm="http://schemas.openxmlformats.org/drawingml/2006/diagram" xmlns:dsp="http://schemas.microsoft.com/office/drawing/2008/diagram" xmlns:a="http://schemas.openxmlformats.org/drawingml/2006/main">
+  <dsp:spTree>
+    <dsp:nvGrpSpPr>
+      <dsp:cNvPr id="0" name=""/>
+      <dsp:cNvGrpSpPr/>
+    </dsp:nvGrpSpPr>
+    <dsp:grpSpPr/>
+    <dsp:sp modelId="{347CE915-4622-4F9F-87CC-1716574C2384}">
+      <dsp:nvSpPr>
+        <dsp:cNvPr id="0" name=""/>
+        <dsp:cNvSpPr/>
+      </dsp:nvSpPr>
+      <dsp:spPr>
+        <a:xfrm>
+          <a:off x="0" y="1981"/>
+          <a:ext cx="10353761" cy="0"/>
+        </a:xfrm>
+        <a:prstGeom prst="line">
+          <a:avLst/>
+        </a:prstGeom>
+        <a:solidFill>
+          <a:schemeClr val="accent1">
+            <a:hueOff val="0"/>
+            <a:satOff val="0"/>
+            <a:lumOff val="0"/>
+            <a:alphaOff val="0"/>
+          </a:schemeClr>
+        </a:solidFill>
+        <a:ln w="15875" cap="rnd" cmpd="sng" algn="ctr">
+          <a:solidFill>
+            <a:schemeClr val="accent1">
+              <a:hueOff val="0"/>
+              <a:satOff val="0"/>
+              <a:lumOff val="0"/>
+              <a:alphaOff val="0"/>
+            </a:schemeClr>
+          </a:solidFill>
+          <a:prstDash val="solid"/>
+        </a:ln>
+        <a:effectLst/>
+      </dsp:spPr>
+      <dsp:style>
+        <a:lnRef idx="2">
+          <a:scrgbClr r="0" g="0" b="0"/>
+        </a:lnRef>
+        <a:fillRef idx="1">
+          <a:scrgbClr r="0" g="0" b="0"/>
+        </a:fillRef>
+        <a:effectRef idx="0">
+          <a:scrgbClr r="0" g="0" b="0"/>
+        </a:effectRef>
+        <a:fontRef idx="minor">
+          <a:schemeClr val="lt1"/>
+        </a:fontRef>
+      </dsp:style>
+    </dsp:sp>
+    <dsp:sp modelId="{A5797537-1694-4617-849E-A86E524B0DC8}">
+      <dsp:nvSpPr>
+        <dsp:cNvPr id="0" name=""/>
+        <dsp:cNvSpPr/>
+      </dsp:nvSpPr>
+      <dsp:spPr>
+        <a:xfrm>
+          <a:off x="0" y="1981"/>
+          <a:ext cx="10353761" cy="1351595"/>
+        </a:xfrm>
+        <a:prstGeom prst="rect">
+          <a:avLst/>
+        </a:prstGeom>
+        <a:noFill/>
+        <a:ln>
+          <a:noFill/>
+        </a:ln>
+        <a:effectLst/>
+      </dsp:spPr>
+      <dsp:style>
+        <a:lnRef idx="0">
+          <a:scrgbClr r="0" g="0" b="0"/>
+        </a:lnRef>
+        <a:fillRef idx="0">
+          <a:scrgbClr r="0" g="0" b="0"/>
+        </a:fillRef>
+        <a:effectRef idx="0">
+          <a:scrgbClr r="0" g="0" b="0"/>
+        </a:effectRef>
+        <a:fontRef idx="minor"/>
+      </dsp:style>
+      <dsp:txBody>
+        <a:bodyPr spcFirstLastPara="0" vert="horz" wrap="square" lIns="205740" tIns="205740" rIns="205740" bIns="205740" numCol="1" spcCol="1270" anchor="t" anchorCtr="0">
+          <a:noAutofit/>
+        </a:bodyPr>
+        <a:lstStyle/>
+        <a:p>
+          <a:pPr marL="0" lvl="0" indent="0" algn="l" defTabSz="2400300">
+            <a:lnSpc>
+              <a:spcPct val="90000"/>
+            </a:lnSpc>
+            <a:spcBef>
+              <a:spcPct val="0"/>
+            </a:spcBef>
+            <a:spcAft>
+              <a:spcPct val="35000"/>
+            </a:spcAft>
+            <a:buNone/>
+          </a:pPr>
+          <a:r>
+            <a:rPr lang="en-US" sz="5400" kern="1200" dirty="0"/>
+            <a:t>No Vision</a:t>
+          </a:r>
+        </a:p>
+      </dsp:txBody>
+      <dsp:txXfrm>
+        <a:off x="0" y="1981"/>
+        <a:ext cx="10353761" cy="1351595"/>
+      </dsp:txXfrm>
+    </dsp:sp>
+    <dsp:sp modelId="{22BCEAE0-7491-4158-A8DF-E207344DE370}">
+      <dsp:nvSpPr>
+        <dsp:cNvPr id="0" name=""/>
+        <dsp:cNvSpPr/>
+      </dsp:nvSpPr>
+      <dsp:spPr>
+        <a:xfrm>
+          <a:off x="0" y="1353577"/>
+          <a:ext cx="10353761" cy="0"/>
+        </a:xfrm>
+        <a:prstGeom prst="line">
+          <a:avLst/>
+        </a:prstGeom>
+        <a:solidFill>
+          <a:schemeClr val="accent1">
+            <a:hueOff val="0"/>
+            <a:satOff val="0"/>
+            <a:lumOff val="0"/>
+            <a:alphaOff val="0"/>
+          </a:schemeClr>
+        </a:solidFill>
+        <a:ln w="15875" cap="rnd" cmpd="sng" algn="ctr">
+          <a:solidFill>
+            <a:schemeClr val="accent1">
+              <a:hueOff val="0"/>
+              <a:satOff val="0"/>
+              <a:lumOff val="0"/>
+              <a:alphaOff val="0"/>
+            </a:schemeClr>
+          </a:solidFill>
+          <a:prstDash val="solid"/>
+        </a:ln>
+        <a:effectLst/>
+      </dsp:spPr>
+      <dsp:style>
+        <a:lnRef idx="2">
+          <a:scrgbClr r="0" g="0" b="0"/>
+        </a:lnRef>
+        <a:fillRef idx="1">
+          <a:scrgbClr r="0" g="0" b="0"/>
+        </a:fillRef>
+        <a:effectRef idx="0">
+          <a:scrgbClr r="0" g="0" b="0"/>
+        </a:effectRef>
+        <a:fontRef idx="minor">
+          <a:schemeClr val="lt1"/>
+        </a:fontRef>
+      </dsp:style>
+    </dsp:sp>
+    <dsp:sp modelId="{FB3E8359-B3B7-40F5-B45C-52995A2E80E3}">
+      <dsp:nvSpPr>
+        <dsp:cNvPr id="0" name=""/>
+        <dsp:cNvSpPr/>
+      </dsp:nvSpPr>
+      <dsp:spPr>
+        <a:xfrm>
+          <a:off x="0" y="1353577"/>
+          <a:ext cx="10353761" cy="1351595"/>
+        </a:xfrm>
+        <a:prstGeom prst="rect">
+          <a:avLst/>
+        </a:prstGeom>
+        <a:noFill/>
+        <a:ln>
+          <a:noFill/>
+        </a:ln>
+        <a:effectLst/>
+      </dsp:spPr>
+      <dsp:style>
+        <a:lnRef idx="0">
+          <a:scrgbClr r="0" g="0" b="0"/>
+        </a:lnRef>
+        <a:fillRef idx="0">
+          <a:scrgbClr r="0" g="0" b="0"/>
+        </a:fillRef>
+        <a:effectRef idx="0">
+          <a:scrgbClr r="0" g="0" b="0"/>
+        </a:effectRef>
+        <a:fontRef idx="minor"/>
+      </dsp:style>
+      <dsp:txBody>
+        <a:bodyPr spcFirstLastPara="0" vert="horz" wrap="square" lIns="205740" tIns="205740" rIns="205740" bIns="205740" numCol="1" spcCol="1270" anchor="t" anchorCtr="0">
+          <a:noAutofit/>
+        </a:bodyPr>
+        <a:lstStyle/>
+        <a:p>
+          <a:pPr marL="0" lvl="0" indent="0" algn="l" defTabSz="2400300">
+            <a:lnSpc>
+              <a:spcPct val="90000"/>
+            </a:lnSpc>
+            <a:spcBef>
+              <a:spcPct val="0"/>
+            </a:spcBef>
+            <a:spcAft>
+              <a:spcPct val="35000"/>
+            </a:spcAft>
+            <a:buNone/>
+          </a:pPr>
+          <a:r>
+            <a:rPr lang="en-US" sz="5400" kern="1200" dirty="0"/>
+            <a:t>No Leadership or Bad Leadership</a:t>
+          </a:r>
+        </a:p>
+      </dsp:txBody>
+      <dsp:txXfrm>
+        <a:off x="0" y="1353577"/>
+        <a:ext cx="10353761" cy="1351595"/>
+      </dsp:txXfrm>
+    </dsp:sp>
+    <dsp:sp modelId="{9F60D8B1-5202-49C8-B715-24E0443474B8}">
+      <dsp:nvSpPr>
+        <dsp:cNvPr id="0" name=""/>
+        <dsp:cNvSpPr/>
+      </dsp:nvSpPr>
+      <dsp:spPr>
+        <a:xfrm>
+          <a:off x="0" y="2705173"/>
+          <a:ext cx="10353761" cy="0"/>
+        </a:xfrm>
+        <a:prstGeom prst="line">
+          <a:avLst/>
+        </a:prstGeom>
+        <a:solidFill>
+          <a:schemeClr val="accent1">
+            <a:hueOff val="0"/>
+            <a:satOff val="0"/>
+            <a:lumOff val="0"/>
+            <a:alphaOff val="0"/>
+          </a:schemeClr>
+        </a:solidFill>
+        <a:ln w="15875" cap="rnd" cmpd="sng" algn="ctr">
+          <a:solidFill>
+            <a:schemeClr val="accent1">
+              <a:hueOff val="0"/>
+              <a:satOff val="0"/>
+              <a:lumOff val="0"/>
+              <a:alphaOff val="0"/>
+            </a:schemeClr>
+          </a:solidFill>
+          <a:prstDash val="solid"/>
+        </a:ln>
+        <a:effectLst/>
+      </dsp:spPr>
+      <dsp:style>
+        <a:lnRef idx="2">
+          <a:scrgbClr r="0" g="0" b="0"/>
+        </a:lnRef>
+        <a:fillRef idx="1">
+          <a:scrgbClr r="0" g="0" b="0"/>
+        </a:fillRef>
+        <a:effectRef idx="0">
+          <a:scrgbClr r="0" g="0" b="0"/>
+        </a:effectRef>
+        <a:fontRef idx="minor">
+          <a:schemeClr val="lt1"/>
+        </a:fontRef>
+      </dsp:style>
+    </dsp:sp>
+    <dsp:sp modelId="{447C2EC2-3062-4C5B-8AF2-12CBFFB85D02}">
+      <dsp:nvSpPr>
+        <dsp:cNvPr id="0" name=""/>
+        <dsp:cNvSpPr/>
+      </dsp:nvSpPr>
+      <dsp:spPr>
+        <a:xfrm>
+          <a:off x="0" y="2705173"/>
+          <a:ext cx="10353761" cy="1351595"/>
+        </a:xfrm>
+        <a:prstGeom prst="rect">
+          <a:avLst/>
+        </a:prstGeom>
+        <a:noFill/>
+        <a:ln>
+          <a:noFill/>
+        </a:ln>
+        <a:effectLst/>
+      </dsp:spPr>
+      <dsp:style>
+        <a:lnRef idx="0">
+          <a:scrgbClr r="0" g="0" b="0"/>
+        </a:lnRef>
+        <a:fillRef idx="0">
+          <a:scrgbClr r="0" g="0" b="0"/>
+        </a:fillRef>
+        <a:effectRef idx="0">
+          <a:scrgbClr r="0" g="0" b="0"/>
+        </a:effectRef>
+        <a:fontRef idx="minor"/>
+      </dsp:style>
+      <dsp:txBody>
+        <a:bodyPr spcFirstLastPara="0" vert="horz" wrap="square" lIns="205740" tIns="205740" rIns="205740" bIns="205740" numCol="1" spcCol="1270" anchor="t" anchorCtr="0">
+          <a:noAutofit/>
+        </a:bodyPr>
+        <a:lstStyle/>
+        <a:p>
+          <a:pPr marL="0" lvl="0" indent="0" algn="l" defTabSz="2400300">
+            <a:lnSpc>
+              <a:spcPct val="90000"/>
+            </a:lnSpc>
+            <a:spcBef>
+              <a:spcPct val="0"/>
+            </a:spcBef>
+            <a:spcAft>
+              <a:spcPct val="35000"/>
+            </a:spcAft>
+            <a:buNone/>
+          </a:pPr>
+          <a:r>
+            <a:rPr lang="en-US" sz="5400" kern="1200"/>
+            <a:t>No Commitment</a:t>
+          </a:r>
+        </a:p>
+      </dsp:txBody>
+      <dsp:txXfrm>
+        <a:off x="0" y="2705173"/>
+        <a:ext cx="10353761" cy="1351595"/>
       </dsp:txXfrm>
     </dsp:sp>
   </dsp:spTree>
@@ -11326,6 +12734,472 @@
 </dgm:layoutDef>
 </file>
 
+<file path=ppt/diagrams/layout6.xml><?xml version="1.0" encoding="utf-8"?>
+<dgm:layoutDef xmlns:dgm="http://schemas.openxmlformats.org/drawingml/2006/diagram" xmlns:a="http://schemas.openxmlformats.org/drawingml/2006/main" uniqueId="urn:microsoft.com/office/officeart/2008/layout/LinedList">
+  <dgm:title val=""/>
+  <dgm:desc val=""/>
+  <dgm:catLst>
+    <dgm:cat type="hierarchy" pri="8000"/>
+    <dgm:cat type="list" pri="2500"/>
+  </dgm:catLst>
+  <dgm:sampData>
+    <dgm:dataModel>
+      <dgm:ptLst>
+        <dgm:pt modelId="0" type="doc"/>
+        <dgm:pt modelId="1">
+          <dgm:prSet phldr="1"/>
+        </dgm:pt>
+        <dgm:pt modelId="11">
+          <dgm:prSet phldr="1"/>
+        </dgm:pt>
+        <dgm:pt modelId="12">
+          <dgm:prSet phldr="1"/>
+        </dgm:pt>
+        <dgm:pt modelId="13">
+          <dgm:prSet phldr="1"/>
+        </dgm:pt>
+      </dgm:ptLst>
+      <dgm:cxnLst>
+        <dgm:cxn modelId="2" srcId="0" destId="1" srcOrd="0" destOrd="0"/>
+        <dgm:cxn modelId="3" srcId="1" destId="11" srcOrd="0" destOrd="0"/>
+        <dgm:cxn modelId="4" srcId="1" destId="12" srcOrd="1" destOrd="0"/>
+        <dgm:cxn modelId="5" srcId="1" destId="13" srcOrd="2" destOrd="0"/>
+      </dgm:cxnLst>
+      <dgm:bg/>
+      <dgm:whole/>
+    </dgm:dataModel>
+  </dgm:sampData>
+  <dgm:styleData>
+    <dgm:dataModel>
+      <dgm:ptLst>
+        <dgm:pt modelId="0" type="doc"/>
+        <dgm:pt modelId="1">
+          <dgm:prSet phldr="1"/>
+        </dgm:pt>
+        <dgm:pt modelId="11">
+          <dgm:prSet phldr="1"/>
+        </dgm:pt>
+        <dgm:pt modelId="12">
+          <dgm:prSet phldr="1"/>
+        </dgm:pt>
+      </dgm:ptLst>
+      <dgm:cxnLst>
+        <dgm:cxn modelId="2" srcId="0" destId="1" srcOrd="0" destOrd="0"/>
+        <dgm:cxn modelId="3" srcId="1" destId="11" srcOrd="0" destOrd="0"/>
+        <dgm:cxn modelId="4" srcId="1" destId="12" srcOrd="1" destOrd="0"/>
+      </dgm:cxnLst>
+      <dgm:bg/>
+      <dgm:whole/>
+    </dgm:dataModel>
+  </dgm:styleData>
+  <dgm:clrData>
+    <dgm:dataModel>
+      <dgm:ptLst>
+        <dgm:pt modelId="0" type="doc"/>
+        <dgm:pt modelId="1">
+          <dgm:prSet phldr="1"/>
+        </dgm:pt>
+        <dgm:pt modelId="11">
+          <dgm:prSet phldr="1"/>
+        </dgm:pt>
+        <dgm:pt modelId="12">
+          <dgm:prSet phldr="1"/>
+        </dgm:pt>
+      </dgm:ptLst>
+      <dgm:cxnLst>
+        <dgm:cxn modelId="2" srcId="0" destId="1" srcOrd="0" destOrd="0"/>
+        <dgm:cxn modelId="3" srcId="1" destId="11" srcOrd="0" destOrd="0"/>
+        <dgm:cxn modelId="4" srcId="1" destId="12" srcOrd="1" destOrd="0"/>
+      </dgm:cxnLst>
+      <dgm:bg/>
+      <dgm:whole/>
+    </dgm:dataModel>
+  </dgm:clrData>
+  <dgm:layoutNode name="vert0">
+    <dgm:varLst>
+      <dgm:dir/>
+      <dgm:animOne val="branch"/>
+      <dgm:animLvl val="lvl"/>
+    </dgm:varLst>
+    <dgm:choose name="Name0">
+      <dgm:if name="Name1" func="var" arg="dir" op="equ" val="norm">
+        <dgm:alg type="lin">
+          <dgm:param type="linDir" val="fromT"/>
+          <dgm:param type="nodeHorzAlign" val="l"/>
+        </dgm:alg>
+      </dgm:if>
+      <dgm:else name="Name2">
+        <dgm:alg type="lin">
+          <dgm:param type="linDir" val="fromT"/>
+          <dgm:param type="nodeHorzAlign" val="r"/>
+        </dgm:alg>
+      </dgm:else>
+    </dgm:choose>
+    <dgm:shape xmlns:r="http://schemas.openxmlformats.org/officeDocument/2006/relationships" r:blip="">
+      <dgm:adjLst/>
+    </dgm:shape>
+    <dgm:presOf/>
+    <dgm:constrLst>
+      <dgm:constr type="w" for="ch" forName="horz1" refType="w"/>
+      <dgm:constr type="h" for="ch" forName="horz1" refType="h"/>
+      <dgm:constr type="h" for="des" forName="vert1" refType="h"/>
+      <dgm:constr type="h" for="des" forName="tx1" refType="h"/>
+      <dgm:constr type="h" for="des" forName="horz2" refType="h"/>
+      <dgm:constr type="h" for="des" forName="vert2" refType="h"/>
+      <dgm:constr type="h" for="des" forName="horz3" refType="h"/>
+      <dgm:constr type="h" for="des" forName="vert3" refType="h"/>
+      <dgm:constr type="h" for="des" forName="horz4" refType="h"/>
+      <dgm:constr type="h" for="des" ptType="node" refType="h"/>
+      <dgm:constr type="primFontSz" for="des" forName="tx1" op="equ" val="65"/>
+      <dgm:constr type="primFontSz" for="des" forName="tx2" op="equ" val="65"/>
+      <dgm:constr type="primFontSz" for="des" forName="tx3" op="equ" val="65"/>
+      <dgm:constr type="primFontSz" for="des" forName="tx4" op="equ" val="65"/>
+      <dgm:constr type="w" for="des" forName="thickLine" refType="w"/>
+      <dgm:constr type="h" for="des" forName="thickLine"/>
+      <dgm:constr type="h" for="des" forName="thinLine1"/>
+      <dgm:constr type="h" for="des" forName="thinLine2b"/>
+      <dgm:constr type="h" for="des" forName="thinLine3"/>
+      <dgm:constr type="h" for="des" forName="vertSpace2a" refType="h" fact="0.05"/>
+      <dgm:constr type="h" for="des" forName="vertSpace2b" refType="h" refFor="des" refForName="vertSpace2a"/>
+    </dgm:constrLst>
+    <dgm:forEach name="Name3" axis="ch" ptType="node">
+      <dgm:layoutNode name="thickLine" styleLbl="alignNode1">
+        <dgm:alg type="sp"/>
+        <dgm:shape xmlns:r="http://schemas.openxmlformats.org/officeDocument/2006/relationships" type="line" r:blip="">
+          <dgm:adjLst/>
+        </dgm:shape>
+        <dgm:presOf/>
+      </dgm:layoutNode>
+      <dgm:layoutNode name="horz1">
+        <dgm:choose name="Name4">
+          <dgm:if name="Name5" func="var" arg="dir" op="equ" val="norm">
+            <dgm:alg type="lin">
+              <dgm:param type="linDir" val="fromL"/>
+              <dgm:param type="nodeVertAlign" val="t"/>
+            </dgm:alg>
+          </dgm:if>
+          <dgm:else name="Name6">
+            <dgm:alg type="lin">
+              <dgm:param type="linDir" val="fromR"/>
+              <dgm:param type="nodeVertAlign" val="t"/>
+            </dgm:alg>
+          </dgm:else>
+        </dgm:choose>
+        <dgm:shape xmlns:r="http://schemas.openxmlformats.org/officeDocument/2006/relationships" r:blip="">
+          <dgm:adjLst/>
+        </dgm:shape>
+        <dgm:presOf/>
+        <dgm:choose name="Name7">
+          <dgm:if name="Name8" axis="root des" func="maxDepth" op="equ" val="1">
+            <dgm:constrLst>
+              <dgm:constr type="w" for="ch" forName="tx1" refType="w"/>
+            </dgm:constrLst>
+          </dgm:if>
+          <dgm:if name="Name9" axis="root des" func="maxDepth" op="equ" val="2">
+            <dgm:constrLst>
+              <dgm:constr type="w" for="ch" forName="tx1" refType="w" fact="0.2"/>
+              <dgm:constr type="w" for="des" forName="tx2" refType="w" fact="0.785"/>
+              <dgm:constr type="w" for="des" forName="horzSpace2" refType="w" fact="0.015"/>
+              <dgm:constr type="w" for="des" forName="thinLine2b" refType="w" fact="0.8"/>
+            </dgm:constrLst>
+          </dgm:if>
+          <dgm:if name="Name10" axis="root des" func="maxDepth" op="equ" val="3">
+            <dgm:constrLst>
+              <dgm:constr type="w" for="ch" forName="tx1" refType="w" fact="0.2"/>
+              <dgm:constr type="w" for="des" forName="tx2" refType="w" fact="0.385"/>
+              <dgm:constr type="w" for="des" forName="tx3" refType="w" fact="0.385"/>
+              <dgm:constr type="w" for="des" forName="horzSpace2" refType="w" fact="0.015"/>
+              <dgm:constr type="w" for="des" forName="horzSpace3" refType="w" fact="0.015"/>
+              <dgm:constr type="w" for="des" forName="thinLine2b" refType="w" fact="0.8"/>
+              <dgm:constr type="w" for="des" forName="thinLine3" refType="w" fact="0.385"/>
+            </dgm:constrLst>
+          </dgm:if>
+          <dgm:if name="Name11" axis="root des" func="maxDepth" op="gte" val="4">
+            <dgm:constrLst>
+              <dgm:constr type="w" for="ch" forName="tx1" refType="w" fact="0.2"/>
+              <dgm:constr type="w" for="des" forName="tx2" refType="w" fact="0.2516"/>
+              <dgm:constr type="w" for="des" forName="tx3" refType="w" fact="0.2516"/>
+              <dgm:constr type="w" for="des" forName="tx4" refType="w" fact="0.2516"/>
+              <dgm:constr type="w" for="des" forName="horzSpace2" refType="w" fact="0.015"/>
+              <dgm:constr type="w" for="des" forName="horzSpace3" refType="w" fact="0.015"/>
+              <dgm:constr type="w" for="des" forName="horzSpace4" refType="w" fact="0.015"/>
+              <dgm:constr type="w" for="des" forName="thinLine2b" refType="w" fact="0.8"/>
+              <dgm:constr type="w" for="des" forName="thinLine3" refType="w" fact="0.5332"/>
+            </dgm:constrLst>
+          </dgm:if>
+          <dgm:else name="Name12"/>
+        </dgm:choose>
+        <dgm:layoutNode name="tx1" styleLbl="revTx">
+          <dgm:alg type="tx">
+            <dgm:param type="parTxLTRAlign" val="l"/>
+            <dgm:param type="parTxRTLAlign" val="r"/>
+            <dgm:param type="txAnchorVert" val="t"/>
+          </dgm:alg>
+          <dgm:shape xmlns:r="http://schemas.openxmlformats.org/officeDocument/2006/relationships" type="rect" r:blip="">
+            <dgm:adjLst/>
+          </dgm:shape>
+          <dgm:presOf axis="self"/>
+          <dgm:constrLst>
+            <dgm:constr type="tMarg" refType="primFontSz" fact="0.3"/>
+            <dgm:constr type="bMarg" refType="primFontSz" fact="0.3"/>
+            <dgm:constr type="lMarg" refType="primFontSz" fact="0.3"/>
+            <dgm:constr type="rMarg" refType="primFontSz" fact="0.3"/>
+          </dgm:constrLst>
+          <dgm:ruleLst>
+            <dgm:rule type="primFontSz" val="5" fact="NaN" max="NaN"/>
+          </dgm:ruleLst>
+        </dgm:layoutNode>
+        <dgm:layoutNode name="vert1">
+          <dgm:choose name="Name13">
+            <dgm:if name="Name14" func="var" arg="dir" op="equ" val="norm">
+              <dgm:alg type="lin">
+                <dgm:param type="linDir" val="fromT"/>
+                <dgm:param type="nodeHorzAlign" val="l"/>
+              </dgm:alg>
+            </dgm:if>
+            <dgm:else name="Name15">
+              <dgm:alg type="lin">
+                <dgm:param type="linDir" val="fromT"/>
+                <dgm:param type="nodeHorzAlign" val="r"/>
+              </dgm:alg>
+            </dgm:else>
+          </dgm:choose>
+          <dgm:shape xmlns:r="http://schemas.openxmlformats.org/officeDocument/2006/relationships" r:blip="">
+            <dgm:adjLst/>
+          </dgm:shape>
+          <dgm:presOf/>
+          <dgm:forEach name="Name16" axis="ch" ptType="node">
+            <dgm:choose name="Name17">
+              <dgm:if name="Name18" axis="self" ptType="node" func="pos" op="equ" val="1">
+                <dgm:layoutNode name="vertSpace2a">
+                  <dgm:alg type="sp"/>
+                  <dgm:shape xmlns:r="http://schemas.openxmlformats.org/officeDocument/2006/relationships" r:blip="">
+                    <dgm:adjLst/>
+                  </dgm:shape>
+                  <dgm:presOf/>
+                </dgm:layoutNode>
+              </dgm:if>
+              <dgm:else name="Name19"/>
+            </dgm:choose>
+            <dgm:layoutNode name="horz2">
+              <dgm:choose name="Name20">
+                <dgm:if name="Name21" func="var" arg="dir" op="equ" val="norm">
+                  <dgm:alg type="lin">
+                    <dgm:param type="linDir" val="fromL"/>
+                    <dgm:param type="nodeVertAlign" val="t"/>
+                  </dgm:alg>
+                </dgm:if>
+                <dgm:else name="Name22">
+                  <dgm:alg type="lin">
+                    <dgm:param type="linDir" val="fromR"/>
+                    <dgm:param type="nodeVertAlign" val="t"/>
+                  </dgm:alg>
+                </dgm:else>
+              </dgm:choose>
+              <dgm:shape xmlns:r="http://schemas.openxmlformats.org/officeDocument/2006/relationships" r:blip="">
+                <dgm:adjLst/>
+              </dgm:shape>
+              <dgm:presOf/>
+              <dgm:layoutNode name="horzSpace2">
+                <dgm:alg type="sp"/>
+                <dgm:shape xmlns:r="http://schemas.openxmlformats.org/officeDocument/2006/relationships" r:blip="">
+                  <dgm:adjLst/>
+                </dgm:shape>
+                <dgm:presOf/>
+              </dgm:layoutNode>
+              <dgm:layoutNode name="tx2" styleLbl="revTx">
+                <dgm:alg type="tx">
+                  <dgm:param type="parTxLTRAlign" val="l"/>
+                  <dgm:param type="parTxRTLAlign" val="r"/>
+                  <dgm:param type="txAnchorVert" val="t"/>
+                </dgm:alg>
+                <dgm:shape xmlns:r="http://schemas.openxmlformats.org/officeDocument/2006/relationships" type="rect" r:blip="">
+                  <dgm:adjLst/>
+                </dgm:shape>
+                <dgm:presOf axis="self"/>
+                <dgm:constrLst>
+                  <dgm:constr type="tMarg" refType="primFontSz" fact="0.3"/>
+                  <dgm:constr type="bMarg" refType="primFontSz" fact="0.3"/>
+                  <dgm:constr type="lMarg" refType="primFontSz" fact="0.3"/>
+                  <dgm:constr type="rMarg" refType="primFontSz" fact="0.3"/>
+                </dgm:constrLst>
+                <dgm:ruleLst>
+                  <dgm:rule type="primFontSz" val="5" fact="NaN" max="NaN"/>
+                </dgm:ruleLst>
+              </dgm:layoutNode>
+              <dgm:layoutNode name="vert2">
+                <dgm:choose name="Name23">
+                  <dgm:if name="Name24" func="var" arg="dir" op="equ" val="norm">
+                    <dgm:alg type="lin">
+                      <dgm:param type="linDir" val="fromT"/>
+                      <dgm:param type="nodeHorzAlign" val="l"/>
+                    </dgm:alg>
+                  </dgm:if>
+                  <dgm:else name="Name25">
+                    <dgm:alg type="lin">
+                      <dgm:param type="linDir" val="fromT"/>
+                      <dgm:param type="nodeHorzAlign" val="r"/>
+                    </dgm:alg>
+                  </dgm:else>
+                </dgm:choose>
+                <dgm:shape xmlns:r="http://schemas.openxmlformats.org/officeDocument/2006/relationships" r:blip="">
+                  <dgm:adjLst/>
+                </dgm:shape>
+                <dgm:presOf/>
+                <dgm:forEach name="Name26" axis="ch" ptType="node">
+                  <dgm:layoutNode name="horz3">
+                    <dgm:choose name="Name27">
+                      <dgm:if name="Name28" func="var" arg="dir" op="equ" val="norm">
+                        <dgm:alg type="lin">
+                          <dgm:param type="linDir" val="fromL"/>
+                          <dgm:param type="nodeVertAlign" val="t"/>
+                        </dgm:alg>
+                      </dgm:if>
+                      <dgm:else name="Name29">
+                        <dgm:alg type="lin">
+                          <dgm:param type="linDir" val="fromR"/>
+                          <dgm:param type="nodeVertAlign" val="t"/>
+                        </dgm:alg>
+                      </dgm:else>
+                    </dgm:choose>
+                    <dgm:shape xmlns:r="http://schemas.openxmlformats.org/officeDocument/2006/relationships" r:blip="">
+                      <dgm:adjLst/>
+                    </dgm:shape>
+                    <dgm:presOf/>
+                    <dgm:layoutNode name="horzSpace3">
+                      <dgm:alg type="sp"/>
+                      <dgm:shape xmlns:r="http://schemas.openxmlformats.org/officeDocument/2006/relationships" r:blip="">
+                        <dgm:adjLst/>
+                      </dgm:shape>
+                      <dgm:presOf/>
+                    </dgm:layoutNode>
+                    <dgm:layoutNode name="tx3" styleLbl="revTx">
+                      <dgm:alg type="tx">
+                        <dgm:param type="parTxLTRAlign" val="l"/>
+                        <dgm:param type="parTxRTLAlign" val="r"/>
+                        <dgm:param type="txAnchorVert" val="t"/>
+                      </dgm:alg>
+                      <dgm:shape xmlns:r="http://schemas.openxmlformats.org/officeDocument/2006/relationships" type="rect" r:blip="">
+                        <dgm:adjLst/>
+                      </dgm:shape>
+                      <dgm:presOf axis="self"/>
+                      <dgm:constrLst>
+                        <dgm:constr type="tMarg" refType="primFontSz" fact="0.3"/>
+                        <dgm:constr type="bMarg" refType="primFontSz" fact="0.3"/>
+                        <dgm:constr type="lMarg" refType="primFontSz" fact="0.3"/>
+                        <dgm:constr type="rMarg" refType="primFontSz" fact="0.3"/>
+                      </dgm:constrLst>
+                      <dgm:ruleLst>
+                        <dgm:rule type="primFontSz" val="5" fact="NaN" max="NaN"/>
+                      </dgm:ruleLst>
+                    </dgm:layoutNode>
+                    <dgm:layoutNode name="vert3">
+                      <dgm:choose name="Name30">
+                        <dgm:if name="Name31" func="var" arg="dir" op="equ" val="norm">
+                          <dgm:alg type="lin">
+                            <dgm:param type="linDir" val="fromT"/>
+                            <dgm:param type="nodeHorzAlign" val="l"/>
+                          </dgm:alg>
+                        </dgm:if>
+                        <dgm:else name="Name32">
+                          <dgm:alg type="lin">
+                            <dgm:param type="linDir" val="fromT"/>
+                            <dgm:param type="nodeHorzAlign" val="r"/>
+                          </dgm:alg>
+                        </dgm:else>
+                      </dgm:choose>
+                      <dgm:shape xmlns:r="http://schemas.openxmlformats.org/officeDocument/2006/relationships" r:blip="">
+                        <dgm:adjLst/>
+                      </dgm:shape>
+                      <dgm:presOf/>
+                      <dgm:forEach name="Name33" axis="ch" ptType="node">
+                        <dgm:layoutNode name="horz4">
+                          <dgm:choose name="Name34">
+                            <dgm:if name="Name35" func="var" arg="dir" op="equ" val="norm">
+                              <dgm:alg type="lin">
+                                <dgm:param type="linDir" val="fromL"/>
+                                <dgm:param type="nodeVertAlign" val="t"/>
+                              </dgm:alg>
+                            </dgm:if>
+                            <dgm:else name="Name36">
+                              <dgm:alg type="lin">
+                                <dgm:param type="linDir" val="fromR"/>
+                                <dgm:param type="nodeVertAlign" val="t"/>
+                              </dgm:alg>
+                            </dgm:else>
+                          </dgm:choose>
+                          <dgm:shape xmlns:r="http://schemas.openxmlformats.org/officeDocument/2006/relationships" r:blip="">
+                            <dgm:adjLst/>
+                          </dgm:shape>
+                          <dgm:presOf/>
+                          <dgm:layoutNode name="horzSpace4">
+                            <dgm:alg type="sp"/>
+                            <dgm:shape xmlns:r="http://schemas.openxmlformats.org/officeDocument/2006/relationships" r:blip="">
+                              <dgm:adjLst/>
+                            </dgm:shape>
+                            <dgm:presOf/>
+                          </dgm:layoutNode>
+                          <dgm:layoutNode name="tx4" styleLbl="revTx">
+                            <dgm:varLst>
+                              <dgm:bulletEnabled val="1"/>
+                            </dgm:varLst>
+                            <dgm:alg type="tx">
+                              <dgm:param type="parTxLTRAlign" val="l"/>
+                              <dgm:param type="parTxRTLAlign" val="r"/>
+                              <dgm:param type="txAnchorVert" val="t"/>
+                            </dgm:alg>
+                            <dgm:shape xmlns:r="http://schemas.openxmlformats.org/officeDocument/2006/relationships" type="rect" r:blip="">
+                              <dgm:adjLst/>
+                            </dgm:shape>
+                            <dgm:presOf axis="desOrSelf" ptType="node"/>
+                            <dgm:constrLst>
+                              <dgm:constr type="tMarg" refType="primFontSz" fact="0.3"/>
+                              <dgm:constr type="bMarg" refType="primFontSz" fact="0.3"/>
+                              <dgm:constr type="lMarg" refType="primFontSz" fact="0.3"/>
+                              <dgm:constr type="rMarg" refType="primFontSz" fact="0.3"/>
+                            </dgm:constrLst>
+                            <dgm:ruleLst>
+                              <dgm:rule type="primFontSz" val="5" fact="NaN" max="NaN"/>
+                            </dgm:ruleLst>
+                          </dgm:layoutNode>
+                        </dgm:layoutNode>
+                      </dgm:forEach>
+                    </dgm:layoutNode>
+                  </dgm:layoutNode>
+                  <dgm:forEach name="Name37" axis="followSib" ptType="sibTrans" cnt="1">
+                    <dgm:layoutNode name="thinLine3" styleLbl="callout">
+                      <dgm:alg type="sp"/>
+                      <dgm:shape xmlns:r="http://schemas.openxmlformats.org/officeDocument/2006/relationships" type="line" r:blip="">
+                        <dgm:adjLst/>
+                      </dgm:shape>
+                      <dgm:presOf/>
+                    </dgm:layoutNode>
+                  </dgm:forEach>
+                </dgm:forEach>
+              </dgm:layoutNode>
+            </dgm:layoutNode>
+            <dgm:layoutNode name="thinLine2b" styleLbl="callout">
+              <dgm:alg type="sp"/>
+              <dgm:shape xmlns:r="http://schemas.openxmlformats.org/officeDocument/2006/relationships" type="line" r:blip="">
+                <dgm:adjLst/>
+              </dgm:shape>
+              <dgm:presOf/>
+            </dgm:layoutNode>
+            <dgm:layoutNode name="vertSpace2b">
+              <dgm:alg type="sp"/>
+              <dgm:shape xmlns:r="http://schemas.openxmlformats.org/officeDocument/2006/relationships" r:blip="">
+                <dgm:adjLst/>
+              </dgm:shape>
+              <dgm:presOf/>
+            </dgm:layoutNode>
+          </dgm:forEach>
+        </dgm:layoutNode>
+      </dgm:layoutNode>
+    </dgm:forEach>
+  </dgm:layoutNode>
+</dgm:layoutDef>
+</file>
+
 <file path=ppt/diagrams/quickStyle1.xml><?xml version="1.0" encoding="utf-8"?>
 <dgm:styleDef xmlns:dgm="http://schemas.openxmlformats.org/drawingml/2006/diagram" xmlns:a="http://schemas.openxmlformats.org/drawingml/2006/main" uniqueId="urn:microsoft.com/office/officeart/2005/8/quickstyle/3d3">
   <dgm:title val=""/>
@@ -16055,6 +17929,1040 @@
 </file>
 
 <file path=ppt/diagrams/quickStyle5.xml><?xml version="1.0" encoding="utf-8"?>
+<dgm:styleDef xmlns:dgm="http://schemas.openxmlformats.org/drawingml/2006/diagram" xmlns:a="http://schemas.openxmlformats.org/drawingml/2006/main" uniqueId="urn:microsoft.com/office/officeart/2005/8/quickstyle/simple1">
+  <dgm:title val=""/>
+  <dgm:desc val=""/>
+  <dgm:catLst>
+    <dgm:cat type="simple" pri="10100"/>
+  </dgm:catLst>
+  <dgm:scene3d>
+    <a:camera prst="orthographicFront"/>
+    <a:lightRig rig="threePt" dir="t"/>
+  </dgm:scene3d>
+  <dgm:styleLbl name="node0">
+    <dgm:scene3d>
+      <a:camera prst="orthographicFront"/>
+      <a:lightRig rig="threePt" dir="t"/>
+    </dgm:scene3d>
+    <dgm:sp3d/>
+    <dgm:txPr/>
+    <dgm:style>
+      <a:lnRef idx="2">
+        <a:scrgbClr r="0" g="0" b="0"/>
+      </a:lnRef>
+      <a:fillRef idx="1">
+        <a:scrgbClr r="0" g="0" b="0"/>
+      </a:fillRef>
+      <a:effectRef idx="0">
+        <a:scrgbClr r="0" g="0" b="0"/>
+      </a:effectRef>
+      <a:fontRef idx="minor">
+        <a:schemeClr val="lt1"/>
+      </a:fontRef>
+    </dgm:style>
+  </dgm:styleLbl>
+  <dgm:styleLbl name="lnNode1">
+    <dgm:scene3d>
+      <a:camera prst="orthographicFront"/>
+      <a:lightRig rig="threePt" dir="t"/>
+    </dgm:scene3d>
+    <dgm:sp3d/>
+    <dgm:txPr/>
+    <dgm:style>
+      <a:lnRef idx="2">
+        <a:scrgbClr r="0" g="0" b="0"/>
+      </a:lnRef>
+      <a:fillRef idx="1">
+        <a:scrgbClr r="0" g="0" b="0"/>
+      </a:fillRef>
+      <a:effectRef idx="0">
+        <a:scrgbClr r="0" g="0" b="0"/>
+      </a:effectRef>
+      <a:fontRef idx="minor">
+        <a:schemeClr val="lt1"/>
+      </a:fontRef>
+    </dgm:style>
+  </dgm:styleLbl>
+  <dgm:styleLbl name="vennNode1">
+    <dgm:scene3d>
+      <a:camera prst="orthographicFront"/>
+      <a:lightRig rig="threePt" dir="t"/>
+    </dgm:scene3d>
+    <dgm:sp3d/>
+    <dgm:txPr/>
+    <dgm:style>
+      <a:lnRef idx="2">
+        <a:scrgbClr r="0" g="0" b="0"/>
+      </a:lnRef>
+      <a:fillRef idx="1">
+        <a:scrgbClr r="0" g="0" b="0"/>
+      </a:fillRef>
+      <a:effectRef idx="0">
+        <a:scrgbClr r="0" g="0" b="0"/>
+      </a:effectRef>
+      <a:fontRef idx="minor">
+        <a:schemeClr val="tx1"/>
+      </a:fontRef>
+    </dgm:style>
+  </dgm:styleLbl>
+  <dgm:styleLbl name="alignNode1">
+    <dgm:scene3d>
+      <a:camera prst="orthographicFront"/>
+      <a:lightRig rig="threePt" dir="t"/>
+    </dgm:scene3d>
+    <dgm:sp3d/>
+    <dgm:txPr/>
+    <dgm:style>
+      <a:lnRef idx="2">
+        <a:scrgbClr r="0" g="0" b="0"/>
+      </a:lnRef>
+      <a:fillRef idx="1">
+        <a:scrgbClr r="0" g="0" b="0"/>
+      </a:fillRef>
+      <a:effectRef idx="0">
+        <a:scrgbClr r="0" g="0" b="0"/>
+      </a:effectRef>
+      <a:fontRef idx="minor">
+        <a:schemeClr val="lt1"/>
+      </a:fontRef>
+    </dgm:style>
+  </dgm:styleLbl>
+  <dgm:styleLbl name="node1">
+    <dgm:scene3d>
+      <a:camera prst="orthographicFront"/>
+      <a:lightRig rig="threePt" dir="t"/>
+    </dgm:scene3d>
+    <dgm:sp3d/>
+    <dgm:txPr/>
+    <dgm:style>
+      <a:lnRef idx="2">
+        <a:scrgbClr r="0" g="0" b="0"/>
+      </a:lnRef>
+      <a:fillRef idx="1">
+        <a:scrgbClr r="0" g="0" b="0"/>
+      </a:fillRef>
+      <a:effectRef idx="0">
+        <a:scrgbClr r="0" g="0" b="0"/>
+      </a:effectRef>
+      <a:fontRef idx="minor">
+        <a:schemeClr val="lt1"/>
+      </a:fontRef>
+    </dgm:style>
+  </dgm:styleLbl>
+  <dgm:styleLbl name="node2">
+    <dgm:scene3d>
+      <a:camera prst="orthographicFront"/>
+      <a:lightRig rig="threePt" dir="t"/>
+    </dgm:scene3d>
+    <dgm:sp3d/>
+    <dgm:txPr/>
+    <dgm:style>
+      <a:lnRef idx="2">
+        <a:scrgbClr r="0" g="0" b="0"/>
+      </a:lnRef>
+      <a:fillRef idx="1">
+        <a:scrgbClr r="0" g="0" b="0"/>
+      </a:fillRef>
+      <a:effectRef idx="0">
+        <a:scrgbClr r="0" g="0" b="0"/>
+      </a:effectRef>
+      <a:fontRef idx="minor">
+        <a:schemeClr val="lt1"/>
+      </a:fontRef>
+    </dgm:style>
+  </dgm:styleLbl>
+  <dgm:styleLbl name="node3">
+    <dgm:scene3d>
+      <a:camera prst="orthographicFront"/>
+      <a:lightRig rig="threePt" dir="t"/>
+    </dgm:scene3d>
+    <dgm:sp3d/>
+    <dgm:txPr/>
+    <dgm:style>
+      <a:lnRef idx="2">
+        <a:scrgbClr r="0" g="0" b="0"/>
+      </a:lnRef>
+      <a:fillRef idx="1">
+        <a:scrgbClr r="0" g="0" b="0"/>
+      </a:fillRef>
+      <a:effectRef idx="0">
+        <a:scrgbClr r="0" g="0" b="0"/>
+      </a:effectRef>
+      <a:fontRef idx="minor">
+        <a:schemeClr val="lt1"/>
+      </a:fontRef>
+    </dgm:style>
+  </dgm:styleLbl>
+  <dgm:styleLbl name="node4">
+    <dgm:scene3d>
+      <a:camera prst="orthographicFront"/>
+      <a:lightRig rig="threePt" dir="t"/>
+    </dgm:scene3d>
+    <dgm:sp3d/>
+    <dgm:txPr/>
+    <dgm:style>
+      <a:lnRef idx="2">
+        <a:scrgbClr r="0" g="0" b="0"/>
+      </a:lnRef>
+      <a:fillRef idx="1">
+        <a:scrgbClr r="0" g="0" b="0"/>
+      </a:fillRef>
+      <a:effectRef idx="0">
+        <a:scrgbClr r="0" g="0" b="0"/>
+      </a:effectRef>
+      <a:fontRef idx="minor">
+        <a:schemeClr val="lt1"/>
+      </a:fontRef>
+    </dgm:style>
+  </dgm:styleLbl>
+  <dgm:styleLbl name="fgImgPlace1">
+    <dgm:scene3d>
+      <a:camera prst="orthographicFront"/>
+      <a:lightRig rig="threePt" dir="t"/>
+    </dgm:scene3d>
+    <dgm:sp3d/>
+    <dgm:txPr/>
+    <dgm:style>
+      <a:lnRef idx="2">
+        <a:scrgbClr r="0" g="0" b="0"/>
+      </a:lnRef>
+      <a:fillRef idx="1">
+        <a:scrgbClr r="0" g="0" b="0"/>
+      </a:fillRef>
+      <a:effectRef idx="0">
+        <a:scrgbClr r="0" g="0" b="0"/>
+      </a:effectRef>
+      <a:fontRef idx="minor"/>
+    </dgm:style>
+  </dgm:styleLbl>
+  <dgm:styleLbl name="alignImgPlace1">
+    <dgm:scene3d>
+      <a:camera prst="orthographicFront"/>
+      <a:lightRig rig="threePt" dir="t"/>
+    </dgm:scene3d>
+    <dgm:sp3d/>
+    <dgm:txPr/>
+    <dgm:style>
+      <a:lnRef idx="2">
+        <a:scrgbClr r="0" g="0" b="0"/>
+      </a:lnRef>
+      <a:fillRef idx="1">
+        <a:scrgbClr r="0" g="0" b="0"/>
+      </a:fillRef>
+      <a:effectRef idx="0">
+        <a:scrgbClr r="0" g="0" b="0"/>
+      </a:effectRef>
+      <a:fontRef idx="minor"/>
+    </dgm:style>
+  </dgm:styleLbl>
+  <dgm:styleLbl name="bgImgPlace1">
+    <dgm:scene3d>
+      <a:camera prst="orthographicFront"/>
+      <a:lightRig rig="threePt" dir="t"/>
+    </dgm:scene3d>
+    <dgm:sp3d/>
+    <dgm:txPr/>
+    <dgm:style>
+      <a:lnRef idx="2">
+        <a:scrgbClr r="0" g="0" b="0"/>
+      </a:lnRef>
+      <a:fillRef idx="1">
+        <a:scrgbClr r="0" g="0" b="0"/>
+      </a:fillRef>
+      <a:effectRef idx="0">
+        <a:scrgbClr r="0" g="0" b="0"/>
+      </a:effectRef>
+      <a:fontRef idx="minor"/>
+    </dgm:style>
+  </dgm:styleLbl>
+  <dgm:styleLbl name="sibTrans2D1">
+    <dgm:scene3d>
+      <a:camera prst="orthographicFront"/>
+      <a:lightRig rig="threePt" dir="t"/>
+    </dgm:scene3d>
+    <dgm:sp3d/>
+    <dgm:txPr/>
+    <dgm:style>
+      <a:lnRef idx="0">
+        <a:scrgbClr r="0" g="0" b="0"/>
+      </a:lnRef>
+      <a:fillRef idx="1">
+        <a:scrgbClr r="0" g="0" b="0"/>
+      </a:fillRef>
+      <a:effectRef idx="0">
+        <a:scrgbClr r="0" g="0" b="0"/>
+      </a:effectRef>
+      <a:fontRef idx="minor">
+        <a:schemeClr val="lt1"/>
+      </a:fontRef>
+    </dgm:style>
+  </dgm:styleLbl>
+  <dgm:styleLbl name="fgSibTrans2D1">
+    <dgm:scene3d>
+      <a:camera prst="orthographicFront"/>
+      <a:lightRig rig="threePt" dir="t"/>
+    </dgm:scene3d>
+    <dgm:sp3d/>
+    <dgm:txPr/>
+    <dgm:style>
+      <a:lnRef idx="0">
+        <a:scrgbClr r="0" g="0" b="0"/>
+      </a:lnRef>
+      <a:fillRef idx="1">
+        <a:scrgbClr r="0" g="0" b="0"/>
+      </a:fillRef>
+      <a:effectRef idx="0">
+        <a:scrgbClr r="0" g="0" b="0"/>
+      </a:effectRef>
+      <a:fontRef idx="minor">
+        <a:schemeClr val="lt1"/>
+      </a:fontRef>
+    </dgm:style>
+  </dgm:styleLbl>
+  <dgm:styleLbl name="bgSibTrans2D1">
+    <dgm:scene3d>
+      <a:camera prst="orthographicFront"/>
+      <a:lightRig rig="threePt" dir="t"/>
+    </dgm:scene3d>
+    <dgm:sp3d/>
+    <dgm:txPr/>
+    <dgm:style>
+      <a:lnRef idx="0">
+        <a:scrgbClr r="0" g="0" b="0"/>
+      </a:lnRef>
+      <a:fillRef idx="1">
+        <a:scrgbClr r="0" g="0" b="0"/>
+      </a:fillRef>
+      <a:effectRef idx="0">
+        <a:scrgbClr r="0" g="0" b="0"/>
+      </a:effectRef>
+      <a:fontRef idx="minor">
+        <a:schemeClr val="lt1"/>
+      </a:fontRef>
+    </dgm:style>
+  </dgm:styleLbl>
+  <dgm:styleLbl name="sibTrans1D1">
+    <dgm:scene3d>
+      <a:camera prst="orthographicFront"/>
+      <a:lightRig rig="threePt" dir="t"/>
+    </dgm:scene3d>
+    <dgm:sp3d/>
+    <dgm:txPr/>
+    <dgm:style>
+      <a:lnRef idx="1">
+        <a:scrgbClr r="0" g="0" b="0"/>
+      </a:lnRef>
+      <a:fillRef idx="0">
+        <a:scrgbClr r="0" g="0" b="0"/>
+      </a:fillRef>
+      <a:effectRef idx="0">
+        <a:scrgbClr r="0" g="0" b="0"/>
+      </a:effectRef>
+      <a:fontRef idx="minor"/>
+    </dgm:style>
+  </dgm:styleLbl>
+  <dgm:styleLbl name="callout">
+    <dgm:scene3d>
+      <a:camera prst="orthographicFront"/>
+      <a:lightRig rig="threePt" dir="t"/>
+    </dgm:scene3d>
+    <dgm:sp3d/>
+    <dgm:txPr/>
+    <dgm:style>
+      <a:lnRef idx="2">
+        <a:scrgbClr r="0" g="0" b="0"/>
+      </a:lnRef>
+      <a:fillRef idx="1">
+        <a:scrgbClr r="0" g="0" b="0"/>
+      </a:fillRef>
+      <a:effectRef idx="0">
+        <a:scrgbClr r="0" g="0" b="0"/>
+      </a:effectRef>
+      <a:fontRef idx="minor"/>
+    </dgm:style>
+  </dgm:styleLbl>
+  <dgm:styleLbl name="asst0">
+    <dgm:scene3d>
+      <a:camera prst="orthographicFront"/>
+      <a:lightRig rig="threePt" dir="t"/>
+    </dgm:scene3d>
+    <dgm:sp3d/>
+    <dgm:txPr/>
+    <dgm:style>
+      <a:lnRef idx="2">
+        <a:scrgbClr r="0" g="0" b="0"/>
+      </a:lnRef>
+      <a:fillRef idx="1">
+        <a:scrgbClr r="0" g="0" b="0"/>
+      </a:fillRef>
+      <a:effectRef idx="0">
+        <a:scrgbClr r="0" g="0" b="0"/>
+      </a:effectRef>
+      <a:fontRef idx="minor">
+        <a:schemeClr val="lt1"/>
+      </a:fontRef>
+    </dgm:style>
+  </dgm:styleLbl>
+  <dgm:styleLbl name="asst1">
+    <dgm:scene3d>
+      <a:camera prst="orthographicFront"/>
+      <a:lightRig rig="threePt" dir="t"/>
+    </dgm:scene3d>
+    <dgm:sp3d/>
+    <dgm:txPr/>
+    <dgm:style>
+      <a:lnRef idx="2">
+        <a:scrgbClr r="0" g="0" b="0"/>
+      </a:lnRef>
+      <a:fillRef idx="1">
+        <a:scrgbClr r="0" g="0" b="0"/>
+      </a:fillRef>
+      <a:effectRef idx="0">
+        <a:scrgbClr r="0" g="0" b="0"/>
+      </a:effectRef>
+      <a:fontRef idx="minor">
+        <a:schemeClr val="lt1"/>
+      </a:fontRef>
+    </dgm:style>
+  </dgm:styleLbl>
+  <dgm:styleLbl name="asst2">
+    <dgm:scene3d>
+      <a:camera prst="orthographicFront"/>
+      <a:lightRig rig="threePt" dir="t"/>
+    </dgm:scene3d>
+    <dgm:sp3d/>
+    <dgm:txPr/>
+    <dgm:style>
+      <a:lnRef idx="2">
+        <a:scrgbClr r="0" g="0" b="0"/>
+      </a:lnRef>
+      <a:fillRef idx="1">
+        <a:scrgbClr r="0" g="0" b="0"/>
+      </a:fillRef>
+      <a:effectRef idx="0">
+        <a:scrgbClr r="0" g="0" b="0"/>
+      </a:effectRef>
+      <a:fontRef idx="minor">
+        <a:schemeClr val="lt1"/>
+      </a:fontRef>
+    </dgm:style>
+  </dgm:styleLbl>
+  <dgm:styleLbl name="asst3">
+    <dgm:scene3d>
+      <a:camera prst="orthographicFront"/>
+      <a:lightRig rig="threePt" dir="t"/>
+    </dgm:scene3d>
+    <dgm:sp3d/>
+    <dgm:txPr/>
+    <dgm:style>
+      <a:lnRef idx="2">
+        <a:scrgbClr r="0" g="0" b="0"/>
+      </a:lnRef>
+      <a:fillRef idx="1">
+        <a:scrgbClr r="0" g="0" b="0"/>
+      </a:fillRef>
+      <a:effectRef idx="0">
+        <a:scrgbClr r="0" g="0" b="0"/>
+      </a:effectRef>
+      <a:fontRef idx="minor">
+        <a:schemeClr val="lt1"/>
+      </a:fontRef>
+    </dgm:style>
+  </dgm:styleLbl>
+  <dgm:styleLbl name="asst4">
+    <dgm:scene3d>
+      <a:camera prst="orthographicFront"/>
+      <a:lightRig rig="threePt" dir="t"/>
+    </dgm:scene3d>
+    <dgm:sp3d/>
+    <dgm:txPr/>
+    <dgm:style>
+      <a:lnRef idx="2">
+        <a:scrgbClr r="0" g="0" b="0"/>
+      </a:lnRef>
+      <a:fillRef idx="1">
+        <a:scrgbClr r="0" g="0" b="0"/>
+      </a:fillRef>
+      <a:effectRef idx="0">
+        <a:scrgbClr r="0" g="0" b="0"/>
+      </a:effectRef>
+      <a:fontRef idx="minor">
+        <a:schemeClr val="lt1"/>
+      </a:fontRef>
+    </dgm:style>
+  </dgm:styleLbl>
+  <dgm:styleLbl name="parChTrans2D1">
+    <dgm:scene3d>
+      <a:camera prst="orthographicFront"/>
+      <a:lightRig rig="threePt" dir="t"/>
+    </dgm:scene3d>
+    <dgm:sp3d/>
+    <dgm:txPr/>
+    <dgm:style>
+      <a:lnRef idx="2">
+        <a:scrgbClr r="0" g="0" b="0"/>
+      </a:lnRef>
+      <a:fillRef idx="1">
+        <a:scrgbClr r="0" g="0" b="0"/>
+      </a:fillRef>
+      <a:effectRef idx="0">
+        <a:scrgbClr r="0" g="0" b="0"/>
+      </a:effectRef>
+      <a:fontRef idx="minor">
+        <a:schemeClr val="lt1"/>
+      </a:fontRef>
+    </dgm:style>
+  </dgm:styleLbl>
+  <dgm:styleLbl name="parChTrans2D2">
+    <dgm:scene3d>
+      <a:camera prst="orthographicFront"/>
+      <a:lightRig rig="threePt" dir="t"/>
+    </dgm:scene3d>
+    <dgm:sp3d/>
+    <dgm:txPr/>
+    <dgm:style>
+      <a:lnRef idx="2">
+        <a:scrgbClr r="0" g="0" b="0"/>
+      </a:lnRef>
+      <a:fillRef idx="1">
+        <a:scrgbClr r="0" g="0" b="0"/>
+      </a:fillRef>
+      <a:effectRef idx="0">
+        <a:scrgbClr r="0" g="0" b="0"/>
+      </a:effectRef>
+      <a:fontRef idx="minor">
+        <a:schemeClr val="lt1"/>
+      </a:fontRef>
+    </dgm:style>
+  </dgm:styleLbl>
+  <dgm:styleLbl name="parChTrans2D3">
+    <dgm:scene3d>
+      <a:camera prst="orthographicFront"/>
+      <a:lightRig rig="threePt" dir="t"/>
+    </dgm:scene3d>
+    <dgm:sp3d/>
+    <dgm:txPr/>
+    <dgm:style>
+      <a:lnRef idx="2">
+        <a:scrgbClr r="0" g="0" b="0"/>
+      </a:lnRef>
+      <a:fillRef idx="1">
+        <a:scrgbClr r="0" g="0" b="0"/>
+      </a:fillRef>
+      <a:effectRef idx="0">
+        <a:scrgbClr r="0" g="0" b="0"/>
+      </a:effectRef>
+      <a:fontRef idx="minor">
+        <a:schemeClr val="lt1"/>
+      </a:fontRef>
+    </dgm:style>
+  </dgm:styleLbl>
+  <dgm:styleLbl name="parChTrans2D4">
+    <dgm:scene3d>
+      <a:camera prst="orthographicFront"/>
+      <a:lightRig rig="threePt" dir="t"/>
+    </dgm:scene3d>
+    <dgm:sp3d/>
+    <dgm:txPr/>
+    <dgm:style>
+      <a:lnRef idx="2">
+        <a:scrgbClr r="0" g="0" b="0"/>
+      </a:lnRef>
+      <a:fillRef idx="1">
+        <a:scrgbClr r="0" g="0" b="0"/>
+      </a:fillRef>
+      <a:effectRef idx="0">
+        <a:scrgbClr r="0" g="0" b="0"/>
+      </a:effectRef>
+      <a:fontRef idx="minor">
+        <a:schemeClr val="lt1"/>
+      </a:fontRef>
+    </dgm:style>
+  </dgm:styleLbl>
+  <dgm:styleLbl name="parChTrans1D1">
+    <dgm:scene3d>
+      <a:camera prst="orthographicFront"/>
+      <a:lightRig rig="threePt" dir="t"/>
+    </dgm:scene3d>
+    <dgm:sp3d/>
+    <dgm:txPr/>
+    <dgm:style>
+      <a:lnRef idx="2">
+        <a:scrgbClr r="0" g="0" b="0"/>
+      </a:lnRef>
+      <a:fillRef idx="0">
+        <a:scrgbClr r="0" g="0" b="0"/>
+      </a:fillRef>
+      <a:effectRef idx="0">
+        <a:scrgbClr r="0" g="0" b="0"/>
+      </a:effectRef>
+      <a:fontRef idx="minor"/>
+    </dgm:style>
+  </dgm:styleLbl>
+  <dgm:styleLbl name="parChTrans1D2">
+    <dgm:scene3d>
+      <a:camera prst="orthographicFront"/>
+      <a:lightRig rig="threePt" dir="t"/>
+    </dgm:scene3d>
+    <dgm:sp3d/>
+    <dgm:txPr/>
+    <dgm:style>
+      <a:lnRef idx="2">
+        <a:scrgbClr r="0" g="0" b="0"/>
+      </a:lnRef>
+      <a:fillRef idx="0">
+        <a:scrgbClr r="0" g="0" b="0"/>
+      </a:fillRef>
+      <a:effectRef idx="0">
+        <a:scrgbClr r="0" g="0" b="0"/>
+      </a:effectRef>
+      <a:fontRef idx="minor"/>
+    </dgm:style>
+  </dgm:styleLbl>
+  <dgm:styleLbl name="parChTrans1D3">
+    <dgm:scene3d>
+      <a:camera prst="orthographicFront"/>
+      <a:lightRig rig="threePt" dir="t"/>
+    </dgm:scene3d>
+    <dgm:sp3d/>
+    <dgm:txPr/>
+    <dgm:style>
+      <a:lnRef idx="2">
+        <a:scrgbClr r="0" g="0" b="0"/>
+      </a:lnRef>
+      <a:fillRef idx="0">
+        <a:scrgbClr r="0" g="0" b="0"/>
+      </a:fillRef>
+      <a:effectRef idx="0">
+        <a:scrgbClr r="0" g="0" b="0"/>
+      </a:effectRef>
+      <a:fontRef idx="minor"/>
+    </dgm:style>
+  </dgm:styleLbl>
+  <dgm:styleLbl name="parChTrans1D4">
+    <dgm:scene3d>
+      <a:camera prst="orthographicFront"/>
+      <a:lightRig rig="threePt" dir="t"/>
+    </dgm:scene3d>
+    <dgm:sp3d/>
+    <dgm:txPr/>
+    <dgm:style>
+      <a:lnRef idx="2">
+        <a:scrgbClr r="0" g="0" b="0"/>
+      </a:lnRef>
+      <a:fillRef idx="0">
+        <a:scrgbClr r="0" g="0" b="0"/>
+      </a:fillRef>
+      <a:effectRef idx="0">
+        <a:scrgbClr r="0" g="0" b="0"/>
+      </a:effectRef>
+      <a:fontRef idx="minor"/>
+    </dgm:style>
+  </dgm:styleLbl>
+  <dgm:styleLbl name="fgAcc1">
+    <dgm:scene3d>
+      <a:camera prst="orthographicFront"/>
+      <a:lightRig rig="threePt" dir="t"/>
+    </dgm:scene3d>
+    <dgm:sp3d/>
+    <dgm:txPr/>
+    <dgm:style>
+      <a:lnRef idx="2">
+        <a:scrgbClr r="0" g="0" b="0"/>
+      </a:lnRef>
+      <a:fillRef idx="1">
+        <a:scrgbClr r="0" g="0" b="0"/>
+      </a:fillRef>
+      <a:effectRef idx="0">
+        <a:scrgbClr r="0" g="0" b="0"/>
+      </a:effectRef>
+      <a:fontRef idx="minor"/>
+    </dgm:style>
+  </dgm:styleLbl>
+  <dgm:styleLbl name="conFgAcc1">
+    <dgm:scene3d>
+      <a:camera prst="orthographicFront"/>
+      <a:lightRig rig="threePt" dir="t"/>
+    </dgm:scene3d>
+    <dgm:sp3d/>
+    <dgm:txPr/>
+    <dgm:style>
+      <a:lnRef idx="2">
+        <a:scrgbClr r="0" g="0" b="0"/>
+      </a:lnRef>
+      <a:fillRef idx="1">
+        <a:scrgbClr r="0" g="0" b="0"/>
+      </a:fillRef>
+      <a:effectRef idx="0">
+        <a:scrgbClr r="0" g="0" b="0"/>
+      </a:effectRef>
+      <a:fontRef idx="minor"/>
+    </dgm:style>
+  </dgm:styleLbl>
+  <dgm:styleLbl name="alignAcc1">
+    <dgm:scene3d>
+      <a:camera prst="orthographicFront"/>
+      <a:lightRig rig="threePt" dir="t"/>
+    </dgm:scene3d>
+    <dgm:sp3d/>
+    <dgm:txPr/>
+    <dgm:style>
+      <a:lnRef idx="2">
+        <a:scrgbClr r="0" g="0" b="0"/>
+      </a:lnRef>
+      <a:fillRef idx="1">
+        <a:scrgbClr r="0" g="0" b="0"/>
+      </a:fillRef>
+      <a:effectRef idx="0">
+        <a:scrgbClr r="0" g="0" b="0"/>
+      </a:effectRef>
+      <a:fontRef idx="minor"/>
+    </dgm:style>
+  </dgm:styleLbl>
+  <dgm:styleLbl name="trAlignAcc1">
+    <dgm:scene3d>
+      <a:camera prst="orthographicFront"/>
+      <a:lightRig rig="threePt" dir="t"/>
+    </dgm:scene3d>
+    <dgm:sp3d/>
+    <dgm:txPr/>
+    <dgm:style>
+      <a:lnRef idx="1">
+        <a:scrgbClr r="0" g="0" b="0"/>
+      </a:lnRef>
+      <a:fillRef idx="1">
+        <a:scrgbClr r="0" g="0" b="0"/>
+      </a:fillRef>
+      <a:effectRef idx="0">
+        <a:scrgbClr r="0" g="0" b="0"/>
+      </a:effectRef>
+      <a:fontRef idx="minor"/>
+    </dgm:style>
+  </dgm:styleLbl>
+  <dgm:styleLbl name="bgAcc1">
+    <dgm:scene3d>
+      <a:camera prst="orthographicFront"/>
+      <a:lightRig rig="threePt" dir="t"/>
+    </dgm:scene3d>
+    <dgm:sp3d/>
+    <dgm:txPr/>
+    <dgm:style>
+      <a:lnRef idx="2">
+        <a:scrgbClr r="0" g="0" b="0"/>
+      </a:lnRef>
+      <a:fillRef idx="1">
+        <a:scrgbClr r="0" g="0" b="0"/>
+      </a:fillRef>
+      <a:effectRef idx="0">
+        <a:scrgbClr r="0" g="0" b="0"/>
+      </a:effectRef>
+      <a:fontRef idx="minor"/>
+    </dgm:style>
+  </dgm:styleLbl>
+  <dgm:styleLbl name="solidFgAcc1">
+    <dgm:scene3d>
+      <a:camera prst="orthographicFront"/>
+      <a:lightRig rig="threePt" dir="t"/>
+    </dgm:scene3d>
+    <dgm:sp3d/>
+    <dgm:txPr/>
+    <dgm:style>
+      <a:lnRef idx="2">
+        <a:scrgbClr r="0" g="0" b="0"/>
+      </a:lnRef>
+      <a:fillRef idx="1">
+        <a:scrgbClr r="0" g="0" b="0"/>
+      </a:fillRef>
+      <a:effectRef idx="0">
+        <a:scrgbClr r="0" g="0" b="0"/>
+      </a:effectRef>
+      <a:fontRef idx="minor"/>
+    </dgm:style>
+  </dgm:styleLbl>
+  <dgm:styleLbl name="solidAlignAcc1">
+    <dgm:scene3d>
+      <a:camera prst="orthographicFront"/>
+      <a:lightRig rig="threePt" dir="t"/>
+    </dgm:scene3d>
+    <dgm:sp3d/>
+    <dgm:txPr/>
+    <dgm:style>
+      <a:lnRef idx="2">
+        <a:scrgbClr r="0" g="0" b="0"/>
+      </a:lnRef>
+      <a:fillRef idx="1">
+        <a:scrgbClr r="0" g="0" b="0"/>
+      </a:fillRef>
+      <a:effectRef idx="0">
+        <a:scrgbClr r="0" g="0" b="0"/>
+      </a:effectRef>
+      <a:fontRef idx="minor"/>
+    </dgm:style>
+  </dgm:styleLbl>
+  <dgm:styleLbl name="solidBgAcc1">
+    <dgm:scene3d>
+      <a:camera prst="orthographicFront"/>
+      <a:lightRig rig="threePt" dir="t"/>
+    </dgm:scene3d>
+    <dgm:sp3d/>
+    <dgm:txPr/>
+    <dgm:style>
+      <a:lnRef idx="2">
+        <a:scrgbClr r="0" g="0" b="0"/>
+      </a:lnRef>
+      <a:fillRef idx="1">
+        <a:scrgbClr r="0" g="0" b="0"/>
+      </a:fillRef>
+      <a:effectRef idx="0">
+        <a:scrgbClr r="0" g="0" b="0"/>
+      </a:effectRef>
+      <a:fontRef idx="minor"/>
+    </dgm:style>
+  </dgm:styleLbl>
+  <dgm:styleLbl name="fgAccFollowNode1">
+    <dgm:scene3d>
+      <a:camera prst="orthographicFront"/>
+      <a:lightRig rig="threePt" dir="t"/>
+    </dgm:scene3d>
+    <dgm:sp3d/>
+    <dgm:txPr/>
+    <dgm:style>
+      <a:lnRef idx="2">
+        <a:scrgbClr r="0" g="0" b="0"/>
+      </a:lnRef>
+      <a:fillRef idx="1">
+        <a:scrgbClr r="0" g="0" b="0"/>
+      </a:fillRef>
+      <a:effectRef idx="0">
+        <a:scrgbClr r="0" g="0" b="0"/>
+      </a:effectRef>
+      <a:fontRef idx="minor"/>
+    </dgm:style>
+  </dgm:styleLbl>
+  <dgm:styleLbl name="alignAccFollowNode1">
+    <dgm:scene3d>
+      <a:camera prst="orthographicFront"/>
+      <a:lightRig rig="threePt" dir="t"/>
+    </dgm:scene3d>
+    <dgm:sp3d/>
+    <dgm:txPr/>
+    <dgm:style>
+      <a:lnRef idx="2">
+        <a:scrgbClr r="0" g="0" b="0"/>
+      </a:lnRef>
+      <a:fillRef idx="1">
+        <a:scrgbClr r="0" g="0" b="0"/>
+      </a:fillRef>
+      <a:effectRef idx="0">
+        <a:scrgbClr r="0" g="0" b="0"/>
+      </a:effectRef>
+      <a:fontRef idx="minor"/>
+    </dgm:style>
+  </dgm:styleLbl>
+  <dgm:styleLbl name="bgAccFollowNode1">
+    <dgm:scene3d>
+      <a:camera prst="orthographicFront"/>
+      <a:lightRig rig="threePt" dir="t"/>
+    </dgm:scene3d>
+    <dgm:sp3d/>
+    <dgm:txPr/>
+    <dgm:style>
+      <a:lnRef idx="2">
+        <a:scrgbClr r="0" g="0" b="0"/>
+      </a:lnRef>
+      <a:fillRef idx="1">
+        <a:scrgbClr r="0" g="0" b="0"/>
+      </a:fillRef>
+      <a:effectRef idx="0">
+        <a:scrgbClr r="0" g="0" b="0"/>
+      </a:effectRef>
+      <a:fontRef idx="minor"/>
+    </dgm:style>
+  </dgm:styleLbl>
+  <dgm:styleLbl name="fgAcc0">
+    <dgm:scene3d>
+      <a:camera prst="orthographicFront"/>
+      <a:lightRig rig="threePt" dir="t"/>
+    </dgm:scene3d>
+    <dgm:sp3d/>
+    <dgm:txPr/>
+    <dgm:style>
+      <a:lnRef idx="2">
+        <a:scrgbClr r="0" g="0" b="0"/>
+      </a:lnRef>
+      <a:fillRef idx="1">
+        <a:scrgbClr r="0" g="0" b="0"/>
+      </a:fillRef>
+      <a:effectRef idx="0">
+        <a:scrgbClr r="0" g="0" b="0"/>
+      </a:effectRef>
+      <a:fontRef idx="minor"/>
+    </dgm:style>
+  </dgm:styleLbl>
+  <dgm:styleLbl name="fgAcc2">
+    <dgm:scene3d>
+      <a:camera prst="orthographicFront"/>
+      <a:lightRig rig="threePt" dir="t"/>
+    </dgm:scene3d>
+    <dgm:sp3d/>
+    <dgm:txPr/>
+    <dgm:style>
+      <a:lnRef idx="2">
+        <a:scrgbClr r="0" g="0" b="0"/>
+      </a:lnRef>
+      <a:fillRef idx="1">
+        <a:scrgbClr r="0" g="0" b="0"/>
+      </a:fillRef>
+      <a:effectRef idx="0">
+        <a:scrgbClr r="0" g="0" b="0"/>
+      </a:effectRef>
+      <a:fontRef idx="minor"/>
+    </dgm:style>
+  </dgm:styleLbl>
+  <dgm:styleLbl name="fgAcc3">
+    <dgm:scene3d>
+      <a:camera prst="orthographicFront"/>
+      <a:lightRig rig="threePt" dir="t"/>
+    </dgm:scene3d>
+    <dgm:sp3d/>
+    <dgm:txPr/>
+    <dgm:style>
+      <a:lnRef idx="2">
+        <a:scrgbClr r="0" g="0" b="0"/>
+      </a:lnRef>
+      <a:fillRef idx="1">
+        <a:scrgbClr r="0" g="0" b="0"/>
+      </a:fillRef>
+      <a:effectRef idx="0">
+        <a:scrgbClr r="0" g="0" b="0"/>
+      </a:effectRef>
+      <a:fontRef idx="minor"/>
+    </dgm:style>
+  </dgm:styleLbl>
+  <dgm:styleLbl name="fgAcc4">
+    <dgm:scene3d>
+      <a:camera prst="orthographicFront"/>
+      <a:lightRig rig="threePt" dir="t"/>
+    </dgm:scene3d>
+    <dgm:sp3d/>
+    <dgm:txPr/>
+    <dgm:style>
+      <a:lnRef idx="2">
+        <a:scrgbClr r="0" g="0" b="0"/>
+      </a:lnRef>
+      <a:fillRef idx="1">
+        <a:scrgbClr r="0" g="0" b="0"/>
+      </a:fillRef>
+      <a:effectRef idx="0">
+        <a:scrgbClr r="0" g="0" b="0"/>
+      </a:effectRef>
+      <a:fontRef idx="minor"/>
+    </dgm:style>
+  </dgm:styleLbl>
+  <dgm:styleLbl name="bgShp">
+    <dgm:scene3d>
+      <a:camera prst="orthographicFront"/>
+      <a:lightRig rig="threePt" dir="t"/>
+    </dgm:scene3d>
+    <dgm:sp3d/>
+    <dgm:txPr/>
+    <dgm:style>
+      <a:lnRef idx="0">
+        <a:scrgbClr r="0" g="0" b="0"/>
+      </a:lnRef>
+      <a:fillRef idx="1">
+        <a:scrgbClr r="0" g="0" b="0"/>
+      </a:fillRef>
+      <a:effectRef idx="0">
+        <a:scrgbClr r="0" g="0" b="0"/>
+      </a:effectRef>
+      <a:fontRef idx="minor"/>
+    </dgm:style>
+  </dgm:styleLbl>
+  <dgm:styleLbl name="dkBgShp">
+    <dgm:scene3d>
+      <a:camera prst="orthographicFront"/>
+      <a:lightRig rig="threePt" dir="t"/>
+    </dgm:scene3d>
+    <dgm:sp3d/>
+    <dgm:txPr/>
+    <dgm:style>
+      <a:lnRef idx="0">
+        <a:scrgbClr r="0" g="0" b="0"/>
+      </a:lnRef>
+      <a:fillRef idx="1">
+        <a:scrgbClr r="0" g="0" b="0"/>
+      </a:fillRef>
+      <a:effectRef idx="0">
+        <a:scrgbClr r="0" g="0" b="0"/>
+      </a:effectRef>
+      <a:fontRef idx="minor"/>
+    </dgm:style>
+  </dgm:styleLbl>
+  <dgm:styleLbl name="trBgShp">
+    <dgm:scene3d>
+      <a:camera prst="orthographicFront"/>
+      <a:lightRig rig="threePt" dir="t"/>
+    </dgm:scene3d>
+    <dgm:sp3d/>
+    <dgm:txPr/>
+    <dgm:style>
+      <a:lnRef idx="0">
+        <a:scrgbClr r="0" g="0" b="0"/>
+      </a:lnRef>
+      <a:fillRef idx="1">
+        <a:scrgbClr r="0" g="0" b="0"/>
+      </a:fillRef>
+      <a:effectRef idx="0">
+        <a:scrgbClr r="0" g="0" b="0"/>
+      </a:effectRef>
+      <a:fontRef idx="minor"/>
+    </dgm:style>
+  </dgm:styleLbl>
+  <dgm:styleLbl name="fgShp">
+    <dgm:scene3d>
+      <a:camera prst="orthographicFront"/>
+      <a:lightRig rig="threePt" dir="t"/>
+    </dgm:scene3d>
+    <dgm:sp3d/>
+    <dgm:txPr/>
+    <dgm:style>
+      <a:lnRef idx="2">
+        <a:scrgbClr r="0" g="0" b="0"/>
+      </a:lnRef>
+      <a:fillRef idx="1">
+        <a:scrgbClr r="0" g="0" b="0"/>
+      </a:fillRef>
+      <a:effectRef idx="0">
+        <a:scrgbClr r="0" g="0" b="0"/>
+      </a:effectRef>
+      <a:fontRef idx="minor"/>
+    </dgm:style>
+  </dgm:styleLbl>
+  <dgm:styleLbl name="revTx">
+    <dgm:scene3d>
+      <a:camera prst="orthographicFront"/>
+      <a:lightRig rig="threePt" dir="t"/>
+    </dgm:scene3d>
+    <dgm:sp3d/>
+    <dgm:txPr/>
+    <dgm:style>
+      <a:lnRef idx="0">
+        <a:scrgbClr r="0" g="0" b="0"/>
+      </a:lnRef>
+      <a:fillRef idx="0">
+        <a:scrgbClr r="0" g="0" b="0"/>
+      </a:fillRef>
+      <a:effectRef idx="0">
+        <a:scrgbClr r="0" g="0" b="0"/>
+      </a:effectRef>
+      <a:fontRef idx="minor"/>
+    </dgm:style>
+  </dgm:styleLbl>
+</dgm:styleDef>
+</file>
+
+<file path=ppt/diagrams/quickStyle6.xml><?xml version="1.0" encoding="utf-8"?>
 <dgm:styleDef xmlns:dgm="http://schemas.openxmlformats.org/drawingml/2006/diagram" xmlns:a="http://schemas.openxmlformats.org/drawingml/2006/main" uniqueId="urn:microsoft.com/office/officeart/2005/8/quickstyle/simple1">
   <dgm:title val=""/>
   <dgm:desc val=""/>
@@ -18865,100 +21773,6 @@
               <a:t>Lack of courage. </a:t>
             </a:r>
           </a:p>
-          <a:p>
-            <a:pPr marL="0" marR="0" lvl="0" indent="0" algn="l" defTabSz="914400" rtl="0" eaLnBrk="1" fontAlgn="auto" latinLnBrk="0" hangingPunct="1">
-              <a:lnSpc>
-                <a:spcPct val="100000"/>
-              </a:lnSpc>
-              <a:spcBef>
-                <a:spcPts val="0"/>
-              </a:spcBef>
-              <a:spcAft>
-                <a:spcPts val="0"/>
-              </a:spcAft>
-              <a:buClrTx/>
-              <a:buSzTx/>
-              <a:buFontTx/>
-              <a:buNone/>
-              <a:tabLst/>
-              <a:defRPr/>
-            </a:pPr>
-            <a:endParaRPr lang="en-US" b="0" dirty="0">
-              <a:solidFill>
-                <a:srgbClr val="D4D4D4"/>
-              </a:solidFill>
-              <a:effectLst/>
-              <a:latin typeface="Consolas" panose="020B0609020204030204" pitchFamily="49" charset="0"/>
-            </a:endParaRPr>
-          </a:p>
-          <a:p>
-            <a:pPr marL="0" marR="0" lvl="0" indent="0" algn="l" defTabSz="914400" rtl="0" eaLnBrk="1" fontAlgn="auto" latinLnBrk="0" hangingPunct="1">
-              <a:lnSpc>
-                <a:spcPct val="100000"/>
-              </a:lnSpc>
-              <a:spcBef>
-                <a:spcPts val="0"/>
-              </a:spcBef>
-              <a:spcAft>
-                <a:spcPts val="0"/>
-              </a:spcAft>
-              <a:buClrTx/>
-              <a:buSzTx/>
-              <a:buFontTx/>
-              <a:buNone/>
-              <a:tabLst/>
-              <a:defRPr/>
-            </a:pPr>
-            <a:r>
-              <a:rPr lang="en-US" b="0" dirty="0">
-                <a:solidFill>
-                  <a:srgbClr val="D4D4D4"/>
-                </a:solidFill>
-                <a:effectLst/>
-                <a:latin typeface="Consolas" panose="020B0609020204030204" pitchFamily="49" charset="0"/>
-              </a:rPr>
-              <a:t>No vision means we focus on our feet rather than the horizon. Imagine trying to sail a ship that way!</a:t>
-            </a:r>
-          </a:p>
-          <a:p>
-            <a:endParaRPr lang="en-US" dirty="0"/>
-          </a:p>
-          <a:p>
-            <a:r>
-              <a:rPr lang="en-US" b="0" dirty="0">
-                <a:solidFill>
-                  <a:srgbClr val="D4D4D4"/>
-                </a:solidFill>
-                <a:effectLst/>
-                <a:latin typeface="Consolas" panose="020B0609020204030204" pitchFamily="49" charset="0"/>
-              </a:rPr>
-              <a:t>There must be a reason to do the hard thing. Otherwise, why suffer? Why not take it easy, be apathetic and comfortable? </a:t>
-            </a:r>
-          </a:p>
-          <a:p>
-            <a:endParaRPr lang="en-US" b="0" dirty="0">
-              <a:solidFill>
-                <a:srgbClr val="D4D4D4"/>
-              </a:solidFill>
-              <a:effectLst/>
-              <a:latin typeface="Consolas" panose="020B0609020204030204" pitchFamily="49" charset="0"/>
-            </a:endParaRPr>
-          </a:p>
-          <a:p>
-            <a:r>
-              <a:rPr lang="en-US" b="0" dirty="0">
-                <a:solidFill>
-                  <a:srgbClr val="D4D4D4"/>
-                </a:solidFill>
-                <a:effectLst/>
-                <a:latin typeface="Consolas" panose="020B0609020204030204" pitchFamily="49" charset="0"/>
-              </a:rPr>
-              <a:t>Some may realize that standing still can mean falling so far behind, a crash is inevitable. The fear of this is not a sustainable force to compel through sizable difficulty.</a:t>
-            </a:r>
-          </a:p>
-          <a:p>
-            <a:endParaRPr lang="en-US" dirty="0"/>
-          </a:p>
         </p:txBody>
       </p:sp>
       <p:sp>
@@ -19041,33 +21855,18 @@
           <a:bodyPr/>
           <a:lstStyle/>
           <a:p>
-            <a:pPr lvl="0"/>
-            <a:r>
-              <a:rPr lang="en-US" dirty="0"/>
-              <a:t>Forgetting that power is given</a:t>
-            </a:r>
-          </a:p>
-          <a:p>
-            <a:pPr lvl="0"/>
-            <a:endParaRPr lang="en-US" b="1" dirty="0">
-              <a:solidFill>
-                <a:srgbClr val="569CD6"/>
-              </a:solidFill>
-              <a:effectLst/>
-              <a:latin typeface="Consolas" panose="020B0609020204030204" pitchFamily="49" charset="0"/>
-            </a:endParaRPr>
-          </a:p>
-          <a:p>
-            <a:r>
-              <a:rPr lang="en-US" b="1" dirty="0">
+            <a:r>
+              <a:rPr lang="en-US" b="0" dirty="0">
                 <a:solidFill>
-                  <a:srgbClr val="569CD6"/>
+                  <a:srgbClr val="D4D4D4"/>
                 </a:solidFill>
                 <a:effectLst/>
                 <a:latin typeface="Consolas" panose="020B0609020204030204" pitchFamily="49" charset="0"/>
               </a:rPr>
-              <a:t># Power Is Only Given</a:t>
-            </a:r>
+              <a:t>There must be a reason to do the hard thing. Otherwise, why suffer? Why not take it easy, be apathetic and comfortable? </a:t>
+            </a:r>
+          </a:p>
+          <a:p>
             <a:endParaRPr lang="en-US" b="0" dirty="0">
               <a:solidFill>
                 <a:srgbClr val="D4D4D4"/>
@@ -19077,13 +21876,40 @@
             </a:endParaRPr>
           </a:p>
           <a:p>
+            <a:r>
+              <a:rPr lang="en-US" b="0" dirty="0">
+                <a:solidFill>
+                  <a:srgbClr val="D4D4D4"/>
+                </a:solidFill>
+                <a:effectLst/>
+                <a:latin typeface="Consolas" panose="020B0609020204030204" pitchFamily="49" charset="0"/>
+              </a:rPr>
+              <a:t>Some may realize that standing still can mean falling so far behind, a crash is inevitable. The fear of this is not a sustainable force to compel through sizable difficulty.</a:t>
+            </a:r>
+          </a:p>
+          <a:p>
+            <a:endParaRPr lang="en-US" b="0" dirty="0">
+              <a:solidFill>
+                <a:srgbClr val="D4D4D4"/>
+              </a:solidFill>
+              <a:effectLst/>
+              <a:latin typeface="Consolas" panose="020B0609020204030204" pitchFamily="49" charset="0"/>
+            </a:endParaRPr>
+          </a:p>
+          <a:p>
+            <a:r>
+              <a:rPr lang="en-US" b="0" dirty="0">
+                <a:solidFill>
+                  <a:srgbClr val="D4D4D4"/>
+                </a:solidFill>
+                <a:effectLst/>
+                <a:latin typeface="Consolas" panose="020B0609020204030204" pitchFamily="49" charset="0"/>
+              </a:rPr>
+              <a:t>George Washington Carver is quoted as saying, “Where there is no vision, there is no hope.”</a:t>
+            </a:r>
+          </a:p>
+          <a:p>
             <a:endParaRPr lang="en-US" dirty="0"/>
-          </a:p>
-          <a:p>
-            <a:r>
-              <a:rPr lang="en-US" dirty="0"/>
-              <a:t>Gun to your head example</a:t>
-            </a:r>
           </a:p>
         </p:txBody>
       </p:sp>
@@ -19113,7 +21939,7 @@
     </p:spTree>
     <p:extLst>
       <p:ext uri="{BB962C8B-B14F-4D97-AF65-F5344CB8AC3E}">
-        <p14:creationId xmlns:p14="http://schemas.microsoft.com/office/powerpoint/2010/main" val="164597181"/>
+        <p14:creationId xmlns:p14="http://schemas.microsoft.com/office/powerpoint/2010/main" val="1698709412"/>
       </p:ext>
     </p:extLst>
   </p:cSld>
@@ -19239,7 +22065,7 @@
     </p:spTree>
     <p:extLst>
       <p:ext uri="{BB962C8B-B14F-4D97-AF65-F5344CB8AC3E}">
-        <p14:creationId xmlns:p14="http://schemas.microsoft.com/office/powerpoint/2010/main" val="2117790338"/>
+        <p14:creationId xmlns:p14="http://schemas.microsoft.com/office/powerpoint/2010/main" val="164597181"/>
       </p:ext>
     </p:extLst>
   </p:cSld>
@@ -19301,19 +22127,6 @@
           </a:p>
           <a:p>
             <a:pPr lvl="0"/>
-            <a:r>
-              <a:rPr lang="en-US" dirty="0"/>
-              <a:t>Bringing expertise to an expertise fight</a:t>
-            </a:r>
-            <a:endParaRPr lang="en-US" b="1" dirty="0">
-              <a:solidFill>
-                <a:srgbClr val="569CD6"/>
-              </a:solidFill>
-              <a:effectLst/>
-              <a:latin typeface="Consolas" panose="020B0609020204030204" pitchFamily="49" charset="0"/>
-            </a:endParaRPr>
-          </a:p>
-          <a:p>
             <a:endParaRPr lang="en-US" b="1" dirty="0">
               <a:solidFill>
                 <a:srgbClr val="569CD6"/>
@@ -19342,537 +22155,13 @@
             </a:endParaRPr>
           </a:p>
           <a:p>
-            <a:r>
-              <a:rPr lang="en-US" b="0" dirty="0">
-                <a:solidFill>
-                  <a:srgbClr val="D4D4D4"/>
-                </a:solidFill>
-                <a:effectLst/>
-                <a:latin typeface="Consolas" panose="020B0609020204030204" pitchFamily="49" charset="0"/>
-              </a:rPr>
-              <a:t>Being in charge means caring for those in your charge</a:t>
-            </a:r>
-          </a:p>
-          <a:p>
-            <a:r>
-              <a:rPr lang="en-US" b="0" dirty="0">
-                <a:solidFill>
-                  <a:srgbClr val="D4D4D4"/>
-                </a:solidFill>
-                <a:effectLst/>
-                <a:latin typeface="Consolas" panose="020B0609020204030204" pitchFamily="49" charset="0"/>
-              </a:rPr>
-              <a:t>The servant as leader vs the leader as servant</a:t>
-            </a:r>
-          </a:p>
-          <a:p>
-            <a:br>
-              <a:rPr lang="en-US" b="0" dirty="0">
-                <a:solidFill>
-                  <a:srgbClr val="D4D4D4"/>
-                </a:solidFill>
-                <a:effectLst/>
-                <a:latin typeface="Consolas" panose="020B0609020204030204" pitchFamily="49" charset="0"/>
-              </a:rPr>
-            </a:br>
-            <a:r>
-              <a:rPr lang="en-US" b="0" dirty="0">
-                <a:solidFill>
-                  <a:srgbClr val="D4D4D4"/>
-                </a:solidFill>
-                <a:effectLst/>
-                <a:latin typeface="Consolas" panose="020B0609020204030204" pitchFamily="49" charset="0"/>
-              </a:rPr>
-              <a:t>[</a:t>
-            </a:r>
-            <a:r>
-              <a:rPr lang="en-US" b="0" dirty="0">
-                <a:solidFill>
-                  <a:srgbClr val="CE9178"/>
-                </a:solidFill>
-                <a:effectLst/>
-                <a:latin typeface="Consolas" panose="020B0609020204030204" pitchFamily="49" charset="0"/>
-              </a:rPr>
-              <a:t>The Servant as Leader</a:t>
-            </a:r>
-            <a:r>
-              <a:rPr lang="en-US" b="0" dirty="0">
-                <a:solidFill>
-                  <a:srgbClr val="D4D4D4"/>
-                </a:solidFill>
-                <a:effectLst/>
-                <a:latin typeface="Consolas" panose="020B0609020204030204" pitchFamily="49" charset="0"/>
-              </a:rPr>
-              <a:t>](</a:t>
-            </a:r>
-            <a:r>
-              <a:rPr lang="en-US" b="0" u="sng" dirty="0">
-                <a:solidFill>
-                  <a:srgbClr val="D4D4D4"/>
-                </a:solidFill>
-                <a:effectLst/>
-                <a:latin typeface="Consolas" panose="020B0609020204030204" pitchFamily="49" charset="0"/>
-              </a:rPr>
-              <a:t>http://www.ediguys.net/Robert_K_Greenleaf_The_Servant_as_Leader.pdf</a:t>
-            </a:r>
-            <a:r>
-              <a:rPr lang="en-US" b="0" dirty="0">
-                <a:solidFill>
-                  <a:srgbClr val="D4D4D4"/>
-                </a:solidFill>
-                <a:effectLst/>
-                <a:latin typeface="Consolas" panose="020B0609020204030204" pitchFamily="49" charset="0"/>
-              </a:rPr>
-              <a:t>)</a:t>
-            </a:r>
-          </a:p>
-          <a:p>
-            <a:br>
-              <a:rPr lang="en-US" b="0" dirty="0">
-                <a:solidFill>
-                  <a:srgbClr val="D4D4D4"/>
-                </a:solidFill>
-                <a:effectLst/>
-                <a:latin typeface="Consolas" panose="020B0609020204030204" pitchFamily="49" charset="0"/>
-              </a:rPr>
-            </a:br>
-            <a:r>
-              <a:rPr lang="en-US" b="0" dirty="0">
-                <a:solidFill>
-                  <a:srgbClr val="D4D4D4"/>
-                </a:solidFill>
-                <a:effectLst/>
-                <a:latin typeface="Consolas" panose="020B0609020204030204" pitchFamily="49" charset="0"/>
-              </a:rPr>
-              <a:t>[</a:t>
-            </a:r>
-            <a:r>
-              <a:rPr lang="en-US" b="0" dirty="0">
-                <a:solidFill>
-                  <a:srgbClr val="CE9178"/>
-                </a:solidFill>
-                <a:effectLst/>
-                <a:latin typeface="Consolas" panose="020B0609020204030204" pitchFamily="49" charset="0"/>
-              </a:rPr>
-              <a:t>6 Forms of Power</a:t>
-            </a:r>
-            <a:r>
-              <a:rPr lang="en-US" b="0" dirty="0">
-                <a:solidFill>
-                  <a:srgbClr val="D4D4D4"/>
-                </a:solidFill>
-                <a:effectLst/>
-                <a:latin typeface="Consolas" panose="020B0609020204030204" pitchFamily="49" charset="0"/>
-              </a:rPr>
-              <a:t>](</a:t>
-            </a:r>
-            <a:r>
-              <a:rPr lang="en-US" b="0" u="sng" dirty="0">
-                <a:solidFill>
-                  <a:srgbClr val="D4D4D4"/>
-                </a:solidFill>
-                <a:effectLst/>
-                <a:latin typeface="Consolas" panose="020B0609020204030204" pitchFamily="49" charset="0"/>
-              </a:rPr>
-              <a:t>https://controlyourchaos.wordpress.com/2013/12/17/scrum-masters-toolkit-french-ravens-5-6-forms-of-power/</a:t>
-            </a:r>
-            <a:r>
-              <a:rPr lang="en-US" b="0" dirty="0">
-                <a:solidFill>
-                  <a:srgbClr val="D4D4D4"/>
-                </a:solidFill>
-                <a:effectLst/>
-                <a:latin typeface="Consolas" panose="020B0609020204030204" pitchFamily="49" charset="0"/>
-              </a:rPr>
-              <a:t>)</a:t>
-            </a:r>
-          </a:p>
-          <a:p>
-            <a:r>
-              <a:rPr lang="en-US" b="0" dirty="0">
-                <a:solidFill>
-                  <a:srgbClr val="D4D4D4"/>
-                </a:solidFill>
-                <a:effectLst/>
-                <a:latin typeface="Consolas" panose="020B0609020204030204" pitchFamily="49" charset="0"/>
-              </a:rPr>
-              <a:t>[</a:t>
-            </a:r>
-            <a:r>
-              <a:rPr lang="en-US" b="0" dirty="0">
-                <a:solidFill>
-                  <a:srgbClr val="CE9178"/>
-                </a:solidFill>
-                <a:effectLst/>
-                <a:latin typeface="Consolas" panose="020B0609020204030204" pitchFamily="49" charset="0"/>
-              </a:rPr>
-              <a:t>Psychological Models in Scrum</a:t>
-            </a:r>
-            <a:r>
-              <a:rPr lang="en-US" b="0" dirty="0">
-                <a:solidFill>
-                  <a:srgbClr val="D4D4D4"/>
-                </a:solidFill>
-                <a:effectLst/>
-                <a:latin typeface="Consolas" panose="020B0609020204030204" pitchFamily="49" charset="0"/>
-              </a:rPr>
-              <a:t>](</a:t>
-            </a:r>
-            <a:r>
-              <a:rPr lang="en-US" b="0" u="sng" dirty="0">
-                <a:solidFill>
-                  <a:srgbClr val="D4D4D4"/>
-                </a:solidFill>
-                <a:effectLst/>
-                <a:latin typeface="Consolas" panose="020B0609020204030204" pitchFamily="49" charset="0"/>
-              </a:rPr>
-              <a:t>https://www.youtube.com/watch?v=fyDYpGCuvaA&amp;t=1322s</a:t>
-            </a:r>
-            <a:r>
-              <a:rPr lang="en-US" b="0" dirty="0">
-                <a:solidFill>
-                  <a:srgbClr val="D4D4D4"/>
-                </a:solidFill>
-                <a:effectLst/>
-                <a:latin typeface="Consolas" panose="020B0609020204030204" pitchFamily="49" charset="0"/>
-              </a:rPr>
-              <a:t>)</a:t>
-            </a:r>
-          </a:p>
-          <a:p>
-            <a:r>
-              <a:rPr lang="en-US" b="0" dirty="0">
-                <a:solidFill>
-                  <a:srgbClr val="D4D4D4"/>
-                </a:solidFill>
-                <a:effectLst/>
-                <a:latin typeface="Consolas" panose="020B0609020204030204" pitchFamily="49" charset="0"/>
-              </a:rPr>
-              <a:t>Gun to your head example.</a:t>
-            </a:r>
-          </a:p>
-          <a:p>
-            <a:br>
-              <a:rPr lang="en-US" b="0" dirty="0">
-                <a:solidFill>
-                  <a:srgbClr val="D4D4D4"/>
-                </a:solidFill>
-                <a:effectLst/>
-                <a:latin typeface="Consolas" panose="020B0609020204030204" pitchFamily="49" charset="0"/>
-              </a:rPr>
-            </a:br>
-            <a:r>
-              <a:rPr lang="en-US" b="1" dirty="0">
-                <a:solidFill>
-                  <a:srgbClr val="569CD6"/>
-                </a:solidFill>
-                <a:effectLst/>
-                <a:latin typeface="Consolas" panose="020B0609020204030204" pitchFamily="49" charset="0"/>
-              </a:rPr>
-              <a:t>##### 1 Reward and 2 Coercive</a:t>
-            </a:r>
-            <a:endParaRPr lang="en-US" b="0" dirty="0">
-              <a:solidFill>
-                <a:srgbClr val="D4D4D4"/>
-              </a:solidFill>
-              <a:effectLst/>
-              <a:latin typeface="Consolas" panose="020B0609020204030204" pitchFamily="49" charset="0"/>
-            </a:endParaRPr>
-          </a:p>
-          <a:p>
-            <a:r>
-              <a:rPr lang="en-US" b="0" dirty="0">
-                <a:solidFill>
-                  <a:srgbClr val="D4D4D4"/>
-                </a:solidFill>
-                <a:effectLst/>
-                <a:latin typeface="Consolas" panose="020B0609020204030204" pitchFamily="49" charset="0"/>
-              </a:rPr>
-              <a:t>These two forms are the most common in nature. Every animal is susceptible to those. Basically they mean that you can do something for someone in order to receive a reward or avoid punishment. This is exactly the carrot &amp; stick. If you use this power, you will get obedience. But nothing more. So if you want your dog to obey, you can give him or her treats to reinforce good behavior and punish bad. But remember, even if you do that , you might not be able to take control over your dog. Because when you turn around, the sausage will still disappear. Exactly the same applies to humans. If you reward and punish, everything will go towards what you reward and what you punish will be hidden. But apart from that, no creativity can be expected.</a:t>
-            </a:r>
-          </a:p>
-          <a:p>
-            <a:br>
-              <a:rPr lang="en-US" b="0" dirty="0">
-                <a:solidFill>
-                  <a:srgbClr val="D4D4D4"/>
-                </a:solidFill>
-                <a:effectLst/>
-                <a:latin typeface="Consolas" panose="020B0609020204030204" pitchFamily="49" charset="0"/>
-              </a:rPr>
-            </a:br>
-            <a:r>
-              <a:rPr lang="en-US" b="1" dirty="0">
-                <a:solidFill>
-                  <a:srgbClr val="569CD6"/>
-                </a:solidFill>
-                <a:effectLst/>
-                <a:latin typeface="Consolas" panose="020B0609020204030204" pitchFamily="49" charset="0"/>
-              </a:rPr>
-              <a:t>##### 3 Given / Formal / Legitimate</a:t>
-            </a:r>
-            <a:endParaRPr lang="en-US" b="0" dirty="0">
-              <a:solidFill>
-                <a:srgbClr val="D4D4D4"/>
-              </a:solidFill>
-              <a:effectLst/>
-              <a:latin typeface="Consolas" panose="020B0609020204030204" pitchFamily="49" charset="0"/>
-            </a:endParaRPr>
-          </a:p>
-          <a:p>
-            <a:r>
-              <a:rPr lang="en-US" b="0" dirty="0">
-                <a:solidFill>
-                  <a:srgbClr val="D4D4D4"/>
-                </a:solidFill>
-                <a:effectLst/>
-                <a:latin typeface="Consolas" panose="020B0609020204030204" pitchFamily="49" charset="0"/>
-              </a:rPr>
-              <a:t>This power is only present in creatures who build societies. Did you ever watch The Dog Whisperer with Cesar Millan? If you did, try to remember what he wanted to achieve. He was the Pack Leader for the dog and taught owners how to do the same. He wanted the dog to be submissive. And this is exactly what you will have if you have formal power over someone – like a manager or a police officer. Someone who is high in social ranks, somehow culturally above someone else. But if you operate with this power, you will have submission and submission only. There is still very little creativity involved.</a:t>
-            </a:r>
-          </a:p>
-          <a:p>
-            <a:br>
-              <a:rPr lang="en-US" b="0" dirty="0">
-                <a:solidFill>
-                  <a:srgbClr val="D4D4D4"/>
-                </a:solidFill>
-                <a:effectLst/>
-                <a:latin typeface="Consolas" panose="020B0609020204030204" pitchFamily="49" charset="0"/>
-              </a:rPr>
-            </a:br>
-            <a:r>
-              <a:rPr lang="en-US" b="1" dirty="0">
-                <a:solidFill>
-                  <a:srgbClr val="569CD6"/>
-                </a:solidFill>
-                <a:effectLst/>
-                <a:latin typeface="Consolas" panose="020B0609020204030204" pitchFamily="49" charset="0"/>
-              </a:rPr>
-              <a:t>##### 4 Expert</a:t>
-            </a:r>
-            <a:endParaRPr lang="en-US" b="0" dirty="0">
-              <a:solidFill>
-                <a:srgbClr val="D4D4D4"/>
-              </a:solidFill>
-              <a:effectLst/>
-              <a:latin typeface="Consolas" panose="020B0609020204030204" pitchFamily="49" charset="0"/>
-            </a:endParaRPr>
-          </a:p>
-          <a:p>
-            <a:r>
-              <a:rPr lang="en-US" b="0" dirty="0">
-                <a:solidFill>
-                  <a:srgbClr val="D4D4D4"/>
-                </a:solidFill>
-                <a:effectLst/>
-                <a:latin typeface="Consolas" panose="020B0609020204030204" pitchFamily="49" charset="0"/>
-              </a:rPr>
-              <a:t>Expert power is something that can be described as being respected, because you know a lot or can do something. This is something that has not been observed in any creatures, besides human. Some researchers believe dolphins, elephants, apes and crows may exhibit that power as well, but no hard proof has been found yet.  Working with someone with that power over you, gives you wings to learn. You want to become just like this example someone, so you listen, follow footsteps and try to master this subject. This power gives you learning and conquering difficulties.</a:t>
-            </a:r>
-          </a:p>
-          <a:p>
-            <a:br>
-              <a:rPr lang="en-US" b="0" dirty="0">
-                <a:solidFill>
-                  <a:srgbClr val="D4D4D4"/>
-                </a:solidFill>
-                <a:effectLst/>
-                <a:latin typeface="Consolas" panose="020B0609020204030204" pitchFamily="49" charset="0"/>
-              </a:rPr>
-            </a:br>
-            <a:r>
-              <a:rPr lang="en-US" b="1" dirty="0">
-                <a:solidFill>
-                  <a:srgbClr val="569CD6"/>
-                </a:solidFill>
-                <a:effectLst/>
-                <a:latin typeface="Consolas" panose="020B0609020204030204" pitchFamily="49" charset="0"/>
-              </a:rPr>
-              <a:t>##### 5 Referent</a:t>
-            </a:r>
-            <a:endParaRPr lang="en-US" b="0" dirty="0">
-              <a:solidFill>
-                <a:srgbClr val="D4D4D4"/>
-              </a:solidFill>
-              <a:effectLst/>
-              <a:latin typeface="Consolas" panose="020B0609020204030204" pitchFamily="49" charset="0"/>
-            </a:endParaRPr>
-          </a:p>
-          <a:p>
-            <a:r>
-              <a:rPr lang="en-US" b="0" dirty="0">
-                <a:solidFill>
-                  <a:srgbClr val="D4D4D4"/>
-                </a:solidFill>
-                <a:effectLst/>
-                <a:latin typeface="Consolas" panose="020B0609020204030204" pitchFamily="49" charset="0"/>
-              </a:rPr>
-              <a:t>This is a power that’s closest to trust. In large quantities it’s perceived as Charisma. It’s something that produces good feelings and engagement. It’s a power that’s easiest to lose and hardest to gain. You feel that this person is just right, you follow their lead. It’s something good leaders have.</a:t>
-            </a:r>
-          </a:p>
-          <a:p>
-            <a:br>
-              <a:rPr lang="en-US" b="0" dirty="0">
-                <a:solidFill>
-                  <a:srgbClr val="D4D4D4"/>
-                </a:solidFill>
-                <a:effectLst/>
-                <a:latin typeface="Consolas" panose="020B0609020204030204" pitchFamily="49" charset="0"/>
-              </a:rPr>
-            </a:br>
-            <a:r>
-              <a:rPr lang="en-US" b="1" dirty="0">
-                <a:solidFill>
-                  <a:srgbClr val="569CD6"/>
-                </a:solidFill>
-                <a:effectLst/>
-                <a:latin typeface="Consolas" panose="020B0609020204030204" pitchFamily="49" charset="0"/>
-              </a:rPr>
-              <a:t>##### 6* Informational</a:t>
-            </a:r>
-            <a:endParaRPr lang="en-US" b="0" dirty="0">
-              <a:solidFill>
-                <a:srgbClr val="D4D4D4"/>
-              </a:solidFill>
-              <a:effectLst/>
-              <a:latin typeface="Consolas" panose="020B0609020204030204" pitchFamily="49" charset="0"/>
-            </a:endParaRPr>
-          </a:p>
-          <a:p>
-            <a:r>
-              <a:rPr lang="en-US" b="0" dirty="0">
-                <a:solidFill>
-                  <a:srgbClr val="D4D4D4"/>
-                </a:solidFill>
-                <a:effectLst/>
-                <a:latin typeface="Consolas" panose="020B0609020204030204" pitchFamily="49" charset="0"/>
-              </a:rPr>
-              <a:t>Why is there an asterisk here? Because this power was added later on, it wasn’t in the original research. This is a power that is present only in informational societies. Where having, withholding or manipulating information is possible. Some also argue if this is not only a different manifestation of a rewarding or coercive power. I will leave it for your consideration.</a:t>
-            </a:r>
-          </a:p>
-          <a:p>
-            <a:br>
-              <a:rPr lang="en-US" b="0" dirty="0">
-                <a:solidFill>
-                  <a:srgbClr val="D4D4D4"/>
-                </a:solidFill>
-                <a:effectLst/>
-                <a:latin typeface="Consolas" panose="020B0609020204030204" pitchFamily="49" charset="0"/>
-              </a:rPr>
-            </a:br>
-            <a:r>
-              <a:rPr lang="en-US" b="1" dirty="0">
-                <a:solidFill>
-                  <a:srgbClr val="569CD6"/>
-                </a:solidFill>
-                <a:effectLst/>
-                <a:latin typeface="Consolas" panose="020B0609020204030204" pitchFamily="49" charset="0"/>
-              </a:rPr>
-              <a:t>##### Why do I care?</a:t>
-            </a:r>
-            <a:endParaRPr lang="en-US" b="0" dirty="0">
-              <a:solidFill>
-                <a:srgbClr val="D4D4D4"/>
-              </a:solidFill>
-              <a:effectLst/>
-              <a:latin typeface="Consolas" panose="020B0609020204030204" pitchFamily="49" charset="0"/>
-            </a:endParaRPr>
-          </a:p>
-          <a:p>
-            <a:r>
-              <a:rPr lang="en-US" b="0" dirty="0">
-                <a:solidFill>
-                  <a:srgbClr val="D4D4D4"/>
-                </a:solidFill>
-                <a:effectLst/>
-                <a:latin typeface="Consolas" panose="020B0609020204030204" pitchFamily="49" charset="0"/>
-              </a:rPr>
-              <a:t>Because the higher the power number is, the harder it is to gain, but the bigger the benefits are. It’s easy to coerce someone to do something, threatening them to sack them or promising a yearly bonus.</a:t>
-            </a:r>
-          </a:p>
-          <a:p>
-            <a:br>
-              <a:rPr lang="en-US" b="0" dirty="0">
-                <a:solidFill>
-                  <a:srgbClr val="D4D4D4"/>
-                </a:solidFill>
-                <a:effectLst/>
-                <a:latin typeface="Consolas" panose="020B0609020204030204" pitchFamily="49" charset="0"/>
-              </a:rPr>
-            </a:br>
-            <a:r>
-              <a:rPr lang="en-US" b="0" dirty="0">
-                <a:solidFill>
-                  <a:srgbClr val="D4D4D4"/>
-                </a:solidFill>
-                <a:effectLst/>
-                <a:latin typeface="Consolas" panose="020B0609020204030204" pitchFamily="49" charset="0"/>
-              </a:rPr>
-              <a:t>Also because coercive and rewarding powers are encoded in our reptilian brain, they are our instincts and it’s extremely hard in a critical situation not to use them.  Same applies to given power – only if you give in to your instincts, the more primitive one will take over – the carrot and the stick.</a:t>
-            </a:r>
-          </a:p>
-          <a:p>
-            <a:br>
-              <a:rPr lang="en-US" b="0" dirty="0">
-                <a:solidFill>
-                  <a:srgbClr val="D4D4D4"/>
-                </a:solidFill>
-                <a:effectLst/>
-                <a:latin typeface="Consolas" panose="020B0609020204030204" pitchFamily="49" charset="0"/>
-              </a:rPr>
-            </a:br>
-            <a:r>
-              <a:rPr lang="en-US" b="0" dirty="0">
-                <a:solidFill>
-                  <a:srgbClr val="D4D4D4"/>
-                </a:solidFill>
-                <a:effectLst/>
-                <a:latin typeface="Consolas" panose="020B0609020204030204" pitchFamily="49" charset="0"/>
-              </a:rPr>
-              <a:t>And in critical situations we need creativity, learning and engagement the most – to quickly get out of that crisis.</a:t>
-            </a:r>
-          </a:p>
-          <a:p>
-            <a:br>
-              <a:rPr lang="en-US" b="0" dirty="0">
-                <a:solidFill>
-                  <a:srgbClr val="D4D4D4"/>
-                </a:solidFill>
-                <a:effectLst/>
-                <a:latin typeface="Consolas" panose="020B0609020204030204" pitchFamily="49" charset="0"/>
-              </a:rPr>
-            </a:br>
-            <a:r>
-              <a:rPr lang="en-US" b="0" dirty="0">
-                <a:solidFill>
-                  <a:srgbClr val="D4D4D4"/>
-                </a:solidFill>
-                <a:effectLst/>
-                <a:latin typeface="Consolas" panose="020B0609020204030204" pitchFamily="49" charset="0"/>
-              </a:rPr>
-              <a:t>That’s why Scrum Masters have to have Expert and Referent power but not formal, coercive or rewarding ones. So that they can get the most of people any </a:t>
-            </a:r>
-            <a:r>
-              <a:rPr lang="en-US" b="0" dirty="0" err="1">
-                <a:solidFill>
-                  <a:srgbClr val="D4D4D4"/>
-                </a:solidFill>
-                <a:effectLst/>
-                <a:latin typeface="Consolas" panose="020B0609020204030204" pitchFamily="49" charset="0"/>
-              </a:rPr>
-              <a:t>time.s</a:t>
-            </a:r>
-            <a:endParaRPr lang="en-US" b="0" dirty="0">
-              <a:solidFill>
-                <a:srgbClr val="D4D4D4"/>
-              </a:solidFill>
-              <a:effectLst/>
-              <a:latin typeface="Consolas" panose="020B0609020204030204" pitchFamily="49" charset="0"/>
-            </a:endParaRPr>
-          </a:p>
-          <a:p>
             <a:endParaRPr lang="en-US" dirty="0"/>
+          </a:p>
+          <a:p>
+            <a:r>
+              <a:rPr lang="en-US" dirty="0"/>
+              <a:t>Gun to your head example</a:t>
+            </a:r>
           </a:p>
         </p:txBody>
       </p:sp>
@@ -19902,7 +22191,7 @@
     </p:spTree>
     <p:extLst>
       <p:ext uri="{BB962C8B-B14F-4D97-AF65-F5344CB8AC3E}">
-        <p14:creationId xmlns:p14="http://schemas.microsoft.com/office/powerpoint/2010/main" val="1479768192"/>
+        <p14:creationId xmlns:p14="http://schemas.microsoft.com/office/powerpoint/2010/main" val="2117790338"/>
       </p:ext>
     </p:extLst>
   </p:cSld>
@@ -19956,10 +22245,586 @@
           <a:bodyPr/>
           <a:lstStyle/>
           <a:p>
+            <a:pPr lvl="0"/>
             <a:r>
               <a:rPr lang="en-US" dirty="0"/>
-              <a:t>Bringing a knife or a sword to a gunfight is a classic mistake. Likewise in leadership, you need wisely choose the power you wield that is most likely to serve you and those in your charge best.</a:t>
-            </a:r>
+              <a:t>Forgetting that power is given</a:t>
+            </a:r>
+          </a:p>
+          <a:p>
+            <a:pPr lvl="0"/>
+            <a:r>
+              <a:rPr lang="en-US" dirty="0"/>
+              <a:t>Bringing expertise to an expertise fight</a:t>
+            </a:r>
+            <a:endParaRPr lang="en-US" b="1" dirty="0">
+              <a:solidFill>
+                <a:srgbClr val="569CD6"/>
+              </a:solidFill>
+              <a:effectLst/>
+              <a:latin typeface="Consolas" panose="020B0609020204030204" pitchFamily="49" charset="0"/>
+            </a:endParaRPr>
+          </a:p>
+          <a:p>
+            <a:endParaRPr lang="en-US" b="1" dirty="0">
+              <a:solidFill>
+                <a:srgbClr val="569CD6"/>
+              </a:solidFill>
+              <a:effectLst/>
+              <a:latin typeface="Consolas" panose="020B0609020204030204" pitchFamily="49" charset="0"/>
+            </a:endParaRPr>
+          </a:p>
+          <a:p>
+            <a:r>
+              <a:rPr lang="en-US" b="1" dirty="0">
+                <a:solidFill>
+                  <a:srgbClr val="569CD6"/>
+                </a:solidFill>
+                <a:effectLst/>
+                <a:latin typeface="Consolas" panose="020B0609020204030204" pitchFamily="49" charset="0"/>
+              </a:rPr>
+              <a:t># Power Is Only Given</a:t>
+            </a:r>
+            <a:endParaRPr lang="en-US" b="0" dirty="0">
+              <a:solidFill>
+                <a:srgbClr val="D4D4D4"/>
+              </a:solidFill>
+              <a:effectLst/>
+              <a:latin typeface="Consolas" panose="020B0609020204030204" pitchFamily="49" charset="0"/>
+            </a:endParaRPr>
+          </a:p>
+          <a:p>
+            <a:r>
+              <a:rPr lang="en-US" b="0" dirty="0">
+                <a:solidFill>
+                  <a:srgbClr val="D4D4D4"/>
+                </a:solidFill>
+                <a:effectLst/>
+                <a:latin typeface="Consolas" panose="020B0609020204030204" pitchFamily="49" charset="0"/>
+              </a:rPr>
+              <a:t>Being in charge means caring for those in your charge</a:t>
+            </a:r>
+          </a:p>
+          <a:p>
+            <a:r>
+              <a:rPr lang="en-US" b="0" dirty="0">
+                <a:solidFill>
+                  <a:srgbClr val="D4D4D4"/>
+                </a:solidFill>
+                <a:effectLst/>
+                <a:latin typeface="Consolas" panose="020B0609020204030204" pitchFamily="49" charset="0"/>
+              </a:rPr>
+              <a:t>The servant as leader vs the leader as servant</a:t>
+            </a:r>
+          </a:p>
+          <a:p>
+            <a:br>
+              <a:rPr lang="en-US" b="0" dirty="0">
+                <a:solidFill>
+                  <a:srgbClr val="D4D4D4"/>
+                </a:solidFill>
+                <a:effectLst/>
+                <a:latin typeface="Consolas" panose="020B0609020204030204" pitchFamily="49" charset="0"/>
+              </a:rPr>
+            </a:br>
+            <a:r>
+              <a:rPr lang="en-US" b="0" dirty="0">
+                <a:solidFill>
+                  <a:srgbClr val="D4D4D4"/>
+                </a:solidFill>
+                <a:effectLst/>
+                <a:latin typeface="Consolas" panose="020B0609020204030204" pitchFamily="49" charset="0"/>
+              </a:rPr>
+              <a:t>[</a:t>
+            </a:r>
+            <a:r>
+              <a:rPr lang="en-US" b="0" dirty="0">
+                <a:solidFill>
+                  <a:srgbClr val="CE9178"/>
+                </a:solidFill>
+                <a:effectLst/>
+                <a:latin typeface="Consolas" panose="020B0609020204030204" pitchFamily="49" charset="0"/>
+              </a:rPr>
+              <a:t>The Servant as Leader</a:t>
+            </a:r>
+            <a:r>
+              <a:rPr lang="en-US" b="0" dirty="0">
+                <a:solidFill>
+                  <a:srgbClr val="D4D4D4"/>
+                </a:solidFill>
+                <a:effectLst/>
+                <a:latin typeface="Consolas" panose="020B0609020204030204" pitchFamily="49" charset="0"/>
+              </a:rPr>
+              <a:t>](</a:t>
+            </a:r>
+            <a:r>
+              <a:rPr lang="en-US" b="0" u="sng" dirty="0">
+                <a:solidFill>
+                  <a:srgbClr val="D4D4D4"/>
+                </a:solidFill>
+                <a:effectLst/>
+                <a:latin typeface="Consolas" panose="020B0609020204030204" pitchFamily="49" charset="0"/>
+              </a:rPr>
+              <a:t>http://www.ediguys.net/Robert_K_Greenleaf_The_Servant_as_Leader.pdf</a:t>
+            </a:r>
+            <a:r>
+              <a:rPr lang="en-US" b="0" dirty="0">
+                <a:solidFill>
+                  <a:srgbClr val="D4D4D4"/>
+                </a:solidFill>
+                <a:effectLst/>
+                <a:latin typeface="Consolas" panose="020B0609020204030204" pitchFamily="49" charset="0"/>
+              </a:rPr>
+              <a:t>)</a:t>
+            </a:r>
+          </a:p>
+          <a:p>
+            <a:br>
+              <a:rPr lang="en-US" b="0" dirty="0">
+                <a:solidFill>
+                  <a:srgbClr val="D4D4D4"/>
+                </a:solidFill>
+                <a:effectLst/>
+                <a:latin typeface="Consolas" panose="020B0609020204030204" pitchFamily="49" charset="0"/>
+              </a:rPr>
+            </a:br>
+            <a:r>
+              <a:rPr lang="en-US" b="0" dirty="0">
+                <a:solidFill>
+                  <a:srgbClr val="D4D4D4"/>
+                </a:solidFill>
+                <a:effectLst/>
+                <a:latin typeface="Consolas" panose="020B0609020204030204" pitchFamily="49" charset="0"/>
+              </a:rPr>
+              <a:t>[</a:t>
+            </a:r>
+            <a:r>
+              <a:rPr lang="en-US" b="0" dirty="0">
+                <a:solidFill>
+                  <a:srgbClr val="CE9178"/>
+                </a:solidFill>
+                <a:effectLst/>
+                <a:latin typeface="Consolas" panose="020B0609020204030204" pitchFamily="49" charset="0"/>
+              </a:rPr>
+              <a:t>6 Forms of Power</a:t>
+            </a:r>
+            <a:r>
+              <a:rPr lang="en-US" b="0" dirty="0">
+                <a:solidFill>
+                  <a:srgbClr val="D4D4D4"/>
+                </a:solidFill>
+                <a:effectLst/>
+                <a:latin typeface="Consolas" panose="020B0609020204030204" pitchFamily="49" charset="0"/>
+              </a:rPr>
+              <a:t>](</a:t>
+            </a:r>
+            <a:r>
+              <a:rPr lang="en-US" b="0" u="sng" dirty="0">
+                <a:solidFill>
+                  <a:srgbClr val="D4D4D4"/>
+                </a:solidFill>
+                <a:effectLst/>
+                <a:latin typeface="Consolas" panose="020B0609020204030204" pitchFamily="49" charset="0"/>
+              </a:rPr>
+              <a:t>https://controlyourchaos.wordpress.com/2013/12/17/scrum-masters-toolkit-french-ravens-5-6-forms-of-power/</a:t>
+            </a:r>
+            <a:r>
+              <a:rPr lang="en-US" b="0" dirty="0">
+                <a:solidFill>
+                  <a:srgbClr val="D4D4D4"/>
+                </a:solidFill>
+                <a:effectLst/>
+                <a:latin typeface="Consolas" panose="020B0609020204030204" pitchFamily="49" charset="0"/>
+              </a:rPr>
+              <a:t>)</a:t>
+            </a:r>
+          </a:p>
+          <a:p>
+            <a:r>
+              <a:rPr lang="en-US" b="0" dirty="0">
+                <a:solidFill>
+                  <a:srgbClr val="D4D4D4"/>
+                </a:solidFill>
+                <a:effectLst/>
+                <a:latin typeface="Consolas" panose="020B0609020204030204" pitchFamily="49" charset="0"/>
+              </a:rPr>
+              <a:t>[</a:t>
+            </a:r>
+            <a:r>
+              <a:rPr lang="en-US" b="0" dirty="0">
+                <a:solidFill>
+                  <a:srgbClr val="CE9178"/>
+                </a:solidFill>
+                <a:effectLst/>
+                <a:latin typeface="Consolas" panose="020B0609020204030204" pitchFamily="49" charset="0"/>
+              </a:rPr>
+              <a:t>Psychological Models in Scrum</a:t>
+            </a:r>
+            <a:r>
+              <a:rPr lang="en-US" b="0" dirty="0">
+                <a:solidFill>
+                  <a:srgbClr val="D4D4D4"/>
+                </a:solidFill>
+                <a:effectLst/>
+                <a:latin typeface="Consolas" panose="020B0609020204030204" pitchFamily="49" charset="0"/>
+              </a:rPr>
+              <a:t>](</a:t>
+            </a:r>
+            <a:r>
+              <a:rPr lang="en-US" b="0" u="sng" dirty="0">
+                <a:solidFill>
+                  <a:srgbClr val="D4D4D4"/>
+                </a:solidFill>
+                <a:effectLst/>
+                <a:latin typeface="Consolas" panose="020B0609020204030204" pitchFamily="49" charset="0"/>
+              </a:rPr>
+              <a:t>https://www.youtube.com/watch?v=fyDYpGCuvaA&amp;t=1322s</a:t>
+            </a:r>
+            <a:r>
+              <a:rPr lang="en-US" b="0" dirty="0">
+                <a:solidFill>
+                  <a:srgbClr val="D4D4D4"/>
+                </a:solidFill>
+                <a:effectLst/>
+                <a:latin typeface="Consolas" panose="020B0609020204030204" pitchFamily="49" charset="0"/>
+              </a:rPr>
+              <a:t>)</a:t>
+            </a:r>
+          </a:p>
+          <a:p>
+            <a:r>
+              <a:rPr lang="en-US" b="0" dirty="0">
+                <a:solidFill>
+                  <a:srgbClr val="D4D4D4"/>
+                </a:solidFill>
+                <a:effectLst/>
+                <a:latin typeface="Consolas" panose="020B0609020204030204" pitchFamily="49" charset="0"/>
+              </a:rPr>
+              <a:t>Gun to your head example.</a:t>
+            </a:r>
+          </a:p>
+          <a:p>
+            <a:br>
+              <a:rPr lang="en-US" b="0" dirty="0">
+                <a:solidFill>
+                  <a:srgbClr val="D4D4D4"/>
+                </a:solidFill>
+                <a:effectLst/>
+                <a:latin typeface="Consolas" panose="020B0609020204030204" pitchFamily="49" charset="0"/>
+              </a:rPr>
+            </a:br>
+            <a:r>
+              <a:rPr lang="en-US" b="1" dirty="0">
+                <a:solidFill>
+                  <a:srgbClr val="569CD6"/>
+                </a:solidFill>
+                <a:effectLst/>
+                <a:latin typeface="Consolas" panose="020B0609020204030204" pitchFamily="49" charset="0"/>
+              </a:rPr>
+              <a:t>##### 1 Reward and 2 Coercive</a:t>
+            </a:r>
+            <a:endParaRPr lang="en-US" b="0" dirty="0">
+              <a:solidFill>
+                <a:srgbClr val="D4D4D4"/>
+              </a:solidFill>
+              <a:effectLst/>
+              <a:latin typeface="Consolas" panose="020B0609020204030204" pitchFamily="49" charset="0"/>
+            </a:endParaRPr>
+          </a:p>
+          <a:p>
+            <a:r>
+              <a:rPr lang="en-US" b="0" dirty="0">
+                <a:solidFill>
+                  <a:srgbClr val="D4D4D4"/>
+                </a:solidFill>
+                <a:effectLst/>
+                <a:latin typeface="Consolas" panose="020B0609020204030204" pitchFamily="49" charset="0"/>
+              </a:rPr>
+              <a:t>These two forms are the most common in nature. Every animal is susceptible to those. Basically they mean that you can do something for someone in order to receive a reward or avoid punishment. This is exactly the carrot &amp; stick. If you use this power, you will get obedience. But nothing more. So if you want your dog to obey, you can give him or her treats to reinforce good behavior and punish bad. But remember, even if you do that , you might not be able to take control over your dog. Because when you turn around, the sausage will still disappear. Exactly the same applies to humans. If you reward and punish, everything will go towards what you reward and what you punish will be hidden. But apart from that, no creativity can be expected.</a:t>
+            </a:r>
+          </a:p>
+          <a:p>
+            <a:br>
+              <a:rPr lang="en-US" b="0" dirty="0">
+                <a:solidFill>
+                  <a:srgbClr val="D4D4D4"/>
+                </a:solidFill>
+                <a:effectLst/>
+                <a:latin typeface="Consolas" panose="020B0609020204030204" pitchFamily="49" charset="0"/>
+              </a:rPr>
+            </a:br>
+            <a:r>
+              <a:rPr lang="en-US" b="1" dirty="0">
+                <a:solidFill>
+                  <a:srgbClr val="569CD6"/>
+                </a:solidFill>
+                <a:effectLst/>
+                <a:latin typeface="Consolas" panose="020B0609020204030204" pitchFamily="49" charset="0"/>
+              </a:rPr>
+              <a:t>##### 3 Given / Formal / Legitimate</a:t>
+            </a:r>
+            <a:endParaRPr lang="en-US" b="0" dirty="0">
+              <a:solidFill>
+                <a:srgbClr val="D4D4D4"/>
+              </a:solidFill>
+              <a:effectLst/>
+              <a:latin typeface="Consolas" panose="020B0609020204030204" pitchFamily="49" charset="0"/>
+            </a:endParaRPr>
+          </a:p>
+          <a:p>
+            <a:r>
+              <a:rPr lang="en-US" b="0" dirty="0">
+                <a:solidFill>
+                  <a:srgbClr val="D4D4D4"/>
+                </a:solidFill>
+                <a:effectLst/>
+                <a:latin typeface="Consolas" panose="020B0609020204030204" pitchFamily="49" charset="0"/>
+              </a:rPr>
+              <a:t>This power is only present in creatures who build societies. Did you ever watch The Dog Whisperer with Cesar Millan? If you did, try to remember what he wanted to achieve. He was the Pack Leader for the dog and taught owners how to do the same. He wanted the dog to be submissive. And this is exactly what you will have if you have formal power over someone – like a manager or a police officer. Someone who is high in social ranks, somehow culturally above someone else. But if you operate with this power, you will have submission and submission only. There is still very little creativity involved.</a:t>
+            </a:r>
+          </a:p>
+          <a:p>
+            <a:br>
+              <a:rPr lang="en-US" b="0" dirty="0">
+                <a:solidFill>
+                  <a:srgbClr val="D4D4D4"/>
+                </a:solidFill>
+                <a:effectLst/>
+                <a:latin typeface="Consolas" panose="020B0609020204030204" pitchFamily="49" charset="0"/>
+              </a:rPr>
+            </a:br>
+            <a:r>
+              <a:rPr lang="en-US" b="1" dirty="0">
+                <a:solidFill>
+                  <a:srgbClr val="569CD6"/>
+                </a:solidFill>
+                <a:effectLst/>
+                <a:latin typeface="Consolas" panose="020B0609020204030204" pitchFamily="49" charset="0"/>
+              </a:rPr>
+              <a:t>##### 4 Expert</a:t>
+            </a:r>
+            <a:endParaRPr lang="en-US" b="0" dirty="0">
+              <a:solidFill>
+                <a:srgbClr val="D4D4D4"/>
+              </a:solidFill>
+              <a:effectLst/>
+              <a:latin typeface="Consolas" panose="020B0609020204030204" pitchFamily="49" charset="0"/>
+            </a:endParaRPr>
+          </a:p>
+          <a:p>
+            <a:r>
+              <a:rPr lang="en-US" b="0" dirty="0">
+                <a:solidFill>
+                  <a:srgbClr val="D4D4D4"/>
+                </a:solidFill>
+                <a:effectLst/>
+                <a:latin typeface="Consolas" panose="020B0609020204030204" pitchFamily="49" charset="0"/>
+              </a:rPr>
+              <a:t>Expert power is something that can be described as being respected, because you know a lot or can do something. This is something that has not been observed in any creatures, besides human. Some researchers believe dolphins, elephants, apes and crows may exhibit that power as well, but no hard proof has been found yet.  Working with someone with that power over you, gives you wings to learn. You want to become just like this example someone, so you listen, follow footsteps and try to master this subject. This power gives you learning and conquering difficulties.</a:t>
+            </a:r>
+          </a:p>
+          <a:p>
+            <a:br>
+              <a:rPr lang="en-US" b="0" dirty="0">
+                <a:solidFill>
+                  <a:srgbClr val="D4D4D4"/>
+                </a:solidFill>
+                <a:effectLst/>
+                <a:latin typeface="Consolas" panose="020B0609020204030204" pitchFamily="49" charset="0"/>
+              </a:rPr>
+            </a:br>
+            <a:r>
+              <a:rPr lang="en-US" b="1" dirty="0">
+                <a:solidFill>
+                  <a:srgbClr val="569CD6"/>
+                </a:solidFill>
+                <a:effectLst/>
+                <a:latin typeface="Consolas" panose="020B0609020204030204" pitchFamily="49" charset="0"/>
+              </a:rPr>
+              <a:t>##### 5 Referent</a:t>
+            </a:r>
+            <a:endParaRPr lang="en-US" b="0" dirty="0">
+              <a:solidFill>
+                <a:srgbClr val="D4D4D4"/>
+              </a:solidFill>
+              <a:effectLst/>
+              <a:latin typeface="Consolas" panose="020B0609020204030204" pitchFamily="49" charset="0"/>
+            </a:endParaRPr>
+          </a:p>
+          <a:p>
+            <a:r>
+              <a:rPr lang="en-US" b="0" dirty="0">
+                <a:solidFill>
+                  <a:srgbClr val="D4D4D4"/>
+                </a:solidFill>
+                <a:effectLst/>
+                <a:latin typeface="Consolas" panose="020B0609020204030204" pitchFamily="49" charset="0"/>
+              </a:rPr>
+              <a:t>This is a power that’s closest to trust. In large quantities it’s perceived as Charisma. It’s something that produces good feelings and engagement. It’s a power that’s easiest to lose and hardest to gain. You feel that this person is just right, you follow their lead. It’s something good leaders have.</a:t>
+            </a:r>
+          </a:p>
+          <a:p>
+            <a:br>
+              <a:rPr lang="en-US" b="0" dirty="0">
+                <a:solidFill>
+                  <a:srgbClr val="D4D4D4"/>
+                </a:solidFill>
+                <a:effectLst/>
+                <a:latin typeface="Consolas" panose="020B0609020204030204" pitchFamily="49" charset="0"/>
+              </a:rPr>
+            </a:br>
+            <a:r>
+              <a:rPr lang="en-US" b="1" dirty="0">
+                <a:solidFill>
+                  <a:srgbClr val="569CD6"/>
+                </a:solidFill>
+                <a:effectLst/>
+                <a:latin typeface="Consolas" panose="020B0609020204030204" pitchFamily="49" charset="0"/>
+              </a:rPr>
+              <a:t>##### 6* Informational</a:t>
+            </a:r>
+            <a:endParaRPr lang="en-US" b="0" dirty="0">
+              <a:solidFill>
+                <a:srgbClr val="D4D4D4"/>
+              </a:solidFill>
+              <a:effectLst/>
+              <a:latin typeface="Consolas" panose="020B0609020204030204" pitchFamily="49" charset="0"/>
+            </a:endParaRPr>
+          </a:p>
+          <a:p>
+            <a:r>
+              <a:rPr lang="en-US" b="0" dirty="0">
+                <a:solidFill>
+                  <a:srgbClr val="D4D4D4"/>
+                </a:solidFill>
+                <a:effectLst/>
+                <a:latin typeface="Consolas" panose="020B0609020204030204" pitchFamily="49" charset="0"/>
+              </a:rPr>
+              <a:t>Why is there an asterisk here? Because this power was added later on, it wasn’t in the original research. This is a power that is present only in informational societies. Where having, withholding or manipulating information is possible. Some also argue if this is not only a different manifestation of a rewarding or coercive power. I will leave it for your consideration.</a:t>
+            </a:r>
+          </a:p>
+          <a:p>
+            <a:br>
+              <a:rPr lang="en-US" b="0" dirty="0">
+                <a:solidFill>
+                  <a:srgbClr val="D4D4D4"/>
+                </a:solidFill>
+                <a:effectLst/>
+                <a:latin typeface="Consolas" panose="020B0609020204030204" pitchFamily="49" charset="0"/>
+              </a:rPr>
+            </a:br>
+            <a:r>
+              <a:rPr lang="en-US" b="1" dirty="0">
+                <a:solidFill>
+                  <a:srgbClr val="569CD6"/>
+                </a:solidFill>
+                <a:effectLst/>
+                <a:latin typeface="Consolas" panose="020B0609020204030204" pitchFamily="49" charset="0"/>
+              </a:rPr>
+              <a:t>##### Why do I care?</a:t>
+            </a:r>
+            <a:endParaRPr lang="en-US" b="0" dirty="0">
+              <a:solidFill>
+                <a:srgbClr val="D4D4D4"/>
+              </a:solidFill>
+              <a:effectLst/>
+              <a:latin typeface="Consolas" panose="020B0609020204030204" pitchFamily="49" charset="0"/>
+            </a:endParaRPr>
+          </a:p>
+          <a:p>
+            <a:r>
+              <a:rPr lang="en-US" b="0" dirty="0">
+                <a:solidFill>
+                  <a:srgbClr val="D4D4D4"/>
+                </a:solidFill>
+                <a:effectLst/>
+                <a:latin typeface="Consolas" panose="020B0609020204030204" pitchFamily="49" charset="0"/>
+              </a:rPr>
+              <a:t>Because the higher the power number is, the harder it is to gain, but the bigger the benefits are. It’s easy to coerce someone to do something, threatening them to sack them or promising a yearly bonus.</a:t>
+            </a:r>
+          </a:p>
+          <a:p>
+            <a:br>
+              <a:rPr lang="en-US" b="0" dirty="0">
+                <a:solidFill>
+                  <a:srgbClr val="D4D4D4"/>
+                </a:solidFill>
+                <a:effectLst/>
+                <a:latin typeface="Consolas" panose="020B0609020204030204" pitchFamily="49" charset="0"/>
+              </a:rPr>
+            </a:br>
+            <a:r>
+              <a:rPr lang="en-US" b="0" dirty="0">
+                <a:solidFill>
+                  <a:srgbClr val="D4D4D4"/>
+                </a:solidFill>
+                <a:effectLst/>
+                <a:latin typeface="Consolas" panose="020B0609020204030204" pitchFamily="49" charset="0"/>
+              </a:rPr>
+              <a:t>Also because coercive and rewarding powers are encoded in our reptilian brain, they are our instincts and it’s extremely hard in a critical situation not to use them.  Same applies to given power – only if you give in to your instincts, the more primitive one will take over – the carrot and the stick.</a:t>
+            </a:r>
+          </a:p>
+          <a:p>
+            <a:br>
+              <a:rPr lang="en-US" b="0" dirty="0">
+                <a:solidFill>
+                  <a:srgbClr val="D4D4D4"/>
+                </a:solidFill>
+                <a:effectLst/>
+                <a:latin typeface="Consolas" panose="020B0609020204030204" pitchFamily="49" charset="0"/>
+              </a:rPr>
+            </a:br>
+            <a:r>
+              <a:rPr lang="en-US" b="0" dirty="0">
+                <a:solidFill>
+                  <a:srgbClr val="D4D4D4"/>
+                </a:solidFill>
+                <a:effectLst/>
+                <a:latin typeface="Consolas" panose="020B0609020204030204" pitchFamily="49" charset="0"/>
+              </a:rPr>
+              <a:t>And in critical situations we need creativity, learning and engagement the most – to quickly get out of that crisis.</a:t>
+            </a:r>
+          </a:p>
+          <a:p>
+            <a:br>
+              <a:rPr lang="en-US" b="0" dirty="0">
+                <a:solidFill>
+                  <a:srgbClr val="D4D4D4"/>
+                </a:solidFill>
+                <a:effectLst/>
+                <a:latin typeface="Consolas" panose="020B0609020204030204" pitchFamily="49" charset="0"/>
+              </a:rPr>
+            </a:br>
+            <a:r>
+              <a:rPr lang="en-US" b="0" dirty="0">
+                <a:solidFill>
+                  <a:srgbClr val="D4D4D4"/>
+                </a:solidFill>
+                <a:effectLst/>
+                <a:latin typeface="Consolas" panose="020B0609020204030204" pitchFamily="49" charset="0"/>
+              </a:rPr>
+              <a:t>That’s why Scrum Masters have to have Expert and Referent power but not formal, coercive or rewarding ones. So that they can get the most of people any </a:t>
+            </a:r>
+            <a:r>
+              <a:rPr lang="en-US" b="0" dirty="0" err="1">
+                <a:solidFill>
+                  <a:srgbClr val="D4D4D4"/>
+                </a:solidFill>
+                <a:effectLst/>
+                <a:latin typeface="Consolas" panose="020B0609020204030204" pitchFamily="49" charset="0"/>
+              </a:rPr>
+              <a:t>time.s</a:t>
+            </a:r>
+            <a:endParaRPr lang="en-US" b="0" dirty="0">
+              <a:solidFill>
+                <a:srgbClr val="D4D4D4"/>
+              </a:solidFill>
+              <a:effectLst/>
+              <a:latin typeface="Consolas" panose="020B0609020204030204" pitchFamily="49" charset="0"/>
+            </a:endParaRPr>
+          </a:p>
+          <a:p>
+            <a:endParaRPr lang="en-US" dirty="0"/>
           </a:p>
         </p:txBody>
       </p:sp>
@@ -19989,7 +22854,7 @@
     </p:spTree>
     <p:extLst>
       <p:ext uri="{BB962C8B-B14F-4D97-AF65-F5344CB8AC3E}">
-        <p14:creationId xmlns:p14="http://schemas.microsoft.com/office/powerpoint/2010/main" val="3127162449"/>
+        <p14:creationId xmlns:p14="http://schemas.microsoft.com/office/powerpoint/2010/main" val="1479768192"/>
       </p:ext>
     </p:extLst>
   </p:cSld>
@@ -20266,165 +23131,8 @@
           <a:lstStyle/>
           <a:p>
             <a:r>
-              <a:rPr lang="en-US" b="0" dirty="0">
-                <a:solidFill>
-                  <a:srgbClr val="D4D4D4"/>
-                </a:solidFill>
-                <a:effectLst/>
-                <a:latin typeface="Consolas" panose="020B0609020204030204" pitchFamily="49" charset="0"/>
-              </a:rPr>
-              <a:t>How many here have been lead by someone who:</a:t>
-            </a:r>
-          </a:p>
-          <a:p>
-            <a:pPr marL="171450" indent="-171450">
-              <a:buFontTx/>
-              <a:buChar char="-"/>
-            </a:pPr>
-            <a:r>
-              <a:rPr lang="en-US" b="0" dirty="0">
-                <a:solidFill>
-                  <a:srgbClr val="D4D4D4"/>
-                </a:solidFill>
-                <a:effectLst/>
-                <a:latin typeface="Consolas" panose="020B0609020204030204" pitchFamily="49" charset="0"/>
-              </a:rPr>
-              <a:t>Doesn’t care to listen or understand you?</a:t>
-            </a:r>
-          </a:p>
-          <a:p>
-            <a:pPr marL="171450" indent="-171450">
-              <a:buFontTx/>
-              <a:buChar char="-"/>
-            </a:pPr>
-            <a:r>
-              <a:rPr lang="en-US" b="0" dirty="0">
-                <a:solidFill>
-                  <a:srgbClr val="D4D4D4"/>
-                </a:solidFill>
-                <a:effectLst/>
-                <a:latin typeface="Consolas" panose="020B0609020204030204" pitchFamily="49" charset="0"/>
-              </a:rPr>
-              <a:t>Seems consumed with powerful drive for power and material accumulation?</a:t>
-            </a:r>
-          </a:p>
-          <a:p>
-            <a:pPr marL="171450" indent="-171450">
-              <a:buFontTx/>
-              <a:buChar char="-"/>
-            </a:pPr>
-            <a:r>
-              <a:rPr lang="en-US" b="0" dirty="0">
-                <a:solidFill>
-                  <a:srgbClr val="D4D4D4"/>
-                </a:solidFill>
-                <a:effectLst/>
-                <a:latin typeface="Consolas" panose="020B0609020204030204" pitchFamily="49" charset="0"/>
-              </a:rPr>
-              <a:t>Doesn’t say, “Come with me” but rather “Get going!” and “Do as I say!”</a:t>
-            </a:r>
-          </a:p>
-          <a:p>
-            <a:pPr marL="171450" indent="-171450">
-              <a:buFontTx/>
-              <a:buChar char="-"/>
-            </a:pPr>
-            <a:r>
-              <a:rPr lang="en-US" b="0" dirty="0">
-                <a:solidFill>
-                  <a:srgbClr val="D4D4D4"/>
-                </a:solidFill>
-                <a:effectLst/>
-                <a:latin typeface="Consolas" panose="020B0609020204030204" pitchFamily="49" charset="0"/>
-              </a:rPr>
-              <a:t>Ignores the negative effects their leader is clearly having on you, the world, and even themselves?</a:t>
-            </a:r>
-          </a:p>
-          <a:p>
-            <a:pPr marL="0" indent="0">
-              <a:buFontTx/>
-              <a:buNone/>
-            </a:pPr>
-            <a:endParaRPr lang="en-US" b="0" dirty="0">
-              <a:solidFill>
-                <a:srgbClr val="D4D4D4"/>
-              </a:solidFill>
-              <a:effectLst/>
-              <a:latin typeface="Consolas" panose="020B0609020204030204" pitchFamily="49" charset="0"/>
-            </a:endParaRPr>
-          </a:p>
-          <a:p>
-            <a:pPr marL="0" indent="0">
-              <a:buFontTx/>
-              <a:buNone/>
-            </a:pPr>
-            <a:r>
-              <a:rPr lang="en-US" b="0" dirty="0">
-                <a:solidFill>
-                  <a:srgbClr val="D4D4D4"/>
-                </a:solidFill>
-                <a:effectLst/>
-                <a:latin typeface="Consolas" panose="020B0609020204030204" pitchFamily="49" charset="0"/>
-              </a:rPr>
-              <a:t>This sort of leadership is all to common. I can work for short periods and with some people.</a:t>
-            </a:r>
-          </a:p>
-          <a:p>
-            <a:pPr marL="0" indent="0">
-              <a:buFontTx/>
-              <a:buNone/>
-            </a:pPr>
-            <a:endParaRPr lang="en-US" b="0" dirty="0">
-              <a:solidFill>
-                <a:srgbClr val="D4D4D4"/>
-              </a:solidFill>
-              <a:effectLst/>
-              <a:latin typeface="Consolas" panose="020B0609020204030204" pitchFamily="49" charset="0"/>
-            </a:endParaRPr>
-          </a:p>
-          <a:p>
-            <a:pPr marL="0" indent="0">
-              <a:buFontTx/>
-              <a:buNone/>
-            </a:pPr>
-            <a:r>
-              <a:rPr lang="en-US" b="0" dirty="0">
-                <a:solidFill>
-                  <a:srgbClr val="D4D4D4"/>
-                </a:solidFill>
-                <a:effectLst/>
-                <a:latin typeface="Consolas" panose="020B0609020204030204" pitchFamily="49" charset="0"/>
-              </a:rPr>
-              <a:t>Ultimately, it is not sustainable and has the effect of stamping out commitment and creativity.</a:t>
-            </a:r>
-          </a:p>
-          <a:p>
-            <a:pPr marL="0" indent="0">
-              <a:buFontTx/>
-              <a:buNone/>
-            </a:pPr>
-            <a:endParaRPr lang="en-US" b="0" dirty="0">
-              <a:solidFill>
-                <a:srgbClr val="D4D4D4"/>
-              </a:solidFill>
-              <a:effectLst/>
-              <a:latin typeface="Consolas" panose="020B0609020204030204" pitchFamily="49" charset="0"/>
-            </a:endParaRPr>
-          </a:p>
-          <a:p>
-            <a:pPr marL="0" indent="0">
-              <a:buFontTx/>
-              <a:buNone/>
-            </a:pPr>
-            <a:r>
-              <a:rPr lang="en-US" b="0" dirty="0">
-                <a:solidFill>
-                  <a:srgbClr val="D4D4D4"/>
-                </a:solidFill>
-                <a:effectLst/>
-                <a:latin typeface="Consolas" panose="020B0609020204030204" pitchFamily="49" charset="0"/>
-              </a:rPr>
-              <a:t>Speaking of commitment…</a:t>
+              <a:rPr lang="en-US" dirty="0"/>
+              <a:t>Bringing a knife or a sword to a gunfight is a classic mistake. Likewise in leadership, you need wisely choose the power you wield that is most likely to serve you and those in your charge best.</a:t>
             </a:r>
           </a:p>
         </p:txBody>
@@ -20455,7 +23163,7 @@
     </p:spTree>
     <p:extLst>
       <p:ext uri="{BB962C8B-B14F-4D97-AF65-F5344CB8AC3E}">
-        <p14:creationId xmlns:p14="http://schemas.microsoft.com/office/powerpoint/2010/main" val="1669297632"/>
+        <p14:creationId xmlns:p14="http://schemas.microsoft.com/office/powerpoint/2010/main" val="3127162449"/>
       </p:ext>
     </p:extLst>
   </p:cSld>
@@ -20512,34 +23220,83 @@
             <a:r>
               <a:rPr lang="en-US" b="0" dirty="0">
                 <a:solidFill>
-                  <a:srgbClr val="569CD6"/>
+                  <a:srgbClr val="D4D4D4"/>
                 </a:solidFill>
                 <a:effectLst/>
                 <a:latin typeface="Consolas" panose="020B0609020204030204" pitchFamily="49" charset="0"/>
               </a:rPr>
-              <a:t>Even with a compelling vision, habitual patterns can torpedo the commitment of a culture along it’s journey</a:t>
-            </a:r>
-          </a:p>
-          <a:p>
-            <a:endParaRPr lang="en-US" b="1" dirty="0">
-              <a:solidFill>
-                <a:srgbClr val="569CD6"/>
-              </a:solidFill>
-              <a:effectLst/>
-              <a:latin typeface="Consolas" panose="020B0609020204030204" pitchFamily="49" charset="0"/>
-            </a:endParaRPr>
-          </a:p>
-          <a:p>
-            <a:r>
-              <a:rPr lang="en-US" b="1" dirty="0">
+              <a:t>How many here have been lead by someone who:</a:t>
+            </a:r>
+          </a:p>
+          <a:p>
+            <a:pPr marL="171450" indent="-171450">
+              <a:buFontTx/>
+              <a:buChar char="-"/>
+            </a:pPr>
+            <a:r>
+              <a:rPr lang="en-US" b="0" dirty="0">
                 <a:solidFill>
-                  <a:srgbClr val="569CD6"/>
+                  <a:srgbClr val="D4D4D4"/>
                 </a:solidFill>
                 <a:effectLst/>
                 <a:latin typeface="Consolas" panose="020B0609020204030204" pitchFamily="49" charset="0"/>
               </a:rPr>
-              <a:t>### Little Quits</a:t>
-            </a:r>
+              <a:t>Doesn’t care to listen or understand you?</a:t>
+            </a:r>
+          </a:p>
+          <a:p>
+            <a:pPr marL="171450" indent="-171450">
+              <a:buFontTx/>
+              <a:buChar char="-"/>
+            </a:pPr>
+            <a:r>
+              <a:rPr lang="en-US" b="0" dirty="0">
+                <a:solidFill>
+                  <a:srgbClr val="D4D4D4"/>
+                </a:solidFill>
+                <a:effectLst/>
+                <a:latin typeface="Consolas" panose="020B0609020204030204" pitchFamily="49" charset="0"/>
+              </a:rPr>
+              <a:t>Seems consumed with powerful drive for power and material accumulation?</a:t>
+            </a:r>
+          </a:p>
+          <a:p>
+            <a:pPr marL="171450" indent="-171450">
+              <a:buFontTx/>
+              <a:buChar char="-"/>
+            </a:pPr>
+            <a:r>
+              <a:rPr lang="en-US" b="0" dirty="0">
+                <a:solidFill>
+                  <a:srgbClr val="D4D4D4"/>
+                </a:solidFill>
+                <a:effectLst/>
+                <a:latin typeface="Consolas" panose="020B0609020204030204" pitchFamily="49" charset="0"/>
+              </a:rPr>
+              <a:t>Doesn’t say, “Come with me” but rather “Get going!” and “Do as I say!”</a:t>
+            </a:r>
+          </a:p>
+          <a:p>
+            <a:pPr marL="171450" indent="-171450">
+              <a:buFontTx/>
+              <a:buChar char="-"/>
+            </a:pPr>
+            <a:r>
+              <a:rPr lang="en-US" b="0" dirty="0">
+                <a:solidFill>
+                  <a:srgbClr val="D4D4D4"/>
+                </a:solidFill>
+                <a:effectLst/>
+                <a:latin typeface="Consolas" panose="020B0609020204030204" pitchFamily="49" charset="0"/>
+              </a:rPr>
+              <a:t>Ignores the negative effects their leader is clearly having on you, the world, and even themselves?</a:t>
+            </a:r>
+          </a:p>
+          <a:p>
+            <a:pPr marL="0" indent="0">
+              <a:buFontTx/>
+              <a:buNone/>
+            </a:pPr>
             <a:endParaRPr lang="en-US" b="0" dirty="0">
               <a:solidFill>
                 <a:srgbClr val="D4D4D4"/>
@@ -20549,6 +23306,10 @@
             </a:endParaRPr>
           </a:p>
           <a:p>
+            <a:pPr marL="0" indent="0">
+              <a:buFontTx/>
+              <a:buNone/>
+            </a:pPr>
             <a:r>
               <a:rPr lang="en-US" b="0" dirty="0">
                 <a:solidFill>
@@ -20557,10 +23318,14 @@
                 <a:effectLst/>
                 <a:latin typeface="Consolas" panose="020B0609020204030204" pitchFamily="49" charset="0"/>
               </a:rPr>
-              <a:t>It’s rare that one quits something big without first quitting many times on something small.</a:t>
-            </a:r>
-          </a:p>
-          <a:p>
+              <a:t>This sort of leadership is all to common. I can work for short periods and with some people.</a:t>
+            </a:r>
+          </a:p>
+          <a:p>
+            <a:pPr marL="0" indent="0">
+              <a:buFontTx/>
+              <a:buNone/>
+            </a:pPr>
             <a:endParaRPr lang="en-US" b="0" dirty="0">
               <a:solidFill>
                 <a:srgbClr val="D4D4D4"/>
@@ -20570,6 +23335,10 @@
             </a:endParaRPr>
           </a:p>
           <a:p>
+            <a:pPr marL="0" indent="0">
+              <a:buFontTx/>
+              <a:buNone/>
+            </a:pPr>
             <a:r>
               <a:rPr lang="en-US" b="0" dirty="0">
                 <a:solidFill>
@@ -20578,11 +23347,28 @@
                 <a:effectLst/>
                 <a:latin typeface="Consolas" panose="020B0609020204030204" pitchFamily="49" charset="0"/>
               </a:rPr>
-              <a:t>When the “bigness” of the thing I’m wanting seems too daunting, I’m tempted to quit little and fail big.</a:t>
-            </a:r>
-          </a:p>
-          <a:p>
-            <a:br>
+              <a:t>Ultimately, it is not sustainable and has the effect of stamping out commitment and creativity.</a:t>
+            </a:r>
+          </a:p>
+          <a:p>
+            <a:pPr marL="0" indent="0">
+              <a:buFontTx/>
+              <a:buNone/>
+            </a:pPr>
+            <a:endParaRPr lang="en-US" b="0" dirty="0">
+              <a:solidFill>
+                <a:srgbClr val="D4D4D4"/>
+              </a:solidFill>
+              <a:effectLst/>
+              <a:latin typeface="Consolas" panose="020B0609020204030204" pitchFamily="49" charset="0"/>
+            </a:endParaRPr>
+          </a:p>
+          <a:p>
+            <a:pPr marL="0" indent="0">
+              <a:buFontTx/>
+              <a:buNone/>
+            </a:pPr>
+            <a:r>
               <a:rPr lang="en-US" b="0" dirty="0">
                 <a:solidFill>
                   <a:srgbClr val="D4D4D4"/>
@@ -20590,82 +23376,8 @@
                 <a:effectLst/>
                 <a:latin typeface="Consolas" panose="020B0609020204030204" pitchFamily="49" charset="0"/>
               </a:rPr>
-            </a:br>
-            <a:r>
-              <a:rPr lang="en-US" b="0" dirty="0">
-                <a:solidFill>
-                  <a:srgbClr val="D4D4D4"/>
-                </a:solidFill>
-                <a:effectLst/>
-                <a:latin typeface="Consolas" panose="020B0609020204030204" pitchFamily="49" charset="0"/>
-              </a:rPr>
-              <a:t>To reverse this, we must believe that faithful attention to the small things will lead to success in the big things. We must have this </a:t>
-            </a:r>
-            <a:r>
-              <a:rPr lang="en-US" b="0" i="1" dirty="0">
-                <a:solidFill>
-                  <a:srgbClr val="D4D4D4"/>
-                </a:solidFill>
-                <a:effectLst/>
-                <a:latin typeface="Consolas" panose="020B0609020204030204" pitchFamily="49" charset="0"/>
-              </a:rPr>
-              <a:t>hope.</a:t>
-            </a:r>
-            <a:endParaRPr lang="en-US" b="0" dirty="0">
-              <a:solidFill>
-                <a:srgbClr val="D4D4D4"/>
-              </a:solidFill>
-              <a:effectLst/>
-              <a:latin typeface="Consolas" panose="020B0609020204030204" pitchFamily="49" charset="0"/>
-            </a:endParaRPr>
-          </a:p>
-          <a:p>
-            <a:br>
-              <a:rPr lang="en-US" b="0" dirty="0">
-                <a:solidFill>
-                  <a:srgbClr val="D4D4D4"/>
-                </a:solidFill>
-                <a:effectLst/>
-                <a:latin typeface="Consolas" panose="020B0609020204030204" pitchFamily="49" charset="0"/>
-              </a:rPr>
-            </a:br>
-            <a:r>
-              <a:rPr lang="en-US" b="0" dirty="0">
-                <a:solidFill>
-                  <a:srgbClr val="D4D4D4"/>
-                </a:solidFill>
-                <a:effectLst/>
-                <a:latin typeface="Consolas" panose="020B0609020204030204" pitchFamily="49" charset="0"/>
-              </a:rPr>
-              <a:t>Start saying no to the little quits, and you start saying yes to the big successes.</a:t>
-            </a:r>
-          </a:p>
-          <a:p>
-            <a:br>
-              <a:rPr lang="en-US" b="0" dirty="0">
-                <a:solidFill>
-                  <a:srgbClr val="D4D4D4"/>
-                </a:solidFill>
-                <a:effectLst/>
-                <a:latin typeface="Consolas" panose="020B0609020204030204" pitchFamily="49" charset="0"/>
-              </a:rPr>
-            </a:br>
-            <a:r>
-              <a:rPr lang="en-US" b="0" dirty="0">
-                <a:solidFill>
-                  <a:srgbClr val="D4D4D4"/>
-                </a:solidFill>
-                <a:effectLst/>
-                <a:latin typeface="Consolas" panose="020B0609020204030204" pitchFamily="49" charset="0"/>
-              </a:rPr>
-              <a:t>What are your little quits?</a:t>
-            </a:r>
-          </a:p>
-          <a:p>
-            <a:endParaRPr lang="en-US" dirty="0"/>
-          </a:p>
-          <a:p>
-            <a:endParaRPr lang="en-US" dirty="0"/>
+              <a:t>Speaking of commitment…</a:t>
+            </a:r>
           </a:p>
         </p:txBody>
       </p:sp>
@@ -20695,7 +23407,7 @@
     </p:spTree>
     <p:extLst>
       <p:ext uri="{BB962C8B-B14F-4D97-AF65-F5344CB8AC3E}">
-        <p14:creationId xmlns:p14="http://schemas.microsoft.com/office/powerpoint/2010/main" val="2563164741"/>
+        <p14:creationId xmlns:p14="http://schemas.microsoft.com/office/powerpoint/2010/main" val="1669297632"/>
       </p:ext>
     </p:extLst>
   </p:cSld>
@@ -20752,15 +23464,34 @@
             <a:r>
               <a:rPr lang="en-US" b="0" dirty="0">
                 <a:solidFill>
-                  <a:srgbClr val="D4D4D4"/>
+                  <a:srgbClr val="569CD6"/>
                 </a:solidFill>
                 <a:effectLst/>
                 <a:latin typeface="Consolas" panose="020B0609020204030204" pitchFamily="49" charset="0"/>
               </a:rPr>
-              <a:t>A bad system beats a good man every day. – Deming</a:t>
-            </a:r>
-          </a:p>
-          <a:p>
+              <a:t>Even with a compelling vision, habitual patterns can torpedo the commitment of a culture along it’s journey</a:t>
+            </a:r>
+          </a:p>
+          <a:p>
+            <a:endParaRPr lang="en-US" b="1" dirty="0">
+              <a:solidFill>
+                <a:srgbClr val="569CD6"/>
+              </a:solidFill>
+              <a:effectLst/>
+              <a:latin typeface="Consolas" panose="020B0609020204030204" pitchFamily="49" charset="0"/>
+            </a:endParaRPr>
+          </a:p>
+          <a:p>
+            <a:r>
+              <a:rPr lang="en-US" b="1" dirty="0">
+                <a:solidFill>
+                  <a:srgbClr val="569CD6"/>
+                </a:solidFill>
+                <a:effectLst/>
+                <a:latin typeface="Consolas" panose="020B0609020204030204" pitchFamily="49" charset="0"/>
+              </a:rPr>
+              <a:t>### Little Quits</a:t>
+            </a:r>
             <a:endParaRPr lang="en-US" b="0" dirty="0">
               <a:solidFill>
                 <a:srgbClr val="D4D4D4"/>
@@ -20778,7 +23509,7 @@
                 <a:effectLst/>
                 <a:latin typeface="Consolas" panose="020B0609020204030204" pitchFamily="49" charset="0"/>
               </a:rPr>
-              <a:t>Paid for finding and fixing bugs.</a:t>
+              <a:t>It’s rare that one quits something big without first quitting many times on something small.</a:t>
             </a:r>
           </a:p>
           <a:p>
@@ -20799,10 +23530,39 @@
                 <a:effectLst/>
                 <a:latin typeface="Consolas" panose="020B0609020204030204" pitchFamily="49" charset="0"/>
               </a:rPr>
-              <a:t>Individual rewards that conflict with team collaboration.</a:t>
-            </a:r>
-          </a:p>
-          <a:p>
+              <a:t>When the “bigness” of the thing I’m wanting seems too daunting, I’m tempted to quit little and fail big.</a:t>
+            </a:r>
+          </a:p>
+          <a:p>
+            <a:br>
+              <a:rPr lang="en-US" b="0" dirty="0">
+                <a:solidFill>
+                  <a:srgbClr val="D4D4D4"/>
+                </a:solidFill>
+                <a:effectLst/>
+                <a:latin typeface="Consolas" panose="020B0609020204030204" pitchFamily="49" charset="0"/>
+              </a:rPr>
+            </a:br>
+            <a:r>
+              <a:rPr lang="en-US" b="0" dirty="0">
+                <a:solidFill>
+                  <a:srgbClr val="D4D4D4"/>
+                </a:solidFill>
+                <a:effectLst/>
+                <a:latin typeface="Consolas" panose="020B0609020204030204" pitchFamily="49" charset="0"/>
+              </a:rPr>
+              <a:t>To reverse this, we must believe that faithful attention to the small things will lead to success in the big things. We must have this </a:t>
+            </a:r>
+            <a:r>
+              <a:rPr lang="en-US" b="0" i="1" dirty="0">
+                <a:solidFill>
+                  <a:srgbClr val="D4D4D4"/>
+                </a:solidFill>
+                <a:effectLst/>
+                <a:latin typeface="Consolas" panose="020B0609020204030204" pitchFamily="49" charset="0"/>
+              </a:rPr>
+              <a:t>hope.</a:t>
+            </a:r>
             <a:endParaRPr lang="en-US" b="0" dirty="0">
               <a:solidFill>
                 <a:srgbClr val="D4D4D4"/>
@@ -20812,7 +23572,7 @@
             </a:endParaRPr>
           </a:p>
           <a:p>
-            <a:r>
+            <a:br>
               <a:rPr lang="en-US" b="0" dirty="0">
                 <a:solidFill>
                   <a:srgbClr val="D4D4D4"/>
@@ -20820,18 +23580,7 @@
                 <a:effectLst/>
                 <a:latin typeface="Consolas" panose="020B0609020204030204" pitchFamily="49" charset="0"/>
               </a:rPr>
-              <a:t>Leaders who model “If it </a:t>
-            </a:r>
-            <a:r>
-              <a:rPr lang="en-US" b="0" dirty="0" err="1">
-                <a:solidFill>
-                  <a:srgbClr val="D4D4D4"/>
-                </a:solidFill>
-                <a:effectLst/>
-                <a:latin typeface="Consolas" panose="020B0609020204030204" pitchFamily="49" charset="0"/>
-              </a:rPr>
-              <a:t>ain’t</a:t>
-            </a:r>
+            </a:br>
             <a:r>
               <a:rPr lang="en-US" b="0" dirty="0">
                 <a:solidFill>
@@ -20840,20 +23589,11 @@
                 <a:effectLst/>
                 <a:latin typeface="Consolas" panose="020B0609020204030204" pitchFamily="49" charset="0"/>
               </a:rPr>
-              <a:t> broke, don’t spend time improving it.”</a:t>
-            </a:r>
-          </a:p>
-          <a:p>
-            <a:endParaRPr lang="en-US" b="0" dirty="0">
-              <a:solidFill>
-                <a:srgbClr val="D4D4D4"/>
-              </a:solidFill>
-              <a:effectLst/>
-              <a:latin typeface="Consolas" panose="020B0609020204030204" pitchFamily="49" charset="0"/>
-            </a:endParaRPr>
-          </a:p>
-          <a:p>
-            <a:r>
+              <a:t>Start saying no to the little quits, and you start saying yes to the big successes.</a:t>
+            </a:r>
+          </a:p>
+          <a:p>
+            <a:br>
               <a:rPr lang="en-US" b="0" dirty="0">
                 <a:solidFill>
                   <a:srgbClr val="D4D4D4"/>
@@ -20861,25 +23601,23 @@
                 <a:effectLst/>
                 <a:latin typeface="Consolas" panose="020B0609020204030204" pitchFamily="49" charset="0"/>
               </a:rPr>
-              <a:t>Short-term, finite </a:t>
-            </a:r>
-            <a:r>
-              <a:rPr lang="en-US" b="0">
+            </a:br>
+            <a:r>
+              <a:rPr lang="en-US" b="0" dirty="0">
                 <a:solidFill>
                   <a:srgbClr val="D4D4D4"/>
                 </a:solidFill>
                 <a:effectLst/>
                 <a:latin typeface="Consolas" panose="020B0609020204030204" pitchFamily="49" charset="0"/>
               </a:rPr>
-              <a:t>thinking.</a:t>
-            </a:r>
-            <a:endParaRPr lang="en-US" b="0" dirty="0">
-              <a:solidFill>
-                <a:srgbClr val="D4D4D4"/>
-              </a:solidFill>
-              <a:effectLst/>
-              <a:latin typeface="Consolas" panose="020B0609020204030204" pitchFamily="49" charset="0"/>
-            </a:endParaRPr>
+              <a:t>What are your little quits?</a:t>
+            </a:r>
+          </a:p>
+          <a:p>
+            <a:endParaRPr lang="en-US" dirty="0"/>
+          </a:p>
+          <a:p>
+            <a:endParaRPr lang="en-US" dirty="0"/>
           </a:p>
         </p:txBody>
       </p:sp>
@@ -20909,7 +23647,7 @@
     </p:spTree>
     <p:extLst>
       <p:ext uri="{BB962C8B-B14F-4D97-AF65-F5344CB8AC3E}">
-        <p14:creationId xmlns:p14="http://schemas.microsoft.com/office/powerpoint/2010/main" val="3615407444"/>
+        <p14:creationId xmlns:p14="http://schemas.microsoft.com/office/powerpoint/2010/main" val="2563164741"/>
       </p:ext>
     </p:extLst>
   </p:cSld>
@@ -20964,9 +23702,136 @@
           <a:lstStyle/>
           <a:p>
             <a:r>
-              <a:rPr lang="en-US" dirty="0"/>
-              <a:t>Now that you’ve seen some ways to kill continuous improvement, here’s how I’ve learned to encourage and sustain continuous improvement to keep that agile tortoise steadily stepping toward the finish line.</a:t>
-            </a:r>
+              <a:rPr lang="en-US" b="0" dirty="0">
+                <a:solidFill>
+                  <a:srgbClr val="D4D4D4"/>
+                </a:solidFill>
+                <a:effectLst/>
+                <a:latin typeface="Consolas" panose="020B0609020204030204" pitchFamily="49" charset="0"/>
+              </a:rPr>
+              <a:t>A bad system beats a good man every day. – Deming</a:t>
+            </a:r>
+          </a:p>
+          <a:p>
+            <a:endParaRPr lang="en-US" b="0" dirty="0">
+              <a:solidFill>
+                <a:srgbClr val="D4D4D4"/>
+              </a:solidFill>
+              <a:effectLst/>
+              <a:latin typeface="Consolas" panose="020B0609020204030204" pitchFamily="49" charset="0"/>
+            </a:endParaRPr>
+          </a:p>
+          <a:p>
+            <a:r>
+              <a:rPr lang="en-US" b="0" dirty="0">
+                <a:solidFill>
+                  <a:srgbClr val="D4D4D4"/>
+                </a:solidFill>
+                <a:effectLst/>
+                <a:latin typeface="Consolas" panose="020B0609020204030204" pitchFamily="49" charset="0"/>
+              </a:rPr>
+              <a:t>Paid for finding and fixing bugs.</a:t>
+            </a:r>
+          </a:p>
+          <a:p>
+            <a:endParaRPr lang="en-US" b="0" dirty="0">
+              <a:solidFill>
+                <a:srgbClr val="D4D4D4"/>
+              </a:solidFill>
+              <a:effectLst/>
+              <a:latin typeface="Consolas" panose="020B0609020204030204" pitchFamily="49" charset="0"/>
+            </a:endParaRPr>
+          </a:p>
+          <a:p>
+            <a:r>
+              <a:rPr lang="en-US" b="0" dirty="0">
+                <a:solidFill>
+                  <a:srgbClr val="D4D4D4"/>
+                </a:solidFill>
+                <a:effectLst/>
+                <a:latin typeface="Consolas" panose="020B0609020204030204" pitchFamily="49" charset="0"/>
+              </a:rPr>
+              <a:t>Individual rewards that conflict with team collaboration.</a:t>
+            </a:r>
+          </a:p>
+          <a:p>
+            <a:endParaRPr lang="en-US" b="0" dirty="0">
+              <a:solidFill>
+                <a:srgbClr val="D4D4D4"/>
+              </a:solidFill>
+              <a:effectLst/>
+              <a:latin typeface="Consolas" panose="020B0609020204030204" pitchFamily="49" charset="0"/>
+            </a:endParaRPr>
+          </a:p>
+          <a:p>
+            <a:r>
+              <a:rPr lang="en-US" b="0" dirty="0">
+                <a:solidFill>
+                  <a:srgbClr val="D4D4D4"/>
+                </a:solidFill>
+                <a:effectLst/>
+                <a:latin typeface="Consolas" panose="020B0609020204030204" pitchFamily="49" charset="0"/>
+              </a:rPr>
+              <a:t>Leaders who model “If it </a:t>
+            </a:r>
+            <a:r>
+              <a:rPr lang="en-US" b="0" dirty="0" err="1">
+                <a:solidFill>
+                  <a:srgbClr val="D4D4D4"/>
+                </a:solidFill>
+                <a:effectLst/>
+                <a:latin typeface="Consolas" panose="020B0609020204030204" pitchFamily="49" charset="0"/>
+              </a:rPr>
+              <a:t>ain’t</a:t>
+            </a:r>
+            <a:r>
+              <a:rPr lang="en-US" b="0" dirty="0">
+                <a:solidFill>
+                  <a:srgbClr val="D4D4D4"/>
+                </a:solidFill>
+                <a:effectLst/>
+                <a:latin typeface="Consolas" panose="020B0609020204030204" pitchFamily="49" charset="0"/>
+              </a:rPr>
+              <a:t> broke, don’t spend time improving it.”</a:t>
+            </a:r>
+          </a:p>
+          <a:p>
+            <a:endParaRPr lang="en-US" b="0" dirty="0">
+              <a:solidFill>
+                <a:srgbClr val="D4D4D4"/>
+              </a:solidFill>
+              <a:effectLst/>
+              <a:latin typeface="Consolas" panose="020B0609020204030204" pitchFamily="49" charset="0"/>
+            </a:endParaRPr>
+          </a:p>
+          <a:p>
+            <a:r>
+              <a:rPr lang="en-US" b="0" dirty="0">
+                <a:solidFill>
+                  <a:srgbClr val="D4D4D4"/>
+                </a:solidFill>
+                <a:effectLst/>
+                <a:latin typeface="Consolas" panose="020B0609020204030204" pitchFamily="49" charset="0"/>
+              </a:rPr>
+              <a:t>Short-term, finite </a:t>
+            </a:r>
+            <a:r>
+              <a:rPr lang="en-US" b="0">
+                <a:solidFill>
+                  <a:srgbClr val="D4D4D4"/>
+                </a:solidFill>
+                <a:effectLst/>
+                <a:latin typeface="Consolas" panose="020B0609020204030204" pitchFamily="49" charset="0"/>
+              </a:rPr>
+              <a:t>thinking.</a:t>
+            </a:r>
+            <a:endParaRPr lang="en-US" b="0" dirty="0">
+              <a:solidFill>
+                <a:srgbClr val="D4D4D4"/>
+              </a:solidFill>
+              <a:effectLst/>
+              <a:latin typeface="Consolas" panose="020B0609020204030204" pitchFamily="49" charset="0"/>
+            </a:endParaRPr>
           </a:p>
         </p:txBody>
       </p:sp>
@@ -20996,7 +23861,7 @@
     </p:spTree>
     <p:extLst>
       <p:ext uri="{BB962C8B-B14F-4D97-AF65-F5344CB8AC3E}">
-        <p14:creationId xmlns:p14="http://schemas.microsoft.com/office/powerpoint/2010/main" val="1408064101"/>
+        <p14:creationId xmlns:p14="http://schemas.microsoft.com/office/powerpoint/2010/main" val="3615407444"/>
       </p:ext>
     </p:extLst>
   </p:cSld>
@@ -21051,160 +23916,9 @@
           <a:lstStyle/>
           <a:p>
             <a:r>
-              <a:rPr lang="en-US" b="0" dirty="0">
-                <a:solidFill>
-                  <a:srgbClr val="D4D4D4"/>
-                </a:solidFill>
-                <a:effectLst/>
-                <a:latin typeface="Consolas" panose="020B0609020204030204" pitchFamily="49" charset="0"/>
-              </a:rPr>
-              <a:t>I asked you all before, who had experienced bad leadership.</a:t>
-            </a:r>
-          </a:p>
-          <a:p>
-            <a:pPr marL="0" indent="0">
-              <a:buFontTx/>
-              <a:buNone/>
-            </a:pPr>
-            <a:endParaRPr lang="en-US" b="0" dirty="0">
-              <a:solidFill>
-                <a:srgbClr val="D4D4D4"/>
-              </a:solidFill>
-              <a:effectLst/>
-              <a:latin typeface="Consolas" panose="020B0609020204030204" pitchFamily="49" charset="0"/>
-            </a:endParaRPr>
-          </a:p>
-          <a:p>
-            <a:r>
-              <a:rPr lang="en-US" b="0" dirty="0">
-                <a:solidFill>
-                  <a:srgbClr val="D4D4D4"/>
-                </a:solidFill>
-                <a:effectLst/>
-                <a:latin typeface="Consolas" panose="020B0609020204030204" pitchFamily="49" charset="0"/>
-              </a:rPr>
-              <a:t>How many here have been lead by a servant leader? Here’s the test.</a:t>
-            </a:r>
-          </a:p>
-          <a:p>
-            <a:endParaRPr lang="en-US" b="0" dirty="0">
-              <a:solidFill>
-                <a:srgbClr val="D4D4D4"/>
-              </a:solidFill>
-              <a:effectLst/>
-              <a:latin typeface="Consolas" panose="020B0609020204030204" pitchFamily="49" charset="0"/>
-            </a:endParaRPr>
-          </a:p>
-          <a:p>
-            <a:pPr marL="0" marR="0" lvl="0" indent="0" algn="l" defTabSz="914400" rtl="0" eaLnBrk="1" fontAlgn="auto" latinLnBrk="0" hangingPunct="1">
-              <a:lnSpc>
-                <a:spcPct val="100000"/>
-              </a:lnSpc>
-              <a:spcBef>
-                <a:spcPts val="0"/>
-              </a:spcBef>
-              <a:spcAft>
-                <a:spcPts val="0"/>
-              </a:spcAft>
-              <a:buClrTx/>
-              <a:buSzTx/>
-              <a:buFontTx/>
-              <a:buNone/>
-              <a:tabLst/>
-              <a:defRPr/>
-            </a:pPr>
-            <a:r>
-              <a:rPr lang="en-US" b="0" dirty="0">
-                <a:solidFill>
-                  <a:srgbClr val="D4D4D4"/>
-                </a:solidFill>
-                <a:effectLst/>
-                <a:latin typeface="Consolas" panose="020B0609020204030204" pitchFamily="49" charset="0"/>
-              </a:rPr>
-              <a:t>Being in charge means caring for those in your charge.</a:t>
-            </a:r>
-          </a:p>
-          <a:p>
-            <a:endParaRPr lang="en-US" b="0" dirty="0">
-              <a:solidFill>
-                <a:srgbClr val="D4D4D4"/>
-              </a:solidFill>
-              <a:effectLst/>
-              <a:latin typeface="Consolas" panose="020B0609020204030204" pitchFamily="49" charset="0"/>
-            </a:endParaRPr>
-          </a:p>
-          <a:p>
-            <a:endParaRPr lang="en-US" b="0" dirty="0">
-              <a:solidFill>
-                <a:srgbClr val="D4D4D4"/>
-              </a:solidFill>
-              <a:effectLst/>
-              <a:latin typeface="Consolas" panose="020B0609020204030204" pitchFamily="49" charset="0"/>
-            </a:endParaRPr>
-          </a:p>
-          <a:p>
-            <a:br>
-              <a:rPr lang="en-US" b="0" dirty="0">
-                <a:solidFill>
-                  <a:srgbClr val="D4D4D4"/>
-                </a:solidFill>
-                <a:effectLst/>
-                <a:latin typeface="Consolas" panose="020B0609020204030204" pitchFamily="49" charset="0"/>
-              </a:rPr>
-            </a:br>
-            <a:r>
-              <a:rPr lang="en-US" b="0" dirty="0">
-                <a:solidFill>
-                  <a:srgbClr val="D4D4D4"/>
-                </a:solidFill>
-                <a:effectLst/>
-                <a:latin typeface="Consolas" panose="020B0609020204030204" pitchFamily="49" charset="0"/>
-              </a:rPr>
-              <a:t>[</a:t>
-            </a:r>
-            <a:r>
-              <a:rPr lang="en-US" b="0" dirty="0">
-                <a:solidFill>
-                  <a:srgbClr val="CE9178"/>
-                </a:solidFill>
-                <a:effectLst/>
-                <a:latin typeface="Consolas" panose="020B0609020204030204" pitchFamily="49" charset="0"/>
-              </a:rPr>
-              <a:t>The Servant as Leader</a:t>
-            </a:r>
-            <a:r>
-              <a:rPr lang="en-US" b="0" dirty="0">
-                <a:solidFill>
-                  <a:srgbClr val="D4D4D4"/>
-                </a:solidFill>
-                <a:effectLst/>
-                <a:latin typeface="Consolas" panose="020B0609020204030204" pitchFamily="49" charset="0"/>
-              </a:rPr>
-              <a:t>](</a:t>
-            </a:r>
-            <a:r>
-              <a:rPr lang="en-US" b="0" u="sng" dirty="0">
-                <a:solidFill>
-                  <a:srgbClr val="D4D4D4"/>
-                </a:solidFill>
-                <a:effectLst/>
-                <a:latin typeface="Consolas" panose="020B0609020204030204" pitchFamily="49" charset="0"/>
-              </a:rPr>
-              <a:t>http://www.ediguys.net/Robert_K_Greenleaf_The_Servant_as_Leader.pdf</a:t>
-            </a:r>
-            <a:r>
-              <a:rPr lang="en-US" b="0" dirty="0">
-                <a:solidFill>
-                  <a:srgbClr val="D4D4D4"/>
-                </a:solidFill>
-                <a:effectLst/>
-                <a:latin typeface="Consolas" panose="020B0609020204030204" pitchFamily="49" charset="0"/>
-              </a:rPr>
-              <a:t>)</a:t>
-            </a:r>
-          </a:p>
-          <a:p>
-            <a:endParaRPr lang="en-US" dirty="0"/>
+              <a:rPr lang="en-US" dirty="0"/>
+              <a:t>Now that you’ve seen some ways to kill continuous improvement, here’s how I’ve learned to encourage and sustain continuous improvement to keep that agile tortoise steadily stepping toward the finish line.</a:t>
+            </a:r>
           </a:p>
         </p:txBody>
       </p:sp>
@@ -21234,7 +23948,7 @@
     </p:spTree>
     <p:extLst>
       <p:ext uri="{BB962C8B-B14F-4D97-AF65-F5344CB8AC3E}">
-        <p14:creationId xmlns:p14="http://schemas.microsoft.com/office/powerpoint/2010/main" val="1540848490"/>
+        <p14:creationId xmlns:p14="http://schemas.microsoft.com/office/powerpoint/2010/main" val="1408064101"/>
       </p:ext>
     </p:extLst>
   </p:cSld>
@@ -21289,72 +24003,160 @@
           <a:lstStyle/>
           <a:p>
             <a:r>
-              <a:rPr lang="en-US" dirty="0"/>
-              <a:t>Servant leaders wield the power given to them, but gently.</a:t>
+              <a:rPr lang="en-US" b="0" dirty="0">
+                <a:solidFill>
+                  <a:srgbClr val="D4D4D4"/>
+                </a:solidFill>
+                <a:effectLst/>
+                <a:latin typeface="Consolas" panose="020B0609020204030204" pitchFamily="49" charset="0"/>
+              </a:rPr>
+              <a:t>I asked you all before, who had experienced bad leadership.</a:t>
+            </a:r>
+          </a:p>
+          <a:p>
+            <a:pPr marL="0" indent="0">
+              <a:buFontTx/>
+              <a:buNone/>
+            </a:pPr>
+            <a:endParaRPr lang="en-US" b="0" dirty="0">
+              <a:solidFill>
+                <a:srgbClr val="D4D4D4"/>
+              </a:solidFill>
+              <a:effectLst/>
+              <a:latin typeface="Consolas" panose="020B0609020204030204" pitchFamily="49" charset="0"/>
+            </a:endParaRPr>
+          </a:p>
+          <a:p>
+            <a:r>
+              <a:rPr lang="en-US" b="0" dirty="0">
+                <a:solidFill>
+                  <a:srgbClr val="D4D4D4"/>
+                </a:solidFill>
+                <a:effectLst/>
+                <a:latin typeface="Consolas" panose="020B0609020204030204" pitchFamily="49" charset="0"/>
+              </a:rPr>
+              <a:t>How many here have been lead by a servant leader? Here’s the test.</a:t>
+            </a:r>
+          </a:p>
+          <a:p>
+            <a:endParaRPr lang="en-US" b="0" dirty="0">
+              <a:solidFill>
+                <a:srgbClr val="D4D4D4"/>
+              </a:solidFill>
+              <a:effectLst/>
+              <a:latin typeface="Consolas" panose="020B0609020204030204" pitchFamily="49" charset="0"/>
+            </a:endParaRPr>
+          </a:p>
+          <a:p>
+            <a:pPr marL="0" marR="0" lvl="0" indent="0" algn="l" defTabSz="914400" rtl="0" eaLnBrk="1" fontAlgn="auto" latinLnBrk="0" hangingPunct="1">
+              <a:lnSpc>
+                <a:spcPct val="100000"/>
+              </a:lnSpc>
+              <a:spcBef>
+                <a:spcPts val="0"/>
+              </a:spcBef>
+              <a:spcAft>
+                <a:spcPts val="0"/>
+              </a:spcAft>
+              <a:buClrTx/>
+              <a:buSzTx/>
+              <a:buFontTx/>
+              <a:buNone/>
+              <a:tabLst/>
+              <a:defRPr/>
+            </a:pPr>
+            <a:r>
+              <a:rPr lang="en-US" b="0" dirty="0">
+                <a:solidFill>
+                  <a:srgbClr val="D4D4D4"/>
+                </a:solidFill>
+                <a:effectLst/>
+                <a:latin typeface="Consolas" panose="020B0609020204030204" pitchFamily="49" charset="0"/>
+              </a:rPr>
+              <a:t>Being in charge means caring for those in your charge.</a:t>
+            </a:r>
+          </a:p>
+          <a:p>
+            <a:endParaRPr lang="en-US" b="0" dirty="0">
+              <a:solidFill>
+                <a:srgbClr val="D4D4D4"/>
+              </a:solidFill>
+              <a:effectLst/>
+              <a:latin typeface="Consolas" panose="020B0609020204030204" pitchFamily="49" charset="0"/>
+            </a:endParaRPr>
+          </a:p>
+          <a:p>
+            <a:endParaRPr lang="en-US" b="0" dirty="0">
+              <a:solidFill>
+                <a:srgbClr val="D4D4D4"/>
+              </a:solidFill>
+              <a:effectLst/>
+              <a:latin typeface="Consolas" panose="020B0609020204030204" pitchFamily="49" charset="0"/>
+            </a:endParaRPr>
+          </a:p>
+          <a:p>
+            <a:br>
+              <a:rPr lang="en-US" b="0" dirty="0">
+                <a:solidFill>
+                  <a:srgbClr val="D4D4D4"/>
+                </a:solidFill>
+                <a:effectLst/>
+                <a:latin typeface="Consolas" panose="020B0609020204030204" pitchFamily="49" charset="0"/>
+              </a:rPr>
+            </a:br>
+            <a:r>
+              <a:rPr lang="en-US" b="0" dirty="0">
+                <a:solidFill>
+                  <a:srgbClr val="D4D4D4"/>
+                </a:solidFill>
+                <a:effectLst/>
+                <a:latin typeface="Consolas" panose="020B0609020204030204" pitchFamily="49" charset="0"/>
+              </a:rPr>
+              <a:t>[</a:t>
+            </a:r>
+            <a:r>
+              <a:rPr lang="en-US" b="0" dirty="0">
+                <a:solidFill>
+                  <a:srgbClr val="CE9178"/>
+                </a:solidFill>
+                <a:effectLst/>
+                <a:latin typeface="Consolas" panose="020B0609020204030204" pitchFamily="49" charset="0"/>
+              </a:rPr>
+              <a:t>The Servant as Leader</a:t>
+            </a:r>
+            <a:r>
+              <a:rPr lang="en-US" b="0" dirty="0">
+                <a:solidFill>
+                  <a:srgbClr val="D4D4D4"/>
+                </a:solidFill>
+                <a:effectLst/>
+                <a:latin typeface="Consolas" panose="020B0609020204030204" pitchFamily="49" charset="0"/>
+              </a:rPr>
+              <a:t>](</a:t>
+            </a:r>
+            <a:r>
+              <a:rPr lang="en-US" b="0" u="sng" dirty="0">
+                <a:solidFill>
+                  <a:srgbClr val="D4D4D4"/>
+                </a:solidFill>
+                <a:effectLst/>
+                <a:latin typeface="Consolas" panose="020B0609020204030204" pitchFamily="49" charset="0"/>
+              </a:rPr>
+              <a:t>http://www.ediguys.net/Robert_K_Greenleaf_The_Servant_as_Leader.pdf</a:t>
+            </a:r>
+            <a:r>
+              <a:rPr lang="en-US" b="0" dirty="0">
+                <a:solidFill>
+                  <a:srgbClr val="D4D4D4"/>
+                </a:solidFill>
+                <a:effectLst/>
+                <a:latin typeface="Consolas" panose="020B0609020204030204" pitchFamily="49" charset="0"/>
+              </a:rPr>
+              <a:t>)</a:t>
             </a:r>
           </a:p>
           <a:p>
             <a:endParaRPr lang="en-US" dirty="0"/>
-          </a:p>
-          <a:p>
-            <a:r>
-              <a:rPr lang="en-US" dirty="0"/>
-              <a:t>The picture of gentleness here is like one who has a sword and knows how to use it but keeps it sheathed. </a:t>
-            </a:r>
-          </a:p>
-          <a:p>
-            <a:endParaRPr lang="en-US" dirty="0"/>
-          </a:p>
-          <a:p>
-            <a:r>
-              <a:rPr lang="en-US" dirty="0"/>
-              <a:t>Choose moments wisely and act with restraint. </a:t>
-            </a:r>
-          </a:p>
-          <a:p>
-            <a:endParaRPr lang="en-US" dirty="0"/>
-          </a:p>
-          <a:p>
-            <a:r>
-              <a:rPr lang="en-US" dirty="0"/>
-              <a:t>Too many mistakes, I’ll quickly lose trust and those who have given me power over them will take it back. </a:t>
-            </a:r>
-          </a:p>
-          <a:p>
-            <a:endParaRPr lang="en-US" dirty="0"/>
-          </a:p>
-          <a:p>
-            <a:r>
-              <a:rPr lang="en-US" dirty="0"/>
-              <a:t>Careful to check for alignment and hesitance. </a:t>
-            </a:r>
-          </a:p>
-          <a:p>
-            <a:endParaRPr lang="en-US" dirty="0"/>
-          </a:p>
-          <a:p>
-            <a:r>
-              <a:rPr lang="en-US" dirty="0"/>
-              <a:t>Quick to understand and empathize. </a:t>
-            </a:r>
-          </a:p>
-          <a:p>
-            <a:endParaRPr lang="en-US" dirty="0"/>
-          </a:p>
-          <a:p>
-            <a:r>
-              <a:rPr lang="en-US" dirty="0"/>
-              <a:t>Watch carefully for the interplay between ability and willingness to know when to support and when to direct. </a:t>
-            </a:r>
-          </a:p>
-          <a:p>
-            <a:endParaRPr lang="en-US" dirty="0"/>
-          </a:p>
-          <a:p>
-            <a:r>
-              <a:rPr lang="en-US" dirty="0"/>
-              <a:t>After directing, I’m on the hunt for the moment when I should back off.</a:t>
-            </a:r>
           </a:p>
         </p:txBody>
       </p:sp>
@@ -21384,7 +24186,7 @@
     </p:spTree>
     <p:extLst>
       <p:ext uri="{BB962C8B-B14F-4D97-AF65-F5344CB8AC3E}">
-        <p14:creationId xmlns:p14="http://schemas.microsoft.com/office/powerpoint/2010/main" val="2949510929"/>
+        <p14:creationId xmlns:p14="http://schemas.microsoft.com/office/powerpoint/2010/main" val="1540848490"/>
       </p:ext>
     </p:extLst>
   </p:cSld>
@@ -21440,7 +24242,7 @@
           <a:p>
             <a:r>
               <a:rPr lang="en-US" dirty="0"/>
-              <a:t>I’m a little annoyed with how one or our core values can be used. Driving results is important at BOKF. I’m sure you can imagine how this can be abused by the heavy-handed leader, the micromanager, or some other legitimate power to otherwise abuse those in their charge.</a:t>
+              <a:t>Servant leaders wield the power given to them, but gently.</a:t>
             </a:r>
           </a:p>
           <a:p>
@@ -21449,40 +24251,34 @@
           <a:p>
             <a:r>
               <a:rPr lang="en-US" dirty="0"/>
-              <a:t>For me, this takes on a different form. I do my best to draw from Dan Pink’s wisdom. In his book “Drive” he outlines 3 basic motivational forces common to human beings.</a:t>
+              <a:t>The picture of gentleness here is like one who has a sword and knows how to use it but keeps it sheathed. </a:t>
             </a:r>
           </a:p>
           <a:p>
             <a:endParaRPr lang="en-US" dirty="0"/>
           </a:p>
           <a:p>
-            <a:pPr marL="228600" indent="-228600">
-              <a:buFont typeface="+mj-lt"/>
-              <a:buAutoNum type="arabicPeriod"/>
-            </a:pPr>
             <a:r>
               <a:rPr lang="en-US" dirty="0"/>
-              <a:t>The desire for autonomy. </a:t>
-            </a:r>
-          </a:p>
-          <a:p>
-            <a:pPr marL="228600" indent="-228600">
-              <a:buFont typeface="+mj-lt"/>
-              <a:buAutoNum type="arabicPeriod"/>
-            </a:pPr>
+              <a:t>Choose moments wisely and act with restraint. </a:t>
+            </a:r>
+          </a:p>
+          <a:p>
+            <a:endParaRPr lang="en-US" dirty="0"/>
+          </a:p>
+          <a:p>
             <a:r>
               <a:rPr lang="en-US" dirty="0"/>
-              <a:t>The Pursuit of mastery. </a:t>
-            </a:r>
-          </a:p>
-          <a:p>
-            <a:pPr marL="228600" indent="-228600">
-              <a:buFont typeface="+mj-lt"/>
-              <a:buAutoNum type="arabicPeriod"/>
-            </a:pPr>
+              <a:t>Too many mistakes, I’ll quickly lose trust and those who have given me power over them will take it back. </a:t>
+            </a:r>
+          </a:p>
+          <a:p>
+            <a:endParaRPr lang="en-US" dirty="0"/>
+          </a:p>
+          <a:p>
             <a:r>
               <a:rPr lang="en-US" dirty="0"/>
-              <a:t>The desire to have purpose, connection, or belonging.</a:t>
+              <a:t>Careful to check for alignment and hesitance. </a:t>
             </a:r>
           </a:p>
           <a:p>
@@ -21491,7 +24287,7 @@
           <a:p>
             <a:r>
               <a:rPr lang="en-US" dirty="0"/>
-              <a:t>look for ways to encourage doing what they think is best and to expect the same of each teammate.</a:t>
+              <a:t>Quick to understand and empathize. </a:t>
             </a:r>
           </a:p>
           <a:p>
@@ -21500,40 +24296,16 @@
           <a:p>
             <a:r>
               <a:rPr lang="en-US" dirty="0"/>
-              <a:t>creating the opportunity, providing equipment, and encouragement to improve towards master.</a:t>
-            </a:r>
+              <a:t>Watch carefully for the interplay between ability and willingness to know when to support and when to direct. </a:t>
+            </a:r>
+          </a:p>
+          <a:p>
+            <a:endParaRPr lang="en-US" dirty="0"/>
           </a:p>
           <a:p>
             <a:r>
               <a:rPr lang="en-US" dirty="0"/>
-              <a:t>Don’t steal pride of workmanship.</a:t>
-            </a:r>
-          </a:p>
-          <a:p>
-            <a:endParaRPr lang="en-US" dirty="0"/>
-          </a:p>
-          <a:p>
-            <a:r>
-              <a:rPr lang="en-US" dirty="0"/>
-              <a:t>Tend the garden, Fruits of focus, courage, commitment, openness, respect and humor.</a:t>
-            </a:r>
-          </a:p>
-          <a:p>
-            <a:endParaRPr lang="en-US" dirty="0"/>
-          </a:p>
-          <a:p>
-            <a:r>
-              <a:rPr lang="en-US" dirty="0"/>
-              <a:t>Uproot that which threatens this place of meaning, purpose and belonging.</a:t>
-            </a:r>
-          </a:p>
-          <a:p>
-            <a:endParaRPr lang="en-US" dirty="0"/>
-          </a:p>
-          <a:p>
-            <a:r>
-              <a:rPr lang="en-US" dirty="0"/>
-              <a:t>This is how I “Drive” results.</a:t>
+              <a:t>After directing, I’m on the hunt for the moment when I should back off.</a:t>
             </a:r>
           </a:p>
         </p:txBody>
@@ -21564,7 +24336,7 @@
     </p:spTree>
     <p:extLst>
       <p:ext uri="{BB962C8B-B14F-4D97-AF65-F5344CB8AC3E}">
-        <p14:creationId xmlns:p14="http://schemas.microsoft.com/office/powerpoint/2010/main" val="2016946804"/>
+        <p14:creationId xmlns:p14="http://schemas.microsoft.com/office/powerpoint/2010/main" val="2949510929"/>
       </p:ext>
     </p:extLst>
   </p:cSld>
@@ -21620,7 +24392,7 @@
           <a:p>
             <a:r>
               <a:rPr lang="en-US" dirty="0"/>
-              <a:t>Hope is a cross-cutting concern, especially at beginnings.</a:t>
+              <a:t>I’m a little annoyed with how one or our core values can be used. Driving results is important at BOKF. I’m sure you can imagine how this can be abused by the heavy-handed leader, the micromanager, or some other legitimate power to otherwise abuse those in their charge.</a:t>
             </a:r>
           </a:p>
           <a:p>
@@ -21629,22 +24401,40 @@
           <a:p>
             <a:r>
               <a:rPr lang="en-US" dirty="0"/>
-              <a:t>Vision is distant.</a:t>
+              <a:t>For me, this takes on a different form. I do my best to draw from Dan Pink’s wisdom. In his book “Drive” he outlines 3 basic motivational forces common to human beings.</a:t>
             </a:r>
           </a:p>
           <a:p>
             <a:endParaRPr lang="en-US" dirty="0"/>
           </a:p>
           <a:p>
+            <a:pPr marL="228600" indent="-228600">
+              <a:buFont typeface="+mj-lt"/>
+              <a:buAutoNum type="arabicPeriod"/>
+            </a:pPr>
             <a:r>
               <a:rPr lang="en-US" dirty="0"/>
-              <a:t>Have you ever climbed a mountain? The peak can seem intolerably distant.</a:t>
-            </a:r>
-          </a:p>
-          <a:p>
+              <a:t>The desire for autonomy. </a:t>
+            </a:r>
+          </a:p>
+          <a:p>
+            <a:pPr marL="228600" indent="-228600">
+              <a:buFont typeface="+mj-lt"/>
+              <a:buAutoNum type="arabicPeriod"/>
+            </a:pPr>
             <a:r>
               <a:rPr lang="en-US" dirty="0"/>
-              <a:t>Looking back can fortify hope. I’ve come this far, maybe I can keep going?!</a:t>
+              <a:t>The Pursuit of mastery. </a:t>
+            </a:r>
+          </a:p>
+          <a:p>
+            <a:pPr marL="228600" indent="-228600">
+              <a:buFont typeface="+mj-lt"/>
+              <a:buAutoNum type="arabicPeriod"/>
+            </a:pPr>
+            <a:r>
+              <a:rPr lang="en-US" dirty="0"/>
+              <a:t>The desire to have purpose, connection, or belonging.</a:t>
             </a:r>
           </a:p>
           <a:p>
@@ -21653,62 +24443,50 @@
           <a:p>
             <a:r>
               <a:rPr lang="en-US" dirty="0"/>
-              <a:t>Jealously guard hope against:</a:t>
-            </a:r>
-          </a:p>
-          <a:p>
-            <a:pPr marL="171450" indent="-171450">
-              <a:buFontTx/>
-              <a:buChar char="-"/>
-            </a:pPr>
+              <a:t>look for ways to encourage doing what they think is best and to expect the same of each teammate.</a:t>
+            </a:r>
+          </a:p>
+          <a:p>
+            <a:endParaRPr lang="en-US" dirty="0"/>
+          </a:p>
+          <a:p>
             <a:r>
               <a:rPr lang="en-US" dirty="0"/>
-              <a:t>Naysayers</a:t>
-            </a:r>
-          </a:p>
-          <a:p>
-            <a:pPr marL="171450" indent="-171450">
-              <a:buFontTx/>
-              <a:buChar char="-"/>
-            </a:pPr>
+              <a:t>creating the opportunity, providing equipment, and encouragement to improve towards master.</a:t>
+            </a:r>
+          </a:p>
+          <a:p>
             <a:r>
               <a:rPr lang="en-US" dirty="0"/>
-              <a:t>Excessive challenge</a:t>
-            </a:r>
-          </a:p>
-          <a:p>
-            <a:pPr marL="171450" indent="-171450">
-              <a:buFontTx/>
-              <a:buChar char="-"/>
-            </a:pPr>
+              <a:t>Don’t steal pride of workmanship.</a:t>
+            </a:r>
+          </a:p>
+          <a:p>
+            <a:endParaRPr lang="en-US" dirty="0"/>
+          </a:p>
+          <a:p>
             <a:r>
               <a:rPr lang="en-US" dirty="0"/>
-              <a:t>Too little challenge</a:t>
-            </a:r>
-          </a:p>
-          <a:p>
-            <a:pPr marL="171450" indent="-171450">
-              <a:buFontTx/>
-              <a:buChar char="-"/>
-            </a:pPr>
+              <a:t>Tend the garden, Fruits of focus, courage, commitment, openness, respect and humor.</a:t>
+            </a:r>
+          </a:p>
+          <a:p>
+            <a:endParaRPr lang="en-US" dirty="0"/>
+          </a:p>
+          <a:p>
             <a:r>
               <a:rPr lang="en-US" dirty="0"/>
-              <a:t>Conflicting visions</a:t>
-            </a:r>
-          </a:p>
-          <a:p>
-            <a:pPr marL="171450" indent="-171450">
-              <a:buFontTx/>
-              <a:buChar char="-"/>
-            </a:pPr>
+              <a:t>Uproot that which threatens this place of meaning, purpose and belonging.</a:t>
+            </a:r>
+          </a:p>
+          <a:p>
             <a:endParaRPr lang="en-US" dirty="0"/>
           </a:p>
           <a:p>
-            <a:pPr marL="0" indent="0">
-              <a:buFontTx/>
-              <a:buNone/>
-            </a:pPr>
-            <a:endParaRPr lang="en-US" dirty="0"/>
+            <a:r>
+              <a:rPr lang="en-US" dirty="0"/>
+              <a:t>This is how I “Drive” results.</a:t>
+            </a:r>
           </a:p>
         </p:txBody>
       </p:sp>
@@ -21738,7 +24516,7 @@
     </p:spTree>
     <p:extLst>
       <p:ext uri="{BB962C8B-B14F-4D97-AF65-F5344CB8AC3E}">
-        <p14:creationId xmlns:p14="http://schemas.microsoft.com/office/powerpoint/2010/main" val="2789530158"/>
+        <p14:creationId xmlns:p14="http://schemas.microsoft.com/office/powerpoint/2010/main" val="2016946804"/>
       </p:ext>
     </p:extLst>
   </p:cSld>
@@ -21794,7 +24572,7 @@
           <a:p>
             <a:r>
               <a:rPr lang="en-US" dirty="0"/>
-              <a:t>Now we come to the end.</a:t>
+              <a:t>Hope is a cross-cutting concern, especially at beginnings.</a:t>
             </a:r>
           </a:p>
           <a:p>
@@ -21803,8 +24581,86 @@
           <a:p>
             <a:r>
               <a:rPr lang="en-US" dirty="0"/>
-              <a:t>I’ll share how all these things lead to the BOKF tortoise is winning its race.</a:t>
-            </a:r>
+              <a:t>Vision is distant.</a:t>
+            </a:r>
+          </a:p>
+          <a:p>
+            <a:endParaRPr lang="en-US" dirty="0"/>
+          </a:p>
+          <a:p>
+            <a:r>
+              <a:rPr lang="en-US" dirty="0"/>
+              <a:t>Have you ever climbed a mountain? The peak can seem intolerably distant.</a:t>
+            </a:r>
+          </a:p>
+          <a:p>
+            <a:r>
+              <a:rPr lang="en-US" dirty="0"/>
+              <a:t>Looking back can fortify hope. I’ve come this far, maybe I can keep going?!</a:t>
+            </a:r>
+          </a:p>
+          <a:p>
+            <a:endParaRPr lang="en-US" dirty="0"/>
+          </a:p>
+          <a:p>
+            <a:r>
+              <a:rPr lang="en-US" dirty="0"/>
+              <a:t>Jealously guard hope against:</a:t>
+            </a:r>
+          </a:p>
+          <a:p>
+            <a:pPr marL="171450" indent="-171450">
+              <a:buFontTx/>
+              <a:buChar char="-"/>
+            </a:pPr>
+            <a:r>
+              <a:rPr lang="en-US" dirty="0"/>
+              <a:t>Naysayers</a:t>
+            </a:r>
+          </a:p>
+          <a:p>
+            <a:pPr marL="171450" indent="-171450">
+              <a:buFontTx/>
+              <a:buChar char="-"/>
+            </a:pPr>
+            <a:r>
+              <a:rPr lang="en-US" dirty="0"/>
+              <a:t>Excessive challenge</a:t>
+            </a:r>
+          </a:p>
+          <a:p>
+            <a:pPr marL="171450" indent="-171450">
+              <a:buFontTx/>
+              <a:buChar char="-"/>
+            </a:pPr>
+            <a:r>
+              <a:rPr lang="en-US" dirty="0"/>
+              <a:t>Too little challenge</a:t>
+            </a:r>
+          </a:p>
+          <a:p>
+            <a:pPr marL="171450" indent="-171450">
+              <a:buFontTx/>
+              <a:buChar char="-"/>
+            </a:pPr>
+            <a:r>
+              <a:rPr lang="en-US" dirty="0"/>
+              <a:t>Conflicting visions</a:t>
+            </a:r>
+          </a:p>
+          <a:p>
+            <a:pPr marL="171450" indent="-171450">
+              <a:buFontTx/>
+              <a:buChar char="-"/>
+            </a:pPr>
+            <a:endParaRPr lang="en-US" dirty="0"/>
+          </a:p>
+          <a:p>
+            <a:pPr marL="0" indent="0">
+              <a:buFontTx/>
+              <a:buNone/>
+            </a:pPr>
+            <a:endParaRPr lang="en-US" dirty="0"/>
           </a:p>
         </p:txBody>
       </p:sp>
@@ -21834,7 +24690,7 @@
     </p:spTree>
     <p:extLst>
       <p:ext uri="{BB962C8B-B14F-4D97-AF65-F5344CB8AC3E}">
-        <p14:creationId xmlns:p14="http://schemas.microsoft.com/office/powerpoint/2010/main" val="1275761304"/>
+        <p14:creationId xmlns:p14="http://schemas.microsoft.com/office/powerpoint/2010/main" val="2789530158"/>
       </p:ext>
     </p:extLst>
   </p:cSld>
@@ -21890,7 +24746,7 @@
           <a:p>
             <a:r>
               <a:rPr lang="en-US" dirty="0"/>
-              <a:t>Key to winning at this race has been correctly seeing the game we’re playing as an infinite one. </a:t>
+              <a:t>Now we come to the end.</a:t>
             </a:r>
           </a:p>
           <a:p>
@@ -21899,49 +24755,7 @@
           <a:p>
             <a:r>
               <a:rPr lang="en-US" dirty="0"/>
-              <a:t>We are not playing it to beat competitors</a:t>
-            </a:r>
-          </a:p>
-          <a:p>
-            <a:r>
-              <a:rPr lang="en-US" dirty="0"/>
-              <a:t>We stay sufficient near or ahead of them. </a:t>
-            </a:r>
-          </a:p>
-          <a:p>
-            <a:r>
-              <a:rPr lang="en-US" dirty="0"/>
-              <a:t>We play keep playing without compromising the rules we have chosen – the things we value.</a:t>
-            </a:r>
-          </a:p>
-          <a:p>
-            <a:endParaRPr lang="en-US" dirty="0"/>
-          </a:p>
-          <a:p>
-            <a:r>
-              <a:rPr lang="en-US" dirty="0"/>
-              <a:t>We insist on commitment as an important marker of the quality and staying power of our improvements. </a:t>
-            </a:r>
-          </a:p>
-          <a:p>
-            <a:endParaRPr lang="en-US" dirty="0"/>
-          </a:p>
-          <a:p>
-            <a:r>
-              <a:rPr lang="en-US" dirty="0"/>
-              <a:t>We do our best to work sustainably. </a:t>
-            </a:r>
-          </a:p>
-          <a:p>
-            <a:r>
-              <a:rPr lang="en-US" dirty="0"/>
-              <a:t>We insist on an ever improving standard of technical excellence.</a:t>
-            </a:r>
-          </a:p>
-          <a:p>
-            <a:r>
-              <a:rPr lang="en-US" dirty="0"/>
-              <a:t>We reflect regularly and often to avoiding waste and improve what we can. </a:t>
+              <a:t>I’ll share how all these things lead to the BOKF tortoise is winning its race.</a:t>
             </a:r>
           </a:p>
         </p:txBody>
@@ -21972,7 +24786,7 @@
     </p:spTree>
     <p:extLst>
       <p:ext uri="{BB962C8B-B14F-4D97-AF65-F5344CB8AC3E}">
-        <p14:creationId xmlns:p14="http://schemas.microsoft.com/office/powerpoint/2010/main" val="2017244520"/>
+        <p14:creationId xmlns:p14="http://schemas.microsoft.com/office/powerpoint/2010/main" val="1275761304"/>
       </p:ext>
     </p:extLst>
   </p:cSld>
@@ -22578,13 +25392,28 @@
           <a:p>
             <a:r>
               <a:rPr lang="en-US" dirty="0"/>
-              <a:t>For me personally, I do my best to respect the lives of those with whom I work. </a:t>
-            </a:r>
+              <a:t>Key to winning at this race has been correctly seeing the game we’re playing as an infinite one. </a:t>
+            </a:r>
+          </a:p>
+          <a:p>
+            <a:endParaRPr lang="en-US" dirty="0"/>
           </a:p>
           <a:p>
             <a:r>
               <a:rPr lang="en-US" dirty="0"/>
-              <a:t>Serve as leader, gently wielding the power entrusted to me.</a:t>
+              <a:t>We are not playing it to beat competitors</a:t>
+            </a:r>
+          </a:p>
+          <a:p>
+            <a:r>
+              <a:rPr lang="en-US" dirty="0"/>
+              <a:t>We stay sufficient near or ahead of them. </a:t>
+            </a:r>
+          </a:p>
+          <a:p>
+            <a:r>
+              <a:rPr lang="en-US" dirty="0"/>
+              <a:t>We play keep playing without compromising the rules we have chosen – the things we value.</a:t>
             </a:r>
           </a:p>
           <a:p>
@@ -22593,7 +25422,7 @@
           <a:p>
             <a:r>
               <a:rPr lang="en-US" dirty="0"/>
-              <a:t>The life metaphor has even given me a motto I try to live by:</a:t>
+              <a:t>We insist on commitment as an important marker of the quality and staying power of our improvements. </a:t>
             </a:r>
           </a:p>
           <a:p>
@@ -22602,25 +25431,19 @@
           <a:p>
             <a:r>
               <a:rPr lang="en-US" dirty="0"/>
-              <a:t>“My job is to honor the ideas, structures, and processes that are dying and serve as midwife to those being born.”</a:t>
-            </a:r>
-          </a:p>
-          <a:p>
-            <a:endParaRPr lang="en-US" dirty="0"/>
+              <a:t>We do our best to work sustainably. </a:t>
+            </a:r>
           </a:p>
           <a:p>
             <a:r>
               <a:rPr lang="en-US" dirty="0"/>
-              <a:t> When processes, ideas and structures that have worked in the past are clearly no longer useful, I honor them and do my best to lessen the pain of their passing. </a:t>
-            </a:r>
-          </a:p>
-          <a:p>
-            <a:endParaRPr lang="en-US" dirty="0"/>
+              <a:t>We insist on an ever improving standard of technical excellence.</a:t>
+            </a:r>
           </a:p>
           <a:p>
             <a:r>
               <a:rPr lang="en-US" dirty="0"/>
-              <a:t>I do my best to joyfully welcome the new and guard it against that which might end it prematurely.</a:t>
+              <a:t>We reflect regularly and often to avoiding waste and improve what we can. </a:t>
             </a:r>
           </a:p>
         </p:txBody>
@@ -22651,7 +25474,7 @@
     </p:spTree>
     <p:extLst>
       <p:ext uri="{BB962C8B-B14F-4D97-AF65-F5344CB8AC3E}">
-        <p14:creationId xmlns:p14="http://schemas.microsoft.com/office/powerpoint/2010/main" val="4076046955"/>
+        <p14:creationId xmlns:p14="http://schemas.microsoft.com/office/powerpoint/2010/main" val="2017244520"/>
       </p:ext>
     </p:extLst>
   </p:cSld>
@@ -22707,7 +25530,13 @@
           <a:p>
             <a:r>
               <a:rPr lang="en-US" dirty="0"/>
-              <a:t>As for my Scrum team, the BOKF tortoise, we’re playing the game we want to play.</a:t>
+              <a:t>For me personally, I do my best to respect the lives of those with whom I work. </a:t>
+            </a:r>
+          </a:p>
+          <a:p>
+            <a:r>
+              <a:rPr lang="en-US" dirty="0"/>
+              <a:t>Serve as leader, gently wielding the power entrusted to me.</a:t>
             </a:r>
           </a:p>
           <a:p>
@@ -22716,62 +25545,34 @@
           <a:p>
             <a:r>
               <a:rPr lang="en-US" dirty="0"/>
-              <a:t>We’ve come a long way from where we were in December 2019. </a:t>
-            </a:r>
+              <a:t>The life metaphor has even given me a motto I try to live by:</a:t>
+            </a:r>
+          </a:p>
+          <a:p>
+            <a:endParaRPr lang="en-US" dirty="0"/>
           </a:p>
           <a:p>
             <a:r>
               <a:rPr lang="en-US" dirty="0"/>
-              <a:t>We have been continuously integrating and delivering our work since mid-last year. </a:t>
-            </a:r>
+              <a:t>“My job is to honor the ideas, structures, and processes that are dying and serve as midwife to those being born.”</a:t>
+            </a:r>
+          </a:p>
+          <a:p>
+            <a:endParaRPr lang="en-US" dirty="0"/>
           </a:p>
           <a:p>
             <a:r>
               <a:rPr lang="en-US" dirty="0"/>
-              <a:t>We can deploy on demand. </a:t>
-            </a:r>
+              <a:t> When processes, ideas and structures that have worked in the past are clearly no longer useful, I honor them and do my best to lessen the pain of their passing. </a:t>
+            </a:r>
+          </a:p>
+          <a:p>
+            <a:endParaRPr lang="en-US" dirty="0"/>
           </a:p>
           <a:p>
             <a:r>
               <a:rPr lang="en-US" dirty="0"/>
-              <a:t>This very Sprint, we’re releasing an API that is covered by a significant suite of automated unit and integrations tests. We used test driven development to design features and bug fixes every chance we get. </a:t>
-            </a:r>
-          </a:p>
-          <a:p>
-            <a:r>
-              <a:rPr lang="en-US" dirty="0"/>
-              <a:t>We’ve worked with our Product Owner daily to ensure the work we deliver is of the highest value we can manage. </a:t>
-            </a:r>
-          </a:p>
-          <a:p>
-            <a:endParaRPr lang="en-US" dirty="0"/>
-          </a:p>
-          <a:p>
-            <a:r>
-              <a:rPr lang="en-US" dirty="0"/>
-              <a:t>We use reflection, reframing, and impact feedback to respectfully and effectively communicate with each other. </a:t>
-            </a:r>
-          </a:p>
-          <a:p>
-            <a:endParaRPr lang="en-US"/>
-          </a:p>
-          <a:p>
-            <a:r>
-              <a:rPr lang="en-US"/>
-              <a:t>I </a:t>
-            </a:r>
-            <a:r>
-              <a:rPr lang="en-US" dirty="0"/>
-              <a:t>could go on.</a:t>
-            </a:r>
-          </a:p>
-          <a:p>
-            <a:endParaRPr lang="en-US" dirty="0"/>
-          </a:p>
-          <a:p>
-            <a:r>
-              <a:rPr lang="en-US" dirty="0"/>
-              <a:t>Like my grandma who started walking a mile a day, in two more years time, there’s no telling where we’ll end up. However, I’m confident that we’ll probably still be playing the game we want to play and running our race like a tortoise.</a:t>
+              <a:t>I do my best to joyfully welcome the new and guard it against that which might end it prematurely.</a:t>
             </a:r>
           </a:p>
         </p:txBody>
@@ -22794,6 +25595,157 @@
             <a:fld id="{68AD085A-CE2C-4AF4-96B5-9AB734DA641A}" type="slidenum">
               <a:rPr lang="en-US" smtClean="0"/>
               <a:t>32</a:t>
+            </a:fld>
+            <a:endParaRPr lang="en-US"/>
+          </a:p>
+        </p:txBody>
+      </p:sp>
+    </p:spTree>
+    <p:extLst>
+      <p:ext uri="{BB962C8B-B14F-4D97-AF65-F5344CB8AC3E}">
+        <p14:creationId xmlns:p14="http://schemas.microsoft.com/office/powerpoint/2010/main" val="4076046955"/>
+      </p:ext>
+    </p:extLst>
+  </p:cSld>
+  <p:clrMapOvr>
+    <a:masterClrMapping/>
+  </p:clrMapOvr>
+</p:notes>
+</file>
+
+<file path=ppt/notesSlides/notesSlide32.xml><?xml version="1.0" encoding="utf-8"?>
+<p:notes xmlns:a="http://schemas.openxmlformats.org/drawingml/2006/main" xmlns:r="http://schemas.openxmlformats.org/officeDocument/2006/relationships" xmlns:p="http://schemas.openxmlformats.org/presentationml/2006/main">
+  <p:cSld>
+    <p:spTree>
+      <p:nvGrpSpPr>
+        <p:cNvPr id="1" name=""/>
+        <p:cNvGrpSpPr/>
+        <p:nvPr/>
+      </p:nvGrpSpPr>
+      <p:grpSpPr>
+        <a:xfrm>
+          <a:off x="0" y="0"/>
+          <a:ext cx="0" cy="0"/>
+          <a:chOff x="0" y="0"/>
+          <a:chExt cx="0" cy="0"/>
+        </a:xfrm>
+      </p:grpSpPr>
+      <p:sp>
+        <p:nvSpPr>
+          <p:cNvPr id="2" name="Slide Image Placeholder 1"/>
+          <p:cNvSpPr>
+            <a:spLocks noGrp="1" noRot="1" noChangeAspect="1"/>
+          </p:cNvSpPr>
+          <p:nvPr>
+            <p:ph type="sldImg"/>
+          </p:nvPr>
+        </p:nvSpPr>
+        <p:spPr/>
+      </p:sp>
+      <p:sp>
+        <p:nvSpPr>
+          <p:cNvPr id="3" name="Notes Placeholder 2"/>
+          <p:cNvSpPr>
+            <a:spLocks noGrp="1"/>
+          </p:cNvSpPr>
+          <p:nvPr>
+            <p:ph type="body" idx="1"/>
+          </p:nvPr>
+        </p:nvSpPr>
+        <p:spPr/>
+        <p:txBody>
+          <a:bodyPr/>
+          <a:lstStyle/>
+          <a:p>
+            <a:r>
+              <a:rPr lang="en-US" dirty="0"/>
+              <a:t>As for my Scrum team, the BOKF tortoise, we’re playing the game we want to play.</a:t>
+            </a:r>
+          </a:p>
+          <a:p>
+            <a:endParaRPr lang="en-US" dirty="0"/>
+          </a:p>
+          <a:p>
+            <a:r>
+              <a:rPr lang="en-US" dirty="0"/>
+              <a:t>We’ve come a long way from where we were in December 2019. </a:t>
+            </a:r>
+          </a:p>
+          <a:p>
+            <a:r>
+              <a:rPr lang="en-US" dirty="0"/>
+              <a:t>We have been continuously integrating and delivering our work since mid-last year. </a:t>
+            </a:r>
+          </a:p>
+          <a:p>
+            <a:r>
+              <a:rPr lang="en-US" dirty="0"/>
+              <a:t>We can deploy on demand. </a:t>
+            </a:r>
+          </a:p>
+          <a:p>
+            <a:r>
+              <a:rPr lang="en-US" dirty="0"/>
+              <a:t>This very Sprint, we’re releasing an API that is covered by a significant suite of automated unit and integrations tests. We used test driven development to design features and bug fixes every chance we get. </a:t>
+            </a:r>
+          </a:p>
+          <a:p>
+            <a:r>
+              <a:rPr lang="en-US" dirty="0"/>
+              <a:t>We’ve worked with our Product Owner daily to ensure the work we deliver is of the highest value we can manage. </a:t>
+            </a:r>
+          </a:p>
+          <a:p>
+            <a:endParaRPr lang="en-US" dirty="0"/>
+          </a:p>
+          <a:p>
+            <a:r>
+              <a:rPr lang="en-US" dirty="0"/>
+              <a:t>We use reflection, reframing, and impact feedback to respectfully and effectively communicate with each other. </a:t>
+            </a:r>
+          </a:p>
+          <a:p>
+            <a:endParaRPr lang="en-US"/>
+          </a:p>
+          <a:p>
+            <a:r>
+              <a:rPr lang="en-US"/>
+              <a:t>I </a:t>
+            </a:r>
+            <a:r>
+              <a:rPr lang="en-US" dirty="0"/>
+              <a:t>could go on.</a:t>
+            </a:r>
+          </a:p>
+          <a:p>
+            <a:endParaRPr lang="en-US" dirty="0"/>
+          </a:p>
+          <a:p>
+            <a:r>
+              <a:rPr lang="en-US" dirty="0"/>
+              <a:t>Like my grandma who started walking a mile a day, in two more years time, there’s no telling where we’ll end up. However, I’m confident that we’ll probably still be playing the game we want to play and running our race like a tortoise.</a:t>
+            </a:r>
+          </a:p>
+        </p:txBody>
+      </p:sp>
+      <p:sp>
+        <p:nvSpPr>
+          <p:cNvPr id="4" name="Slide Number Placeholder 3"/>
+          <p:cNvSpPr>
+            <a:spLocks noGrp="1"/>
+          </p:cNvSpPr>
+          <p:nvPr>
+            <p:ph type="sldNum" sz="quarter" idx="5"/>
+          </p:nvPr>
+        </p:nvSpPr>
+        <p:spPr/>
+        <p:txBody>
+          <a:bodyPr/>
+          <a:lstStyle/>
+          <a:p>
+            <a:fld id="{68AD085A-CE2C-4AF4-96B5-9AB734DA641A}" type="slidenum">
+              <a:rPr lang="en-US" smtClean="0"/>
+              <a:t>33</a:t>
             </a:fld>
             <a:endParaRPr lang="en-US"/>
           </a:p>
@@ -33081,49 +36033,32 @@
           </a:p>
         </p:txBody>
       </p:sp>
-      <p:sp>
-        <p:nvSpPr>
-          <p:cNvPr id="3" name="Content Placeholder 2">
+      <p:graphicFrame>
+        <p:nvGraphicFramePr>
+          <p:cNvPr id="5" name="Content Placeholder 2">
             <a:extLst>
               <a:ext uri="{FF2B5EF4-FFF2-40B4-BE49-F238E27FC236}">
-                <a16:creationId xmlns:a16="http://schemas.microsoft.com/office/drawing/2014/main" id="{264EB770-DEBA-4968-8816-84C9026B5CA1}"/>
+                <a16:creationId xmlns:a16="http://schemas.microsoft.com/office/drawing/2014/main" id="{7E7468BB-B32B-48C8-A58B-0D0AC6C54EB9}"/>
               </a:ext>
             </a:extLst>
           </p:cNvPr>
-          <p:cNvSpPr>
-            <a:spLocks noGrp="1"/>
-          </p:cNvSpPr>
+          <p:cNvGraphicFramePr>
+            <a:graphicFrameLocks noGrp="1"/>
+          </p:cNvGraphicFramePr>
           <p:nvPr>
             <p:ph idx="1"/>
           </p:nvPr>
-        </p:nvSpPr>
-        <p:spPr/>
-        <p:txBody>
-          <a:bodyPr/>
-          <a:lstStyle/>
-          <a:p>
-            <a:r>
-              <a:rPr lang="en-US" dirty="0"/>
-              <a:t>No Vision</a:t>
-            </a:r>
-          </a:p>
-          <a:p>
-            <a:r>
-              <a:rPr lang="en-US" dirty="0"/>
-              <a:t>No Leadership or Bad Leadership</a:t>
-            </a:r>
-          </a:p>
-          <a:p>
-            <a:r>
-              <a:rPr lang="en-US" dirty="0"/>
-              <a:t>No Commitment</a:t>
-            </a:r>
-          </a:p>
-          <a:p>
-            <a:endParaRPr lang="en-US" dirty="0"/>
-          </a:p>
-        </p:txBody>
-      </p:sp>
+        </p:nvGraphicFramePr>
+        <p:xfrm>
+          <a:off x="913795" y="1732449"/>
+          <a:ext cx="10353762" cy="4058751"/>
+        </p:xfrm>
+        <a:graphic>
+          <a:graphicData uri="http://schemas.openxmlformats.org/drawingml/2006/diagram">
+            <dgm:relIds xmlns:dgm="http://schemas.openxmlformats.org/drawingml/2006/diagram" xmlns:r="http://schemas.openxmlformats.org/officeDocument/2006/relationships" r:dm="rId3" r:lo="rId4" r:qs="rId5" r:cs="rId6"/>
+          </a:graphicData>
+        </a:graphic>
+      </p:graphicFrame>
     </p:spTree>
     <p:extLst>
       <p:ext uri="{BB962C8B-B14F-4D97-AF65-F5344CB8AC3E}">
@@ -33134,12 +36069,108 @@
   <p:clrMapOvr>
     <a:masterClrMapping/>
   </p:clrMapOvr>
+  <p:timing>
+    <p:tnLst>
+      <p:par>
+        <p:cTn id="1" dur="indefinite" restart="never" nodeType="tmRoot">
+          <p:childTnLst>
+            <p:seq concurrent="1" nextAc="seek">
+              <p:cTn id="2" dur="indefinite" nodeType="mainSeq">
+                <p:childTnLst>
+                  <p:par>
+                    <p:cTn id="3" fill="hold">
+                      <p:stCondLst>
+                        <p:cond delay="indefinite"/>
+                      </p:stCondLst>
+                      <p:childTnLst>
+                        <p:par>
+                          <p:cTn id="4" fill="hold">
+                            <p:stCondLst>
+                              <p:cond delay="0"/>
+                            </p:stCondLst>
+                            <p:childTnLst>
+                              <p:par>
+                                <p:cTn id="5" presetID="10" presetClass="entr" presetSubtype="0" fill="hold" grpId="0" nodeType="clickEffect">
+                                  <p:stCondLst>
+                                    <p:cond delay="0"/>
+                                  </p:stCondLst>
+                                  <p:childTnLst>
+                                    <p:set>
+                                      <p:cBhvr>
+                                        <p:cTn id="6" dur="1" fill="hold">
+                                          <p:stCondLst>
+                                            <p:cond delay="0"/>
+                                          </p:stCondLst>
+                                        </p:cTn>
+                                        <p:tgtEl>
+                                          <p:spTgt spid="5"/>
+                                        </p:tgtEl>
+                                        <p:attrNameLst>
+                                          <p:attrName>style.visibility</p:attrName>
+                                        </p:attrNameLst>
+                                      </p:cBhvr>
+                                      <p:to>
+                                        <p:strVal val="visible"/>
+                                      </p:to>
+                                    </p:set>
+                                    <p:animEffect transition="in" filter="fade">
+                                      <p:cBhvr>
+                                        <p:cTn id="7" dur="500"/>
+                                        <p:tgtEl>
+                                          <p:spTgt spid="5"/>
+                                        </p:tgtEl>
+                                      </p:cBhvr>
+                                    </p:animEffect>
+                                  </p:childTnLst>
+                                </p:cTn>
+                              </p:par>
+                            </p:childTnLst>
+                          </p:cTn>
+                        </p:par>
+                      </p:childTnLst>
+                    </p:cTn>
+                  </p:par>
+                </p:childTnLst>
+              </p:cTn>
+              <p:prevCondLst>
+                <p:cond evt="onPrev" delay="0">
+                  <p:tgtEl>
+                    <p:sldTgt/>
+                  </p:tgtEl>
+                </p:cond>
+              </p:prevCondLst>
+              <p:nextCondLst>
+                <p:cond evt="onNext" delay="0">
+                  <p:tgtEl>
+                    <p:sldTgt/>
+                  </p:tgtEl>
+                </p:cond>
+              </p:nextCondLst>
+            </p:seq>
+          </p:childTnLst>
+        </p:cTn>
+      </p:par>
+    </p:tnLst>
+    <p:bldLst>
+      <p:bldGraphic spid="5" grpId="0">
+        <p:bldAsOne/>
+      </p:bldGraphic>
+    </p:bldLst>
+  </p:timing>
 </p:sld>
 </file>
 
 <file path=ppt/slides/slide16.xml><?xml version="1.0" encoding="utf-8"?>
 <p:sld xmlns:a="http://schemas.openxmlformats.org/drawingml/2006/main" xmlns:r="http://schemas.openxmlformats.org/officeDocument/2006/relationships" xmlns:p="http://schemas.openxmlformats.org/presentationml/2006/main">
   <p:cSld>
+    <p:bg>
+      <p:bgPr>
+        <a:solidFill>
+          <a:schemeClr val="bg1"/>
+        </a:solidFill>
+        <a:effectLst/>
+      </p:bgPr>
+    </p:bg>
     <p:spTree>
       <p:nvGrpSpPr>
         <p:cNvPr id="1" name=""/>
@@ -33154,6 +36185,52 @@
           <a:chExt cx="0" cy="0"/>
         </a:xfrm>
       </p:grpSpPr>
+      <p:pic>
+        <p:nvPicPr>
+          <p:cNvPr id="1026" name="Picture 2">
+            <a:extLst>
+              <a:ext uri="{FF2B5EF4-FFF2-40B4-BE49-F238E27FC236}">
+                <a16:creationId xmlns:a16="http://schemas.microsoft.com/office/drawing/2014/main" id="{6A48C8DF-1205-4E5F-87D4-ABFC81A9437C}"/>
+              </a:ext>
+            </a:extLst>
+          </p:cNvPr>
+          <p:cNvPicPr>
+            <a:picLocks noChangeAspect="1" noChangeArrowheads="1"/>
+          </p:cNvPicPr>
+          <p:nvPr/>
+        </p:nvPicPr>
+        <p:blipFill rotWithShape="1">
+          <a:blip r:embed="rId3">
+            <a:alphaModFix amt="25000"/>
+            <a:extLst>
+              <a:ext uri="{28A0092B-C50C-407E-A947-70E740481C1C}">
+                <a14:useLocalDpi xmlns:a14="http://schemas.microsoft.com/office/drawing/2010/main" val="0"/>
+              </a:ext>
+            </a:extLst>
+          </a:blip>
+          <a:srcRect t="29279" b="3153"/>
+          <a:stretch/>
+        </p:blipFill>
+        <p:spPr bwMode="auto">
+          <a:xfrm>
+            <a:off x="20" y="10"/>
+            <a:ext cx="12191980" cy="6857990"/>
+          </a:xfrm>
+          <a:prstGeom prst="rect">
+            <a:avLst/>
+          </a:prstGeom>
+          <a:noFill/>
+          <a:extLst>
+            <a:ext uri="{909E8E84-426E-40DD-AFC4-6F175D3DCCD1}">
+              <a14:hiddenFill xmlns:a14="http://schemas.microsoft.com/office/drawing/2010/main">
+                <a:solidFill>
+                  <a:srgbClr val="FFFFFF"/>
+                </a:solidFill>
+              </a14:hiddenFill>
+            </a:ext>
+          </a:extLst>
+        </p:spPr>
+      </p:pic>
       <p:sp>
         <p:nvSpPr>
           <p:cNvPr id="2" name="Title 1">
@@ -33170,9 +36247,16 @@
             <p:ph type="title"/>
           </p:nvPr>
         </p:nvSpPr>
-        <p:spPr/>
+        <p:spPr>
+          <a:xfrm>
+            <a:off x="913795" y="609600"/>
+            <a:ext cx="10353762" cy="970450"/>
+          </a:xfrm>
+        </p:spPr>
         <p:txBody>
-          <a:bodyPr/>
+          <a:bodyPr>
+            <a:normAutofit/>
+          </a:bodyPr>
           <a:lstStyle/>
           <a:p>
             <a:r>
@@ -33184,10 +36268,10 @@
       </p:sp>
       <p:sp>
         <p:nvSpPr>
-          <p:cNvPr id="3" name="Content Placeholder 2">
+          <p:cNvPr id="1030" name="Content Placeholder 1029">
             <a:extLst>
               <a:ext uri="{FF2B5EF4-FFF2-40B4-BE49-F238E27FC236}">
-                <a16:creationId xmlns:a16="http://schemas.microsoft.com/office/drawing/2014/main" id="{0D6C4C45-CD67-4980-8465-A60C57F3F433}"/>
+                <a16:creationId xmlns:a16="http://schemas.microsoft.com/office/drawing/2014/main" id="{1B201D67-1577-40FA-9ABB-C64DBB84C077}"/>
               </a:ext>
             </a:extLst>
           </p:cNvPr>
@@ -33198,12 +36282,48 @@
             <p:ph idx="1"/>
           </p:nvPr>
         </p:nvSpPr>
-        <p:spPr/>
+        <p:spPr>
+          <a:xfrm>
+            <a:off x="913795" y="1732449"/>
+            <a:ext cx="10353762" cy="4058751"/>
+          </a:xfrm>
+        </p:spPr>
         <p:txBody>
-          <a:bodyPr/>
+          <a:bodyPr anchor="ctr">
+            <a:normAutofit/>
+          </a:bodyPr>
           <a:lstStyle/>
           <a:p>
-            <a:endParaRPr lang="en-US"/>
+            <a:r>
+              <a:rPr lang="en-US" sz="4400" dirty="0"/>
+              <a:t>If it </a:t>
+            </a:r>
+            <a:r>
+              <a:rPr lang="en-US" sz="4400" dirty="0" err="1"/>
+              <a:t>ain’t</a:t>
+            </a:r>
+            <a:r>
+              <a:rPr lang="en-US" sz="4400" dirty="0"/>
+              <a:t> broke, don’t fix it.</a:t>
+            </a:r>
+          </a:p>
+          <a:p>
+            <a:r>
+              <a:rPr lang="en-US" sz="4400" dirty="0"/>
+              <a:t>Leave well enough alone.</a:t>
+            </a:r>
+          </a:p>
+          <a:p>
+            <a:r>
+              <a:rPr lang="en-US" sz="4400" dirty="0"/>
+              <a:t>Inattention to results</a:t>
+            </a:r>
+          </a:p>
+          <a:p>
+            <a:r>
+              <a:rPr lang="en-US" sz="4400" dirty="0"/>
+              <a:t>Lack of Courage</a:t>
+            </a:r>
           </a:p>
         </p:txBody>
       </p:sp>
@@ -33217,12 +36337,294 @@
   <p:clrMapOvr>
     <a:masterClrMapping/>
   </p:clrMapOvr>
+  <p:timing>
+    <p:tnLst>
+      <p:par>
+        <p:cTn id="1" dur="indefinite" restart="never" nodeType="tmRoot">
+          <p:childTnLst>
+            <p:seq concurrent="1" nextAc="seek">
+              <p:cTn id="2" dur="indefinite" nodeType="mainSeq">
+                <p:childTnLst>
+                  <p:par>
+                    <p:cTn id="3" fill="hold">
+                      <p:stCondLst>
+                        <p:cond delay="indefinite"/>
+                      </p:stCondLst>
+                      <p:childTnLst>
+                        <p:par>
+                          <p:cTn id="4" fill="hold">
+                            <p:stCondLst>
+                              <p:cond delay="0"/>
+                            </p:stCondLst>
+                            <p:childTnLst>
+                              <p:par>
+                                <p:cTn id="5" presetID="10" presetClass="entr" presetSubtype="0" fill="hold" nodeType="clickEffect">
+                                  <p:stCondLst>
+                                    <p:cond delay="0"/>
+                                  </p:stCondLst>
+                                  <p:childTnLst>
+                                    <p:set>
+                                      <p:cBhvr>
+                                        <p:cTn id="6" dur="1" fill="hold">
+                                          <p:stCondLst>
+                                            <p:cond delay="0"/>
+                                          </p:stCondLst>
+                                        </p:cTn>
+                                        <p:tgtEl>
+                                          <p:spTgt spid="1030">
+                                            <p:txEl>
+                                              <p:pRg st="0" end="0"/>
+                                            </p:txEl>
+                                          </p:spTgt>
+                                        </p:tgtEl>
+                                        <p:attrNameLst>
+                                          <p:attrName>style.visibility</p:attrName>
+                                        </p:attrNameLst>
+                                      </p:cBhvr>
+                                      <p:to>
+                                        <p:strVal val="visible"/>
+                                      </p:to>
+                                    </p:set>
+                                    <p:animEffect transition="in" filter="fade">
+                                      <p:cBhvr>
+                                        <p:cTn id="7" dur="500"/>
+                                        <p:tgtEl>
+                                          <p:spTgt spid="1030">
+                                            <p:txEl>
+                                              <p:pRg st="0" end="0"/>
+                                            </p:txEl>
+                                          </p:spTgt>
+                                        </p:tgtEl>
+                                      </p:cBhvr>
+                                    </p:animEffect>
+                                  </p:childTnLst>
+                                </p:cTn>
+                              </p:par>
+                            </p:childTnLst>
+                          </p:cTn>
+                        </p:par>
+                      </p:childTnLst>
+                    </p:cTn>
+                  </p:par>
+                  <p:par>
+                    <p:cTn id="8" fill="hold">
+                      <p:stCondLst>
+                        <p:cond delay="indefinite"/>
+                      </p:stCondLst>
+                      <p:childTnLst>
+                        <p:par>
+                          <p:cTn id="9" fill="hold">
+                            <p:stCondLst>
+                              <p:cond delay="0"/>
+                            </p:stCondLst>
+                            <p:childTnLst>
+                              <p:par>
+                                <p:cTn id="10" presetID="10" presetClass="entr" presetSubtype="0" fill="hold" nodeType="clickEffect">
+                                  <p:stCondLst>
+                                    <p:cond delay="0"/>
+                                  </p:stCondLst>
+                                  <p:childTnLst>
+                                    <p:set>
+                                      <p:cBhvr>
+                                        <p:cTn id="11" dur="1" fill="hold">
+                                          <p:stCondLst>
+                                            <p:cond delay="0"/>
+                                          </p:stCondLst>
+                                        </p:cTn>
+                                        <p:tgtEl>
+                                          <p:spTgt spid="1030">
+                                            <p:txEl>
+                                              <p:pRg st="1" end="1"/>
+                                            </p:txEl>
+                                          </p:spTgt>
+                                        </p:tgtEl>
+                                        <p:attrNameLst>
+                                          <p:attrName>style.visibility</p:attrName>
+                                        </p:attrNameLst>
+                                      </p:cBhvr>
+                                      <p:to>
+                                        <p:strVal val="visible"/>
+                                      </p:to>
+                                    </p:set>
+                                    <p:animEffect transition="in" filter="fade">
+                                      <p:cBhvr>
+                                        <p:cTn id="12" dur="500"/>
+                                        <p:tgtEl>
+                                          <p:spTgt spid="1030">
+                                            <p:txEl>
+                                              <p:pRg st="1" end="1"/>
+                                            </p:txEl>
+                                          </p:spTgt>
+                                        </p:tgtEl>
+                                      </p:cBhvr>
+                                    </p:animEffect>
+                                  </p:childTnLst>
+                                </p:cTn>
+                              </p:par>
+                            </p:childTnLst>
+                          </p:cTn>
+                        </p:par>
+                      </p:childTnLst>
+                    </p:cTn>
+                  </p:par>
+                  <p:par>
+                    <p:cTn id="13" fill="hold">
+                      <p:stCondLst>
+                        <p:cond delay="indefinite"/>
+                      </p:stCondLst>
+                      <p:childTnLst>
+                        <p:par>
+                          <p:cTn id="14" fill="hold">
+                            <p:stCondLst>
+                              <p:cond delay="0"/>
+                            </p:stCondLst>
+                            <p:childTnLst>
+                              <p:par>
+                                <p:cTn id="15" presetID="10" presetClass="entr" presetSubtype="0" fill="hold" nodeType="clickEffect">
+                                  <p:stCondLst>
+                                    <p:cond delay="0"/>
+                                  </p:stCondLst>
+                                  <p:childTnLst>
+                                    <p:set>
+                                      <p:cBhvr>
+                                        <p:cTn id="16" dur="1" fill="hold">
+                                          <p:stCondLst>
+                                            <p:cond delay="0"/>
+                                          </p:stCondLst>
+                                        </p:cTn>
+                                        <p:tgtEl>
+                                          <p:spTgt spid="1030">
+                                            <p:txEl>
+                                              <p:pRg st="2" end="2"/>
+                                            </p:txEl>
+                                          </p:spTgt>
+                                        </p:tgtEl>
+                                        <p:attrNameLst>
+                                          <p:attrName>style.visibility</p:attrName>
+                                        </p:attrNameLst>
+                                      </p:cBhvr>
+                                      <p:to>
+                                        <p:strVal val="visible"/>
+                                      </p:to>
+                                    </p:set>
+                                    <p:animEffect transition="in" filter="fade">
+                                      <p:cBhvr>
+                                        <p:cTn id="17" dur="500"/>
+                                        <p:tgtEl>
+                                          <p:spTgt spid="1030">
+                                            <p:txEl>
+                                              <p:pRg st="2" end="2"/>
+                                            </p:txEl>
+                                          </p:spTgt>
+                                        </p:tgtEl>
+                                      </p:cBhvr>
+                                    </p:animEffect>
+                                  </p:childTnLst>
+                                </p:cTn>
+                              </p:par>
+                            </p:childTnLst>
+                          </p:cTn>
+                        </p:par>
+                      </p:childTnLst>
+                    </p:cTn>
+                  </p:par>
+                  <p:par>
+                    <p:cTn id="18" fill="hold">
+                      <p:stCondLst>
+                        <p:cond delay="indefinite"/>
+                      </p:stCondLst>
+                      <p:childTnLst>
+                        <p:par>
+                          <p:cTn id="19" fill="hold">
+                            <p:stCondLst>
+                              <p:cond delay="0"/>
+                            </p:stCondLst>
+                            <p:childTnLst>
+                              <p:par>
+                                <p:cTn id="20" presetID="10" presetClass="entr" presetSubtype="0" fill="hold" nodeType="clickEffect">
+                                  <p:stCondLst>
+                                    <p:cond delay="0"/>
+                                  </p:stCondLst>
+                                  <p:childTnLst>
+                                    <p:set>
+                                      <p:cBhvr>
+                                        <p:cTn id="21" dur="1" fill="hold">
+                                          <p:stCondLst>
+                                            <p:cond delay="0"/>
+                                          </p:stCondLst>
+                                        </p:cTn>
+                                        <p:tgtEl>
+                                          <p:spTgt spid="1030">
+                                            <p:txEl>
+                                              <p:pRg st="3" end="3"/>
+                                            </p:txEl>
+                                          </p:spTgt>
+                                        </p:tgtEl>
+                                        <p:attrNameLst>
+                                          <p:attrName>style.visibility</p:attrName>
+                                        </p:attrNameLst>
+                                      </p:cBhvr>
+                                      <p:to>
+                                        <p:strVal val="visible"/>
+                                      </p:to>
+                                    </p:set>
+                                    <p:animEffect transition="in" filter="fade">
+                                      <p:cBhvr>
+                                        <p:cTn id="22" dur="500"/>
+                                        <p:tgtEl>
+                                          <p:spTgt spid="1030">
+                                            <p:txEl>
+                                              <p:pRg st="3" end="3"/>
+                                            </p:txEl>
+                                          </p:spTgt>
+                                        </p:tgtEl>
+                                      </p:cBhvr>
+                                    </p:animEffect>
+                                  </p:childTnLst>
+                                </p:cTn>
+                              </p:par>
+                            </p:childTnLst>
+                          </p:cTn>
+                        </p:par>
+                      </p:childTnLst>
+                    </p:cTn>
+                  </p:par>
+                </p:childTnLst>
+              </p:cTn>
+              <p:prevCondLst>
+                <p:cond evt="onPrev" delay="0">
+                  <p:tgtEl>
+                    <p:sldTgt/>
+                  </p:tgtEl>
+                </p:cond>
+              </p:prevCondLst>
+              <p:nextCondLst>
+                <p:cond evt="onNext" delay="0">
+                  <p:tgtEl>
+                    <p:sldTgt/>
+                  </p:tgtEl>
+                </p:cond>
+              </p:nextCondLst>
+            </p:seq>
+          </p:childTnLst>
+        </p:cTn>
+      </p:par>
+    </p:tnLst>
+  </p:timing>
 </p:sld>
 </file>
 
 <file path=ppt/slides/slide17.xml><?xml version="1.0" encoding="utf-8"?>
 <p:sld xmlns:a="http://schemas.openxmlformats.org/drawingml/2006/main" xmlns:r="http://schemas.openxmlformats.org/officeDocument/2006/relationships" xmlns:p="http://schemas.openxmlformats.org/presentationml/2006/main">
   <p:cSld>
+    <p:bg>
+      <p:bgPr>
+        <a:solidFill>
+          <a:schemeClr val="bg1"/>
+        </a:solidFill>
+        <a:effectLst/>
+      </p:bgPr>
+    </p:bg>
     <p:spTree>
       <p:nvGrpSpPr>
         <p:cNvPr id="1" name=""/>
@@ -33237,6 +36639,384 @@
           <a:chExt cx="0" cy="0"/>
         </a:xfrm>
       </p:grpSpPr>
+      <p:pic>
+        <p:nvPicPr>
+          <p:cNvPr id="1026" name="Picture 2">
+            <a:extLst>
+              <a:ext uri="{FF2B5EF4-FFF2-40B4-BE49-F238E27FC236}">
+                <a16:creationId xmlns:a16="http://schemas.microsoft.com/office/drawing/2014/main" id="{6A48C8DF-1205-4E5F-87D4-ABFC81A9437C}"/>
+              </a:ext>
+            </a:extLst>
+          </p:cNvPr>
+          <p:cNvPicPr>
+            <a:picLocks noChangeAspect="1" noChangeArrowheads="1"/>
+          </p:cNvPicPr>
+          <p:nvPr/>
+        </p:nvPicPr>
+        <p:blipFill rotWithShape="1">
+          <a:blip r:embed="rId3">
+            <a:alphaModFix amt="25000"/>
+            <a:extLst>
+              <a:ext uri="{28A0092B-C50C-407E-A947-70E740481C1C}">
+                <a14:useLocalDpi xmlns:a14="http://schemas.microsoft.com/office/drawing/2010/main" val="0"/>
+              </a:ext>
+            </a:extLst>
+          </a:blip>
+          <a:srcRect t="29279" b="3153"/>
+          <a:stretch/>
+        </p:blipFill>
+        <p:spPr bwMode="auto">
+          <a:xfrm>
+            <a:off x="20" y="10"/>
+            <a:ext cx="12191980" cy="6857990"/>
+          </a:xfrm>
+          <a:prstGeom prst="rect">
+            <a:avLst/>
+          </a:prstGeom>
+          <a:noFill/>
+          <a:extLst>
+            <a:ext uri="{909E8E84-426E-40DD-AFC4-6F175D3DCCD1}">
+              <a14:hiddenFill xmlns:a14="http://schemas.microsoft.com/office/drawing/2010/main">
+                <a:solidFill>
+                  <a:srgbClr val="FFFFFF"/>
+                </a:solidFill>
+              </a14:hiddenFill>
+            </a:ext>
+          </a:extLst>
+        </p:spPr>
+      </p:pic>
+      <p:sp>
+        <p:nvSpPr>
+          <p:cNvPr id="2" name="Title 1">
+            <a:extLst>
+              <a:ext uri="{FF2B5EF4-FFF2-40B4-BE49-F238E27FC236}">
+                <a16:creationId xmlns:a16="http://schemas.microsoft.com/office/drawing/2014/main" id="{6092C9F0-8BB3-4539-84AC-04B18039AF7F}"/>
+              </a:ext>
+            </a:extLst>
+          </p:cNvPr>
+          <p:cNvSpPr>
+            <a:spLocks noGrp="1"/>
+          </p:cNvSpPr>
+          <p:nvPr>
+            <p:ph type="title"/>
+          </p:nvPr>
+        </p:nvSpPr>
+        <p:spPr>
+          <a:xfrm>
+            <a:off x="913795" y="609600"/>
+            <a:ext cx="10353762" cy="970450"/>
+          </a:xfrm>
+        </p:spPr>
+        <p:txBody>
+          <a:bodyPr>
+            <a:normAutofit/>
+          </a:bodyPr>
+          <a:lstStyle/>
+          <a:p>
+            <a:r>
+              <a:rPr lang="en-US" dirty="0"/>
+              <a:t>No Vision</a:t>
+            </a:r>
+          </a:p>
+        </p:txBody>
+      </p:sp>
+      <p:sp>
+        <p:nvSpPr>
+          <p:cNvPr id="1030" name="Content Placeholder 1029">
+            <a:extLst>
+              <a:ext uri="{FF2B5EF4-FFF2-40B4-BE49-F238E27FC236}">
+                <a16:creationId xmlns:a16="http://schemas.microsoft.com/office/drawing/2014/main" id="{1B201D67-1577-40FA-9ABB-C64DBB84C077}"/>
+              </a:ext>
+            </a:extLst>
+          </p:cNvPr>
+          <p:cNvSpPr>
+            <a:spLocks noGrp="1"/>
+          </p:cNvSpPr>
+          <p:nvPr>
+            <p:ph idx="1"/>
+          </p:nvPr>
+        </p:nvSpPr>
+        <p:spPr>
+          <a:xfrm>
+            <a:off x="913795" y="1732449"/>
+            <a:ext cx="10353762" cy="4058751"/>
+          </a:xfrm>
+        </p:spPr>
+        <p:txBody>
+          <a:bodyPr anchor="ctr">
+            <a:normAutofit fontScale="92500" lnSpcReduction="20000"/>
+          </a:bodyPr>
+          <a:lstStyle/>
+          <a:p>
+            <a:pPr marL="36900" indent="0" algn="ctr">
+              <a:buNone/>
+            </a:pPr>
+            <a:r>
+              <a:rPr lang="en-US" sz="6000" dirty="0"/>
+              <a:t>“Where there is no vision, there is no hope.” – G.W. Carver</a:t>
+            </a:r>
+          </a:p>
+          <a:p>
+            <a:pPr marL="36900" indent="0" algn="ctr">
+              <a:buNone/>
+            </a:pPr>
+            <a:endParaRPr lang="en-US" sz="6000" dirty="0"/>
+          </a:p>
+          <a:p>
+            <a:pPr marL="36900" indent="0" algn="ctr">
+              <a:buNone/>
+            </a:pPr>
+            <a:r>
+              <a:rPr lang="en-US" sz="6000" dirty="0"/>
+              <a:t>There must be a </a:t>
+            </a:r>
+            <a:r>
+              <a:rPr lang="en-US" sz="6000" i="1" dirty="0"/>
+              <a:t>reason</a:t>
+            </a:r>
+            <a:r>
+              <a:rPr lang="en-US" sz="6000" dirty="0"/>
+              <a:t> to do the hard things.</a:t>
+            </a:r>
+          </a:p>
+        </p:txBody>
+      </p:sp>
+    </p:spTree>
+    <p:extLst>
+      <p:ext uri="{BB962C8B-B14F-4D97-AF65-F5344CB8AC3E}">
+        <p14:creationId xmlns:p14="http://schemas.microsoft.com/office/powerpoint/2010/main" val="1274319573"/>
+      </p:ext>
+    </p:extLst>
+  </p:cSld>
+  <p:clrMapOvr>
+    <a:masterClrMapping/>
+  </p:clrMapOvr>
+  <p:timing>
+    <p:tnLst>
+      <p:par>
+        <p:cTn id="1" dur="indefinite" restart="never" nodeType="tmRoot">
+          <p:childTnLst>
+            <p:seq concurrent="1" nextAc="seek">
+              <p:cTn id="2" dur="indefinite" nodeType="mainSeq">
+                <p:childTnLst>
+                  <p:par>
+                    <p:cTn id="3" fill="hold">
+                      <p:stCondLst>
+                        <p:cond delay="indefinite"/>
+                      </p:stCondLst>
+                      <p:childTnLst>
+                        <p:par>
+                          <p:cTn id="4" fill="hold">
+                            <p:stCondLst>
+                              <p:cond delay="0"/>
+                            </p:stCondLst>
+                            <p:childTnLst>
+                              <p:par>
+                                <p:cTn id="5" presetID="10" presetClass="entr" presetSubtype="0" fill="hold" nodeType="clickEffect">
+                                  <p:stCondLst>
+                                    <p:cond delay="0"/>
+                                  </p:stCondLst>
+                                  <p:childTnLst>
+                                    <p:set>
+                                      <p:cBhvr>
+                                        <p:cTn id="6" dur="1" fill="hold">
+                                          <p:stCondLst>
+                                            <p:cond delay="0"/>
+                                          </p:stCondLst>
+                                        </p:cTn>
+                                        <p:tgtEl>
+                                          <p:spTgt spid="1030">
+                                            <p:txEl>
+                                              <p:pRg st="0" end="0"/>
+                                            </p:txEl>
+                                          </p:spTgt>
+                                        </p:tgtEl>
+                                        <p:attrNameLst>
+                                          <p:attrName>style.visibility</p:attrName>
+                                        </p:attrNameLst>
+                                      </p:cBhvr>
+                                      <p:to>
+                                        <p:strVal val="visible"/>
+                                      </p:to>
+                                    </p:set>
+                                    <p:animEffect transition="in" filter="fade">
+                                      <p:cBhvr>
+                                        <p:cTn id="7" dur="500"/>
+                                        <p:tgtEl>
+                                          <p:spTgt spid="1030">
+                                            <p:txEl>
+                                              <p:pRg st="0" end="0"/>
+                                            </p:txEl>
+                                          </p:spTgt>
+                                        </p:tgtEl>
+                                      </p:cBhvr>
+                                    </p:animEffect>
+                                  </p:childTnLst>
+                                </p:cTn>
+                              </p:par>
+                            </p:childTnLst>
+                          </p:cTn>
+                        </p:par>
+                      </p:childTnLst>
+                    </p:cTn>
+                  </p:par>
+                  <p:par>
+                    <p:cTn id="8" fill="hold">
+                      <p:stCondLst>
+                        <p:cond delay="indefinite"/>
+                      </p:stCondLst>
+                      <p:childTnLst>
+                        <p:par>
+                          <p:cTn id="9" fill="hold">
+                            <p:stCondLst>
+                              <p:cond delay="0"/>
+                            </p:stCondLst>
+                            <p:childTnLst>
+                              <p:par>
+                                <p:cTn id="10" presetID="10" presetClass="entr" presetSubtype="0" fill="hold" nodeType="clickEffect">
+                                  <p:stCondLst>
+                                    <p:cond delay="0"/>
+                                  </p:stCondLst>
+                                  <p:childTnLst>
+                                    <p:set>
+                                      <p:cBhvr>
+                                        <p:cTn id="11" dur="1" fill="hold">
+                                          <p:stCondLst>
+                                            <p:cond delay="0"/>
+                                          </p:stCondLst>
+                                        </p:cTn>
+                                        <p:tgtEl>
+                                          <p:spTgt spid="1030">
+                                            <p:txEl>
+                                              <p:pRg st="2" end="2"/>
+                                            </p:txEl>
+                                          </p:spTgt>
+                                        </p:tgtEl>
+                                        <p:attrNameLst>
+                                          <p:attrName>style.visibility</p:attrName>
+                                        </p:attrNameLst>
+                                      </p:cBhvr>
+                                      <p:to>
+                                        <p:strVal val="visible"/>
+                                      </p:to>
+                                    </p:set>
+                                    <p:animEffect transition="in" filter="fade">
+                                      <p:cBhvr>
+                                        <p:cTn id="12" dur="500"/>
+                                        <p:tgtEl>
+                                          <p:spTgt spid="1030">
+                                            <p:txEl>
+                                              <p:pRg st="2" end="2"/>
+                                            </p:txEl>
+                                          </p:spTgt>
+                                        </p:tgtEl>
+                                      </p:cBhvr>
+                                    </p:animEffect>
+                                  </p:childTnLst>
+                                </p:cTn>
+                              </p:par>
+                            </p:childTnLst>
+                          </p:cTn>
+                        </p:par>
+                      </p:childTnLst>
+                    </p:cTn>
+                  </p:par>
+                </p:childTnLst>
+              </p:cTn>
+              <p:prevCondLst>
+                <p:cond evt="onPrev" delay="0">
+                  <p:tgtEl>
+                    <p:sldTgt/>
+                  </p:tgtEl>
+                </p:cond>
+              </p:prevCondLst>
+              <p:nextCondLst>
+                <p:cond evt="onNext" delay="0">
+                  <p:tgtEl>
+                    <p:sldTgt/>
+                  </p:tgtEl>
+                </p:cond>
+              </p:nextCondLst>
+            </p:seq>
+          </p:childTnLst>
+        </p:cTn>
+      </p:par>
+    </p:tnLst>
+  </p:timing>
+</p:sld>
+</file>
+
+<file path=ppt/slides/slide18.xml><?xml version="1.0" encoding="utf-8"?>
+<p:sld xmlns:a="http://schemas.openxmlformats.org/drawingml/2006/main" xmlns:r="http://schemas.openxmlformats.org/officeDocument/2006/relationships" xmlns:p="http://schemas.openxmlformats.org/presentationml/2006/main">
+  <p:cSld>
+    <p:bg>
+      <p:bgPr>
+        <a:solidFill>
+          <a:schemeClr val="bg1"/>
+        </a:solidFill>
+        <a:effectLst/>
+      </p:bgPr>
+    </p:bg>
+    <p:spTree>
+      <p:nvGrpSpPr>
+        <p:cNvPr id="1" name=""/>
+        <p:cNvGrpSpPr/>
+        <p:nvPr/>
+      </p:nvGrpSpPr>
+      <p:grpSpPr>
+        <a:xfrm>
+          <a:off x="0" y="0"/>
+          <a:ext cx="0" cy="0"/>
+          <a:chOff x="0" y="0"/>
+          <a:chExt cx="0" cy="0"/>
+        </a:xfrm>
+      </p:grpSpPr>
+      <p:pic>
+        <p:nvPicPr>
+          <p:cNvPr id="2050" name="Picture 2" descr="A few people shaking hands&#10;&#10;Description automatically generated with low confidence">
+            <a:extLst>
+              <a:ext uri="{FF2B5EF4-FFF2-40B4-BE49-F238E27FC236}">
+                <a16:creationId xmlns:a16="http://schemas.microsoft.com/office/drawing/2014/main" id="{4346B5BC-82F3-457A-BA9A-41CE728DCB5F}"/>
+              </a:ext>
+            </a:extLst>
+          </p:cNvPr>
+          <p:cNvPicPr>
+            <a:picLocks noChangeAspect="1" noChangeArrowheads="1"/>
+          </p:cNvPicPr>
+          <p:nvPr/>
+        </p:nvPicPr>
+        <p:blipFill rotWithShape="1">
+          <a:blip r:embed="rId3">
+            <a:alphaModFix amt="25000"/>
+            <a:extLst>
+              <a:ext uri="{28A0092B-C50C-407E-A947-70E740481C1C}">
+                <a14:useLocalDpi xmlns:a14="http://schemas.microsoft.com/office/drawing/2010/main" val="0"/>
+              </a:ext>
+            </a:extLst>
+          </a:blip>
+          <a:srcRect t="5858"/>
+          <a:stretch/>
+        </p:blipFill>
+        <p:spPr bwMode="auto">
+          <a:xfrm>
+            <a:off x="20" y="10"/>
+            <a:ext cx="12191980" cy="6857990"/>
+          </a:xfrm>
+          <a:prstGeom prst="rect">
+            <a:avLst/>
+          </a:prstGeom>
+          <a:noFill/>
+          <a:extLst>
+            <a:ext uri="{909E8E84-426E-40DD-AFC4-6F175D3DCCD1}">
+              <a14:hiddenFill xmlns:a14="http://schemas.microsoft.com/office/drawing/2010/main">
+                <a:solidFill>
+                  <a:srgbClr val="FFFFFF"/>
+                </a:solidFill>
+              </a14:hiddenFill>
+            </a:ext>
+          </a:extLst>
+        </p:spPr>
+      </p:pic>
       <p:sp>
         <p:nvSpPr>
           <p:cNvPr id="2" name="Title 1">
@@ -33253,9 +37033,16 @@
             <p:ph type="title"/>
           </p:nvPr>
         </p:nvSpPr>
-        <p:spPr/>
+        <p:spPr>
+          <a:xfrm>
+            <a:off x="913795" y="609600"/>
+            <a:ext cx="10353762" cy="970450"/>
+          </a:xfrm>
+        </p:spPr>
         <p:txBody>
-          <a:bodyPr/>
+          <a:bodyPr>
+            <a:normAutofit/>
+          </a:bodyPr>
           <a:lstStyle/>
           <a:p>
             <a:r>
@@ -33281,16 +37068,23 @@
             <p:ph idx="1"/>
           </p:nvPr>
         </p:nvSpPr>
-        <p:spPr/>
+        <p:spPr>
+          <a:xfrm>
+            <a:off x="913795" y="1732449"/>
+            <a:ext cx="10353762" cy="4058751"/>
+          </a:xfrm>
+        </p:spPr>
         <p:txBody>
-          <a:bodyPr anchor="ctr"/>
+          <a:bodyPr anchor="ctr">
+            <a:normAutofit/>
+          </a:bodyPr>
           <a:lstStyle/>
           <a:p>
             <a:pPr marL="0" indent="0" algn="ctr">
               <a:buNone/>
             </a:pPr>
             <a:r>
-              <a:rPr lang="en-US" dirty="0"/>
+              <a:rPr lang="en-US" sz="6000" dirty="0"/>
               <a:t>Power is only ever given</a:t>
             </a:r>
           </a:p>
@@ -33306,10 +37100,101 @@
   <p:clrMapOvr>
     <a:masterClrMapping/>
   </p:clrMapOvr>
+  <p:timing>
+    <p:tnLst>
+      <p:par>
+        <p:cTn id="1" dur="indefinite" restart="never" nodeType="tmRoot">
+          <p:childTnLst>
+            <p:seq concurrent="1" nextAc="seek">
+              <p:cTn id="2" dur="indefinite" nodeType="mainSeq">
+                <p:childTnLst>
+                  <p:par>
+                    <p:cTn id="3" fill="hold">
+                      <p:stCondLst>
+                        <p:cond delay="indefinite"/>
+                      </p:stCondLst>
+                      <p:childTnLst>
+                        <p:par>
+                          <p:cTn id="4" fill="hold">
+                            <p:stCondLst>
+                              <p:cond delay="0"/>
+                            </p:stCondLst>
+                            <p:childTnLst>
+                              <p:par>
+                                <p:cTn id="5" presetID="10" presetClass="entr" presetSubtype="0" fill="hold" nodeType="clickEffect">
+                                  <p:stCondLst>
+                                    <p:cond delay="0"/>
+                                  </p:stCondLst>
+                                  <p:childTnLst>
+                                    <p:set>
+                                      <p:cBhvr>
+                                        <p:cTn id="6" dur="1" fill="hold">
+                                          <p:stCondLst>
+                                            <p:cond delay="0"/>
+                                          </p:stCondLst>
+                                        </p:cTn>
+                                        <p:tgtEl>
+                                          <p:spTgt spid="3">
+                                            <p:txEl>
+                                              <p:pRg st="0" end="0"/>
+                                            </p:txEl>
+                                          </p:spTgt>
+                                        </p:tgtEl>
+                                        <p:attrNameLst>
+                                          <p:attrName>style.visibility</p:attrName>
+                                        </p:attrNameLst>
+                                      </p:cBhvr>
+                                      <p:to>
+                                        <p:strVal val="visible"/>
+                                      </p:to>
+                                    </p:set>
+                                    <p:animEffect transition="in" filter="fade">
+                                      <p:cBhvr>
+                                        <p:cTn id="7" dur="500"/>
+                                        <p:tgtEl>
+                                          <p:spTgt spid="3">
+                                            <p:txEl>
+                                              <p:pRg st="0" end="0"/>
+                                            </p:txEl>
+                                          </p:spTgt>
+                                        </p:tgtEl>
+                                      </p:cBhvr>
+                                    </p:animEffect>
+                                  </p:childTnLst>
+                                </p:cTn>
+                              </p:par>
+                            </p:childTnLst>
+                          </p:cTn>
+                        </p:par>
+                      </p:childTnLst>
+                    </p:cTn>
+                  </p:par>
+                </p:childTnLst>
+              </p:cTn>
+              <p:prevCondLst>
+                <p:cond evt="onPrev" delay="0">
+                  <p:tgtEl>
+                    <p:sldTgt/>
+                  </p:tgtEl>
+                </p:cond>
+              </p:prevCondLst>
+              <p:nextCondLst>
+                <p:cond evt="onNext" delay="0">
+                  <p:tgtEl>
+                    <p:sldTgt/>
+                  </p:tgtEl>
+                </p:cond>
+              </p:nextCondLst>
+            </p:seq>
+          </p:childTnLst>
+        </p:cTn>
+      </p:par>
+    </p:tnLst>
+  </p:timing>
 </p:sld>
 </file>
 
-<file path=ppt/slides/slide18.xml><?xml version="1.0" encoding="utf-8"?>
+<file path=ppt/slides/slide19.xml><?xml version="1.0" encoding="utf-8"?>
 <p:sld xmlns:a="http://schemas.openxmlformats.org/drawingml/2006/main" xmlns:r="http://schemas.openxmlformats.org/officeDocument/2006/relationships" xmlns:p="http://schemas.openxmlformats.org/presentationml/2006/main">
   <p:cSld>
     <p:spTree>
@@ -33533,146 +37418,6 @@
       </p:par>
     </p:tnLst>
   </p:timing>
-</p:sld>
-</file>
-
-<file path=ppt/slides/slide19.xml><?xml version="1.0" encoding="utf-8"?>
-<p:sld xmlns:a="http://schemas.openxmlformats.org/drawingml/2006/main" xmlns:r="http://schemas.openxmlformats.org/officeDocument/2006/relationships" xmlns:p="http://schemas.openxmlformats.org/presentationml/2006/main">
-  <p:cSld>
-    <p:spTree>
-      <p:nvGrpSpPr>
-        <p:cNvPr id="1" name=""/>
-        <p:cNvGrpSpPr/>
-        <p:nvPr/>
-      </p:nvGrpSpPr>
-      <p:grpSpPr>
-        <a:xfrm>
-          <a:off x="0" y="0"/>
-          <a:ext cx="0" cy="0"/>
-          <a:chOff x="0" y="0"/>
-          <a:chExt cx="0" cy="0"/>
-        </a:xfrm>
-      </p:grpSpPr>
-      <p:sp>
-        <p:nvSpPr>
-          <p:cNvPr id="2" name="Title 1">
-            <a:extLst>
-              <a:ext uri="{FF2B5EF4-FFF2-40B4-BE49-F238E27FC236}">
-                <a16:creationId xmlns:a16="http://schemas.microsoft.com/office/drawing/2014/main" id="{30C1EE62-D29F-4329-A908-8C8E743CC0CC}"/>
-              </a:ext>
-            </a:extLst>
-          </p:cNvPr>
-          <p:cNvSpPr>
-            <a:spLocks noGrp="1"/>
-          </p:cNvSpPr>
-          <p:nvPr>
-            <p:ph type="title"/>
-          </p:nvPr>
-        </p:nvSpPr>
-        <p:spPr/>
-        <p:txBody>
-          <a:bodyPr/>
-          <a:lstStyle/>
-          <a:p>
-            <a:r>
-              <a:rPr lang="en-US" dirty="0"/>
-              <a:t>No Leadership or Bad Leadership</a:t>
-            </a:r>
-          </a:p>
-        </p:txBody>
-      </p:sp>
-      <p:sp>
-        <p:nvSpPr>
-          <p:cNvPr id="3" name="Content Placeholder 2">
-            <a:extLst>
-              <a:ext uri="{FF2B5EF4-FFF2-40B4-BE49-F238E27FC236}">
-                <a16:creationId xmlns:a16="http://schemas.microsoft.com/office/drawing/2014/main" id="{DA1905AA-3677-43A9-BD73-9460B5DC329C}"/>
-              </a:ext>
-            </a:extLst>
-          </p:cNvPr>
-          <p:cNvSpPr>
-            <a:spLocks noGrp="1"/>
-          </p:cNvSpPr>
-          <p:nvPr>
-            <p:ph idx="1"/>
-          </p:nvPr>
-        </p:nvSpPr>
-        <p:spPr/>
-        <p:txBody>
-          <a:bodyPr anchor="t"/>
-          <a:lstStyle/>
-          <a:p>
-            <a:pPr marL="514350" indent="-514350">
-              <a:buFont typeface="+mj-lt"/>
-              <a:buAutoNum type="arabicPeriod"/>
-            </a:pPr>
-            <a:r>
-              <a:rPr lang="en-US" dirty="0"/>
-              <a:t>Reward</a:t>
-            </a:r>
-          </a:p>
-          <a:p>
-            <a:pPr marL="514350" indent="-514350">
-              <a:buFont typeface="+mj-lt"/>
-              <a:buAutoNum type="arabicPeriod"/>
-            </a:pPr>
-            <a:r>
-              <a:rPr lang="en-US" dirty="0"/>
-              <a:t>Coercive</a:t>
-            </a:r>
-          </a:p>
-          <a:p>
-            <a:pPr marL="514350" indent="-514350">
-              <a:buFont typeface="+mj-lt"/>
-              <a:buAutoNum type="arabicPeriod"/>
-            </a:pPr>
-            <a:r>
-              <a:rPr lang="en-US" dirty="0"/>
-              <a:t>Given / Formal / Legitimate</a:t>
-            </a:r>
-          </a:p>
-          <a:p>
-            <a:pPr marL="514350" indent="-514350">
-              <a:buFont typeface="+mj-lt"/>
-              <a:buAutoNum type="arabicPeriod"/>
-            </a:pPr>
-            <a:r>
-              <a:rPr lang="en-US" dirty="0"/>
-              <a:t>Expert</a:t>
-            </a:r>
-          </a:p>
-          <a:p>
-            <a:pPr marL="514350" indent="-514350">
-              <a:buFont typeface="+mj-lt"/>
-              <a:buAutoNum type="arabicPeriod"/>
-            </a:pPr>
-            <a:r>
-              <a:rPr lang="en-US" dirty="0"/>
-              <a:t>Referent</a:t>
-            </a:r>
-          </a:p>
-          <a:p>
-            <a:pPr marL="514350" indent="-514350">
-              <a:buFont typeface="+mj-lt"/>
-              <a:buAutoNum type="arabicPeriod"/>
-            </a:pPr>
-            <a:r>
-              <a:rPr lang="en-US" dirty="0"/>
-              <a:t>* Informational</a:t>
-            </a:r>
-          </a:p>
-        </p:txBody>
-      </p:sp>
-    </p:spTree>
-    <p:extLst>
-      <p:ext uri="{BB962C8B-B14F-4D97-AF65-F5344CB8AC3E}">
-        <p14:creationId xmlns:p14="http://schemas.microsoft.com/office/powerpoint/2010/main" val="2996658119"/>
-      </p:ext>
-    </p:extLst>
-  </p:cSld>
-  <p:clrMapOvr>
-    <a:masterClrMapping/>
-  </p:clrMapOvr>
 </p:sld>
 </file>
 
@@ -34345,6 +38090,146 @@
           <p:cNvPr id="2" name="Title 1">
             <a:extLst>
               <a:ext uri="{FF2B5EF4-FFF2-40B4-BE49-F238E27FC236}">
+                <a16:creationId xmlns:a16="http://schemas.microsoft.com/office/drawing/2014/main" id="{30C1EE62-D29F-4329-A908-8C8E743CC0CC}"/>
+              </a:ext>
+            </a:extLst>
+          </p:cNvPr>
+          <p:cNvSpPr>
+            <a:spLocks noGrp="1"/>
+          </p:cNvSpPr>
+          <p:nvPr>
+            <p:ph type="title"/>
+          </p:nvPr>
+        </p:nvSpPr>
+        <p:spPr/>
+        <p:txBody>
+          <a:bodyPr/>
+          <a:lstStyle/>
+          <a:p>
+            <a:r>
+              <a:rPr lang="en-US" dirty="0"/>
+              <a:t>No Leadership or Bad Leadership</a:t>
+            </a:r>
+          </a:p>
+        </p:txBody>
+      </p:sp>
+      <p:sp>
+        <p:nvSpPr>
+          <p:cNvPr id="3" name="Content Placeholder 2">
+            <a:extLst>
+              <a:ext uri="{FF2B5EF4-FFF2-40B4-BE49-F238E27FC236}">
+                <a16:creationId xmlns:a16="http://schemas.microsoft.com/office/drawing/2014/main" id="{DA1905AA-3677-43A9-BD73-9460B5DC329C}"/>
+              </a:ext>
+            </a:extLst>
+          </p:cNvPr>
+          <p:cNvSpPr>
+            <a:spLocks noGrp="1"/>
+          </p:cNvSpPr>
+          <p:nvPr>
+            <p:ph idx="1"/>
+          </p:nvPr>
+        </p:nvSpPr>
+        <p:spPr/>
+        <p:txBody>
+          <a:bodyPr anchor="t"/>
+          <a:lstStyle/>
+          <a:p>
+            <a:pPr marL="514350" indent="-514350">
+              <a:buFont typeface="+mj-lt"/>
+              <a:buAutoNum type="arabicPeriod"/>
+            </a:pPr>
+            <a:r>
+              <a:rPr lang="en-US" dirty="0"/>
+              <a:t>Reward</a:t>
+            </a:r>
+          </a:p>
+          <a:p>
+            <a:pPr marL="514350" indent="-514350">
+              <a:buFont typeface="+mj-lt"/>
+              <a:buAutoNum type="arabicPeriod"/>
+            </a:pPr>
+            <a:r>
+              <a:rPr lang="en-US" dirty="0"/>
+              <a:t>Coercive</a:t>
+            </a:r>
+          </a:p>
+          <a:p>
+            <a:pPr marL="514350" indent="-514350">
+              <a:buFont typeface="+mj-lt"/>
+              <a:buAutoNum type="arabicPeriod"/>
+            </a:pPr>
+            <a:r>
+              <a:rPr lang="en-US" dirty="0"/>
+              <a:t>Given / Formal / Legitimate</a:t>
+            </a:r>
+          </a:p>
+          <a:p>
+            <a:pPr marL="514350" indent="-514350">
+              <a:buFont typeface="+mj-lt"/>
+              <a:buAutoNum type="arabicPeriod"/>
+            </a:pPr>
+            <a:r>
+              <a:rPr lang="en-US" dirty="0"/>
+              <a:t>Expert</a:t>
+            </a:r>
+          </a:p>
+          <a:p>
+            <a:pPr marL="514350" indent="-514350">
+              <a:buFont typeface="+mj-lt"/>
+              <a:buAutoNum type="arabicPeriod"/>
+            </a:pPr>
+            <a:r>
+              <a:rPr lang="en-US" dirty="0"/>
+              <a:t>Referent</a:t>
+            </a:r>
+          </a:p>
+          <a:p>
+            <a:pPr marL="514350" indent="-514350">
+              <a:buFont typeface="+mj-lt"/>
+              <a:buAutoNum type="arabicPeriod"/>
+            </a:pPr>
+            <a:r>
+              <a:rPr lang="en-US" dirty="0"/>
+              <a:t>* Informational</a:t>
+            </a:r>
+          </a:p>
+        </p:txBody>
+      </p:sp>
+    </p:spTree>
+    <p:extLst>
+      <p:ext uri="{BB962C8B-B14F-4D97-AF65-F5344CB8AC3E}">
+        <p14:creationId xmlns:p14="http://schemas.microsoft.com/office/powerpoint/2010/main" val="2996658119"/>
+      </p:ext>
+    </p:extLst>
+  </p:cSld>
+  <p:clrMapOvr>
+    <a:masterClrMapping/>
+  </p:clrMapOvr>
+</p:sld>
+</file>
+
+<file path=ppt/slides/slide21.xml><?xml version="1.0" encoding="utf-8"?>
+<p:sld xmlns:a="http://schemas.openxmlformats.org/drawingml/2006/main" xmlns:r="http://schemas.openxmlformats.org/officeDocument/2006/relationships" xmlns:p="http://schemas.openxmlformats.org/presentationml/2006/main">
+  <p:cSld>
+    <p:spTree>
+      <p:nvGrpSpPr>
+        <p:cNvPr id="1" name=""/>
+        <p:cNvGrpSpPr/>
+        <p:nvPr/>
+      </p:nvGrpSpPr>
+      <p:grpSpPr>
+        <a:xfrm>
+          <a:off x="0" y="0"/>
+          <a:ext cx="0" cy="0"/>
+          <a:chOff x="0" y="0"/>
+          <a:chExt cx="0" cy="0"/>
+        </a:xfrm>
+      </p:grpSpPr>
+      <p:sp>
+        <p:nvSpPr>
+          <p:cNvPr id="2" name="Title 1">
+            <a:extLst>
+              <a:ext uri="{FF2B5EF4-FFF2-40B4-BE49-F238E27FC236}">
                 <a16:creationId xmlns:a16="http://schemas.microsoft.com/office/drawing/2014/main" id="{7FC93BC6-D5AE-4A04-A08C-0869BCF2FDF3}"/>
               </a:ext>
             </a:extLst>
@@ -34453,7 +38338,7 @@
 </p:sld>
 </file>
 
-<file path=ppt/slides/slide21.xml><?xml version="1.0" encoding="utf-8"?>
+<file path=ppt/slides/slide22.xml><?xml version="1.0" encoding="utf-8"?>
 <p:sld xmlns:a="http://schemas.openxmlformats.org/drawingml/2006/main" xmlns:r="http://schemas.openxmlformats.org/officeDocument/2006/relationships" xmlns:p="http://schemas.openxmlformats.org/presentationml/2006/main">
   <p:cSld>
     <p:spTree>
@@ -34530,92 +38415,6 @@
     <p:extLst>
       <p:ext uri="{BB962C8B-B14F-4D97-AF65-F5344CB8AC3E}">
         <p14:creationId xmlns:p14="http://schemas.microsoft.com/office/powerpoint/2010/main" val="2165813908"/>
-      </p:ext>
-    </p:extLst>
-  </p:cSld>
-  <p:clrMapOvr>
-    <a:masterClrMapping/>
-  </p:clrMapOvr>
-</p:sld>
-</file>
-
-<file path=ppt/slides/slide22.xml><?xml version="1.0" encoding="utf-8"?>
-<p:sld xmlns:a="http://schemas.openxmlformats.org/drawingml/2006/main" xmlns:r="http://schemas.openxmlformats.org/officeDocument/2006/relationships" xmlns:p="http://schemas.openxmlformats.org/presentationml/2006/main">
-  <p:cSld>
-    <p:spTree>
-      <p:nvGrpSpPr>
-        <p:cNvPr id="1" name=""/>
-        <p:cNvGrpSpPr/>
-        <p:nvPr/>
-      </p:nvGrpSpPr>
-      <p:grpSpPr>
-        <a:xfrm>
-          <a:off x="0" y="0"/>
-          <a:ext cx="0" cy="0"/>
-          <a:chOff x="0" y="0"/>
-          <a:chExt cx="0" cy="0"/>
-        </a:xfrm>
-      </p:grpSpPr>
-      <p:sp>
-        <p:nvSpPr>
-          <p:cNvPr id="2" name="Title 1">
-            <a:extLst>
-              <a:ext uri="{FF2B5EF4-FFF2-40B4-BE49-F238E27FC236}">
-                <a16:creationId xmlns:a16="http://schemas.microsoft.com/office/drawing/2014/main" id="{B0BC4A47-C849-4C8B-B27B-C80B41636D96}"/>
-              </a:ext>
-            </a:extLst>
-          </p:cNvPr>
-          <p:cNvSpPr>
-            <a:spLocks noGrp="1"/>
-          </p:cNvSpPr>
-          <p:nvPr>
-            <p:ph type="title"/>
-          </p:nvPr>
-        </p:nvSpPr>
-        <p:spPr/>
-        <p:txBody>
-          <a:bodyPr/>
-          <a:lstStyle/>
-          <a:p>
-            <a:r>
-              <a:rPr lang="en-US" dirty="0"/>
-              <a:t>No Commitment</a:t>
-            </a:r>
-          </a:p>
-        </p:txBody>
-      </p:sp>
-      <p:sp>
-        <p:nvSpPr>
-          <p:cNvPr id="3" name="Content Placeholder 2">
-            <a:extLst>
-              <a:ext uri="{FF2B5EF4-FFF2-40B4-BE49-F238E27FC236}">
-                <a16:creationId xmlns:a16="http://schemas.microsoft.com/office/drawing/2014/main" id="{A7220E79-F373-46C9-9ACB-5799C58794E2}"/>
-              </a:ext>
-            </a:extLst>
-          </p:cNvPr>
-          <p:cNvSpPr>
-            <a:spLocks noGrp="1"/>
-          </p:cNvSpPr>
-          <p:nvPr>
-            <p:ph idx="1"/>
-          </p:nvPr>
-        </p:nvSpPr>
-        <p:spPr/>
-        <p:txBody>
-          <a:bodyPr/>
-          <a:lstStyle/>
-          <a:p>
-            <a:r>
-              <a:rPr lang="en-US" dirty="0"/>
-              <a:t>Little Quits</a:t>
-            </a:r>
-          </a:p>
-        </p:txBody>
-      </p:sp>
-    </p:spTree>
-    <p:extLst>
-      <p:ext uri="{BB962C8B-B14F-4D97-AF65-F5344CB8AC3E}">
-        <p14:creationId xmlns:p14="http://schemas.microsoft.com/office/powerpoint/2010/main" val="2444472896"/>
       </p:ext>
     </p:extLst>
   </p:cSld>
@@ -34693,6 +38492,92 @@
           <a:p>
             <a:r>
               <a:rPr lang="en-US" dirty="0"/>
+              <a:t>Little Quits</a:t>
+            </a:r>
+          </a:p>
+        </p:txBody>
+      </p:sp>
+    </p:spTree>
+    <p:extLst>
+      <p:ext uri="{BB962C8B-B14F-4D97-AF65-F5344CB8AC3E}">
+        <p14:creationId xmlns:p14="http://schemas.microsoft.com/office/powerpoint/2010/main" val="2444472896"/>
+      </p:ext>
+    </p:extLst>
+  </p:cSld>
+  <p:clrMapOvr>
+    <a:masterClrMapping/>
+  </p:clrMapOvr>
+</p:sld>
+</file>
+
+<file path=ppt/slides/slide24.xml><?xml version="1.0" encoding="utf-8"?>
+<p:sld xmlns:a="http://schemas.openxmlformats.org/drawingml/2006/main" xmlns:r="http://schemas.openxmlformats.org/officeDocument/2006/relationships" xmlns:p="http://schemas.openxmlformats.org/presentationml/2006/main">
+  <p:cSld>
+    <p:spTree>
+      <p:nvGrpSpPr>
+        <p:cNvPr id="1" name=""/>
+        <p:cNvGrpSpPr/>
+        <p:nvPr/>
+      </p:nvGrpSpPr>
+      <p:grpSpPr>
+        <a:xfrm>
+          <a:off x="0" y="0"/>
+          <a:ext cx="0" cy="0"/>
+          <a:chOff x="0" y="0"/>
+          <a:chExt cx="0" cy="0"/>
+        </a:xfrm>
+      </p:grpSpPr>
+      <p:sp>
+        <p:nvSpPr>
+          <p:cNvPr id="2" name="Title 1">
+            <a:extLst>
+              <a:ext uri="{FF2B5EF4-FFF2-40B4-BE49-F238E27FC236}">
+                <a16:creationId xmlns:a16="http://schemas.microsoft.com/office/drawing/2014/main" id="{B0BC4A47-C849-4C8B-B27B-C80B41636D96}"/>
+              </a:ext>
+            </a:extLst>
+          </p:cNvPr>
+          <p:cNvSpPr>
+            <a:spLocks noGrp="1"/>
+          </p:cNvSpPr>
+          <p:nvPr>
+            <p:ph type="title"/>
+          </p:nvPr>
+        </p:nvSpPr>
+        <p:spPr/>
+        <p:txBody>
+          <a:bodyPr/>
+          <a:lstStyle/>
+          <a:p>
+            <a:r>
+              <a:rPr lang="en-US" dirty="0"/>
+              <a:t>No Commitment</a:t>
+            </a:r>
+          </a:p>
+        </p:txBody>
+      </p:sp>
+      <p:sp>
+        <p:nvSpPr>
+          <p:cNvPr id="3" name="Content Placeholder 2">
+            <a:extLst>
+              <a:ext uri="{FF2B5EF4-FFF2-40B4-BE49-F238E27FC236}">
+                <a16:creationId xmlns:a16="http://schemas.microsoft.com/office/drawing/2014/main" id="{A7220E79-F373-46C9-9ACB-5799C58794E2}"/>
+              </a:ext>
+            </a:extLst>
+          </p:cNvPr>
+          <p:cNvSpPr>
+            <a:spLocks noGrp="1"/>
+          </p:cNvSpPr>
+          <p:nvPr>
+            <p:ph idx="1"/>
+          </p:nvPr>
+        </p:nvSpPr>
+        <p:spPr/>
+        <p:txBody>
+          <a:bodyPr/>
+          <a:lstStyle/>
+          <a:p>
+            <a:r>
+              <a:rPr lang="en-US" dirty="0"/>
               <a:t>The Incentives that Bind Us</a:t>
             </a:r>
           </a:p>
@@ -34711,7 +38596,7 @@
 </p:sld>
 </file>
 
-<file path=ppt/slides/slide24.xml><?xml version="1.0" encoding="utf-8"?>
+<file path=ppt/slides/slide25.xml><?xml version="1.0" encoding="utf-8"?>
 <p:sld xmlns:a="http://schemas.openxmlformats.org/drawingml/2006/main" xmlns:r="http://schemas.openxmlformats.org/officeDocument/2006/relationships" xmlns:p="http://schemas.openxmlformats.org/presentationml/2006/main">
   <p:cSld>
     <p:spTree>
@@ -34794,7 +38679,7 @@
 </p:sld>
 </file>
 
-<file path=ppt/slides/slide25.xml><?xml version="1.0" encoding="utf-8"?>
+<file path=ppt/slides/slide26.xml><?xml version="1.0" encoding="utf-8"?>
 <p:sld xmlns:a="http://schemas.openxmlformats.org/drawingml/2006/main" xmlns:r="http://schemas.openxmlformats.org/officeDocument/2006/relationships" xmlns:p="http://schemas.openxmlformats.org/presentationml/2006/main">
   <p:cSld>
     <p:spTree>
@@ -34883,7 +38768,7 @@
 </p:sld>
 </file>
 
-<file path=ppt/slides/slide26.xml><?xml version="1.0" encoding="utf-8"?>
+<file path=ppt/slides/slide27.xml><?xml version="1.0" encoding="utf-8"?>
 <p:sld xmlns:a="http://schemas.openxmlformats.org/drawingml/2006/main" xmlns:r="http://schemas.openxmlformats.org/officeDocument/2006/relationships" xmlns:p="http://schemas.openxmlformats.org/presentationml/2006/main">
   <p:cSld>
     <p:spTree>
@@ -34966,7 +38851,7 @@
 </p:sld>
 </file>
 
-<file path=ppt/slides/slide27.xml><?xml version="1.0" encoding="utf-8"?>
+<file path=ppt/slides/slide28.xml><?xml version="1.0" encoding="utf-8"?>
 <p:sld xmlns:a="http://schemas.openxmlformats.org/drawingml/2006/main" xmlns:r="http://schemas.openxmlformats.org/officeDocument/2006/relationships" xmlns:p="http://schemas.openxmlformats.org/presentationml/2006/main">
   <p:cSld>
     <p:spTree>
@@ -35072,7 +38957,7 @@
 </p:sld>
 </file>
 
-<file path=ppt/slides/slide28.xml><?xml version="1.0" encoding="utf-8"?>
+<file path=ppt/slides/slide29.xml><?xml version="1.0" encoding="utf-8"?>
 <p:sld xmlns:a="http://schemas.openxmlformats.org/drawingml/2006/main" xmlns:r="http://schemas.openxmlformats.org/officeDocument/2006/relationships" xmlns:p="http://schemas.openxmlformats.org/presentationml/2006/main">
   <p:cSld>
     <p:spTree>
@@ -35146,89 +39031,6 @@
     <p:extLst>
       <p:ext uri="{BB962C8B-B14F-4D97-AF65-F5344CB8AC3E}">
         <p14:creationId xmlns:p14="http://schemas.microsoft.com/office/powerpoint/2010/main" val="996669767"/>
-      </p:ext>
-    </p:extLst>
-  </p:cSld>
-  <p:clrMapOvr>
-    <a:masterClrMapping/>
-  </p:clrMapOvr>
-</p:sld>
-</file>
-
-<file path=ppt/slides/slide29.xml><?xml version="1.0" encoding="utf-8"?>
-<p:sld xmlns:a="http://schemas.openxmlformats.org/drawingml/2006/main" xmlns:r="http://schemas.openxmlformats.org/officeDocument/2006/relationships" xmlns:p="http://schemas.openxmlformats.org/presentationml/2006/main">
-  <p:cSld>
-    <p:spTree>
-      <p:nvGrpSpPr>
-        <p:cNvPr id="1" name=""/>
-        <p:cNvGrpSpPr/>
-        <p:nvPr/>
-      </p:nvGrpSpPr>
-      <p:grpSpPr>
-        <a:xfrm>
-          <a:off x="0" y="0"/>
-          <a:ext cx="0" cy="0"/>
-          <a:chOff x="0" y="0"/>
-          <a:chExt cx="0" cy="0"/>
-        </a:xfrm>
-      </p:grpSpPr>
-      <p:sp>
-        <p:nvSpPr>
-          <p:cNvPr id="2" name="Title 1">
-            <a:extLst>
-              <a:ext uri="{FF2B5EF4-FFF2-40B4-BE49-F238E27FC236}">
-                <a16:creationId xmlns:a16="http://schemas.microsoft.com/office/drawing/2014/main" id="{0A57EE75-E80A-44CA-8C6A-22ADEC1D2887}"/>
-              </a:ext>
-            </a:extLst>
-          </p:cNvPr>
-          <p:cNvSpPr>
-            <a:spLocks noGrp="1"/>
-          </p:cNvSpPr>
-          <p:nvPr>
-            <p:ph type="title"/>
-          </p:nvPr>
-        </p:nvSpPr>
-        <p:spPr/>
-        <p:txBody>
-          <a:bodyPr/>
-          <a:lstStyle/>
-          <a:p>
-            <a:r>
-              <a:rPr lang="en-US" dirty="0"/>
-              <a:t>The Winning of the Race</a:t>
-            </a:r>
-          </a:p>
-        </p:txBody>
-      </p:sp>
-      <p:sp>
-        <p:nvSpPr>
-          <p:cNvPr id="3" name="Content Placeholder 2">
-            <a:extLst>
-              <a:ext uri="{FF2B5EF4-FFF2-40B4-BE49-F238E27FC236}">
-                <a16:creationId xmlns:a16="http://schemas.microsoft.com/office/drawing/2014/main" id="{D2D44ED5-8426-4577-A9FC-017937CA490B}"/>
-              </a:ext>
-            </a:extLst>
-          </p:cNvPr>
-          <p:cNvSpPr>
-            <a:spLocks noGrp="1"/>
-          </p:cNvSpPr>
-          <p:nvPr>
-            <p:ph idx="1"/>
-          </p:nvPr>
-        </p:nvSpPr>
-        <p:spPr/>
-        <p:txBody>
-          <a:bodyPr/>
-          <a:lstStyle/>
-          <a:p>
-            <a:endParaRPr lang="en-US"/>
-          </a:p>
-        </p:txBody>
-      </p:sp>
-    </p:spTree>
-    <p:extLst>
-      <p:ext uri="{BB962C8B-B14F-4D97-AF65-F5344CB8AC3E}">
-        <p14:creationId xmlns:p14="http://schemas.microsoft.com/office/powerpoint/2010/main" val="636599258"/>
       </p:ext>
     </p:extLst>
   </p:cSld>
@@ -35974,6 +39776,89 @@
           <p:cNvPr id="2" name="Title 1">
             <a:extLst>
               <a:ext uri="{FF2B5EF4-FFF2-40B4-BE49-F238E27FC236}">
+                <a16:creationId xmlns:a16="http://schemas.microsoft.com/office/drawing/2014/main" id="{0A57EE75-E80A-44CA-8C6A-22ADEC1D2887}"/>
+              </a:ext>
+            </a:extLst>
+          </p:cNvPr>
+          <p:cNvSpPr>
+            <a:spLocks noGrp="1"/>
+          </p:cNvSpPr>
+          <p:nvPr>
+            <p:ph type="title"/>
+          </p:nvPr>
+        </p:nvSpPr>
+        <p:spPr/>
+        <p:txBody>
+          <a:bodyPr/>
+          <a:lstStyle/>
+          <a:p>
+            <a:r>
+              <a:rPr lang="en-US" dirty="0"/>
+              <a:t>The Winning of the Race</a:t>
+            </a:r>
+          </a:p>
+        </p:txBody>
+      </p:sp>
+      <p:sp>
+        <p:nvSpPr>
+          <p:cNvPr id="3" name="Content Placeholder 2">
+            <a:extLst>
+              <a:ext uri="{FF2B5EF4-FFF2-40B4-BE49-F238E27FC236}">
+                <a16:creationId xmlns:a16="http://schemas.microsoft.com/office/drawing/2014/main" id="{D2D44ED5-8426-4577-A9FC-017937CA490B}"/>
+              </a:ext>
+            </a:extLst>
+          </p:cNvPr>
+          <p:cNvSpPr>
+            <a:spLocks noGrp="1"/>
+          </p:cNvSpPr>
+          <p:nvPr>
+            <p:ph idx="1"/>
+          </p:nvPr>
+        </p:nvSpPr>
+        <p:spPr/>
+        <p:txBody>
+          <a:bodyPr/>
+          <a:lstStyle/>
+          <a:p>
+            <a:endParaRPr lang="en-US"/>
+          </a:p>
+        </p:txBody>
+      </p:sp>
+    </p:spTree>
+    <p:extLst>
+      <p:ext uri="{BB962C8B-B14F-4D97-AF65-F5344CB8AC3E}">
+        <p14:creationId xmlns:p14="http://schemas.microsoft.com/office/powerpoint/2010/main" val="636599258"/>
+      </p:ext>
+    </p:extLst>
+  </p:cSld>
+  <p:clrMapOvr>
+    <a:masterClrMapping/>
+  </p:clrMapOvr>
+</p:sld>
+</file>
+
+<file path=ppt/slides/slide31.xml><?xml version="1.0" encoding="utf-8"?>
+<p:sld xmlns:a="http://schemas.openxmlformats.org/drawingml/2006/main" xmlns:r="http://schemas.openxmlformats.org/officeDocument/2006/relationships" xmlns:p="http://schemas.openxmlformats.org/presentationml/2006/main">
+  <p:cSld>
+    <p:spTree>
+      <p:nvGrpSpPr>
+        <p:cNvPr id="1" name=""/>
+        <p:cNvGrpSpPr/>
+        <p:nvPr/>
+      </p:nvGrpSpPr>
+      <p:grpSpPr>
+        <a:xfrm>
+          <a:off x="0" y="0"/>
+          <a:ext cx="0" cy="0"/>
+          <a:chOff x="0" y="0"/>
+          <a:chExt cx="0" cy="0"/>
+        </a:xfrm>
+      </p:grpSpPr>
+      <p:sp>
+        <p:nvSpPr>
+          <p:cNvPr id="2" name="Title 1">
+            <a:extLst>
+              <a:ext uri="{FF2B5EF4-FFF2-40B4-BE49-F238E27FC236}">
                 <a16:creationId xmlns:a16="http://schemas.microsoft.com/office/drawing/2014/main" id="{4ED4D8D2-C8FA-4DFC-9845-6E4DC5584F88}"/>
               </a:ext>
             </a:extLst>
@@ -36062,7 +39947,7 @@
 </p:sld>
 </file>
 
-<file path=ppt/slides/slide31.xml><?xml version="1.0" encoding="utf-8"?>
+<file path=ppt/slides/slide32.xml><?xml version="1.0" encoding="utf-8"?>
 <p:sld xmlns:a="http://schemas.openxmlformats.org/drawingml/2006/main" xmlns:r="http://schemas.openxmlformats.org/officeDocument/2006/relationships" xmlns:p="http://schemas.openxmlformats.org/presentationml/2006/main">
   <p:cSld>
     <p:spTree>
@@ -36151,7 +40036,7 @@
 </p:sld>
 </file>
 
-<file path=ppt/slides/slide32.xml><?xml version="1.0" encoding="utf-8"?>
+<file path=ppt/slides/slide33.xml><?xml version="1.0" encoding="utf-8"?>
 <p:sld xmlns:a="http://schemas.openxmlformats.org/drawingml/2006/main" xmlns:r="http://schemas.openxmlformats.org/officeDocument/2006/relationships" xmlns:p="http://schemas.openxmlformats.org/presentationml/2006/main">
   <p:cSld>
     <p:spTree>
@@ -36243,7 +40128,7 @@
 </p:sld>
 </file>
 
-<file path=ppt/slides/slide33.xml><?xml version="1.0" encoding="utf-8"?>
+<file path=ppt/slides/slide34.xml><?xml version="1.0" encoding="utf-8"?>
 <p:sld xmlns:a="http://schemas.openxmlformats.org/drawingml/2006/main" xmlns:r="http://schemas.openxmlformats.org/officeDocument/2006/relationships" xmlns:p="http://schemas.openxmlformats.org/presentationml/2006/main">
   <p:cSld>
     <p:spTree>
@@ -36326,7 +40211,7 @@
 </p:sld>
 </file>
 
-<file path=ppt/slides/slide34.xml><?xml version="1.0" encoding="utf-8"?>
+<file path=ppt/slides/slide35.xml><?xml version="1.0" encoding="utf-8"?>
 <p:sld xmlns:a="http://schemas.openxmlformats.org/drawingml/2006/main" xmlns:r="http://schemas.openxmlformats.org/officeDocument/2006/relationships" xmlns:p="http://schemas.openxmlformats.org/presentationml/2006/main">
   <p:cSld>
     <p:spTree>

--- a/tortoise-and-hare/tortoise-and-hare.pptx
+++ b/tortoise-and-hare/tortoise-and-hare.pptx
@@ -217,7 +217,7 @@
 <file path=ppt/revisionInfo.xml><?xml version="1.0" encoding="utf-8"?>
 <p1510:revInfo xmlns:a="http://schemas.openxmlformats.org/drawingml/2006/main" xmlns:r="http://schemas.openxmlformats.org/officeDocument/2006/relationships" xmlns:p1510="http://schemas.microsoft.com/office/powerpoint/2015/10/main">
   <p1510:revLst>
-    <p1510:client id="{B639CA35-2A81-4735-BACE-C483C6477DD6}" v="414" dt="2021-11-08T06:28:26.974"/>
+    <p1510:client id="{B639CA35-2A81-4735-BACE-C483C6477DD6}" v="601" dt="2021-11-08T07:04:40.264"/>
     <p1510:client id="{D25FF412-11E0-423E-8BD3-DB885E5F48F4}" v="600" dt="2021-11-08T04:32:07.576"/>
   </p1510:revLst>
 </p1510:revInfo>
@@ -228,7 +228,7 @@
   <pc:docChgLst>
     <pc:chgData name="Jason Knight" userId="03bbb8e5a6d6338b" providerId="LiveId" clId="{B639CA35-2A81-4735-BACE-C483C6477DD6}"/>
     <pc:docChg chg="undo custSel addSld delSld modSld addSection modSection">
-      <pc:chgData name="Jason Knight" userId="03bbb8e5a6d6338b" providerId="LiveId" clId="{B639CA35-2A81-4735-BACE-C483C6477DD6}" dt="2021-11-08T06:32:18.706" v="1605" actId="26606"/>
+      <pc:chgData name="Jason Knight" userId="03bbb8e5a6d6338b" providerId="LiveId" clId="{B639CA35-2A81-4735-BACE-C483C6477DD6}" dt="2021-11-08T07:04:40.264" v="2323"/>
       <pc:docMkLst>
         <pc:docMk/>
       </pc:docMkLst>
@@ -565,6 +565,306 @@
             <pc:docMk/>
             <pc:sldMk cId="88608026" sldId="276"/>
             <ac:picMk id="2050" creationId="{4346B5BC-82F3-457A-BA9A-41CE728DCB5F}"/>
+          </ac:picMkLst>
+        </pc:picChg>
+      </pc:sldChg>
+      <pc:sldChg chg="addSp delSp modSp mod setBg modAnim">
+        <pc:chgData name="Jason Knight" userId="03bbb8e5a6d6338b" providerId="LiveId" clId="{B639CA35-2A81-4735-BACE-C483C6477DD6}" dt="2021-11-08T06:41:35.098" v="1965"/>
+        <pc:sldMkLst>
+          <pc:docMk/>
+          <pc:sldMk cId="4029258476" sldId="277"/>
+        </pc:sldMkLst>
+        <pc:spChg chg="mod">
+          <ac:chgData name="Jason Knight" userId="03bbb8e5a6d6338b" providerId="LiveId" clId="{B639CA35-2A81-4735-BACE-C483C6477DD6}" dt="2021-11-08T06:40:48.213" v="1846" actId="26606"/>
+          <ac:spMkLst>
+            <pc:docMk/>
+            <pc:sldMk cId="4029258476" sldId="277"/>
+            <ac:spMk id="2" creationId="{8F72B997-817F-45F5-9010-DEC6407DF21E}"/>
+          </ac:spMkLst>
+        </pc:spChg>
+        <pc:spChg chg="del">
+          <ac:chgData name="Jason Knight" userId="03bbb8e5a6d6338b" providerId="LiveId" clId="{B639CA35-2A81-4735-BACE-C483C6477DD6}" dt="2021-11-08T06:35:22.188" v="1606" actId="931"/>
+          <ac:spMkLst>
+            <pc:docMk/>
+            <pc:sldMk cId="4029258476" sldId="277"/>
+            <ac:spMk id="3" creationId="{02357D12-5517-4C60-A2A3-1A8E670CC96D}"/>
+          </ac:spMkLst>
+        </pc:spChg>
+        <pc:spChg chg="add mod">
+          <ac:chgData name="Jason Knight" userId="03bbb8e5a6d6338b" providerId="LiveId" clId="{B639CA35-2A81-4735-BACE-C483C6477DD6}" dt="2021-11-08T06:41:22.920" v="1964" actId="404"/>
+          <ac:spMkLst>
+            <pc:docMk/>
+            <pc:sldMk cId="4029258476" sldId="277"/>
+            <ac:spMk id="9" creationId="{59A15612-B627-4CE4-B765-067FB311572F}"/>
+          </ac:spMkLst>
+        </pc:spChg>
+        <pc:picChg chg="add del mod">
+          <ac:chgData name="Jason Knight" userId="03bbb8e5a6d6338b" providerId="LiveId" clId="{B639CA35-2A81-4735-BACE-C483C6477DD6}" dt="2021-11-08T06:40:12.669" v="1843" actId="478"/>
+          <ac:picMkLst>
+            <pc:docMk/>
+            <pc:sldMk cId="4029258476" sldId="277"/>
+            <ac:picMk id="5" creationId="{AAF45D1A-69FB-4989-BD71-603193635B86}"/>
+          </ac:picMkLst>
+        </pc:picChg>
+        <pc:picChg chg="add del">
+          <ac:chgData name="Jason Knight" userId="03bbb8e5a6d6338b" providerId="LiveId" clId="{B639CA35-2A81-4735-BACE-C483C6477DD6}" dt="2021-11-08T06:40:48.217" v="1847" actId="26606"/>
+          <ac:picMkLst>
+            <pc:docMk/>
+            <pc:sldMk cId="4029258476" sldId="277"/>
+            <ac:picMk id="12" creationId="{E0BE7827-5B1A-4F37-BF70-19F7C5C6BDEB}"/>
+          </ac:picMkLst>
+        </pc:picChg>
+        <pc:picChg chg="add">
+          <ac:chgData name="Jason Knight" userId="03bbb8e5a6d6338b" providerId="LiveId" clId="{B639CA35-2A81-4735-BACE-C483C6477DD6}" dt="2021-11-08T06:40:48.217" v="1847" actId="26606"/>
+          <ac:picMkLst>
+            <pc:docMk/>
+            <pc:sldMk cId="4029258476" sldId="277"/>
+            <ac:picMk id="71" creationId="{E0BE7827-5B1A-4F37-BF70-19F7C5C6BDEB}"/>
+          </ac:picMkLst>
+        </pc:picChg>
+        <pc:picChg chg="add mod ord">
+          <ac:chgData name="Jason Knight" userId="03bbb8e5a6d6338b" providerId="LiveId" clId="{B639CA35-2A81-4735-BACE-C483C6477DD6}" dt="2021-11-08T06:40:48.217" v="1847" actId="26606"/>
+          <ac:picMkLst>
+            <pc:docMk/>
+            <pc:sldMk cId="4029258476" sldId="277"/>
+            <ac:picMk id="1026" creationId="{66A44400-A5BF-4F00-B87F-0A9DA2A4D27B}"/>
+          </ac:picMkLst>
+        </pc:picChg>
+      </pc:sldChg>
+      <pc:sldChg chg="addSp modSp mod setBg modAnim">
+        <pc:chgData name="Jason Knight" userId="03bbb8e5a6d6338b" providerId="LiveId" clId="{B639CA35-2A81-4735-BACE-C483C6477DD6}" dt="2021-11-08T06:55:39.672" v="2208"/>
+        <pc:sldMkLst>
+          <pc:docMk/>
+          <pc:sldMk cId="70175331" sldId="278"/>
+        </pc:sldMkLst>
+        <pc:spChg chg="mod">
+          <ac:chgData name="Jason Knight" userId="03bbb8e5a6d6338b" providerId="LiveId" clId="{B639CA35-2A81-4735-BACE-C483C6477DD6}" dt="2021-11-08T06:45:55.980" v="1978" actId="26606"/>
+          <ac:spMkLst>
+            <pc:docMk/>
+            <pc:sldMk cId="70175331" sldId="278"/>
+            <ac:spMk id="2" creationId="{62332D38-A18F-468B-96EF-CC64D1BEB640}"/>
+          </ac:spMkLst>
+        </pc:spChg>
+        <pc:spChg chg="mod">
+          <ac:chgData name="Jason Knight" userId="03bbb8e5a6d6338b" providerId="LiveId" clId="{B639CA35-2A81-4735-BACE-C483C6477DD6}" dt="2021-11-08T06:49:08.664" v="2169" actId="6549"/>
+          <ac:spMkLst>
+            <pc:docMk/>
+            <pc:sldMk cId="70175331" sldId="278"/>
+            <ac:spMk id="3" creationId="{123EFC7A-E9D0-4488-A03B-F4E255A92CAF}"/>
+          </ac:spMkLst>
+        </pc:spChg>
+        <pc:picChg chg="add">
+          <ac:chgData name="Jason Knight" userId="03bbb8e5a6d6338b" providerId="LiveId" clId="{B639CA35-2A81-4735-BACE-C483C6477DD6}" dt="2021-11-08T06:45:55.980" v="1978" actId="26606"/>
+          <ac:picMkLst>
+            <pc:docMk/>
+            <pc:sldMk cId="70175331" sldId="278"/>
+            <ac:picMk id="71" creationId="{B536FA4E-0152-4E27-91DA-0FC22D1846BB}"/>
+          </ac:picMkLst>
+        </pc:picChg>
+        <pc:picChg chg="add mod ord">
+          <ac:chgData name="Jason Knight" userId="03bbb8e5a6d6338b" providerId="LiveId" clId="{B639CA35-2A81-4735-BACE-C483C6477DD6}" dt="2021-11-08T06:45:55.980" v="1978" actId="26606"/>
+          <ac:picMkLst>
+            <pc:docMk/>
+            <pc:sldMk cId="70175331" sldId="278"/>
+            <ac:picMk id="2050" creationId="{CC38190F-9EDB-4FF6-AA7E-8E5DDE6156A6}"/>
+          </ac:picMkLst>
+        </pc:picChg>
+      </pc:sldChg>
+      <pc:sldChg chg="addSp delSp modSp mod setBg modAnim">
+        <pc:chgData name="Jason Knight" userId="03bbb8e5a6d6338b" providerId="LiveId" clId="{B639CA35-2A81-4735-BACE-C483C6477DD6}" dt="2021-11-08T06:54:30.654" v="2202"/>
+        <pc:sldMkLst>
+          <pc:docMk/>
+          <pc:sldMk cId="67912059" sldId="279"/>
+        </pc:sldMkLst>
+        <pc:spChg chg="mod">
+          <ac:chgData name="Jason Knight" userId="03bbb8e5a6d6338b" providerId="LiveId" clId="{B639CA35-2A81-4735-BACE-C483C6477DD6}" dt="2021-11-08T06:50:15.642" v="2174" actId="26606"/>
+          <ac:spMkLst>
+            <pc:docMk/>
+            <pc:sldMk cId="67912059" sldId="279"/>
+            <ac:spMk id="2" creationId="{F580BCA4-E198-4B19-93D4-418964B64B91}"/>
+          </ac:spMkLst>
+        </pc:spChg>
+        <pc:spChg chg="add del">
+          <ac:chgData name="Jason Knight" userId="03bbb8e5a6d6338b" providerId="LiveId" clId="{B639CA35-2A81-4735-BACE-C483C6477DD6}" dt="2021-11-08T06:50:15.642" v="2174" actId="26606"/>
+          <ac:spMkLst>
+            <pc:docMk/>
+            <pc:sldMk cId="67912059" sldId="279"/>
+            <ac:spMk id="3" creationId="{DA49432B-C2E3-48C1-96DE-B778188D43DC}"/>
+          </ac:spMkLst>
+        </pc:spChg>
+        <pc:spChg chg="mod topLvl">
+          <ac:chgData name="Jason Knight" userId="03bbb8e5a6d6338b" providerId="LiveId" clId="{B639CA35-2A81-4735-BACE-C483C6477DD6}" dt="2021-11-08T06:50:39.082" v="2176" actId="165"/>
+          <ac:spMkLst>
+            <pc:docMk/>
+            <pc:sldMk cId="67912059" sldId="279"/>
+            <ac:spMk id="6" creationId="{19D6750A-9CE4-449F-8CA1-3ABE76450FB6}"/>
+          </ac:spMkLst>
+        </pc:spChg>
+        <pc:spChg chg="mod topLvl">
+          <ac:chgData name="Jason Knight" userId="03bbb8e5a6d6338b" providerId="LiveId" clId="{B639CA35-2A81-4735-BACE-C483C6477DD6}" dt="2021-11-08T06:50:39.082" v="2176" actId="165"/>
+          <ac:spMkLst>
+            <pc:docMk/>
+            <pc:sldMk cId="67912059" sldId="279"/>
+            <ac:spMk id="7" creationId="{B9827BBE-D31D-41FF-8C4E-41407E6F4C25}"/>
+          </ac:spMkLst>
+        </pc:spChg>
+        <pc:spChg chg="mod topLvl">
+          <ac:chgData name="Jason Knight" userId="03bbb8e5a6d6338b" providerId="LiveId" clId="{B639CA35-2A81-4735-BACE-C483C6477DD6}" dt="2021-11-08T06:50:39.082" v="2176" actId="165"/>
+          <ac:spMkLst>
+            <pc:docMk/>
+            <pc:sldMk cId="67912059" sldId="279"/>
+            <ac:spMk id="8" creationId="{3B2D9A3E-322D-4590-B403-28C98078FC4E}"/>
+          </ac:spMkLst>
+        </pc:spChg>
+        <pc:spChg chg="mod topLvl">
+          <ac:chgData name="Jason Knight" userId="03bbb8e5a6d6338b" providerId="LiveId" clId="{B639CA35-2A81-4735-BACE-C483C6477DD6}" dt="2021-11-08T06:50:39.082" v="2176" actId="165"/>
+          <ac:spMkLst>
+            <pc:docMk/>
+            <pc:sldMk cId="67912059" sldId="279"/>
+            <ac:spMk id="10" creationId="{A2AF487A-0F8E-4562-84AB-DD7FABE51356}"/>
+          </ac:spMkLst>
+        </pc:spChg>
+        <pc:spChg chg="mod topLvl">
+          <ac:chgData name="Jason Knight" userId="03bbb8e5a6d6338b" providerId="LiveId" clId="{B639CA35-2A81-4735-BACE-C483C6477DD6}" dt="2021-11-08T06:50:39.082" v="2176" actId="165"/>
+          <ac:spMkLst>
+            <pc:docMk/>
+            <pc:sldMk cId="67912059" sldId="279"/>
+            <ac:spMk id="13" creationId="{96C23B30-31C9-4A1C-A08D-C5DE8F825F34}"/>
+          </ac:spMkLst>
+        </pc:spChg>
+        <pc:spChg chg="mod topLvl">
+          <ac:chgData name="Jason Knight" userId="03bbb8e5a6d6338b" providerId="LiveId" clId="{B639CA35-2A81-4735-BACE-C483C6477DD6}" dt="2021-11-08T06:50:39.082" v="2176" actId="165"/>
+          <ac:spMkLst>
+            <pc:docMk/>
+            <pc:sldMk cId="67912059" sldId="279"/>
+            <ac:spMk id="16" creationId="{5342F0C9-4DFF-4E57-A46C-1297D97EB1BA}"/>
+          </ac:spMkLst>
+        </pc:spChg>
+        <pc:grpChg chg="del mod">
+          <ac:chgData name="Jason Knight" userId="03bbb8e5a6d6338b" providerId="LiveId" clId="{B639CA35-2A81-4735-BACE-C483C6477DD6}" dt="2021-11-08T06:50:39.082" v="2176" actId="165"/>
+          <ac:grpSpMkLst>
+            <pc:docMk/>
+            <pc:sldMk cId="67912059" sldId="279"/>
+            <ac:grpSpMk id="4" creationId="{41BE9F9E-B6BD-4F8F-AD08-D4741D19033E}"/>
+          </ac:grpSpMkLst>
+        </pc:grpChg>
+        <pc:graphicFrameChg chg="add del">
+          <ac:chgData name="Jason Knight" userId="03bbb8e5a6d6338b" providerId="LiveId" clId="{B639CA35-2A81-4735-BACE-C483C6477DD6}" dt="2021-11-08T06:50:13.672" v="2171" actId="26606"/>
+          <ac:graphicFrameMkLst>
+            <pc:docMk/>
+            <pc:sldMk cId="67912059" sldId="279"/>
+            <ac:graphicFrameMk id="5" creationId="{827EC4F2-C2B0-46A1-BC70-C05108DF27F4}"/>
+          </ac:graphicFrameMkLst>
+        </pc:graphicFrameChg>
+        <pc:graphicFrameChg chg="add del">
+          <ac:chgData name="Jason Knight" userId="03bbb8e5a6d6338b" providerId="LiveId" clId="{B639CA35-2A81-4735-BACE-C483C6477DD6}" dt="2021-11-08T06:50:15.593" v="2173" actId="26606"/>
+          <ac:graphicFrameMkLst>
+            <pc:docMk/>
+            <pc:sldMk cId="67912059" sldId="279"/>
+            <ac:graphicFrameMk id="12" creationId="{A24AC466-0396-4839-A847-7A71AF4ABC59}"/>
+          </ac:graphicFrameMkLst>
+        </pc:graphicFrameChg>
+        <pc:graphicFrameChg chg="add del">
+          <ac:chgData name="Jason Knight" userId="03bbb8e5a6d6338b" providerId="LiveId" clId="{B639CA35-2A81-4735-BACE-C483C6477DD6}" dt="2021-11-08T06:50:32.933" v="2175" actId="18245"/>
+          <ac:graphicFrameMkLst>
+            <pc:docMk/>
+            <pc:sldMk cId="67912059" sldId="279"/>
+            <ac:graphicFrameMk id="15" creationId="{827EC4F2-C2B0-46A1-BC70-C05108DF27F4}"/>
+          </ac:graphicFrameMkLst>
+        </pc:graphicFrameChg>
+        <pc:picChg chg="add del">
+          <ac:chgData name="Jason Knight" userId="03bbb8e5a6d6338b" providerId="LiveId" clId="{B639CA35-2A81-4735-BACE-C483C6477DD6}" dt="2021-11-08T06:50:13.672" v="2171" actId="26606"/>
+          <ac:picMkLst>
+            <pc:docMk/>
+            <pc:sldMk cId="67912059" sldId="279"/>
+            <ac:picMk id="9" creationId="{82AABC82-C2D1-4340-A6DF-6E73DF06FCAC}"/>
+          </ac:picMkLst>
+        </pc:picChg>
+        <pc:picChg chg="add del">
+          <ac:chgData name="Jason Knight" userId="03bbb8e5a6d6338b" providerId="LiveId" clId="{B639CA35-2A81-4735-BACE-C483C6477DD6}" dt="2021-11-08T06:50:15.593" v="2173" actId="26606"/>
+          <ac:picMkLst>
+            <pc:docMk/>
+            <pc:sldMk cId="67912059" sldId="279"/>
+            <ac:picMk id="11" creationId="{82AABC82-C2D1-4340-A6DF-6E73DF06FCAC}"/>
+          </ac:picMkLst>
+        </pc:picChg>
+        <pc:picChg chg="add">
+          <ac:chgData name="Jason Knight" userId="03bbb8e5a6d6338b" providerId="LiveId" clId="{B639CA35-2A81-4735-BACE-C483C6477DD6}" dt="2021-11-08T06:50:15.642" v="2174" actId="26606"/>
+          <ac:picMkLst>
+            <pc:docMk/>
+            <pc:sldMk cId="67912059" sldId="279"/>
+            <ac:picMk id="14" creationId="{82AABC82-C2D1-4340-A6DF-6E73DF06FCAC}"/>
+          </ac:picMkLst>
+        </pc:picChg>
+        <pc:picChg chg="add mod">
+          <ac:chgData name="Jason Knight" userId="03bbb8e5a6d6338b" providerId="LiveId" clId="{B639CA35-2A81-4735-BACE-C483C6477DD6}" dt="2021-11-08T06:54:15.708" v="2201" actId="1076"/>
+          <ac:picMkLst>
+            <pc:docMk/>
+            <pc:sldMk cId="67912059" sldId="279"/>
+            <ac:picMk id="3074" creationId="{54DE1EF0-B0A2-44BE-92C9-8E6A350F38B8}"/>
+          </ac:picMkLst>
+        </pc:picChg>
+        <pc:picChg chg="add mod">
+          <ac:chgData name="Jason Knight" userId="03bbb8e5a6d6338b" providerId="LiveId" clId="{B639CA35-2A81-4735-BACE-C483C6477DD6}" dt="2021-11-08T06:54:15.708" v="2201" actId="1076"/>
+          <ac:picMkLst>
+            <pc:docMk/>
+            <pc:sldMk cId="67912059" sldId="279"/>
+            <ac:picMk id="3076" creationId="{EAAE5FBE-AFB7-4CCC-8ACE-98DE2231C6E2}"/>
+          </ac:picMkLst>
+        </pc:picChg>
+      </pc:sldChg>
+      <pc:sldChg chg="addSp delSp modSp mod setBg modAnim setClrOvrMap">
+        <pc:chgData name="Jason Knight" userId="03bbb8e5a6d6338b" providerId="LiveId" clId="{B639CA35-2A81-4735-BACE-C483C6477DD6}" dt="2021-11-08T07:04:40.264" v="2323"/>
+        <pc:sldMkLst>
+          <pc:docMk/>
+          <pc:sldMk cId="996669767" sldId="280"/>
+        </pc:sldMkLst>
+        <pc:spChg chg="mod">
+          <ac:chgData name="Jason Knight" userId="03bbb8e5a6d6338b" providerId="LiveId" clId="{B639CA35-2A81-4735-BACE-C483C6477DD6}" dt="2021-11-08T07:04:07.593" v="2319" actId="403"/>
+          <ac:spMkLst>
+            <pc:docMk/>
+            <pc:sldMk cId="996669767" sldId="280"/>
+            <ac:spMk id="2" creationId="{47416CB0-E44B-4B52-861C-80A13A2E598E}"/>
+          </ac:spMkLst>
+        </pc:spChg>
+        <pc:spChg chg="add del mod ord">
+          <ac:chgData name="Jason Knight" userId="03bbb8e5a6d6338b" providerId="LiveId" clId="{B639CA35-2A81-4735-BACE-C483C6477DD6}" dt="2021-11-08T07:03:35.161" v="2311" actId="14100"/>
+          <ac:spMkLst>
+            <pc:docMk/>
+            <pc:sldMk cId="996669767" sldId="280"/>
+            <ac:spMk id="3" creationId="{F8B7C5E8-94F6-4A3F-A3FA-B78ACBC8A613}"/>
+          </ac:spMkLst>
+        </pc:spChg>
+        <pc:spChg chg="add">
+          <ac:chgData name="Jason Knight" userId="03bbb8e5a6d6338b" providerId="LiveId" clId="{B639CA35-2A81-4735-BACE-C483C6477DD6}" dt="2021-11-08T07:03:13.111" v="2305" actId="26606"/>
+          <ac:spMkLst>
+            <pc:docMk/>
+            <pc:sldMk cId="996669767" sldId="280"/>
+            <ac:spMk id="4102" creationId="{95CB840F-8E41-4CA5-B79B-25CC80AD234A}"/>
+          </ac:spMkLst>
+        </pc:spChg>
+        <pc:picChg chg="add del">
+          <ac:chgData name="Jason Knight" userId="03bbb8e5a6d6338b" providerId="LiveId" clId="{B639CA35-2A81-4735-BACE-C483C6477DD6}" dt="2021-11-08T07:03:13.105" v="2304" actId="26606"/>
+          <ac:picMkLst>
+            <pc:docMk/>
+            <pc:sldMk cId="996669767" sldId="280"/>
+            <ac:picMk id="73" creationId="{C115FFBB-C8EA-4BA2-A5DD-FE37795051B2}"/>
+          </ac:picMkLst>
+        </pc:picChg>
+        <pc:picChg chg="add del mod">
+          <ac:chgData name="Jason Knight" userId="03bbb8e5a6d6338b" providerId="LiveId" clId="{B639CA35-2A81-4735-BACE-C483C6477DD6}" dt="2021-11-08T07:01:47.691" v="2215"/>
+          <ac:picMkLst>
+            <pc:docMk/>
+            <pc:sldMk cId="996669767" sldId="280"/>
+            <ac:picMk id="4098" creationId="{F859FF76-3CBA-4AA0-8721-8D99F76D4F1A}"/>
+          </ac:picMkLst>
+        </pc:picChg>
+        <pc:picChg chg="add mod">
+          <ac:chgData name="Jason Knight" userId="03bbb8e5a6d6338b" providerId="LiveId" clId="{B639CA35-2A81-4735-BACE-C483C6477DD6}" dt="2021-11-08T07:03:13.111" v="2305" actId="26606"/>
+          <ac:picMkLst>
+            <pc:docMk/>
+            <pc:sldMk cId="996669767" sldId="280"/>
+            <ac:picMk id="4100" creationId="{10C00607-BB8C-4FE6-8C66-9C4B44315609}"/>
           </ac:picMkLst>
         </pc:picChg>
       </pc:sldChg>
@@ -956,6 +1256,21 @@
             <ac:picMk id="2050" creationId="{32154284-FAD4-4FE4-8E91-0EC19A974A33}"/>
           </ac:picMkLst>
         </pc:picChg>
+      </pc:sldChg>
+      <pc:sldChg chg="modSp mod modAnim modNotesTx">
+        <pc:chgData name="Jason Knight" userId="03bbb8e5a6d6338b" providerId="LiveId" clId="{B639CA35-2A81-4735-BACE-C483C6477DD6}" dt="2021-11-08T06:42:43.741" v="1976" actId="6549"/>
+        <pc:sldMkLst>
+          <pc:docMk/>
+          <pc:sldMk cId="1851193726" sldId="291"/>
+        </pc:sldMkLst>
+        <pc:spChg chg="mod">
+          <ac:chgData name="Jason Knight" userId="03bbb8e5a6d6338b" providerId="LiveId" clId="{B639CA35-2A81-4735-BACE-C483C6477DD6}" dt="2021-11-08T06:42:23.764" v="1973" actId="115"/>
+          <ac:spMkLst>
+            <pc:docMk/>
+            <pc:sldMk cId="1851193726" sldId="291"/>
+            <ac:spMk id="3" creationId="{DA1905AA-3677-43A9-BD73-9460B5DC329C}"/>
+          </ac:spMkLst>
+        </pc:spChg>
       </pc:sldChg>
       <pc:sldChg chg="modSp add mod modAnim modNotesTx">
         <pc:chgData name="Jason Knight" userId="03bbb8e5a6d6338b" providerId="LiveId" clId="{B639CA35-2A81-4735-BACE-C483C6477DD6}" dt="2021-11-08T05:17:42.944" v="521"/>
@@ -20694,7 +21009,7 @@
           <a:p>
             <a:fld id="{C0E8421C-D79E-404A-8756-EFE444359DB6}" type="datetimeFigureOut">
               <a:rPr lang="en-US" smtClean="0"/>
-              <a:t>11/7/2021</a:t>
+              <a:t>11/8/2021</a:t>
             </a:fld>
             <a:endParaRPr lang="en-US"/>
           </a:p>
@@ -24606,24 +24921,6 @@
             </a:r>
           </a:p>
           <a:p>
-            <a:endParaRPr lang="en-US" b="0" dirty="0">
-              <a:solidFill>
-                <a:srgbClr val="D4D4D4"/>
-              </a:solidFill>
-              <a:effectLst/>
-              <a:latin typeface="Consolas" panose="020B0609020204030204" pitchFamily="49" charset="0"/>
-            </a:endParaRPr>
-          </a:p>
-          <a:p>
-            <a:endParaRPr lang="en-US" b="0" dirty="0">
-              <a:solidFill>
-                <a:srgbClr val="D4D4D4"/>
-              </a:solidFill>
-              <a:effectLst/>
-              <a:latin typeface="Consolas" panose="020B0609020204030204" pitchFamily="49" charset="0"/>
-            </a:endParaRPr>
-          </a:p>
-          <a:p>
             <a:br>
               <a:rPr lang="en-US" b="0" dirty="0">
                 <a:solidFill>
@@ -28356,7 +28653,7 @@
           <a:p>
             <a:fld id="{97A3E656-5293-4F7C-A8C3-EB5D1D92E80E}" type="datetimeFigureOut">
               <a:rPr lang="en-US" smtClean="0"/>
-              <a:t>11/7/2021</a:t>
+              <a:t>11/8/2021</a:t>
             </a:fld>
             <a:endParaRPr lang="en-US"/>
           </a:p>
@@ -28654,7 +28951,7 @@
           <a:p>
             <a:fld id="{97A3E656-5293-4F7C-A8C3-EB5D1D92E80E}" type="datetimeFigureOut">
               <a:rPr lang="en-US" smtClean="0"/>
-              <a:t>11/7/2021</a:t>
+              <a:t>11/8/2021</a:t>
             </a:fld>
             <a:endParaRPr lang="en-US"/>
           </a:p>
@@ -28846,7 +29143,7 @@
           <a:p>
             <a:fld id="{97A3E656-5293-4F7C-A8C3-EB5D1D92E80E}" type="datetimeFigureOut">
               <a:rPr lang="en-US" smtClean="0"/>
-              <a:t>11/7/2021</a:t>
+              <a:t>11/8/2021</a:t>
             </a:fld>
             <a:endParaRPr lang="en-US"/>
           </a:p>
@@ -29107,7 +29404,7 @@
           <a:p>
             <a:fld id="{97A3E656-5293-4F7C-A8C3-EB5D1D92E80E}" type="datetimeFigureOut">
               <a:rPr lang="en-US" smtClean="0"/>
-              <a:t>11/7/2021</a:t>
+              <a:t>11/8/2021</a:t>
             </a:fld>
             <a:endParaRPr lang="en-US"/>
           </a:p>
@@ -29531,7 +29828,7 @@
           <a:p>
             <a:fld id="{97A3E656-5293-4F7C-A8C3-EB5D1D92E80E}" type="datetimeFigureOut">
               <a:rPr lang="en-US" smtClean="0"/>
-              <a:t>11/7/2021</a:t>
+              <a:t>11/8/2021</a:t>
             </a:fld>
             <a:endParaRPr lang="en-US"/>
           </a:p>
@@ -30068,7 +30365,7 @@
           <a:p>
             <a:fld id="{97A3E656-5293-4F7C-A8C3-EB5D1D92E80E}" type="datetimeFigureOut">
               <a:rPr lang="en-US" smtClean="0"/>
-              <a:t>11/7/2021</a:t>
+              <a:t>11/8/2021</a:t>
             </a:fld>
             <a:endParaRPr lang="en-US"/>
           </a:p>
@@ -30932,7 +31229,7 @@
           <a:p>
             <a:fld id="{97A3E656-5293-4F7C-A8C3-EB5D1D92E80E}" type="datetimeFigureOut">
               <a:rPr lang="en-US" smtClean="0"/>
-              <a:t>11/7/2021</a:t>
+              <a:t>11/8/2021</a:t>
             </a:fld>
             <a:endParaRPr lang="en-US"/>
           </a:p>
@@ -31102,7 +31399,7 @@
           <a:p>
             <a:fld id="{97A3E656-5293-4F7C-A8C3-EB5D1D92E80E}" type="datetimeFigureOut">
               <a:rPr lang="en-US" smtClean="0"/>
-              <a:t>11/7/2021</a:t>
+              <a:t>11/8/2021</a:t>
             </a:fld>
             <a:endParaRPr lang="en-US"/>
           </a:p>
@@ -31286,7 +31583,7 @@
           <a:p>
             <a:fld id="{97A3E656-5293-4F7C-A8C3-EB5D1D92E80E}" type="datetimeFigureOut">
               <a:rPr lang="en-US" smtClean="0"/>
-              <a:t>11/7/2021</a:t>
+              <a:t>11/8/2021</a:t>
             </a:fld>
             <a:endParaRPr lang="en-US"/>
           </a:p>
@@ -31456,7 +31753,7 @@
           <a:p>
             <a:fld id="{97A3E656-5293-4F7C-A8C3-EB5D1D92E80E}" type="datetimeFigureOut">
               <a:rPr lang="en-US" smtClean="0"/>
-              <a:t>11/7/2021</a:t>
+              <a:t>11/8/2021</a:t>
             </a:fld>
             <a:endParaRPr lang="en-US"/>
           </a:p>
@@ -31700,7 +31997,7 @@
           <a:p>
             <a:fld id="{97A3E656-5293-4F7C-A8C3-EB5D1D92E80E}" type="datetimeFigureOut">
               <a:rPr lang="en-US" smtClean="0"/>
-              <a:t>11/7/2021</a:t>
+              <a:t>11/8/2021</a:t>
             </a:fld>
             <a:endParaRPr lang="en-US"/>
           </a:p>
@@ -31936,7 +32233,7 @@
           <a:p>
             <a:fld id="{97A3E656-5293-4F7C-A8C3-EB5D1D92E80E}" type="datetimeFigureOut">
               <a:rPr lang="en-US" smtClean="0"/>
-              <a:t>11/7/2021</a:t>
+              <a:t>11/8/2021</a:t>
             </a:fld>
             <a:endParaRPr lang="en-US"/>
           </a:p>
@@ -32402,7 +32699,7 @@
           <a:p>
             <a:fld id="{97A3E656-5293-4F7C-A8C3-EB5D1D92E80E}" type="datetimeFigureOut">
               <a:rPr lang="en-US" smtClean="0"/>
-              <a:t>11/7/2021</a:t>
+              <a:t>11/8/2021</a:t>
             </a:fld>
             <a:endParaRPr lang="en-US"/>
           </a:p>
@@ -32520,7 +32817,7 @@
           <a:p>
             <a:fld id="{97A3E656-5293-4F7C-A8C3-EB5D1D92E80E}" type="datetimeFigureOut">
               <a:rPr lang="en-US" smtClean="0"/>
-              <a:t>11/7/2021</a:t>
+              <a:t>11/8/2021</a:t>
             </a:fld>
             <a:endParaRPr lang="en-US"/>
           </a:p>
@@ -32615,7 +32912,7 @@
           <a:p>
             <a:fld id="{97A3E656-5293-4F7C-A8C3-EB5D1D92E80E}" type="datetimeFigureOut">
               <a:rPr lang="en-US" smtClean="0"/>
-              <a:t>11/7/2021</a:t>
+              <a:t>11/8/2021</a:t>
             </a:fld>
             <a:endParaRPr lang="en-US"/>
           </a:p>
@@ -32870,7 +33167,7 @@
           <a:p>
             <a:fld id="{97A3E656-5293-4F7C-A8C3-EB5D1D92E80E}" type="datetimeFigureOut">
               <a:rPr lang="en-US" smtClean="0"/>
-              <a:t>11/7/2021</a:t>
+              <a:t>11/8/2021</a:t>
             </a:fld>
             <a:endParaRPr lang="en-US"/>
           </a:p>
@@ -33170,7 +33467,7 @@
           <a:p>
             <a:fld id="{97A3E656-5293-4F7C-A8C3-EB5D1D92E80E}" type="datetimeFigureOut">
               <a:rPr lang="en-US" smtClean="0"/>
-              <a:t>11/7/2021</a:t>
+              <a:t>11/8/2021</a:t>
             </a:fld>
             <a:endParaRPr lang="en-US"/>
           </a:p>
@@ -33404,7 +33701,7 @@
           <a:p>
             <a:fld id="{97A3E656-5293-4F7C-A8C3-EB5D1D92E80E}" type="datetimeFigureOut">
               <a:rPr lang="en-US" smtClean="0"/>
-              <a:t>11/7/2021</a:t>
+              <a:t>11/8/2021</a:t>
             </a:fld>
             <a:endParaRPr lang="en-US"/>
           </a:p>
@@ -42668,6 +42965,25 @@
 <file path=ppt/slides/slide24.xml><?xml version="1.0" encoding="utf-8"?>
 <p:sld xmlns:a="http://schemas.openxmlformats.org/drawingml/2006/main" xmlns:r="http://schemas.openxmlformats.org/officeDocument/2006/relationships" xmlns:p="http://schemas.openxmlformats.org/presentationml/2006/main">
   <p:cSld>
+    <p:bg>
+      <p:bgPr>
+        <a:blipFill rotWithShape="1">
+          <a:blip r:embed="rId3">
+            <a:duotone>
+              <a:schemeClr val="bg2">
+                <a:shade val="80000"/>
+                <a:lumMod val="80000"/>
+              </a:schemeClr>
+              <a:schemeClr val="bg2">
+                <a:tint val="98000"/>
+              </a:schemeClr>
+            </a:duotone>
+          </a:blip>
+          <a:stretch/>
+        </a:blipFill>
+        <a:effectLst/>
+      </p:bgPr>
+    </p:bg>
     <p:spTree>
       <p:nvGrpSpPr>
         <p:cNvPr id="1" name=""/>
@@ -42698,13 +43014,25 @@
             <p:ph type="title"/>
           </p:nvPr>
         </p:nvSpPr>
-        <p:spPr/>
+        <p:spPr>
+          <a:xfrm>
+            <a:off x="913795" y="609600"/>
+            <a:ext cx="5978072" cy="970450"/>
+          </a:xfrm>
+        </p:spPr>
         <p:txBody>
-          <a:bodyPr/>
+          <a:bodyPr>
+            <a:normAutofit/>
+          </a:bodyPr>
           <a:lstStyle/>
           <a:p>
-            <a:r>
-              <a:rPr lang="en-US" dirty="0"/>
+            <a:pPr>
+              <a:lnSpc>
+                <a:spcPct val="90000"/>
+              </a:lnSpc>
+            </a:pPr>
+            <a:r>
+              <a:rPr lang="en-US" sz="3100"/>
               <a:t>The Sustaining of Continuous Improvement</a:t>
             </a:r>
           </a:p>
@@ -42712,10 +43040,10 @@
       </p:sp>
       <p:sp>
         <p:nvSpPr>
-          <p:cNvPr id="3" name="Content Placeholder 2">
+          <p:cNvPr id="9" name="Content Placeholder 8">
             <a:extLst>
               <a:ext uri="{FF2B5EF4-FFF2-40B4-BE49-F238E27FC236}">
-                <a16:creationId xmlns:a16="http://schemas.microsoft.com/office/drawing/2014/main" id="{02357D12-5517-4C60-A2A3-1A8E670CC96D}"/>
+                <a16:creationId xmlns:a16="http://schemas.microsoft.com/office/drawing/2014/main" id="{59A15612-B627-4CE4-B765-067FB311572F}"/>
               </a:ext>
             </a:extLst>
           </p:cNvPr>
@@ -42726,15 +43054,141 @@
             <p:ph idx="1"/>
           </p:nvPr>
         </p:nvSpPr>
-        <p:spPr/>
+        <p:spPr>
+          <a:xfrm>
+            <a:off x="913795" y="1828801"/>
+            <a:ext cx="5978072" cy="3866048"/>
+          </a:xfrm>
+        </p:spPr>
         <p:txBody>
-          <a:bodyPr/>
+          <a:bodyPr anchor="ctr">
+            <a:normAutofit/>
+          </a:bodyPr>
           <a:lstStyle/>
           <a:p>
-            <a:endParaRPr lang="en-US"/>
+            <a:pPr marL="36900" indent="0">
+              <a:buClr>
+                <a:srgbClr val="D5502F"/>
+              </a:buClr>
+              <a:buNone/>
+            </a:pPr>
+            <a:r>
+              <a:rPr lang="en-US" sz="3200" dirty="0"/>
+              <a:t>Now that you’ve seen ways  to kill continuous improvement…</a:t>
+            </a:r>
+          </a:p>
+          <a:p>
+            <a:pPr marL="36900" indent="0">
+              <a:buClr>
+                <a:srgbClr val="D5502F"/>
+              </a:buClr>
+              <a:buNone/>
+            </a:pPr>
+            <a:endParaRPr lang="en-US" sz="3200" dirty="0"/>
+          </a:p>
+          <a:p>
+            <a:pPr marL="36900" indent="0">
+              <a:buClr>
+                <a:srgbClr val="D5502F"/>
+              </a:buClr>
+              <a:buNone/>
+            </a:pPr>
+            <a:r>
+              <a:rPr lang="en-US" sz="3200" dirty="0"/>
+              <a:t>…what can be done to nurture and sustain it?</a:t>
+            </a:r>
           </a:p>
         </p:txBody>
       </p:sp>
+      <p:pic>
+        <p:nvPicPr>
+          <p:cNvPr id="1026" name="Picture 2" descr="What Do Baby Turtles Eat? Baby Turtle Food | Baby tortoise, Cute baby  turtles, Baby turtles">
+            <a:extLst>
+              <a:ext uri="{FF2B5EF4-FFF2-40B4-BE49-F238E27FC236}">
+                <a16:creationId xmlns:a16="http://schemas.microsoft.com/office/drawing/2014/main" id="{66A44400-A5BF-4F00-B87F-0A9DA2A4D27B}"/>
+              </a:ext>
+            </a:extLst>
+          </p:cNvPr>
+          <p:cNvPicPr>
+            <a:picLocks noChangeAspect="1" noChangeArrowheads="1"/>
+          </p:cNvPicPr>
+          <p:nvPr/>
+        </p:nvPicPr>
+        <p:blipFill rotWithShape="1">
+          <a:blip r:embed="rId4">
+            <a:extLst>
+              <a:ext uri="{28A0092B-C50C-407E-A947-70E740481C1C}">
+                <a14:useLocalDpi xmlns:a14="http://schemas.microsoft.com/office/drawing/2010/main" val="0"/>
+              </a:ext>
+            </a:extLst>
+          </a:blip>
+          <a:srcRect l="16404" r="39266"/>
+          <a:stretch/>
+        </p:blipFill>
+        <p:spPr bwMode="auto">
+          <a:xfrm>
+            <a:off x="7620351" y="10"/>
+            <a:ext cx="4571649" cy="6857990"/>
+          </a:xfrm>
+          <a:prstGeom prst="rect">
+            <a:avLst/>
+          </a:prstGeom>
+          <a:noFill/>
+          <a:extLst>
+            <a:ext uri="{909E8E84-426E-40DD-AFC4-6F175D3DCCD1}">
+              <a14:hiddenFill xmlns:a14="http://schemas.microsoft.com/office/drawing/2010/main">
+                <a:solidFill>
+                  <a:srgbClr val="FFFFFF"/>
+                </a:solidFill>
+              </a14:hiddenFill>
+            </a:ext>
+          </a:extLst>
+        </p:spPr>
+      </p:pic>
+      <p:pic>
+        <p:nvPicPr>
+          <p:cNvPr id="71" name="Picture 70">
+            <a:extLst>
+              <a:ext uri="{FF2B5EF4-FFF2-40B4-BE49-F238E27FC236}">
+                <a16:creationId xmlns:a16="http://schemas.microsoft.com/office/drawing/2014/main" id="{E0BE7827-5B1A-4F37-BF70-19F7C5C6BDEB}"/>
+              </a:ext>
+              <a:ext uri="{C183D7F6-B498-43B3-948B-1728B52AA6E4}">
+                <adec:decorative xmlns:adec="http://schemas.microsoft.com/office/drawing/2017/decorative" val="1"/>
+              </a:ext>
+            </a:extLst>
+          </p:cNvPr>
+          <p:cNvPicPr>
+            <a:picLocks noGrp="1" noRot="1" noChangeAspect="1" noMove="1" noResize="1" noEditPoints="1" noAdjustHandles="1" noChangeArrowheads="1" noChangeShapeType="1" noCrop="1"/>
+          </p:cNvPicPr>
+          <p:nvPr>
+            <p:extLst>
+              <p:ext uri="{386F3935-93C4-4BCD-93E2-E3B085C9AB24}">
+                <p16:designElem xmlns:p16="http://schemas.microsoft.com/office/powerpoint/2015/main" val="1"/>
+              </p:ext>
+            </p:extLst>
+          </p:nvPr>
+        </p:nvPicPr>
+        <p:blipFill rotWithShape="1">
+          <a:blip r:embed="rId5">
+            <a:extLst>
+              <a:ext uri="{28A0092B-C50C-407E-A947-70E740481C1C}">
+                <a14:useLocalDpi xmlns:a14="http://schemas.microsoft.com/office/drawing/2010/main" val="0"/>
+              </a:ext>
+            </a:extLst>
+          </a:blip>
+          <a:srcRect t="964" r="2807" b="1446"/>
+          <a:stretch/>
+        </p:blipFill>
+        <p:spPr>
+          <a:xfrm>
+            <a:off x="7501468" y="1"/>
+            <a:ext cx="4690532" cy="6858000"/>
+          </a:xfrm>
+          <a:prstGeom prst="rect">
+            <a:avLst/>
+          </a:prstGeom>
+        </p:spPr>
+      </p:pic>
     </p:spTree>
     <p:extLst>
       <p:ext uri="{BB962C8B-B14F-4D97-AF65-F5344CB8AC3E}">
@@ -42745,6 +43199,97 @@
   <p:clrMapOvr>
     <a:masterClrMapping/>
   </p:clrMapOvr>
+  <p:timing>
+    <p:tnLst>
+      <p:par>
+        <p:cTn id="1" dur="indefinite" restart="never" nodeType="tmRoot">
+          <p:childTnLst>
+            <p:seq concurrent="1" nextAc="seek">
+              <p:cTn id="2" dur="indefinite" nodeType="mainSeq">
+                <p:childTnLst>
+                  <p:par>
+                    <p:cTn id="3" fill="hold">
+                      <p:stCondLst>
+                        <p:cond delay="indefinite"/>
+                      </p:stCondLst>
+                      <p:childTnLst>
+                        <p:par>
+                          <p:cTn id="4" fill="hold">
+                            <p:stCondLst>
+                              <p:cond delay="0"/>
+                            </p:stCondLst>
+                            <p:childTnLst>
+                              <p:par>
+                                <p:cTn id="5" presetID="10" presetClass="entr" presetSubtype="0" fill="hold" nodeType="clickEffect">
+                                  <p:stCondLst>
+                                    <p:cond delay="0"/>
+                                  </p:stCondLst>
+                                  <p:childTnLst>
+                                    <p:set>
+                                      <p:cBhvr>
+                                        <p:cTn id="6" dur="1" fill="hold">
+                                          <p:stCondLst>
+                                            <p:cond delay="0"/>
+                                          </p:stCondLst>
+                                        </p:cTn>
+                                        <p:tgtEl>
+                                          <p:spTgt spid="9">
+                                            <p:txEl>
+                                              <p:pRg st="2" end="2"/>
+                                            </p:txEl>
+                                          </p:spTgt>
+                                        </p:tgtEl>
+                                        <p:attrNameLst>
+                                          <p:attrName>style.visibility</p:attrName>
+                                        </p:attrNameLst>
+                                      </p:cBhvr>
+                                      <p:to>
+                                        <p:strVal val="visible"/>
+                                      </p:to>
+                                    </p:set>
+                                    <p:animEffect transition="in" filter="fade">
+                                      <p:cBhvr>
+                                        <p:cTn id="7" dur="500"/>
+                                        <p:tgtEl>
+                                          <p:spTgt spid="9">
+                                            <p:txEl>
+                                              <p:pRg st="2" end="2"/>
+                                            </p:txEl>
+                                          </p:spTgt>
+                                        </p:tgtEl>
+                                      </p:cBhvr>
+                                    </p:animEffect>
+                                  </p:childTnLst>
+                                </p:cTn>
+                              </p:par>
+                            </p:childTnLst>
+                          </p:cTn>
+                        </p:par>
+                      </p:childTnLst>
+                    </p:cTn>
+                  </p:par>
+                </p:childTnLst>
+              </p:cTn>
+              <p:prevCondLst>
+                <p:cond evt="onPrev" delay="0">
+                  <p:tgtEl>
+                    <p:sldTgt/>
+                  </p:tgtEl>
+                </p:cond>
+              </p:prevCondLst>
+              <p:nextCondLst>
+                <p:cond evt="onNext" delay="0">
+                  <p:tgtEl>
+                    <p:sldTgt/>
+                  </p:tgtEl>
+                </p:cond>
+              </p:nextCondLst>
+            </p:seq>
+          </p:childTnLst>
+        </p:cTn>
+      </p:par>
+    </p:tnLst>
+  </p:timing>
 </p:sld>
 </file>
 
@@ -42811,15 +43356,33 @@
         </p:nvSpPr>
         <p:spPr/>
         <p:txBody>
-          <a:bodyPr anchor="ctr"/>
+          <a:bodyPr anchor="ctr">
+            <a:normAutofit/>
+          </a:bodyPr>
           <a:lstStyle/>
           <a:p>
             <a:pPr marL="0" indent="0" algn="ctr">
               <a:buNone/>
             </a:pPr>
             <a:r>
-              <a:rPr lang="en-US" dirty="0"/>
-              <a:t>“The best test, and difficult to administer, is: Do those served grow as persons? Do they, while being served, become healthier, wiser, freer, more autonomous, more likely themselves to become servants? And, what is the effect on the least privileged in society; will they benefit, or, at least, not be further deprived?”</a:t>
+              <a:rPr lang="en-US" sz="3600" dirty="0"/>
+              <a:t>“</a:t>
+            </a:r>
+            <a:r>
+              <a:rPr lang="en-US" sz="3600" b="1" u="sng" dirty="0"/>
+              <a:t>The best test</a:t>
+            </a:r>
+            <a:r>
+              <a:rPr lang="en-US" sz="3600" dirty="0"/>
+              <a:t>, and difficult to administer, is: Do those served grow as persons? Do they, while being served, become healthier, wiser, freer, more autonomous, </a:t>
+            </a:r>
+            <a:r>
+              <a:rPr lang="en-US" sz="3600" b="1" u="sng" dirty="0"/>
+              <a:t>more likely themselves to become servants</a:t>
+            </a:r>
+            <a:r>
+              <a:rPr lang="en-US" sz="3600" dirty="0"/>
+              <a:t>? And, what is the effect on the least privileged in society; will they benefit, or, at least, not be further deprived?”</a:t>
             </a:r>
           </a:p>
         </p:txBody>
@@ -42834,12 +43397,122 @@
   <p:clrMapOvr>
     <a:masterClrMapping/>
   </p:clrMapOvr>
+  <p:timing>
+    <p:tnLst>
+      <p:par>
+        <p:cTn id="1" dur="indefinite" restart="never" nodeType="tmRoot">
+          <p:childTnLst>
+            <p:seq concurrent="1" nextAc="seek">
+              <p:cTn id="2" dur="indefinite" nodeType="mainSeq">
+                <p:childTnLst>
+                  <p:par>
+                    <p:cTn id="3" fill="hold">
+                      <p:stCondLst>
+                        <p:cond delay="indefinite"/>
+                      </p:stCondLst>
+                      <p:childTnLst>
+                        <p:par>
+                          <p:cTn id="4" fill="hold">
+                            <p:stCondLst>
+                              <p:cond delay="0"/>
+                            </p:stCondLst>
+                            <p:childTnLst>
+                              <p:par>
+                                <p:cTn id="5" presetID="10" presetClass="entr" presetSubtype="0" fill="hold" nodeType="clickEffect">
+                                  <p:stCondLst>
+                                    <p:cond delay="0"/>
+                                  </p:stCondLst>
+                                  <p:childTnLst>
+                                    <p:set>
+                                      <p:cBhvr>
+                                        <p:cTn id="6" dur="1" fill="hold">
+                                          <p:stCondLst>
+                                            <p:cond delay="0"/>
+                                          </p:stCondLst>
+                                        </p:cTn>
+                                        <p:tgtEl>
+                                          <p:spTgt spid="3">
+                                            <p:txEl>
+                                              <p:pRg st="0" end="0"/>
+                                            </p:txEl>
+                                          </p:spTgt>
+                                        </p:tgtEl>
+                                        <p:attrNameLst>
+                                          <p:attrName>style.visibility</p:attrName>
+                                        </p:attrNameLst>
+                                      </p:cBhvr>
+                                      <p:to>
+                                        <p:strVal val="visible"/>
+                                      </p:to>
+                                    </p:set>
+                                    <p:animEffect transition="in" filter="fade">
+                                      <p:cBhvr>
+                                        <p:cTn id="7" dur="500"/>
+                                        <p:tgtEl>
+                                          <p:spTgt spid="3">
+                                            <p:txEl>
+                                              <p:pRg st="0" end="0"/>
+                                            </p:txEl>
+                                          </p:spTgt>
+                                        </p:tgtEl>
+                                      </p:cBhvr>
+                                    </p:animEffect>
+                                  </p:childTnLst>
+                                </p:cTn>
+                              </p:par>
+                            </p:childTnLst>
+                          </p:cTn>
+                        </p:par>
+                      </p:childTnLst>
+                    </p:cTn>
+                  </p:par>
+                </p:childTnLst>
+              </p:cTn>
+              <p:prevCondLst>
+                <p:cond evt="onPrev" delay="0">
+                  <p:tgtEl>
+                    <p:sldTgt/>
+                  </p:tgtEl>
+                </p:cond>
+              </p:prevCondLst>
+              <p:nextCondLst>
+                <p:cond evt="onNext" delay="0">
+                  <p:tgtEl>
+                    <p:sldTgt/>
+                  </p:tgtEl>
+                </p:cond>
+              </p:nextCondLst>
+            </p:seq>
+          </p:childTnLst>
+        </p:cTn>
+      </p:par>
+    </p:tnLst>
+  </p:timing>
 </p:sld>
 </file>
 
 <file path=ppt/slides/slide26.xml><?xml version="1.0" encoding="utf-8"?>
 <p:sld xmlns:a="http://schemas.openxmlformats.org/drawingml/2006/main" xmlns:r="http://schemas.openxmlformats.org/officeDocument/2006/relationships" xmlns:p="http://schemas.openxmlformats.org/presentationml/2006/main">
   <p:cSld>
+    <p:bg>
+      <p:bgPr>
+        <a:blipFill rotWithShape="1">
+          <a:blip r:embed="rId3">
+            <a:duotone>
+              <a:schemeClr val="bg2">
+                <a:shade val="80000"/>
+                <a:lumMod val="80000"/>
+              </a:schemeClr>
+              <a:schemeClr val="bg2">
+                <a:tint val="98000"/>
+              </a:schemeClr>
+            </a:duotone>
+          </a:blip>
+          <a:stretch/>
+        </a:blipFill>
+        <a:effectLst/>
+      </p:bgPr>
+    </p:bg>
     <p:spTree>
       <p:nvGrpSpPr>
         <p:cNvPr id="1" name=""/>
@@ -42854,6 +43527,95 @@
           <a:chExt cx="0" cy="0"/>
         </a:xfrm>
       </p:grpSpPr>
+      <p:pic>
+        <p:nvPicPr>
+          <p:cNvPr id="2050" name="Picture 2" descr="Faceless Japanese Samurai Draws His Stock Footage Video (100% Royalty-free)  19664029 | Shutterstock">
+            <a:extLst>
+              <a:ext uri="{FF2B5EF4-FFF2-40B4-BE49-F238E27FC236}">
+                <a16:creationId xmlns:a16="http://schemas.microsoft.com/office/drawing/2014/main" id="{CC38190F-9EDB-4FF6-AA7E-8E5DDE6156A6}"/>
+              </a:ext>
+            </a:extLst>
+          </p:cNvPr>
+          <p:cNvPicPr>
+            <a:picLocks noChangeAspect="1" noChangeArrowheads="1"/>
+          </p:cNvPicPr>
+          <p:nvPr/>
+        </p:nvPicPr>
+        <p:blipFill rotWithShape="1">
+          <a:blip r:embed="rId4">
+            <a:extLst>
+              <a:ext uri="{28A0092B-C50C-407E-A947-70E740481C1C}">
+                <a14:useLocalDpi xmlns:a14="http://schemas.microsoft.com/office/drawing/2010/main" val="0"/>
+              </a:ext>
+            </a:extLst>
+          </a:blip>
+          <a:srcRect l="21989" r="28011"/>
+          <a:stretch/>
+        </p:blipFill>
+        <p:spPr bwMode="auto">
+          <a:xfrm>
+            <a:off x="-8622" y="10"/>
+            <a:ext cx="6096000" cy="6857990"/>
+          </a:xfrm>
+          <a:prstGeom prst="rect">
+            <a:avLst/>
+          </a:prstGeom>
+          <a:noFill/>
+          <a:extLst>
+            <a:ext uri="{909E8E84-426E-40DD-AFC4-6F175D3DCCD1}">
+              <a14:hiddenFill xmlns:a14="http://schemas.microsoft.com/office/drawing/2010/main">
+                <a:solidFill>
+                  <a:srgbClr val="FFFFFF"/>
+                </a:solidFill>
+              </a14:hiddenFill>
+            </a:ext>
+          </a:extLst>
+        </p:spPr>
+      </p:pic>
+      <p:pic>
+        <p:nvPicPr>
+          <p:cNvPr id="71" name="Picture 70">
+            <a:extLst>
+              <a:ext uri="{FF2B5EF4-FFF2-40B4-BE49-F238E27FC236}">
+                <a16:creationId xmlns:a16="http://schemas.microsoft.com/office/drawing/2014/main" id="{B536FA4E-0152-4E27-91DA-0FC22D1846BB}"/>
+              </a:ext>
+              <a:ext uri="{C183D7F6-B498-43B3-948B-1728B52AA6E4}">
+                <adec:decorative xmlns:adec="http://schemas.microsoft.com/office/drawing/2017/decorative" val="1"/>
+              </a:ext>
+            </a:extLst>
+          </p:cNvPr>
+          <p:cNvPicPr>
+            <a:picLocks noGrp="1" noRot="1" noChangeAspect="1" noMove="1" noResize="1" noEditPoints="1" noAdjustHandles="1" noChangeArrowheads="1" noChangeShapeType="1" noCrop="1"/>
+          </p:cNvPicPr>
+          <p:nvPr>
+            <p:extLst>
+              <p:ext uri="{386F3935-93C4-4BCD-93E2-E3B085C9AB24}">
+                <p16:designElem xmlns:p16="http://schemas.microsoft.com/office/powerpoint/2015/main" val="1"/>
+              </p:ext>
+            </p:extLst>
+          </p:nvPr>
+        </p:nvPicPr>
+        <p:blipFill rotWithShape="1">
+          <a:blip r:embed="rId5">
+            <a:extLst>
+              <a:ext uri="{28A0092B-C50C-407E-A947-70E740481C1C}">
+                <a14:useLocalDpi xmlns:a14="http://schemas.microsoft.com/office/drawing/2010/main" val="0"/>
+              </a:ext>
+            </a:extLst>
+          </a:blip>
+          <a:srcRect t="964" r="2807" b="1446"/>
+          <a:stretch/>
+        </p:blipFill>
+        <p:spPr>
+          <a:xfrm>
+            <a:off x="6257026" y="1"/>
+            <a:ext cx="5934973" cy="6858000"/>
+          </a:xfrm>
+          <a:prstGeom prst="rect">
+            <a:avLst/>
+          </a:prstGeom>
+        </p:spPr>
+      </p:pic>
       <p:sp>
         <p:nvSpPr>
           <p:cNvPr id="2" name="Title 1">
@@ -42870,13 +43632,25 @@
             <p:ph type="title"/>
           </p:nvPr>
         </p:nvSpPr>
-        <p:spPr/>
+        <p:spPr>
+          <a:xfrm>
+            <a:off x="6900493" y="609600"/>
+            <a:ext cx="4538124" cy="970450"/>
+          </a:xfrm>
+        </p:spPr>
         <p:txBody>
-          <a:bodyPr/>
+          <a:bodyPr anchor="b">
+            <a:normAutofit/>
+          </a:bodyPr>
           <a:lstStyle/>
           <a:p>
-            <a:r>
-              <a:rPr lang="en-US" dirty="0"/>
+            <a:pPr algn="l">
+              <a:lnSpc>
+                <a:spcPct val="90000"/>
+              </a:lnSpc>
+            </a:pPr>
+            <a:r>
+              <a:rPr lang="en-US" sz="3200"/>
               <a:t>Gently wielding the power entrusted to us</a:t>
             </a:r>
           </a:p>
@@ -42898,12 +43672,52 @@
             <p:ph idx="1"/>
           </p:nvPr>
         </p:nvSpPr>
-        <p:spPr/>
+        <p:spPr>
+          <a:xfrm>
+            <a:off x="6900493" y="1732449"/>
+            <a:ext cx="4403596" cy="4515951"/>
+          </a:xfrm>
+        </p:spPr>
         <p:txBody>
-          <a:bodyPr/>
+          <a:bodyPr anchor="t">
+            <a:normAutofit/>
+          </a:bodyPr>
           <a:lstStyle/>
           <a:p>
-            <a:endParaRPr lang="en-US"/>
+            <a:r>
+              <a:rPr lang="en-US" sz="2800" dirty="0"/>
+              <a:t>Check for alignment</a:t>
+            </a:r>
+          </a:p>
+          <a:p>
+            <a:r>
+              <a:rPr lang="en-US" sz="2800" dirty="0"/>
+              <a:t>Be quick to understand</a:t>
+            </a:r>
+          </a:p>
+          <a:p>
+            <a:r>
+              <a:rPr lang="en-US" sz="2800" dirty="0"/>
+              <a:t>Watch for ability and willingness</a:t>
+            </a:r>
+          </a:p>
+          <a:p>
+            <a:r>
+              <a:rPr lang="en-US" sz="2800" dirty="0"/>
+              <a:t>Choose moments wisely</a:t>
+            </a:r>
+          </a:p>
+          <a:p>
+            <a:r>
+              <a:rPr lang="en-US" sz="2800" dirty="0"/>
+              <a:t>Act with restraint</a:t>
+            </a:r>
+          </a:p>
+          <a:p>
+            <a:r>
+              <a:rPr lang="en-US" sz="2800" dirty="0"/>
+              <a:t>Be ready to back off</a:t>
+            </a:r>
           </a:p>
         </p:txBody>
       </p:sp>
@@ -42917,12 +43731,427 @@
   <p:clrMapOvr>
     <a:masterClrMapping/>
   </p:clrMapOvr>
+  <p:timing>
+    <p:tnLst>
+      <p:par>
+        <p:cTn id="1" dur="indefinite" restart="never" nodeType="tmRoot">
+          <p:childTnLst>
+            <p:seq concurrent="1" nextAc="seek">
+              <p:cTn id="2" dur="indefinite" nodeType="mainSeq">
+                <p:childTnLst>
+                  <p:par>
+                    <p:cTn id="3" fill="hold">
+                      <p:stCondLst>
+                        <p:cond delay="indefinite"/>
+                      </p:stCondLst>
+                      <p:childTnLst>
+                        <p:par>
+                          <p:cTn id="4" fill="hold">
+                            <p:stCondLst>
+                              <p:cond delay="0"/>
+                            </p:stCondLst>
+                            <p:childTnLst>
+                              <p:par>
+                                <p:cTn id="5" presetID="10" presetClass="entr" presetSubtype="0" fill="hold" nodeType="clickEffect">
+                                  <p:stCondLst>
+                                    <p:cond delay="0"/>
+                                  </p:stCondLst>
+                                  <p:childTnLst>
+                                    <p:set>
+                                      <p:cBhvr>
+                                        <p:cTn id="6" dur="1" fill="hold">
+                                          <p:stCondLst>
+                                            <p:cond delay="0"/>
+                                          </p:stCondLst>
+                                        </p:cTn>
+                                        <p:tgtEl>
+                                          <p:spTgt spid="3">
+                                            <p:txEl>
+                                              <p:pRg st="0" end="0"/>
+                                            </p:txEl>
+                                          </p:spTgt>
+                                        </p:tgtEl>
+                                        <p:attrNameLst>
+                                          <p:attrName>style.visibility</p:attrName>
+                                        </p:attrNameLst>
+                                      </p:cBhvr>
+                                      <p:to>
+                                        <p:strVal val="visible"/>
+                                      </p:to>
+                                    </p:set>
+                                    <p:animEffect transition="in" filter="fade">
+                                      <p:cBhvr>
+                                        <p:cTn id="7" dur="500"/>
+                                        <p:tgtEl>
+                                          <p:spTgt spid="3">
+                                            <p:txEl>
+                                              <p:pRg st="0" end="0"/>
+                                            </p:txEl>
+                                          </p:spTgt>
+                                        </p:tgtEl>
+                                      </p:cBhvr>
+                                    </p:animEffect>
+                                  </p:childTnLst>
+                                </p:cTn>
+                              </p:par>
+                            </p:childTnLst>
+                          </p:cTn>
+                        </p:par>
+                      </p:childTnLst>
+                    </p:cTn>
+                  </p:par>
+                  <p:par>
+                    <p:cTn id="8" fill="hold">
+                      <p:stCondLst>
+                        <p:cond delay="indefinite"/>
+                      </p:stCondLst>
+                      <p:childTnLst>
+                        <p:par>
+                          <p:cTn id="9" fill="hold">
+                            <p:stCondLst>
+                              <p:cond delay="0"/>
+                            </p:stCondLst>
+                            <p:childTnLst>
+                              <p:par>
+                                <p:cTn id="10" presetID="10" presetClass="entr" presetSubtype="0" fill="hold" nodeType="clickEffect">
+                                  <p:stCondLst>
+                                    <p:cond delay="0"/>
+                                  </p:stCondLst>
+                                  <p:childTnLst>
+                                    <p:set>
+                                      <p:cBhvr>
+                                        <p:cTn id="11" dur="1" fill="hold">
+                                          <p:stCondLst>
+                                            <p:cond delay="0"/>
+                                          </p:stCondLst>
+                                        </p:cTn>
+                                        <p:tgtEl>
+                                          <p:spTgt spid="3">
+                                            <p:txEl>
+                                              <p:pRg st="1" end="1"/>
+                                            </p:txEl>
+                                          </p:spTgt>
+                                        </p:tgtEl>
+                                        <p:attrNameLst>
+                                          <p:attrName>style.visibility</p:attrName>
+                                        </p:attrNameLst>
+                                      </p:cBhvr>
+                                      <p:to>
+                                        <p:strVal val="visible"/>
+                                      </p:to>
+                                    </p:set>
+                                    <p:animEffect transition="in" filter="fade">
+                                      <p:cBhvr>
+                                        <p:cTn id="12" dur="500"/>
+                                        <p:tgtEl>
+                                          <p:spTgt spid="3">
+                                            <p:txEl>
+                                              <p:pRg st="1" end="1"/>
+                                            </p:txEl>
+                                          </p:spTgt>
+                                        </p:tgtEl>
+                                      </p:cBhvr>
+                                    </p:animEffect>
+                                  </p:childTnLst>
+                                </p:cTn>
+                              </p:par>
+                            </p:childTnLst>
+                          </p:cTn>
+                        </p:par>
+                      </p:childTnLst>
+                    </p:cTn>
+                  </p:par>
+                  <p:par>
+                    <p:cTn id="13" fill="hold">
+                      <p:stCondLst>
+                        <p:cond delay="indefinite"/>
+                      </p:stCondLst>
+                      <p:childTnLst>
+                        <p:par>
+                          <p:cTn id="14" fill="hold">
+                            <p:stCondLst>
+                              <p:cond delay="0"/>
+                            </p:stCondLst>
+                            <p:childTnLst>
+                              <p:par>
+                                <p:cTn id="15" presetID="10" presetClass="entr" presetSubtype="0" fill="hold" nodeType="clickEffect">
+                                  <p:stCondLst>
+                                    <p:cond delay="0"/>
+                                  </p:stCondLst>
+                                  <p:childTnLst>
+                                    <p:set>
+                                      <p:cBhvr>
+                                        <p:cTn id="16" dur="1" fill="hold">
+                                          <p:stCondLst>
+                                            <p:cond delay="0"/>
+                                          </p:stCondLst>
+                                        </p:cTn>
+                                        <p:tgtEl>
+                                          <p:spTgt spid="3">
+                                            <p:txEl>
+                                              <p:pRg st="2" end="2"/>
+                                            </p:txEl>
+                                          </p:spTgt>
+                                        </p:tgtEl>
+                                        <p:attrNameLst>
+                                          <p:attrName>style.visibility</p:attrName>
+                                        </p:attrNameLst>
+                                      </p:cBhvr>
+                                      <p:to>
+                                        <p:strVal val="visible"/>
+                                      </p:to>
+                                    </p:set>
+                                    <p:animEffect transition="in" filter="fade">
+                                      <p:cBhvr>
+                                        <p:cTn id="17" dur="500"/>
+                                        <p:tgtEl>
+                                          <p:spTgt spid="3">
+                                            <p:txEl>
+                                              <p:pRg st="2" end="2"/>
+                                            </p:txEl>
+                                          </p:spTgt>
+                                        </p:tgtEl>
+                                      </p:cBhvr>
+                                    </p:animEffect>
+                                  </p:childTnLst>
+                                </p:cTn>
+                              </p:par>
+                            </p:childTnLst>
+                          </p:cTn>
+                        </p:par>
+                      </p:childTnLst>
+                    </p:cTn>
+                  </p:par>
+                  <p:par>
+                    <p:cTn id="18" fill="hold">
+                      <p:stCondLst>
+                        <p:cond delay="indefinite"/>
+                      </p:stCondLst>
+                      <p:childTnLst>
+                        <p:par>
+                          <p:cTn id="19" fill="hold">
+                            <p:stCondLst>
+                              <p:cond delay="0"/>
+                            </p:stCondLst>
+                            <p:childTnLst>
+                              <p:par>
+                                <p:cTn id="20" presetID="10" presetClass="entr" presetSubtype="0" fill="hold" nodeType="clickEffect">
+                                  <p:stCondLst>
+                                    <p:cond delay="0"/>
+                                  </p:stCondLst>
+                                  <p:childTnLst>
+                                    <p:set>
+                                      <p:cBhvr>
+                                        <p:cTn id="21" dur="1" fill="hold">
+                                          <p:stCondLst>
+                                            <p:cond delay="0"/>
+                                          </p:stCondLst>
+                                        </p:cTn>
+                                        <p:tgtEl>
+                                          <p:spTgt spid="3">
+                                            <p:txEl>
+                                              <p:pRg st="3" end="3"/>
+                                            </p:txEl>
+                                          </p:spTgt>
+                                        </p:tgtEl>
+                                        <p:attrNameLst>
+                                          <p:attrName>style.visibility</p:attrName>
+                                        </p:attrNameLst>
+                                      </p:cBhvr>
+                                      <p:to>
+                                        <p:strVal val="visible"/>
+                                      </p:to>
+                                    </p:set>
+                                    <p:animEffect transition="in" filter="fade">
+                                      <p:cBhvr>
+                                        <p:cTn id="22" dur="500"/>
+                                        <p:tgtEl>
+                                          <p:spTgt spid="3">
+                                            <p:txEl>
+                                              <p:pRg st="3" end="3"/>
+                                            </p:txEl>
+                                          </p:spTgt>
+                                        </p:tgtEl>
+                                      </p:cBhvr>
+                                    </p:animEffect>
+                                  </p:childTnLst>
+                                </p:cTn>
+                              </p:par>
+                            </p:childTnLst>
+                          </p:cTn>
+                        </p:par>
+                      </p:childTnLst>
+                    </p:cTn>
+                  </p:par>
+                  <p:par>
+                    <p:cTn id="23" fill="hold">
+                      <p:stCondLst>
+                        <p:cond delay="indefinite"/>
+                      </p:stCondLst>
+                      <p:childTnLst>
+                        <p:par>
+                          <p:cTn id="24" fill="hold">
+                            <p:stCondLst>
+                              <p:cond delay="0"/>
+                            </p:stCondLst>
+                            <p:childTnLst>
+                              <p:par>
+                                <p:cTn id="25" presetID="10" presetClass="entr" presetSubtype="0" fill="hold" nodeType="clickEffect">
+                                  <p:stCondLst>
+                                    <p:cond delay="0"/>
+                                  </p:stCondLst>
+                                  <p:childTnLst>
+                                    <p:set>
+                                      <p:cBhvr>
+                                        <p:cTn id="26" dur="1" fill="hold">
+                                          <p:stCondLst>
+                                            <p:cond delay="0"/>
+                                          </p:stCondLst>
+                                        </p:cTn>
+                                        <p:tgtEl>
+                                          <p:spTgt spid="3">
+                                            <p:txEl>
+                                              <p:pRg st="4" end="4"/>
+                                            </p:txEl>
+                                          </p:spTgt>
+                                        </p:tgtEl>
+                                        <p:attrNameLst>
+                                          <p:attrName>style.visibility</p:attrName>
+                                        </p:attrNameLst>
+                                      </p:cBhvr>
+                                      <p:to>
+                                        <p:strVal val="visible"/>
+                                      </p:to>
+                                    </p:set>
+                                    <p:animEffect transition="in" filter="fade">
+                                      <p:cBhvr>
+                                        <p:cTn id="27" dur="500"/>
+                                        <p:tgtEl>
+                                          <p:spTgt spid="3">
+                                            <p:txEl>
+                                              <p:pRg st="4" end="4"/>
+                                            </p:txEl>
+                                          </p:spTgt>
+                                        </p:tgtEl>
+                                      </p:cBhvr>
+                                    </p:animEffect>
+                                  </p:childTnLst>
+                                </p:cTn>
+                              </p:par>
+                            </p:childTnLst>
+                          </p:cTn>
+                        </p:par>
+                      </p:childTnLst>
+                    </p:cTn>
+                  </p:par>
+                  <p:par>
+                    <p:cTn id="28" fill="hold">
+                      <p:stCondLst>
+                        <p:cond delay="indefinite"/>
+                      </p:stCondLst>
+                      <p:childTnLst>
+                        <p:par>
+                          <p:cTn id="29" fill="hold">
+                            <p:stCondLst>
+                              <p:cond delay="0"/>
+                            </p:stCondLst>
+                            <p:childTnLst>
+                              <p:par>
+                                <p:cTn id="30" presetID="10" presetClass="entr" presetSubtype="0" fill="hold" nodeType="clickEffect">
+                                  <p:stCondLst>
+                                    <p:cond delay="0"/>
+                                  </p:stCondLst>
+                                  <p:childTnLst>
+                                    <p:set>
+                                      <p:cBhvr>
+                                        <p:cTn id="31" dur="1" fill="hold">
+                                          <p:stCondLst>
+                                            <p:cond delay="0"/>
+                                          </p:stCondLst>
+                                        </p:cTn>
+                                        <p:tgtEl>
+                                          <p:spTgt spid="3">
+                                            <p:txEl>
+                                              <p:pRg st="5" end="5"/>
+                                            </p:txEl>
+                                          </p:spTgt>
+                                        </p:tgtEl>
+                                        <p:attrNameLst>
+                                          <p:attrName>style.visibility</p:attrName>
+                                        </p:attrNameLst>
+                                      </p:cBhvr>
+                                      <p:to>
+                                        <p:strVal val="visible"/>
+                                      </p:to>
+                                    </p:set>
+                                    <p:animEffect transition="in" filter="fade">
+                                      <p:cBhvr>
+                                        <p:cTn id="32" dur="500"/>
+                                        <p:tgtEl>
+                                          <p:spTgt spid="3">
+                                            <p:txEl>
+                                              <p:pRg st="5" end="5"/>
+                                            </p:txEl>
+                                          </p:spTgt>
+                                        </p:tgtEl>
+                                      </p:cBhvr>
+                                    </p:animEffect>
+                                  </p:childTnLst>
+                                </p:cTn>
+                              </p:par>
+                            </p:childTnLst>
+                          </p:cTn>
+                        </p:par>
+                      </p:childTnLst>
+                    </p:cTn>
+                  </p:par>
+                </p:childTnLst>
+              </p:cTn>
+              <p:prevCondLst>
+                <p:cond evt="onPrev" delay="0">
+                  <p:tgtEl>
+                    <p:sldTgt/>
+                  </p:tgtEl>
+                </p:cond>
+              </p:prevCondLst>
+              <p:nextCondLst>
+                <p:cond evt="onNext" delay="0">
+                  <p:tgtEl>
+                    <p:sldTgt/>
+                  </p:tgtEl>
+                </p:cond>
+              </p:nextCondLst>
+            </p:seq>
+          </p:childTnLst>
+        </p:cTn>
+      </p:par>
+    </p:tnLst>
+  </p:timing>
 </p:sld>
 </file>
 
 <file path=ppt/slides/slide27.xml><?xml version="1.0" encoding="utf-8"?>
 <p:sld xmlns:a="http://schemas.openxmlformats.org/drawingml/2006/main" xmlns:r="http://schemas.openxmlformats.org/officeDocument/2006/relationships" xmlns:p="http://schemas.openxmlformats.org/presentationml/2006/main">
   <p:cSld>
+    <p:bg>
+      <p:bgPr>
+        <a:blipFill rotWithShape="1">
+          <a:blip r:embed="rId3">
+            <a:duotone>
+              <a:schemeClr val="bg2">
+                <a:shade val="80000"/>
+                <a:lumMod val="80000"/>
+              </a:schemeClr>
+              <a:schemeClr val="bg2">
+                <a:tint val="98000"/>
+              </a:schemeClr>
+            </a:duotone>
+          </a:blip>
+          <a:stretch/>
+        </a:blipFill>
+        <a:effectLst/>
+      </p:bgPr>
+    </p:bg>
     <p:spTree>
       <p:nvGrpSpPr>
         <p:cNvPr id="1" name=""/>
@@ -42953,9 +44182,16 @@
             <p:ph type="title"/>
           </p:nvPr>
         </p:nvSpPr>
-        <p:spPr/>
+        <p:spPr>
+          <a:xfrm>
+            <a:off x="633743" y="609599"/>
+            <a:ext cx="3413156" cy="5273675"/>
+          </a:xfrm>
+        </p:spPr>
         <p:txBody>
-          <a:bodyPr/>
+          <a:bodyPr>
+            <a:normAutofit/>
+          </a:bodyPr>
           <a:lstStyle/>
           <a:p>
             <a:r>
@@ -42969,50 +44205,701 @@
             <a:r>
               <a:rPr lang="en-US" dirty="0"/>
               <a:t> results</a:t>
+            </a:r>
+          </a:p>
+        </p:txBody>
+      </p:sp>
+      <p:pic>
+        <p:nvPicPr>
+          <p:cNvPr id="14" name="Picture 8">
+            <a:extLst>
+              <a:ext uri="{FF2B5EF4-FFF2-40B4-BE49-F238E27FC236}">
+                <a16:creationId xmlns:a16="http://schemas.microsoft.com/office/drawing/2014/main" id="{82AABC82-C2D1-4340-A6DF-6E73DF06FCAC}"/>
+              </a:ext>
+              <a:ext uri="{C183D7F6-B498-43B3-948B-1728B52AA6E4}">
+                <adec:decorative xmlns:adec="http://schemas.microsoft.com/office/drawing/2017/decorative" val="1"/>
+              </a:ext>
+            </a:extLst>
+          </p:cNvPr>
+          <p:cNvPicPr>
+            <a:picLocks noGrp="1" noRot="1" noChangeAspect="1" noMove="1" noResize="1" noEditPoints="1" noAdjustHandles="1" noChangeArrowheads="1" noChangeShapeType="1" noCrop="1"/>
+          </p:cNvPicPr>
+          <p:nvPr>
+            <p:extLst>
+              <p:ext uri="{386F3935-93C4-4BCD-93E2-E3B085C9AB24}">
+                <p16:designElem xmlns:p16="http://schemas.microsoft.com/office/powerpoint/2015/main" val="1"/>
+              </p:ext>
+            </p:extLst>
+          </p:nvPr>
+        </p:nvPicPr>
+        <p:blipFill rotWithShape="1">
+          <a:blip r:embed="rId4">
+            <a:extLst>
+              <a:ext uri="{28A0092B-C50C-407E-A947-70E740481C1C}">
+                <a14:useLocalDpi xmlns:a14="http://schemas.microsoft.com/office/drawing/2010/main" val="0"/>
+              </a:ext>
+            </a:extLst>
+          </a:blip>
+          <a:srcRect t="964" r="2807" b="1446"/>
+          <a:stretch/>
+        </p:blipFill>
+        <p:spPr>
+          <a:xfrm>
+            <a:off x="4639056" y="2"/>
+            <a:ext cx="7552944" cy="6857998"/>
+          </a:xfrm>
+          <a:prstGeom prst="rect">
+            <a:avLst/>
+          </a:prstGeom>
+        </p:spPr>
+      </p:pic>
+      <p:sp>
+        <p:nvSpPr>
+          <p:cNvPr id="6" name="Straight Connector 5">
+            <a:extLst>
+              <a:ext uri="{FF2B5EF4-FFF2-40B4-BE49-F238E27FC236}">
+                <a16:creationId xmlns:a16="http://schemas.microsoft.com/office/drawing/2014/main" id="{19D6750A-9CE4-449F-8CA1-3ABE76450FB6}"/>
+              </a:ext>
+            </a:extLst>
+          </p:cNvPr>
+          <p:cNvSpPr/>
+          <p:nvPr/>
+        </p:nvSpPr>
+        <p:spPr>
+          <a:xfrm>
+            <a:off x="5282521" y="712075"/>
+            <a:ext cx="6266011" cy="0"/>
+          </a:xfrm>
+          <a:prstGeom prst="line">
+            <a:avLst/>
+          </a:prstGeom>
+        </p:spPr>
+        <p:style>
+          <a:lnRef idx="1">
+            <a:schemeClr val="accent2">
+              <a:hueOff val="0"/>
+              <a:satOff val="0"/>
+              <a:lumOff val="0"/>
+              <a:alphaOff val="0"/>
+            </a:schemeClr>
+          </a:lnRef>
+          <a:fillRef idx="3">
+            <a:schemeClr val="accent2">
+              <a:hueOff val="0"/>
+              <a:satOff val="0"/>
+              <a:lumOff val="0"/>
+              <a:alphaOff val="0"/>
+            </a:schemeClr>
+          </a:fillRef>
+          <a:effectRef idx="2">
+            <a:schemeClr val="accent2">
+              <a:hueOff val="0"/>
+              <a:satOff val="0"/>
+              <a:lumOff val="0"/>
+              <a:alphaOff val="0"/>
+            </a:schemeClr>
+          </a:effectRef>
+          <a:fontRef idx="minor">
+            <a:schemeClr val="lt1"/>
+          </a:fontRef>
+        </p:style>
+      </p:sp>
+      <p:sp>
+        <p:nvSpPr>
+          <p:cNvPr id="7" name="Freeform: Shape 6">
+            <a:extLst>
+              <a:ext uri="{FF2B5EF4-FFF2-40B4-BE49-F238E27FC236}">
+                <a16:creationId xmlns:a16="http://schemas.microsoft.com/office/drawing/2014/main" id="{B9827BBE-D31D-41FF-8C4E-41407E6F4C25}"/>
+              </a:ext>
+            </a:extLst>
+          </p:cNvPr>
+          <p:cNvSpPr/>
+          <p:nvPr/>
+        </p:nvSpPr>
+        <p:spPr>
+          <a:xfrm>
+            <a:off x="5282521" y="712075"/>
+            <a:ext cx="6266011" cy="1631587"/>
+          </a:xfrm>
+          <a:custGeom>
+            <a:avLst/>
+            <a:gdLst>
+              <a:gd name="connsiteX0" fmla="*/ 0 w 6266011"/>
+              <a:gd name="connsiteY0" fmla="*/ 0 h 1631587"/>
+              <a:gd name="connsiteX1" fmla="*/ 6266011 w 6266011"/>
+              <a:gd name="connsiteY1" fmla="*/ 0 h 1631587"/>
+              <a:gd name="connsiteX2" fmla="*/ 6266011 w 6266011"/>
+              <a:gd name="connsiteY2" fmla="*/ 1631587 h 1631587"/>
+              <a:gd name="connsiteX3" fmla="*/ 0 w 6266011"/>
+              <a:gd name="connsiteY3" fmla="*/ 1631587 h 1631587"/>
+              <a:gd name="connsiteX4" fmla="*/ 0 w 6266011"/>
+              <a:gd name="connsiteY4" fmla="*/ 0 h 1631587"/>
+            </a:gdLst>
+            <a:ahLst/>
+            <a:cxnLst>
+              <a:cxn ang="0">
+                <a:pos x="connsiteX0" y="connsiteY0"/>
+              </a:cxn>
+              <a:cxn ang="0">
+                <a:pos x="connsiteX1" y="connsiteY1"/>
+              </a:cxn>
+              <a:cxn ang="0">
+                <a:pos x="connsiteX2" y="connsiteY2"/>
+              </a:cxn>
+              <a:cxn ang="0">
+                <a:pos x="connsiteX3" y="connsiteY3"/>
+              </a:cxn>
+              <a:cxn ang="0">
+                <a:pos x="connsiteX4" y="connsiteY4"/>
+              </a:cxn>
+            </a:cxnLst>
+            <a:rect l="l" t="t" r="r" b="b"/>
+            <a:pathLst>
+              <a:path w="6266011" h="1631587">
+                <a:moveTo>
+                  <a:pt x="0" y="0"/>
+                </a:moveTo>
+                <a:lnTo>
+                  <a:pt x="6266011" y="0"/>
+                </a:lnTo>
+                <a:lnTo>
+                  <a:pt x="6266011" y="1631587"/>
+                </a:lnTo>
+                <a:lnTo>
+                  <a:pt x="0" y="1631587"/>
+                </a:lnTo>
+                <a:lnTo>
+                  <a:pt x="0" y="0"/>
+                </a:lnTo>
+                <a:close/>
+              </a:path>
+            </a:pathLst>
+          </a:custGeom>
+        </p:spPr>
+        <p:style>
+          <a:lnRef idx="0">
+            <a:schemeClr val="dk1">
+              <a:alpha val="0"/>
+              <a:hueOff val="0"/>
+              <a:satOff val="0"/>
+              <a:lumOff val="0"/>
+              <a:alphaOff val="0"/>
+            </a:schemeClr>
+          </a:lnRef>
+          <a:fillRef idx="0">
+            <a:schemeClr val="lt1">
+              <a:alpha val="0"/>
+              <a:hueOff val="0"/>
+              <a:satOff val="0"/>
+              <a:lumOff val="0"/>
+              <a:alphaOff val="0"/>
+            </a:schemeClr>
+          </a:fillRef>
+          <a:effectRef idx="0">
+            <a:schemeClr val="lt1">
+              <a:alpha val="0"/>
+              <a:hueOff val="0"/>
+              <a:satOff val="0"/>
+              <a:lumOff val="0"/>
+              <a:alphaOff val="0"/>
+            </a:schemeClr>
+          </a:effectRef>
+          <a:fontRef idx="minor">
+            <a:schemeClr val="tx1">
+              <a:hueOff val="0"/>
+              <a:satOff val="0"/>
+              <a:lumOff val="0"/>
+              <a:alphaOff val="0"/>
+            </a:schemeClr>
+          </a:fontRef>
+        </p:style>
+        <p:txBody>
+          <a:bodyPr spcFirstLastPara="0" vert="horz" wrap="square" lIns="152400" tIns="152400" rIns="152400" bIns="152400" numCol="1" spcCol="1270" anchor="t" anchorCtr="0">
+            <a:noAutofit/>
+          </a:bodyPr>
+          <a:lstStyle/>
+          <a:p>
+            <a:pPr marL="0" lvl="0" indent="0" algn="l" defTabSz="1778000">
+              <a:lnSpc>
+                <a:spcPct val="90000"/>
+              </a:lnSpc>
+              <a:spcBef>
+                <a:spcPct val="0"/>
+              </a:spcBef>
+              <a:spcAft>
+                <a:spcPct val="35000"/>
+              </a:spcAft>
+              <a:buNone/>
+            </a:pPr>
+            <a:r>
+              <a:rPr lang="en-US" sz="4000" kern="1200" dirty="0"/>
+              <a:t>The desire for autonomy. </a:t>
             </a:r>
           </a:p>
         </p:txBody>
       </p:sp>
       <p:sp>
         <p:nvSpPr>
-          <p:cNvPr id="3" name="Content Placeholder 2">
+          <p:cNvPr id="8" name="Straight Connector 7">
             <a:extLst>
               <a:ext uri="{FF2B5EF4-FFF2-40B4-BE49-F238E27FC236}">
-                <a16:creationId xmlns:a16="http://schemas.microsoft.com/office/drawing/2014/main" id="{DA49432B-C2E3-48C1-96DE-B778188D43DC}"/>
+                <a16:creationId xmlns:a16="http://schemas.microsoft.com/office/drawing/2014/main" id="{3B2D9A3E-322D-4590-B403-28C98078FC4E}"/>
               </a:ext>
             </a:extLst>
           </p:cNvPr>
-          <p:cNvSpPr>
-            <a:spLocks noGrp="1"/>
-          </p:cNvSpPr>
-          <p:nvPr>
-            <p:ph idx="1"/>
-          </p:nvPr>
+          <p:cNvSpPr/>
+          <p:nvPr/>
         </p:nvSpPr>
-        <p:spPr/>
+        <p:spPr>
+          <a:xfrm>
+            <a:off x="5282521" y="2343662"/>
+            <a:ext cx="6266011" cy="0"/>
+          </a:xfrm>
+          <a:prstGeom prst="line">
+            <a:avLst/>
+          </a:prstGeom>
+        </p:spPr>
+        <p:style>
+          <a:lnRef idx="1">
+            <a:schemeClr val="accent3">
+              <a:hueOff val="0"/>
+              <a:satOff val="0"/>
+              <a:lumOff val="0"/>
+              <a:alphaOff val="0"/>
+            </a:schemeClr>
+          </a:lnRef>
+          <a:fillRef idx="3">
+            <a:schemeClr val="accent3">
+              <a:hueOff val="0"/>
+              <a:satOff val="0"/>
+              <a:lumOff val="0"/>
+              <a:alphaOff val="0"/>
+            </a:schemeClr>
+          </a:fillRef>
+          <a:effectRef idx="2">
+            <a:schemeClr val="accent3">
+              <a:hueOff val="0"/>
+              <a:satOff val="0"/>
+              <a:lumOff val="0"/>
+              <a:alphaOff val="0"/>
+            </a:schemeClr>
+          </a:effectRef>
+          <a:fontRef idx="minor">
+            <a:schemeClr val="lt1"/>
+          </a:fontRef>
+        </p:style>
+      </p:sp>
+      <p:sp>
+        <p:nvSpPr>
+          <p:cNvPr id="10" name="Freeform: Shape 9">
+            <a:extLst>
+              <a:ext uri="{FF2B5EF4-FFF2-40B4-BE49-F238E27FC236}">
+                <a16:creationId xmlns:a16="http://schemas.microsoft.com/office/drawing/2014/main" id="{A2AF487A-0F8E-4562-84AB-DD7FABE51356}"/>
+              </a:ext>
+            </a:extLst>
+          </p:cNvPr>
+          <p:cNvSpPr/>
+          <p:nvPr/>
+        </p:nvSpPr>
+        <p:spPr>
+          <a:xfrm>
+            <a:off x="5282521" y="2343662"/>
+            <a:ext cx="6266011" cy="1631587"/>
+          </a:xfrm>
+          <a:custGeom>
+            <a:avLst/>
+            <a:gdLst>
+              <a:gd name="connsiteX0" fmla="*/ 0 w 6266011"/>
+              <a:gd name="connsiteY0" fmla="*/ 0 h 1631587"/>
+              <a:gd name="connsiteX1" fmla="*/ 6266011 w 6266011"/>
+              <a:gd name="connsiteY1" fmla="*/ 0 h 1631587"/>
+              <a:gd name="connsiteX2" fmla="*/ 6266011 w 6266011"/>
+              <a:gd name="connsiteY2" fmla="*/ 1631587 h 1631587"/>
+              <a:gd name="connsiteX3" fmla="*/ 0 w 6266011"/>
+              <a:gd name="connsiteY3" fmla="*/ 1631587 h 1631587"/>
+              <a:gd name="connsiteX4" fmla="*/ 0 w 6266011"/>
+              <a:gd name="connsiteY4" fmla="*/ 0 h 1631587"/>
+            </a:gdLst>
+            <a:ahLst/>
+            <a:cxnLst>
+              <a:cxn ang="0">
+                <a:pos x="connsiteX0" y="connsiteY0"/>
+              </a:cxn>
+              <a:cxn ang="0">
+                <a:pos x="connsiteX1" y="connsiteY1"/>
+              </a:cxn>
+              <a:cxn ang="0">
+                <a:pos x="connsiteX2" y="connsiteY2"/>
+              </a:cxn>
+              <a:cxn ang="0">
+                <a:pos x="connsiteX3" y="connsiteY3"/>
+              </a:cxn>
+              <a:cxn ang="0">
+                <a:pos x="connsiteX4" y="connsiteY4"/>
+              </a:cxn>
+            </a:cxnLst>
+            <a:rect l="l" t="t" r="r" b="b"/>
+            <a:pathLst>
+              <a:path w="6266011" h="1631587">
+                <a:moveTo>
+                  <a:pt x="0" y="0"/>
+                </a:moveTo>
+                <a:lnTo>
+                  <a:pt x="6266011" y="0"/>
+                </a:lnTo>
+                <a:lnTo>
+                  <a:pt x="6266011" y="1631587"/>
+                </a:lnTo>
+                <a:lnTo>
+                  <a:pt x="0" y="1631587"/>
+                </a:lnTo>
+                <a:lnTo>
+                  <a:pt x="0" y="0"/>
+                </a:lnTo>
+                <a:close/>
+              </a:path>
+            </a:pathLst>
+          </a:custGeom>
+        </p:spPr>
+        <p:style>
+          <a:lnRef idx="0">
+            <a:schemeClr val="dk1">
+              <a:alpha val="0"/>
+              <a:hueOff val="0"/>
+              <a:satOff val="0"/>
+              <a:lumOff val="0"/>
+              <a:alphaOff val="0"/>
+            </a:schemeClr>
+          </a:lnRef>
+          <a:fillRef idx="0">
+            <a:schemeClr val="lt1">
+              <a:alpha val="0"/>
+              <a:hueOff val="0"/>
+              <a:satOff val="0"/>
+              <a:lumOff val="0"/>
+              <a:alphaOff val="0"/>
+            </a:schemeClr>
+          </a:fillRef>
+          <a:effectRef idx="0">
+            <a:schemeClr val="lt1">
+              <a:alpha val="0"/>
+              <a:hueOff val="0"/>
+              <a:satOff val="0"/>
+              <a:lumOff val="0"/>
+              <a:alphaOff val="0"/>
+            </a:schemeClr>
+          </a:effectRef>
+          <a:fontRef idx="minor">
+            <a:schemeClr val="tx1">
+              <a:hueOff val="0"/>
+              <a:satOff val="0"/>
+              <a:lumOff val="0"/>
+              <a:alphaOff val="0"/>
+            </a:schemeClr>
+          </a:fontRef>
+        </p:style>
         <p:txBody>
-          <a:bodyPr/>
+          <a:bodyPr spcFirstLastPara="0" vert="horz" wrap="square" lIns="152400" tIns="152400" rIns="152400" bIns="152400" numCol="1" spcCol="1270" anchor="t" anchorCtr="0">
+            <a:noAutofit/>
+          </a:bodyPr>
           <a:lstStyle/>
           <a:p>
-            <a:r>
-              <a:rPr lang="en-US" dirty="0"/>
-              <a:t>The desire for autonomy. </a:t>
-            </a:r>
-          </a:p>
-          <a:p>
-            <a:r>
-              <a:rPr lang="en-US" dirty="0"/>
+            <a:pPr marL="0" lvl="0" indent="0" algn="l" defTabSz="1778000">
+              <a:lnSpc>
+                <a:spcPct val="90000"/>
+              </a:lnSpc>
+              <a:spcBef>
+                <a:spcPct val="0"/>
+              </a:spcBef>
+              <a:spcAft>
+                <a:spcPct val="35000"/>
+              </a:spcAft>
+              <a:buNone/>
+            </a:pPr>
+            <a:r>
+              <a:rPr lang="en-US" sz="4000" kern="1200" dirty="0"/>
               <a:t>The Pursuit of mastery. </a:t>
-            </a:r>
-          </a:p>
-          <a:p>
-            <a:r>
-              <a:rPr lang="en-US" dirty="0"/>
-              <a:t>The desire to have purpose, connection, or belonging.</a:t>
             </a:r>
           </a:p>
         </p:txBody>
       </p:sp>
+      <p:sp>
+        <p:nvSpPr>
+          <p:cNvPr id="13" name="Straight Connector 12">
+            <a:extLst>
+              <a:ext uri="{FF2B5EF4-FFF2-40B4-BE49-F238E27FC236}">
+                <a16:creationId xmlns:a16="http://schemas.microsoft.com/office/drawing/2014/main" id="{96C23B30-31C9-4A1C-A08D-C5DE8F825F34}"/>
+              </a:ext>
+            </a:extLst>
+          </p:cNvPr>
+          <p:cNvSpPr/>
+          <p:nvPr/>
+        </p:nvSpPr>
+        <p:spPr>
+          <a:xfrm>
+            <a:off x="5282521" y="3975250"/>
+            <a:ext cx="6266011" cy="0"/>
+          </a:xfrm>
+          <a:prstGeom prst="line">
+            <a:avLst/>
+          </a:prstGeom>
+        </p:spPr>
+        <p:style>
+          <a:lnRef idx="1">
+            <a:schemeClr val="accent4">
+              <a:hueOff val="0"/>
+              <a:satOff val="0"/>
+              <a:lumOff val="0"/>
+              <a:alphaOff val="0"/>
+            </a:schemeClr>
+          </a:lnRef>
+          <a:fillRef idx="3">
+            <a:schemeClr val="accent4">
+              <a:hueOff val="0"/>
+              <a:satOff val="0"/>
+              <a:lumOff val="0"/>
+              <a:alphaOff val="0"/>
+            </a:schemeClr>
+          </a:fillRef>
+          <a:effectRef idx="2">
+            <a:schemeClr val="accent4">
+              <a:hueOff val="0"/>
+              <a:satOff val="0"/>
+              <a:lumOff val="0"/>
+              <a:alphaOff val="0"/>
+            </a:schemeClr>
+          </a:effectRef>
+          <a:fontRef idx="minor">
+            <a:schemeClr val="lt1"/>
+          </a:fontRef>
+        </p:style>
+      </p:sp>
+      <p:sp>
+        <p:nvSpPr>
+          <p:cNvPr id="16" name="Freeform: Shape 15">
+            <a:extLst>
+              <a:ext uri="{FF2B5EF4-FFF2-40B4-BE49-F238E27FC236}">
+                <a16:creationId xmlns:a16="http://schemas.microsoft.com/office/drawing/2014/main" id="{5342F0C9-4DFF-4E57-A46C-1297D97EB1BA}"/>
+              </a:ext>
+            </a:extLst>
+          </p:cNvPr>
+          <p:cNvSpPr/>
+          <p:nvPr/>
+        </p:nvSpPr>
+        <p:spPr>
+          <a:xfrm>
+            <a:off x="5282521" y="3975250"/>
+            <a:ext cx="6266011" cy="1631587"/>
+          </a:xfrm>
+          <a:custGeom>
+            <a:avLst/>
+            <a:gdLst>
+              <a:gd name="connsiteX0" fmla="*/ 0 w 6266011"/>
+              <a:gd name="connsiteY0" fmla="*/ 0 h 1631587"/>
+              <a:gd name="connsiteX1" fmla="*/ 6266011 w 6266011"/>
+              <a:gd name="connsiteY1" fmla="*/ 0 h 1631587"/>
+              <a:gd name="connsiteX2" fmla="*/ 6266011 w 6266011"/>
+              <a:gd name="connsiteY2" fmla="*/ 1631587 h 1631587"/>
+              <a:gd name="connsiteX3" fmla="*/ 0 w 6266011"/>
+              <a:gd name="connsiteY3" fmla="*/ 1631587 h 1631587"/>
+              <a:gd name="connsiteX4" fmla="*/ 0 w 6266011"/>
+              <a:gd name="connsiteY4" fmla="*/ 0 h 1631587"/>
+            </a:gdLst>
+            <a:ahLst/>
+            <a:cxnLst>
+              <a:cxn ang="0">
+                <a:pos x="connsiteX0" y="connsiteY0"/>
+              </a:cxn>
+              <a:cxn ang="0">
+                <a:pos x="connsiteX1" y="connsiteY1"/>
+              </a:cxn>
+              <a:cxn ang="0">
+                <a:pos x="connsiteX2" y="connsiteY2"/>
+              </a:cxn>
+              <a:cxn ang="0">
+                <a:pos x="connsiteX3" y="connsiteY3"/>
+              </a:cxn>
+              <a:cxn ang="0">
+                <a:pos x="connsiteX4" y="connsiteY4"/>
+              </a:cxn>
+            </a:cxnLst>
+            <a:rect l="l" t="t" r="r" b="b"/>
+            <a:pathLst>
+              <a:path w="6266011" h="1631587">
+                <a:moveTo>
+                  <a:pt x="0" y="0"/>
+                </a:moveTo>
+                <a:lnTo>
+                  <a:pt x="6266011" y="0"/>
+                </a:lnTo>
+                <a:lnTo>
+                  <a:pt x="6266011" y="1631587"/>
+                </a:lnTo>
+                <a:lnTo>
+                  <a:pt x="0" y="1631587"/>
+                </a:lnTo>
+                <a:lnTo>
+                  <a:pt x="0" y="0"/>
+                </a:lnTo>
+                <a:close/>
+              </a:path>
+            </a:pathLst>
+          </a:custGeom>
+        </p:spPr>
+        <p:style>
+          <a:lnRef idx="0">
+            <a:schemeClr val="dk1">
+              <a:alpha val="0"/>
+              <a:hueOff val="0"/>
+              <a:satOff val="0"/>
+              <a:lumOff val="0"/>
+              <a:alphaOff val="0"/>
+            </a:schemeClr>
+          </a:lnRef>
+          <a:fillRef idx="0">
+            <a:schemeClr val="lt1">
+              <a:alpha val="0"/>
+              <a:hueOff val="0"/>
+              <a:satOff val="0"/>
+              <a:lumOff val="0"/>
+              <a:alphaOff val="0"/>
+            </a:schemeClr>
+          </a:fillRef>
+          <a:effectRef idx="0">
+            <a:schemeClr val="lt1">
+              <a:alpha val="0"/>
+              <a:hueOff val="0"/>
+              <a:satOff val="0"/>
+              <a:lumOff val="0"/>
+              <a:alphaOff val="0"/>
+            </a:schemeClr>
+          </a:effectRef>
+          <a:fontRef idx="minor">
+            <a:schemeClr val="tx1">
+              <a:hueOff val="0"/>
+              <a:satOff val="0"/>
+              <a:lumOff val="0"/>
+              <a:alphaOff val="0"/>
+            </a:schemeClr>
+          </a:fontRef>
+        </p:style>
+        <p:txBody>
+          <a:bodyPr spcFirstLastPara="0" vert="horz" wrap="square" lIns="152400" tIns="152400" rIns="152400" bIns="152400" numCol="1" spcCol="1270" anchor="t" anchorCtr="0">
+            <a:noAutofit/>
+          </a:bodyPr>
+          <a:lstStyle/>
+          <a:p>
+            <a:pPr marL="0" lvl="0" indent="0" algn="l" defTabSz="1778000">
+              <a:lnSpc>
+                <a:spcPct val="90000"/>
+              </a:lnSpc>
+              <a:spcBef>
+                <a:spcPct val="0"/>
+              </a:spcBef>
+              <a:spcAft>
+                <a:spcPct val="35000"/>
+              </a:spcAft>
+              <a:buNone/>
+            </a:pPr>
+            <a:r>
+              <a:rPr lang="en-US" sz="4000" kern="1200" dirty="0"/>
+              <a:t>The desire to have purpose, connection, or belonging.</a:t>
+            </a:r>
+          </a:p>
+        </p:txBody>
+      </p:sp>
+      <p:pic>
+        <p:nvPicPr>
+          <p:cNvPr id="3074" name="Picture 2" descr="Drive: The Surprising Truth About What Motivates Us: Pink, Daniel H.:  8601420442870: Amazon.com: Books">
+            <a:extLst>
+              <a:ext uri="{FF2B5EF4-FFF2-40B4-BE49-F238E27FC236}">
+                <a16:creationId xmlns:a16="http://schemas.microsoft.com/office/drawing/2014/main" id="{54DE1EF0-B0A2-44BE-92C9-8E6A350F38B8}"/>
+              </a:ext>
+            </a:extLst>
+          </p:cNvPr>
+          <p:cNvPicPr>
+            <a:picLocks noChangeAspect="1" noChangeArrowheads="1"/>
+          </p:cNvPicPr>
+          <p:nvPr/>
+        </p:nvPicPr>
+        <p:blipFill>
+          <a:blip r:embed="rId5">
+            <a:extLst>
+              <a:ext uri="{28A0092B-C50C-407E-A947-70E740481C1C}">
+                <a14:useLocalDpi xmlns:a14="http://schemas.microsoft.com/office/drawing/2010/main" val="0"/>
+              </a:ext>
+            </a:extLst>
+          </a:blip>
+          <a:srcRect/>
+          <a:stretch>
+            <a:fillRect/>
+          </a:stretch>
+        </p:blipFill>
+        <p:spPr bwMode="auto">
+          <a:xfrm>
+            <a:off x="2667368" y="4256763"/>
+            <a:ext cx="1328220" cy="1991638"/>
+          </a:xfrm>
+          <a:prstGeom prst="rect">
+            <a:avLst/>
+          </a:prstGeom>
+          <a:noFill/>
+          <a:extLst>
+            <a:ext uri="{909E8E84-426E-40DD-AFC4-6F175D3DCCD1}">
+              <a14:hiddenFill xmlns:a14="http://schemas.microsoft.com/office/drawing/2010/main">
+                <a:solidFill>
+                  <a:srgbClr val="FFFFFF"/>
+                </a:solidFill>
+              </a14:hiddenFill>
+            </a:ext>
+          </a:extLst>
+        </p:spPr>
+      </p:pic>
+      <p:pic>
+        <p:nvPicPr>
+          <p:cNvPr id="3076" name="Picture 4" descr="When: The Scientific Secrets of Perfect Timing&amp;quot;: An Interview with Daniel  Pink - Quiet Revolution">
+            <a:extLst>
+              <a:ext uri="{FF2B5EF4-FFF2-40B4-BE49-F238E27FC236}">
+                <a16:creationId xmlns:a16="http://schemas.microsoft.com/office/drawing/2014/main" id="{EAAE5FBE-AFB7-4CCC-8ACE-98DE2231C6E2}"/>
+              </a:ext>
+            </a:extLst>
+          </p:cNvPr>
+          <p:cNvPicPr>
+            <a:picLocks noChangeAspect="1" noChangeArrowheads="1"/>
+          </p:cNvPicPr>
+          <p:nvPr/>
+        </p:nvPicPr>
+        <p:blipFill rotWithShape="1">
+          <a:blip r:embed="rId6">
+            <a:extLst>
+              <a:ext uri="{28A0092B-C50C-407E-A947-70E740481C1C}">
+                <a14:useLocalDpi xmlns:a14="http://schemas.microsoft.com/office/drawing/2010/main" val="0"/>
+              </a:ext>
+            </a:extLst>
+          </a:blip>
+          <a:srcRect l="54452" r="18322" b="34174"/>
+          <a:stretch/>
+        </p:blipFill>
+        <p:spPr bwMode="auto">
+          <a:xfrm>
+            <a:off x="770995" y="4256763"/>
+            <a:ext cx="1464454" cy="1991638"/>
+          </a:xfrm>
+          <a:prstGeom prst="rect">
+            <a:avLst/>
+          </a:prstGeom>
+          <a:noFill/>
+          <a:extLst>
+            <a:ext uri="{909E8E84-426E-40DD-AFC4-6F175D3DCCD1}">
+              <a14:hiddenFill xmlns:a14="http://schemas.microsoft.com/office/drawing/2010/main">
+                <a:solidFill>
+                  <a:srgbClr val="FFFFFF"/>
+                </a:solidFill>
+              </a14:hiddenFill>
+            </a:ext>
+          </a:extLst>
+        </p:spPr>
+      </p:pic>
     </p:spTree>
     <p:extLst>
       <p:ext uri="{BB962C8B-B14F-4D97-AF65-F5344CB8AC3E}">
@@ -43023,12 +44910,302 @@
   <p:clrMapOvr>
     <a:masterClrMapping/>
   </p:clrMapOvr>
+  <p:timing>
+    <p:tnLst>
+      <p:par>
+        <p:cTn id="1" dur="indefinite" restart="never" nodeType="tmRoot">
+          <p:childTnLst>
+            <p:seq concurrent="1" nextAc="seek">
+              <p:cTn id="2" dur="indefinite" nodeType="mainSeq">
+                <p:childTnLst>
+                  <p:par>
+                    <p:cTn id="3" fill="hold">
+                      <p:stCondLst>
+                        <p:cond delay="indefinite"/>
+                      </p:stCondLst>
+                      <p:childTnLst>
+                        <p:par>
+                          <p:cTn id="4" fill="hold">
+                            <p:stCondLst>
+                              <p:cond delay="0"/>
+                            </p:stCondLst>
+                            <p:childTnLst>
+                              <p:par>
+                                <p:cTn id="5" presetID="10" presetClass="entr" presetSubtype="0" fill="hold" grpId="0" nodeType="clickEffect">
+                                  <p:stCondLst>
+                                    <p:cond delay="0"/>
+                                  </p:stCondLst>
+                                  <p:childTnLst>
+                                    <p:set>
+                                      <p:cBhvr>
+                                        <p:cTn id="6" dur="1" fill="hold">
+                                          <p:stCondLst>
+                                            <p:cond delay="0"/>
+                                          </p:stCondLst>
+                                        </p:cTn>
+                                        <p:tgtEl>
+                                          <p:spTgt spid="7"/>
+                                        </p:tgtEl>
+                                        <p:attrNameLst>
+                                          <p:attrName>style.visibility</p:attrName>
+                                        </p:attrNameLst>
+                                      </p:cBhvr>
+                                      <p:to>
+                                        <p:strVal val="visible"/>
+                                      </p:to>
+                                    </p:set>
+                                    <p:animEffect transition="in" filter="fade">
+                                      <p:cBhvr>
+                                        <p:cTn id="7" dur="500"/>
+                                        <p:tgtEl>
+                                          <p:spTgt spid="7"/>
+                                        </p:tgtEl>
+                                      </p:cBhvr>
+                                    </p:animEffect>
+                                  </p:childTnLst>
+                                </p:cTn>
+                              </p:par>
+                            </p:childTnLst>
+                          </p:cTn>
+                        </p:par>
+                      </p:childTnLst>
+                    </p:cTn>
+                  </p:par>
+                  <p:par>
+                    <p:cTn id="8" fill="hold">
+                      <p:stCondLst>
+                        <p:cond delay="indefinite"/>
+                      </p:stCondLst>
+                      <p:childTnLst>
+                        <p:par>
+                          <p:cTn id="9" fill="hold">
+                            <p:stCondLst>
+                              <p:cond delay="0"/>
+                            </p:stCondLst>
+                            <p:childTnLst>
+                              <p:par>
+                                <p:cTn id="10" presetID="10" presetClass="entr" presetSubtype="0" fill="hold" grpId="0" nodeType="clickEffect">
+                                  <p:stCondLst>
+                                    <p:cond delay="0"/>
+                                  </p:stCondLst>
+                                  <p:childTnLst>
+                                    <p:set>
+                                      <p:cBhvr>
+                                        <p:cTn id="11" dur="1" fill="hold">
+                                          <p:stCondLst>
+                                            <p:cond delay="0"/>
+                                          </p:stCondLst>
+                                        </p:cTn>
+                                        <p:tgtEl>
+                                          <p:spTgt spid="10"/>
+                                        </p:tgtEl>
+                                        <p:attrNameLst>
+                                          <p:attrName>style.visibility</p:attrName>
+                                        </p:attrNameLst>
+                                      </p:cBhvr>
+                                      <p:to>
+                                        <p:strVal val="visible"/>
+                                      </p:to>
+                                    </p:set>
+                                    <p:animEffect transition="in" filter="fade">
+                                      <p:cBhvr>
+                                        <p:cTn id="12" dur="500"/>
+                                        <p:tgtEl>
+                                          <p:spTgt spid="10"/>
+                                        </p:tgtEl>
+                                      </p:cBhvr>
+                                    </p:animEffect>
+                                  </p:childTnLst>
+                                </p:cTn>
+                              </p:par>
+                            </p:childTnLst>
+                          </p:cTn>
+                        </p:par>
+                      </p:childTnLst>
+                    </p:cTn>
+                  </p:par>
+                  <p:par>
+                    <p:cTn id="13" fill="hold">
+                      <p:stCondLst>
+                        <p:cond delay="indefinite"/>
+                      </p:stCondLst>
+                      <p:childTnLst>
+                        <p:par>
+                          <p:cTn id="14" fill="hold">
+                            <p:stCondLst>
+                              <p:cond delay="0"/>
+                            </p:stCondLst>
+                            <p:childTnLst>
+                              <p:par>
+                                <p:cTn id="15" presetID="10" presetClass="entr" presetSubtype="0" fill="hold" grpId="0" nodeType="clickEffect">
+                                  <p:stCondLst>
+                                    <p:cond delay="0"/>
+                                  </p:stCondLst>
+                                  <p:childTnLst>
+                                    <p:set>
+                                      <p:cBhvr>
+                                        <p:cTn id="16" dur="1" fill="hold">
+                                          <p:stCondLst>
+                                            <p:cond delay="0"/>
+                                          </p:stCondLst>
+                                        </p:cTn>
+                                        <p:tgtEl>
+                                          <p:spTgt spid="16"/>
+                                        </p:tgtEl>
+                                        <p:attrNameLst>
+                                          <p:attrName>style.visibility</p:attrName>
+                                        </p:attrNameLst>
+                                      </p:cBhvr>
+                                      <p:to>
+                                        <p:strVal val="visible"/>
+                                      </p:to>
+                                    </p:set>
+                                    <p:animEffect transition="in" filter="fade">
+                                      <p:cBhvr>
+                                        <p:cTn id="17" dur="500"/>
+                                        <p:tgtEl>
+                                          <p:spTgt spid="16"/>
+                                        </p:tgtEl>
+                                      </p:cBhvr>
+                                    </p:animEffect>
+                                  </p:childTnLst>
+                                </p:cTn>
+                              </p:par>
+                            </p:childTnLst>
+                          </p:cTn>
+                        </p:par>
+                      </p:childTnLst>
+                    </p:cTn>
+                  </p:par>
+                  <p:par>
+                    <p:cTn id="18" fill="hold">
+                      <p:stCondLst>
+                        <p:cond delay="indefinite"/>
+                      </p:stCondLst>
+                      <p:childTnLst>
+                        <p:par>
+                          <p:cTn id="19" fill="hold">
+                            <p:stCondLst>
+                              <p:cond delay="0"/>
+                            </p:stCondLst>
+                            <p:childTnLst>
+                              <p:par>
+                                <p:cTn id="20" presetID="10" presetClass="entr" presetSubtype="0" fill="hold" nodeType="clickEffect">
+                                  <p:stCondLst>
+                                    <p:cond delay="0"/>
+                                  </p:stCondLst>
+                                  <p:childTnLst>
+                                    <p:set>
+                                      <p:cBhvr>
+                                        <p:cTn id="21" dur="1" fill="hold">
+                                          <p:stCondLst>
+                                            <p:cond delay="0"/>
+                                          </p:stCondLst>
+                                        </p:cTn>
+                                        <p:tgtEl>
+                                          <p:spTgt spid="3076"/>
+                                        </p:tgtEl>
+                                        <p:attrNameLst>
+                                          <p:attrName>style.visibility</p:attrName>
+                                        </p:attrNameLst>
+                                      </p:cBhvr>
+                                      <p:to>
+                                        <p:strVal val="visible"/>
+                                      </p:to>
+                                    </p:set>
+                                    <p:animEffect transition="in" filter="fade">
+                                      <p:cBhvr>
+                                        <p:cTn id="22" dur="500"/>
+                                        <p:tgtEl>
+                                          <p:spTgt spid="3076"/>
+                                        </p:tgtEl>
+                                      </p:cBhvr>
+                                    </p:animEffect>
+                                  </p:childTnLst>
+                                </p:cTn>
+                              </p:par>
+                              <p:par>
+                                <p:cTn id="23" presetID="10" presetClass="entr" presetSubtype="0" fill="hold" nodeType="withEffect">
+                                  <p:stCondLst>
+                                    <p:cond delay="0"/>
+                                  </p:stCondLst>
+                                  <p:childTnLst>
+                                    <p:set>
+                                      <p:cBhvr>
+                                        <p:cTn id="24" dur="1" fill="hold">
+                                          <p:stCondLst>
+                                            <p:cond delay="0"/>
+                                          </p:stCondLst>
+                                        </p:cTn>
+                                        <p:tgtEl>
+                                          <p:spTgt spid="3074"/>
+                                        </p:tgtEl>
+                                        <p:attrNameLst>
+                                          <p:attrName>style.visibility</p:attrName>
+                                        </p:attrNameLst>
+                                      </p:cBhvr>
+                                      <p:to>
+                                        <p:strVal val="visible"/>
+                                      </p:to>
+                                    </p:set>
+                                    <p:animEffect transition="in" filter="fade">
+                                      <p:cBhvr>
+                                        <p:cTn id="25" dur="500"/>
+                                        <p:tgtEl>
+                                          <p:spTgt spid="3074"/>
+                                        </p:tgtEl>
+                                      </p:cBhvr>
+                                    </p:animEffect>
+                                  </p:childTnLst>
+                                </p:cTn>
+                              </p:par>
+                            </p:childTnLst>
+                          </p:cTn>
+                        </p:par>
+                      </p:childTnLst>
+                    </p:cTn>
+                  </p:par>
+                </p:childTnLst>
+              </p:cTn>
+              <p:prevCondLst>
+                <p:cond evt="onPrev" delay="0">
+                  <p:tgtEl>
+                    <p:sldTgt/>
+                  </p:tgtEl>
+                </p:cond>
+              </p:prevCondLst>
+              <p:nextCondLst>
+                <p:cond evt="onNext" delay="0">
+                  <p:tgtEl>
+                    <p:sldTgt/>
+                  </p:tgtEl>
+                </p:cond>
+              </p:nextCondLst>
+            </p:seq>
+          </p:childTnLst>
+        </p:cTn>
+      </p:par>
+    </p:tnLst>
+    <p:bldLst>
+      <p:bldP spid="7" grpId="0"/>
+      <p:bldP spid="10" grpId="0"/>
+      <p:bldP spid="16" grpId="0"/>
+    </p:bldLst>
+  </p:timing>
 </p:sld>
 </file>
 
 <file path=ppt/slides/slide28.xml><?xml version="1.0" encoding="utf-8"?>
 <p:sld xmlns:a="http://schemas.openxmlformats.org/drawingml/2006/main" xmlns:r="http://schemas.openxmlformats.org/officeDocument/2006/relationships" xmlns:p="http://schemas.openxmlformats.org/presentationml/2006/main">
   <p:cSld>
+    <p:bg>
+      <p:bgPr>
+        <a:solidFill>
+          <a:schemeClr val="bg1"/>
+        </a:solidFill>
+        <a:effectLst/>
+      </p:bgPr>
+    </p:bg>
     <p:spTree>
       <p:nvGrpSpPr>
         <p:cNvPr id="1" name=""/>
@@ -43045,6 +45222,66 @@
       </p:grpSpPr>
       <p:sp>
         <p:nvSpPr>
+          <p:cNvPr id="4102" name="Rectangle 72">
+            <a:extLst>
+              <a:ext uri="{FF2B5EF4-FFF2-40B4-BE49-F238E27FC236}">
+                <a16:creationId xmlns:a16="http://schemas.microsoft.com/office/drawing/2014/main" id="{95CB840F-8E41-4CA5-B79B-25CC80AD234A}"/>
+              </a:ext>
+              <a:ext uri="{C183D7F6-B498-43B3-948B-1728B52AA6E4}">
+                <adec:decorative xmlns:adec="http://schemas.microsoft.com/office/drawing/2017/decorative" val="1"/>
+              </a:ext>
+            </a:extLst>
+          </p:cNvPr>
+          <p:cNvSpPr>
+            <a:spLocks noGrp="1" noRot="1" noChangeAspect="1" noMove="1" noResize="1" noEditPoints="1" noAdjustHandles="1" noChangeArrowheads="1" noChangeShapeType="1" noTextEdit="1"/>
+          </p:cNvSpPr>
+          <p:nvPr>
+            <p:extLst>
+              <p:ext uri="{386F3935-93C4-4BCD-93E2-E3B085C9AB24}">
+                <p16:designElem xmlns:p16="http://schemas.microsoft.com/office/powerpoint/2015/main" val="1"/>
+              </p:ext>
+            </p:extLst>
+          </p:nvPr>
+        </p:nvSpPr>
+        <p:spPr>
+          <a:xfrm>
+            <a:off x="0" y="0"/>
+            <a:ext cx="12192000" cy="6858000"/>
+          </a:xfrm>
+          <a:prstGeom prst="rect">
+            <a:avLst/>
+          </a:prstGeom>
+          <a:ln>
+            <a:noFill/>
+          </a:ln>
+        </p:spPr>
+        <p:style>
+          <a:lnRef idx="2">
+            <a:schemeClr val="accent1">
+              <a:shade val="50000"/>
+            </a:schemeClr>
+          </a:lnRef>
+          <a:fillRef idx="1003">
+            <a:schemeClr val="dk2"/>
+          </a:fillRef>
+          <a:effectRef idx="0">
+            <a:schemeClr val="accent1"/>
+          </a:effectRef>
+          <a:fontRef idx="minor">
+            <a:schemeClr val="lt1"/>
+          </a:fontRef>
+        </p:style>
+        <p:txBody>
+          <a:bodyPr rtlCol="0" anchor="ctr"/>
+          <a:lstStyle/>
+          <a:p>
+            <a:pPr algn="ctr"/>
+            <a:endParaRPr lang="en-US"/>
+          </a:p>
+        </p:txBody>
+      </p:sp>
+      <p:sp>
+        <p:nvSpPr>
           <p:cNvPr id="2" name="Title 1">
             <a:extLst>
               <a:ext uri="{FF2B5EF4-FFF2-40B4-BE49-F238E27FC236}">
@@ -43059,13 +45296,31 @@
             <p:ph type="title"/>
           </p:nvPr>
         </p:nvSpPr>
-        <p:spPr/>
+        <p:spPr>
+          <a:xfrm>
+            <a:off x="913795" y="381000"/>
+            <a:ext cx="10634737" cy="970450"/>
+          </a:xfrm>
+        </p:spPr>
         <p:txBody>
-          <a:bodyPr/>
+          <a:bodyPr anchor="ctr">
+            <a:normAutofit/>
+          </a:bodyPr>
           <a:lstStyle/>
           <a:p>
             <a:r>
-              <a:rPr lang="en-US" dirty="0"/>
+              <a:rPr lang="en-US" sz="4400" dirty="0">
+                <a:ln>
+                  <a:solidFill>
+                    <a:srgbClr val="404040">
+                      <a:alpha val="10000"/>
+                    </a:srgbClr>
+                  </a:solidFill>
+                </a:ln>
+                <a:solidFill>
+                  <a:srgbClr val="DADADA"/>
+                </a:solidFill>
+              </a:rPr>
               <a:t>Jealously guarding hope</a:t>
             </a:r>
           </a:p>
@@ -43087,15 +45342,154 @@
             <p:ph idx="1"/>
           </p:nvPr>
         </p:nvSpPr>
-        <p:spPr/>
+        <p:spPr>
+          <a:xfrm>
+            <a:off x="300625" y="1732449"/>
+            <a:ext cx="4208745" cy="4482084"/>
+          </a:xfrm>
+        </p:spPr>
         <p:txBody>
-          <a:bodyPr/>
+          <a:bodyPr anchor="t">
+            <a:normAutofit/>
+          </a:bodyPr>
           <a:lstStyle/>
           <a:p>
-            <a:endParaRPr lang="en-US"/>
+            <a:r>
+              <a:rPr lang="en-US" sz="2800" dirty="0">
+                <a:ln>
+                  <a:solidFill>
+                    <a:srgbClr val="404040">
+                      <a:alpha val="10000"/>
+                    </a:srgbClr>
+                  </a:solidFill>
+                </a:ln>
+                <a:solidFill>
+                  <a:srgbClr val="DADADA"/>
+                </a:solidFill>
+              </a:rPr>
+              <a:t>Guard against:</a:t>
+            </a:r>
+          </a:p>
+          <a:p>
+            <a:pPr lvl="1"/>
+            <a:r>
+              <a:rPr lang="en-US" sz="2800" dirty="0">
+                <a:ln>
+                  <a:solidFill>
+                    <a:srgbClr val="404040">
+                      <a:alpha val="10000"/>
+                    </a:srgbClr>
+                  </a:solidFill>
+                </a:ln>
+                <a:solidFill>
+                  <a:srgbClr val="DADADA"/>
+                </a:solidFill>
+              </a:rPr>
+              <a:t>Naysayers</a:t>
+            </a:r>
+          </a:p>
+          <a:p>
+            <a:pPr lvl="1"/>
+            <a:r>
+              <a:rPr lang="en-US" sz="2800" dirty="0">
+                <a:ln>
+                  <a:solidFill>
+                    <a:srgbClr val="404040">
+                      <a:alpha val="10000"/>
+                    </a:srgbClr>
+                  </a:solidFill>
+                </a:ln>
+                <a:solidFill>
+                  <a:srgbClr val="DADADA"/>
+                </a:solidFill>
+              </a:rPr>
+              <a:t>Excessive challenge</a:t>
+            </a:r>
+          </a:p>
+          <a:p>
+            <a:pPr lvl="1"/>
+            <a:r>
+              <a:rPr lang="en-US" sz="2800" dirty="0">
+                <a:ln>
+                  <a:solidFill>
+                    <a:srgbClr val="404040">
+                      <a:alpha val="10000"/>
+                    </a:srgbClr>
+                  </a:solidFill>
+                </a:ln>
+                <a:solidFill>
+                  <a:srgbClr val="DADADA"/>
+                </a:solidFill>
+              </a:rPr>
+              <a:t>Too little challenge</a:t>
+            </a:r>
+          </a:p>
+          <a:p>
+            <a:pPr lvl="1"/>
+            <a:r>
+              <a:rPr lang="en-US" sz="2800" dirty="0">
+                <a:ln>
+                  <a:solidFill>
+                    <a:srgbClr val="404040">
+                      <a:alpha val="10000"/>
+                    </a:srgbClr>
+                  </a:solidFill>
+                </a:ln>
+                <a:solidFill>
+                  <a:srgbClr val="DADADA"/>
+                </a:solidFill>
+              </a:rPr>
+              <a:t>Conflicting visions</a:t>
+            </a:r>
           </a:p>
         </p:txBody>
       </p:sp>
+      <p:pic>
+        <p:nvPicPr>
+          <p:cNvPr id="4100" name="Picture 4" descr="Never, never, never give up! Winston Churchill">
+            <a:extLst>
+              <a:ext uri="{FF2B5EF4-FFF2-40B4-BE49-F238E27FC236}">
+                <a16:creationId xmlns:a16="http://schemas.microsoft.com/office/drawing/2014/main" id="{10C00607-BB8C-4FE6-8C66-9C4B44315609}"/>
+              </a:ext>
+            </a:extLst>
+          </p:cNvPr>
+          <p:cNvPicPr>
+            <a:picLocks noChangeAspect="1" noChangeArrowheads="1"/>
+          </p:cNvPicPr>
+          <p:nvPr/>
+        </p:nvPicPr>
+        <p:blipFill>
+          <a:blip r:embed="rId3">
+            <a:extLst>
+              <a:ext uri="{28A0092B-C50C-407E-A947-70E740481C1C}">
+                <a14:useLocalDpi xmlns:a14="http://schemas.microsoft.com/office/drawing/2010/main" val="0"/>
+              </a:ext>
+            </a:extLst>
+          </a:blip>
+          <a:stretch>
+            <a:fillRect/>
+          </a:stretch>
+        </p:blipFill>
+        <p:spPr bwMode="auto">
+          <a:xfrm>
+            <a:off x="4906339" y="1353314"/>
+            <a:ext cx="6642193" cy="4151370"/>
+          </a:xfrm>
+          <a:prstGeom prst="rect">
+            <a:avLst/>
+          </a:prstGeom>
+          <a:noFill/>
+          <a:extLst>
+            <a:ext uri="{909E8E84-426E-40DD-AFC4-6F175D3DCCD1}">
+              <a14:hiddenFill xmlns:a14="http://schemas.microsoft.com/office/drawing/2010/main">
+                <a:solidFill>
+                  <a:srgbClr val="FFFFFF"/>
+                </a:solidFill>
+              </a14:hiddenFill>
+            </a:ext>
+          </a:extLst>
+        </p:spPr>
+      </p:pic>
     </p:spTree>
     <p:extLst>
       <p:ext uri="{BB962C8B-B14F-4D97-AF65-F5344CB8AC3E}">
@@ -43104,8 +45498,282 @@
     </p:extLst>
   </p:cSld>
   <p:clrMapOvr>
-    <a:masterClrMapping/>
+    <a:overrideClrMapping bg1="lt1" tx1="dk1" bg2="lt2" tx2="dk2" accent1="accent1" accent2="accent2" accent3="accent3" accent4="accent4" accent5="accent5" accent6="accent6" hlink="hlink" folHlink="folHlink"/>
   </p:clrMapOvr>
+  <p:timing>
+    <p:tnLst>
+      <p:par>
+        <p:cTn id="1" dur="indefinite" restart="never" nodeType="tmRoot">
+          <p:childTnLst>
+            <p:seq concurrent="1" nextAc="seek">
+              <p:cTn id="2" dur="indefinite" nodeType="mainSeq">
+                <p:childTnLst>
+                  <p:par>
+                    <p:cTn id="3" fill="hold">
+                      <p:stCondLst>
+                        <p:cond delay="indefinite"/>
+                      </p:stCondLst>
+                      <p:childTnLst>
+                        <p:par>
+                          <p:cTn id="4" fill="hold">
+                            <p:stCondLst>
+                              <p:cond delay="0"/>
+                            </p:stCondLst>
+                            <p:childTnLst>
+                              <p:par>
+                                <p:cTn id="5" presetID="10" presetClass="entr" presetSubtype="0" fill="hold" nodeType="clickEffect">
+                                  <p:stCondLst>
+                                    <p:cond delay="0"/>
+                                  </p:stCondLst>
+                                  <p:childTnLst>
+                                    <p:set>
+                                      <p:cBhvr>
+                                        <p:cTn id="6" dur="1" fill="hold">
+                                          <p:stCondLst>
+                                            <p:cond delay="0"/>
+                                          </p:stCondLst>
+                                        </p:cTn>
+                                        <p:tgtEl>
+                                          <p:spTgt spid="3">
+                                            <p:txEl>
+                                              <p:pRg st="1" end="1"/>
+                                            </p:txEl>
+                                          </p:spTgt>
+                                        </p:tgtEl>
+                                        <p:attrNameLst>
+                                          <p:attrName>style.visibility</p:attrName>
+                                        </p:attrNameLst>
+                                      </p:cBhvr>
+                                      <p:to>
+                                        <p:strVal val="visible"/>
+                                      </p:to>
+                                    </p:set>
+                                    <p:animEffect transition="in" filter="fade">
+                                      <p:cBhvr>
+                                        <p:cTn id="7" dur="500"/>
+                                        <p:tgtEl>
+                                          <p:spTgt spid="3">
+                                            <p:txEl>
+                                              <p:pRg st="1" end="1"/>
+                                            </p:txEl>
+                                          </p:spTgt>
+                                        </p:tgtEl>
+                                      </p:cBhvr>
+                                    </p:animEffect>
+                                  </p:childTnLst>
+                                </p:cTn>
+                              </p:par>
+                            </p:childTnLst>
+                          </p:cTn>
+                        </p:par>
+                      </p:childTnLst>
+                    </p:cTn>
+                  </p:par>
+                  <p:par>
+                    <p:cTn id="8" fill="hold">
+                      <p:stCondLst>
+                        <p:cond delay="indefinite"/>
+                      </p:stCondLst>
+                      <p:childTnLst>
+                        <p:par>
+                          <p:cTn id="9" fill="hold">
+                            <p:stCondLst>
+                              <p:cond delay="0"/>
+                            </p:stCondLst>
+                            <p:childTnLst>
+                              <p:par>
+                                <p:cTn id="10" presetID="10" presetClass="entr" presetSubtype="0" fill="hold" nodeType="clickEffect">
+                                  <p:stCondLst>
+                                    <p:cond delay="0"/>
+                                  </p:stCondLst>
+                                  <p:childTnLst>
+                                    <p:set>
+                                      <p:cBhvr>
+                                        <p:cTn id="11" dur="1" fill="hold">
+                                          <p:stCondLst>
+                                            <p:cond delay="0"/>
+                                          </p:stCondLst>
+                                        </p:cTn>
+                                        <p:tgtEl>
+                                          <p:spTgt spid="3">
+                                            <p:txEl>
+                                              <p:pRg st="2" end="2"/>
+                                            </p:txEl>
+                                          </p:spTgt>
+                                        </p:tgtEl>
+                                        <p:attrNameLst>
+                                          <p:attrName>style.visibility</p:attrName>
+                                        </p:attrNameLst>
+                                      </p:cBhvr>
+                                      <p:to>
+                                        <p:strVal val="visible"/>
+                                      </p:to>
+                                    </p:set>
+                                    <p:animEffect transition="in" filter="fade">
+                                      <p:cBhvr>
+                                        <p:cTn id="12" dur="500"/>
+                                        <p:tgtEl>
+                                          <p:spTgt spid="3">
+                                            <p:txEl>
+                                              <p:pRg st="2" end="2"/>
+                                            </p:txEl>
+                                          </p:spTgt>
+                                        </p:tgtEl>
+                                      </p:cBhvr>
+                                    </p:animEffect>
+                                  </p:childTnLst>
+                                </p:cTn>
+                              </p:par>
+                            </p:childTnLst>
+                          </p:cTn>
+                        </p:par>
+                      </p:childTnLst>
+                    </p:cTn>
+                  </p:par>
+                  <p:par>
+                    <p:cTn id="13" fill="hold">
+                      <p:stCondLst>
+                        <p:cond delay="indefinite"/>
+                      </p:stCondLst>
+                      <p:childTnLst>
+                        <p:par>
+                          <p:cTn id="14" fill="hold">
+                            <p:stCondLst>
+                              <p:cond delay="0"/>
+                            </p:stCondLst>
+                            <p:childTnLst>
+                              <p:par>
+                                <p:cTn id="15" presetID="10" presetClass="entr" presetSubtype="0" fill="hold" nodeType="clickEffect">
+                                  <p:stCondLst>
+                                    <p:cond delay="0"/>
+                                  </p:stCondLst>
+                                  <p:childTnLst>
+                                    <p:set>
+                                      <p:cBhvr>
+                                        <p:cTn id="16" dur="1" fill="hold">
+                                          <p:stCondLst>
+                                            <p:cond delay="0"/>
+                                          </p:stCondLst>
+                                        </p:cTn>
+                                        <p:tgtEl>
+                                          <p:spTgt spid="3">
+                                            <p:txEl>
+                                              <p:pRg st="3" end="3"/>
+                                            </p:txEl>
+                                          </p:spTgt>
+                                        </p:tgtEl>
+                                        <p:attrNameLst>
+                                          <p:attrName>style.visibility</p:attrName>
+                                        </p:attrNameLst>
+                                      </p:cBhvr>
+                                      <p:to>
+                                        <p:strVal val="visible"/>
+                                      </p:to>
+                                    </p:set>
+                                    <p:animEffect transition="in" filter="fade">
+                                      <p:cBhvr>
+                                        <p:cTn id="17" dur="500"/>
+                                        <p:tgtEl>
+                                          <p:spTgt spid="3">
+                                            <p:txEl>
+                                              <p:pRg st="3" end="3"/>
+                                            </p:txEl>
+                                          </p:spTgt>
+                                        </p:tgtEl>
+                                      </p:cBhvr>
+                                    </p:animEffect>
+                                  </p:childTnLst>
+                                </p:cTn>
+                              </p:par>
+                            </p:childTnLst>
+                          </p:cTn>
+                        </p:par>
+                      </p:childTnLst>
+                    </p:cTn>
+                  </p:par>
+                  <p:par>
+                    <p:cTn id="18" fill="hold">
+                      <p:stCondLst>
+                        <p:cond delay="indefinite"/>
+                      </p:stCondLst>
+                      <p:childTnLst>
+                        <p:par>
+                          <p:cTn id="19" fill="hold">
+                            <p:stCondLst>
+                              <p:cond delay="0"/>
+                            </p:stCondLst>
+                            <p:childTnLst>
+                              <p:par>
+                                <p:cTn id="20" presetID="10" presetClass="entr" presetSubtype="0" fill="hold" nodeType="clickEffect">
+                                  <p:stCondLst>
+                                    <p:cond delay="0"/>
+                                  </p:stCondLst>
+                                  <p:childTnLst>
+                                    <p:set>
+                                      <p:cBhvr>
+                                        <p:cTn id="21" dur="1" fill="hold">
+                                          <p:stCondLst>
+                                            <p:cond delay="0"/>
+                                          </p:stCondLst>
+                                        </p:cTn>
+                                        <p:tgtEl>
+                                          <p:spTgt spid="3">
+                                            <p:txEl>
+                                              <p:pRg st="4" end="4"/>
+                                            </p:txEl>
+                                          </p:spTgt>
+                                        </p:tgtEl>
+                                        <p:attrNameLst>
+                                          <p:attrName>style.visibility</p:attrName>
+                                        </p:attrNameLst>
+                                      </p:cBhvr>
+                                      <p:to>
+                                        <p:strVal val="visible"/>
+                                      </p:to>
+                                    </p:set>
+                                    <p:animEffect transition="in" filter="fade">
+                                      <p:cBhvr>
+                                        <p:cTn id="22" dur="500"/>
+                                        <p:tgtEl>
+                                          <p:spTgt spid="3">
+                                            <p:txEl>
+                                              <p:pRg st="4" end="4"/>
+                                            </p:txEl>
+                                          </p:spTgt>
+                                        </p:tgtEl>
+                                      </p:cBhvr>
+                                    </p:animEffect>
+                                  </p:childTnLst>
+                                </p:cTn>
+                              </p:par>
+                            </p:childTnLst>
+                          </p:cTn>
+                        </p:par>
+                      </p:childTnLst>
+                    </p:cTn>
+                  </p:par>
+                </p:childTnLst>
+              </p:cTn>
+              <p:prevCondLst>
+                <p:cond evt="onPrev" delay="0">
+                  <p:tgtEl>
+                    <p:sldTgt/>
+                  </p:tgtEl>
+                </p:cond>
+              </p:prevCondLst>
+              <p:nextCondLst>
+                <p:cond evt="onNext" delay="0">
+                  <p:tgtEl>
+                    <p:sldTgt/>
+                  </p:tgtEl>
+                </p:cond>
+              </p:nextCondLst>
+            </p:seq>
+          </p:childTnLst>
+        </p:cTn>
+      </p:par>
+    </p:tnLst>
+  </p:timing>
 </p:sld>
 </file>
 
